--- a/Presentation/Traffic-flow-modeling-and-analysis.pptx
+++ b/Presentation/Traffic-flow-modeling-and-analysis.pptx
@@ -7,6 +7,15 @@
   <p:sldIdLst>
     <p:sldId id="256" r:id="rId2"/>
     <p:sldId id="257" r:id="rId3"/>
+    <p:sldId id="258" r:id="rId4"/>
+    <p:sldId id="267" r:id="rId5"/>
+    <p:sldId id="261" r:id="rId6"/>
+    <p:sldId id="262" r:id="rId7"/>
+    <p:sldId id="259" r:id="rId8"/>
+    <p:sldId id="263" r:id="rId9"/>
+    <p:sldId id="264" r:id="rId10"/>
+    <p:sldId id="265" r:id="rId11"/>
+    <p:sldId id="266" r:id="rId12"/>
   </p:sldIdLst>
   <p:sldSz cx="12192000" cy="6858000"/>
   <p:notesSz cx="6858000" cy="9144000"/>
@@ -105,6 +114,11 @@
       </a:defRPr>
     </a:lvl9pPr>
   </p:defaultTextStyle>
+  <p:extLst>
+    <p:ext uri="{EFAFB233-063F-42B5-8137-9DF3F51BA10A}">
+      <p15:sldGuideLst xmlns:p15="http://schemas.microsoft.com/office/powerpoint/2012/main"/>
+    </p:ext>
+  </p:extLst>
 </p:presentation>
 </file>
 
@@ -255,7 +269,7 @@
           <a:p>
             <a:fld id="{2CE709E5-6494-42E6-9F3E-1EC649FF95E6}" type="datetimeFigureOut">
               <a:rPr lang="de-DE" smtClean="0"/>
-              <a:t>12.01.2021</a:t>
+              <a:t>17.01.2021</a:t>
             </a:fld>
             <a:endParaRPr lang="de-DE"/>
           </a:p>
@@ -453,7 +467,7 @@
           <a:p>
             <a:fld id="{2CE709E5-6494-42E6-9F3E-1EC649FF95E6}" type="datetimeFigureOut">
               <a:rPr lang="de-DE" smtClean="0"/>
-              <a:t>12.01.2021</a:t>
+              <a:t>17.01.2021</a:t>
             </a:fld>
             <a:endParaRPr lang="de-DE"/>
           </a:p>
@@ -661,7 +675,7 @@
           <a:p>
             <a:fld id="{2CE709E5-6494-42E6-9F3E-1EC649FF95E6}" type="datetimeFigureOut">
               <a:rPr lang="de-DE" smtClean="0"/>
-              <a:t>12.01.2021</a:t>
+              <a:t>17.01.2021</a:t>
             </a:fld>
             <a:endParaRPr lang="de-DE"/>
           </a:p>
@@ -859,7 +873,7 @@
           <a:p>
             <a:fld id="{2CE709E5-6494-42E6-9F3E-1EC649FF95E6}" type="datetimeFigureOut">
               <a:rPr lang="de-DE" smtClean="0"/>
-              <a:t>12.01.2021</a:t>
+              <a:t>17.01.2021</a:t>
             </a:fld>
             <a:endParaRPr lang="de-DE"/>
           </a:p>
@@ -1134,7 +1148,7 @@
           <a:p>
             <a:fld id="{2CE709E5-6494-42E6-9F3E-1EC649FF95E6}" type="datetimeFigureOut">
               <a:rPr lang="de-DE" smtClean="0"/>
-              <a:t>12.01.2021</a:t>
+              <a:t>17.01.2021</a:t>
             </a:fld>
             <a:endParaRPr lang="de-DE"/>
           </a:p>
@@ -1399,7 +1413,7 @@
           <a:p>
             <a:fld id="{2CE709E5-6494-42E6-9F3E-1EC649FF95E6}" type="datetimeFigureOut">
               <a:rPr lang="de-DE" smtClean="0"/>
-              <a:t>12.01.2021</a:t>
+              <a:t>17.01.2021</a:t>
             </a:fld>
             <a:endParaRPr lang="de-DE"/>
           </a:p>
@@ -1811,7 +1825,7 @@
           <a:p>
             <a:fld id="{2CE709E5-6494-42E6-9F3E-1EC649FF95E6}" type="datetimeFigureOut">
               <a:rPr lang="de-DE" smtClean="0"/>
-              <a:t>12.01.2021</a:t>
+              <a:t>17.01.2021</a:t>
             </a:fld>
             <a:endParaRPr lang="de-DE"/>
           </a:p>
@@ -1952,7 +1966,7 @@
           <a:p>
             <a:fld id="{2CE709E5-6494-42E6-9F3E-1EC649FF95E6}" type="datetimeFigureOut">
               <a:rPr lang="de-DE" smtClean="0"/>
-              <a:t>12.01.2021</a:t>
+              <a:t>17.01.2021</a:t>
             </a:fld>
             <a:endParaRPr lang="de-DE"/>
           </a:p>
@@ -2065,7 +2079,7 @@
           <a:p>
             <a:fld id="{2CE709E5-6494-42E6-9F3E-1EC649FF95E6}" type="datetimeFigureOut">
               <a:rPr lang="de-DE" smtClean="0"/>
-              <a:t>12.01.2021</a:t>
+              <a:t>17.01.2021</a:t>
             </a:fld>
             <a:endParaRPr lang="de-DE"/>
           </a:p>
@@ -2376,7 +2390,7 @@
           <a:p>
             <a:fld id="{2CE709E5-6494-42E6-9F3E-1EC649FF95E6}" type="datetimeFigureOut">
               <a:rPr lang="de-DE" smtClean="0"/>
-              <a:t>12.01.2021</a:t>
+              <a:t>17.01.2021</a:t>
             </a:fld>
             <a:endParaRPr lang="de-DE"/>
           </a:p>
@@ -2664,7 +2678,7 @@
           <a:p>
             <a:fld id="{2CE709E5-6494-42E6-9F3E-1EC649FF95E6}" type="datetimeFigureOut">
               <a:rPr lang="de-DE" smtClean="0"/>
-              <a:t>12.01.2021</a:t>
+              <a:t>17.01.2021</a:t>
             </a:fld>
             <a:endParaRPr lang="de-DE"/>
           </a:p>
@@ -2905,7 +2919,7 @@
           <a:p>
             <a:fld id="{2CE709E5-6494-42E6-9F3E-1EC649FF95E6}" type="datetimeFigureOut">
               <a:rPr lang="de-DE" smtClean="0"/>
-              <a:t>12.01.2021</a:t>
+              <a:t>17.01.2021</a:t>
             </a:fld>
             <a:endParaRPr lang="de-DE"/>
           </a:p>
@@ -3468,12 +3482,12 @@
           <a:lstStyle/>
           <a:p>
             <a:r>
-              <a:rPr lang="de-DE">
+              <a:rPr lang="de-DE" dirty="0">
                 <a:solidFill>
                   <a:srgbClr val="FFFFFF"/>
                 </a:solidFill>
               </a:rPr>
-              <a:t>Traffic flow modeling and analysis</a:t>
+              <a:t>Traffic Flow Modeling and Analysis</a:t>
             </a:r>
           </a:p>
         </p:txBody>
@@ -3567,6 +3581,1225 @@
   </p:cSld>
   <p:clrMapOvr>
     <a:overrideClrMapping bg1="dk1" tx1="lt1" bg2="dk2" tx2="lt2" accent1="accent1" accent2="accent2" accent3="accent3" accent4="accent4" accent5="accent5" accent6="accent6" hlink="hlink" folHlink="folHlink"/>
+  </p:clrMapOvr>
+</p:sld>
+</file>
+
+<file path=ppt/slides/slide10.xml><?xml version="1.0" encoding="utf-8"?>
+<p:sld xmlns:a="http://schemas.openxmlformats.org/drawingml/2006/main" xmlns:r="http://schemas.openxmlformats.org/officeDocument/2006/relationships" xmlns:p="http://schemas.openxmlformats.org/presentationml/2006/main">
+  <p:cSld>
+    <p:bg>
+      <p:bgPr>
+        <a:solidFill>
+          <a:schemeClr val="bg1"/>
+        </a:solidFill>
+        <a:effectLst/>
+      </p:bgPr>
+    </p:bg>
+    <p:spTree>
+      <p:nvGrpSpPr>
+        <p:cNvPr id="1" name=""/>
+        <p:cNvGrpSpPr/>
+        <p:nvPr/>
+      </p:nvGrpSpPr>
+      <p:grpSpPr>
+        <a:xfrm>
+          <a:off x="0" y="0"/>
+          <a:ext cx="0" cy="0"/>
+          <a:chOff x="0" y="0"/>
+          <a:chExt cx="0" cy="0"/>
+        </a:xfrm>
+      </p:grpSpPr>
+      <p:sp>
+        <p:nvSpPr>
+          <p:cNvPr id="9" name="Rectangle 8">
+            <a:extLst>
+              <a:ext uri="{FF2B5EF4-FFF2-40B4-BE49-F238E27FC236}">
+                <a16:creationId xmlns:a16="http://schemas.microsoft.com/office/drawing/2014/main" id="{71FC7D98-7B8B-402A-90FC-F027482F2142}"/>
+              </a:ext>
+              <a:ext uri="{C183D7F6-B498-43B3-948B-1728B52AA6E4}">
+                <adec:decorative xmlns:adec="http://schemas.microsoft.com/office/drawing/2017/decorative" val="1"/>
+              </a:ext>
+            </a:extLst>
+          </p:cNvPr>
+          <p:cNvSpPr>
+            <a:spLocks noGrp="1" noRot="1" noChangeAspect="1" noMove="1" noResize="1" noEditPoints="1" noAdjustHandles="1" noChangeArrowheads="1" noChangeShapeType="1" noTextEdit="1"/>
+          </p:cNvSpPr>
+          <p:nvPr>
+            <p:extLst>
+              <p:ext uri="{386F3935-93C4-4BCD-93E2-E3B085C9AB24}">
+                <p16:designElem xmlns:p16="http://schemas.microsoft.com/office/powerpoint/2015/main" val="1"/>
+              </p:ext>
+            </p:extLst>
+          </p:nvPr>
+        </p:nvSpPr>
+        <p:spPr>
+          <a:xfrm>
+            <a:off x="4625926" y="0"/>
+            <a:ext cx="7566074" cy="6858000"/>
+          </a:xfrm>
+          <a:prstGeom prst="rect">
+            <a:avLst/>
+          </a:prstGeom>
+          <a:solidFill>
+            <a:srgbClr val="C8CACA"/>
+          </a:solidFill>
+          <a:ln>
+            <a:noFill/>
+          </a:ln>
+        </p:spPr>
+        <p:style>
+          <a:lnRef idx="2">
+            <a:schemeClr val="accent1">
+              <a:shade val="50000"/>
+            </a:schemeClr>
+          </a:lnRef>
+          <a:fillRef idx="1">
+            <a:schemeClr val="accent1"/>
+          </a:fillRef>
+          <a:effectRef idx="0">
+            <a:schemeClr val="accent1"/>
+          </a:effectRef>
+          <a:fontRef idx="minor">
+            <a:schemeClr val="lt1"/>
+          </a:fontRef>
+        </p:style>
+        <p:txBody>
+          <a:bodyPr rtlCol="0" anchor="ctr"/>
+          <a:lstStyle/>
+          <a:p>
+            <a:pPr algn="ctr"/>
+            <a:endParaRPr lang="en-US"/>
+          </a:p>
+        </p:txBody>
+      </p:sp>
+      <p:sp>
+        <p:nvSpPr>
+          <p:cNvPr id="11" name="Rounded Rectangle 28">
+            <a:extLst>
+              <a:ext uri="{FF2B5EF4-FFF2-40B4-BE49-F238E27FC236}">
+                <a16:creationId xmlns:a16="http://schemas.microsoft.com/office/drawing/2014/main" id="{AD7356EA-285B-4E5D-8FEC-104659A4FD2C}"/>
+              </a:ext>
+              <a:ext uri="{C183D7F6-B498-43B3-948B-1728B52AA6E4}">
+                <adec:decorative xmlns:adec="http://schemas.microsoft.com/office/drawing/2017/decorative" val="1"/>
+              </a:ext>
+            </a:extLst>
+          </p:cNvPr>
+          <p:cNvSpPr>
+            <a:spLocks noGrp="1" noRot="1" noChangeAspect="1" noMove="1" noResize="1" noEditPoints="1" noAdjustHandles="1" noChangeArrowheads="1" noChangeShapeType="1" noTextEdit="1"/>
+          </p:cNvSpPr>
+          <p:nvPr>
+            <p:extLst>
+              <p:ext uri="{386F3935-93C4-4BCD-93E2-E3B085C9AB24}">
+                <p16:designElem xmlns:p16="http://schemas.microsoft.com/office/powerpoint/2015/main" val="1"/>
+              </p:ext>
+            </p:extLst>
+          </p:nvPr>
+        </p:nvSpPr>
+        <p:spPr>
+          <a:xfrm>
+            <a:off x="5275903" y="640091"/>
+            <a:ext cx="6266120" cy="5577818"/>
+          </a:xfrm>
+          <a:prstGeom prst="roundRect">
+            <a:avLst>
+              <a:gd name="adj" fmla="val 0"/>
+            </a:avLst>
+          </a:prstGeom>
+          <a:solidFill>
+            <a:srgbClr val="FFFFFF"/>
+          </a:solidFill>
+          <a:ln w="9525">
+            <a:solidFill>
+              <a:srgbClr val="C8CACA"/>
+            </a:solidFill>
+          </a:ln>
+          <a:effectLst>
+            <a:outerShdw blurRad="57150" dist="19050" dir="5400000" algn="t" rotWithShape="0">
+              <a:prstClr val="black">
+                <a:alpha val="63000"/>
+              </a:prstClr>
+            </a:outerShdw>
+          </a:effectLst>
+        </p:spPr>
+        <p:style>
+          <a:lnRef idx="2">
+            <a:schemeClr val="accent1">
+              <a:shade val="50000"/>
+            </a:schemeClr>
+          </a:lnRef>
+          <a:fillRef idx="1">
+            <a:schemeClr val="accent1"/>
+          </a:fillRef>
+          <a:effectRef idx="0">
+            <a:schemeClr val="accent1"/>
+          </a:effectRef>
+          <a:fontRef idx="minor">
+            <a:schemeClr val="lt1"/>
+          </a:fontRef>
+        </p:style>
+        <p:txBody>
+          <a:bodyPr rtlCol="0" anchor="ctr"/>
+          <a:lstStyle/>
+          <a:p>
+            <a:pPr algn="ctr"/>
+            <a:endParaRPr lang="en-US"/>
+          </a:p>
+        </p:txBody>
+      </p:sp>
+      <p:pic>
+        <p:nvPicPr>
+          <p:cNvPr id="4" name="Inhaltsplatzhalter 3">
+            <a:extLst>
+              <a:ext uri="{FF2B5EF4-FFF2-40B4-BE49-F238E27FC236}">
+                <a16:creationId xmlns:a16="http://schemas.microsoft.com/office/drawing/2014/main" id="{F3D7B3FC-9522-437C-91B0-607EA8EFE213}"/>
+              </a:ext>
+            </a:extLst>
+          </p:cNvPr>
+          <p:cNvPicPr>
+            <a:picLocks noGrp="1" noChangeAspect="1"/>
+          </p:cNvPicPr>
+          <p:nvPr>
+            <p:ph idx="1"/>
+          </p:nvPr>
+        </p:nvPicPr>
+        <p:blipFill rotWithShape="1">
+          <a:blip r:embed="rId2"/>
+          <a:srcRect r="34423" b="2"/>
+          <a:stretch/>
+        </p:blipFill>
+        <p:spPr>
+          <a:xfrm>
+            <a:off x="5441735" y="804672"/>
+            <a:ext cx="5934456" cy="5248656"/>
+          </a:xfrm>
+          <a:prstGeom prst="rect">
+            <a:avLst/>
+          </a:prstGeom>
+          <a:effectLst/>
+        </p:spPr>
+      </p:pic>
+      <p:sp>
+        <p:nvSpPr>
+          <p:cNvPr id="7" name="Inhaltsplatzhalter 2">
+            <a:extLst>
+              <a:ext uri="{FF2B5EF4-FFF2-40B4-BE49-F238E27FC236}">
+                <a16:creationId xmlns:a16="http://schemas.microsoft.com/office/drawing/2014/main" id="{61A60322-5AB8-4FFA-A427-452CB30E013C}"/>
+              </a:ext>
+            </a:extLst>
+          </p:cNvPr>
+          <p:cNvSpPr txBox="1">
+            <a:spLocks/>
+          </p:cNvSpPr>
+          <p:nvPr/>
+        </p:nvSpPr>
+        <p:spPr>
+          <a:xfrm>
+            <a:off x="417910" y="1143000"/>
+            <a:ext cx="3883027" cy="5074909"/>
+          </a:xfrm>
+          <a:prstGeom prst="rect">
+            <a:avLst/>
+          </a:prstGeom>
+        </p:spPr>
+        <p:txBody>
+          <a:bodyPr vert="horz" lIns="91440" tIns="45720" rIns="91440" bIns="45720" rtlCol="0">
+            <a:normAutofit/>
+          </a:bodyPr>
+          <a:lstStyle>
+            <a:lvl1pPr marL="228600" indent="-228600" algn="l" defTabSz="914400" rtl="0" eaLnBrk="1" latinLnBrk="0" hangingPunct="1">
+              <a:lnSpc>
+                <a:spcPct val="90000"/>
+              </a:lnSpc>
+              <a:spcBef>
+                <a:spcPts val="1000"/>
+              </a:spcBef>
+              <a:buFont typeface="Arial" panose="020B0604020202020204" pitchFamily="34" charset="0"/>
+              <a:buChar char="•"/>
+              <a:defRPr sz="2800" kern="1200">
+                <a:solidFill>
+                  <a:schemeClr val="tx1"/>
+                </a:solidFill>
+                <a:latin typeface="+mn-lt"/>
+                <a:ea typeface="+mn-ea"/>
+                <a:cs typeface="+mn-cs"/>
+              </a:defRPr>
+            </a:lvl1pPr>
+            <a:lvl2pPr marL="685800" indent="-228600" algn="l" defTabSz="914400" rtl="0" eaLnBrk="1" latinLnBrk="0" hangingPunct="1">
+              <a:lnSpc>
+                <a:spcPct val="90000"/>
+              </a:lnSpc>
+              <a:spcBef>
+                <a:spcPts val="500"/>
+              </a:spcBef>
+              <a:buFont typeface="Arial" panose="020B0604020202020204" pitchFamily="34" charset="0"/>
+              <a:buChar char="•"/>
+              <a:defRPr sz="2400" kern="1200">
+                <a:solidFill>
+                  <a:schemeClr val="tx1"/>
+                </a:solidFill>
+                <a:latin typeface="+mn-lt"/>
+                <a:ea typeface="+mn-ea"/>
+                <a:cs typeface="+mn-cs"/>
+              </a:defRPr>
+            </a:lvl2pPr>
+            <a:lvl3pPr marL="1143000" indent="-228600" algn="l" defTabSz="914400" rtl="0" eaLnBrk="1" latinLnBrk="0" hangingPunct="1">
+              <a:lnSpc>
+                <a:spcPct val="90000"/>
+              </a:lnSpc>
+              <a:spcBef>
+                <a:spcPts val="500"/>
+              </a:spcBef>
+              <a:buFont typeface="Arial" panose="020B0604020202020204" pitchFamily="34" charset="0"/>
+              <a:buChar char="•"/>
+              <a:defRPr sz="2000" kern="1200">
+                <a:solidFill>
+                  <a:schemeClr val="tx1"/>
+                </a:solidFill>
+                <a:latin typeface="+mn-lt"/>
+                <a:ea typeface="+mn-ea"/>
+                <a:cs typeface="+mn-cs"/>
+              </a:defRPr>
+            </a:lvl3pPr>
+            <a:lvl4pPr marL="1600200" indent="-228600" algn="l" defTabSz="914400" rtl="0" eaLnBrk="1" latinLnBrk="0" hangingPunct="1">
+              <a:lnSpc>
+                <a:spcPct val="90000"/>
+              </a:lnSpc>
+              <a:spcBef>
+                <a:spcPts val="500"/>
+              </a:spcBef>
+              <a:buFont typeface="Arial" panose="020B0604020202020204" pitchFamily="34" charset="0"/>
+              <a:buChar char="•"/>
+              <a:defRPr sz="1800" kern="1200">
+                <a:solidFill>
+                  <a:schemeClr val="tx1"/>
+                </a:solidFill>
+                <a:latin typeface="+mn-lt"/>
+                <a:ea typeface="+mn-ea"/>
+                <a:cs typeface="+mn-cs"/>
+              </a:defRPr>
+            </a:lvl4pPr>
+            <a:lvl5pPr marL="2057400" indent="-228600" algn="l" defTabSz="914400" rtl="0" eaLnBrk="1" latinLnBrk="0" hangingPunct="1">
+              <a:lnSpc>
+                <a:spcPct val="90000"/>
+              </a:lnSpc>
+              <a:spcBef>
+                <a:spcPts val="500"/>
+              </a:spcBef>
+              <a:buFont typeface="Arial" panose="020B0604020202020204" pitchFamily="34" charset="0"/>
+              <a:buChar char="•"/>
+              <a:defRPr sz="1800" kern="1200">
+                <a:solidFill>
+                  <a:schemeClr val="tx1"/>
+                </a:solidFill>
+                <a:latin typeface="+mn-lt"/>
+                <a:ea typeface="+mn-ea"/>
+                <a:cs typeface="+mn-cs"/>
+              </a:defRPr>
+            </a:lvl5pPr>
+            <a:lvl6pPr marL="2514600" indent="-228600" algn="l" defTabSz="914400" rtl="0" eaLnBrk="1" latinLnBrk="0" hangingPunct="1">
+              <a:lnSpc>
+                <a:spcPct val="90000"/>
+              </a:lnSpc>
+              <a:spcBef>
+                <a:spcPts val="500"/>
+              </a:spcBef>
+              <a:buFont typeface="Arial" panose="020B0604020202020204" pitchFamily="34" charset="0"/>
+              <a:buChar char="•"/>
+              <a:defRPr sz="1800" kern="1200">
+                <a:solidFill>
+                  <a:schemeClr val="tx1"/>
+                </a:solidFill>
+                <a:latin typeface="+mn-lt"/>
+                <a:ea typeface="+mn-ea"/>
+                <a:cs typeface="+mn-cs"/>
+              </a:defRPr>
+            </a:lvl6pPr>
+            <a:lvl7pPr marL="2971800" indent="-228600" algn="l" defTabSz="914400" rtl="0" eaLnBrk="1" latinLnBrk="0" hangingPunct="1">
+              <a:lnSpc>
+                <a:spcPct val="90000"/>
+              </a:lnSpc>
+              <a:spcBef>
+                <a:spcPts val="500"/>
+              </a:spcBef>
+              <a:buFont typeface="Arial" panose="020B0604020202020204" pitchFamily="34" charset="0"/>
+              <a:buChar char="•"/>
+              <a:defRPr sz="1800" kern="1200">
+                <a:solidFill>
+                  <a:schemeClr val="tx1"/>
+                </a:solidFill>
+                <a:latin typeface="+mn-lt"/>
+                <a:ea typeface="+mn-ea"/>
+                <a:cs typeface="+mn-cs"/>
+              </a:defRPr>
+            </a:lvl7pPr>
+            <a:lvl8pPr marL="3429000" indent="-228600" algn="l" defTabSz="914400" rtl="0" eaLnBrk="1" latinLnBrk="0" hangingPunct="1">
+              <a:lnSpc>
+                <a:spcPct val="90000"/>
+              </a:lnSpc>
+              <a:spcBef>
+                <a:spcPts val="500"/>
+              </a:spcBef>
+              <a:buFont typeface="Arial" panose="020B0604020202020204" pitchFamily="34" charset="0"/>
+              <a:buChar char="•"/>
+              <a:defRPr sz="1800" kern="1200">
+                <a:solidFill>
+                  <a:schemeClr val="tx1"/>
+                </a:solidFill>
+                <a:latin typeface="+mn-lt"/>
+                <a:ea typeface="+mn-ea"/>
+                <a:cs typeface="+mn-cs"/>
+              </a:defRPr>
+            </a:lvl8pPr>
+            <a:lvl9pPr marL="3886200" indent="-228600" algn="l" defTabSz="914400" rtl="0" eaLnBrk="1" latinLnBrk="0" hangingPunct="1">
+              <a:lnSpc>
+                <a:spcPct val="90000"/>
+              </a:lnSpc>
+              <a:spcBef>
+                <a:spcPts val="500"/>
+              </a:spcBef>
+              <a:buFont typeface="Arial" panose="020B0604020202020204" pitchFamily="34" charset="0"/>
+              <a:buChar char="•"/>
+              <a:defRPr sz="1800" kern="1200">
+                <a:solidFill>
+                  <a:schemeClr val="tx1"/>
+                </a:solidFill>
+                <a:latin typeface="+mn-lt"/>
+                <a:ea typeface="+mn-ea"/>
+                <a:cs typeface="+mn-cs"/>
+              </a:defRPr>
+            </a:lvl9pPr>
+          </a:lstStyle>
+          <a:p>
+            <a:r>
+              <a:rPr lang="en-US" sz="2000" dirty="0" err="1"/>
+              <a:t>Für</a:t>
+            </a:r>
+            <a:r>
+              <a:rPr lang="en-US" sz="2000" dirty="0"/>
+              <a:t> </a:t>
+            </a:r>
+            <a:r>
+              <a:rPr lang="en-US" sz="2000" dirty="0" err="1"/>
+              <a:t>jede</a:t>
+            </a:r>
+            <a:r>
+              <a:rPr lang="en-US" sz="2000" dirty="0"/>
+              <a:t> </a:t>
+            </a:r>
+            <a:r>
+              <a:rPr lang="en-US" sz="2000" dirty="0" err="1"/>
+              <a:t>Richtung</a:t>
+            </a:r>
+            <a:r>
+              <a:rPr lang="en-US" sz="2000" dirty="0"/>
+              <a:t> </a:t>
+            </a:r>
+            <a:r>
+              <a:rPr lang="en-US" sz="2000" dirty="0" err="1"/>
+              <a:t>gibt</a:t>
+            </a:r>
+            <a:r>
+              <a:rPr lang="en-US" sz="2000" dirty="0"/>
+              <a:t> es </a:t>
+            </a:r>
+            <a:r>
+              <a:rPr lang="en-US" sz="2000" dirty="0" err="1"/>
+              <a:t>einen</a:t>
+            </a:r>
+            <a:r>
+              <a:rPr lang="en-US" sz="2000" dirty="0"/>
+              <a:t> </a:t>
+            </a:r>
+            <a:r>
+              <a:rPr lang="en-US" sz="2000" dirty="0" err="1"/>
+              <a:t>solchen</a:t>
+            </a:r>
+            <a:r>
+              <a:rPr lang="en-US" sz="2000" dirty="0"/>
+              <a:t> Block</a:t>
+            </a:r>
+          </a:p>
+          <a:p>
+            <a:r>
+              <a:rPr lang="en-US" sz="2000" dirty="0" err="1"/>
+              <a:t>Hier</a:t>
+            </a:r>
+            <a:r>
+              <a:rPr lang="en-US" sz="2000" dirty="0"/>
+              <a:t> </a:t>
+            </a:r>
+            <a:r>
+              <a:rPr lang="en-US" sz="2000" dirty="0" err="1"/>
+              <a:t>wird</a:t>
+            </a:r>
+            <a:r>
+              <a:rPr lang="en-US" sz="2000" dirty="0"/>
+              <a:t> der Indicator </a:t>
+            </a:r>
+            <a:r>
+              <a:rPr lang="en-US" sz="2000" dirty="0" err="1"/>
+              <a:t>betrachtet</a:t>
+            </a:r>
+            <a:r>
+              <a:rPr lang="en-US" sz="2000" dirty="0"/>
+              <a:t> und </a:t>
+            </a:r>
+            <a:r>
+              <a:rPr lang="en-US" sz="2000" dirty="0" err="1"/>
+              <a:t>ob</a:t>
+            </a:r>
+            <a:r>
+              <a:rPr lang="en-US" sz="2000" dirty="0"/>
+              <a:t> von </a:t>
+            </a:r>
+            <a:r>
+              <a:rPr lang="en-US" sz="2000" dirty="0" err="1"/>
+              <a:t>anderen</a:t>
+            </a:r>
+            <a:r>
+              <a:rPr lang="en-US" sz="2000" dirty="0"/>
+              <a:t> </a:t>
+            </a:r>
+            <a:r>
+              <a:rPr lang="en-US" sz="2000" dirty="0" err="1"/>
+              <a:t>Richtungen</a:t>
+            </a:r>
+            <a:r>
+              <a:rPr lang="en-US" sz="2000" dirty="0"/>
+              <a:t> Autos </a:t>
+            </a:r>
+            <a:r>
+              <a:rPr lang="en-US" sz="2000" dirty="0" err="1"/>
+              <a:t>kommen</a:t>
+            </a:r>
+            <a:r>
+              <a:rPr lang="en-US" sz="2000" dirty="0"/>
+              <a:t>, die </a:t>
+            </a:r>
+            <a:r>
+              <a:rPr lang="en-US" sz="2000" dirty="0" err="1"/>
+              <a:t>eventuell</a:t>
+            </a:r>
+            <a:r>
+              <a:rPr lang="en-US" sz="2000" dirty="0"/>
+              <a:t> die </a:t>
+            </a:r>
+            <a:r>
+              <a:rPr lang="en-US" sz="2000" dirty="0" err="1"/>
+              <a:t>Vorfahrt</a:t>
+            </a:r>
+            <a:r>
+              <a:rPr lang="en-US" sz="2000" dirty="0"/>
+              <a:t> </a:t>
+            </a:r>
+            <a:r>
+              <a:rPr lang="en-US" sz="2000" dirty="0" err="1"/>
+              <a:t>beeinflussen</a:t>
+            </a:r>
+            <a:endParaRPr lang="en-US" sz="2000" dirty="0"/>
+          </a:p>
+          <a:p>
+            <a:r>
+              <a:rPr lang="en-US" sz="2000" dirty="0" err="1"/>
+              <a:t>Wenn</a:t>
+            </a:r>
+            <a:r>
+              <a:rPr lang="en-US" sz="2000" dirty="0"/>
+              <a:t> man </a:t>
+            </a:r>
+            <a:r>
+              <a:rPr lang="en-US" sz="2000" dirty="0" err="1"/>
+              <a:t>fahren</a:t>
+            </a:r>
+            <a:r>
+              <a:rPr lang="en-US" sz="2000" dirty="0"/>
+              <a:t> </a:t>
+            </a:r>
+            <a:r>
+              <a:rPr lang="en-US" sz="2000" dirty="0" err="1"/>
+              <a:t>darf</a:t>
+            </a:r>
+            <a:r>
+              <a:rPr lang="en-US" sz="2000" dirty="0"/>
+              <a:t>, </a:t>
+            </a:r>
+            <a:r>
+              <a:rPr lang="en-US" sz="2000" dirty="0" err="1"/>
+              <a:t>wird</a:t>
+            </a:r>
+            <a:r>
+              <a:rPr lang="en-US" sz="2000" dirty="0"/>
+              <a:t> das </a:t>
+            </a:r>
+            <a:r>
+              <a:rPr lang="en-US" sz="2000" dirty="0" err="1"/>
+              <a:t>entsprechende</a:t>
+            </a:r>
+            <a:r>
+              <a:rPr lang="en-US" sz="2000" dirty="0"/>
+              <a:t> Auto an den Output </a:t>
+            </a:r>
+            <a:r>
+              <a:rPr lang="en-US" sz="2000" dirty="0" err="1"/>
+              <a:t>gesendet</a:t>
+            </a:r>
+            <a:r>
+              <a:rPr lang="en-US" sz="2000" dirty="0"/>
+              <a:t> und von der Queue </a:t>
+            </a:r>
+            <a:r>
+              <a:rPr lang="en-US" sz="2000" dirty="0" err="1"/>
+              <a:t>ge-popt</a:t>
+            </a:r>
+            <a:endParaRPr lang="en-US" sz="2000" dirty="0"/>
+          </a:p>
+          <a:p>
+            <a:r>
+              <a:rPr lang="en-US" sz="2000" dirty="0" err="1"/>
+              <a:t>Gleiches</a:t>
+            </a:r>
+            <a:r>
+              <a:rPr lang="en-US" sz="2000" dirty="0"/>
+              <a:t> </a:t>
+            </a:r>
+            <a:r>
+              <a:rPr lang="en-US" sz="2000" dirty="0" err="1"/>
+              <a:t>Prinzip</a:t>
+            </a:r>
+            <a:r>
+              <a:rPr lang="en-US" sz="2000" dirty="0"/>
+              <a:t> </a:t>
+            </a:r>
+            <a:r>
+              <a:rPr lang="en-US" sz="2000" dirty="0" err="1"/>
+              <a:t>für</a:t>
+            </a:r>
+            <a:r>
+              <a:rPr lang="en-US" sz="2000" dirty="0"/>
+              <a:t> </a:t>
+            </a:r>
+            <a:r>
+              <a:rPr lang="en-US" sz="2000" dirty="0" err="1"/>
+              <a:t>eine</a:t>
+            </a:r>
+            <a:r>
+              <a:rPr lang="en-US" sz="2000" dirty="0"/>
+              <a:t> Cross-intersection </a:t>
+            </a:r>
+            <a:r>
+              <a:rPr lang="en-US" sz="2000" dirty="0" err="1"/>
+              <a:t>nur</a:t>
+            </a:r>
+            <a:r>
+              <a:rPr lang="en-US" sz="2000" dirty="0"/>
+              <a:t> </a:t>
+            </a:r>
+            <a:r>
+              <a:rPr lang="en-US" sz="2000" dirty="0" err="1"/>
+              <a:t>mit</a:t>
+            </a:r>
+            <a:r>
+              <a:rPr lang="en-US" sz="2000" dirty="0"/>
+              <a:t> </a:t>
+            </a:r>
+            <a:r>
+              <a:rPr lang="en-US" sz="2000" dirty="0" err="1"/>
+              <a:t>komplexerer</a:t>
+            </a:r>
+            <a:r>
+              <a:rPr lang="en-US" sz="2000" dirty="0"/>
+              <a:t> </a:t>
+            </a:r>
+            <a:r>
+              <a:rPr lang="en-US" sz="2000" dirty="0" err="1"/>
+              <a:t>Rechtsregel</a:t>
+            </a:r>
+            <a:r>
+              <a:rPr lang="en-US" sz="2000" dirty="0"/>
+              <a:t>, da </a:t>
+            </a:r>
+            <a:r>
+              <a:rPr lang="en-US" sz="2000" dirty="0" err="1"/>
+              <a:t>eine</a:t>
+            </a:r>
+            <a:r>
+              <a:rPr lang="en-US" sz="2000" dirty="0"/>
+              <a:t> </a:t>
+            </a:r>
+            <a:r>
+              <a:rPr lang="en-US" sz="2000" dirty="0" err="1"/>
+              <a:t>Richtung</a:t>
+            </a:r>
+            <a:r>
+              <a:rPr lang="en-US" sz="2000" dirty="0"/>
+              <a:t> </a:t>
+            </a:r>
+            <a:r>
+              <a:rPr lang="en-US" sz="2000" dirty="0" err="1"/>
+              <a:t>dazu</a:t>
+            </a:r>
+            <a:r>
+              <a:rPr lang="en-US" sz="2000" dirty="0"/>
+              <a:t> </a:t>
+            </a:r>
+            <a:r>
+              <a:rPr lang="en-US" sz="2000" dirty="0" err="1"/>
+              <a:t>kommt</a:t>
+            </a:r>
+            <a:endParaRPr lang="en-US" sz="2000" dirty="0"/>
+          </a:p>
+        </p:txBody>
+      </p:sp>
+    </p:spTree>
+    <p:extLst>
+      <p:ext uri="{BB962C8B-B14F-4D97-AF65-F5344CB8AC3E}">
+        <p14:creationId xmlns:p14="http://schemas.microsoft.com/office/powerpoint/2010/main" val="3967175924"/>
+      </p:ext>
+    </p:extLst>
+  </p:cSld>
+  <p:clrMapOvr>
+    <a:masterClrMapping/>
+  </p:clrMapOvr>
+</p:sld>
+</file>
+
+<file path=ppt/slides/slide11.xml><?xml version="1.0" encoding="utf-8"?>
+<p:sld xmlns:a="http://schemas.openxmlformats.org/drawingml/2006/main" xmlns:r="http://schemas.openxmlformats.org/officeDocument/2006/relationships" xmlns:p="http://schemas.openxmlformats.org/presentationml/2006/main">
+  <p:cSld>
+    <p:bg>
+      <p:bgPr>
+        <a:solidFill>
+          <a:schemeClr val="bg1"/>
+        </a:solidFill>
+        <a:effectLst/>
+      </p:bgPr>
+    </p:bg>
+    <p:spTree>
+      <p:nvGrpSpPr>
+        <p:cNvPr id="1" name=""/>
+        <p:cNvGrpSpPr/>
+        <p:nvPr/>
+      </p:nvGrpSpPr>
+      <p:grpSpPr>
+        <a:xfrm>
+          <a:off x="0" y="0"/>
+          <a:ext cx="0" cy="0"/>
+          <a:chOff x="0" y="0"/>
+          <a:chExt cx="0" cy="0"/>
+        </a:xfrm>
+      </p:grpSpPr>
+      <p:sp>
+        <p:nvSpPr>
+          <p:cNvPr id="2" name="Titel 1">
+            <a:extLst>
+              <a:ext uri="{FF2B5EF4-FFF2-40B4-BE49-F238E27FC236}">
+                <a16:creationId xmlns:a16="http://schemas.microsoft.com/office/drawing/2014/main" id="{073F535C-AB58-4FA4-907F-873955C67F74}"/>
+              </a:ext>
+            </a:extLst>
+          </p:cNvPr>
+          <p:cNvSpPr>
+            <a:spLocks noGrp="1"/>
+          </p:cNvSpPr>
+          <p:nvPr>
+            <p:ph type="title"/>
+          </p:nvPr>
+        </p:nvSpPr>
+        <p:spPr>
+          <a:xfrm>
+            <a:off x="645859" y="640081"/>
+            <a:ext cx="3494341" cy="960119"/>
+          </a:xfrm>
+          <a:noFill/>
+        </p:spPr>
+        <p:txBody>
+          <a:bodyPr vert="horz" lIns="91440" tIns="45720" rIns="91440" bIns="45720" rtlCol="0" anchor="b">
+            <a:normAutofit/>
+          </a:bodyPr>
+          <a:lstStyle/>
+          <a:p>
+            <a:r>
+              <a:rPr lang="en-US" sz="4600" dirty="0"/>
+              <a:t>Street</a:t>
+            </a:r>
+          </a:p>
+        </p:txBody>
+      </p:sp>
+      <p:sp>
+        <p:nvSpPr>
+          <p:cNvPr id="9" name="Rectangle 8">
+            <a:extLst>
+              <a:ext uri="{FF2B5EF4-FFF2-40B4-BE49-F238E27FC236}">
+                <a16:creationId xmlns:a16="http://schemas.microsoft.com/office/drawing/2014/main" id="{71FC7D98-7B8B-402A-90FC-F027482F2142}"/>
+              </a:ext>
+              <a:ext uri="{C183D7F6-B498-43B3-948B-1728B52AA6E4}">
+                <adec:decorative xmlns:adec="http://schemas.microsoft.com/office/drawing/2017/decorative" val="1"/>
+              </a:ext>
+            </a:extLst>
+          </p:cNvPr>
+          <p:cNvSpPr>
+            <a:spLocks noGrp="1" noRot="1" noChangeAspect="1" noMove="1" noResize="1" noEditPoints="1" noAdjustHandles="1" noChangeArrowheads="1" noChangeShapeType="1" noTextEdit="1"/>
+          </p:cNvSpPr>
+          <p:nvPr>
+            <p:extLst>
+              <p:ext uri="{386F3935-93C4-4BCD-93E2-E3B085C9AB24}">
+                <p16:designElem xmlns:p16="http://schemas.microsoft.com/office/powerpoint/2015/main" val="1"/>
+              </p:ext>
+            </p:extLst>
+          </p:nvPr>
+        </p:nvSpPr>
+        <p:spPr>
+          <a:xfrm>
+            <a:off x="4625926" y="0"/>
+            <a:ext cx="7566074" cy="6858000"/>
+          </a:xfrm>
+          <a:prstGeom prst="rect">
+            <a:avLst/>
+          </a:prstGeom>
+          <a:solidFill>
+            <a:srgbClr val="C8CACA"/>
+          </a:solidFill>
+          <a:ln>
+            <a:noFill/>
+          </a:ln>
+        </p:spPr>
+        <p:style>
+          <a:lnRef idx="2">
+            <a:schemeClr val="accent1">
+              <a:shade val="50000"/>
+            </a:schemeClr>
+          </a:lnRef>
+          <a:fillRef idx="1">
+            <a:schemeClr val="accent1"/>
+          </a:fillRef>
+          <a:effectRef idx="0">
+            <a:schemeClr val="accent1"/>
+          </a:effectRef>
+          <a:fontRef idx="minor">
+            <a:schemeClr val="lt1"/>
+          </a:fontRef>
+        </p:style>
+        <p:txBody>
+          <a:bodyPr rtlCol="0" anchor="ctr"/>
+          <a:lstStyle/>
+          <a:p>
+            <a:pPr algn="ctr"/>
+            <a:endParaRPr lang="en-US"/>
+          </a:p>
+        </p:txBody>
+      </p:sp>
+      <p:sp>
+        <p:nvSpPr>
+          <p:cNvPr id="11" name="Rounded Rectangle 28">
+            <a:extLst>
+              <a:ext uri="{FF2B5EF4-FFF2-40B4-BE49-F238E27FC236}">
+                <a16:creationId xmlns:a16="http://schemas.microsoft.com/office/drawing/2014/main" id="{AD7356EA-285B-4E5D-8FEC-104659A4FD2C}"/>
+              </a:ext>
+              <a:ext uri="{C183D7F6-B498-43B3-948B-1728B52AA6E4}">
+                <adec:decorative xmlns:adec="http://schemas.microsoft.com/office/drawing/2017/decorative" val="1"/>
+              </a:ext>
+            </a:extLst>
+          </p:cNvPr>
+          <p:cNvSpPr>
+            <a:spLocks noGrp="1" noRot="1" noChangeAspect="1" noMove="1" noResize="1" noEditPoints="1" noAdjustHandles="1" noChangeArrowheads="1" noChangeShapeType="1" noTextEdit="1"/>
+          </p:cNvSpPr>
+          <p:nvPr>
+            <p:extLst>
+              <p:ext uri="{386F3935-93C4-4BCD-93E2-E3B085C9AB24}">
+                <p16:designElem xmlns:p16="http://schemas.microsoft.com/office/powerpoint/2015/main" val="1"/>
+              </p:ext>
+            </p:extLst>
+          </p:nvPr>
+        </p:nvSpPr>
+        <p:spPr>
+          <a:xfrm>
+            <a:off x="5275903" y="640091"/>
+            <a:ext cx="6266120" cy="5577818"/>
+          </a:xfrm>
+          <a:prstGeom prst="roundRect">
+            <a:avLst>
+              <a:gd name="adj" fmla="val 0"/>
+            </a:avLst>
+          </a:prstGeom>
+          <a:solidFill>
+            <a:srgbClr val="FFFFFF"/>
+          </a:solidFill>
+          <a:ln w="9525">
+            <a:solidFill>
+              <a:srgbClr val="C8CACA"/>
+            </a:solidFill>
+          </a:ln>
+          <a:effectLst>
+            <a:outerShdw blurRad="57150" dist="19050" dir="5400000" algn="t" rotWithShape="0">
+              <a:prstClr val="black">
+                <a:alpha val="63000"/>
+              </a:prstClr>
+            </a:outerShdw>
+          </a:effectLst>
+        </p:spPr>
+        <p:style>
+          <a:lnRef idx="2">
+            <a:schemeClr val="accent1">
+              <a:shade val="50000"/>
+            </a:schemeClr>
+          </a:lnRef>
+          <a:fillRef idx="1">
+            <a:schemeClr val="accent1"/>
+          </a:fillRef>
+          <a:effectRef idx="0">
+            <a:schemeClr val="accent1"/>
+          </a:effectRef>
+          <a:fontRef idx="minor">
+            <a:schemeClr val="lt1"/>
+          </a:fontRef>
+        </p:style>
+        <p:txBody>
+          <a:bodyPr rtlCol="0" anchor="ctr"/>
+          <a:lstStyle/>
+          <a:p>
+            <a:pPr algn="ctr"/>
+            <a:endParaRPr lang="en-US"/>
+          </a:p>
+        </p:txBody>
+      </p:sp>
+      <p:pic>
+        <p:nvPicPr>
+          <p:cNvPr id="4" name="Inhaltsplatzhalter 3">
+            <a:extLst>
+              <a:ext uri="{FF2B5EF4-FFF2-40B4-BE49-F238E27FC236}">
+                <a16:creationId xmlns:a16="http://schemas.microsoft.com/office/drawing/2014/main" id="{2089BA4F-1374-4D98-BE66-C68508EA0894}"/>
+              </a:ext>
+            </a:extLst>
+          </p:cNvPr>
+          <p:cNvPicPr>
+            <a:picLocks noGrp="1" noChangeAspect="1"/>
+          </p:cNvPicPr>
+          <p:nvPr>
+            <p:ph idx="1"/>
+          </p:nvPr>
+        </p:nvPicPr>
+        <p:blipFill rotWithShape="1">
+          <a:blip r:embed="rId2"/>
+          <a:srcRect l="13367" r="8900"/>
+          <a:stretch/>
+        </p:blipFill>
+        <p:spPr>
+          <a:xfrm>
+            <a:off x="5441735" y="804672"/>
+            <a:ext cx="5934456" cy="5248656"/>
+          </a:xfrm>
+          <a:prstGeom prst="rect">
+            <a:avLst/>
+          </a:prstGeom>
+          <a:effectLst/>
+        </p:spPr>
+      </p:pic>
+      <p:sp>
+        <p:nvSpPr>
+          <p:cNvPr id="7" name="Inhaltsplatzhalter 2">
+            <a:extLst>
+              <a:ext uri="{FF2B5EF4-FFF2-40B4-BE49-F238E27FC236}">
+                <a16:creationId xmlns:a16="http://schemas.microsoft.com/office/drawing/2014/main" id="{1889E7B1-15DA-497C-AB2C-61357DC70AA3}"/>
+              </a:ext>
+            </a:extLst>
+          </p:cNvPr>
+          <p:cNvSpPr txBox="1">
+            <a:spLocks/>
+          </p:cNvSpPr>
+          <p:nvPr/>
+        </p:nvSpPr>
+        <p:spPr>
+          <a:xfrm>
+            <a:off x="417910" y="1785938"/>
+            <a:ext cx="3883027" cy="4431971"/>
+          </a:xfrm>
+          <a:prstGeom prst="rect">
+            <a:avLst/>
+          </a:prstGeom>
+        </p:spPr>
+        <p:txBody>
+          <a:bodyPr vert="horz" lIns="91440" tIns="45720" rIns="91440" bIns="45720" rtlCol="0">
+            <a:normAutofit/>
+          </a:bodyPr>
+          <a:lstStyle>
+            <a:lvl1pPr marL="228600" indent="-228600" algn="l" defTabSz="914400" rtl="0" eaLnBrk="1" latinLnBrk="0" hangingPunct="1">
+              <a:lnSpc>
+                <a:spcPct val="90000"/>
+              </a:lnSpc>
+              <a:spcBef>
+                <a:spcPts val="1000"/>
+              </a:spcBef>
+              <a:buFont typeface="Arial" panose="020B0604020202020204" pitchFamily="34" charset="0"/>
+              <a:buChar char="•"/>
+              <a:defRPr sz="2800" kern="1200">
+                <a:solidFill>
+                  <a:schemeClr val="tx1"/>
+                </a:solidFill>
+                <a:latin typeface="+mn-lt"/>
+                <a:ea typeface="+mn-ea"/>
+                <a:cs typeface="+mn-cs"/>
+              </a:defRPr>
+            </a:lvl1pPr>
+            <a:lvl2pPr marL="685800" indent="-228600" algn="l" defTabSz="914400" rtl="0" eaLnBrk="1" latinLnBrk="0" hangingPunct="1">
+              <a:lnSpc>
+                <a:spcPct val="90000"/>
+              </a:lnSpc>
+              <a:spcBef>
+                <a:spcPts val="500"/>
+              </a:spcBef>
+              <a:buFont typeface="Arial" panose="020B0604020202020204" pitchFamily="34" charset="0"/>
+              <a:buChar char="•"/>
+              <a:defRPr sz="2400" kern="1200">
+                <a:solidFill>
+                  <a:schemeClr val="tx1"/>
+                </a:solidFill>
+                <a:latin typeface="+mn-lt"/>
+                <a:ea typeface="+mn-ea"/>
+                <a:cs typeface="+mn-cs"/>
+              </a:defRPr>
+            </a:lvl2pPr>
+            <a:lvl3pPr marL="1143000" indent="-228600" algn="l" defTabSz="914400" rtl="0" eaLnBrk="1" latinLnBrk="0" hangingPunct="1">
+              <a:lnSpc>
+                <a:spcPct val="90000"/>
+              </a:lnSpc>
+              <a:spcBef>
+                <a:spcPts val="500"/>
+              </a:spcBef>
+              <a:buFont typeface="Arial" panose="020B0604020202020204" pitchFamily="34" charset="0"/>
+              <a:buChar char="•"/>
+              <a:defRPr sz="2000" kern="1200">
+                <a:solidFill>
+                  <a:schemeClr val="tx1"/>
+                </a:solidFill>
+                <a:latin typeface="+mn-lt"/>
+                <a:ea typeface="+mn-ea"/>
+                <a:cs typeface="+mn-cs"/>
+              </a:defRPr>
+            </a:lvl3pPr>
+            <a:lvl4pPr marL="1600200" indent="-228600" algn="l" defTabSz="914400" rtl="0" eaLnBrk="1" latinLnBrk="0" hangingPunct="1">
+              <a:lnSpc>
+                <a:spcPct val="90000"/>
+              </a:lnSpc>
+              <a:spcBef>
+                <a:spcPts val="500"/>
+              </a:spcBef>
+              <a:buFont typeface="Arial" panose="020B0604020202020204" pitchFamily="34" charset="0"/>
+              <a:buChar char="•"/>
+              <a:defRPr sz="1800" kern="1200">
+                <a:solidFill>
+                  <a:schemeClr val="tx1"/>
+                </a:solidFill>
+                <a:latin typeface="+mn-lt"/>
+                <a:ea typeface="+mn-ea"/>
+                <a:cs typeface="+mn-cs"/>
+              </a:defRPr>
+            </a:lvl4pPr>
+            <a:lvl5pPr marL="2057400" indent="-228600" algn="l" defTabSz="914400" rtl="0" eaLnBrk="1" latinLnBrk="0" hangingPunct="1">
+              <a:lnSpc>
+                <a:spcPct val="90000"/>
+              </a:lnSpc>
+              <a:spcBef>
+                <a:spcPts val="500"/>
+              </a:spcBef>
+              <a:buFont typeface="Arial" panose="020B0604020202020204" pitchFamily="34" charset="0"/>
+              <a:buChar char="•"/>
+              <a:defRPr sz="1800" kern="1200">
+                <a:solidFill>
+                  <a:schemeClr val="tx1"/>
+                </a:solidFill>
+                <a:latin typeface="+mn-lt"/>
+                <a:ea typeface="+mn-ea"/>
+                <a:cs typeface="+mn-cs"/>
+              </a:defRPr>
+            </a:lvl5pPr>
+            <a:lvl6pPr marL="2514600" indent="-228600" algn="l" defTabSz="914400" rtl="0" eaLnBrk="1" latinLnBrk="0" hangingPunct="1">
+              <a:lnSpc>
+                <a:spcPct val="90000"/>
+              </a:lnSpc>
+              <a:spcBef>
+                <a:spcPts val="500"/>
+              </a:spcBef>
+              <a:buFont typeface="Arial" panose="020B0604020202020204" pitchFamily="34" charset="0"/>
+              <a:buChar char="•"/>
+              <a:defRPr sz="1800" kern="1200">
+                <a:solidFill>
+                  <a:schemeClr val="tx1"/>
+                </a:solidFill>
+                <a:latin typeface="+mn-lt"/>
+                <a:ea typeface="+mn-ea"/>
+                <a:cs typeface="+mn-cs"/>
+              </a:defRPr>
+            </a:lvl6pPr>
+            <a:lvl7pPr marL="2971800" indent="-228600" algn="l" defTabSz="914400" rtl="0" eaLnBrk="1" latinLnBrk="0" hangingPunct="1">
+              <a:lnSpc>
+                <a:spcPct val="90000"/>
+              </a:lnSpc>
+              <a:spcBef>
+                <a:spcPts val="500"/>
+              </a:spcBef>
+              <a:buFont typeface="Arial" panose="020B0604020202020204" pitchFamily="34" charset="0"/>
+              <a:buChar char="•"/>
+              <a:defRPr sz="1800" kern="1200">
+                <a:solidFill>
+                  <a:schemeClr val="tx1"/>
+                </a:solidFill>
+                <a:latin typeface="+mn-lt"/>
+                <a:ea typeface="+mn-ea"/>
+                <a:cs typeface="+mn-cs"/>
+              </a:defRPr>
+            </a:lvl7pPr>
+            <a:lvl8pPr marL="3429000" indent="-228600" algn="l" defTabSz="914400" rtl="0" eaLnBrk="1" latinLnBrk="0" hangingPunct="1">
+              <a:lnSpc>
+                <a:spcPct val="90000"/>
+              </a:lnSpc>
+              <a:spcBef>
+                <a:spcPts val="500"/>
+              </a:spcBef>
+              <a:buFont typeface="Arial" panose="020B0604020202020204" pitchFamily="34" charset="0"/>
+              <a:buChar char="•"/>
+              <a:defRPr sz="1800" kern="1200">
+                <a:solidFill>
+                  <a:schemeClr val="tx1"/>
+                </a:solidFill>
+                <a:latin typeface="+mn-lt"/>
+                <a:ea typeface="+mn-ea"/>
+                <a:cs typeface="+mn-cs"/>
+              </a:defRPr>
+            </a:lvl8pPr>
+            <a:lvl9pPr marL="3886200" indent="-228600" algn="l" defTabSz="914400" rtl="0" eaLnBrk="1" latinLnBrk="0" hangingPunct="1">
+              <a:lnSpc>
+                <a:spcPct val="90000"/>
+              </a:lnSpc>
+              <a:spcBef>
+                <a:spcPts val="500"/>
+              </a:spcBef>
+              <a:buFont typeface="Arial" panose="020B0604020202020204" pitchFamily="34" charset="0"/>
+              <a:buChar char="•"/>
+              <a:defRPr sz="1800" kern="1200">
+                <a:solidFill>
+                  <a:schemeClr val="tx1"/>
+                </a:solidFill>
+                <a:latin typeface="+mn-lt"/>
+                <a:ea typeface="+mn-ea"/>
+                <a:cs typeface="+mn-cs"/>
+              </a:defRPr>
+            </a:lvl9pPr>
+          </a:lstStyle>
+          <a:p>
+            <a:r>
+              <a:rPr lang="en-US" sz="2000" dirty="0" err="1"/>
+              <a:t>Straße</a:t>
+            </a:r>
+            <a:r>
+              <a:rPr lang="en-US" sz="2000" dirty="0"/>
+              <a:t> </a:t>
+            </a:r>
+            <a:r>
+              <a:rPr lang="en-US" sz="2000" dirty="0" err="1"/>
+              <a:t>beinhaltet</a:t>
+            </a:r>
+            <a:r>
+              <a:rPr lang="en-US" sz="2000" dirty="0"/>
+              <a:t>:</a:t>
+            </a:r>
+          </a:p>
+          <a:p>
+            <a:pPr lvl="1"/>
+            <a:r>
+              <a:rPr lang="en-US" sz="2000" dirty="0"/>
+              <a:t>Eine Queue</a:t>
+            </a:r>
+          </a:p>
+          <a:p>
+            <a:pPr lvl="1"/>
+            <a:r>
+              <a:rPr lang="en-US" sz="2000" dirty="0" err="1"/>
+              <a:t>Straßenlänge</a:t>
+            </a:r>
+            <a:endParaRPr lang="en-US" sz="2000" dirty="0"/>
+          </a:p>
+          <a:p>
+            <a:pPr lvl="1"/>
+            <a:r>
+              <a:rPr lang="en-US" sz="2000" dirty="0"/>
+              <a:t>Dauer, die </a:t>
+            </a:r>
+            <a:r>
+              <a:rPr lang="en-US" sz="2000" dirty="0" err="1"/>
+              <a:t>Straße</a:t>
+            </a:r>
+            <a:r>
+              <a:rPr lang="en-US" sz="2000" dirty="0"/>
+              <a:t> </a:t>
+            </a:r>
+            <a:r>
+              <a:rPr lang="en-US" sz="2000" dirty="0" err="1"/>
+              <a:t>zu</a:t>
+            </a:r>
+            <a:r>
+              <a:rPr lang="en-US" sz="2000" dirty="0"/>
+              <a:t> </a:t>
+            </a:r>
+            <a:r>
+              <a:rPr lang="en-US" sz="2000" dirty="0" err="1"/>
+              <a:t>überqueren</a:t>
+            </a:r>
+            <a:endParaRPr lang="en-US" sz="2000" dirty="0"/>
+          </a:p>
+          <a:p>
+            <a:pPr lvl="1"/>
+            <a:r>
+              <a:rPr lang="en-US" sz="2000" dirty="0"/>
+              <a:t>Counter </a:t>
+            </a:r>
+            <a:r>
+              <a:rPr lang="en-US" sz="2000" dirty="0" err="1"/>
+              <a:t>zur</a:t>
+            </a:r>
+            <a:r>
+              <a:rPr lang="en-US" sz="2000" dirty="0"/>
+              <a:t> </a:t>
+            </a:r>
+            <a:r>
+              <a:rPr lang="en-US" sz="2000" dirty="0" err="1"/>
+              <a:t>Analyse</a:t>
+            </a:r>
+            <a:endParaRPr lang="en-US" sz="2000" dirty="0"/>
+          </a:p>
+          <a:p>
+            <a:r>
+              <a:rPr lang="en-US" sz="2000" dirty="0" err="1"/>
+              <a:t>Alle</a:t>
+            </a:r>
+            <a:r>
+              <a:rPr lang="en-US" sz="2000" dirty="0"/>
+              <a:t> Parameter von </a:t>
+            </a:r>
+            <a:r>
+              <a:rPr lang="en-US" sz="2000" dirty="0" err="1"/>
+              <a:t>außen</a:t>
+            </a:r>
+            <a:r>
+              <a:rPr lang="en-US" sz="2000" dirty="0"/>
+              <a:t> </a:t>
+            </a:r>
+            <a:r>
+              <a:rPr lang="en-US" sz="2000" dirty="0" err="1"/>
+              <a:t>setzbar</a:t>
+            </a:r>
+            <a:endParaRPr lang="en-US" sz="2000" dirty="0"/>
+          </a:p>
+        </p:txBody>
+      </p:sp>
+    </p:spTree>
+    <p:extLst>
+      <p:ext uri="{BB962C8B-B14F-4D97-AF65-F5344CB8AC3E}">
+        <p14:creationId xmlns:p14="http://schemas.microsoft.com/office/powerpoint/2010/main" val="1049452539"/>
+      </p:ext>
+    </p:extLst>
+  </p:cSld>
+  <p:clrMapOvr>
+    <a:masterClrMapping/>
   </p:clrMapOvr>
 </p:sld>
 </file>
@@ -3756,7 +4989,7 @@
           <a:lstStyle/>
           <a:p>
             <a:r>
-              <a:rPr lang="de-DE">
+              <a:rPr lang="de-DE" dirty="0">
                 <a:solidFill>
                   <a:srgbClr val="000000"/>
                 </a:solidFill>
@@ -3795,72 +5028,83 @@
           <a:lstStyle/>
           <a:p>
             <a:r>
-              <a:rPr lang="de-DE" sz="2000">
+              <a:rPr lang="de-DE" sz="2000" dirty="0">
                 <a:solidFill>
                   <a:srgbClr val="000000"/>
                 </a:solidFill>
               </a:rPr>
-              <a:t>Ptolemy Modell zu kreieren</a:t>
-            </a:r>
-          </a:p>
-          <a:p>
-            <a:pPr lvl="1"/>
-            <a:r>
-              <a:rPr lang="de-DE" sz="2000">
+              <a:t>Ptolemy Traffic Model mit verschiedenen Kreuzungen (T- und Cross-</a:t>
+            </a:r>
+            <a:r>
+              <a:rPr lang="de-DE" sz="2000" dirty="0" err="1">
                 <a:solidFill>
                   <a:srgbClr val="000000"/>
                 </a:solidFill>
               </a:rPr>
-              <a:t>verschiedenen Kreuzungen</a:t>
-            </a:r>
-          </a:p>
-          <a:p>
-            <a:pPr lvl="2"/>
-            <a:r>
-              <a:rPr lang="de-DE">
+              <a:t>Intersection</a:t>
+            </a:r>
+            <a:r>
+              <a:rPr lang="de-DE" sz="2000" dirty="0">
                 <a:solidFill>
                   <a:srgbClr val="000000"/>
                 </a:solidFill>
               </a:rPr>
-              <a:t>Rechtsregel</a:t>
-            </a:r>
-          </a:p>
-          <a:p>
-            <a:pPr lvl="1"/>
-            <a:r>
-              <a:rPr lang="de-DE" sz="2000">
+              <a:t>)</a:t>
+            </a:r>
+          </a:p>
+          <a:p>
+            <a:r>
+              <a:rPr lang="de-DE" sz="2000" dirty="0">
                 <a:solidFill>
                   <a:srgbClr val="000000"/>
                 </a:solidFill>
               </a:rPr>
-              <a:t>Straßen</a:t>
-            </a:r>
-          </a:p>
-          <a:p>
-            <a:pPr lvl="2"/>
-            <a:r>
-              <a:rPr lang="de-DE">
+              <a:t>Rechtsregel implementieren</a:t>
+            </a:r>
+          </a:p>
+          <a:p>
+            <a:r>
+              <a:rPr lang="de-DE" sz="2000" dirty="0">
                 <a:solidFill>
                   <a:srgbClr val="000000"/>
                 </a:solidFill>
               </a:rPr>
-              <a:t>Handhabung der Autos</a:t>
-            </a:r>
-          </a:p>
-          <a:p>
-            <a:pPr lvl="1"/>
-            <a:r>
-              <a:rPr lang="de-DE" sz="2000">
+              <a:t>Straßen mit Handhabung der Autos</a:t>
+            </a:r>
+          </a:p>
+          <a:p>
+            <a:r>
+              <a:rPr lang="de-DE" sz="2000" dirty="0">
                 <a:solidFill>
                   <a:srgbClr val="000000"/>
                 </a:solidFill>
               </a:rPr>
-              <a:t>Autos</a:t>
+              <a:t>Autos aus mehreren Komponenten</a:t>
+            </a:r>
+          </a:p>
+          <a:p>
+            <a:r>
+              <a:rPr lang="de-DE" sz="2000" dirty="0">
+                <a:solidFill>
+                  <a:srgbClr val="000000"/>
+                </a:solidFill>
+              </a:rPr>
+              <a:t>Analyse um starken Verkehr zu erkennen</a:t>
+            </a:r>
+          </a:p>
+          <a:p>
+            <a:r>
+              <a:rPr lang="de-DE" sz="2000" dirty="0">
+                <a:solidFill>
+                  <a:srgbClr val="000000"/>
+                </a:solidFill>
+              </a:rPr>
+              <a:t>Design, das es ermöglicht, einfach Verkehrsmodelle auszutauschen</a:t>
             </a:r>
           </a:p>
           <a:p>
             <a:pPr lvl="1"/>
-            <a:endParaRPr lang="de-DE" sz="2000">
+            <a:endParaRPr lang="de-DE" sz="2000" dirty="0">
               <a:solidFill>
                 <a:srgbClr val="000000"/>
               </a:solidFill>
@@ -3868,7 +5112,7 @@
           </a:p>
           <a:p>
             <a:pPr lvl="1"/>
-            <a:endParaRPr lang="de-DE" sz="2000">
+            <a:endParaRPr lang="de-DE" sz="2000" dirty="0">
               <a:solidFill>
                 <a:srgbClr val="000000"/>
               </a:solidFill>
@@ -4097,7 +5341,7 @@
         </p:blipFill>
         <p:spPr bwMode="auto">
           <a:xfrm>
-            <a:off x="6893318" y="770037"/>
+            <a:off x="6893318" y="796541"/>
             <a:ext cx="5298683" cy="6097438"/>
           </a:xfrm>
           <a:custGeom>
@@ -4169,6 +5413,2073 @@
     <p:extLst>
       <p:ext uri="{BB962C8B-B14F-4D97-AF65-F5344CB8AC3E}">
         <p14:creationId xmlns:p14="http://schemas.microsoft.com/office/powerpoint/2010/main" val="3150188416"/>
+      </p:ext>
+    </p:extLst>
+  </p:cSld>
+  <p:clrMapOvr>
+    <a:masterClrMapping/>
+  </p:clrMapOvr>
+</p:sld>
+</file>
+
+<file path=ppt/slides/slide3.xml><?xml version="1.0" encoding="utf-8"?>
+<p:sld xmlns:a="http://schemas.openxmlformats.org/drawingml/2006/main" xmlns:r="http://schemas.openxmlformats.org/officeDocument/2006/relationships" xmlns:p="http://schemas.openxmlformats.org/presentationml/2006/main">
+  <p:cSld>
+    <p:spTree>
+      <p:nvGrpSpPr>
+        <p:cNvPr id="1" name=""/>
+        <p:cNvGrpSpPr/>
+        <p:nvPr/>
+      </p:nvGrpSpPr>
+      <p:grpSpPr>
+        <a:xfrm>
+          <a:off x="0" y="0"/>
+          <a:ext cx="0" cy="0"/>
+          <a:chOff x="0" y="0"/>
+          <a:chExt cx="0" cy="0"/>
+        </a:xfrm>
+      </p:grpSpPr>
+      <p:sp>
+        <p:nvSpPr>
+          <p:cNvPr id="2" name="Titel 1">
+            <a:extLst>
+              <a:ext uri="{FF2B5EF4-FFF2-40B4-BE49-F238E27FC236}">
+                <a16:creationId xmlns:a16="http://schemas.microsoft.com/office/drawing/2014/main" id="{97BDD08A-8877-4F6B-9325-732127015AEC}"/>
+              </a:ext>
+            </a:extLst>
+          </p:cNvPr>
+          <p:cNvSpPr>
+            <a:spLocks noGrp="1"/>
+          </p:cNvSpPr>
+          <p:nvPr>
+            <p:ph type="title"/>
+          </p:nvPr>
+        </p:nvSpPr>
+        <p:spPr/>
+        <p:txBody>
+          <a:bodyPr/>
+          <a:lstStyle/>
+          <a:p>
+            <a:r>
+              <a:rPr lang="de-DE" dirty="0"/>
+              <a:t>Start-Up Phase</a:t>
+            </a:r>
+            <a:endParaRPr lang="de-IT" dirty="0"/>
+          </a:p>
+        </p:txBody>
+      </p:sp>
+      <p:sp>
+        <p:nvSpPr>
+          <p:cNvPr id="3" name="Inhaltsplatzhalter 2">
+            <a:extLst>
+              <a:ext uri="{FF2B5EF4-FFF2-40B4-BE49-F238E27FC236}">
+                <a16:creationId xmlns:a16="http://schemas.microsoft.com/office/drawing/2014/main" id="{B238CCC0-A949-424D-AB27-1EE5356FF163}"/>
+              </a:ext>
+            </a:extLst>
+          </p:cNvPr>
+          <p:cNvSpPr>
+            <a:spLocks noGrp="1"/>
+          </p:cNvSpPr>
+          <p:nvPr>
+            <p:ph idx="1"/>
+          </p:nvPr>
+        </p:nvSpPr>
+        <p:spPr/>
+        <p:txBody>
+          <a:bodyPr>
+            <a:normAutofit/>
+          </a:bodyPr>
+          <a:lstStyle/>
+          <a:p>
+            <a:r>
+              <a:rPr lang="de-DE" sz="2000" dirty="0"/>
+              <a:t>Ptolemy Demos dursuchen </a:t>
+            </a:r>
+            <a:r>
+              <a:rPr lang="de-DE" sz="2000" dirty="0">
+                <a:sym typeface="Wingdings" panose="05000000000000000000" pitchFamily="2" charset="2"/>
+              </a:rPr>
+              <a:t> „Air Traffic Model“ scheint Ähnlichkeiten aufzuweisen</a:t>
+            </a:r>
+          </a:p>
+          <a:p>
+            <a:r>
+              <a:rPr lang="de-DE" sz="2000" dirty="0">
+                <a:sym typeface="Wingdings" panose="05000000000000000000" pitchFamily="2" charset="2"/>
+              </a:rPr>
+              <a:t>Eigenen </a:t>
+            </a:r>
+            <a:r>
+              <a:rPr lang="de-DE" sz="2000" dirty="0" err="1">
+                <a:sym typeface="Wingdings" panose="05000000000000000000" pitchFamily="2" charset="2"/>
+              </a:rPr>
+              <a:t>Director</a:t>
+            </a:r>
+            <a:r>
+              <a:rPr lang="de-DE" sz="2000" dirty="0">
+                <a:sym typeface="Wingdings" panose="05000000000000000000" pitchFamily="2" charset="2"/>
+              </a:rPr>
+              <a:t> geschrieben</a:t>
+            </a:r>
+          </a:p>
+          <a:p>
+            <a:r>
+              <a:rPr lang="de-DE" sz="2000" dirty="0">
+                <a:sym typeface="Wingdings" panose="05000000000000000000" pitchFamily="2" charset="2"/>
+              </a:rPr>
+              <a:t>Eigene Models und Components geschrieben</a:t>
+            </a:r>
+          </a:p>
+          <a:p>
+            <a:r>
+              <a:rPr lang="de-DE" sz="2000" dirty="0">
+                <a:sym typeface="Wingdings" panose="05000000000000000000" pitchFamily="2" charset="2"/>
+              </a:rPr>
+              <a:t>Zu viele Fehler bei Einbindung….</a:t>
+            </a:r>
+            <a:endParaRPr lang="de-IT" sz="2000" dirty="0"/>
+          </a:p>
+        </p:txBody>
+      </p:sp>
+    </p:spTree>
+    <p:extLst>
+      <p:ext uri="{BB962C8B-B14F-4D97-AF65-F5344CB8AC3E}">
+        <p14:creationId xmlns:p14="http://schemas.microsoft.com/office/powerpoint/2010/main" val="3614932241"/>
+      </p:ext>
+    </p:extLst>
+  </p:cSld>
+  <p:clrMapOvr>
+    <a:masterClrMapping/>
+  </p:clrMapOvr>
+</p:sld>
+</file>
+
+<file path=ppt/slides/slide4.xml><?xml version="1.0" encoding="utf-8"?>
+<p:sld xmlns:a="http://schemas.openxmlformats.org/drawingml/2006/main" xmlns:r="http://schemas.openxmlformats.org/officeDocument/2006/relationships" xmlns:p="http://schemas.openxmlformats.org/presentationml/2006/main">
+  <p:cSld>
+    <p:spTree>
+      <p:nvGrpSpPr>
+        <p:cNvPr id="1" name=""/>
+        <p:cNvGrpSpPr/>
+        <p:nvPr/>
+      </p:nvGrpSpPr>
+      <p:grpSpPr>
+        <a:xfrm>
+          <a:off x="0" y="0"/>
+          <a:ext cx="0" cy="0"/>
+          <a:chOff x="0" y="0"/>
+          <a:chExt cx="0" cy="0"/>
+        </a:xfrm>
+      </p:grpSpPr>
+      <p:sp>
+        <p:nvSpPr>
+          <p:cNvPr id="2" name="Titel 1">
+            <a:extLst>
+              <a:ext uri="{FF2B5EF4-FFF2-40B4-BE49-F238E27FC236}">
+                <a16:creationId xmlns:a16="http://schemas.microsoft.com/office/drawing/2014/main" id="{BE8BA8C4-46F2-4BB2-B53C-807F9B8ACD66}"/>
+              </a:ext>
+            </a:extLst>
+          </p:cNvPr>
+          <p:cNvSpPr>
+            <a:spLocks noGrp="1"/>
+          </p:cNvSpPr>
+          <p:nvPr>
+            <p:ph type="title"/>
+          </p:nvPr>
+        </p:nvSpPr>
+        <p:spPr/>
+        <p:txBody>
+          <a:bodyPr/>
+          <a:lstStyle/>
+          <a:p>
+            <a:r>
+              <a:rPr lang="de-DE" dirty="0"/>
+              <a:t>cars.txt</a:t>
+            </a:r>
+            <a:endParaRPr lang="de-IT" dirty="0"/>
+          </a:p>
+        </p:txBody>
+      </p:sp>
+      <p:sp>
+        <p:nvSpPr>
+          <p:cNvPr id="3" name="Inhaltsplatzhalter 2">
+            <a:extLst>
+              <a:ext uri="{FF2B5EF4-FFF2-40B4-BE49-F238E27FC236}">
+                <a16:creationId xmlns:a16="http://schemas.microsoft.com/office/drawing/2014/main" id="{57C952F1-5B30-4B58-937F-295797916E15}"/>
+              </a:ext>
+            </a:extLst>
+          </p:cNvPr>
+          <p:cNvSpPr>
+            <a:spLocks noGrp="1"/>
+          </p:cNvSpPr>
+          <p:nvPr>
+            <p:ph idx="1"/>
+          </p:nvPr>
+        </p:nvSpPr>
+        <p:spPr/>
+        <p:txBody>
+          <a:bodyPr/>
+          <a:lstStyle/>
+          <a:p>
+            <a:r>
+              <a:rPr lang="de-DE" sz="2000" dirty="0"/>
+              <a:t>Ein Auto besteht, wie erwähnt aus verschiedenen Komponenten</a:t>
+            </a:r>
+          </a:p>
+          <a:p>
+            <a:r>
+              <a:rPr lang="de-DE" sz="2000" dirty="0"/>
+              <a:t>Getrennt durch ein Tab</a:t>
+            </a:r>
+          </a:p>
+          <a:p>
+            <a:endParaRPr lang="de-IT" dirty="0"/>
+          </a:p>
+        </p:txBody>
+      </p:sp>
+      <p:graphicFrame>
+        <p:nvGraphicFramePr>
+          <p:cNvPr id="4" name="Tabelle 4">
+            <a:extLst>
+              <a:ext uri="{FF2B5EF4-FFF2-40B4-BE49-F238E27FC236}">
+                <a16:creationId xmlns:a16="http://schemas.microsoft.com/office/drawing/2014/main" id="{23879C65-56E3-493F-AED5-0C6337B027BB}"/>
+              </a:ext>
+            </a:extLst>
+          </p:cNvPr>
+          <p:cNvGraphicFramePr>
+            <a:graphicFrameLocks noGrp="1"/>
+          </p:cNvGraphicFramePr>
+          <p:nvPr>
+            <p:extLst>
+              <p:ext uri="{D42A27DB-BD31-4B8C-83A1-F6EECF244321}">
+                <p14:modId xmlns:p14="http://schemas.microsoft.com/office/powerpoint/2010/main" val="1745639374"/>
+              </p:ext>
+            </p:extLst>
+          </p:nvPr>
+        </p:nvGraphicFramePr>
+        <p:xfrm>
+          <a:off x="998329" y="2793447"/>
+          <a:ext cx="9629916" cy="3050760"/>
+        </p:xfrm>
+        <a:graphic>
+          <a:graphicData uri="http://schemas.openxmlformats.org/drawingml/2006/table">
+            <a:tbl>
+              <a:tblPr firstRow="1" bandRow="1">
+                <a:tableStyleId>{F5AB1C69-6EDB-4FF4-983F-18BD219EF322}</a:tableStyleId>
+              </a:tblPr>
+              <a:tblGrid>
+                <a:gridCol w="2407479">
+                  <a:extLst>
+                    <a:ext uri="{9D8B030D-6E8A-4147-A177-3AD203B41FA5}">
+                      <a16:colId xmlns:a16="http://schemas.microsoft.com/office/drawing/2014/main" val="3947154205"/>
+                    </a:ext>
+                  </a:extLst>
+                </a:gridCol>
+                <a:gridCol w="2407479">
+                  <a:extLst>
+                    <a:ext uri="{9D8B030D-6E8A-4147-A177-3AD203B41FA5}">
+                      <a16:colId xmlns:a16="http://schemas.microsoft.com/office/drawing/2014/main" val="3402840984"/>
+                    </a:ext>
+                  </a:extLst>
+                </a:gridCol>
+                <a:gridCol w="2407479">
+                  <a:extLst>
+                    <a:ext uri="{9D8B030D-6E8A-4147-A177-3AD203B41FA5}">
+                      <a16:colId xmlns:a16="http://schemas.microsoft.com/office/drawing/2014/main" val="1410997782"/>
+                    </a:ext>
+                  </a:extLst>
+                </a:gridCol>
+                <a:gridCol w="2407479">
+                  <a:extLst>
+                    <a:ext uri="{9D8B030D-6E8A-4147-A177-3AD203B41FA5}">
+                      <a16:colId xmlns:a16="http://schemas.microsoft.com/office/drawing/2014/main" val="948437047"/>
+                    </a:ext>
+                  </a:extLst>
+                </a:gridCol>
+              </a:tblGrid>
+              <a:tr h="610152">
+                <a:tc>
+                  <a:txBody>
+                    <a:bodyPr/>
+                    <a:lstStyle/>
+                    <a:p>
+                      <a:r>
+                        <a:rPr lang="de-DE" sz="2200" dirty="0" err="1"/>
+                        <a:t>carId</a:t>
+                      </a:r>
+                      <a:endParaRPr lang="de-IT" sz="2200" dirty="0"/>
+                    </a:p>
+                  </a:txBody>
+                  <a:tcPr/>
+                </a:tc>
+                <a:tc>
+                  <a:txBody>
+                    <a:bodyPr/>
+                    <a:lstStyle/>
+                    <a:p>
+                      <a:r>
+                        <a:rPr lang="de-DE" sz="2200" dirty="0" err="1"/>
+                        <a:t>roadMap</a:t>
+                      </a:r>
+                      <a:endParaRPr lang="de-IT" sz="2200" dirty="0"/>
+                    </a:p>
+                  </a:txBody>
+                  <a:tcPr/>
+                </a:tc>
+                <a:tc>
+                  <a:txBody>
+                    <a:bodyPr/>
+                    <a:lstStyle/>
+                    <a:p>
+                      <a:r>
+                        <a:rPr lang="de-DE" sz="2200" dirty="0" err="1"/>
+                        <a:t>indicator</a:t>
+                      </a:r>
+                      <a:endParaRPr lang="de-IT" sz="2200" dirty="0"/>
+                    </a:p>
+                  </a:txBody>
+                  <a:tcPr/>
+                </a:tc>
+                <a:tc>
+                  <a:txBody>
+                    <a:bodyPr/>
+                    <a:lstStyle/>
+                    <a:p>
+                      <a:r>
+                        <a:rPr lang="de-DE" sz="2200" dirty="0" err="1"/>
+                        <a:t>intersectionCount</a:t>
+                      </a:r>
+                      <a:endParaRPr lang="de-IT" sz="2200" dirty="0"/>
+                    </a:p>
+                  </a:txBody>
+                  <a:tcPr/>
+                </a:tc>
+                <a:extLst>
+                  <a:ext uri="{0D108BD9-81ED-4DB2-BD59-A6C34878D82A}">
+                    <a16:rowId xmlns:a16="http://schemas.microsoft.com/office/drawing/2014/main" val="2563282972"/>
+                  </a:ext>
+                </a:extLst>
+              </a:tr>
+              <a:tr h="610152">
+                <a:tc>
+                  <a:txBody>
+                    <a:bodyPr/>
+                    <a:lstStyle/>
+                    <a:p>
+                      <a:r>
+                        <a:rPr lang="de-DE" sz="2200" dirty="0"/>
+                        <a:t>0</a:t>
+                      </a:r>
+                      <a:endParaRPr lang="de-IT" sz="2200" dirty="0"/>
+                    </a:p>
+                  </a:txBody>
+                  <a:tcPr/>
+                </a:tc>
+                <a:tc>
+                  <a:txBody>
+                    <a:bodyPr/>
+                    <a:lstStyle/>
+                    <a:p>
+                      <a:r>
+                        <a:rPr lang="de-DE" sz="2200" dirty="0"/>
+                        <a:t>{2, 4}</a:t>
+                      </a:r>
+                    </a:p>
+                  </a:txBody>
+                  <a:tcPr/>
+                </a:tc>
+                <a:tc>
+                  <a:txBody>
+                    <a:bodyPr/>
+                    <a:lstStyle/>
+                    <a:p>
+                      <a:r>
+                        <a:rPr lang="de-DE" sz="2200" dirty="0"/>
+                        <a:t>0</a:t>
+                      </a:r>
+                      <a:endParaRPr lang="de-IT" sz="2200" dirty="0"/>
+                    </a:p>
+                  </a:txBody>
+                  <a:tcPr/>
+                </a:tc>
+                <a:tc>
+                  <a:txBody>
+                    <a:bodyPr/>
+                    <a:lstStyle/>
+                    <a:p>
+                      <a:r>
+                        <a:rPr lang="de-DE" sz="2200" dirty="0"/>
+                        <a:t>0</a:t>
+                      </a:r>
+                      <a:endParaRPr lang="de-IT" sz="2200" dirty="0"/>
+                    </a:p>
+                  </a:txBody>
+                  <a:tcPr/>
+                </a:tc>
+                <a:extLst>
+                  <a:ext uri="{0D108BD9-81ED-4DB2-BD59-A6C34878D82A}">
+                    <a16:rowId xmlns:a16="http://schemas.microsoft.com/office/drawing/2014/main" val="14817319"/>
+                  </a:ext>
+                </a:extLst>
+              </a:tr>
+              <a:tr h="610152">
+                <a:tc>
+                  <a:txBody>
+                    <a:bodyPr/>
+                    <a:lstStyle/>
+                    <a:p>
+                      <a:r>
+                        <a:rPr lang="de-DE" sz="2200" dirty="0"/>
+                        <a:t>1</a:t>
+                      </a:r>
+                      <a:endParaRPr lang="de-IT" sz="2200" dirty="0"/>
+                    </a:p>
+                  </a:txBody>
+                  <a:tcPr/>
+                </a:tc>
+                <a:tc>
+                  <a:txBody>
+                    <a:bodyPr/>
+                    <a:lstStyle/>
+                    <a:p>
+                      <a:r>
+                        <a:rPr lang="de-DE" sz="2200" dirty="0"/>
+                        <a:t>{4, 5, 10}</a:t>
+                      </a:r>
+                      <a:endParaRPr lang="de-IT" sz="2200" dirty="0"/>
+                    </a:p>
+                  </a:txBody>
+                  <a:tcPr/>
+                </a:tc>
+                <a:tc>
+                  <a:txBody>
+                    <a:bodyPr/>
+                    <a:lstStyle/>
+                    <a:p>
+                      <a:r>
+                        <a:rPr lang="de-DE" sz="2200" dirty="0"/>
+                        <a:t>0</a:t>
+                      </a:r>
+                      <a:endParaRPr lang="de-IT" sz="2200" dirty="0"/>
+                    </a:p>
+                  </a:txBody>
+                  <a:tcPr/>
+                </a:tc>
+                <a:tc>
+                  <a:txBody>
+                    <a:bodyPr/>
+                    <a:lstStyle/>
+                    <a:p>
+                      <a:r>
+                        <a:rPr lang="de-DE" sz="2200" dirty="0"/>
+                        <a:t>0</a:t>
+                      </a:r>
+                      <a:endParaRPr lang="de-IT" sz="2200" dirty="0"/>
+                    </a:p>
+                  </a:txBody>
+                  <a:tcPr/>
+                </a:tc>
+                <a:extLst>
+                  <a:ext uri="{0D108BD9-81ED-4DB2-BD59-A6C34878D82A}">
+                    <a16:rowId xmlns:a16="http://schemas.microsoft.com/office/drawing/2014/main" val="188450345"/>
+                  </a:ext>
+                </a:extLst>
+              </a:tr>
+              <a:tr h="610152">
+                <a:tc>
+                  <a:txBody>
+                    <a:bodyPr/>
+                    <a:lstStyle/>
+                    <a:p>
+                      <a:r>
+                        <a:rPr lang="de-DE" sz="2200" dirty="0"/>
+                        <a:t>2</a:t>
+                      </a:r>
+                      <a:endParaRPr lang="de-IT" sz="2200" dirty="0"/>
+                    </a:p>
+                  </a:txBody>
+                  <a:tcPr/>
+                </a:tc>
+                <a:tc>
+                  <a:txBody>
+                    <a:bodyPr/>
+                    <a:lstStyle/>
+                    <a:p>
+                      <a:r>
+                        <a:rPr lang="de-DE" sz="2200" dirty="0"/>
+                        <a:t>{2, 6, 12}</a:t>
+                      </a:r>
+                      <a:endParaRPr lang="de-IT" sz="2200" dirty="0"/>
+                    </a:p>
+                  </a:txBody>
+                  <a:tcPr/>
+                </a:tc>
+                <a:tc>
+                  <a:txBody>
+                    <a:bodyPr/>
+                    <a:lstStyle/>
+                    <a:p>
+                      <a:r>
+                        <a:rPr lang="de-DE" sz="2200" dirty="0"/>
+                        <a:t>0</a:t>
+                      </a:r>
+                      <a:endParaRPr lang="de-IT" sz="2200" dirty="0"/>
+                    </a:p>
+                  </a:txBody>
+                  <a:tcPr/>
+                </a:tc>
+                <a:tc>
+                  <a:txBody>
+                    <a:bodyPr/>
+                    <a:lstStyle/>
+                    <a:p>
+                      <a:r>
+                        <a:rPr lang="de-DE" sz="2200" dirty="0"/>
+                        <a:t>0</a:t>
+                      </a:r>
+                      <a:endParaRPr lang="de-IT" sz="2200" dirty="0"/>
+                    </a:p>
+                  </a:txBody>
+                  <a:tcPr/>
+                </a:tc>
+                <a:extLst>
+                  <a:ext uri="{0D108BD9-81ED-4DB2-BD59-A6C34878D82A}">
+                    <a16:rowId xmlns:a16="http://schemas.microsoft.com/office/drawing/2014/main" val="1412846757"/>
+                  </a:ext>
+                </a:extLst>
+              </a:tr>
+              <a:tr h="610152">
+                <a:tc>
+                  <a:txBody>
+                    <a:bodyPr/>
+                    <a:lstStyle/>
+                    <a:p>
+                      <a:r>
+                        <a:rPr lang="de-DE" sz="2200" dirty="0"/>
+                        <a:t>3</a:t>
+                      </a:r>
+                      <a:endParaRPr lang="de-IT" sz="2200" dirty="0"/>
+                    </a:p>
+                  </a:txBody>
+                  <a:tcPr/>
+                </a:tc>
+                <a:tc>
+                  <a:txBody>
+                    <a:bodyPr/>
+                    <a:lstStyle/>
+                    <a:p>
+                      <a:r>
+                        <a:rPr lang="de-DE" sz="2200" dirty="0"/>
+                        <a:t>{2, 4, 5, 8}</a:t>
+                      </a:r>
+                      <a:endParaRPr lang="de-IT" sz="2200" dirty="0"/>
+                    </a:p>
+                  </a:txBody>
+                  <a:tcPr/>
+                </a:tc>
+                <a:tc>
+                  <a:txBody>
+                    <a:bodyPr/>
+                    <a:lstStyle/>
+                    <a:p>
+                      <a:r>
+                        <a:rPr lang="de-DE" sz="2200" dirty="0"/>
+                        <a:t>0</a:t>
+                      </a:r>
+                      <a:endParaRPr lang="de-IT" sz="2200" dirty="0"/>
+                    </a:p>
+                  </a:txBody>
+                  <a:tcPr/>
+                </a:tc>
+                <a:tc>
+                  <a:txBody>
+                    <a:bodyPr/>
+                    <a:lstStyle/>
+                    <a:p>
+                      <a:r>
+                        <a:rPr lang="de-DE" sz="2200" dirty="0"/>
+                        <a:t>0</a:t>
+                      </a:r>
+                      <a:endParaRPr lang="de-IT" sz="2200" dirty="0"/>
+                    </a:p>
+                  </a:txBody>
+                  <a:tcPr/>
+                </a:tc>
+                <a:extLst>
+                  <a:ext uri="{0D108BD9-81ED-4DB2-BD59-A6C34878D82A}">
+                    <a16:rowId xmlns:a16="http://schemas.microsoft.com/office/drawing/2014/main" val="314188130"/>
+                  </a:ext>
+                </a:extLst>
+              </a:tr>
+            </a:tbl>
+          </a:graphicData>
+        </a:graphic>
+      </p:graphicFrame>
+    </p:spTree>
+    <p:extLst>
+      <p:ext uri="{BB962C8B-B14F-4D97-AF65-F5344CB8AC3E}">
+        <p14:creationId xmlns:p14="http://schemas.microsoft.com/office/powerpoint/2010/main" val="807464444"/>
+      </p:ext>
+    </p:extLst>
+  </p:cSld>
+  <p:clrMapOvr>
+    <a:masterClrMapping/>
+  </p:clrMapOvr>
+</p:sld>
+</file>
+
+<file path=ppt/slides/slide5.xml><?xml version="1.0" encoding="utf-8"?>
+<p:sld xmlns:a="http://schemas.openxmlformats.org/drawingml/2006/main" xmlns:r="http://schemas.openxmlformats.org/officeDocument/2006/relationships" xmlns:p="http://schemas.openxmlformats.org/presentationml/2006/main">
+  <p:cSld>
+    <p:bg>
+      <p:bgPr>
+        <a:solidFill>
+          <a:schemeClr val="bg1"/>
+        </a:solidFill>
+        <a:effectLst/>
+      </p:bgPr>
+    </p:bg>
+    <p:spTree>
+      <p:nvGrpSpPr>
+        <p:cNvPr id="1" name=""/>
+        <p:cNvGrpSpPr/>
+        <p:nvPr/>
+      </p:nvGrpSpPr>
+      <p:grpSpPr>
+        <a:xfrm>
+          <a:off x="0" y="0"/>
+          <a:ext cx="0" cy="0"/>
+          <a:chOff x="0" y="0"/>
+          <a:chExt cx="0" cy="0"/>
+        </a:xfrm>
+      </p:grpSpPr>
+      <p:sp>
+        <p:nvSpPr>
+          <p:cNvPr id="2" name="Titel 1">
+            <a:extLst>
+              <a:ext uri="{FF2B5EF4-FFF2-40B4-BE49-F238E27FC236}">
+                <a16:creationId xmlns:a16="http://schemas.microsoft.com/office/drawing/2014/main" id="{C9D55DE5-F402-4DA2-BD05-E2212D5730F3}"/>
+              </a:ext>
+            </a:extLst>
+          </p:cNvPr>
+          <p:cNvSpPr>
+            <a:spLocks noGrp="1"/>
+          </p:cNvSpPr>
+          <p:nvPr>
+            <p:ph type="title"/>
+          </p:nvPr>
+        </p:nvSpPr>
+        <p:spPr>
+          <a:xfrm>
+            <a:off x="648930" y="629266"/>
+            <a:ext cx="3605572" cy="1676603"/>
+          </a:xfrm>
+        </p:spPr>
+        <p:txBody>
+          <a:bodyPr>
+            <a:normAutofit/>
+          </a:bodyPr>
+          <a:lstStyle/>
+          <a:p>
+            <a:r>
+              <a:rPr lang="de-DE" sz="3700"/>
+              <a:t>Entdeckung des JavaScript-Actors</a:t>
+            </a:r>
+            <a:endParaRPr lang="de-IT" sz="3700"/>
+          </a:p>
+        </p:txBody>
+      </p:sp>
+      <p:sp>
+        <p:nvSpPr>
+          <p:cNvPr id="3" name="Inhaltsplatzhalter 2">
+            <a:extLst>
+              <a:ext uri="{FF2B5EF4-FFF2-40B4-BE49-F238E27FC236}">
+                <a16:creationId xmlns:a16="http://schemas.microsoft.com/office/drawing/2014/main" id="{5121B6C1-53AC-42D1-B133-677D7D4EDB5A}"/>
+              </a:ext>
+            </a:extLst>
+          </p:cNvPr>
+          <p:cNvSpPr>
+            <a:spLocks noGrp="1"/>
+          </p:cNvSpPr>
+          <p:nvPr>
+            <p:ph idx="1"/>
+          </p:nvPr>
+        </p:nvSpPr>
+        <p:spPr>
+          <a:xfrm>
+            <a:off x="648931" y="2438401"/>
+            <a:ext cx="3605571" cy="3779520"/>
+          </a:xfrm>
+        </p:spPr>
+        <p:txBody>
+          <a:bodyPr>
+            <a:normAutofit/>
+          </a:bodyPr>
+          <a:lstStyle/>
+          <a:p>
+            <a:r>
+              <a:rPr lang="de-DE" sz="2000" dirty="0"/>
+              <a:t>Wir begannen mit JavaScript eigenen Code in unser Modell einzuschleusen</a:t>
+            </a:r>
+          </a:p>
+          <a:p>
+            <a:r>
+              <a:rPr lang="de-DE" sz="2000" dirty="0"/>
+              <a:t>Damit konnten wir simple </a:t>
+            </a:r>
+            <a:r>
+              <a:rPr lang="de-DE" sz="2000" dirty="0" err="1"/>
+              <a:t>if</a:t>
+            </a:r>
+            <a:r>
+              <a:rPr lang="de-DE" sz="2000" dirty="0"/>
+              <a:t>-Bedingungen erzeugen und die Input-Ports besser kontrollieren</a:t>
+            </a:r>
+            <a:endParaRPr lang="de-IT" sz="2000" dirty="0"/>
+          </a:p>
+        </p:txBody>
+      </p:sp>
+      <p:sp>
+        <p:nvSpPr>
+          <p:cNvPr id="9" name="Rectangle 8">
+            <a:extLst>
+              <a:ext uri="{FF2B5EF4-FFF2-40B4-BE49-F238E27FC236}">
+                <a16:creationId xmlns:a16="http://schemas.microsoft.com/office/drawing/2014/main" id="{577D1452-F0B7-431E-9A24-D3F7103D8510}"/>
+              </a:ext>
+              <a:ext uri="{C183D7F6-B498-43B3-948B-1728B52AA6E4}">
+                <adec:decorative xmlns:adec="http://schemas.microsoft.com/office/drawing/2017/decorative" val="1"/>
+              </a:ext>
+            </a:extLst>
+          </p:cNvPr>
+          <p:cNvSpPr>
+            <a:spLocks noGrp="1" noRot="1" noChangeAspect="1" noMove="1" noResize="1" noEditPoints="1" noAdjustHandles="1" noChangeArrowheads="1" noChangeShapeType="1" noTextEdit="1"/>
+          </p:cNvSpPr>
+          <p:nvPr>
+            <p:extLst>
+              <p:ext uri="{386F3935-93C4-4BCD-93E2-E3B085C9AB24}">
+                <p16:designElem xmlns:p16="http://schemas.microsoft.com/office/powerpoint/2015/main" val="1"/>
+              </p:ext>
+            </p:extLst>
+          </p:nvPr>
+        </p:nvSpPr>
+        <p:spPr>
+          <a:xfrm>
+            <a:off x="4639056" y="0"/>
+            <a:ext cx="7552944" cy="6858000"/>
+          </a:xfrm>
+          <a:prstGeom prst="rect">
+            <a:avLst/>
+          </a:prstGeom>
+          <a:solidFill>
+            <a:srgbClr val="C8CACA"/>
+          </a:solidFill>
+          <a:ln>
+            <a:noFill/>
+          </a:ln>
+        </p:spPr>
+        <p:style>
+          <a:lnRef idx="2">
+            <a:schemeClr val="accent1">
+              <a:shade val="50000"/>
+            </a:schemeClr>
+          </a:lnRef>
+          <a:fillRef idx="1">
+            <a:schemeClr val="accent1"/>
+          </a:fillRef>
+          <a:effectRef idx="0">
+            <a:schemeClr val="accent1"/>
+          </a:effectRef>
+          <a:fontRef idx="minor">
+            <a:schemeClr val="lt1"/>
+          </a:fontRef>
+        </p:style>
+        <p:txBody>
+          <a:bodyPr rtlCol="0" anchor="ctr"/>
+          <a:lstStyle/>
+          <a:p>
+            <a:pPr algn="ctr"/>
+            <a:endParaRPr lang="en-US"/>
+          </a:p>
+        </p:txBody>
+      </p:sp>
+      <p:sp>
+        <p:nvSpPr>
+          <p:cNvPr id="11" name="Rounded Rectangle 20">
+            <a:extLst>
+              <a:ext uri="{FF2B5EF4-FFF2-40B4-BE49-F238E27FC236}">
+                <a16:creationId xmlns:a16="http://schemas.microsoft.com/office/drawing/2014/main" id="{A660F4F9-5DF5-4F15-BE6A-CD8648BB1148}"/>
+              </a:ext>
+              <a:ext uri="{C183D7F6-B498-43B3-948B-1728B52AA6E4}">
+                <adec:decorative xmlns:adec="http://schemas.microsoft.com/office/drawing/2017/decorative" val="1"/>
+              </a:ext>
+            </a:extLst>
+          </p:cNvPr>
+          <p:cNvSpPr>
+            <a:spLocks noGrp="1" noRot="1" noChangeAspect="1" noMove="1" noResize="1" noEditPoints="1" noAdjustHandles="1" noChangeArrowheads="1" noChangeShapeType="1" noTextEdit="1"/>
+          </p:cNvSpPr>
+          <p:nvPr>
+            <p:extLst>
+              <p:ext uri="{386F3935-93C4-4BCD-93E2-E3B085C9AB24}">
+                <p16:designElem xmlns:p16="http://schemas.microsoft.com/office/powerpoint/2015/main" val="1"/>
+              </p:ext>
+            </p:extLst>
+          </p:nvPr>
+        </p:nvSpPr>
+        <p:spPr>
+          <a:xfrm>
+            <a:off x="5118267" y="559407"/>
+            <a:ext cx="6594522" cy="5739187"/>
+          </a:xfrm>
+          <a:prstGeom prst="roundRect">
+            <a:avLst>
+              <a:gd name="adj" fmla="val 0"/>
+            </a:avLst>
+          </a:prstGeom>
+          <a:solidFill>
+            <a:srgbClr val="FFFFFF"/>
+          </a:solidFill>
+          <a:ln w="9525">
+            <a:solidFill>
+              <a:srgbClr val="C8CACA"/>
+            </a:solidFill>
+          </a:ln>
+          <a:effectLst>
+            <a:outerShdw blurRad="57150" dist="19050" dir="5400000" algn="t" rotWithShape="0">
+              <a:prstClr val="black">
+                <a:alpha val="63000"/>
+              </a:prstClr>
+            </a:outerShdw>
+          </a:effectLst>
+        </p:spPr>
+        <p:style>
+          <a:lnRef idx="2">
+            <a:schemeClr val="accent1">
+              <a:shade val="50000"/>
+            </a:schemeClr>
+          </a:lnRef>
+          <a:fillRef idx="1">
+            <a:schemeClr val="accent1"/>
+          </a:fillRef>
+          <a:effectRef idx="0">
+            <a:schemeClr val="accent1"/>
+          </a:effectRef>
+          <a:fontRef idx="minor">
+            <a:schemeClr val="lt1"/>
+          </a:fontRef>
+        </p:style>
+        <p:txBody>
+          <a:bodyPr rtlCol="0" anchor="ctr"/>
+          <a:lstStyle/>
+          <a:p>
+            <a:pPr algn="ctr"/>
+            <a:endParaRPr lang="en-US"/>
+          </a:p>
+        </p:txBody>
+      </p:sp>
+      <p:pic>
+        <p:nvPicPr>
+          <p:cNvPr id="4" name="Grafik 3">
+            <a:extLst>
+              <a:ext uri="{FF2B5EF4-FFF2-40B4-BE49-F238E27FC236}">
+                <a16:creationId xmlns:a16="http://schemas.microsoft.com/office/drawing/2014/main" id="{790E115A-A6C6-4630-9C5F-68782076014D}"/>
+              </a:ext>
+            </a:extLst>
+          </p:cNvPr>
+          <p:cNvPicPr>
+            <a:picLocks noChangeAspect="1"/>
+          </p:cNvPicPr>
+          <p:nvPr/>
+        </p:nvPicPr>
+        <p:blipFill rotWithShape="1">
+          <a:blip r:embed="rId2"/>
+          <a:srcRect t="1512" r="-1" b="-1"/>
+          <a:stretch/>
+        </p:blipFill>
+        <p:spPr>
+          <a:xfrm>
+            <a:off x="5283708" y="722376"/>
+            <a:ext cx="6263640" cy="5413248"/>
+          </a:xfrm>
+          <a:prstGeom prst="rect">
+            <a:avLst/>
+          </a:prstGeom>
+          <a:effectLst/>
+        </p:spPr>
+      </p:pic>
+    </p:spTree>
+    <p:extLst>
+      <p:ext uri="{BB962C8B-B14F-4D97-AF65-F5344CB8AC3E}">
+        <p14:creationId xmlns:p14="http://schemas.microsoft.com/office/powerpoint/2010/main" val="2044130324"/>
+      </p:ext>
+    </p:extLst>
+  </p:cSld>
+  <p:clrMapOvr>
+    <a:masterClrMapping/>
+  </p:clrMapOvr>
+</p:sld>
+</file>
+
+<file path=ppt/slides/slide6.xml><?xml version="1.0" encoding="utf-8"?>
+<p:sld xmlns:a="http://schemas.openxmlformats.org/drawingml/2006/main" xmlns:r="http://schemas.openxmlformats.org/officeDocument/2006/relationships" xmlns:p="http://schemas.openxmlformats.org/presentationml/2006/main">
+  <p:cSld>
+    <p:bg>
+      <p:bgPr>
+        <a:solidFill>
+          <a:schemeClr val="bg1"/>
+        </a:solidFill>
+        <a:effectLst/>
+      </p:bgPr>
+    </p:bg>
+    <p:spTree>
+      <p:nvGrpSpPr>
+        <p:cNvPr id="1" name=""/>
+        <p:cNvGrpSpPr/>
+        <p:nvPr/>
+      </p:nvGrpSpPr>
+      <p:grpSpPr>
+        <a:xfrm>
+          <a:off x="0" y="0"/>
+          <a:ext cx="0" cy="0"/>
+          <a:chOff x="0" y="0"/>
+          <a:chExt cx="0" cy="0"/>
+        </a:xfrm>
+      </p:grpSpPr>
+      <p:sp>
+        <p:nvSpPr>
+          <p:cNvPr id="2" name="Titel 1">
+            <a:extLst>
+              <a:ext uri="{FF2B5EF4-FFF2-40B4-BE49-F238E27FC236}">
+                <a16:creationId xmlns:a16="http://schemas.microsoft.com/office/drawing/2014/main" id="{CC14FF9A-577A-4E6C-8CBD-2703C9EDD042}"/>
+              </a:ext>
+            </a:extLst>
+          </p:cNvPr>
+          <p:cNvSpPr>
+            <a:spLocks noGrp="1"/>
+          </p:cNvSpPr>
+          <p:nvPr>
+            <p:ph type="title"/>
+          </p:nvPr>
+        </p:nvSpPr>
+        <p:spPr>
+          <a:xfrm>
+            <a:off x="645859" y="640081"/>
+            <a:ext cx="3494341" cy="3793488"/>
+          </a:xfrm>
+          <a:noFill/>
+        </p:spPr>
+        <p:txBody>
+          <a:bodyPr vert="horz" lIns="91440" tIns="45720" rIns="91440" bIns="45720" rtlCol="0" anchor="b">
+            <a:normAutofit/>
+          </a:bodyPr>
+          <a:lstStyle/>
+          <a:p>
+            <a:r>
+              <a:rPr lang="en-US" sz="4600"/>
+              <a:t>T-Intersection besteht aus…</a:t>
+            </a:r>
+          </a:p>
+        </p:txBody>
+      </p:sp>
+      <p:sp>
+        <p:nvSpPr>
+          <p:cNvPr id="9" name="Rectangle 8">
+            <a:extLst>
+              <a:ext uri="{FF2B5EF4-FFF2-40B4-BE49-F238E27FC236}">
+                <a16:creationId xmlns:a16="http://schemas.microsoft.com/office/drawing/2014/main" id="{71FC7D98-7B8B-402A-90FC-F027482F2142}"/>
+              </a:ext>
+              <a:ext uri="{C183D7F6-B498-43B3-948B-1728B52AA6E4}">
+                <adec:decorative xmlns:adec="http://schemas.microsoft.com/office/drawing/2017/decorative" val="1"/>
+              </a:ext>
+            </a:extLst>
+          </p:cNvPr>
+          <p:cNvSpPr>
+            <a:spLocks noGrp="1" noRot="1" noChangeAspect="1" noMove="1" noResize="1" noEditPoints="1" noAdjustHandles="1" noChangeArrowheads="1" noChangeShapeType="1" noTextEdit="1"/>
+          </p:cNvSpPr>
+          <p:nvPr>
+            <p:extLst>
+              <p:ext uri="{386F3935-93C4-4BCD-93E2-E3B085C9AB24}">
+                <p16:designElem xmlns:p16="http://schemas.microsoft.com/office/powerpoint/2015/main" val="1"/>
+              </p:ext>
+            </p:extLst>
+          </p:nvPr>
+        </p:nvSpPr>
+        <p:spPr>
+          <a:xfrm>
+            <a:off x="4625926" y="0"/>
+            <a:ext cx="7566074" cy="6858000"/>
+          </a:xfrm>
+          <a:prstGeom prst="rect">
+            <a:avLst/>
+          </a:prstGeom>
+          <a:solidFill>
+            <a:srgbClr val="C8CACA"/>
+          </a:solidFill>
+          <a:ln>
+            <a:noFill/>
+          </a:ln>
+        </p:spPr>
+        <p:style>
+          <a:lnRef idx="2">
+            <a:schemeClr val="accent1">
+              <a:shade val="50000"/>
+            </a:schemeClr>
+          </a:lnRef>
+          <a:fillRef idx="1">
+            <a:schemeClr val="accent1"/>
+          </a:fillRef>
+          <a:effectRef idx="0">
+            <a:schemeClr val="accent1"/>
+          </a:effectRef>
+          <a:fontRef idx="minor">
+            <a:schemeClr val="lt1"/>
+          </a:fontRef>
+        </p:style>
+        <p:txBody>
+          <a:bodyPr rtlCol="0" anchor="ctr"/>
+          <a:lstStyle/>
+          <a:p>
+            <a:pPr algn="ctr"/>
+            <a:endParaRPr lang="en-US"/>
+          </a:p>
+        </p:txBody>
+      </p:sp>
+      <p:sp>
+        <p:nvSpPr>
+          <p:cNvPr id="11" name="Rounded Rectangle 28">
+            <a:extLst>
+              <a:ext uri="{FF2B5EF4-FFF2-40B4-BE49-F238E27FC236}">
+                <a16:creationId xmlns:a16="http://schemas.microsoft.com/office/drawing/2014/main" id="{AD7356EA-285B-4E5D-8FEC-104659A4FD2C}"/>
+              </a:ext>
+              <a:ext uri="{C183D7F6-B498-43B3-948B-1728B52AA6E4}">
+                <adec:decorative xmlns:adec="http://schemas.microsoft.com/office/drawing/2017/decorative" val="1"/>
+              </a:ext>
+            </a:extLst>
+          </p:cNvPr>
+          <p:cNvSpPr>
+            <a:spLocks noGrp="1" noRot="1" noChangeAspect="1" noMove="1" noResize="1" noEditPoints="1" noAdjustHandles="1" noChangeArrowheads="1" noChangeShapeType="1" noTextEdit="1"/>
+          </p:cNvSpPr>
+          <p:nvPr>
+            <p:extLst>
+              <p:ext uri="{386F3935-93C4-4BCD-93E2-E3B085C9AB24}">
+                <p16:designElem xmlns:p16="http://schemas.microsoft.com/office/powerpoint/2015/main" val="1"/>
+              </p:ext>
+            </p:extLst>
+          </p:nvPr>
+        </p:nvSpPr>
+        <p:spPr>
+          <a:xfrm>
+            <a:off x="5275903" y="640091"/>
+            <a:ext cx="6266120" cy="5577818"/>
+          </a:xfrm>
+          <a:prstGeom prst="roundRect">
+            <a:avLst>
+              <a:gd name="adj" fmla="val 0"/>
+            </a:avLst>
+          </a:prstGeom>
+          <a:solidFill>
+            <a:srgbClr val="FFFFFF"/>
+          </a:solidFill>
+          <a:ln w="9525">
+            <a:solidFill>
+              <a:srgbClr val="C8CACA"/>
+            </a:solidFill>
+          </a:ln>
+          <a:effectLst>
+            <a:outerShdw blurRad="57150" dist="19050" dir="5400000" algn="t" rotWithShape="0">
+              <a:prstClr val="black">
+                <a:alpha val="63000"/>
+              </a:prstClr>
+            </a:outerShdw>
+          </a:effectLst>
+        </p:spPr>
+        <p:style>
+          <a:lnRef idx="2">
+            <a:schemeClr val="accent1">
+              <a:shade val="50000"/>
+            </a:schemeClr>
+          </a:lnRef>
+          <a:fillRef idx="1">
+            <a:schemeClr val="accent1"/>
+          </a:fillRef>
+          <a:effectRef idx="0">
+            <a:schemeClr val="accent1"/>
+          </a:effectRef>
+          <a:fontRef idx="minor">
+            <a:schemeClr val="lt1"/>
+          </a:fontRef>
+        </p:style>
+        <p:txBody>
+          <a:bodyPr rtlCol="0" anchor="ctr"/>
+          <a:lstStyle/>
+          <a:p>
+            <a:pPr algn="ctr"/>
+            <a:endParaRPr lang="en-US"/>
+          </a:p>
+        </p:txBody>
+      </p:sp>
+      <p:pic>
+        <p:nvPicPr>
+          <p:cNvPr id="4" name="Inhaltsplatzhalter 3">
+            <a:extLst>
+              <a:ext uri="{FF2B5EF4-FFF2-40B4-BE49-F238E27FC236}">
+                <a16:creationId xmlns:a16="http://schemas.microsoft.com/office/drawing/2014/main" id="{A3529F53-A7D9-43EA-90DE-D50848DB4F6F}"/>
+              </a:ext>
+            </a:extLst>
+          </p:cNvPr>
+          <p:cNvPicPr>
+            <a:picLocks noGrp="1" noChangeAspect="1"/>
+          </p:cNvPicPr>
+          <p:nvPr>
+            <p:ph idx="1"/>
+          </p:nvPr>
+        </p:nvPicPr>
+        <p:blipFill rotWithShape="1">
+          <a:blip r:embed="rId2"/>
+          <a:srcRect l="12656"/>
+          <a:stretch/>
+        </p:blipFill>
+        <p:spPr>
+          <a:xfrm>
+            <a:off x="5441735" y="804672"/>
+            <a:ext cx="5934456" cy="5248656"/>
+          </a:xfrm>
+          <a:prstGeom prst="rect">
+            <a:avLst/>
+          </a:prstGeom>
+          <a:effectLst/>
+        </p:spPr>
+      </p:pic>
+    </p:spTree>
+    <p:extLst>
+      <p:ext uri="{BB962C8B-B14F-4D97-AF65-F5344CB8AC3E}">
+        <p14:creationId xmlns:p14="http://schemas.microsoft.com/office/powerpoint/2010/main" val="762413222"/>
+      </p:ext>
+    </p:extLst>
+  </p:cSld>
+  <p:clrMapOvr>
+    <a:masterClrMapping/>
+  </p:clrMapOvr>
+</p:sld>
+</file>
+
+<file path=ppt/slides/slide7.xml><?xml version="1.0" encoding="utf-8"?>
+<p:sld xmlns:a="http://schemas.openxmlformats.org/drawingml/2006/main" xmlns:r="http://schemas.openxmlformats.org/officeDocument/2006/relationships" xmlns:p="http://schemas.openxmlformats.org/presentationml/2006/main">
+  <p:cSld>
+    <p:bg>
+      <p:bgPr>
+        <a:solidFill>
+          <a:schemeClr val="bg1"/>
+        </a:solidFill>
+        <a:effectLst/>
+      </p:bgPr>
+    </p:bg>
+    <p:spTree>
+      <p:nvGrpSpPr>
+        <p:cNvPr id="1" name=""/>
+        <p:cNvGrpSpPr/>
+        <p:nvPr/>
+      </p:nvGrpSpPr>
+      <p:grpSpPr>
+        <a:xfrm>
+          <a:off x="0" y="0"/>
+          <a:ext cx="0" cy="0"/>
+          <a:chOff x="0" y="0"/>
+          <a:chExt cx="0" cy="0"/>
+        </a:xfrm>
+      </p:grpSpPr>
+      <p:sp>
+        <p:nvSpPr>
+          <p:cNvPr id="2" name="Titel 1">
+            <a:extLst>
+              <a:ext uri="{FF2B5EF4-FFF2-40B4-BE49-F238E27FC236}">
+                <a16:creationId xmlns:a16="http://schemas.microsoft.com/office/drawing/2014/main" id="{CC24F3DF-47D1-4D72-845E-B280ECB0C4E0}"/>
+              </a:ext>
+            </a:extLst>
+          </p:cNvPr>
+          <p:cNvSpPr>
+            <a:spLocks noGrp="1"/>
+          </p:cNvSpPr>
+          <p:nvPr>
+            <p:ph type="title"/>
+          </p:nvPr>
+        </p:nvSpPr>
+        <p:spPr>
+          <a:xfrm>
+            <a:off x="648928" y="4675886"/>
+            <a:ext cx="3685032" cy="1608328"/>
+          </a:xfrm>
+        </p:spPr>
+        <p:txBody>
+          <a:bodyPr>
+            <a:normAutofit/>
+          </a:bodyPr>
+          <a:lstStyle/>
+          <a:p>
+            <a:r>
+              <a:rPr lang="de-DE" sz="3600" dirty="0" err="1"/>
+              <a:t>Indicator</a:t>
+            </a:r>
+            <a:endParaRPr lang="de-IT" sz="3600" dirty="0"/>
+          </a:p>
+        </p:txBody>
+      </p:sp>
+      <p:sp>
+        <p:nvSpPr>
+          <p:cNvPr id="10" name="Rectangle 9">
+            <a:extLst>
+              <a:ext uri="{FF2B5EF4-FFF2-40B4-BE49-F238E27FC236}">
+                <a16:creationId xmlns:a16="http://schemas.microsoft.com/office/drawing/2014/main" id="{5AAE9118-0436-4488-AC4A-C14DF6A7B6B1}"/>
+              </a:ext>
+              <a:ext uri="{C183D7F6-B498-43B3-948B-1728B52AA6E4}">
+                <adec:decorative xmlns:adec="http://schemas.microsoft.com/office/drawing/2017/decorative" val="1"/>
+              </a:ext>
+            </a:extLst>
+          </p:cNvPr>
+          <p:cNvSpPr>
+            <a:spLocks noGrp="1" noRot="1" noChangeAspect="1" noMove="1" noResize="1" noEditPoints="1" noAdjustHandles="1" noChangeArrowheads="1" noChangeShapeType="1" noTextEdit="1"/>
+          </p:cNvSpPr>
+          <p:nvPr>
+            <p:extLst>
+              <p:ext uri="{386F3935-93C4-4BCD-93E2-E3B085C9AB24}">
+                <p16:designElem xmlns:p16="http://schemas.microsoft.com/office/powerpoint/2015/main" val="1"/>
+              </p:ext>
+            </p:extLst>
+          </p:nvPr>
+        </p:nvSpPr>
+        <p:spPr>
+          <a:xfrm>
+            <a:off x="-2" y="1"/>
+            <a:ext cx="12192002" cy="4489449"/>
+          </a:xfrm>
+          <a:prstGeom prst="rect">
+            <a:avLst/>
+          </a:prstGeom>
+          <a:solidFill>
+            <a:srgbClr val="C8CACA"/>
+          </a:solidFill>
+          <a:ln>
+            <a:noFill/>
+          </a:ln>
+        </p:spPr>
+        <p:style>
+          <a:lnRef idx="2">
+            <a:schemeClr val="accent1">
+              <a:shade val="50000"/>
+            </a:schemeClr>
+          </a:lnRef>
+          <a:fillRef idx="1">
+            <a:schemeClr val="accent1"/>
+          </a:fillRef>
+          <a:effectRef idx="0">
+            <a:schemeClr val="accent1"/>
+          </a:effectRef>
+          <a:fontRef idx="minor">
+            <a:schemeClr val="lt1"/>
+          </a:fontRef>
+        </p:style>
+        <p:txBody>
+          <a:bodyPr rtlCol="0" anchor="ctr"/>
+          <a:lstStyle/>
+          <a:p>
+            <a:pPr algn="ctr"/>
+            <a:endParaRPr lang="en-US"/>
+          </a:p>
+        </p:txBody>
+      </p:sp>
+      <p:sp>
+        <p:nvSpPr>
+          <p:cNvPr id="12" name="Rounded Rectangle 28">
+            <a:extLst>
+              <a:ext uri="{FF2B5EF4-FFF2-40B4-BE49-F238E27FC236}">
+                <a16:creationId xmlns:a16="http://schemas.microsoft.com/office/drawing/2014/main" id="{07A0C51E-5464-4470-855E-CA530A59BF98}"/>
+              </a:ext>
+              <a:ext uri="{C183D7F6-B498-43B3-948B-1728B52AA6E4}">
+                <adec:decorative xmlns:adec="http://schemas.microsoft.com/office/drawing/2017/decorative" val="1"/>
+              </a:ext>
+            </a:extLst>
+          </p:cNvPr>
+          <p:cNvSpPr>
+            <a:spLocks noGrp="1" noRot="1" noChangeAspect="1" noMove="1" noResize="1" noEditPoints="1" noAdjustHandles="1" noChangeArrowheads="1" noChangeShapeType="1" noTextEdit="1"/>
+          </p:cNvSpPr>
+          <p:nvPr>
+            <p:extLst>
+              <p:ext uri="{386F3935-93C4-4BCD-93E2-E3B085C9AB24}">
+                <p16:designElem xmlns:p16="http://schemas.microsoft.com/office/powerpoint/2015/main" val="1"/>
+              </p:ext>
+            </p:extLst>
+          </p:nvPr>
+        </p:nvSpPr>
+        <p:spPr>
+          <a:xfrm>
+            <a:off x="2059557" y="640091"/>
+            <a:ext cx="8072887" cy="3550909"/>
+          </a:xfrm>
+          <a:prstGeom prst="roundRect">
+            <a:avLst>
+              <a:gd name="adj" fmla="val 0"/>
+            </a:avLst>
+          </a:prstGeom>
+          <a:solidFill>
+            <a:srgbClr val="FFFFFF"/>
+          </a:solidFill>
+          <a:ln w="9525">
+            <a:solidFill>
+              <a:srgbClr val="C8CACA"/>
+            </a:solidFill>
+          </a:ln>
+          <a:effectLst>
+            <a:outerShdw blurRad="57150" dist="19050" dir="5400000" algn="t" rotWithShape="0">
+              <a:prstClr val="black">
+                <a:alpha val="63000"/>
+              </a:prstClr>
+            </a:outerShdw>
+          </a:effectLst>
+        </p:spPr>
+        <p:style>
+          <a:lnRef idx="2">
+            <a:schemeClr val="accent1">
+              <a:shade val="50000"/>
+            </a:schemeClr>
+          </a:lnRef>
+          <a:fillRef idx="1">
+            <a:schemeClr val="accent1"/>
+          </a:fillRef>
+          <a:effectRef idx="0">
+            <a:schemeClr val="accent1"/>
+          </a:effectRef>
+          <a:fontRef idx="minor">
+            <a:schemeClr val="lt1"/>
+          </a:fontRef>
+        </p:style>
+        <p:txBody>
+          <a:bodyPr rtlCol="0" anchor="ctr"/>
+          <a:lstStyle/>
+          <a:p>
+            <a:pPr algn="ctr"/>
+            <a:endParaRPr lang="en-US" dirty="0"/>
+          </a:p>
+        </p:txBody>
+      </p:sp>
+      <p:pic>
+        <p:nvPicPr>
+          <p:cNvPr id="5" name="Grafik 4">
+            <a:extLst>
+              <a:ext uri="{FF2B5EF4-FFF2-40B4-BE49-F238E27FC236}">
+                <a16:creationId xmlns:a16="http://schemas.microsoft.com/office/drawing/2014/main" id="{765E5461-F50B-486E-8E10-8D2CD5EF2D37}"/>
+              </a:ext>
+            </a:extLst>
+          </p:cNvPr>
+          <p:cNvPicPr>
+            <a:picLocks noChangeAspect="1"/>
+          </p:cNvPicPr>
+          <p:nvPr/>
+        </p:nvPicPr>
+        <p:blipFill rotWithShape="1">
+          <a:blip r:embed="rId2"/>
+          <a:srcRect b="11435"/>
+          <a:stretch/>
+        </p:blipFill>
+        <p:spPr>
+          <a:xfrm>
+            <a:off x="2184401" y="749300"/>
+            <a:ext cx="7823199" cy="3343043"/>
+          </a:xfrm>
+          <a:prstGeom prst="rect">
+            <a:avLst/>
+          </a:prstGeom>
+        </p:spPr>
+      </p:pic>
+      <p:sp>
+        <p:nvSpPr>
+          <p:cNvPr id="3" name="Inhaltsplatzhalter 2">
+            <a:extLst>
+              <a:ext uri="{FF2B5EF4-FFF2-40B4-BE49-F238E27FC236}">
+                <a16:creationId xmlns:a16="http://schemas.microsoft.com/office/drawing/2014/main" id="{20C7C485-16EA-40B2-8D80-267207DFF259}"/>
+              </a:ext>
+            </a:extLst>
+          </p:cNvPr>
+          <p:cNvSpPr>
+            <a:spLocks noGrp="1"/>
+          </p:cNvSpPr>
+          <p:nvPr>
+            <p:ph idx="1"/>
+          </p:nvPr>
+        </p:nvSpPr>
+        <p:spPr>
+          <a:xfrm>
+            <a:off x="4864100" y="4675886"/>
+            <a:ext cx="6675627" cy="1605083"/>
+          </a:xfrm>
+        </p:spPr>
+        <p:txBody>
+          <a:bodyPr anchor="ctr">
+            <a:normAutofit/>
+          </a:bodyPr>
+          <a:lstStyle/>
+          <a:p>
+            <a:r>
+              <a:rPr lang="de-DE" sz="2000" dirty="0"/>
+              <a:t>Der </a:t>
+            </a:r>
+            <a:r>
+              <a:rPr lang="de-DE" sz="2000" dirty="0" err="1"/>
+              <a:t>Indicator</a:t>
+            </a:r>
+            <a:r>
+              <a:rPr lang="de-DE" sz="2000" dirty="0"/>
+              <a:t> ist nichts weiter als der Blinker</a:t>
+            </a:r>
+          </a:p>
+          <a:p>
+            <a:r>
+              <a:rPr lang="de-DE" sz="2000" dirty="0"/>
+              <a:t>Er wird für jedes Auto an der </a:t>
+            </a:r>
+            <a:r>
+              <a:rPr lang="de-DE" sz="2000" dirty="0" err="1"/>
+              <a:t>Intersection</a:t>
+            </a:r>
+            <a:r>
+              <a:rPr lang="de-DE" sz="2000" dirty="0"/>
+              <a:t> gesetzt, um zu zeigen, in welche Richtung es möchte</a:t>
+            </a:r>
+            <a:endParaRPr lang="de-IT" sz="2000" dirty="0"/>
+          </a:p>
+        </p:txBody>
+      </p:sp>
+    </p:spTree>
+    <p:extLst>
+      <p:ext uri="{BB962C8B-B14F-4D97-AF65-F5344CB8AC3E}">
+        <p14:creationId xmlns:p14="http://schemas.microsoft.com/office/powerpoint/2010/main" val="1093812395"/>
+      </p:ext>
+    </p:extLst>
+  </p:cSld>
+  <p:clrMapOvr>
+    <a:masterClrMapping/>
+  </p:clrMapOvr>
+</p:sld>
+</file>
+
+<file path=ppt/slides/slide8.xml><?xml version="1.0" encoding="utf-8"?>
+<p:sld xmlns:a="http://schemas.openxmlformats.org/drawingml/2006/main" xmlns:r="http://schemas.openxmlformats.org/officeDocument/2006/relationships" xmlns:p="http://schemas.openxmlformats.org/presentationml/2006/main">
+  <p:cSld>
+    <p:spTree>
+      <p:nvGrpSpPr>
+        <p:cNvPr id="1" name=""/>
+        <p:cNvGrpSpPr/>
+        <p:nvPr/>
+      </p:nvGrpSpPr>
+      <p:grpSpPr>
+        <a:xfrm>
+          <a:off x="0" y="0"/>
+          <a:ext cx="0" cy="0"/>
+          <a:chOff x="0" y="0"/>
+          <a:chExt cx="0" cy="0"/>
+        </a:xfrm>
+      </p:grpSpPr>
+      <p:pic>
+        <p:nvPicPr>
+          <p:cNvPr id="4" name="Inhaltsplatzhalter 3">
+            <a:extLst>
+              <a:ext uri="{FF2B5EF4-FFF2-40B4-BE49-F238E27FC236}">
+                <a16:creationId xmlns:a16="http://schemas.microsoft.com/office/drawing/2014/main" id="{7907AB29-830C-4D85-8677-DEFF57B8C903}"/>
+              </a:ext>
+            </a:extLst>
+          </p:cNvPr>
+          <p:cNvPicPr>
+            <a:picLocks noGrp="1" noChangeAspect="1"/>
+          </p:cNvPicPr>
+          <p:nvPr>
+            <p:ph sz="half" idx="1"/>
+          </p:nvPr>
+        </p:nvPicPr>
+        <p:blipFill rotWithShape="1">
+          <a:blip r:embed="rId2"/>
+          <a:srcRect t="6483"/>
+          <a:stretch/>
+        </p:blipFill>
+        <p:spPr>
+          <a:xfrm>
+            <a:off x="5495925" y="1253331"/>
+            <a:ext cx="6405399" cy="4351338"/>
+          </a:xfrm>
+          <a:prstGeom prst="rect">
+            <a:avLst/>
+          </a:prstGeom>
+        </p:spPr>
+      </p:pic>
+      <p:sp>
+        <p:nvSpPr>
+          <p:cNvPr id="6" name="Inhaltsplatzhalter 5">
+            <a:extLst>
+              <a:ext uri="{FF2B5EF4-FFF2-40B4-BE49-F238E27FC236}">
+                <a16:creationId xmlns:a16="http://schemas.microsoft.com/office/drawing/2014/main" id="{91E1AFB9-12BE-4593-A855-D47739A1D92C}"/>
+              </a:ext>
+            </a:extLst>
+          </p:cNvPr>
+          <p:cNvSpPr>
+            <a:spLocks noGrp="1"/>
+          </p:cNvSpPr>
+          <p:nvPr>
+            <p:ph sz="half" idx="2"/>
+          </p:nvPr>
+        </p:nvSpPr>
+        <p:spPr>
+          <a:xfrm>
+            <a:off x="314325" y="1253331"/>
+            <a:ext cx="5181600" cy="4675982"/>
+          </a:xfrm>
+        </p:spPr>
+        <p:txBody>
+          <a:bodyPr>
+            <a:normAutofit/>
+          </a:bodyPr>
+          <a:lstStyle/>
+          <a:p>
+            <a:r>
+              <a:rPr lang="de-DE" sz="2000" dirty="0"/>
+              <a:t>Bei jedem Auto wird in seiner „</a:t>
+            </a:r>
+            <a:r>
+              <a:rPr lang="de-DE" sz="2000" dirty="0" err="1"/>
+              <a:t>RoadMap</a:t>
+            </a:r>
+            <a:r>
+              <a:rPr lang="de-DE" sz="2000" dirty="0"/>
+              <a:t>“ gelesen, wohin es fahren möchte, und dementsprechend wird der Blinker auf eine Richtung gesetzt</a:t>
+            </a:r>
+          </a:p>
+          <a:p>
+            <a:r>
+              <a:rPr lang="de-DE" sz="2000" dirty="0"/>
+              <a:t>Richtungen:</a:t>
+            </a:r>
+          </a:p>
+          <a:p>
+            <a:pPr lvl="1">
+              <a:buFont typeface="Wingdings" panose="05000000000000000000" pitchFamily="2" charset="2"/>
+              <a:buChar char="Ø"/>
+            </a:pPr>
+            <a:r>
+              <a:rPr lang="de-DE" sz="2000" dirty="0"/>
+              <a:t>Links (-1)</a:t>
+            </a:r>
+          </a:p>
+          <a:p>
+            <a:pPr lvl="1">
+              <a:buFont typeface="Wingdings" panose="05000000000000000000" pitchFamily="2" charset="2"/>
+              <a:buChar char="Ø"/>
+            </a:pPr>
+            <a:r>
+              <a:rPr lang="de-DE" sz="2000" dirty="0"/>
+              <a:t>Rechts (1)</a:t>
+            </a:r>
+          </a:p>
+          <a:p>
+            <a:pPr lvl="1">
+              <a:buFont typeface="Wingdings" panose="05000000000000000000" pitchFamily="2" charset="2"/>
+              <a:buChar char="Ø"/>
+            </a:pPr>
+            <a:r>
+              <a:rPr lang="de-DE" sz="2000" dirty="0"/>
+              <a:t>Gerade aus (0)</a:t>
+            </a:r>
+          </a:p>
+          <a:p>
+            <a:r>
+              <a:rPr lang="de-DE" sz="2000" dirty="0"/>
+              <a:t>So weiß die Kreuzung wohin Autos wollen </a:t>
+            </a:r>
+            <a:endParaRPr lang="de-IT" sz="2000" dirty="0"/>
+          </a:p>
+        </p:txBody>
+      </p:sp>
+    </p:spTree>
+    <p:extLst>
+      <p:ext uri="{BB962C8B-B14F-4D97-AF65-F5344CB8AC3E}">
+        <p14:creationId xmlns:p14="http://schemas.microsoft.com/office/powerpoint/2010/main" val="1460228131"/>
+      </p:ext>
+    </p:extLst>
+  </p:cSld>
+  <p:clrMapOvr>
+    <a:masterClrMapping/>
+  </p:clrMapOvr>
+</p:sld>
+</file>
+
+<file path=ppt/slides/slide9.xml><?xml version="1.0" encoding="utf-8"?>
+<p:sld xmlns:a="http://schemas.openxmlformats.org/drawingml/2006/main" xmlns:r="http://schemas.openxmlformats.org/officeDocument/2006/relationships" xmlns:p="http://schemas.openxmlformats.org/presentationml/2006/main">
+  <p:cSld>
+    <p:bg>
+      <p:bgPr>
+        <a:solidFill>
+          <a:schemeClr val="bg1"/>
+        </a:solidFill>
+        <a:effectLst/>
+      </p:bgPr>
+    </p:bg>
+    <p:spTree>
+      <p:nvGrpSpPr>
+        <p:cNvPr id="1" name=""/>
+        <p:cNvGrpSpPr/>
+        <p:nvPr/>
+      </p:nvGrpSpPr>
+      <p:grpSpPr>
+        <a:xfrm>
+          <a:off x="0" y="0"/>
+          <a:ext cx="0" cy="0"/>
+          <a:chOff x="0" y="0"/>
+          <a:chExt cx="0" cy="0"/>
+        </a:xfrm>
+      </p:grpSpPr>
+      <p:sp>
+        <p:nvSpPr>
+          <p:cNvPr id="2" name="Titel 1">
+            <a:extLst>
+              <a:ext uri="{FF2B5EF4-FFF2-40B4-BE49-F238E27FC236}">
+                <a16:creationId xmlns:a16="http://schemas.microsoft.com/office/drawing/2014/main" id="{3C99C246-1ED5-429C-ADA5-1DC34C6C1EFB}"/>
+              </a:ext>
+            </a:extLst>
+          </p:cNvPr>
+          <p:cNvSpPr>
+            <a:spLocks noGrp="1"/>
+          </p:cNvSpPr>
+          <p:nvPr>
+            <p:ph type="title"/>
+          </p:nvPr>
+        </p:nvSpPr>
+        <p:spPr>
+          <a:xfrm>
+            <a:off x="648930" y="629266"/>
+            <a:ext cx="3605572" cy="1676603"/>
+          </a:xfrm>
+        </p:spPr>
+        <p:txBody>
+          <a:bodyPr vert="horz" lIns="91440" tIns="45720" rIns="91440" bIns="45720" rtlCol="0" anchor="ctr">
+            <a:normAutofit/>
+          </a:bodyPr>
+          <a:lstStyle/>
+          <a:p>
+            <a:r>
+              <a:rPr lang="en-US" sz="4000"/>
+              <a:t>T-intersection-itself</a:t>
+            </a:r>
+          </a:p>
+        </p:txBody>
+      </p:sp>
+      <p:sp>
+        <p:nvSpPr>
+          <p:cNvPr id="3" name="Inhaltsplatzhalter 2">
+            <a:extLst>
+              <a:ext uri="{FF2B5EF4-FFF2-40B4-BE49-F238E27FC236}">
+                <a16:creationId xmlns:a16="http://schemas.microsoft.com/office/drawing/2014/main" id="{E98567BC-D705-4864-8CE4-3D87C1940404}"/>
+              </a:ext>
+            </a:extLst>
+          </p:cNvPr>
+          <p:cNvSpPr>
+            <a:spLocks noGrp="1"/>
+          </p:cNvSpPr>
+          <p:nvPr>
+            <p:ph sz="half" idx="1"/>
+          </p:nvPr>
+        </p:nvSpPr>
+        <p:spPr>
+          <a:xfrm>
+            <a:off x="648931" y="2143125"/>
+            <a:ext cx="3605571" cy="4074796"/>
+          </a:xfrm>
+        </p:spPr>
+        <p:txBody>
+          <a:bodyPr vert="horz" lIns="91440" tIns="45720" rIns="91440" bIns="45720" rtlCol="0">
+            <a:normAutofit/>
+          </a:bodyPr>
+          <a:lstStyle/>
+          <a:p>
+            <a:r>
+              <a:rPr lang="en-US" sz="2000" dirty="0"/>
+              <a:t>In der </a:t>
+            </a:r>
+            <a:r>
+              <a:rPr lang="en-US" sz="2000" dirty="0" err="1"/>
+              <a:t>Kreuzung</a:t>
+            </a:r>
+            <a:r>
+              <a:rPr lang="en-US" sz="2000" dirty="0"/>
+              <a:t> </a:t>
+            </a:r>
+            <a:r>
+              <a:rPr lang="en-US" sz="2000" dirty="0" err="1"/>
+              <a:t>selbst</a:t>
+            </a:r>
+            <a:r>
+              <a:rPr lang="en-US" sz="2000" dirty="0"/>
+              <a:t> </a:t>
+            </a:r>
+            <a:r>
+              <a:rPr lang="en-US" sz="2000" dirty="0" err="1"/>
+              <a:t>befinden</a:t>
+            </a:r>
+            <a:r>
+              <a:rPr lang="en-US" sz="2000" dirty="0"/>
+              <a:t> </a:t>
+            </a:r>
+            <a:r>
+              <a:rPr lang="en-US" sz="2000" dirty="0" err="1"/>
+              <a:t>sich</a:t>
+            </a:r>
+            <a:r>
+              <a:rPr lang="en-US" sz="2000" dirty="0"/>
+              <a:t> Queues an </a:t>
+            </a:r>
+            <a:r>
+              <a:rPr lang="en-US" sz="2000" dirty="0" err="1"/>
+              <a:t>allen</a:t>
+            </a:r>
+            <a:r>
+              <a:rPr lang="en-US" sz="2000" dirty="0"/>
+              <a:t> </a:t>
+            </a:r>
+            <a:r>
+              <a:rPr lang="en-US" sz="2000" dirty="0" err="1"/>
+              <a:t>Eingängen</a:t>
+            </a:r>
+            <a:r>
+              <a:rPr lang="en-US" sz="2000" dirty="0"/>
+              <a:t>, in die </a:t>
+            </a:r>
+            <a:r>
+              <a:rPr lang="en-US" sz="2000" dirty="0" err="1"/>
+              <a:t>die</a:t>
+            </a:r>
+            <a:r>
+              <a:rPr lang="en-US" sz="2000" dirty="0"/>
+              <a:t> Autos rein </a:t>
+            </a:r>
+            <a:r>
+              <a:rPr lang="en-US" sz="2000" dirty="0" err="1"/>
+              <a:t>kommen</a:t>
+            </a:r>
+            <a:r>
+              <a:rPr lang="en-US" sz="2000" dirty="0"/>
+              <a:t>, </a:t>
+            </a:r>
+            <a:r>
+              <a:rPr lang="en-US" sz="2000" dirty="0" err="1"/>
+              <a:t>sobald</a:t>
+            </a:r>
+            <a:r>
+              <a:rPr lang="en-US" sz="2000" dirty="0"/>
+              <a:t> </a:t>
+            </a:r>
+            <a:r>
+              <a:rPr lang="en-US" sz="2000" dirty="0" err="1"/>
+              <a:t>sie</a:t>
+            </a:r>
+            <a:r>
+              <a:rPr lang="en-US" sz="2000" dirty="0"/>
+              <a:t> </a:t>
+            </a:r>
+            <a:r>
+              <a:rPr lang="en-US" sz="2000" dirty="0" err="1"/>
+              <a:t>ankommen</a:t>
+            </a:r>
+            <a:endParaRPr lang="en-US" sz="2000" dirty="0"/>
+          </a:p>
+          <a:p>
+            <a:r>
+              <a:rPr lang="en-US" sz="2000" dirty="0" err="1"/>
+              <a:t>Viele</a:t>
+            </a:r>
+            <a:r>
+              <a:rPr lang="en-US" sz="2000" dirty="0"/>
+              <a:t> </a:t>
+            </a:r>
+            <a:r>
+              <a:rPr lang="en-US" sz="2000" dirty="0" err="1"/>
+              <a:t>verschiedene</a:t>
+            </a:r>
+            <a:r>
+              <a:rPr lang="en-US" sz="2000" dirty="0"/>
+              <a:t> Inputs/Outputs</a:t>
+            </a:r>
+          </a:p>
+          <a:p>
+            <a:r>
+              <a:rPr lang="en-US" sz="2000" dirty="0" err="1"/>
+              <a:t>Für</a:t>
+            </a:r>
+            <a:r>
+              <a:rPr lang="en-US" sz="2000" dirty="0"/>
+              <a:t> die </a:t>
+            </a:r>
+            <a:r>
+              <a:rPr lang="en-US" sz="2000" dirty="0" err="1"/>
+              <a:t>Analyse</a:t>
+            </a:r>
+            <a:r>
+              <a:rPr lang="en-US" sz="2000" dirty="0"/>
+              <a:t> </a:t>
+            </a:r>
+            <a:r>
+              <a:rPr lang="en-US" sz="2000" dirty="0" err="1"/>
+              <a:t>wird</a:t>
+            </a:r>
+            <a:r>
+              <a:rPr lang="en-US" sz="2000" dirty="0"/>
+              <a:t> </a:t>
+            </a:r>
+            <a:r>
+              <a:rPr lang="en-US" sz="2000" dirty="0" err="1"/>
+              <a:t>ein</a:t>
+            </a:r>
+            <a:r>
+              <a:rPr lang="en-US" sz="2000" dirty="0"/>
+              <a:t> Counter </a:t>
+            </a:r>
+            <a:r>
+              <a:rPr lang="en-US" sz="2000" dirty="0" err="1"/>
+              <a:t>mitgetragen</a:t>
+            </a:r>
+            <a:endParaRPr lang="en-US" sz="2000" dirty="0"/>
+          </a:p>
+          <a:p>
+            <a:r>
+              <a:rPr lang="en-US" sz="2000" dirty="0"/>
+              <a:t>„</a:t>
+            </a:r>
+            <a:r>
+              <a:rPr lang="en-US" sz="2000" dirty="0" err="1"/>
+              <a:t>right_hand_rule</a:t>
+            </a:r>
+            <a:r>
+              <a:rPr lang="en-US" sz="2000" dirty="0"/>
+              <a:t>()“ </a:t>
+            </a:r>
+            <a:r>
+              <a:rPr lang="en-US" sz="2000" dirty="0">
+                <a:sym typeface="Wingdings" panose="05000000000000000000" pitchFamily="2" charset="2"/>
+              </a:rPr>
+              <a:t> </a:t>
+            </a:r>
+            <a:r>
+              <a:rPr lang="en-US" sz="2000" dirty="0" err="1">
+                <a:sym typeface="Wingdings" panose="05000000000000000000" pitchFamily="2" charset="2"/>
+              </a:rPr>
+              <a:t>Methode</a:t>
+            </a:r>
+            <a:r>
+              <a:rPr lang="en-US" sz="2000" dirty="0">
+                <a:sym typeface="Wingdings" panose="05000000000000000000" pitchFamily="2" charset="2"/>
+              </a:rPr>
+              <a:t>, die </a:t>
+            </a:r>
+            <a:r>
+              <a:rPr lang="en-US" sz="2000" dirty="0" err="1">
+                <a:sym typeface="Wingdings" panose="05000000000000000000" pitchFamily="2" charset="2"/>
+              </a:rPr>
+              <a:t>die</a:t>
+            </a:r>
+            <a:r>
+              <a:rPr lang="en-US" sz="2000" dirty="0">
+                <a:sym typeface="Wingdings" panose="05000000000000000000" pitchFamily="2" charset="2"/>
+              </a:rPr>
+              <a:t> </a:t>
+            </a:r>
+            <a:r>
+              <a:rPr lang="en-US" sz="2000" dirty="0" err="1">
+                <a:sym typeface="Wingdings" panose="05000000000000000000" pitchFamily="2" charset="2"/>
+              </a:rPr>
+              <a:t>Rechts</a:t>
+            </a:r>
+            <a:r>
+              <a:rPr lang="en-US" sz="2000" dirty="0">
+                <a:sym typeface="Wingdings" panose="05000000000000000000" pitchFamily="2" charset="2"/>
+              </a:rPr>
+              <a:t>-Regel </a:t>
+            </a:r>
+            <a:r>
+              <a:rPr lang="en-US" sz="2000" dirty="0" err="1">
+                <a:sym typeface="Wingdings" panose="05000000000000000000" pitchFamily="2" charset="2"/>
+              </a:rPr>
+              <a:t>implementiert</a:t>
+            </a:r>
+            <a:endParaRPr lang="en-US" sz="2000" dirty="0"/>
+          </a:p>
+        </p:txBody>
+      </p:sp>
+      <p:sp>
+        <p:nvSpPr>
+          <p:cNvPr id="11" name="Rectangle 10">
+            <a:extLst>
+              <a:ext uri="{FF2B5EF4-FFF2-40B4-BE49-F238E27FC236}">
+                <a16:creationId xmlns:a16="http://schemas.microsoft.com/office/drawing/2014/main" id="{577D1452-F0B7-431E-9A24-D3F7103D8510}"/>
+              </a:ext>
+              <a:ext uri="{C183D7F6-B498-43B3-948B-1728B52AA6E4}">
+                <adec:decorative xmlns:adec="http://schemas.microsoft.com/office/drawing/2017/decorative" val="1"/>
+              </a:ext>
+            </a:extLst>
+          </p:cNvPr>
+          <p:cNvSpPr>
+            <a:spLocks noGrp="1" noRot="1" noChangeAspect="1" noMove="1" noResize="1" noEditPoints="1" noAdjustHandles="1" noChangeArrowheads="1" noChangeShapeType="1" noTextEdit="1"/>
+          </p:cNvSpPr>
+          <p:nvPr>
+            <p:extLst>
+              <p:ext uri="{386F3935-93C4-4BCD-93E2-E3B085C9AB24}">
+                <p16:designElem xmlns:p16="http://schemas.microsoft.com/office/powerpoint/2015/main" val="1"/>
+              </p:ext>
+            </p:extLst>
+          </p:nvPr>
+        </p:nvSpPr>
+        <p:spPr>
+          <a:xfrm>
+            <a:off x="4639056" y="0"/>
+            <a:ext cx="7552944" cy="6858000"/>
+          </a:xfrm>
+          <a:prstGeom prst="rect">
+            <a:avLst/>
+          </a:prstGeom>
+          <a:solidFill>
+            <a:srgbClr val="C8CACA"/>
+          </a:solidFill>
+          <a:ln>
+            <a:noFill/>
+          </a:ln>
+        </p:spPr>
+        <p:style>
+          <a:lnRef idx="2">
+            <a:schemeClr val="accent1">
+              <a:shade val="50000"/>
+            </a:schemeClr>
+          </a:lnRef>
+          <a:fillRef idx="1">
+            <a:schemeClr val="accent1"/>
+          </a:fillRef>
+          <a:effectRef idx="0">
+            <a:schemeClr val="accent1"/>
+          </a:effectRef>
+          <a:fontRef idx="minor">
+            <a:schemeClr val="lt1"/>
+          </a:fontRef>
+        </p:style>
+        <p:txBody>
+          <a:bodyPr rtlCol="0" anchor="ctr"/>
+          <a:lstStyle/>
+          <a:p>
+            <a:pPr algn="ctr"/>
+            <a:endParaRPr lang="en-US"/>
+          </a:p>
+        </p:txBody>
+      </p:sp>
+      <p:sp>
+        <p:nvSpPr>
+          <p:cNvPr id="13" name="Rounded Rectangle 20">
+            <a:extLst>
+              <a:ext uri="{FF2B5EF4-FFF2-40B4-BE49-F238E27FC236}">
+                <a16:creationId xmlns:a16="http://schemas.microsoft.com/office/drawing/2014/main" id="{A660F4F9-5DF5-4F15-BE6A-CD8648BB1148}"/>
+              </a:ext>
+              <a:ext uri="{C183D7F6-B498-43B3-948B-1728B52AA6E4}">
+                <adec:decorative xmlns:adec="http://schemas.microsoft.com/office/drawing/2017/decorative" val="1"/>
+              </a:ext>
+            </a:extLst>
+          </p:cNvPr>
+          <p:cNvSpPr>
+            <a:spLocks noGrp="1" noRot="1" noChangeAspect="1" noMove="1" noResize="1" noEditPoints="1" noAdjustHandles="1" noChangeArrowheads="1" noChangeShapeType="1" noTextEdit="1"/>
+          </p:cNvSpPr>
+          <p:nvPr>
+            <p:extLst>
+              <p:ext uri="{386F3935-93C4-4BCD-93E2-E3B085C9AB24}">
+                <p16:designElem xmlns:p16="http://schemas.microsoft.com/office/powerpoint/2015/main" val="1"/>
+              </p:ext>
+            </p:extLst>
+          </p:nvPr>
+        </p:nvSpPr>
+        <p:spPr>
+          <a:xfrm>
+            <a:off x="5118267" y="559407"/>
+            <a:ext cx="6594522" cy="5739187"/>
+          </a:xfrm>
+          <a:prstGeom prst="roundRect">
+            <a:avLst>
+              <a:gd name="adj" fmla="val 0"/>
+            </a:avLst>
+          </a:prstGeom>
+          <a:solidFill>
+            <a:srgbClr val="FFFFFF"/>
+          </a:solidFill>
+          <a:ln w="9525">
+            <a:solidFill>
+              <a:srgbClr val="C8CACA"/>
+            </a:solidFill>
+          </a:ln>
+          <a:effectLst>
+            <a:outerShdw blurRad="57150" dist="19050" dir="5400000" algn="t" rotWithShape="0">
+              <a:prstClr val="black">
+                <a:alpha val="63000"/>
+              </a:prstClr>
+            </a:outerShdw>
+          </a:effectLst>
+        </p:spPr>
+        <p:style>
+          <a:lnRef idx="2">
+            <a:schemeClr val="accent1">
+              <a:shade val="50000"/>
+            </a:schemeClr>
+          </a:lnRef>
+          <a:fillRef idx="1">
+            <a:schemeClr val="accent1"/>
+          </a:fillRef>
+          <a:effectRef idx="0">
+            <a:schemeClr val="accent1"/>
+          </a:effectRef>
+          <a:fontRef idx="minor">
+            <a:schemeClr val="lt1"/>
+          </a:fontRef>
+        </p:style>
+        <p:txBody>
+          <a:bodyPr rtlCol="0" anchor="ctr"/>
+          <a:lstStyle/>
+          <a:p>
+            <a:pPr algn="ctr"/>
+            <a:endParaRPr lang="en-US"/>
+          </a:p>
+        </p:txBody>
+      </p:sp>
+      <p:pic>
+        <p:nvPicPr>
+          <p:cNvPr id="6" name="Inhaltsplatzhalter 5">
+            <a:extLst>
+              <a:ext uri="{FF2B5EF4-FFF2-40B4-BE49-F238E27FC236}">
+                <a16:creationId xmlns:a16="http://schemas.microsoft.com/office/drawing/2014/main" id="{0B518E93-2540-43E6-BD4B-6A38FF9F3B73}"/>
+              </a:ext>
+            </a:extLst>
+          </p:cNvPr>
+          <p:cNvPicPr>
+            <a:picLocks noGrp="1" noChangeAspect="1"/>
+          </p:cNvPicPr>
+          <p:nvPr>
+            <p:ph sz="half" idx="2"/>
+          </p:nvPr>
+        </p:nvPicPr>
+        <p:blipFill rotWithShape="1">
+          <a:blip r:embed="rId2"/>
+          <a:srcRect t="7223" r="-1" b="17760"/>
+          <a:stretch/>
+        </p:blipFill>
+        <p:spPr>
+          <a:xfrm>
+            <a:off x="5283708" y="722376"/>
+            <a:ext cx="6263640" cy="5413248"/>
+          </a:xfrm>
+          <a:prstGeom prst="rect">
+            <a:avLst/>
+          </a:prstGeom>
+          <a:effectLst/>
+        </p:spPr>
+      </p:pic>
+    </p:spTree>
+    <p:extLst>
+      <p:ext uri="{BB962C8B-B14F-4D97-AF65-F5344CB8AC3E}">
+        <p14:creationId xmlns:p14="http://schemas.microsoft.com/office/powerpoint/2010/main" val="47323300"/>
       </p:ext>
     </p:extLst>
   </p:cSld>

--- a/Presentation/Traffic-flow-modeling-and-analysis.pptx
+++ b/Presentation/Traffic-flow-modeling-and-analysis.pptx
@@ -8,14 +8,17 @@
     <p:sldId id="256" r:id="rId2"/>
     <p:sldId id="257" r:id="rId3"/>
     <p:sldId id="258" r:id="rId4"/>
-    <p:sldId id="267" r:id="rId5"/>
+    <p:sldId id="268" r:id="rId5"/>
     <p:sldId id="261" r:id="rId6"/>
-    <p:sldId id="262" r:id="rId7"/>
-    <p:sldId id="259" r:id="rId8"/>
-    <p:sldId id="263" r:id="rId9"/>
-    <p:sldId id="264" r:id="rId10"/>
-    <p:sldId id="265" r:id="rId11"/>
-    <p:sldId id="266" r:id="rId12"/>
+    <p:sldId id="269" r:id="rId7"/>
+    <p:sldId id="267" r:id="rId8"/>
+    <p:sldId id="266" r:id="rId9"/>
+    <p:sldId id="262" r:id="rId10"/>
+    <p:sldId id="259" r:id="rId11"/>
+    <p:sldId id="263" r:id="rId12"/>
+    <p:sldId id="264" r:id="rId13"/>
+    <p:sldId id="270" r:id="rId14"/>
+    <p:sldId id="271" r:id="rId15"/>
   </p:sldIdLst>
   <p:sldSz cx="12192000" cy="6858000"/>
   <p:notesSz cx="6858000" cy="9144000"/>
@@ -269,7 +272,7 @@
           <a:p>
             <a:fld id="{2CE709E5-6494-42E6-9F3E-1EC649FF95E6}" type="datetimeFigureOut">
               <a:rPr lang="de-DE" smtClean="0"/>
-              <a:t>17.01.2021</a:t>
+              <a:t>20.01.2021</a:t>
             </a:fld>
             <a:endParaRPr lang="de-DE"/>
           </a:p>
@@ -467,7 +470,7 @@
           <a:p>
             <a:fld id="{2CE709E5-6494-42E6-9F3E-1EC649FF95E6}" type="datetimeFigureOut">
               <a:rPr lang="de-DE" smtClean="0"/>
-              <a:t>17.01.2021</a:t>
+              <a:t>20.01.2021</a:t>
             </a:fld>
             <a:endParaRPr lang="de-DE"/>
           </a:p>
@@ -675,7 +678,7 @@
           <a:p>
             <a:fld id="{2CE709E5-6494-42E6-9F3E-1EC649FF95E6}" type="datetimeFigureOut">
               <a:rPr lang="de-DE" smtClean="0"/>
-              <a:t>17.01.2021</a:t>
+              <a:t>20.01.2021</a:t>
             </a:fld>
             <a:endParaRPr lang="de-DE"/>
           </a:p>
@@ -873,7 +876,7 @@
           <a:p>
             <a:fld id="{2CE709E5-6494-42E6-9F3E-1EC649FF95E6}" type="datetimeFigureOut">
               <a:rPr lang="de-DE" smtClean="0"/>
-              <a:t>17.01.2021</a:t>
+              <a:t>20.01.2021</a:t>
             </a:fld>
             <a:endParaRPr lang="de-DE"/>
           </a:p>
@@ -1148,7 +1151,7 @@
           <a:p>
             <a:fld id="{2CE709E5-6494-42E6-9F3E-1EC649FF95E6}" type="datetimeFigureOut">
               <a:rPr lang="de-DE" smtClean="0"/>
-              <a:t>17.01.2021</a:t>
+              <a:t>20.01.2021</a:t>
             </a:fld>
             <a:endParaRPr lang="de-DE"/>
           </a:p>
@@ -1413,7 +1416,7 @@
           <a:p>
             <a:fld id="{2CE709E5-6494-42E6-9F3E-1EC649FF95E6}" type="datetimeFigureOut">
               <a:rPr lang="de-DE" smtClean="0"/>
-              <a:t>17.01.2021</a:t>
+              <a:t>20.01.2021</a:t>
             </a:fld>
             <a:endParaRPr lang="de-DE"/>
           </a:p>
@@ -1825,7 +1828,7 @@
           <a:p>
             <a:fld id="{2CE709E5-6494-42E6-9F3E-1EC649FF95E6}" type="datetimeFigureOut">
               <a:rPr lang="de-DE" smtClean="0"/>
-              <a:t>17.01.2021</a:t>
+              <a:t>20.01.2021</a:t>
             </a:fld>
             <a:endParaRPr lang="de-DE"/>
           </a:p>
@@ -1966,7 +1969,7 @@
           <a:p>
             <a:fld id="{2CE709E5-6494-42E6-9F3E-1EC649FF95E6}" type="datetimeFigureOut">
               <a:rPr lang="de-DE" smtClean="0"/>
-              <a:t>17.01.2021</a:t>
+              <a:t>20.01.2021</a:t>
             </a:fld>
             <a:endParaRPr lang="de-DE"/>
           </a:p>
@@ -2079,7 +2082,7 @@
           <a:p>
             <a:fld id="{2CE709E5-6494-42E6-9F3E-1EC649FF95E6}" type="datetimeFigureOut">
               <a:rPr lang="de-DE" smtClean="0"/>
-              <a:t>17.01.2021</a:t>
+              <a:t>20.01.2021</a:t>
             </a:fld>
             <a:endParaRPr lang="de-DE"/>
           </a:p>
@@ -2390,7 +2393,7 @@
           <a:p>
             <a:fld id="{2CE709E5-6494-42E6-9F3E-1EC649FF95E6}" type="datetimeFigureOut">
               <a:rPr lang="de-DE" smtClean="0"/>
-              <a:t>17.01.2021</a:t>
+              <a:t>20.01.2021</a:t>
             </a:fld>
             <a:endParaRPr lang="de-DE"/>
           </a:p>
@@ -2678,7 +2681,7 @@
           <a:p>
             <a:fld id="{2CE709E5-6494-42E6-9F3E-1EC649FF95E6}" type="datetimeFigureOut">
               <a:rPr lang="de-DE" smtClean="0"/>
-              <a:t>17.01.2021</a:t>
+              <a:t>20.01.2021</a:t>
             </a:fld>
             <a:endParaRPr lang="de-DE"/>
           </a:p>
@@ -2919,7 +2922,7 @@
           <a:p>
             <a:fld id="{2CE709E5-6494-42E6-9F3E-1EC649FF95E6}" type="datetimeFigureOut">
               <a:rPr lang="de-DE" smtClean="0"/>
-              <a:t>17.01.2021</a:t>
+              <a:t>20.01.2021</a:t>
             </a:fld>
             <a:endParaRPr lang="de-DE"/>
           </a:p>
@@ -3612,6 +3615,4819 @@
       </p:grpSpPr>
       <p:sp>
         <p:nvSpPr>
+          <p:cNvPr id="2" name="Titel 1">
+            <a:extLst>
+              <a:ext uri="{FF2B5EF4-FFF2-40B4-BE49-F238E27FC236}">
+                <a16:creationId xmlns:a16="http://schemas.microsoft.com/office/drawing/2014/main" id="{CC24F3DF-47D1-4D72-845E-B280ECB0C4E0}"/>
+              </a:ext>
+            </a:extLst>
+          </p:cNvPr>
+          <p:cNvSpPr>
+            <a:spLocks noGrp="1"/>
+          </p:cNvSpPr>
+          <p:nvPr>
+            <p:ph type="title"/>
+          </p:nvPr>
+        </p:nvSpPr>
+        <p:spPr>
+          <a:xfrm>
+            <a:off x="648928" y="4675886"/>
+            <a:ext cx="3685032" cy="1608328"/>
+          </a:xfrm>
+        </p:spPr>
+        <p:txBody>
+          <a:bodyPr>
+            <a:normAutofit/>
+          </a:bodyPr>
+          <a:lstStyle/>
+          <a:p>
+            <a:r>
+              <a:rPr lang="de-DE" sz="3600" dirty="0" err="1"/>
+              <a:t>Indicator</a:t>
+            </a:r>
+            <a:endParaRPr lang="de-IT" sz="3600" dirty="0"/>
+          </a:p>
+        </p:txBody>
+      </p:sp>
+      <p:sp>
+        <p:nvSpPr>
+          <p:cNvPr id="10" name="Rectangle 9">
+            <a:extLst>
+              <a:ext uri="{FF2B5EF4-FFF2-40B4-BE49-F238E27FC236}">
+                <a16:creationId xmlns:a16="http://schemas.microsoft.com/office/drawing/2014/main" id="{5AAE9118-0436-4488-AC4A-C14DF6A7B6B1}"/>
+              </a:ext>
+              <a:ext uri="{C183D7F6-B498-43B3-948B-1728B52AA6E4}">
+                <adec:decorative xmlns:adec="http://schemas.microsoft.com/office/drawing/2017/decorative" val="1"/>
+              </a:ext>
+            </a:extLst>
+          </p:cNvPr>
+          <p:cNvSpPr>
+            <a:spLocks noGrp="1" noRot="1" noChangeAspect="1" noMove="1" noResize="1" noEditPoints="1" noAdjustHandles="1" noChangeArrowheads="1" noChangeShapeType="1" noTextEdit="1"/>
+          </p:cNvSpPr>
+          <p:nvPr>
+            <p:extLst>
+              <p:ext uri="{386F3935-93C4-4BCD-93E2-E3B085C9AB24}">
+                <p16:designElem xmlns:p16="http://schemas.microsoft.com/office/powerpoint/2015/main" val="1"/>
+              </p:ext>
+            </p:extLst>
+          </p:nvPr>
+        </p:nvSpPr>
+        <p:spPr>
+          <a:xfrm>
+            <a:off x="-2" y="1"/>
+            <a:ext cx="12192002" cy="4489449"/>
+          </a:xfrm>
+          <a:prstGeom prst="rect">
+            <a:avLst/>
+          </a:prstGeom>
+          <a:solidFill>
+            <a:srgbClr val="C8CACA"/>
+          </a:solidFill>
+          <a:ln>
+            <a:noFill/>
+          </a:ln>
+        </p:spPr>
+        <p:style>
+          <a:lnRef idx="2">
+            <a:schemeClr val="accent1">
+              <a:shade val="50000"/>
+            </a:schemeClr>
+          </a:lnRef>
+          <a:fillRef idx="1">
+            <a:schemeClr val="accent1"/>
+          </a:fillRef>
+          <a:effectRef idx="0">
+            <a:schemeClr val="accent1"/>
+          </a:effectRef>
+          <a:fontRef idx="minor">
+            <a:schemeClr val="lt1"/>
+          </a:fontRef>
+        </p:style>
+        <p:txBody>
+          <a:bodyPr rtlCol="0" anchor="ctr"/>
+          <a:lstStyle/>
+          <a:p>
+            <a:pPr algn="ctr"/>
+            <a:endParaRPr lang="en-US"/>
+          </a:p>
+        </p:txBody>
+      </p:sp>
+      <p:sp>
+        <p:nvSpPr>
+          <p:cNvPr id="12" name="Rounded Rectangle 28">
+            <a:extLst>
+              <a:ext uri="{FF2B5EF4-FFF2-40B4-BE49-F238E27FC236}">
+                <a16:creationId xmlns:a16="http://schemas.microsoft.com/office/drawing/2014/main" id="{07A0C51E-5464-4470-855E-CA530A59BF98}"/>
+              </a:ext>
+              <a:ext uri="{C183D7F6-B498-43B3-948B-1728B52AA6E4}">
+                <adec:decorative xmlns:adec="http://schemas.microsoft.com/office/drawing/2017/decorative" val="1"/>
+              </a:ext>
+            </a:extLst>
+          </p:cNvPr>
+          <p:cNvSpPr>
+            <a:spLocks noGrp="1" noRot="1" noChangeAspect="1" noMove="1" noResize="1" noEditPoints="1" noAdjustHandles="1" noChangeArrowheads="1" noChangeShapeType="1" noTextEdit="1"/>
+          </p:cNvSpPr>
+          <p:nvPr>
+            <p:extLst>
+              <p:ext uri="{386F3935-93C4-4BCD-93E2-E3B085C9AB24}">
+                <p16:designElem xmlns:p16="http://schemas.microsoft.com/office/powerpoint/2015/main" val="1"/>
+              </p:ext>
+            </p:extLst>
+          </p:nvPr>
+        </p:nvSpPr>
+        <p:spPr>
+          <a:xfrm>
+            <a:off x="2059557" y="640091"/>
+            <a:ext cx="8072887" cy="3550909"/>
+          </a:xfrm>
+          <a:prstGeom prst="roundRect">
+            <a:avLst>
+              <a:gd name="adj" fmla="val 0"/>
+            </a:avLst>
+          </a:prstGeom>
+          <a:solidFill>
+            <a:srgbClr val="FFFFFF"/>
+          </a:solidFill>
+          <a:ln w="9525">
+            <a:solidFill>
+              <a:srgbClr val="C8CACA"/>
+            </a:solidFill>
+          </a:ln>
+          <a:effectLst>
+            <a:outerShdw blurRad="57150" dist="19050" dir="5400000" algn="t" rotWithShape="0">
+              <a:prstClr val="black">
+                <a:alpha val="63000"/>
+              </a:prstClr>
+            </a:outerShdw>
+          </a:effectLst>
+        </p:spPr>
+        <p:style>
+          <a:lnRef idx="2">
+            <a:schemeClr val="accent1">
+              <a:shade val="50000"/>
+            </a:schemeClr>
+          </a:lnRef>
+          <a:fillRef idx="1">
+            <a:schemeClr val="accent1"/>
+          </a:fillRef>
+          <a:effectRef idx="0">
+            <a:schemeClr val="accent1"/>
+          </a:effectRef>
+          <a:fontRef idx="minor">
+            <a:schemeClr val="lt1"/>
+          </a:fontRef>
+        </p:style>
+        <p:txBody>
+          <a:bodyPr rtlCol="0" anchor="ctr"/>
+          <a:lstStyle/>
+          <a:p>
+            <a:pPr algn="ctr"/>
+            <a:endParaRPr lang="en-US" dirty="0"/>
+          </a:p>
+        </p:txBody>
+      </p:sp>
+      <p:pic>
+        <p:nvPicPr>
+          <p:cNvPr id="5" name="Grafik 4">
+            <a:extLst>
+              <a:ext uri="{FF2B5EF4-FFF2-40B4-BE49-F238E27FC236}">
+                <a16:creationId xmlns:a16="http://schemas.microsoft.com/office/drawing/2014/main" id="{765E5461-F50B-486E-8E10-8D2CD5EF2D37}"/>
+              </a:ext>
+            </a:extLst>
+          </p:cNvPr>
+          <p:cNvPicPr>
+            <a:picLocks noChangeAspect="1"/>
+          </p:cNvPicPr>
+          <p:nvPr/>
+        </p:nvPicPr>
+        <p:blipFill rotWithShape="1">
+          <a:blip r:embed="rId2"/>
+          <a:srcRect b="11435"/>
+          <a:stretch/>
+        </p:blipFill>
+        <p:spPr>
+          <a:xfrm>
+            <a:off x="2184401" y="749300"/>
+            <a:ext cx="7823199" cy="3343043"/>
+          </a:xfrm>
+          <a:prstGeom prst="rect">
+            <a:avLst/>
+          </a:prstGeom>
+        </p:spPr>
+      </p:pic>
+      <p:sp>
+        <p:nvSpPr>
+          <p:cNvPr id="3" name="Inhaltsplatzhalter 2">
+            <a:extLst>
+              <a:ext uri="{FF2B5EF4-FFF2-40B4-BE49-F238E27FC236}">
+                <a16:creationId xmlns:a16="http://schemas.microsoft.com/office/drawing/2014/main" id="{20C7C485-16EA-40B2-8D80-267207DFF259}"/>
+              </a:ext>
+            </a:extLst>
+          </p:cNvPr>
+          <p:cNvSpPr>
+            <a:spLocks noGrp="1"/>
+          </p:cNvSpPr>
+          <p:nvPr>
+            <p:ph idx="1"/>
+          </p:nvPr>
+        </p:nvSpPr>
+        <p:spPr>
+          <a:xfrm>
+            <a:off x="4864100" y="4675886"/>
+            <a:ext cx="6675627" cy="1605083"/>
+          </a:xfrm>
+        </p:spPr>
+        <p:txBody>
+          <a:bodyPr anchor="ctr">
+            <a:normAutofit/>
+          </a:bodyPr>
+          <a:lstStyle/>
+          <a:p>
+            <a:r>
+              <a:rPr lang="de-DE" sz="2000" dirty="0"/>
+              <a:t>Der </a:t>
+            </a:r>
+            <a:r>
+              <a:rPr lang="de-DE" sz="2000" dirty="0" err="1"/>
+              <a:t>Indicator</a:t>
+            </a:r>
+            <a:r>
+              <a:rPr lang="de-DE" sz="2000" dirty="0"/>
+              <a:t> ist nichts weiter als der Blinker</a:t>
+            </a:r>
+          </a:p>
+          <a:p>
+            <a:r>
+              <a:rPr lang="de-DE" sz="2000" dirty="0"/>
+              <a:t>Er wird für jedes Auto an der </a:t>
+            </a:r>
+            <a:r>
+              <a:rPr lang="de-DE" sz="2000" dirty="0" err="1"/>
+              <a:t>Intersection</a:t>
+            </a:r>
+            <a:r>
+              <a:rPr lang="de-DE" sz="2000" dirty="0"/>
+              <a:t> gesetzt, um zu zeigen, in welche Richtung es möchte</a:t>
+            </a:r>
+            <a:endParaRPr lang="de-IT" sz="2000" dirty="0"/>
+          </a:p>
+        </p:txBody>
+      </p:sp>
+    </p:spTree>
+    <p:extLst>
+      <p:ext uri="{BB962C8B-B14F-4D97-AF65-F5344CB8AC3E}">
+        <p14:creationId xmlns:p14="http://schemas.microsoft.com/office/powerpoint/2010/main" val="1093812395"/>
+      </p:ext>
+    </p:extLst>
+  </p:cSld>
+  <p:clrMapOvr>
+    <a:masterClrMapping/>
+  </p:clrMapOvr>
+</p:sld>
+</file>
+
+<file path=ppt/slides/slide11.xml><?xml version="1.0" encoding="utf-8"?>
+<p:sld xmlns:a="http://schemas.openxmlformats.org/drawingml/2006/main" xmlns:r="http://schemas.openxmlformats.org/officeDocument/2006/relationships" xmlns:p="http://schemas.openxmlformats.org/presentationml/2006/main">
+  <p:cSld>
+    <p:spTree>
+      <p:nvGrpSpPr>
+        <p:cNvPr id="1" name=""/>
+        <p:cNvGrpSpPr/>
+        <p:nvPr/>
+      </p:nvGrpSpPr>
+      <p:grpSpPr>
+        <a:xfrm>
+          <a:off x="0" y="0"/>
+          <a:ext cx="0" cy="0"/>
+          <a:chOff x="0" y="0"/>
+          <a:chExt cx="0" cy="0"/>
+        </a:xfrm>
+      </p:grpSpPr>
+      <p:pic>
+        <p:nvPicPr>
+          <p:cNvPr id="4" name="Inhaltsplatzhalter 3">
+            <a:extLst>
+              <a:ext uri="{FF2B5EF4-FFF2-40B4-BE49-F238E27FC236}">
+                <a16:creationId xmlns:a16="http://schemas.microsoft.com/office/drawing/2014/main" id="{7907AB29-830C-4D85-8677-DEFF57B8C903}"/>
+              </a:ext>
+            </a:extLst>
+          </p:cNvPr>
+          <p:cNvPicPr>
+            <a:picLocks noGrp="1" noChangeAspect="1"/>
+          </p:cNvPicPr>
+          <p:nvPr>
+            <p:ph sz="half" idx="1"/>
+          </p:nvPr>
+        </p:nvPicPr>
+        <p:blipFill rotWithShape="1">
+          <a:blip r:embed="rId2"/>
+          <a:srcRect t="6483"/>
+          <a:stretch/>
+        </p:blipFill>
+        <p:spPr>
+          <a:xfrm>
+            <a:off x="5495925" y="1253331"/>
+            <a:ext cx="6405399" cy="4351338"/>
+          </a:xfrm>
+          <a:prstGeom prst="rect">
+            <a:avLst/>
+          </a:prstGeom>
+        </p:spPr>
+      </p:pic>
+      <p:sp>
+        <p:nvSpPr>
+          <p:cNvPr id="6" name="Inhaltsplatzhalter 5">
+            <a:extLst>
+              <a:ext uri="{FF2B5EF4-FFF2-40B4-BE49-F238E27FC236}">
+                <a16:creationId xmlns:a16="http://schemas.microsoft.com/office/drawing/2014/main" id="{91E1AFB9-12BE-4593-A855-D47739A1D92C}"/>
+              </a:ext>
+            </a:extLst>
+          </p:cNvPr>
+          <p:cNvSpPr>
+            <a:spLocks noGrp="1"/>
+          </p:cNvSpPr>
+          <p:nvPr>
+            <p:ph sz="half" idx="2"/>
+          </p:nvPr>
+        </p:nvSpPr>
+        <p:spPr>
+          <a:xfrm>
+            <a:off x="314325" y="1253331"/>
+            <a:ext cx="5181600" cy="4675982"/>
+          </a:xfrm>
+        </p:spPr>
+        <p:txBody>
+          <a:bodyPr>
+            <a:normAutofit/>
+          </a:bodyPr>
+          <a:lstStyle/>
+          <a:p>
+            <a:r>
+              <a:rPr lang="de-DE" sz="2000" dirty="0"/>
+              <a:t>Bei jedem Auto wird in seiner „</a:t>
+            </a:r>
+            <a:r>
+              <a:rPr lang="de-DE" sz="2000" dirty="0" err="1"/>
+              <a:t>RoadMap</a:t>
+            </a:r>
+            <a:r>
+              <a:rPr lang="de-DE" sz="2000" dirty="0"/>
+              <a:t>“ gelesen, wohin es fahren möchte, und dementsprechend wird der Blinker auf eine Richtung gesetzt</a:t>
+            </a:r>
+          </a:p>
+          <a:p>
+            <a:r>
+              <a:rPr lang="de-DE" sz="2000" dirty="0"/>
+              <a:t>Richtungen:</a:t>
+            </a:r>
+          </a:p>
+          <a:p>
+            <a:pPr lvl="1">
+              <a:buFont typeface="Wingdings" panose="05000000000000000000" pitchFamily="2" charset="2"/>
+              <a:buChar char="Ø"/>
+            </a:pPr>
+            <a:r>
+              <a:rPr lang="de-DE" sz="2000" dirty="0"/>
+              <a:t>Links (-1)</a:t>
+            </a:r>
+          </a:p>
+          <a:p>
+            <a:pPr lvl="1">
+              <a:buFont typeface="Wingdings" panose="05000000000000000000" pitchFamily="2" charset="2"/>
+              <a:buChar char="Ø"/>
+            </a:pPr>
+            <a:r>
+              <a:rPr lang="de-DE" sz="2000" dirty="0"/>
+              <a:t>Rechts (1)</a:t>
+            </a:r>
+          </a:p>
+          <a:p>
+            <a:pPr lvl="1">
+              <a:buFont typeface="Wingdings" panose="05000000000000000000" pitchFamily="2" charset="2"/>
+              <a:buChar char="Ø"/>
+            </a:pPr>
+            <a:r>
+              <a:rPr lang="de-DE" sz="2000" dirty="0"/>
+              <a:t>Gerade aus (0)</a:t>
+            </a:r>
+          </a:p>
+          <a:p>
+            <a:r>
+              <a:rPr lang="de-DE" sz="2000" dirty="0"/>
+              <a:t>So weiß die Kreuzung wohin Autos wollen </a:t>
+            </a:r>
+            <a:endParaRPr lang="de-IT" sz="2000" dirty="0"/>
+          </a:p>
+        </p:txBody>
+      </p:sp>
+    </p:spTree>
+    <p:extLst>
+      <p:ext uri="{BB962C8B-B14F-4D97-AF65-F5344CB8AC3E}">
+        <p14:creationId xmlns:p14="http://schemas.microsoft.com/office/powerpoint/2010/main" val="1460228131"/>
+      </p:ext>
+    </p:extLst>
+  </p:cSld>
+  <p:clrMapOvr>
+    <a:masterClrMapping/>
+  </p:clrMapOvr>
+</p:sld>
+</file>
+
+<file path=ppt/slides/slide12.xml><?xml version="1.0" encoding="utf-8"?>
+<p:sld xmlns:a="http://schemas.openxmlformats.org/drawingml/2006/main" xmlns:r="http://schemas.openxmlformats.org/officeDocument/2006/relationships" xmlns:p="http://schemas.openxmlformats.org/presentationml/2006/main">
+  <p:cSld>
+    <p:bg>
+      <p:bgPr>
+        <a:solidFill>
+          <a:schemeClr val="bg1"/>
+        </a:solidFill>
+        <a:effectLst/>
+      </p:bgPr>
+    </p:bg>
+    <p:spTree>
+      <p:nvGrpSpPr>
+        <p:cNvPr id="1" name=""/>
+        <p:cNvGrpSpPr/>
+        <p:nvPr/>
+      </p:nvGrpSpPr>
+      <p:grpSpPr>
+        <a:xfrm>
+          <a:off x="0" y="0"/>
+          <a:ext cx="0" cy="0"/>
+          <a:chOff x="0" y="0"/>
+          <a:chExt cx="0" cy="0"/>
+        </a:xfrm>
+      </p:grpSpPr>
+      <p:sp>
+        <p:nvSpPr>
+          <p:cNvPr id="2" name="Titel 1">
+            <a:extLst>
+              <a:ext uri="{FF2B5EF4-FFF2-40B4-BE49-F238E27FC236}">
+                <a16:creationId xmlns:a16="http://schemas.microsoft.com/office/drawing/2014/main" id="{3C99C246-1ED5-429C-ADA5-1DC34C6C1EFB}"/>
+              </a:ext>
+            </a:extLst>
+          </p:cNvPr>
+          <p:cNvSpPr>
+            <a:spLocks noGrp="1"/>
+          </p:cNvSpPr>
+          <p:nvPr>
+            <p:ph type="title"/>
+          </p:nvPr>
+        </p:nvSpPr>
+        <p:spPr>
+          <a:xfrm>
+            <a:off x="648930" y="629266"/>
+            <a:ext cx="3605572" cy="1676603"/>
+          </a:xfrm>
+        </p:spPr>
+        <p:txBody>
+          <a:bodyPr vert="horz" lIns="91440" tIns="45720" rIns="91440" bIns="45720" rtlCol="0" anchor="ctr">
+            <a:normAutofit/>
+          </a:bodyPr>
+          <a:lstStyle/>
+          <a:p>
+            <a:r>
+              <a:rPr lang="en-US" sz="4000"/>
+              <a:t>T-intersection-itself</a:t>
+            </a:r>
+          </a:p>
+        </p:txBody>
+      </p:sp>
+      <p:sp>
+        <p:nvSpPr>
+          <p:cNvPr id="3" name="Inhaltsplatzhalter 2">
+            <a:extLst>
+              <a:ext uri="{FF2B5EF4-FFF2-40B4-BE49-F238E27FC236}">
+                <a16:creationId xmlns:a16="http://schemas.microsoft.com/office/drawing/2014/main" id="{E98567BC-D705-4864-8CE4-3D87C1940404}"/>
+              </a:ext>
+            </a:extLst>
+          </p:cNvPr>
+          <p:cNvSpPr>
+            <a:spLocks noGrp="1"/>
+          </p:cNvSpPr>
+          <p:nvPr>
+            <p:ph sz="half" idx="1"/>
+          </p:nvPr>
+        </p:nvSpPr>
+        <p:spPr>
+          <a:xfrm>
+            <a:off x="648931" y="2143125"/>
+            <a:ext cx="3605571" cy="4074796"/>
+          </a:xfrm>
+        </p:spPr>
+        <p:txBody>
+          <a:bodyPr vert="horz" lIns="91440" tIns="45720" rIns="91440" bIns="45720" rtlCol="0">
+            <a:normAutofit/>
+          </a:bodyPr>
+          <a:lstStyle/>
+          <a:p>
+            <a:r>
+              <a:rPr lang="en-US" sz="2000" dirty="0"/>
+              <a:t>In der </a:t>
+            </a:r>
+            <a:r>
+              <a:rPr lang="en-US" sz="2000" dirty="0" err="1"/>
+              <a:t>Kreuzung</a:t>
+            </a:r>
+            <a:r>
+              <a:rPr lang="en-US" sz="2000" dirty="0"/>
+              <a:t> </a:t>
+            </a:r>
+            <a:r>
+              <a:rPr lang="en-US" sz="2000" dirty="0" err="1"/>
+              <a:t>selbst</a:t>
+            </a:r>
+            <a:r>
+              <a:rPr lang="en-US" sz="2000" dirty="0"/>
+              <a:t> </a:t>
+            </a:r>
+            <a:r>
+              <a:rPr lang="en-US" sz="2000" dirty="0" err="1"/>
+              <a:t>befinden</a:t>
+            </a:r>
+            <a:r>
+              <a:rPr lang="en-US" sz="2000" dirty="0"/>
+              <a:t> </a:t>
+            </a:r>
+            <a:r>
+              <a:rPr lang="en-US" sz="2000" dirty="0" err="1"/>
+              <a:t>sich</a:t>
+            </a:r>
+            <a:r>
+              <a:rPr lang="en-US" sz="2000" dirty="0"/>
+              <a:t> Queues an </a:t>
+            </a:r>
+            <a:r>
+              <a:rPr lang="en-US" sz="2000" dirty="0" err="1"/>
+              <a:t>allen</a:t>
+            </a:r>
+            <a:r>
+              <a:rPr lang="en-US" sz="2000" dirty="0"/>
+              <a:t> </a:t>
+            </a:r>
+            <a:r>
+              <a:rPr lang="en-US" sz="2000" dirty="0" err="1"/>
+              <a:t>Eingängen</a:t>
+            </a:r>
+            <a:r>
+              <a:rPr lang="en-US" sz="2000" dirty="0"/>
+              <a:t>, in die </a:t>
+            </a:r>
+            <a:r>
+              <a:rPr lang="en-US" sz="2000" dirty="0" err="1"/>
+              <a:t>die</a:t>
+            </a:r>
+            <a:r>
+              <a:rPr lang="en-US" sz="2000" dirty="0"/>
+              <a:t> Autos rein </a:t>
+            </a:r>
+            <a:r>
+              <a:rPr lang="en-US" sz="2000" dirty="0" err="1"/>
+              <a:t>kommen</a:t>
+            </a:r>
+            <a:r>
+              <a:rPr lang="en-US" sz="2000" dirty="0"/>
+              <a:t>, </a:t>
+            </a:r>
+            <a:r>
+              <a:rPr lang="en-US" sz="2000" dirty="0" err="1"/>
+              <a:t>sobald</a:t>
+            </a:r>
+            <a:r>
+              <a:rPr lang="en-US" sz="2000" dirty="0"/>
+              <a:t> </a:t>
+            </a:r>
+            <a:r>
+              <a:rPr lang="en-US" sz="2000" dirty="0" err="1"/>
+              <a:t>sie</a:t>
+            </a:r>
+            <a:r>
+              <a:rPr lang="en-US" sz="2000" dirty="0"/>
+              <a:t> </a:t>
+            </a:r>
+            <a:r>
+              <a:rPr lang="en-US" sz="2000" dirty="0" err="1"/>
+              <a:t>ankommen</a:t>
+            </a:r>
+            <a:endParaRPr lang="en-US" sz="2000" dirty="0"/>
+          </a:p>
+          <a:p>
+            <a:r>
+              <a:rPr lang="en-US" sz="2000" dirty="0" err="1"/>
+              <a:t>Viele</a:t>
+            </a:r>
+            <a:r>
+              <a:rPr lang="en-US" sz="2000" dirty="0"/>
+              <a:t> </a:t>
+            </a:r>
+            <a:r>
+              <a:rPr lang="en-US" sz="2000" dirty="0" err="1"/>
+              <a:t>verschiedene</a:t>
+            </a:r>
+            <a:r>
+              <a:rPr lang="en-US" sz="2000" dirty="0"/>
+              <a:t> Inputs/Outputs</a:t>
+            </a:r>
+          </a:p>
+          <a:p>
+            <a:r>
+              <a:rPr lang="en-US" sz="2000" dirty="0" err="1"/>
+              <a:t>Für</a:t>
+            </a:r>
+            <a:r>
+              <a:rPr lang="en-US" sz="2000" dirty="0"/>
+              <a:t> die </a:t>
+            </a:r>
+            <a:r>
+              <a:rPr lang="en-US" sz="2000" dirty="0" err="1"/>
+              <a:t>Analyse</a:t>
+            </a:r>
+            <a:r>
+              <a:rPr lang="en-US" sz="2000" dirty="0"/>
+              <a:t> </a:t>
+            </a:r>
+            <a:r>
+              <a:rPr lang="en-US" sz="2000" dirty="0" err="1"/>
+              <a:t>wird</a:t>
+            </a:r>
+            <a:r>
+              <a:rPr lang="en-US" sz="2000" dirty="0"/>
+              <a:t> </a:t>
+            </a:r>
+            <a:r>
+              <a:rPr lang="en-US" sz="2000" dirty="0" err="1"/>
+              <a:t>ein</a:t>
+            </a:r>
+            <a:r>
+              <a:rPr lang="en-US" sz="2000" dirty="0"/>
+              <a:t> Counter </a:t>
+            </a:r>
+            <a:r>
+              <a:rPr lang="en-US" sz="2000" dirty="0" err="1"/>
+              <a:t>mitgetragen</a:t>
+            </a:r>
+            <a:endParaRPr lang="en-US" sz="2000" dirty="0"/>
+          </a:p>
+          <a:p>
+            <a:r>
+              <a:rPr lang="en-US" sz="2000" dirty="0"/>
+              <a:t>„</a:t>
+            </a:r>
+            <a:r>
+              <a:rPr lang="en-US" sz="2000" dirty="0" err="1"/>
+              <a:t>right_hand_rule</a:t>
+            </a:r>
+            <a:r>
+              <a:rPr lang="en-US" sz="2000" dirty="0"/>
+              <a:t>()“ </a:t>
+            </a:r>
+            <a:r>
+              <a:rPr lang="en-US" sz="2000" dirty="0">
+                <a:sym typeface="Wingdings" panose="05000000000000000000" pitchFamily="2" charset="2"/>
+              </a:rPr>
+              <a:t> </a:t>
+            </a:r>
+            <a:r>
+              <a:rPr lang="en-US" sz="2000" dirty="0" err="1">
+                <a:sym typeface="Wingdings" panose="05000000000000000000" pitchFamily="2" charset="2"/>
+              </a:rPr>
+              <a:t>Methode</a:t>
+            </a:r>
+            <a:r>
+              <a:rPr lang="en-US" sz="2000" dirty="0">
+                <a:sym typeface="Wingdings" panose="05000000000000000000" pitchFamily="2" charset="2"/>
+              </a:rPr>
+              <a:t>, die </a:t>
+            </a:r>
+            <a:r>
+              <a:rPr lang="en-US" sz="2000" dirty="0" err="1">
+                <a:sym typeface="Wingdings" panose="05000000000000000000" pitchFamily="2" charset="2"/>
+              </a:rPr>
+              <a:t>die</a:t>
+            </a:r>
+            <a:r>
+              <a:rPr lang="en-US" sz="2000" dirty="0">
+                <a:sym typeface="Wingdings" panose="05000000000000000000" pitchFamily="2" charset="2"/>
+              </a:rPr>
+              <a:t> </a:t>
+            </a:r>
+            <a:r>
+              <a:rPr lang="en-US" sz="2000" dirty="0" err="1">
+                <a:sym typeface="Wingdings" panose="05000000000000000000" pitchFamily="2" charset="2"/>
+              </a:rPr>
+              <a:t>Rechts</a:t>
+            </a:r>
+            <a:r>
+              <a:rPr lang="en-US" sz="2000" dirty="0">
+                <a:sym typeface="Wingdings" panose="05000000000000000000" pitchFamily="2" charset="2"/>
+              </a:rPr>
+              <a:t>-Regel </a:t>
+            </a:r>
+            <a:r>
+              <a:rPr lang="en-US" sz="2000" dirty="0" err="1">
+                <a:sym typeface="Wingdings" panose="05000000000000000000" pitchFamily="2" charset="2"/>
+              </a:rPr>
+              <a:t>implementiert</a:t>
+            </a:r>
+            <a:endParaRPr lang="en-US" sz="2000" dirty="0"/>
+          </a:p>
+        </p:txBody>
+      </p:sp>
+      <p:sp>
+        <p:nvSpPr>
+          <p:cNvPr id="11" name="Rectangle 10">
+            <a:extLst>
+              <a:ext uri="{FF2B5EF4-FFF2-40B4-BE49-F238E27FC236}">
+                <a16:creationId xmlns:a16="http://schemas.microsoft.com/office/drawing/2014/main" id="{577D1452-F0B7-431E-9A24-D3F7103D8510}"/>
+              </a:ext>
+              <a:ext uri="{C183D7F6-B498-43B3-948B-1728B52AA6E4}">
+                <adec:decorative xmlns:adec="http://schemas.microsoft.com/office/drawing/2017/decorative" val="1"/>
+              </a:ext>
+            </a:extLst>
+          </p:cNvPr>
+          <p:cNvSpPr>
+            <a:spLocks noGrp="1" noRot="1" noChangeAspect="1" noMove="1" noResize="1" noEditPoints="1" noAdjustHandles="1" noChangeArrowheads="1" noChangeShapeType="1" noTextEdit="1"/>
+          </p:cNvSpPr>
+          <p:nvPr>
+            <p:extLst>
+              <p:ext uri="{386F3935-93C4-4BCD-93E2-E3B085C9AB24}">
+                <p16:designElem xmlns:p16="http://schemas.microsoft.com/office/powerpoint/2015/main" val="1"/>
+              </p:ext>
+            </p:extLst>
+          </p:nvPr>
+        </p:nvSpPr>
+        <p:spPr>
+          <a:xfrm>
+            <a:off x="4639056" y="0"/>
+            <a:ext cx="7552944" cy="6858000"/>
+          </a:xfrm>
+          <a:prstGeom prst="rect">
+            <a:avLst/>
+          </a:prstGeom>
+          <a:solidFill>
+            <a:srgbClr val="C8CACA"/>
+          </a:solidFill>
+          <a:ln>
+            <a:noFill/>
+          </a:ln>
+        </p:spPr>
+        <p:style>
+          <a:lnRef idx="2">
+            <a:schemeClr val="accent1">
+              <a:shade val="50000"/>
+            </a:schemeClr>
+          </a:lnRef>
+          <a:fillRef idx="1">
+            <a:schemeClr val="accent1"/>
+          </a:fillRef>
+          <a:effectRef idx="0">
+            <a:schemeClr val="accent1"/>
+          </a:effectRef>
+          <a:fontRef idx="minor">
+            <a:schemeClr val="lt1"/>
+          </a:fontRef>
+        </p:style>
+        <p:txBody>
+          <a:bodyPr rtlCol="0" anchor="ctr"/>
+          <a:lstStyle/>
+          <a:p>
+            <a:pPr algn="ctr"/>
+            <a:endParaRPr lang="en-US"/>
+          </a:p>
+        </p:txBody>
+      </p:sp>
+      <p:sp>
+        <p:nvSpPr>
+          <p:cNvPr id="13" name="Rounded Rectangle 20">
+            <a:extLst>
+              <a:ext uri="{FF2B5EF4-FFF2-40B4-BE49-F238E27FC236}">
+                <a16:creationId xmlns:a16="http://schemas.microsoft.com/office/drawing/2014/main" id="{A660F4F9-5DF5-4F15-BE6A-CD8648BB1148}"/>
+              </a:ext>
+              <a:ext uri="{C183D7F6-B498-43B3-948B-1728B52AA6E4}">
+                <adec:decorative xmlns:adec="http://schemas.microsoft.com/office/drawing/2017/decorative" val="1"/>
+              </a:ext>
+            </a:extLst>
+          </p:cNvPr>
+          <p:cNvSpPr>
+            <a:spLocks noGrp="1" noRot="1" noChangeAspect="1" noMove="1" noResize="1" noEditPoints="1" noAdjustHandles="1" noChangeArrowheads="1" noChangeShapeType="1" noTextEdit="1"/>
+          </p:cNvSpPr>
+          <p:nvPr>
+            <p:extLst>
+              <p:ext uri="{386F3935-93C4-4BCD-93E2-E3B085C9AB24}">
+                <p16:designElem xmlns:p16="http://schemas.microsoft.com/office/powerpoint/2015/main" val="1"/>
+              </p:ext>
+            </p:extLst>
+          </p:nvPr>
+        </p:nvSpPr>
+        <p:spPr>
+          <a:xfrm>
+            <a:off x="5118267" y="559407"/>
+            <a:ext cx="6594522" cy="5739187"/>
+          </a:xfrm>
+          <a:prstGeom prst="roundRect">
+            <a:avLst>
+              <a:gd name="adj" fmla="val 0"/>
+            </a:avLst>
+          </a:prstGeom>
+          <a:solidFill>
+            <a:srgbClr val="FFFFFF"/>
+          </a:solidFill>
+          <a:ln w="9525">
+            <a:solidFill>
+              <a:srgbClr val="C8CACA"/>
+            </a:solidFill>
+          </a:ln>
+          <a:effectLst>
+            <a:outerShdw blurRad="57150" dist="19050" dir="5400000" algn="t" rotWithShape="0">
+              <a:prstClr val="black">
+                <a:alpha val="63000"/>
+              </a:prstClr>
+            </a:outerShdw>
+          </a:effectLst>
+        </p:spPr>
+        <p:style>
+          <a:lnRef idx="2">
+            <a:schemeClr val="accent1">
+              <a:shade val="50000"/>
+            </a:schemeClr>
+          </a:lnRef>
+          <a:fillRef idx="1">
+            <a:schemeClr val="accent1"/>
+          </a:fillRef>
+          <a:effectRef idx="0">
+            <a:schemeClr val="accent1"/>
+          </a:effectRef>
+          <a:fontRef idx="minor">
+            <a:schemeClr val="lt1"/>
+          </a:fontRef>
+        </p:style>
+        <p:txBody>
+          <a:bodyPr rtlCol="0" anchor="ctr"/>
+          <a:lstStyle/>
+          <a:p>
+            <a:pPr algn="ctr"/>
+            <a:endParaRPr lang="en-US"/>
+          </a:p>
+        </p:txBody>
+      </p:sp>
+      <p:pic>
+        <p:nvPicPr>
+          <p:cNvPr id="6" name="Inhaltsplatzhalter 5">
+            <a:extLst>
+              <a:ext uri="{FF2B5EF4-FFF2-40B4-BE49-F238E27FC236}">
+                <a16:creationId xmlns:a16="http://schemas.microsoft.com/office/drawing/2014/main" id="{0B518E93-2540-43E6-BD4B-6A38FF9F3B73}"/>
+              </a:ext>
+            </a:extLst>
+          </p:cNvPr>
+          <p:cNvPicPr>
+            <a:picLocks noGrp="1" noChangeAspect="1"/>
+          </p:cNvPicPr>
+          <p:nvPr>
+            <p:ph sz="half" idx="2"/>
+          </p:nvPr>
+        </p:nvPicPr>
+        <p:blipFill rotWithShape="1">
+          <a:blip r:embed="rId2"/>
+          <a:srcRect t="7223" r="-1" b="17760"/>
+          <a:stretch/>
+        </p:blipFill>
+        <p:spPr>
+          <a:xfrm>
+            <a:off x="5283708" y="722376"/>
+            <a:ext cx="6263640" cy="5413248"/>
+          </a:xfrm>
+          <a:prstGeom prst="rect">
+            <a:avLst/>
+          </a:prstGeom>
+          <a:effectLst/>
+        </p:spPr>
+      </p:pic>
+    </p:spTree>
+    <p:extLst>
+      <p:ext uri="{BB962C8B-B14F-4D97-AF65-F5344CB8AC3E}">
+        <p14:creationId xmlns:p14="http://schemas.microsoft.com/office/powerpoint/2010/main" val="47323300"/>
+      </p:ext>
+    </p:extLst>
+  </p:cSld>
+  <p:clrMapOvr>
+    <a:masterClrMapping/>
+  </p:clrMapOvr>
+</p:sld>
+</file>
+
+<file path=ppt/slides/slide13.xml><?xml version="1.0" encoding="utf-8"?>
+<p:sld xmlns:a="http://schemas.openxmlformats.org/drawingml/2006/main" xmlns:r="http://schemas.openxmlformats.org/officeDocument/2006/relationships" xmlns:p="http://schemas.openxmlformats.org/presentationml/2006/main">
+  <p:cSld>
+    <p:bg>
+      <p:bgPr>
+        <a:solidFill>
+          <a:schemeClr val="bg1"/>
+        </a:solidFill>
+        <a:effectLst/>
+      </p:bgPr>
+    </p:bg>
+    <p:spTree>
+      <p:nvGrpSpPr>
+        <p:cNvPr id="1" name=""/>
+        <p:cNvGrpSpPr/>
+        <p:nvPr/>
+      </p:nvGrpSpPr>
+      <p:grpSpPr>
+        <a:xfrm>
+          <a:off x="0" y="0"/>
+          <a:ext cx="0" cy="0"/>
+          <a:chOff x="0" y="0"/>
+          <a:chExt cx="0" cy="0"/>
+        </a:xfrm>
+      </p:grpSpPr>
+      <p:sp>
+        <p:nvSpPr>
+          <p:cNvPr id="12" name="Rectangle 11">
+            <a:extLst>
+              <a:ext uri="{FF2B5EF4-FFF2-40B4-BE49-F238E27FC236}">
+                <a16:creationId xmlns:a16="http://schemas.microsoft.com/office/drawing/2014/main" id="{EBF87945-A001-489F-9D9B-7D9435F0B9CA}"/>
+              </a:ext>
+              <a:ext uri="{C183D7F6-B498-43B3-948B-1728B52AA6E4}">
+                <adec:decorative xmlns:adec="http://schemas.microsoft.com/office/drawing/2017/decorative" val="1"/>
+              </a:ext>
+            </a:extLst>
+          </p:cNvPr>
+          <p:cNvSpPr>
+            <a:spLocks noGrp="1" noRot="1" noChangeAspect="1" noMove="1" noResize="1" noEditPoints="1" noAdjustHandles="1" noChangeArrowheads="1" noChangeShapeType="1" noTextEdit="1"/>
+          </p:cNvSpPr>
+          <p:nvPr>
+            <p:extLst>
+              <p:ext uri="{386F3935-93C4-4BCD-93E2-E3B085C9AB24}">
+                <p16:designElem xmlns:p16="http://schemas.microsoft.com/office/powerpoint/2015/main" val="1"/>
+              </p:ext>
+            </p:extLst>
+          </p:nvPr>
+        </p:nvSpPr>
+        <p:spPr>
+          <a:xfrm>
+            <a:off x="548639" y="347471"/>
+            <a:ext cx="11100816" cy="1801368"/>
+          </a:xfrm>
+          <a:prstGeom prst="rect">
+            <a:avLst/>
+          </a:prstGeom>
+          <a:solidFill>
+            <a:schemeClr val="tx1">
+              <a:lumMod val="75000"/>
+              <a:lumOff val="25000"/>
+            </a:schemeClr>
+          </a:solidFill>
+          <a:ln>
+            <a:noFill/>
+          </a:ln>
+        </p:spPr>
+        <p:style>
+          <a:lnRef idx="2">
+            <a:schemeClr val="accent1">
+              <a:shade val="50000"/>
+            </a:schemeClr>
+          </a:lnRef>
+          <a:fillRef idx="1">
+            <a:schemeClr val="accent1"/>
+          </a:fillRef>
+          <a:effectRef idx="0">
+            <a:schemeClr val="accent1"/>
+          </a:effectRef>
+          <a:fontRef idx="minor">
+            <a:schemeClr val="lt1"/>
+          </a:fontRef>
+        </p:style>
+        <p:txBody>
+          <a:bodyPr rtlCol="0" anchor="ctr"/>
+          <a:lstStyle/>
+          <a:p>
+            <a:pPr algn="ctr"/>
+            <a:endParaRPr lang="en-US"/>
+          </a:p>
+        </p:txBody>
+      </p:sp>
+      <p:sp>
+        <p:nvSpPr>
+          <p:cNvPr id="2" name="Titel 1">
+            <a:extLst>
+              <a:ext uri="{FF2B5EF4-FFF2-40B4-BE49-F238E27FC236}">
+                <a16:creationId xmlns:a16="http://schemas.microsoft.com/office/drawing/2014/main" id="{3CD888A4-0111-4216-846A-512E51F5FA41}"/>
+              </a:ext>
+            </a:extLst>
+          </p:cNvPr>
+          <p:cNvSpPr>
+            <a:spLocks noGrp="1"/>
+          </p:cNvSpPr>
+          <p:nvPr>
+            <p:ph type="title"/>
+          </p:nvPr>
+        </p:nvSpPr>
+        <p:spPr>
+          <a:xfrm>
+            <a:off x="838200" y="585216"/>
+            <a:ext cx="10515600" cy="1325563"/>
+          </a:xfrm>
+        </p:spPr>
+        <p:txBody>
+          <a:bodyPr vert="horz" lIns="91440" tIns="45720" rIns="91440" bIns="45720" rtlCol="0" anchor="ctr">
+            <a:normAutofit/>
+          </a:bodyPr>
+          <a:lstStyle/>
+          <a:p>
+            <a:r>
+              <a:rPr lang="en-US">
+                <a:solidFill>
+                  <a:schemeClr val="bg1"/>
+                </a:solidFill>
+              </a:rPr>
+              <a:t>Right Hand Rule</a:t>
+            </a:r>
+          </a:p>
+        </p:txBody>
+      </p:sp>
+      <p:sp>
+        <p:nvSpPr>
+          <p:cNvPr id="4" name="Inhaltsplatzhalter 3">
+            <a:extLst>
+              <a:ext uri="{FF2B5EF4-FFF2-40B4-BE49-F238E27FC236}">
+                <a16:creationId xmlns:a16="http://schemas.microsoft.com/office/drawing/2014/main" id="{337CAEEC-AC03-4F0C-AF13-3A5B23FFA10B}"/>
+              </a:ext>
+            </a:extLst>
+          </p:cNvPr>
+          <p:cNvSpPr>
+            <a:spLocks noGrp="1"/>
+          </p:cNvSpPr>
+          <p:nvPr>
+            <p:ph sz="half" idx="2"/>
+          </p:nvPr>
+        </p:nvSpPr>
+        <p:spPr>
+          <a:xfrm>
+            <a:off x="838200" y="2516777"/>
+            <a:ext cx="5015484" cy="3660185"/>
+          </a:xfrm>
+        </p:spPr>
+        <p:txBody>
+          <a:bodyPr vert="horz" lIns="91440" tIns="45720" rIns="91440" bIns="45720" rtlCol="0">
+            <a:normAutofit/>
+          </a:bodyPr>
+          <a:lstStyle/>
+          <a:p>
+            <a:r>
+              <a:rPr lang="en-US" sz="2000"/>
+              <a:t>Für jede Richtung gibt es einen solchen Block</a:t>
+            </a:r>
+          </a:p>
+          <a:p>
+            <a:r>
+              <a:rPr lang="en-US" sz="2000"/>
+              <a:t>Hier wird der Indicator betrachtet und ob von anderen Richtungen Autos kommen, die eventuell die Vorfahrt beeinflussen</a:t>
+            </a:r>
+          </a:p>
+          <a:p>
+            <a:r>
+              <a:rPr lang="en-US" sz="2000"/>
+              <a:t>Wenn man fahren darf, wird das entsprechende Auto an den Output gesendet und von der Queue ge-popt</a:t>
+            </a:r>
+          </a:p>
+          <a:p>
+            <a:r>
+              <a:rPr lang="en-US" sz="2000"/>
+              <a:t>Gleiches Prinzip für eine Cross-intersection nur mit komplexerer Rechtsregel, da eine Richtung dazu kommt</a:t>
+            </a:r>
+          </a:p>
+          <a:p>
+            <a:endParaRPr lang="en-US" sz="2000"/>
+          </a:p>
+        </p:txBody>
+      </p:sp>
+      <p:pic>
+        <p:nvPicPr>
+          <p:cNvPr id="7" name="Inhaltsplatzhalter 3">
+            <a:extLst>
+              <a:ext uri="{FF2B5EF4-FFF2-40B4-BE49-F238E27FC236}">
+                <a16:creationId xmlns:a16="http://schemas.microsoft.com/office/drawing/2014/main" id="{57720964-F33C-4711-AAAC-0D91EC37185C}"/>
+              </a:ext>
+            </a:extLst>
+          </p:cNvPr>
+          <p:cNvPicPr>
+            <a:picLocks noGrp="1" noChangeAspect="1"/>
+          </p:cNvPicPr>
+          <p:nvPr>
+            <p:ph sz="quarter" idx="4"/>
+          </p:nvPr>
+        </p:nvPicPr>
+        <p:blipFill rotWithShape="1">
+          <a:blip r:embed="rId2"/>
+          <a:srcRect r="20525" b="2"/>
+          <a:stretch/>
+        </p:blipFill>
+        <p:spPr>
+          <a:xfrm>
+            <a:off x="6338316" y="2516777"/>
+            <a:ext cx="5015484" cy="3660185"/>
+          </a:xfrm>
+          <a:prstGeom prst="rect">
+            <a:avLst/>
+          </a:prstGeom>
+        </p:spPr>
+      </p:pic>
+    </p:spTree>
+    <p:extLst>
+      <p:ext uri="{BB962C8B-B14F-4D97-AF65-F5344CB8AC3E}">
+        <p14:creationId xmlns:p14="http://schemas.microsoft.com/office/powerpoint/2010/main" val="3927996114"/>
+      </p:ext>
+    </p:extLst>
+  </p:cSld>
+  <p:clrMapOvr>
+    <a:masterClrMapping/>
+  </p:clrMapOvr>
+</p:sld>
+</file>
+
+<file path=ppt/slides/slide14.xml><?xml version="1.0" encoding="utf-8"?>
+<p:sld xmlns:a="http://schemas.openxmlformats.org/drawingml/2006/main" xmlns:r="http://schemas.openxmlformats.org/officeDocument/2006/relationships" xmlns:p="http://schemas.openxmlformats.org/presentationml/2006/main">
+  <p:cSld>
+    <p:spTree>
+      <p:nvGrpSpPr>
+        <p:cNvPr id="1" name=""/>
+        <p:cNvGrpSpPr/>
+        <p:nvPr/>
+      </p:nvGrpSpPr>
+      <p:grpSpPr>
+        <a:xfrm>
+          <a:off x="0" y="0"/>
+          <a:ext cx="0" cy="0"/>
+          <a:chOff x="0" y="0"/>
+          <a:chExt cx="0" cy="0"/>
+        </a:xfrm>
+      </p:grpSpPr>
+      <p:sp>
+        <p:nvSpPr>
+          <p:cNvPr id="2" name="Titel 1">
+            <a:extLst>
+              <a:ext uri="{FF2B5EF4-FFF2-40B4-BE49-F238E27FC236}">
+                <a16:creationId xmlns:a16="http://schemas.microsoft.com/office/drawing/2014/main" id="{F3F701B0-1B87-45F8-A88F-D12D208481FF}"/>
+              </a:ext>
+            </a:extLst>
+          </p:cNvPr>
+          <p:cNvSpPr>
+            <a:spLocks noGrp="1"/>
+          </p:cNvSpPr>
+          <p:nvPr>
+            <p:ph type="title"/>
+          </p:nvPr>
+        </p:nvSpPr>
+        <p:spPr/>
+        <p:txBody>
+          <a:bodyPr/>
+          <a:lstStyle/>
+          <a:p>
+            <a:r>
+              <a:rPr lang="de-DE" dirty="0"/>
+              <a:t>Analyse</a:t>
+            </a:r>
+          </a:p>
+        </p:txBody>
+      </p:sp>
+      <p:sp>
+        <p:nvSpPr>
+          <p:cNvPr id="3" name="Inhaltsplatzhalter 2">
+            <a:extLst>
+              <a:ext uri="{FF2B5EF4-FFF2-40B4-BE49-F238E27FC236}">
+                <a16:creationId xmlns:a16="http://schemas.microsoft.com/office/drawing/2014/main" id="{FC61CBFF-5A61-49E9-A13F-016B47EC94CA}"/>
+              </a:ext>
+            </a:extLst>
+          </p:cNvPr>
+          <p:cNvSpPr>
+            <a:spLocks noGrp="1"/>
+          </p:cNvSpPr>
+          <p:nvPr>
+            <p:ph idx="1"/>
+          </p:nvPr>
+        </p:nvSpPr>
+        <p:spPr/>
+        <p:txBody>
+          <a:bodyPr/>
+          <a:lstStyle/>
+          <a:p>
+            <a:endParaRPr lang="de-DE"/>
+          </a:p>
+        </p:txBody>
+      </p:sp>
+    </p:spTree>
+    <p:extLst>
+      <p:ext uri="{BB962C8B-B14F-4D97-AF65-F5344CB8AC3E}">
+        <p14:creationId xmlns:p14="http://schemas.microsoft.com/office/powerpoint/2010/main" val="1108610638"/>
+      </p:ext>
+    </p:extLst>
+  </p:cSld>
+  <p:clrMapOvr>
+    <a:masterClrMapping/>
+  </p:clrMapOvr>
+</p:sld>
+</file>
+
+<file path=ppt/slides/slide2.xml><?xml version="1.0" encoding="utf-8"?>
+<p:sld xmlns:a="http://schemas.openxmlformats.org/drawingml/2006/main" xmlns:r="http://schemas.openxmlformats.org/officeDocument/2006/relationships" xmlns:p="http://schemas.openxmlformats.org/presentationml/2006/main">
+  <p:cSld>
+    <p:bg>
+      <p:bgPr>
+        <a:solidFill>
+          <a:schemeClr val="bg1"/>
+        </a:solidFill>
+        <a:effectLst/>
+      </p:bgPr>
+    </p:bg>
+    <p:spTree>
+      <p:nvGrpSpPr>
+        <p:cNvPr id="1" name=""/>
+        <p:cNvGrpSpPr/>
+        <p:nvPr/>
+      </p:nvGrpSpPr>
+      <p:grpSpPr>
+        <a:xfrm>
+          <a:off x="0" y="0"/>
+          <a:ext cx="0" cy="0"/>
+          <a:chOff x="0" y="0"/>
+          <a:chExt cx="0" cy="0"/>
+        </a:xfrm>
+      </p:grpSpPr>
+      <p:sp>
+        <p:nvSpPr>
+          <p:cNvPr id="2065" name="Rectangle 147">
+            <a:extLst>
+              <a:ext uri="{FF2B5EF4-FFF2-40B4-BE49-F238E27FC236}">
+                <a16:creationId xmlns:a16="http://schemas.microsoft.com/office/drawing/2014/main" id="{49CD2D09-B1BB-4DF5-9E1C-3D21B21EDEFD}"/>
+              </a:ext>
+              <a:ext uri="{C183D7F6-B498-43B3-948B-1728B52AA6E4}">
+                <adec:decorative xmlns:adec="http://schemas.microsoft.com/office/drawing/2017/decorative" val="1"/>
+              </a:ext>
+            </a:extLst>
+          </p:cNvPr>
+          <p:cNvSpPr>
+            <a:spLocks noGrp="1" noRot="1" noChangeAspect="1" noMove="1" noResize="1" noEditPoints="1" noAdjustHandles="1" noChangeArrowheads="1" noChangeShapeType="1" noTextEdit="1"/>
+          </p:cNvSpPr>
+          <p:nvPr>
+            <p:extLst>
+              <p:ext uri="{386F3935-93C4-4BCD-93E2-E3B085C9AB24}">
+                <p16:designElem xmlns:p16="http://schemas.microsoft.com/office/powerpoint/2015/main" val="1"/>
+              </p:ext>
+            </p:extLst>
+          </p:nvPr>
+        </p:nvSpPr>
+        <p:spPr>
+          <a:xfrm>
+            <a:off x="5920431" y="0"/>
+            <a:ext cx="6271569" cy="6858000"/>
+          </a:xfrm>
+          <a:prstGeom prst="rect">
+            <a:avLst/>
+          </a:prstGeom>
+          <a:gradFill>
+            <a:gsLst>
+              <a:gs pos="0">
+                <a:schemeClr val="accent1">
+                  <a:lumMod val="100000"/>
+                  <a:alpha val="82000"/>
+                </a:schemeClr>
+              </a:gs>
+              <a:gs pos="25000">
+                <a:schemeClr val="accent1">
+                  <a:alpha val="60000"/>
+                </a:schemeClr>
+              </a:gs>
+              <a:gs pos="94000">
+                <a:schemeClr val="bg2">
+                  <a:lumMod val="75000"/>
+                </a:schemeClr>
+              </a:gs>
+              <a:gs pos="100000">
+                <a:schemeClr val="bg2">
+                  <a:lumMod val="75000"/>
+                </a:schemeClr>
+              </a:gs>
+            </a:gsLst>
+            <a:lin ang="4200000" scaled="0"/>
+          </a:gradFill>
+          <a:ln>
+            <a:noFill/>
+          </a:ln>
+        </p:spPr>
+        <p:style>
+          <a:lnRef idx="2">
+            <a:schemeClr val="accent1">
+              <a:shade val="50000"/>
+            </a:schemeClr>
+          </a:lnRef>
+          <a:fillRef idx="1">
+            <a:schemeClr val="accent1"/>
+          </a:fillRef>
+          <a:effectRef idx="0">
+            <a:schemeClr val="accent1"/>
+          </a:effectRef>
+          <a:fontRef idx="minor">
+            <a:schemeClr val="lt1"/>
+          </a:fontRef>
+        </p:style>
+        <p:txBody>
+          <a:bodyPr rtlCol="0" anchor="ctr"/>
+          <a:lstStyle/>
+          <a:p>
+            <a:pPr algn="ctr"/>
+            <a:endParaRPr lang="en-US"/>
+          </a:p>
+        </p:txBody>
+      </p:sp>
+      <p:pic>
+        <p:nvPicPr>
+          <p:cNvPr id="150" name="Picture 149">
+            <a:extLst>
+              <a:ext uri="{FF2B5EF4-FFF2-40B4-BE49-F238E27FC236}">
+                <a16:creationId xmlns:a16="http://schemas.microsoft.com/office/drawing/2014/main" id="{83355637-BA71-4F63-94C9-E77BF81BDFC0}"/>
+              </a:ext>
+              <a:ext uri="{C183D7F6-B498-43B3-948B-1728B52AA6E4}">
+                <adec:decorative xmlns:adec="http://schemas.microsoft.com/office/drawing/2017/decorative" val="1"/>
+              </a:ext>
+            </a:extLst>
+          </p:cNvPr>
+          <p:cNvPicPr>
+            <a:picLocks noGrp="1" noRot="1" noChangeAspect="1" noMove="1" noResize="1" noEditPoints="1" noAdjustHandles="1" noChangeArrowheads="1" noChangeShapeType="1" noCrop="1"/>
+          </p:cNvPicPr>
+          <p:nvPr>
+            <p:extLst>
+              <p:ext uri="{386F3935-93C4-4BCD-93E2-E3B085C9AB24}">
+                <p16:designElem xmlns:p16="http://schemas.microsoft.com/office/powerpoint/2015/main" val="1"/>
+              </p:ext>
+            </p:extLst>
+          </p:nvPr>
+        </p:nvPicPr>
+        <p:blipFill>
+          <a:blip r:embed="rId2">
+            <a:extLst>
+              <a:ext uri="{28A0092B-C50C-407E-A947-70E740481C1C}">
+                <a14:useLocalDpi xmlns:a14="http://schemas.microsoft.com/office/drawing/2010/main" val="0"/>
+              </a:ext>
+            </a:extLst>
+          </a:blip>
+          <a:stretch>
+            <a:fillRect/>
+          </a:stretch>
+        </p:blipFill>
+        <p:spPr>
+          <a:xfrm flipH="1">
+            <a:off x="0" y="0"/>
+            <a:ext cx="12192000" cy="6858000"/>
+          </a:xfrm>
+          <a:prstGeom prst="rect">
+            <a:avLst/>
+          </a:prstGeom>
+        </p:spPr>
+      </p:pic>
+      <p:sp>
+        <p:nvSpPr>
+          <p:cNvPr id="2" name="Titel 1">
+            <a:extLst>
+              <a:ext uri="{FF2B5EF4-FFF2-40B4-BE49-F238E27FC236}">
+                <a16:creationId xmlns:a16="http://schemas.microsoft.com/office/drawing/2014/main" id="{2E854039-1828-406B-8855-42D44FDA54EE}"/>
+              </a:ext>
+            </a:extLst>
+          </p:cNvPr>
+          <p:cNvSpPr>
+            <a:spLocks noGrp="1"/>
+          </p:cNvSpPr>
+          <p:nvPr>
+            <p:ph type="title"/>
+          </p:nvPr>
+        </p:nvSpPr>
+        <p:spPr>
+          <a:xfrm>
+            <a:off x="804998" y="798445"/>
+            <a:ext cx="4803636" cy="1311664"/>
+          </a:xfrm>
+        </p:spPr>
+        <p:txBody>
+          <a:bodyPr>
+            <a:normAutofit/>
+          </a:bodyPr>
+          <a:lstStyle/>
+          <a:p>
+            <a:r>
+              <a:rPr lang="de-DE" dirty="0">
+                <a:solidFill>
+                  <a:srgbClr val="000000"/>
+                </a:solidFill>
+              </a:rPr>
+              <a:t>Ziel</a:t>
+            </a:r>
+          </a:p>
+        </p:txBody>
+      </p:sp>
+      <p:sp>
+        <p:nvSpPr>
+          <p:cNvPr id="3" name="Inhaltsplatzhalter 2">
+            <a:extLst>
+              <a:ext uri="{FF2B5EF4-FFF2-40B4-BE49-F238E27FC236}">
+                <a16:creationId xmlns:a16="http://schemas.microsoft.com/office/drawing/2014/main" id="{407BCB5B-5F87-4256-8C2D-5D928EE17A05}"/>
+              </a:ext>
+            </a:extLst>
+          </p:cNvPr>
+          <p:cNvSpPr>
+            <a:spLocks noGrp="1"/>
+          </p:cNvSpPr>
+          <p:nvPr>
+            <p:ph idx="1"/>
+          </p:nvPr>
+        </p:nvSpPr>
+        <p:spPr>
+          <a:xfrm>
+            <a:off x="804997" y="2272143"/>
+            <a:ext cx="4706803" cy="3788830"/>
+          </a:xfrm>
+        </p:spPr>
+        <p:txBody>
+          <a:bodyPr anchor="ctr">
+            <a:normAutofit/>
+          </a:bodyPr>
+          <a:lstStyle/>
+          <a:p>
+            <a:r>
+              <a:rPr lang="de-DE" sz="2000" dirty="0">
+                <a:solidFill>
+                  <a:srgbClr val="000000"/>
+                </a:solidFill>
+              </a:rPr>
+              <a:t>Ptolemy Traffic Model mit verschiedenen Kreuzungen (T- und Cross-</a:t>
+            </a:r>
+            <a:r>
+              <a:rPr lang="de-DE" sz="2000" dirty="0" err="1">
+                <a:solidFill>
+                  <a:srgbClr val="000000"/>
+                </a:solidFill>
+              </a:rPr>
+              <a:t>Intersection</a:t>
+            </a:r>
+            <a:r>
+              <a:rPr lang="de-DE" sz="2000" dirty="0">
+                <a:solidFill>
+                  <a:srgbClr val="000000"/>
+                </a:solidFill>
+              </a:rPr>
+              <a:t>)</a:t>
+            </a:r>
+          </a:p>
+          <a:p>
+            <a:r>
+              <a:rPr lang="de-DE" sz="2000" dirty="0">
+                <a:solidFill>
+                  <a:srgbClr val="000000"/>
+                </a:solidFill>
+              </a:rPr>
+              <a:t>Rechtsregel implementieren</a:t>
+            </a:r>
+          </a:p>
+          <a:p>
+            <a:r>
+              <a:rPr lang="de-DE" sz="2000" dirty="0">
+                <a:solidFill>
+                  <a:srgbClr val="000000"/>
+                </a:solidFill>
+              </a:rPr>
+              <a:t>Straßen mit Handhabung der Autos</a:t>
+            </a:r>
+          </a:p>
+          <a:p>
+            <a:r>
+              <a:rPr lang="de-DE" sz="2000" dirty="0">
+                <a:solidFill>
+                  <a:srgbClr val="000000"/>
+                </a:solidFill>
+              </a:rPr>
+              <a:t>Autos aus mehreren Komponenten</a:t>
+            </a:r>
+          </a:p>
+          <a:p>
+            <a:r>
+              <a:rPr lang="de-DE" sz="2000" dirty="0">
+                <a:solidFill>
+                  <a:srgbClr val="000000"/>
+                </a:solidFill>
+              </a:rPr>
+              <a:t>Analyse um starken Verkehr zu erkennen</a:t>
+            </a:r>
+          </a:p>
+          <a:p>
+            <a:r>
+              <a:rPr lang="de-DE" sz="2000" dirty="0">
+                <a:solidFill>
+                  <a:srgbClr val="000000"/>
+                </a:solidFill>
+              </a:rPr>
+              <a:t>Design, das es ermöglicht, einfach Verkehrsmodelle auszutauschen</a:t>
+            </a:r>
+          </a:p>
+          <a:p>
+            <a:pPr lvl="1"/>
+            <a:endParaRPr lang="de-DE" sz="2000" dirty="0">
+              <a:solidFill>
+                <a:srgbClr val="000000"/>
+              </a:solidFill>
+            </a:endParaRPr>
+          </a:p>
+          <a:p>
+            <a:pPr lvl="1"/>
+            <a:endParaRPr lang="de-DE" sz="2000" dirty="0">
+              <a:solidFill>
+                <a:srgbClr val="000000"/>
+              </a:solidFill>
+            </a:endParaRPr>
+          </a:p>
+        </p:txBody>
+      </p:sp>
+      <p:sp>
+        <p:nvSpPr>
+          <p:cNvPr id="152" name="Freeform 49">
+            <a:extLst>
+              <a:ext uri="{FF2B5EF4-FFF2-40B4-BE49-F238E27FC236}">
+                <a16:creationId xmlns:a16="http://schemas.microsoft.com/office/drawing/2014/main" id="{967C29FE-FD32-4AFB-AD20-DBDF5864B2D8}"/>
+              </a:ext>
+              <a:ext uri="{C183D7F6-B498-43B3-948B-1728B52AA6E4}">
+                <adec:decorative xmlns:adec="http://schemas.microsoft.com/office/drawing/2017/decorative" val="1"/>
+              </a:ext>
+            </a:extLst>
+          </p:cNvPr>
+          <p:cNvSpPr>
+            <a:spLocks noGrp="1" noRot="1" noChangeAspect="1" noMove="1" noResize="1" noEditPoints="1" noAdjustHandles="1" noChangeArrowheads="1" noChangeShapeType="1" noTextEdit="1"/>
+          </p:cNvSpPr>
+          <p:nvPr>
+            <p:extLst>
+              <p:ext uri="{386F3935-93C4-4BCD-93E2-E3B085C9AB24}">
+                <p16:designElem xmlns:p16="http://schemas.microsoft.com/office/powerpoint/2015/main" val="1"/>
+              </p:ext>
+            </p:extLst>
+          </p:nvPr>
+        </p:nvSpPr>
+        <p:spPr>
+          <a:xfrm flipH="1">
+            <a:off x="6713915" y="590635"/>
+            <a:ext cx="5478085" cy="6276841"/>
+          </a:xfrm>
+          <a:custGeom>
+            <a:avLst/>
+            <a:gdLst>
+              <a:gd name="connsiteX0" fmla="*/ 2178155 w 5478085"/>
+              <a:gd name="connsiteY0" fmla="*/ 0 h 6276841"/>
+              <a:gd name="connsiteX1" fmla="*/ 5478085 w 5478085"/>
+              <a:gd name="connsiteY1" fmla="*/ 3299930 h 6276841"/>
+              <a:gd name="connsiteX2" fmla="*/ 3751098 w 5478085"/>
+              <a:gd name="connsiteY2" fmla="*/ 6201577 h 6276841"/>
+              <a:gd name="connsiteX3" fmla="*/ 3594858 w 5478085"/>
+              <a:gd name="connsiteY3" fmla="*/ 6276841 h 6276841"/>
+              <a:gd name="connsiteX4" fmla="*/ 761453 w 5478085"/>
+              <a:gd name="connsiteY4" fmla="*/ 6276841 h 6276841"/>
+              <a:gd name="connsiteX5" fmla="*/ 605213 w 5478085"/>
+              <a:gd name="connsiteY5" fmla="*/ 6201577 h 6276841"/>
+              <a:gd name="connsiteX6" fmla="*/ 79093 w 5478085"/>
+              <a:gd name="connsiteY6" fmla="*/ 5846317 h 6276841"/>
+              <a:gd name="connsiteX7" fmla="*/ 0 w 5478085"/>
+              <a:gd name="connsiteY7" fmla="*/ 5774432 h 6276841"/>
+              <a:gd name="connsiteX8" fmla="*/ 0 w 5478085"/>
+              <a:gd name="connsiteY8" fmla="*/ 825429 h 6276841"/>
+              <a:gd name="connsiteX9" fmla="*/ 79093 w 5478085"/>
+              <a:gd name="connsiteY9" fmla="*/ 753544 h 6276841"/>
+              <a:gd name="connsiteX10" fmla="*/ 2178155 w 5478085"/>
+              <a:gd name="connsiteY10" fmla="*/ 0 h 6276841"/>
+            </a:gdLst>
+            <a:ahLst/>
+            <a:cxnLst>
+              <a:cxn ang="0">
+                <a:pos x="connsiteX0" y="connsiteY0"/>
+              </a:cxn>
+              <a:cxn ang="0">
+                <a:pos x="connsiteX1" y="connsiteY1"/>
+              </a:cxn>
+              <a:cxn ang="0">
+                <a:pos x="connsiteX2" y="connsiteY2"/>
+              </a:cxn>
+              <a:cxn ang="0">
+                <a:pos x="connsiteX3" y="connsiteY3"/>
+              </a:cxn>
+              <a:cxn ang="0">
+                <a:pos x="connsiteX4" y="connsiteY4"/>
+              </a:cxn>
+              <a:cxn ang="0">
+                <a:pos x="connsiteX5" y="connsiteY5"/>
+              </a:cxn>
+              <a:cxn ang="0">
+                <a:pos x="connsiteX6" y="connsiteY6"/>
+              </a:cxn>
+              <a:cxn ang="0">
+                <a:pos x="connsiteX7" y="connsiteY7"/>
+              </a:cxn>
+              <a:cxn ang="0">
+                <a:pos x="connsiteX8" y="connsiteY8"/>
+              </a:cxn>
+              <a:cxn ang="0">
+                <a:pos x="connsiteX9" y="connsiteY9"/>
+              </a:cxn>
+              <a:cxn ang="0">
+                <a:pos x="connsiteX10" y="connsiteY10"/>
+              </a:cxn>
+            </a:cxnLst>
+            <a:rect l="l" t="t" r="r" b="b"/>
+            <a:pathLst>
+              <a:path w="5478085" h="6276841">
+                <a:moveTo>
+                  <a:pt x="2178155" y="0"/>
+                </a:moveTo>
+                <a:cubicBezTo>
+                  <a:pt x="4000656" y="0"/>
+                  <a:pt x="5478085" y="1477429"/>
+                  <a:pt x="5478085" y="3299930"/>
+                </a:cubicBezTo>
+                <a:cubicBezTo>
+                  <a:pt x="5478085" y="4552900"/>
+                  <a:pt x="4779769" y="5642769"/>
+                  <a:pt x="3751098" y="6201577"/>
+                </a:cubicBezTo>
+                <a:lnTo>
+                  <a:pt x="3594858" y="6276841"/>
+                </a:lnTo>
+                <a:lnTo>
+                  <a:pt x="761453" y="6276841"/>
+                </a:lnTo>
+                <a:lnTo>
+                  <a:pt x="605213" y="6201577"/>
+                </a:lnTo>
+                <a:cubicBezTo>
+                  <a:pt x="418182" y="6099975"/>
+                  <a:pt x="242071" y="5980818"/>
+                  <a:pt x="79093" y="5846317"/>
+                </a:cubicBezTo>
+                <a:lnTo>
+                  <a:pt x="0" y="5774432"/>
+                </a:lnTo>
+                <a:lnTo>
+                  <a:pt x="0" y="825429"/>
+                </a:lnTo>
+                <a:lnTo>
+                  <a:pt x="79093" y="753544"/>
+                </a:lnTo>
+                <a:cubicBezTo>
+                  <a:pt x="649516" y="282789"/>
+                  <a:pt x="1380811" y="0"/>
+                  <a:pt x="2178155" y="0"/>
+                </a:cubicBezTo>
+                <a:close/>
+              </a:path>
+            </a:pathLst>
+          </a:custGeom>
+          <a:solidFill>
+            <a:srgbClr val="FFFFFF"/>
+          </a:solidFill>
+          <a:ln>
+            <a:gradFill>
+              <a:gsLst>
+                <a:gs pos="0">
+                  <a:schemeClr val="accent1">
+                    <a:lumMod val="40000"/>
+                    <a:lumOff val="60000"/>
+                  </a:schemeClr>
+                </a:gs>
+                <a:gs pos="23000">
+                  <a:schemeClr val="accent1">
+                    <a:lumMod val="45000"/>
+                    <a:lumOff val="55000"/>
+                  </a:schemeClr>
+                </a:gs>
+                <a:gs pos="83000">
+                  <a:schemeClr val="accent3"/>
+                </a:gs>
+                <a:gs pos="100000">
+                  <a:schemeClr val="accent3"/>
+                </a:gs>
+              </a:gsLst>
+              <a:lin ang="5400000" scaled="1"/>
+            </a:gradFill>
+          </a:ln>
+        </p:spPr>
+        <p:style>
+          <a:lnRef idx="2">
+            <a:schemeClr val="accent1">
+              <a:shade val="50000"/>
+            </a:schemeClr>
+          </a:lnRef>
+          <a:fillRef idx="1">
+            <a:schemeClr val="accent1"/>
+          </a:fillRef>
+          <a:effectRef idx="0">
+            <a:schemeClr val="accent1"/>
+          </a:effectRef>
+          <a:fontRef idx="minor">
+            <a:schemeClr val="lt1"/>
+          </a:fontRef>
+        </p:style>
+        <p:txBody>
+          <a:bodyPr wrap="square" rtlCol="0" anchor="ctr">
+            <a:noAutofit/>
+          </a:bodyPr>
+          <a:lstStyle/>
+          <a:p>
+            <a:pPr algn="ctr"/>
+            <a:endParaRPr lang="en-US"/>
+          </a:p>
+        </p:txBody>
+      </p:sp>
+      <p:pic>
+        <p:nvPicPr>
+          <p:cNvPr id="2056" name="Picture 8">
+            <a:extLst>
+              <a:ext uri="{FF2B5EF4-FFF2-40B4-BE49-F238E27FC236}">
+                <a16:creationId xmlns:a16="http://schemas.microsoft.com/office/drawing/2014/main" id="{15CF59A5-93C5-4AA1-A7A1-5F2F0261B501}"/>
+              </a:ext>
+            </a:extLst>
+          </p:cNvPr>
+          <p:cNvPicPr>
+            <a:picLocks noChangeAspect="1" noChangeArrowheads="1"/>
+          </p:cNvPicPr>
+          <p:nvPr/>
+        </p:nvPicPr>
+        <p:blipFill rotWithShape="1">
+          <a:blip r:embed="rId3">
+            <a:extLst>
+              <a:ext uri="{28A0092B-C50C-407E-A947-70E740481C1C}">
+                <a14:useLocalDpi xmlns:a14="http://schemas.microsoft.com/office/drawing/2010/main" val="0"/>
+              </a:ext>
+            </a:extLst>
+          </a:blip>
+          <a:srcRect l="27657" r="15206" b="-1"/>
+          <a:stretch/>
+        </p:blipFill>
+        <p:spPr bwMode="auto">
+          <a:xfrm>
+            <a:off x="6893318" y="796541"/>
+            <a:ext cx="5298683" cy="6097438"/>
+          </a:xfrm>
+          <a:custGeom>
+            <a:avLst/>
+            <a:gdLst/>
+            <a:ahLst/>
+            <a:cxnLst/>
+            <a:rect l="l" t="t" r="r" b="b"/>
+            <a:pathLst>
+              <a:path w="5298683" h="6097438">
+                <a:moveTo>
+                  <a:pt x="3120528" y="0"/>
+                </a:moveTo>
+                <a:cubicBezTo>
+                  <a:pt x="3874524" y="0"/>
+                  <a:pt x="4566062" y="267415"/>
+                  <a:pt x="5105473" y="712577"/>
+                </a:cubicBezTo>
+                <a:lnTo>
+                  <a:pt x="5298683" y="888178"/>
+                </a:lnTo>
+                <a:lnTo>
+                  <a:pt x="5298683" y="5352876"/>
+                </a:lnTo>
+                <a:lnTo>
+                  <a:pt x="5105473" y="5528477"/>
+                </a:lnTo>
+                <a:cubicBezTo>
+                  <a:pt x="4874296" y="5719261"/>
+                  <a:pt x="4615179" y="5877397"/>
+                  <a:pt x="4335177" y="5995828"/>
+                </a:cubicBezTo>
+                <a:lnTo>
+                  <a:pt x="4057556" y="6097438"/>
+                </a:lnTo>
+                <a:lnTo>
+                  <a:pt x="2183499" y="6097438"/>
+                </a:lnTo>
+                <a:lnTo>
+                  <a:pt x="1905878" y="5995828"/>
+                </a:lnTo>
+                <a:cubicBezTo>
+                  <a:pt x="785873" y="5522106"/>
+                  <a:pt x="0" y="4413092"/>
+                  <a:pt x="0" y="3120527"/>
+                </a:cubicBezTo>
+                <a:cubicBezTo>
+                  <a:pt x="0" y="1397108"/>
+                  <a:pt x="1397108" y="0"/>
+                  <a:pt x="3120528" y="0"/>
+                </a:cubicBezTo>
+                <a:close/>
+              </a:path>
+            </a:pathLst>
+          </a:custGeom>
+          <a:noFill/>
+          <a:extLst>
+            <a:ext uri="{909E8E84-426E-40DD-AFC4-6F175D3DCCD1}">
+              <a14:hiddenFill xmlns:a14="http://schemas.microsoft.com/office/drawing/2010/main">
+                <a:solidFill>
+                  <a:srgbClr val="FFFFFF"/>
+                </a:solidFill>
+              </a14:hiddenFill>
+            </a:ext>
+          </a:extLst>
+        </p:spPr>
+      </p:pic>
+    </p:spTree>
+    <p:extLst>
+      <p:ext uri="{BB962C8B-B14F-4D97-AF65-F5344CB8AC3E}">
+        <p14:creationId xmlns:p14="http://schemas.microsoft.com/office/powerpoint/2010/main" val="3150188416"/>
+      </p:ext>
+    </p:extLst>
+  </p:cSld>
+  <p:clrMapOvr>
+    <a:masterClrMapping/>
+  </p:clrMapOvr>
+</p:sld>
+</file>
+
+<file path=ppt/slides/slide3.xml><?xml version="1.0" encoding="utf-8"?>
+<p:sld xmlns:a="http://schemas.openxmlformats.org/drawingml/2006/main" xmlns:r="http://schemas.openxmlformats.org/officeDocument/2006/relationships" xmlns:p="http://schemas.openxmlformats.org/presentationml/2006/main">
+  <p:cSld>
+    <p:spTree>
+      <p:nvGrpSpPr>
+        <p:cNvPr id="1" name=""/>
+        <p:cNvGrpSpPr/>
+        <p:nvPr/>
+      </p:nvGrpSpPr>
+      <p:grpSpPr>
+        <a:xfrm>
+          <a:off x="0" y="0"/>
+          <a:ext cx="0" cy="0"/>
+          <a:chOff x="0" y="0"/>
+          <a:chExt cx="0" cy="0"/>
+        </a:xfrm>
+      </p:grpSpPr>
+      <p:sp>
+        <p:nvSpPr>
+          <p:cNvPr id="2" name="Titel 1">
+            <a:extLst>
+              <a:ext uri="{FF2B5EF4-FFF2-40B4-BE49-F238E27FC236}">
+                <a16:creationId xmlns:a16="http://schemas.microsoft.com/office/drawing/2014/main" id="{97BDD08A-8877-4F6B-9325-732127015AEC}"/>
+              </a:ext>
+            </a:extLst>
+          </p:cNvPr>
+          <p:cNvSpPr>
+            <a:spLocks noGrp="1"/>
+          </p:cNvSpPr>
+          <p:nvPr>
+            <p:ph type="title"/>
+          </p:nvPr>
+        </p:nvSpPr>
+        <p:spPr/>
+        <p:txBody>
+          <a:bodyPr/>
+          <a:lstStyle/>
+          <a:p>
+            <a:r>
+              <a:rPr lang="de-DE" dirty="0"/>
+              <a:t>Start-Up Phase</a:t>
+            </a:r>
+            <a:endParaRPr lang="de-IT" dirty="0"/>
+          </a:p>
+        </p:txBody>
+      </p:sp>
+      <p:sp>
+        <p:nvSpPr>
+          <p:cNvPr id="3" name="Inhaltsplatzhalter 2">
+            <a:extLst>
+              <a:ext uri="{FF2B5EF4-FFF2-40B4-BE49-F238E27FC236}">
+                <a16:creationId xmlns:a16="http://schemas.microsoft.com/office/drawing/2014/main" id="{B238CCC0-A949-424D-AB27-1EE5356FF163}"/>
+              </a:ext>
+            </a:extLst>
+          </p:cNvPr>
+          <p:cNvSpPr>
+            <a:spLocks noGrp="1"/>
+          </p:cNvSpPr>
+          <p:nvPr>
+            <p:ph idx="1"/>
+          </p:nvPr>
+        </p:nvSpPr>
+        <p:spPr/>
+        <p:txBody>
+          <a:bodyPr>
+            <a:normAutofit/>
+          </a:bodyPr>
+          <a:lstStyle/>
+          <a:p>
+            <a:r>
+              <a:rPr lang="de-DE" sz="2000" dirty="0"/>
+              <a:t>Ptolemy Demos dursuchen </a:t>
+            </a:r>
+            <a:r>
+              <a:rPr lang="de-DE" sz="2000" dirty="0">
+                <a:sym typeface="Wingdings" panose="05000000000000000000" pitchFamily="2" charset="2"/>
+              </a:rPr>
+              <a:t> „Air Traffic Model“ scheint Ähnlichkeiten aufzuweisen</a:t>
+            </a:r>
+          </a:p>
+          <a:p>
+            <a:r>
+              <a:rPr lang="de-DE" sz="2000" dirty="0">
+                <a:sym typeface="Wingdings" panose="05000000000000000000" pitchFamily="2" charset="2"/>
+              </a:rPr>
+              <a:t>Eigenen </a:t>
+            </a:r>
+            <a:r>
+              <a:rPr lang="de-DE" sz="2000" dirty="0" err="1">
+                <a:sym typeface="Wingdings" panose="05000000000000000000" pitchFamily="2" charset="2"/>
+              </a:rPr>
+              <a:t>Director</a:t>
+            </a:r>
+            <a:r>
+              <a:rPr lang="de-DE" sz="2000" dirty="0">
+                <a:sym typeface="Wingdings" panose="05000000000000000000" pitchFamily="2" charset="2"/>
+              </a:rPr>
+              <a:t> geschrieben</a:t>
+            </a:r>
+          </a:p>
+          <a:p>
+            <a:r>
+              <a:rPr lang="de-DE" sz="2000" dirty="0">
+                <a:sym typeface="Wingdings" panose="05000000000000000000" pitchFamily="2" charset="2"/>
+              </a:rPr>
+              <a:t>Eigene Models und Components geschrieben</a:t>
+            </a:r>
+          </a:p>
+          <a:p>
+            <a:r>
+              <a:rPr lang="de-DE" sz="2000" dirty="0">
+                <a:sym typeface="Wingdings" panose="05000000000000000000" pitchFamily="2" charset="2"/>
+              </a:rPr>
+              <a:t>Zu viele Fehler bei Einbindung….</a:t>
+            </a:r>
+          </a:p>
+        </p:txBody>
+      </p:sp>
+    </p:spTree>
+    <p:extLst>
+      <p:ext uri="{BB962C8B-B14F-4D97-AF65-F5344CB8AC3E}">
+        <p14:creationId xmlns:p14="http://schemas.microsoft.com/office/powerpoint/2010/main" val="3614932241"/>
+      </p:ext>
+    </p:extLst>
+  </p:cSld>
+  <p:clrMapOvr>
+    <a:masterClrMapping/>
+  </p:clrMapOvr>
+</p:sld>
+</file>
+
+<file path=ppt/slides/slide4.xml><?xml version="1.0" encoding="utf-8"?>
+<p:sld xmlns:a="http://schemas.openxmlformats.org/drawingml/2006/main" xmlns:r="http://schemas.openxmlformats.org/officeDocument/2006/relationships" xmlns:p="http://schemas.openxmlformats.org/presentationml/2006/main">
+  <p:cSld>
+    <p:spTree>
+      <p:nvGrpSpPr>
+        <p:cNvPr id="1" name=""/>
+        <p:cNvGrpSpPr/>
+        <p:nvPr/>
+      </p:nvGrpSpPr>
+      <p:grpSpPr>
+        <a:xfrm>
+          <a:off x="0" y="0"/>
+          <a:ext cx="0" cy="0"/>
+          <a:chOff x="0" y="0"/>
+          <a:chExt cx="0" cy="0"/>
+        </a:xfrm>
+      </p:grpSpPr>
+      <p:sp>
+        <p:nvSpPr>
+          <p:cNvPr id="2" name="Titel 1">
+            <a:extLst>
+              <a:ext uri="{FF2B5EF4-FFF2-40B4-BE49-F238E27FC236}">
+                <a16:creationId xmlns:a16="http://schemas.microsoft.com/office/drawing/2014/main" id="{E00B262F-6023-46D8-BD0F-CEEDD304B429}"/>
+              </a:ext>
+            </a:extLst>
+          </p:cNvPr>
+          <p:cNvSpPr>
+            <a:spLocks noGrp="1"/>
+          </p:cNvSpPr>
+          <p:nvPr>
+            <p:ph type="title"/>
+          </p:nvPr>
+        </p:nvSpPr>
+        <p:spPr/>
+        <p:txBody>
+          <a:bodyPr/>
+          <a:lstStyle/>
+          <a:p>
+            <a:r>
+              <a:rPr lang="de-DE" dirty="0"/>
+              <a:t>Ptolemy II</a:t>
+            </a:r>
+          </a:p>
+        </p:txBody>
+      </p:sp>
+      <p:sp>
+        <p:nvSpPr>
+          <p:cNvPr id="3" name="Inhaltsplatzhalter 2">
+            <a:extLst>
+              <a:ext uri="{FF2B5EF4-FFF2-40B4-BE49-F238E27FC236}">
+                <a16:creationId xmlns:a16="http://schemas.microsoft.com/office/drawing/2014/main" id="{FF633CF1-61AC-4F89-968B-4C8946A7F071}"/>
+              </a:ext>
+            </a:extLst>
+          </p:cNvPr>
+          <p:cNvSpPr>
+            <a:spLocks noGrp="1"/>
+          </p:cNvSpPr>
+          <p:nvPr>
+            <p:ph idx="1"/>
+          </p:nvPr>
+        </p:nvSpPr>
+        <p:spPr/>
+        <p:txBody>
+          <a:bodyPr/>
+          <a:lstStyle/>
+          <a:p>
+            <a:r>
+              <a:rPr lang="de-DE" dirty="0"/>
+              <a:t>Ptolemy II ist ein open-source Software Framework, dass das experimentieren mit </a:t>
+            </a:r>
+            <a:r>
+              <a:rPr lang="de-DE" dirty="0" err="1"/>
+              <a:t>actor-oriented</a:t>
+            </a:r>
+            <a:r>
+              <a:rPr lang="de-DE" dirty="0"/>
+              <a:t> design supportet</a:t>
+            </a:r>
+          </a:p>
+          <a:p>
+            <a:endParaRPr lang="de-DE" dirty="0"/>
+          </a:p>
+          <a:p>
+            <a:r>
+              <a:rPr lang="de-DE" dirty="0" err="1"/>
+              <a:t>Director</a:t>
+            </a:r>
+            <a:r>
+              <a:rPr lang="de-DE" dirty="0"/>
+              <a:t> -&gt; definiert die Semantik von einem Model</a:t>
+            </a:r>
+          </a:p>
+          <a:p>
+            <a:r>
+              <a:rPr lang="de-DE" dirty="0"/>
+              <a:t>Actor -&gt; gleichzeitig ausgeführt und teilen Daten miteinander</a:t>
+            </a:r>
+          </a:p>
+          <a:p>
+            <a:r>
+              <a:rPr lang="de-DE" dirty="0"/>
+              <a:t>Composite Actor -&gt; Kombination aus Actors</a:t>
+            </a:r>
+          </a:p>
+        </p:txBody>
+      </p:sp>
+    </p:spTree>
+    <p:extLst>
+      <p:ext uri="{BB962C8B-B14F-4D97-AF65-F5344CB8AC3E}">
+        <p14:creationId xmlns:p14="http://schemas.microsoft.com/office/powerpoint/2010/main" val="4262334294"/>
+      </p:ext>
+    </p:extLst>
+  </p:cSld>
+  <p:clrMapOvr>
+    <a:masterClrMapping/>
+  </p:clrMapOvr>
+</p:sld>
+</file>
+
+<file path=ppt/slides/slide5.xml><?xml version="1.0" encoding="utf-8"?>
+<p:sld xmlns:a="http://schemas.openxmlformats.org/drawingml/2006/main" xmlns:r="http://schemas.openxmlformats.org/officeDocument/2006/relationships" xmlns:p="http://schemas.openxmlformats.org/presentationml/2006/main">
+  <p:cSld>
+    <p:bg>
+      <p:bgPr>
+        <a:solidFill>
+          <a:schemeClr val="bg1"/>
+        </a:solidFill>
+        <a:effectLst/>
+      </p:bgPr>
+    </p:bg>
+    <p:spTree>
+      <p:nvGrpSpPr>
+        <p:cNvPr id="1" name=""/>
+        <p:cNvGrpSpPr/>
+        <p:nvPr/>
+      </p:nvGrpSpPr>
+      <p:grpSpPr>
+        <a:xfrm>
+          <a:off x="0" y="0"/>
+          <a:ext cx="0" cy="0"/>
+          <a:chOff x="0" y="0"/>
+          <a:chExt cx="0" cy="0"/>
+        </a:xfrm>
+      </p:grpSpPr>
+      <p:sp>
+        <p:nvSpPr>
+          <p:cNvPr id="2" name="Titel 1">
+            <a:extLst>
+              <a:ext uri="{FF2B5EF4-FFF2-40B4-BE49-F238E27FC236}">
+                <a16:creationId xmlns:a16="http://schemas.microsoft.com/office/drawing/2014/main" id="{C9D55DE5-F402-4DA2-BD05-E2212D5730F3}"/>
+              </a:ext>
+            </a:extLst>
+          </p:cNvPr>
+          <p:cNvSpPr>
+            <a:spLocks noGrp="1"/>
+          </p:cNvSpPr>
+          <p:nvPr>
+            <p:ph type="title"/>
+          </p:nvPr>
+        </p:nvSpPr>
+        <p:spPr>
+          <a:xfrm>
+            <a:off x="648930" y="629266"/>
+            <a:ext cx="3605572" cy="1676603"/>
+          </a:xfrm>
+        </p:spPr>
+        <p:txBody>
+          <a:bodyPr>
+            <a:normAutofit/>
+          </a:bodyPr>
+          <a:lstStyle/>
+          <a:p>
+            <a:r>
+              <a:rPr lang="de-DE" sz="3700"/>
+              <a:t>Entdeckung des JavaScript-Actors</a:t>
+            </a:r>
+            <a:endParaRPr lang="de-IT" sz="3700"/>
+          </a:p>
+        </p:txBody>
+      </p:sp>
+      <p:sp>
+        <p:nvSpPr>
+          <p:cNvPr id="3" name="Inhaltsplatzhalter 2">
+            <a:extLst>
+              <a:ext uri="{FF2B5EF4-FFF2-40B4-BE49-F238E27FC236}">
+                <a16:creationId xmlns:a16="http://schemas.microsoft.com/office/drawing/2014/main" id="{5121B6C1-53AC-42D1-B133-677D7D4EDB5A}"/>
+              </a:ext>
+            </a:extLst>
+          </p:cNvPr>
+          <p:cNvSpPr>
+            <a:spLocks noGrp="1"/>
+          </p:cNvSpPr>
+          <p:nvPr>
+            <p:ph idx="1"/>
+          </p:nvPr>
+        </p:nvSpPr>
+        <p:spPr>
+          <a:xfrm>
+            <a:off x="648931" y="2438401"/>
+            <a:ext cx="3605571" cy="3779520"/>
+          </a:xfrm>
+        </p:spPr>
+        <p:txBody>
+          <a:bodyPr>
+            <a:normAutofit/>
+          </a:bodyPr>
+          <a:lstStyle/>
+          <a:p>
+            <a:r>
+              <a:rPr lang="de-DE" sz="2000" dirty="0"/>
+              <a:t>Wir begannen mit JavaScript eigenen Code in unser Modell einzuschleusen</a:t>
+            </a:r>
+          </a:p>
+          <a:p>
+            <a:r>
+              <a:rPr lang="de-DE" sz="2000" dirty="0"/>
+              <a:t>Damit konnten wir simple </a:t>
+            </a:r>
+            <a:r>
+              <a:rPr lang="de-DE" sz="2000" dirty="0" err="1"/>
+              <a:t>if</a:t>
+            </a:r>
+            <a:r>
+              <a:rPr lang="de-DE" sz="2000" dirty="0"/>
+              <a:t>-Bedingungen erzeugen und die Input-Ports besser kontrollieren</a:t>
+            </a:r>
+            <a:endParaRPr lang="de-IT" sz="2000" dirty="0"/>
+          </a:p>
+        </p:txBody>
+      </p:sp>
+      <p:sp>
+        <p:nvSpPr>
+          <p:cNvPr id="9" name="Rectangle 8">
+            <a:extLst>
+              <a:ext uri="{FF2B5EF4-FFF2-40B4-BE49-F238E27FC236}">
+                <a16:creationId xmlns:a16="http://schemas.microsoft.com/office/drawing/2014/main" id="{577D1452-F0B7-431E-9A24-D3F7103D8510}"/>
+              </a:ext>
+              <a:ext uri="{C183D7F6-B498-43B3-948B-1728B52AA6E4}">
+                <adec:decorative xmlns:adec="http://schemas.microsoft.com/office/drawing/2017/decorative" val="1"/>
+              </a:ext>
+            </a:extLst>
+          </p:cNvPr>
+          <p:cNvSpPr>
+            <a:spLocks noGrp="1" noRot="1" noChangeAspect="1" noMove="1" noResize="1" noEditPoints="1" noAdjustHandles="1" noChangeArrowheads="1" noChangeShapeType="1" noTextEdit="1"/>
+          </p:cNvSpPr>
+          <p:nvPr>
+            <p:extLst>
+              <p:ext uri="{386F3935-93C4-4BCD-93E2-E3B085C9AB24}">
+                <p16:designElem xmlns:p16="http://schemas.microsoft.com/office/powerpoint/2015/main" val="1"/>
+              </p:ext>
+            </p:extLst>
+          </p:nvPr>
+        </p:nvSpPr>
+        <p:spPr>
+          <a:xfrm>
+            <a:off x="4639056" y="0"/>
+            <a:ext cx="7552944" cy="6858000"/>
+          </a:xfrm>
+          <a:prstGeom prst="rect">
+            <a:avLst/>
+          </a:prstGeom>
+          <a:solidFill>
+            <a:srgbClr val="C8CACA"/>
+          </a:solidFill>
+          <a:ln>
+            <a:noFill/>
+          </a:ln>
+        </p:spPr>
+        <p:style>
+          <a:lnRef idx="2">
+            <a:schemeClr val="accent1">
+              <a:shade val="50000"/>
+            </a:schemeClr>
+          </a:lnRef>
+          <a:fillRef idx="1">
+            <a:schemeClr val="accent1"/>
+          </a:fillRef>
+          <a:effectRef idx="0">
+            <a:schemeClr val="accent1"/>
+          </a:effectRef>
+          <a:fontRef idx="minor">
+            <a:schemeClr val="lt1"/>
+          </a:fontRef>
+        </p:style>
+        <p:txBody>
+          <a:bodyPr rtlCol="0" anchor="ctr"/>
+          <a:lstStyle/>
+          <a:p>
+            <a:pPr algn="ctr"/>
+            <a:endParaRPr lang="en-US"/>
+          </a:p>
+        </p:txBody>
+      </p:sp>
+      <p:sp>
+        <p:nvSpPr>
+          <p:cNvPr id="11" name="Rounded Rectangle 20">
+            <a:extLst>
+              <a:ext uri="{FF2B5EF4-FFF2-40B4-BE49-F238E27FC236}">
+                <a16:creationId xmlns:a16="http://schemas.microsoft.com/office/drawing/2014/main" id="{A660F4F9-5DF5-4F15-BE6A-CD8648BB1148}"/>
+              </a:ext>
+              <a:ext uri="{C183D7F6-B498-43B3-948B-1728B52AA6E4}">
+                <adec:decorative xmlns:adec="http://schemas.microsoft.com/office/drawing/2017/decorative" val="1"/>
+              </a:ext>
+            </a:extLst>
+          </p:cNvPr>
+          <p:cNvSpPr>
+            <a:spLocks noGrp="1" noRot="1" noChangeAspect="1" noMove="1" noResize="1" noEditPoints="1" noAdjustHandles="1" noChangeArrowheads="1" noChangeShapeType="1" noTextEdit="1"/>
+          </p:cNvSpPr>
+          <p:nvPr>
+            <p:extLst>
+              <p:ext uri="{386F3935-93C4-4BCD-93E2-E3B085C9AB24}">
+                <p16:designElem xmlns:p16="http://schemas.microsoft.com/office/powerpoint/2015/main" val="1"/>
+              </p:ext>
+            </p:extLst>
+          </p:nvPr>
+        </p:nvSpPr>
+        <p:spPr>
+          <a:xfrm>
+            <a:off x="5118267" y="559407"/>
+            <a:ext cx="6594522" cy="5739187"/>
+          </a:xfrm>
+          <a:prstGeom prst="roundRect">
+            <a:avLst>
+              <a:gd name="adj" fmla="val 0"/>
+            </a:avLst>
+          </a:prstGeom>
+          <a:solidFill>
+            <a:srgbClr val="FFFFFF"/>
+          </a:solidFill>
+          <a:ln w="9525">
+            <a:solidFill>
+              <a:srgbClr val="C8CACA"/>
+            </a:solidFill>
+          </a:ln>
+          <a:effectLst>
+            <a:outerShdw blurRad="57150" dist="19050" dir="5400000" algn="t" rotWithShape="0">
+              <a:prstClr val="black">
+                <a:alpha val="63000"/>
+              </a:prstClr>
+            </a:outerShdw>
+          </a:effectLst>
+        </p:spPr>
+        <p:style>
+          <a:lnRef idx="2">
+            <a:schemeClr val="accent1">
+              <a:shade val="50000"/>
+            </a:schemeClr>
+          </a:lnRef>
+          <a:fillRef idx="1">
+            <a:schemeClr val="accent1"/>
+          </a:fillRef>
+          <a:effectRef idx="0">
+            <a:schemeClr val="accent1"/>
+          </a:effectRef>
+          <a:fontRef idx="minor">
+            <a:schemeClr val="lt1"/>
+          </a:fontRef>
+        </p:style>
+        <p:txBody>
+          <a:bodyPr rtlCol="0" anchor="ctr"/>
+          <a:lstStyle/>
+          <a:p>
+            <a:pPr algn="ctr"/>
+            <a:endParaRPr lang="en-US"/>
+          </a:p>
+        </p:txBody>
+      </p:sp>
+      <p:pic>
+        <p:nvPicPr>
+          <p:cNvPr id="4" name="Grafik 3">
+            <a:extLst>
+              <a:ext uri="{FF2B5EF4-FFF2-40B4-BE49-F238E27FC236}">
+                <a16:creationId xmlns:a16="http://schemas.microsoft.com/office/drawing/2014/main" id="{790E115A-A6C6-4630-9C5F-68782076014D}"/>
+              </a:ext>
+            </a:extLst>
+          </p:cNvPr>
+          <p:cNvPicPr>
+            <a:picLocks noChangeAspect="1"/>
+          </p:cNvPicPr>
+          <p:nvPr/>
+        </p:nvPicPr>
+        <p:blipFill rotWithShape="1">
+          <a:blip r:embed="rId2"/>
+          <a:srcRect t="1512" r="-1" b="-1"/>
+          <a:stretch/>
+        </p:blipFill>
+        <p:spPr>
+          <a:xfrm>
+            <a:off x="5283708" y="722376"/>
+            <a:ext cx="6263640" cy="5413248"/>
+          </a:xfrm>
+          <a:prstGeom prst="rect">
+            <a:avLst/>
+          </a:prstGeom>
+          <a:effectLst/>
+        </p:spPr>
+      </p:pic>
+    </p:spTree>
+    <p:extLst>
+      <p:ext uri="{BB962C8B-B14F-4D97-AF65-F5344CB8AC3E}">
+        <p14:creationId xmlns:p14="http://schemas.microsoft.com/office/powerpoint/2010/main" val="2044130324"/>
+      </p:ext>
+    </p:extLst>
+  </p:cSld>
+  <p:clrMapOvr>
+    <a:masterClrMapping/>
+  </p:clrMapOvr>
+</p:sld>
+</file>
+
+<file path=ppt/slides/slide6.xml><?xml version="1.0" encoding="utf-8"?>
+<p:sld xmlns:a="http://schemas.openxmlformats.org/drawingml/2006/main" xmlns:r="http://schemas.openxmlformats.org/officeDocument/2006/relationships" xmlns:p="http://schemas.openxmlformats.org/presentationml/2006/main">
+  <p:cSld>
+    <p:bg>
+      <p:bgPr>
+        <a:solidFill>
+          <a:schemeClr val="bg1"/>
+        </a:solidFill>
+        <a:effectLst/>
+      </p:bgPr>
+    </p:bg>
+    <p:spTree>
+      <p:nvGrpSpPr>
+        <p:cNvPr id="1" name=""/>
+        <p:cNvGrpSpPr/>
+        <p:nvPr/>
+      </p:nvGrpSpPr>
+      <p:grpSpPr>
+        <a:xfrm>
+          <a:off x="0" y="0"/>
+          <a:ext cx="0" cy="0"/>
+          <a:chOff x="0" y="0"/>
+          <a:chExt cx="0" cy="0"/>
+        </a:xfrm>
+      </p:grpSpPr>
+      <p:sp>
+        <p:nvSpPr>
+          <p:cNvPr id="35" name="Rectangle 32">
+            <a:extLst>
+              <a:ext uri="{FF2B5EF4-FFF2-40B4-BE49-F238E27FC236}">
+                <a16:creationId xmlns:a16="http://schemas.microsoft.com/office/drawing/2014/main" id="{EBF87945-A001-489F-9D9B-7D9435F0B9CA}"/>
+              </a:ext>
+              <a:ext uri="{C183D7F6-B498-43B3-948B-1728B52AA6E4}">
+                <adec:decorative xmlns:adec="http://schemas.microsoft.com/office/drawing/2017/decorative" val="1"/>
+              </a:ext>
+            </a:extLst>
+          </p:cNvPr>
+          <p:cNvSpPr>
+            <a:spLocks noGrp="1" noRot="1" noChangeAspect="1" noMove="1" noResize="1" noEditPoints="1" noAdjustHandles="1" noChangeArrowheads="1" noChangeShapeType="1" noTextEdit="1"/>
+          </p:cNvSpPr>
+          <p:nvPr>
+            <p:extLst>
+              <p:ext uri="{386F3935-93C4-4BCD-93E2-E3B085C9AB24}">
+                <p16:designElem xmlns:p16="http://schemas.microsoft.com/office/powerpoint/2015/main" val="1"/>
+              </p:ext>
+            </p:extLst>
+          </p:nvPr>
+        </p:nvSpPr>
+        <p:spPr>
+          <a:xfrm>
+            <a:off x="545592" y="347471"/>
+            <a:ext cx="11100816" cy="1801368"/>
+          </a:xfrm>
+          <a:prstGeom prst="rect">
+            <a:avLst/>
+          </a:prstGeom>
+          <a:solidFill>
+            <a:schemeClr val="tx1">
+              <a:lumMod val="75000"/>
+              <a:lumOff val="25000"/>
+            </a:schemeClr>
+          </a:solidFill>
+          <a:ln>
+            <a:noFill/>
+          </a:ln>
+        </p:spPr>
+        <p:style>
+          <a:lnRef idx="2">
+            <a:schemeClr val="accent1">
+              <a:shade val="50000"/>
+            </a:schemeClr>
+          </a:lnRef>
+          <a:fillRef idx="1">
+            <a:schemeClr val="accent1"/>
+          </a:fillRef>
+          <a:effectRef idx="0">
+            <a:schemeClr val="accent1"/>
+          </a:effectRef>
+          <a:fontRef idx="minor">
+            <a:schemeClr val="lt1"/>
+          </a:fontRef>
+        </p:style>
+        <p:txBody>
+          <a:bodyPr rtlCol="0" anchor="ctr"/>
+          <a:lstStyle/>
+          <a:p>
+            <a:pPr algn="ctr"/>
+            <a:endParaRPr lang="en-US"/>
+          </a:p>
+        </p:txBody>
+      </p:sp>
+      <p:sp>
+        <p:nvSpPr>
+          <p:cNvPr id="2" name="Titel 1">
+            <a:extLst>
+              <a:ext uri="{FF2B5EF4-FFF2-40B4-BE49-F238E27FC236}">
+                <a16:creationId xmlns:a16="http://schemas.microsoft.com/office/drawing/2014/main" id="{D9C15749-73EF-40C3-9D97-399F9B2B6D4B}"/>
+              </a:ext>
+            </a:extLst>
+          </p:cNvPr>
+          <p:cNvSpPr>
+            <a:spLocks noGrp="1"/>
+          </p:cNvSpPr>
+          <p:nvPr>
+            <p:ph type="title"/>
+          </p:nvPr>
+        </p:nvSpPr>
+        <p:spPr>
+          <a:xfrm>
+            <a:off x="838200" y="585216"/>
+            <a:ext cx="10515600" cy="1325563"/>
+          </a:xfrm>
+        </p:spPr>
+        <p:txBody>
+          <a:bodyPr>
+            <a:normAutofit/>
+          </a:bodyPr>
+          <a:lstStyle/>
+          <a:p>
+            <a:r>
+              <a:rPr lang="de-DE">
+                <a:solidFill>
+                  <a:schemeClr val="bg1"/>
+                </a:solidFill>
+              </a:rPr>
+              <a:t>Wie bekommen wir Daten zu unseren Autos?</a:t>
+            </a:r>
+          </a:p>
+        </p:txBody>
+      </p:sp>
+      <p:pic>
+        <p:nvPicPr>
+          <p:cNvPr id="7" name="Grafik 6">
+            <a:extLst>
+              <a:ext uri="{FF2B5EF4-FFF2-40B4-BE49-F238E27FC236}">
+                <a16:creationId xmlns:a16="http://schemas.microsoft.com/office/drawing/2014/main" id="{637CE468-2611-4984-8AFD-A48B97A97705}"/>
+              </a:ext>
+            </a:extLst>
+          </p:cNvPr>
+          <p:cNvPicPr>
+            <a:picLocks noChangeAspect="1"/>
+          </p:cNvPicPr>
+          <p:nvPr/>
+        </p:nvPicPr>
+        <p:blipFill rotWithShape="1">
+          <a:blip r:embed="rId2"/>
+          <a:srcRect l="3823" r="5736" b="-2"/>
+          <a:stretch/>
+        </p:blipFill>
+        <p:spPr>
+          <a:xfrm>
+            <a:off x="841248" y="2516777"/>
+            <a:ext cx="5015484" cy="3660185"/>
+          </a:xfrm>
+          <a:prstGeom prst="rect">
+            <a:avLst/>
+          </a:prstGeom>
+        </p:spPr>
+      </p:pic>
+      <p:sp>
+        <p:nvSpPr>
+          <p:cNvPr id="3" name="Inhaltsplatzhalter 2">
+            <a:extLst>
+              <a:ext uri="{FF2B5EF4-FFF2-40B4-BE49-F238E27FC236}">
+                <a16:creationId xmlns:a16="http://schemas.microsoft.com/office/drawing/2014/main" id="{2A76CFBC-74B2-4820-A6A7-1769616F05B0}"/>
+              </a:ext>
+            </a:extLst>
+          </p:cNvPr>
+          <p:cNvSpPr>
+            <a:spLocks noGrp="1"/>
+          </p:cNvSpPr>
+          <p:nvPr>
+            <p:ph idx="1"/>
+          </p:nvPr>
+        </p:nvSpPr>
+        <p:spPr>
+          <a:xfrm>
+            <a:off x="6338316" y="2516777"/>
+            <a:ext cx="5015484" cy="3660185"/>
+          </a:xfrm>
+        </p:spPr>
+        <p:txBody>
+          <a:bodyPr anchor="ctr">
+            <a:normAutofit/>
+          </a:bodyPr>
+          <a:lstStyle/>
+          <a:p>
+            <a:r>
+              <a:rPr lang="de-DE" sz="1900" dirty="0"/>
+              <a:t>Actor „</a:t>
+            </a:r>
+            <a:r>
+              <a:rPr lang="de-DE" sz="1900" dirty="0" err="1"/>
+              <a:t>CSVReader</a:t>
+            </a:r>
+            <a:r>
+              <a:rPr lang="de-DE" sz="1900" dirty="0"/>
+              <a:t>“</a:t>
+            </a:r>
+          </a:p>
+          <a:p>
+            <a:pPr lvl="1"/>
+            <a:r>
+              <a:rPr lang="de-DE" sz="1900" dirty="0"/>
+              <a:t>Kann CSV Dateien handhaben</a:t>
+            </a:r>
+          </a:p>
+          <a:p>
+            <a:r>
+              <a:rPr lang="de-DE" sz="1900" dirty="0"/>
+              <a:t>Actor wurde verwendet um die von uns erstellen „car.txt“ Dateien einzulesen und richtig zu konvertieren</a:t>
+            </a:r>
+          </a:p>
+          <a:p>
+            <a:endParaRPr lang="de-DE" sz="1900" dirty="0"/>
+          </a:p>
+          <a:p>
+            <a:r>
+              <a:rPr lang="de-DE" sz="1900" dirty="0"/>
+              <a:t>Actor „</a:t>
+            </a:r>
+            <a:r>
+              <a:rPr lang="de-DE" sz="1900" dirty="0" err="1"/>
+              <a:t>DiscreteClock</a:t>
+            </a:r>
+            <a:r>
+              <a:rPr lang="de-DE" sz="1900" dirty="0"/>
+              <a:t>“</a:t>
+            </a:r>
+          </a:p>
+          <a:p>
+            <a:pPr lvl="1"/>
+            <a:r>
+              <a:rPr lang="de-DE" sz="1900" dirty="0"/>
+              <a:t>Sendet zu bestimmten Zeiten ein Signal</a:t>
+            </a:r>
+          </a:p>
+          <a:p>
+            <a:pPr lvl="1"/>
+            <a:r>
+              <a:rPr lang="de-DE" sz="1900" dirty="0"/>
+              <a:t>Sendet ein Signal zu „</a:t>
+            </a:r>
+            <a:r>
+              <a:rPr lang="de-DE" sz="1900" dirty="0" err="1"/>
+              <a:t>CSVReader</a:t>
+            </a:r>
+            <a:r>
+              <a:rPr lang="de-DE" sz="1900" dirty="0"/>
+              <a:t>“ um ein Auto zu unserer „Street“ zu senden</a:t>
+            </a:r>
+          </a:p>
+        </p:txBody>
+      </p:sp>
+    </p:spTree>
+    <p:extLst>
+      <p:ext uri="{BB962C8B-B14F-4D97-AF65-F5344CB8AC3E}">
+        <p14:creationId xmlns:p14="http://schemas.microsoft.com/office/powerpoint/2010/main" val="2691747333"/>
+      </p:ext>
+    </p:extLst>
+  </p:cSld>
+  <p:clrMapOvr>
+    <a:masterClrMapping/>
+  </p:clrMapOvr>
+</p:sld>
+</file>
+
+<file path=ppt/slides/slide7.xml><?xml version="1.0" encoding="utf-8"?>
+<p:sld xmlns:a="http://schemas.openxmlformats.org/drawingml/2006/main" xmlns:r="http://schemas.openxmlformats.org/officeDocument/2006/relationships" xmlns:p="http://schemas.openxmlformats.org/presentationml/2006/main">
+  <p:cSld>
+    <p:bg>
+      <p:bgPr>
+        <a:solidFill>
+          <a:schemeClr val="bg1"/>
+        </a:solidFill>
+        <a:effectLst/>
+      </p:bgPr>
+    </p:bg>
+    <p:spTree>
+      <p:nvGrpSpPr>
+        <p:cNvPr id="1" name=""/>
+        <p:cNvGrpSpPr/>
+        <p:nvPr/>
+      </p:nvGrpSpPr>
+      <p:grpSpPr>
+        <a:xfrm>
+          <a:off x="0" y="0"/>
+          <a:ext cx="0" cy="0"/>
+          <a:chOff x="0" y="0"/>
+          <a:chExt cx="0" cy="0"/>
+        </a:xfrm>
+      </p:grpSpPr>
+      <p:sp useBgFill="1">
+        <p:nvSpPr>
+          <p:cNvPr id="15" name="Rectangle 8">
+            <a:extLst>
+              <a:ext uri="{FF2B5EF4-FFF2-40B4-BE49-F238E27FC236}">
+                <a16:creationId xmlns:a16="http://schemas.microsoft.com/office/drawing/2014/main" id="{131BAD53-4E89-4F62-BBB7-26359763ED39}"/>
+              </a:ext>
+              <a:ext uri="{C183D7F6-B498-43B3-948B-1728B52AA6E4}">
+                <adec:decorative xmlns:adec="http://schemas.microsoft.com/office/drawing/2017/decorative" val="1"/>
+              </a:ext>
+            </a:extLst>
+          </p:cNvPr>
+          <p:cNvSpPr>
+            <a:spLocks noGrp="1" noRot="1" noChangeAspect="1" noMove="1" noResize="1" noEditPoints="1" noAdjustHandles="1" noChangeArrowheads="1" noChangeShapeType="1" noTextEdit="1"/>
+          </p:cNvSpPr>
+          <p:nvPr>
+            <p:extLst>
+              <p:ext uri="{386F3935-93C4-4BCD-93E2-E3B085C9AB24}">
+                <p16:designElem xmlns:p16="http://schemas.microsoft.com/office/powerpoint/2015/main" val="1"/>
+              </p:ext>
+            </p:extLst>
+          </p:nvPr>
+        </p:nvSpPr>
+        <p:spPr>
+          <a:xfrm>
+            <a:off x="0" y="0"/>
+            <a:ext cx="12192000" cy="6858000"/>
+          </a:xfrm>
+          <a:prstGeom prst="rect">
+            <a:avLst/>
+          </a:prstGeom>
+          <a:ln w="12700" cap="flat" cmpd="sng" algn="ctr">
+            <a:noFill/>
+            <a:prstDash val="solid"/>
+            <a:miter lim="800000"/>
+          </a:ln>
+          <a:effectLst/>
+          <a:extLst>
+            <a:ext uri="{91240B29-F687-4F45-9708-019B960494DF}">
+              <a14:hiddenLine xmlns:a14="http://schemas.microsoft.com/office/drawing/2010/main" w="12700" cap="flat" cmpd="sng" algn="ctr">
+                <a:solidFill>
+                  <a:schemeClr val="accent1">
+                    <a:shade val="50000"/>
+                  </a:schemeClr>
+                </a:solidFill>
+                <a:prstDash val="solid"/>
+                <a:miter lim="800000"/>
+              </a14:hiddenLine>
+            </a:ext>
+          </a:extLst>
+        </p:spPr>
+        <p:style>
+          <a:lnRef idx="2">
+            <a:schemeClr val="accent1">
+              <a:shade val="50000"/>
+            </a:schemeClr>
+          </a:lnRef>
+          <a:fillRef idx="1">
+            <a:schemeClr val="accent1"/>
+          </a:fillRef>
+          <a:effectRef idx="0">
+            <a:schemeClr val="accent1"/>
+          </a:effectRef>
+          <a:fontRef idx="minor">
+            <a:schemeClr val="lt1"/>
+          </a:fontRef>
+        </p:style>
+        <p:txBody>
+          <a:bodyPr rtlCol="0" anchor="ctr"/>
+          <a:lstStyle/>
+          <a:p>
+            <a:pPr algn="ctr"/>
+            <a:endParaRPr lang="en-US"/>
+          </a:p>
+        </p:txBody>
+      </p:sp>
+      <p:sp>
+        <p:nvSpPr>
+          <p:cNvPr id="16" name="Freeform: Shape 10">
+            <a:extLst>
+              <a:ext uri="{FF2B5EF4-FFF2-40B4-BE49-F238E27FC236}">
+                <a16:creationId xmlns:a16="http://schemas.microsoft.com/office/drawing/2014/main" id="{62756DA2-40EB-4C6F-B962-5822FFB54FB6}"/>
+              </a:ext>
+              <a:ext uri="{C183D7F6-B498-43B3-948B-1728B52AA6E4}">
+                <adec:decorative xmlns:adec="http://schemas.microsoft.com/office/drawing/2017/decorative" val="1"/>
+              </a:ext>
+            </a:extLst>
+          </p:cNvPr>
+          <p:cNvSpPr>
+            <a:spLocks noGrp="1" noRot="1" noChangeAspect="1" noMove="1" noResize="1" noEditPoints="1" noAdjustHandles="1" noChangeArrowheads="1" noChangeShapeType="1" noTextEdit="1"/>
+          </p:cNvSpPr>
+          <p:nvPr>
+            <p:extLst>
+              <p:ext uri="{386F3935-93C4-4BCD-93E2-E3B085C9AB24}">
+                <p16:designElem xmlns:p16="http://schemas.microsoft.com/office/powerpoint/2015/main" val="1"/>
+              </p:ext>
+            </p:extLst>
+          </p:nvPr>
+        </p:nvSpPr>
+        <p:spPr>
+          <a:xfrm>
+            <a:off x="0" y="0"/>
+            <a:ext cx="5653438" cy="6858000"/>
+          </a:xfrm>
+          <a:custGeom>
+            <a:avLst/>
+            <a:gdLst>
+              <a:gd name="connsiteX0" fmla="*/ 0 w 6096000"/>
+              <a:gd name="connsiteY0" fmla="*/ 0 h 6858000"/>
+              <a:gd name="connsiteX1" fmla="*/ 5567517 w 6096000"/>
+              <a:gd name="connsiteY1" fmla="*/ 0 h 6858000"/>
+              <a:gd name="connsiteX2" fmla="*/ 5566938 w 6096000"/>
+              <a:gd name="connsiteY2" fmla="*/ 1705 h 6858000"/>
+              <a:gd name="connsiteX3" fmla="*/ 5551594 w 6096000"/>
+              <a:gd name="connsiteY3" fmla="*/ 17287 h 6858000"/>
+              <a:gd name="connsiteX4" fmla="*/ 5545641 w 6096000"/>
+              <a:gd name="connsiteY4" fmla="*/ 130336 h 6858000"/>
+              <a:gd name="connsiteX5" fmla="*/ 5538289 w 6096000"/>
+              <a:gd name="connsiteY5" fmla="*/ 187093 h 6858000"/>
+              <a:gd name="connsiteX6" fmla="*/ 5545790 w 6096000"/>
+              <a:gd name="connsiteY6" fmla="*/ 265704 h 6858000"/>
+              <a:gd name="connsiteX7" fmla="*/ 5542313 w 6096000"/>
+              <a:gd name="connsiteY7" fmla="*/ 354566 h 6858000"/>
+              <a:gd name="connsiteX8" fmla="*/ 5524126 w 6096000"/>
+              <a:gd name="connsiteY8" fmla="*/ 472000 h 6858000"/>
+              <a:gd name="connsiteX9" fmla="*/ 5522170 w 6096000"/>
+              <a:gd name="connsiteY9" fmla="*/ 473782 h 6858000"/>
+              <a:gd name="connsiteX10" fmla="*/ 5521798 w 6096000"/>
+              <a:gd name="connsiteY10" fmla="*/ 491380 h 6858000"/>
+              <a:gd name="connsiteX11" fmla="*/ 5536419 w 6096000"/>
+              <a:gd name="connsiteY11" fmla="*/ 531675 h 6858000"/>
+              <a:gd name="connsiteX12" fmla="*/ 5533435 w 6096000"/>
+              <a:gd name="connsiteY12" fmla="*/ 536015 h 6858000"/>
+              <a:gd name="connsiteX13" fmla="*/ 5538088 w 6096000"/>
+              <a:gd name="connsiteY13" fmla="*/ 572092 h 6858000"/>
+              <a:gd name="connsiteX14" fmla="*/ 5536061 w 6096000"/>
+              <a:gd name="connsiteY14" fmla="*/ 572511 h 6858000"/>
+              <a:gd name="connsiteX15" fmla="*/ 5528218 w 6096000"/>
+              <a:gd name="connsiteY15" fmla="*/ 582332 h 6858000"/>
+              <a:gd name="connsiteX16" fmla="*/ 5518011 w 6096000"/>
+              <a:gd name="connsiteY16" fmla="*/ 601285 h 6858000"/>
+              <a:gd name="connsiteX17" fmla="*/ 5473174 w 6096000"/>
+              <a:gd name="connsiteY17" fmla="*/ 681608 h 6858000"/>
+              <a:gd name="connsiteX18" fmla="*/ 5472963 w 6096000"/>
+              <a:gd name="connsiteY18" fmla="*/ 689151 h 6858000"/>
+              <a:gd name="connsiteX19" fmla="*/ 5472485 w 6096000"/>
+              <a:gd name="connsiteY19" fmla="*/ 689289 h 6858000"/>
+              <a:gd name="connsiteX20" fmla="*/ 5471326 w 6096000"/>
+              <a:gd name="connsiteY20" fmla="*/ 697222 h 6858000"/>
+              <a:gd name="connsiteX21" fmla="*/ 5472164 w 6096000"/>
+              <a:gd name="connsiteY21" fmla="*/ 717531 h 6858000"/>
+              <a:gd name="connsiteX22" fmla="*/ 5468891 w 6096000"/>
+              <a:gd name="connsiteY22" fmla="*/ 722494 h 6858000"/>
+              <a:gd name="connsiteX23" fmla="*/ 5463081 w 6096000"/>
+              <a:gd name="connsiteY23" fmla="*/ 724368 h 6858000"/>
+              <a:gd name="connsiteX24" fmla="*/ 5446981 w 6096000"/>
+              <a:gd name="connsiteY24" fmla="*/ 752692 h 6858000"/>
+              <a:gd name="connsiteX25" fmla="*/ 5417190 w 6096000"/>
+              <a:gd name="connsiteY25" fmla="*/ 816346 h 6858000"/>
+              <a:gd name="connsiteX26" fmla="*/ 5388958 w 6096000"/>
+              <a:gd name="connsiteY26" fmla="*/ 889417 h 6858000"/>
+              <a:gd name="connsiteX27" fmla="*/ 5307044 w 6096000"/>
+              <a:gd name="connsiteY27" fmla="*/ 1063288 h 6858000"/>
+              <a:gd name="connsiteX28" fmla="*/ 5303837 w 6096000"/>
+              <a:gd name="connsiteY28" fmla="*/ 1157176 h 6858000"/>
+              <a:gd name="connsiteX29" fmla="*/ 5286494 w 6096000"/>
+              <a:gd name="connsiteY29" fmla="*/ 1210776 h 6858000"/>
+              <a:gd name="connsiteX30" fmla="*/ 5282463 w 6096000"/>
+              <a:gd name="connsiteY30" fmla="*/ 1301993 h 6858000"/>
+              <a:gd name="connsiteX31" fmla="*/ 5252235 w 6096000"/>
+              <a:gd name="connsiteY31" fmla="*/ 1360879 h 6858000"/>
+              <a:gd name="connsiteX32" fmla="*/ 5244497 w 6096000"/>
+              <a:gd name="connsiteY32" fmla="*/ 1404045 h 6858000"/>
+              <a:gd name="connsiteX33" fmla="*/ 5223823 w 6096000"/>
+              <a:gd name="connsiteY33" fmla="*/ 1429568 h 6858000"/>
+              <a:gd name="connsiteX34" fmla="*/ 5224851 w 6096000"/>
+              <a:gd name="connsiteY34" fmla="*/ 1430305 h 6858000"/>
+              <a:gd name="connsiteX35" fmla="*/ 5212394 w 6096000"/>
+              <a:gd name="connsiteY35" fmla="*/ 1463304 h 6858000"/>
+              <a:gd name="connsiteX36" fmla="*/ 5209958 w 6096000"/>
+              <a:gd name="connsiteY36" fmla="*/ 1514846 h 6858000"/>
+              <a:gd name="connsiteX37" fmla="*/ 5206417 w 6096000"/>
+              <a:gd name="connsiteY37" fmla="*/ 1519731 h 6858000"/>
+              <a:gd name="connsiteX38" fmla="*/ 5206640 w 6096000"/>
+              <a:gd name="connsiteY38" fmla="*/ 1519929 h 6858000"/>
+              <a:gd name="connsiteX39" fmla="*/ 5207632 w 6096000"/>
+              <a:gd name="connsiteY39" fmla="*/ 1546022 h 6858000"/>
+              <a:gd name="connsiteX40" fmla="*/ 5212030 w 6096000"/>
+              <a:gd name="connsiteY40" fmla="*/ 1578752 h 6858000"/>
+              <a:gd name="connsiteX41" fmla="*/ 5203533 w 6096000"/>
+              <a:gd name="connsiteY41" fmla="*/ 1647555 h 6858000"/>
+              <a:gd name="connsiteX42" fmla="*/ 5190877 w 6096000"/>
+              <a:gd name="connsiteY42" fmla="*/ 1715685 h 6858000"/>
+              <a:gd name="connsiteX43" fmla="*/ 5184235 w 6096000"/>
+              <a:gd name="connsiteY43" fmla="*/ 1740358 h 6858000"/>
+              <a:gd name="connsiteX44" fmla="*/ 5181475 w 6096000"/>
+              <a:gd name="connsiteY44" fmla="*/ 1784314 h 6858000"/>
+              <a:gd name="connsiteX45" fmla="*/ 5185845 w 6096000"/>
+              <a:gd name="connsiteY45" fmla="*/ 1804434 h 6858000"/>
+              <a:gd name="connsiteX46" fmla="*/ 5185068 w 6096000"/>
+              <a:gd name="connsiteY46" fmla="*/ 1805316 h 6858000"/>
+              <a:gd name="connsiteX47" fmla="*/ 5188593 w 6096000"/>
+              <a:gd name="connsiteY47" fmla="*/ 1807109 h 6858000"/>
+              <a:gd name="connsiteX48" fmla="*/ 5185920 w 6096000"/>
+              <a:gd name="connsiteY48" fmla="*/ 1821003 h 6858000"/>
+              <a:gd name="connsiteX49" fmla="*/ 5183543 w 6096000"/>
+              <a:gd name="connsiteY49" fmla="*/ 1824832 h 6858000"/>
+              <a:gd name="connsiteX50" fmla="*/ 5182235 w 6096000"/>
+              <a:gd name="connsiteY50" fmla="*/ 1830429 h 6858000"/>
+              <a:gd name="connsiteX51" fmla="*/ 5182525 w 6096000"/>
+              <a:gd name="connsiteY51" fmla="*/ 1830569 h 6858000"/>
+              <a:gd name="connsiteX52" fmla="*/ 5180663 w 6096000"/>
+              <a:gd name="connsiteY52" fmla="*/ 1835810 h 6858000"/>
+              <a:gd name="connsiteX53" fmla="*/ 5167452 w 6096000"/>
+              <a:gd name="connsiteY53" fmla="*/ 1861483 h 6858000"/>
+              <a:gd name="connsiteX54" fmla="*/ 5174266 w 6096000"/>
+              <a:gd name="connsiteY54" fmla="*/ 1892417 h 6858000"/>
+              <a:gd name="connsiteX55" fmla="*/ 5189262 w 6096000"/>
+              <a:gd name="connsiteY55" fmla="*/ 1895114 h 6858000"/>
+              <a:gd name="connsiteX56" fmla="*/ 5187100 w 6096000"/>
+              <a:gd name="connsiteY56" fmla="*/ 1899379 h 6858000"/>
+              <a:gd name="connsiteX57" fmla="*/ 5180471 w 6096000"/>
+              <a:gd name="connsiteY57" fmla="*/ 1907867 h 6858000"/>
+              <a:gd name="connsiteX58" fmla="*/ 5181361 w 6096000"/>
+              <a:gd name="connsiteY58" fmla="*/ 1910265 h 6858000"/>
+              <a:gd name="connsiteX59" fmla="*/ 5178268 w 6096000"/>
+              <a:gd name="connsiteY59" fmla="*/ 1935584 h 6858000"/>
+              <a:gd name="connsiteX60" fmla="*/ 5183619 w 6096000"/>
+              <a:gd name="connsiteY60" fmla="*/ 1942021 h 6858000"/>
+              <a:gd name="connsiteX61" fmla="*/ 5184480 w 6096000"/>
+              <a:gd name="connsiteY61" fmla="*/ 1945112 h 6858000"/>
+              <a:gd name="connsiteX62" fmla="*/ 5172776 w 6096000"/>
+              <a:gd name="connsiteY62" fmla="*/ 1961162 h 6858000"/>
+              <a:gd name="connsiteX63" fmla="*/ 5168513 w 6096000"/>
+              <a:gd name="connsiteY63" fmla="*/ 1969445 h 6858000"/>
+              <a:gd name="connsiteX64" fmla="*/ 5126597 w 6096000"/>
+              <a:gd name="connsiteY64" fmla="*/ 2024270 h 6858000"/>
+              <a:gd name="connsiteX65" fmla="*/ 5119528 w 6096000"/>
+              <a:gd name="connsiteY65" fmla="*/ 2107942 h 6858000"/>
+              <a:gd name="connsiteX66" fmla="*/ 5110356 w 6096000"/>
+              <a:gd name="connsiteY66" fmla="*/ 2193455 h 6858000"/>
+              <a:gd name="connsiteX67" fmla="*/ 5104992 w 6096000"/>
+              <a:gd name="connsiteY67" fmla="*/ 2260088 h 6858000"/>
+              <a:gd name="connsiteX68" fmla="*/ 5059439 w 6096000"/>
+              <a:gd name="connsiteY68" fmla="*/ 2335735 h 6858000"/>
+              <a:gd name="connsiteX69" fmla="*/ 5022061 w 6096000"/>
+              <a:gd name="connsiteY69" fmla="*/ 2408995 h 6858000"/>
+              <a:gd name="connsiteX70" fmla="*/ 5022253 w 6096000"/>
+              <a:gd name="connsiteY70" fmla="*/ 2445869 h 6858000"/>
+              <a:gd name="connsiteX71" fmla="*/ 5011426 w 6096000"/>
+              <a:gd name="connsiteY71" fmla="*/ 2496499 h 6858000"/>
+              <a:gd name="connsiteX72" fmla="*/ 4994224 w 6096000"/>
+              <a:gd name="connsiteY72" fmla="*/ 2549900 h 6858000"/>
+              <a:gd name="connsiteX73" fmla="*/ 4995245 w 6096000"/>
+              <a:gd name="connsiteY73" fmla="*/ 2596456 h 6858000"/>
+              <a:gd name="connsiteX74" fmla="*/ 4988570 w 6096000"/>
+              <a:gd name="connsiteY74" fmla="*/ 2606088 h 6858000"/>
+              <a:gd name="connsiteX75" fmla="*/ 4988371 w 6096000"/>
+              <a:gd name="connsiteY75" fmla="*/ 2635351 h 6858000"/>
+              <a:gd name="connsiteX76" fmla="*/ 4983212 w 6096000"/>
+              <a:gd name="connsiteY76" fmla="*/ 2665666 h 6858000"/>
+              <a:gd name="connsiteX77" fmla="*/ 4968234 w 6096000"/>
+              <a:gd name="connsiteY77" fmla="*/ 2715895 h 6858000"/>
+              <a:gd name="connsiteX78" fmla="*/ 4975888 w 6096000"/>
+              <a:gd name="connsiteY78" fmla="*/ 2725052 h 6858000"/>
+              <a:gd name="connsiteX79" fmla="*/ 4980195 w 6096000"/>
+              <a:gd name="connsiteY79" fmla="*/ 2726489 h 6858000"/>
+              <a:gd name="connsiteX80" fmla="*/ 4976218 w 6096000"/>
+              <a:gd name="connsiteY80" fmla="*/ 2740278 h 6858000"/>
+              <a:gd name="connsiteX81" fmla="*/ 4980571 w 6096000"/>
+              <a:gd name="connsiteY81" fmla="*/ 2751112 h 6858000"/>
+              <a:gd name="connsiteX82" fmla="*/ 4973893 w 6096000"/>
+              <a:gd name="connsiteY82" fmla="*/ 2760208 h 6858000"/>
+              <a:gd name="connsiteX83" fmla="*/ 4979005 w 6096000"/>
+              <a:gd name="connsiteY83" fmla="*/ 2790136 h 6858000"/>
+              <a:gd name="connsiteX84" fmla="*/ 4986137 w 6096000"/>
+              <a:gd name="connsiteY84" fmla="*/ 2804183 h 6858000"/>
+              <a:gd name="connsiteX85" fmla="*/ 4986175 w 6096000"/>
+              <a:gd name="connsiteY85" fmla="*/ 2825860 h 6858000"/>
+              <a:gd name="connsiteX86" fmla="*/ 4993936 w 6096000"/>
+              <a:gd name="connsiteY86" fmla="*/ 2911749 h 6858000"/>
+              <a:gd name="connsiteX87" fmla="*/ 4992563 w 6096000"/>
+              <a:gd name="connsiteY87" fmla="*/ 2977278 h 6858000"/>
+              <a:gd name="connsiteX88" fmla="*/ 4980516 w 6096000"/>
+              <a:gd name="connsiteY88" fmla="*/ 2991092 h 6858000"/>
+              <a:gd name="connsiteX89" fmla="*/ 4992801 w 6096000"/>
+              <a:gd name="connsiteY89" fmla="*/ 3020247 h 6858000"/>
+              <a:gd name="connsiteX90" fmla="*/ 5014805 w 6096000"/>
+              <a:gd name="connsiteY90" fmla="*/ 3065434 h 6858000"/>
+              <a:gd name="connsiteX91" fmla="*/ 5002733 w 6096000"/>
+              <a:gd name="connsiteY91" fmla="*/ 3103777 h 6858000"/>
+              <a:gd name="connsiteX92" fmla="*/ 5002941 w 6096000"/>
+              <a:gd name="connsiteY92" fmla="*/ 3151828 h 6858000"/>
+              <a:gd name="connsiteX93" fmla="*/ 5002883 w 6096000"/>
+              <a:gd name="connsiteY93" fmla="*/ 3180546 h 6858000"/>
+              <a:gd name="connsiteX94" fmla="*/ 5016711 w 6096000"/>
+              <a:gd name="connsiteY94" fmla="*/ 3258677 h 6858000"/>
+              <a:gd name="connsiteX95" fmla="*/ 5017918 w 6096000"/>
+              <a:gd name="connsiteY95" fmla="*/ 3262610 h 6858000"/>
+              <a:gd name="connsiteX96" fmla="*/ 5011672 w 6096000"/>
+              <a:gd name="connsiteY96" fmla="*/ 3277179 h 6858000"/>
+              <a:gd name="connsiteX97" fmla="*/ 5009344 w 6096000"/>
+              <a:gd name="connsiteY97" fmla="*/ 3278130 h 6858000"/>
+              <a:gd name="connsiteX98" fmla="*/ 5026770 w 6096000"/>
+              <a:gd name="connsiteY98" fmla="*/ 3325671 h 6858000"/>
+              <a:gd name="connsiteX99" fmla="*/ 5024571 w 6096000"/>
+              <a:gd name="connsiteY99" fmla="*/ 3332072 h 6858000"/>
+              <a:gd name="connsiteX100" fmla="*/ 5041705 w 6096000"/>
+              <a:gd name="connsiteY100" fmla="*/ 3362948 h 6858000"/>
+              <a:gd name="connsiteX101" fmla="*/ 5047477 w 6096000"/>
+              <a:gd name="connsiteY101" fmla="*/ 3378959 h 6858000"/>
+              <a:gd name="connsiteX102" fmla="*/ 5060758 w 6096000"/>
+              <a:gd name="connsiteY102" fmla="*/ 3407057 h 6858000"/>
+              <a:gd name="connsiteX103" fmla="*/ 5058968 w 6096000"/>
+              <a:gd name="connsiteY103" fmla="*/ 3409825 h 6858000"/>
+              <a:gd name="connsiteX104" fmla="*/ 5062667 w 6096000"/>
+              <a:gd name="connsiteY104" fmla="*/ 3415218 h 6858000"/>
+              <a:gd name="connsiteX105" fmla="*/ 5060928 w 6096000"/>
+              <a:gd name="connsiteY105" fmla="*/ 3419880 h 6858000"/>
+              <a:gd name="connsiteX106" fmla="*/ 5062923 w 6096000"/>
+              <a:gd name="connsiteY106" fmla="*/ 3424545 h 6858000"/>
+              <a:gd name="connsiteX107" fmla="*/ 5064623 w 6096000"/>
+              <a:gd name="connsiteY107" fmla="*/ 3476412 h 6858000"/>
+              <a:gd name="connsiteX108" fmla="*/ 5069684 w 6096000"/>
+              <a:gd name="connsiteY108" fmla="*/ 3486850 h 6858000"/>
+              <a:gd name="connsiteX109" fmla="*/ 5063339 w 6096000"/>
+              <a:gd name="connsiteY109" fmla="*/ 3496391 h 6858000"/>
+              <a:gd name="connsiteX110" fmla="*/ 5070139 w 6096000"/>
+              <a:gd name="connsiteY110" fmla="*/ 3531201 h 6858000"/>
+              <a:gd name="connsiteX111" fmla="*/ 5079896 w 6096000"/>
+              <a:gd name="connsiteY111" fmla="*/ 3542019 h 6858000"/>
+              <a:gd name="connsiteX112" fmla="*/ 5087540 w 6096000"/>
+              <a:gd name="connsiteY112" fmla="*/ 3552249 h 6858000"/>
+              <a:gd name="connsiteX113" fmla="*/ 5087902 w 6096000"/>
+              <a:gd name="connsiteY113" fmla="*/ 3553678 h 6858000"/>
+              <a:gd name="connsiteX114" fmla="*/ 5091509 w 6096000"/>
+              <a:gd name="connsiteY114" fmla="*/ 3568021 h 6858000"/>
+              <a:gd name="connsiteX115" fmla="*/ 5091934 w 6096000"/>
+              <a:gd name="connsiteY115" fmla="*/ 3569719 h 6858000"/>
+              <a:gd name="connsiteX116" fmla="*/ 5089362 w 6096000"/>
+              <a:gd name="connsiteY116" fmla="*/ 3586412 h 6858000"/>
+              <a:gd name="connsiteX117" fmla="*/ 5092358 w 6096000"/>
+              <a:gd name="connsiteY117" fmla="*/ 3597336 h 6858000"/>
+              <a:gd name="connsiteX118" fmla="*/ 5084254 w 6096000"/>
+              <a:gd name="connsiteY118" fmla="*/ 3606007 h 6858000"/>
+              <a:gd name="connsiteX119" fmla="*/ 5084281 w 6096000"/>
+              <a:gd name="connsiteY119" fmla="*/ 3641228 h 6858000"/>
+              <a:gd name="connsiteX120" fmla="*/ 5091848 w 6096000"/>
+              <a:gd name="connsiteY120" fmla="*/ 3653088 h 6858000"/>
+              <a:gd name="connsiteX121" fmla="*/ 5097436 w 6096000"/>
+              <a:gd name="connsiteY121" fmla="*/ 3664114 h 6858000"/>
+              <a:gd name="connsiteX122" fmla="*/ 5097518 w 6096000"/>
+              <a:gd name="connsiteY122" fmla="*/ 3665569 h 6858000"/>
+              <a:gd name="connsiteX123" fmla="*/ 5099829 w 6096000"/>
+              <a:gd name="connsiteY123" fmla="*/ 3707357 h 6858000"/>
+              <a:gd name="connsiteX124" fmla="*/ 5114696 w 6096000"/>
+              <a:gd name="connsiteY124" fmla="*/ 3778166 h 6858000"/>
+              <a:gd name="connsiteX125" fmla="*/ 5135379 w 6096000"/>
+              <a:gd name="connsiteY125" fmla="*/ 3878222 h 6858000"/>
+              <a:gd name="connsiteX126" fmla="*/ 5130138 w 6096000"/>
+              <a:gd name="connsiteY126" fmla="*/ 4048117 h 6858000"/>
+              <a:gd name="connsiteX127" fmla="*/ 5090040 w 6096000"/>
+              <a:gd name="connsiteY127" fmla="*/ 4219510 h 6858000"/>
+              <a:gd name="connsiteX128" fmla="*/ 5092812 w 6096000"/>
+              <a:gd name="connsiteY128" fmla="*/ 4411258 h 6858000"/>
+              <a:gd name="connsiteX129" fmla="*/ 5084599 w 6096000"/>
+              <a:gd name="connsiteY129" fmla="*/ 4488531 h 6858000"/>
+              <a:gd name="connsiteX130" fmla="*/ 5084072 w 6096000"/>
+              <a:gd name="connsiteY130" fmla="*/ 4539168 h 6858000"/>
+              <a:gd name="connsiteX131" fmla="*/ 5068936 w 6096000"/>
+              <a:gd name="connsiteY131" fmla="*/ 4625153 h 6858000"/>
+              <a:gd name="connsiteX132" fmla="*/ 5059114 w 6096000"/>
+              <a:gd name="connsiteY132" fmla="*/ 4733115 h 6858000"/>
+              <a:gd name="connsiteX133" fmla="*/ 5037209 w 6096000"/>
+              <a:gd name="connsiteY133" fmla="*/ 4844323 h 6858000"/>
+              <a:gd name="connsiteX134" fmla="*/ 5020638 w 6096000"/>
+              <a:gd name="connsiteY134" fmla="*/ 4877992 h 6858000"/>
+              <a:gd name="connsiteX135" fmla="*/ 5006413 w 6096000"/>
+              <a:gd name="connsiteY135" fmla="*/ 4925805 h 6858000"/>
+              <a:gd name="connsiteX136" fmla="*/ 4971037 w 6096000"/>
+              <a:gd name="connsiteY136" fmla="*/ 5009272 h 6858000"/>
+              <a:gd name="connsiteX137" fmla="*/ 4963105 w 6096000"/>
+              <a:gd name="connsiteY137" fmla="*/ 5111369 h 6858000"/>
+              <a:gd name="connsiteX138" fmla="*/ 4976341 w 6096000"/>
+              <a:gd name="connsiteY138" fmla="*/ 5210876 h 6858000"/>
+              <a:gd name="connsiteX139" fmla="*/ 4980617 w 6096000"/>
+              <a:gd name="connsiteY139" fmla="*/ 5269726 h 6858000"/>
+              <a:gd name="connsiteX140" fmla="*/ 4997733 w 6096000"/>
+              <a:gd name="connsiteY140" fmla="*/ 5464225 h 6858000"/>
+              <a:gd name="connsiteX141" fmla="*/ 5001400 w 6096000"/>
+              <a:gd name="connsiteY141" fmla="*/ 5594585 h 6858000"/>
+              <a:gd name="connsiteX142" fmla="*/ 4983700 w 6096000"/>
+              <a:gd name="connsiteY142" fmla="*/ 5667896 h 6858000"/>
+              <a:gd name="connsiteX143" fmla="*/ 4968506 w 6096000"/>
+              <a:gd name="connsiteY143" fmla="*/ 5769225 h 6858000"/>
+              <a:gd name="connsiteX144" fmla="*/ 4969765 w 6096000"/>
+              <a:gd name="connsiteY144" fmla="*/ 5823324 h 6858000"/>
+              <a:gd name="connsiteX145" fmla="*/ 4966129 w 6096000"/>
+              <a:gd name="connsiteY145" fmla="*/ 5862699 h 6858000"/>
+              <a:gd name="connsiteX146" fmla="*/ 4970695 w 6096000"/>
+              <a:gd name="connsiteY146" fmla="*/ 5906467 h 6858000"/>
+              <a:gd name="connsiteX147" fmla="*/ 4991568 w 6096000"/>
+              <a:gd name="connsiteY147" fmla="*/ 5939847 h 6858000"/>
+              <a:gd name="connsiteX148" fmla="*/ 4986815 w 6096000"/>
+              <a:gd name="connsiteY148" fmla="*/ 5973994 h 6858000"/>
+              <a:gd name="connsiteX149" fmla="*/ 4987776 w 6096000"/>
+              <a:gd name="connsiteY149" fmla="*/ 6089693 h 6858000"/>
+              <a:gd name="connsiteX150" fmla="*/ 4991621 w 6096000"/>
+              <a:gd name="connsiteY150" fmla="*/ 6224938 h 6858000"/>
+              <a:gd name="connsiteX151" fmla="*/ 5017157 w 6096000"/>
+              <a:gd name="connsiteY151" fmla="*/ 6370251 h 6858000"/>
+              <a:gd name="connsiteX152" fmla="*/ 5040797 w 6096000"/>
+              <a:gd name="connsiteY152" fmla="*/ 6541313 h 6858000"/>
+              <a:gd name="connsiteX153" fmla="*/ 5045375 w 6096000"/>
+              <a:gd name="connsiteY153" fmla="*/ 6640957 h 6858000"/>
+              <a:gd name="connsiteX154" fmla="*/ 5058442 w 6096000"/>
+              <a:gd name="connsiteY154" fmla="*/ 6705297 h 6858000"/>
+              <a:gd name="connsiteX155" fmla="*/ 5071125 w 6096000"/>
+              <a:gd name="connsiteY155" fmla="*/ 6759582 h 6858000"/>
+              <a:gd name="connsiteX156" fmla="*/ 5069172 w 6096000"/>
+              <a:gd name="connsiteY156" fmla="*/ 6817746 h 6858000"/>
+              <a:gd name="connsiteX157" fmla="*/ 5072322 w 6096000"/>
+              <a:gd name="connsiteY157" fmla="*/ 6843646 h 6858000"/>
+              <a:gd name="connsiteX158" fmla="*/ 5091388 w 6096000"/>
+              <a:gd name="connsiteY158" fmla="*/ 6857998 h 6858000"/>
+              <a:gd name="connsiteX159" fmla="*/ 6096000 w 6096000"/>
+              <a:gd name="connsiteY159" fmla="*/ 6857998 h 6858000"/>
+              <a:gd name="connsiteX160" fmla="*/ 6096000 w 6096000"/>
+              <a:gd name="connsiteY160" fmla="*/ 6858000 h 6858000"/>
+              <a:gd name="connsiteX161" fmla="*/ 0 w 6096000"/>
+              <a:gd name="connsiteY161" fmla="*/ 6858000 h 6858000"/>
+            </a:gdLst>
+            <a:ahLst/>
+            <a:cxnLst>
+              <a:cxn ang="0">
+                <a:pos x="connsiteX0" y="connsiteY0"/>
+              </a:cxn>
+              <a:cxn ang="0">
+                <a:pos x="connsiteX1" y="connsiteY1"/>
+              </a:cxn>
+              <a:cxn ang="0">
+                <a:pos x="connsiteX2" y="connsiteY2"/>
+              </a:cxn>
+              <a:cxn ang="0">
+                <a:pos x="connsiteX3" y="connsiteY3"/>
+              </a:cxn>
+              <a:cxn ang="0">
+                <a:pos x="connsiteX4" y="connsiteY4"/>
+              </a:cxn>
+              <a:cxn ang="0">
+                <a:pos x="connsiteX5" y="connsiteY5"/>
+              </a:cxn>
+              <a:cxn ang="0">
+                <a:pos x="connsiteX6" y="connsiteY6"/>
+              </a:cxn>
+              <a:cxn ang="0">
+                <a:pos x="connsiteX7" y="connsiteY7"/>
+              </a:cxn>
+              <a:cxn ang="0">
+                <a:pos x="connsiteX8" y="connsiteY8"/>
+              </a:cxn>
+              <a:cxn ang="0">
+                <a:pos x="connsiteX9" y="connsiteY9"/>
+              </a:cxn>
+              <a:cxn ang="0">
+                <a:pos x="connsiteX10" y="connsiteY10"/>
+              </a:cxn>
+              <a:cxn ang="0">
+                <a:pos x="connsiteX11" y="connsiteY11"/>
+              </a:cxn>
+              <a:cxn ang="0">
+                <a:pos x="connsiteX12" y="connsiteY12"/>
+              </a:cxn>
+              <a:cxn ang="0">
+                <a:pos x="connsiteX13" y="connsiteY13"/>
+              </a:cxn>
+              <a:cxn ang="0">
+                <a:pos x="connsiteX14" y="connsiteY14"/>
+              </a:cxn>
+              <a:cxn ang="0">
+                <a:pos x="connsiteX15" y="connsiteY15"/>
+              </a:cxn>
+              <a:cxn ang="0">
+                <a:pos x="connsiteX16" y="connsiteY16"/>
+              </a:cxn>
+              <a:cxn ang="0">
+                <a:pos x="connsiteX17" y="connsiteY17"/>
+              </a:cxn>
+              <a:cxn ang="0">
+                <a:pos x="connsiteX18" y="connsiteY18"/>
+              </a:cxn>
+              <a:cxn ang="0">
+                <a:pos x="connsiteX19" y="connsiteY19"/>
+              </a:cxn>
+              <a:cxn ang="0">
+                <a:pos x="connsiteX20" y="connsiteY20"/>
+              </a:cxn>
+              <a:cxn ang="0">
+                <a:pos x="connsiteX21" y="connsiteY21"/>
+              </a:cxn>
+              <a:cxn ang="0">
+                <a:pos x="connsiteX22" y="connsiteY22"/>
+              </a:cxn>
+              <a:cxn ang="0">
+                <a:pos x="connsiteX23" y="connsiteY23"/>
+              </a:cxn>
+              <a:cxn ang="0">
+                <a:pos x="connsiteX24" y="connsiteY24"/>
+              </a:cxn>
+              <a:cxn ang="0">
+                <a:pos x="connsiteX25" y="connsiteY25"/>
+              </a:cxn>
+              <a:cxn ang="0">
+                <a:pos x="connsiteX26" y="connsiteY26"/>
+              </a:cxn>
+              <a:cxn ang="0">
+                <a:pos x="connsiteX27" y="connsiteY27"/>
+              </a:cxn>
+              <a:cxn ang="0">
+                <a:pos x="connsiteX28" y="connsiteY28"/>
+              </a:cxn>
+              <a:cxn ang="0">
+                <a:pos x="connsiteX29" y="connsiteY29"/>
+              </a:cxn>
+              <a:cxn ang="0">
+                <a:pos x="connsiteX30" y="connsiteY30"/>
+              </a:cxn>
+              <a:cxn ang="0">
+                <a:pos x="connsiteX31" y="connsiteY31"/>
+              </a:cxn>
+              <a:cxn ang="0">
+                <a:pos x="connsiteX32" y="connsiteY32"/>
+              </a:cxn>
+              <a:cxn ang="0">
+                <a:pos x="connsiteX33" y="connsiteY33"/>
+              </a:cxn>
+              <a:cxn ang="0">
+                <a:pos x="connsiteX34" y="connsiteY34"/>
+              </a:cxn>
+              <a:cxn ang="0">
+                <a:pos x="connsiteX35" y="connsiteY35"/>
+              </a:cxn>
+              <a:cxn ang="0">
+                <a:pos x="connsiteX36" y="connsiteY36"/>
+              </a:cxn>
+              <a:cxn ang="0">
+                <a:pos x="connsiteX37" y="connsiteY37"/>
+              </a:cxn>
+              <a:cxn ang="0">
+                <a:pos x="connsiteX38" y="connsiteY38"/>
+              </a:cxn>
+              <a:cxn ang="0">
+                <a:pos x="connsiteX39" y="connsiteY39"/>
+              </a:cxn>
+              <a:cxn ang="0">
+                <a:pos x="connsiteX40" y="connsiteY40"/>
+              </a:cxn>
+              <a:cxn ang="0">
+                <a:pos x="connsiteX41" y="connsiteY41"/>
+              </a:cxn>
+              <a:cxn ang="0">
+                <a:pos x="connsiteX42" y="connsiteY42"/>
+              </a:cxn>
+              <a:cxn ang="0">
+                <a:pos x="connsiteX43" y="connsiteY43"/>
+              </a:cxn>
+              <a:cxn ang="0">
+                <a:pos x="connsiteX44" y="connsiteY44"/>
+              </a:cxn>
+              <a:cxn ang="0">
+                <a:pos x="connsiteX45" y="connsiteY45"/>
+              </a:cxn>
+              <a:cxn ang="0">
+                <a:pos x="connsiteX46" y="connsiteY46"/>
+              </a:cxn>
+              <a:cxn ang="0">
+                <a:pos x="connsiteX47" y="connsiteY47"/>
+              </a:cxn>
+              <a:cxn ang="0">
+                <a:pos x="connsiteX48" y="connsiteY48"/>
+              </a:cxn>
+              <a:cxn ang="0">
+                <a:pos x="connsiteX49" y="connsiteY49"/>
+              </a:cxn>
+              <a:cxn ang="0">
+                <a:pos x="connsiteX50" y="connsiteY50"/>
+              </a:cxn>
+              <a:cxn ang="0">
+                <a:pos x="connsiteX51" y="connsiteY51"/>
+              </a:cxn>
+              <a:cxn ang="0">
+                <a:pos x="connsiteX52" y="connsiteY52"/>
+              </a:cxn>
+              <a:cxn ang="0">
+                <a:pos x="connsiteX53" y="connsiteY53"/>
+              </a:cxn>
+              <a:cxn ang="0">
+                <a:pos x="connsiteX54" y="connsiteY54"/>
+              </a:cxn>
+              <a:cxn ang="0">
+                <a:pos x="connsiteX55" y="connsiteY55"/>
+              </a:cxn>
+              <a:cxn ang="0">
+                <a:pos x="connsiteX56" y="connsiteY56"/>
+              </a:cxn>
+              <a:cxn ang="0">
+                <a:pos x="connsiteX57" y="connsiteY57"/>
+              </a:cxn>
+              <a:cxn ang="0">
+                <a:pos x="connsiteX58" y="connsiteY58"/>
+              </a:cxn>
+              <a:cxn ang="0">
+                <a:pos x="connsiteX59" y="connsiteY59"/>
+              </a:cxn>
+              <a:cxn ang="0">
+                <a:pos x="connsiteX60" y="connsiteY60"/>
+              </a:cxn>
+              <a:cxn ang="0">
+                <a:pos x="connsiteX61" y="connsiteY61"/>
+              </a:cxn>
+              <a:cxn ang="0">
+                <a:pos x="connsiteX62" y="connsiteY62"/>
+              </a:cxn>
+              <a:cxn ang="0">
+                <a:pos x="connsiteX63" y="connsiteY63"/>
+              </a:cxn>
+              <a:cxn ang="0">
+                <a:pos x="connsiteX64" y="connsiteY64"/>
+              </a:cxn>
+              <a:cxn ang="0">
+                <a:pos x="connsiteX65" y="connsiteY65"/>
+              </a:cxn>
+              <a:cxn ang="0">
+                <a:pos x="connsiteX66" y="connsiteY66"/>
+              </a:cxn>
+              <a:cxn ang="0">
+                <a:pos x="connsiteX67" y="connsiteY67"/>
+              </a:cxn>
+              <a:cxn ang="0">
+                <a:pos x="connsiteX68" y="connsiteY68"/>
+              </a:cxn>
+              <a:cxn ang="0">
+                <a:pos x="connsiteX69" y="connsiteY69"/>
+              </a:cxn>
+              <a:cxn ang="0">
+                <a:pos x="connsiteX70" y="connsiteY70"/>
+              </a:cxn>
+              <a:cxn ang="0">
+                <a:pos x="connsiteX71" y="connsiteY71"/>
+              </a:cxn>
+              <a:cxn ang="0">
+                <a:pos x="connsiteX72" y="connsiteY72"/>
+              </a:cxn>
+              <a:cxn ang="0">
+                <a:pos x="connsiteX73" y="connsiteY73"/>
+              </a:cxn>
+              <a:cxn ang="0">
+                <a:pos x="connsiteX74" y="connsiteY74"/>
+              </a:cxn>
+              <a:cxn ang="0">
+                <a:pos x="connsiteX75" y="connsiteY75"/>
+              </a:cxn>
+              <a:cxn ang="0">
+                <a:pos x="connsiteX76" y="connsiteY76"/>
+              </a:cxn>
+              <a:cxn ang="0">
+                <a:pos x="connsiteX77" y="connsiteY77"/>
+              </a:cxn>
+              <a:cxn ang="0">
+                <a:pos x="connsiteX78" y="connsiteY78"/>
+              </a:cxn>
+              <a:cxn ang="0">
+                <a:pos x="connsiteX79" y="connsiteY79"/>
+              </a:cxn>
+              <a:cxn ang="0">
+                <a:pos x="connsiteX80" y="connsiteY80"/>
+              </a:cxn>
+              <a:cxn ang="0">
+                <a:pos x="connsiteX81" y="connsiteY81"/>
+              </a:cxn>
+              <a:cxn ang="0">
+                <a:pos x="connsiteX82" y="connsiteY82"/>
+              </a:cxn>
+              <a:cxn ang="0">
+                <a:pos x="connsiteX83" y="connsiteY83"/>
+              </a:cxn>
+              <a:cxn ang="0">
+                <a:pos x="connsiteX84" y="connsiteY84"/>
+              </a:cxn>
+              <a:cxn ang="0">
+                <a:pos x="connsiteX85" y="connsiteY85"/>
+              </a:cxn>
+              <a:cxn ang="0">
+                <a:pos x="connsiteX86" y="connsiteY86"/>
+              </a:cxn>
+              <a:cxn ang="0">
+                <a:pos x="connsiteX87" y="connsiteY87"/>
+              </a:cxn>
+              <a:cxn ang="0">
+                <a:pos x="connsiteX88" y="connsiteY88"/>
+              </a:cxn>
+              <a:cxn ang="0">
+                <a:pos x="connsiteX89" y="connsiteY89"/>
+              </a:cxn>
+              <a:cxn ang="0">
+                <a:pos x="connsiteX90" y="connsiteY90"/>
+              </a:cxn>
+              <a:cxn ang="0">
+                <a:pos x="connsiteX91" y="connsiteY91"/>
+              </a:cxn>
+              <a:cxn ang="0">
+                <a:pos x="connsiteX92" y="connsiteY92"/>
+              </a:cxn>
+              <a:cxn ang="0">
+                <a:pos x="connsiteX93" y="connsiteY93"/>
+              </a:cxn>
+              <a:cxn ang="0">
+                <a:pos x="connsiteX94" y="connsiteY94"/>
+              </a:cxn>
+              <a:cxn ang="0">
+                <a:pos x="connsiteX95" y="connsiteY95"/>
+              </a:cxn>
+              <a:cxn ang="0">
+                <a:pos x="connsiteX96" y="connsiteY96"/>
+              </a:cxn>
+              <a:cxn ang="0">
+                <a:pos x="connsiteX97" y="connsiteY97"/>
+              </a:cxn>
+              <a:cxn ang="0">
+                <a:pos x="connsiteX98" y="connsiteY98"/>
+              </a:cxn>
+              <a:cxn ang="0">
+                <a:pos x="connsiteX99" y="connsiteY99"/>
+              </a:cxn>
+              <a:cxn ang="0">
+                <a:pos x="connsiteX100" y="connsiteY100"/>
+              </a:cxn>
+              <a:cxn ang="0">
+                <a:pos x="connsiteX101" y="connsiteY101"/>
+              </a:cxn>
+              <a:cxn ang="0">
+                <a:pos x="connsiteX102" y="connsiteY102"/>
+              </a:cxn>
+              <a:cxn ang="0">
+                <a:pos x="connsiteX103" y="connsiteY103"/>
+              </a:cxn>
+              <a:cxn ang="0">
+                <a:pos x="connsiteX104" y="connsiteY104"/>
+              </a:cxn>
+              <a:cxn ang="0">
+                <a:pos x="connsiteX105" y="connsiteY105"/>
+              </a:cxn>
+              <a:cxn ang="0">
+                <a:pos x="connsiteX106" y="connsiteY106"/>
+              </a:cxn>
+              <a:cxn ang="0">
+                <a:pos x="connsiteX107" y="connsiteY107"/>
+              </a:cxn>
+              <a:cxn ang="0">
+                <a:pos x="connsiteX108" y="connsiteY108"/>
+              </a:cxn>
+              <a:cxn ang="0">
+                <a:pos x="connsiteX109" y="connsiteY109"/>
+              </a:cxn>
+              <a:cxn ang="0">
+                <a:pos x="connsiteX110" y="connsiteY110"/>
+              </a:cxn>
+              <a:cxn ang="0">
+                <a:pos x="connsiteX111" y="connsiteY111"/>
+              </a:cxn>
+              <a:cxn ang="0">
+                <a:pos x="connsiteX112" y="connsiteY112"/>
+              </a:cxn>
+              <a:cxn ang="0">
+                <a:pos x="connsiteX113" y="connsiteY113"/>
+              </a:cxn>
+              <a:cxn ang="0">
+                <a:pos x="connsiteX114" y="connsiteY114"/>
+              </a:cxn>
+              <a:cxn ang="0">
+                <a:pos x="connsiteX115" y="connsiteY115"/>
+              </a:cxn>
+              <a:cxn ang="0">
+                <a:pos x="connsiteX116" y="connsiteY116"/>
+              </a:cxn>
+              <a:cxn ang="0">
+                <a:pos x="connsiteX117" y="connsiteY117"/>
+              </a:cxn>
+              <a:cxn ang="0">
+                <a:pos x="connsiteX118" y="connsiteY118"/>
+              </a:cxn>
+              <a:cxn ang="0">
+                <a:pos x="connsiteX119" y="connsiteY119"/>
+              </a:cxn>
+              <a:cxn ang="0">
+                <a:pos x="connsiteX120" y="connsiteY120"/>
+              </a:cxn>
+              <a:cxn ang="0">
+                <a:pos x="connsiteX121" y="connsiteY121"/>
+              </a:cxn>
+              <a:cxn ang="0">
+                <a:pos x="connsiteX122" y="connsiteY122"/>
+              </a:cxn>
+              <a:cxn ang="0">
+                <a:pos x="connsiteX123" y="connsiteY123"/>
+              </a:cxn>
+              <a:cxn ang="0">
+                <a:pos x="connsiteX124" y="connsiteY124"/>
+              </a:cxn>
+              <a:cxn ang="0">
+                <a:pos x="connsiteX125" y="connsiteY125"/>
+              </a:cxn>
+              <a:cxn ang="0">
+                <a:pos x="connsiteX126" y="connsiteY126"/>
+              </a:cxn>
+              <a:cxn ang="0">
+                <a:pos x="connsiteX127" y="connsiteY127"/>
+              </a:cxn>
+              <a:cxn ang="0">
+                <a:pos x="connsiteX128" y="connsiteY128"/>
+              </a:cxn>
+              <a:cxn ang="0">
+                <a:pos x="connsiteX129" y="connsiteY129"/>
+              </a:cxn>
+              <a:cxn ang="0">
+                <a:pos x="connsiteX130" y="connsiteY130"/>
+              </a:cxn>
+              <a:cxn ang="0">
+                <a:pos x="connsiteX131" y="connsiteY131"/>
+              </a:cxn>
+              <a:cxn ang="0">
+                <a:pos x="connsiteX132" y="connsiteY132"/>
+              </a:cxn>
+              <a:cxn ang="0">
+                <a:pos x="connsiteX133" y="connsiteY133"/>
+              </a:cxn>
+              <a:cxn ang="0">
+                <a:pos x="connsiteX134" y="connsiteY134"/>
+              </a:cxn>
+              <a:cxn ang="0">
+                <a:pos x="connsiteX135" y="connsiteY135"/>
+              </a:cxn>
+              <a:cxn ang="0">
+                <a:pos x="connsiteX136" y="connsiteY136"/>
+              </a:cxn>
+              <a:cxn ang="0">
+                <a:pos x="connsiteX137" y="connsiteY137"/>
+              </a:cxn>
+              <a:cxn ang="0">
+                <a:pos x="connsiteX138" y="connsiteY138"/>
+              </a:cxn>
+              <a:cxn ang="0">
+                <a:pos x="connsiteX139" y="connsiteY139"/>
+              </a:cxn>
+              <a:cxn ang="0">
+                <a:pos x="connsiteX140" y="connsiteY140"/>
+              </a:cxn>
+              <a:cxn ang="0">
+                <a:pos x="connsiteX141" y="connsiteY141"/>
+              </a:cxn>
+              <a:cxn ang="0">
+                <a:pos x="connsiteX142" y="connsiteY142"/>
+              </a:cxn>
+              <a:cxn ang="0">
+                <a:pos x="connsiteX143" y="connsiteY143"/>
+              </a:cxn>
+              <a:cxn ang="0">
+                <a:pos x="connsiteX144" y="connsiteY144"/>
+              </a:cxn>
+              <a:cxn ang="0">
+                <a:pos x="connsiteX145" y="connsiteY145"/>
+              </a:cxn>
+              <a:cxn ang="0">
+                <a:pos x="connsiteX146" y="connsiteY146"/>
+              </a:cxn>
+              <a:cxn ang="0">
+                <a:pos x="connsiteX147" y="connsiteY147"/>
+              </a:cxn>
+              <a:cxn ang="0">
+                <a:pos x="connsiteX148" y="connsiteY148"/>
+              </a:cxn>
+              <a:cxn ang="0">
+                <a:pos x="connsiteX149" y="connsiteY149"/>
+              </a:cxn>
+              <a:cxn ang="0">
+                <a:pos x="connsiteX150" y="connsiteY150"/>
+              </a:cxn>
+              <a:cxn ang="0">
+                <a:pos x="connsiteX151" y="connsiteY151"/>
+              </a:cxn>
+              <a:cxn ang="0">
+                <a:pos x="connsiteX152" y="connsiteY152"/>
+              </a:cxn>
+              <a:cxn ang="0">
+                <a:pos x="connsiteX153" y="connsiteY153"/>
+              </a:cxn>
+              <a:cxn ang="0">
+                <a:pos x="connsiteX154" y="connsiteY154"/>
+              </a:cxn>
+              <a:cxn ang="0">
+                <a:pos x="connsiteX155" y="connsiteY155"/>
+              </a:cxn>
+              <a:cxn ang="0">
+                <a:pos x="connsiteX156" y="connsiteY156"/>
+              </a:cxn>
+              <a:cxn ang="0">
+                <a:pos x="connsiteX157" y="connsiteY157"/>
+              </a:cxn>
+              <a:cxn ang="0">
+                <a:pos x="connsiteX158" y="connsiteY158"/>
+              </a:cxn>
+              <a:cxn ang="0">
+                <a:pos x="connsiteX159" y="connsiteY159"/>
+              </a:cxn>
+              <a:cxn ang="0">
+                <a:pos x="connsiteX160" y="connsiteY160"/>
+              </a:cxn>
+              <a:cxn ang="0">
+                <a:pos x="connsiteX161" y="connsiteY161"/>
+              </a:cxn>
+            </a:cxnLst>
+            <a:rect l="l" t="t" r="r" b="b"/>
+            <a:pathLst>
+              <a:path w="6096000" h="6858000">
+                <a:moveTo>
+                  <a:pt x="0" y="0"/>
+                </a:moveTo>
+                <a:lnTo>
+                  <a:pt x="5567517" y="0"/>
+                </a:lnTo>
+                <a:lnTo>
+                  <a:pt x="5566938" y="1705"/>
+                </a:lnTo>
+                <a:cubicBezTo>
+                  <a:pt x="5563126" y="8440"/>
+                  <a:pt x="5558112" y="13784"/>
+                  <a:pt x="5551594" y="17287"/>
+                </a:cubicBezTo>
+                <a:cubicBezTo>
+                  <a:pt x="5562364" y="82036"/>
+                  <a:pt x="5510349" y="69804"/>
+                  <a:pt x="5545641" y="130336"/>
+                </a:cubicBezTo>
+                <a:cubicBezTo>
+                  <a:pt x="5526953" y="117589"/>
+                  <a:pt x="5536978" y="162458"/>
+                  <a:pt x="5538289" y="187093"/>
+                </a:cubicBezTo>
+                <a:cubicBezTo>
+                  <a:pt x="5536205" y="226511"/>
+                  <a:pt x="5545722" y="205530"/>
+                  <a:pt x="5545790" y="265704"/>
+                </a:cubicBezTo>
+                <a:cubicBezTo>
+                  <a:pt x="5542296" y="317533"/>
+                  <a:pt x="5543813" y="325288"/>
+                  <a:pt x="5542313" y="354566"/>
+                </a:cubicBezTo>
+                <a:lnTo>
+                  <a:pt x="5524126" y="472000"/>
+                </a:lnTo>
+                <a:lnTo>
+                  <a:pt x="5522170" y="473782"/>
+                </a:lnTo>
+                <a:cubicBezTo>
+                  <a:pt x="5517847" y="482008"/>
+                  <a:pt x="5518682" y="487340"/>
+                  <a:pt x="5521798" y="491380"/>
+                </a:cubicBezTo>
+                <a:lnTo>
+                  <a:pt x="5536419" y="531675"/>
+                </a:lnTo>
+                <a:lnTo>
+                  <a:pt x="5533435" y="536015"/>
+                </a:lnTo>
+                <a:lnTo>
+                  <a:pt x="5538088" y="572092"/>
+                </a:lnTo>
+                <a:lnTo>
+                  <a:pt x="5536061" y="572511"/>
+                </a:lnTo>
+                <a:cubicBezTo>
+                  <a:pt x="5531611" y="574271"/>
+                  <a:pt x="5528529" y="577121"/>
+                  <a:pt x="5528218" y="582332"/>
+                </a:cubicBezTo>
+                <a:cubicBezTo>
+                  <a:pt x="5498002" y="573171"/>
+                  <a:pt x="5516262" y="585107"/>
+                  <a:pt x="5518011" y="601285"/>
+                </a:cubicBezTo>
+                <a:cubicBezTo>
+                  <a:pt x="5508838" y="617831"/>
+                  <a:pt x="5480684" y="666964"/>
+                  <a:pt x="5473174" y="681608"/>
+                </a:cubicBezTo>
+                <a:cubicBezTo>
+                  <a:pt x="5473102" y="684122"/>
+                  <a:pt x="5473033" y="686637"/>
+                  <a:pt x="5472963" y="689151"/>
+                </a:cubicBezTo>
+                <a:lnTo>
+                  <a:pt x="5472485" y="689289"/>
+                </a:lnTo>
+                <a:cubicBezTo>
+                  <a:pt x="5471434" y="690905"/>
+                  <a:pt x="5470986" y="693376"/>
+                  <a:pt x="5471326" y="697222"/>
+                </a:cubicBezTo>
+                <a:cubicBezTo>
+                  <a:pt x="5471606" y="703992"/>
+                  <a:pt x="5471884" y="710761"/>
+                  <a:pt x="5472164" y="717531"/>
+                </a:cubicBezTo>
+                <a:lnTo>
+                  <a:pt x="5468891" y="722494"/>
+                </a:lnTo>
+                <a:lnTo>
+                  <a:pt x="5463081" y="724368"/>
+                </a:lnTo>
+                <a:lnTo>
+                  <a:pt x="5446981" y="752692"/>
+                </a:lnTo>
+                <a:cubicBezTo>
+                  <a:pt x="5454691" y="764380"/>
+                  <a:pt x="5422719" y="808083"/>
+                  <a:pt x="5417190" y="816346"/>
+                </a:cubicBezTo>
+                <a:lnTo>
+                  <a:pt x="5388958" y="889417"/>
+                </a:lnTo>
+                <a:cubicBezTo>
+                  <a:pt x="5320491" y="969963"/>
+                  <a:pt x="5321907" y="1005331"/>
+                  <a:pt x="5307044" y="1063288"/>
+                </a:cubicBezTo>
+                <a:cubicBezTo>
+                  <a:pt x="5313332" y="1111028"/>
+                  <a:pt x="5317096" y="1110140"/>
+                  <a:pt x="5303837" y="1157176"/>
+                </a:cubicBezTo>
+                <a:cubicBezTo>
+                  <a:pt x="5301103" y="1192124"/>
+                  <a:pt x="5301884" y="1197232"/>
+                  <a:pt x="5286494" y="1210776"/>
+                </a:cubicBezTo>
+                <a:lnTo>
+                  <a:pt x="5282463" y="1301993"/>
+                </a:lnTo>
+                <a:lnTo>
+                  <a:pt x="5252235" y="1360879"/>
+                </a:lnTo>
+                <a:lnTo>
+                  <a:pt x="5244497" y="1404045"/>
+                </a:lnTo>
+                <a:lnTo>
+                  <a:pt x="5223823" y="1429568"/>
+                </a:lnTo>
+                <a:lnTo>
+                  <a:pt x="5224851" y="1430305"/>
+                </a:lnTo>
+                <a:cubicBezTo>
+                  <a:pt x="5226697" y="1432466"/>
+                  <a:pt x="5214738" y="1459891"/>
+                  <a:pt x="5212394" y="1463304"/>
+                </a:cubicBezTo>
+                <a:cubicBezTo>
+                  <a:pt x="5209912" y="1477394"/>
+                  <a:pt x="5213027" y="1501295"/>
+                  <a:pt x="5209958" y="1514846"/>
+                </a:cubicBezTo>
+                <a:lnTo>
+                  <a:pt x="5206417" y="1519731"/>
+                </a:lnTo>
+                <a:lnTo>
+                  <a:pt x="5206640" y="1519929"/>
+                </a:lnTo>
+                <a:cubicBezTo>
+                  <a:pt x="5206490" y="1521210"/>
+                  <a:pt x="5209710" y="1543635"/>
+                  <a:pt x="5207632" y="1546022"/>
+                </a:cubicBezTo>
+                <a:lnTo>
+                  <a:pt x="5212030" y="1578752"/>
+                </a:lnTo>
+                <a:cubicBezTo>
+                  <a:pt x="5206147" y="1605585"/>
+                  <a:pt x="5226381" y="1622803"/>
+                  <a:pt x="5203533" y="1647555"/>
+                </a:cubicBezTo>
+                <a:cubicBezTo>
+                  <a:pt x="5198128" y="1672675"/>
+                  <a:pt x="5203213" y="1694404"/>
+                  <a:pt x="5190877" y="1715685"/>
+                </a:cubicBezTo>
+                <a:cubicBezTo>
+                  <a:pt x="5196815" y="1724301"/>
+                  <a:pt x="5198098" y="1732435"/>
+                  <a:pt x="5184235" y="1740358"/>
+                </a:cubicBezTo>
+                <a:cubicBezTo>
+                  <a:pt x="5182625" y="1763793"/>
+                  <a:pt x="5198368" y="1769422"/>
+                  <a:pt x="5181475" y="1784314"/>
+                </a:cubicBezTo>
+                <a:cubicBezTo>
+                  <a:pt x="5205987" y="1797417"/>
+                  <a:pt x="5195246" y="1798221"/>
+                  <a:pt x="5185845" y="1804434"/>
+                </a:cubicBezTo>
+                <a:lnTo>
+                  <a:pt x="5185068" y="1805316"/>
+                </a:lnTo>
+                <a:lnTo>
+                  <a:pt x="5188593" y="1807109"/>
+                </a:lnTo>
+                <a:lnTo>
+                  <a:pt x="5185920" y="1821003"/>
+                </a:lnTo>
+                <a:lnTo>
+                  <a:pt x="5183543" y="1824832"/>
+                </a:lnTo>
+                <a:cubicBezTo>
+                  <a:pt x="5182284" y="1827468"/>
+                  <a:pt x="5181937" y="1829219"/>
+                  <a:pt x="5182235" y="1830429"/>
+                </a:cubicBezTo>
+                <a:lnTo>
+                  <a:pt x="5182525" y="1830569"/>
+                </a:lnTo>
+                <a:lnTo>
+                  <a:pt x="5180663" y="1835810"/>
+                </a:lnTo>
+                <a:cubicBezTo>
+                  <a:pt x="5176779" y="1844665"/>
+                  <a:pt x="5172297" y="1853278"/>
+                  <a:pt x="5167452" y="1861483"/>
+                </a:cubicBezTo>
+                <a:cubicBezTo>
+                  <a:pt x="5179827" y="1866643"/>
+                  <a:pt x="5166788" y="1884999"/>
+                  <a:pt x="5174266" y="1892417"/>
+                </a:cubicBezTo>
+                <a:lnTo>
+                  <a:pt x="5189262" y="1895114"/>
+                </a:lnTo>
+                <a:lnTo>
+                  <a:pt x="5187100" y="1899379"/>
+                </a:lnTo>
+                <a:lnTo>
+                  <a:pt x="5180471" y="1907867"/>
+                </a:lnTo>
+                <a:cubicBezTo>
+                  <a:pt x="5179609" y="1909162"/>
+                  <a:pt x="5179647" y="1909994"/>
+                  <a:pt x="5181361" y="1910265"/>
+                </a:cubicBezTo>
+                <a:cubicBezTo>
+                  <a:pt x="5180995" y="1914884"/>
+                  <a:pt x="5177893" y="1930292"/>
+                  <a:pt x="5178268" y="1935584"/>
+                </a:cubicBezTo>
+                <a:lnTo>
+                  <a:pt x="5183619" y="1942021"/>
+                </a:lnTo>
+                <a:lnTo>
+                  <a:pt x="5184480" y="1945112"/>
+                </a:lnTo>
+                <a:lnTo>
+                  <a:pt x="5172776" y="1961162"/>
+                </a:lnTo>
+                <a:lnTo>
+                  <a:pt x="5168513" y="1969445"/>
+                </a:lnTo>
+                <a:lnTo>
+                  <a:pt x="5126597" y="2024270"/>
+                </a:lnTo>
+                <a:lnTo>
+                  <a:pt x="5119528" y="2107942"/>
+                </a:lnTo>
+                <a:cubicBezTo>
+                  <a:pt x="5089290" y="2138038"/>
+                  <a:pt x="5110415" y="2159228"/>
+                  <a:pt x="5110356" y="2193455"/>
+                </a:cubicBezTo>
+                <a:cubicBezTo>
+                  <a:pt x="5101302" y="2220953"/>
+                  <a:pt x="5110381" y="2224200"/>
+                  <a:pt x="5104992" y="2260088"/>
+                </a:cubicBezTo>
+                <a:cubicBezTo>
+                  <a:pt x="5096504" y="2291744"/>
+                  <a:pt x="5078225" y="2299003"/>
+                  <a:pt x="5059439" y="2335735"/>
+                </a:cubicBezTo>
+                <a:cubicBezTo>
+                  <a:pt x="5029465" y="2329020"/>
+                  <a:pt x="5058046" y="2407546"/>
+                  <a:pt x="5022061" y="2408995"/>
+                </a:cubicBezTo>
+                <a:cubicBezTo>
+                  <a:pt x="5023289" y="2413465"/>
+                  <a:pt x="5019654" y="2441580"/>
+                  <a:pt x="5022253" y="2445869"/>
+                </a:cubicBezTo>
+                <a:cubicBezTo>
+                  <a:pt x="5022440" y="2449625"/>
+                  <a:pt x="5011241" y="2492743"/>
+                  <a:pt x="5011426" y="2496499"/>
+                </a:cubicBezTo>
+                <a:lnTo>
+                  <a:pt x="4994224" y="2549900"/>
+                </a:lnTo>
+                <a:cubicBezTo>
+                  <a:pt x="4992353" y="2564757"/>
+                  <a:pt x="4998952" y="2582253"/>
+                  <a:pt x="4995245" y="2596456"/>
+                </a:cubicBezTo>
+                <a:lnTo>
+                  <a:pt x="4988570" y="2606088"/>
+                </a:lnTo>
+                <a:cubicBezTo>
+                  <a:pt x="4988504" y="2615842"/>
+                  <a:pt x="4988436" y="2625597"/>
+                  <a:pt x="4988371" y="2635351"/>
+                </a:cubicBezTo>
+                <a:lnTo>
+                  <a:pt x="4983212" y="2665666"/>
+                </a:lnTo>
+                <a:lnTo>
+                  <a:pt x="4968234" y="2715895"/>
+                </a:lnTo>
+                <a:lnTo>
+                  <a:pt x="4975888" y="2725052"/>
+                </a:lnTo>
+                <a:lnTo>
+                  <a:pt x="4980195" y="2726489"/>
+                </a:lnTo>
+                <a:lnTo>
+                  <a:pt x="4976218" y="2740278"/>
+                </a:lnTo>
+                <a:lnTo>
+                  <a:pt x="4980571" y="2751112"/>
+                </a:lnTo>
+                <a:lnTo>
+                  <a:pt x="4973893" y="2760208"/>
+                </a:lnTo>
+                <a:lnTo>
+                  <a:pt x="4979005" y="2790136"/>
+                </a:lnTo>
+                <a:lnTo>
+                  <a:pt x="4986137" y="2804183"/>
+                </a:lnTo>
+                <a:cubicBezTo>
+                  <a:pt x="4986150" y="2811409"/>
+                  <a:pt x="4986162" y="2818634"/>
+                  <a:pt x="4986175" y="2825860"/>
+                </a:cubicBezTo>
+                <a:cubicBezTo>
+                  <a:pt x="4987474" y="2843788"/>
+                  <a:pt x="4992871" y="2886513"/>
+                  <a:pt x="4993936" y="2911749"/>
+                </a:cubicBezTo>
+                <a:cubicBezTo>
+                  <a:pt x="4993313" y="2946689"/>
+                  <a:pt x="4980300" y="2954448"/>
+                  <a:pt x="4992563" y="2977278"/>
+                </a:cubicBezTo>
+                <a:cubicBezTo>
+                  <a:pt x="4985688" y="2983455"/>
+                  <a:pt x="4982051" y="2987749"/>
+                  <a:pt x="4980516" y="2991092"/>
+                </a:cubicBezTo>
+                <a:cubicBezTo>
+                  <a:pt x="4975910" y="3001119"/>
+                  <a:pt x="4990216" y="3002537"/>
+                  <a:pt x="4992801" y="3020247"/>
+                </a:cubicBezTo>
+                <a:cubicBezTo>
+                  <a:pt x="4998517" y="3032637"/>
+                  <a:pt x="5013148" y="3051512"/>
+                  <a:pt x="5014805" y="3065434"/>
+                </a:cubicBezTo>
+                <a:cubicBezTo>
+                  <a:pt x="4998836" y="3057428"/>
+                  <a:pt x="5016840" y="3105196"/>
+                  <a:pt x="5002733" y="3103777"/>
+                </a:cubicBezTo>
+                <a:cubicBezTo>
+                  <a:pt x="5022381" y="3124610"/>
+                  <a:pt x="4997365" y="3128169"/>
+                  <a:pt x="5002941" y="3151828"/>
+                </a:cubicBezTo>
+                <a:cubicBezTo>
+                  <a:pt x="5010264" y="3163902"/>
+                  <a:pt x="5011356" y="3171780"/>
+                  <a:pt x="5002883" y="3180546"/>
+                </a:cubicBezTo>
+                <a:cubicBezTo>
+                  <a:pt x="5038586" y="3236545"/>
+                  <a:pt x="5003723" y="3210316"/>
+                  <a:pt x="5016711" y="3258677"/>
+                </a:cubicBezTo>
+                <a:lnTo>
+                  <a:pt x="5017918" y="3262610"/>
+                </a:lnTo>
+                <a:lnTo>
+                  <a:pt x="5011672" y="3277179"/>
+                </a:lnTo>
+                <a:lnTo>
+                  <a:pt x="5009344" y="3278130"/>
+                </a:lnTo>
+                <a:lnTo>
+                  <a:pt x="5026770" y="3325671"/>
+                </a:lnTo>
+                <a:lnTo>
+                  <a:pt x="5024571" y="3332072"/>
+                </a:lnTo>
+                <a:lnTo>
+                  <a:pt x="5041705" y="3362948"/>
+                </a:lnTo>
+                <a:lnTo>
+                  <a:pt x="5047477" y="3378959"/>
+                </a:lnTo>
+                <a:lnTo>
+                  <a:pt x="5060758" y="3407057"/>
+                </a:lnTo>
+                <a:lnTo>
+                  <a:pt x="5058968" y="3409825"/>
+                </a:lnTo>
+                <a:lnTo>
+                  <a:pt x="5062667" y="3415218"/>
+                </a:lnTo>
+                <a:lnTo>
+                  <a:pt x="5060928" y="3419880"/>
+                </a:lnTo>
+                <a:lnTo>
+                  <a:pt x="5062923" y="3424545"/>
+                </a:lnTo>
+                <a:cubicBezTo>
+                  <a:pt x="5063537" y="3433967"/>
+                  <a:pt x="5063494" y="3466028"/>
+                  <a:pt x="5064623" y="3476412"/>
+                </a:cubicBezTo>
+                <a:lnTo>
+                  <a:pt x="5069684" y="3486850"/>
+                </a:lnTo>
+                <a:lnTo>
+                  <a:pt x="5063339" y="3496391"/>
+                </a:lnTo>
+                <a:lnTo>
+                  <a:pt x="5070139" y="3531201"/>
+                </a:lnTo>
+                <a:lnTo>
+                  <a:pt x="5079896" y="3542019"/>
+                </a:lnTo>
+                <a:lnTo>
+                  <a:pt x="5087540" y="3552249"/>
+                </a:lnTo>
+                <a:lnTo>
+                  <a:pt x="5087902" y="3553678"/>
+                </a:lnTo>
+                <a:lnTo>
+                  <a:pt x="5091509" y="3568021"/>
+                </a:lnTo>
+                <a:lnTo>
+                  <a:pt x="5091934" y="3569719"/>
+                </a:lnTo>
+                <a:lnTo>
+                  <a:pt x="5089362" y="3586412"/>
+                </a:lnTo>
+                <a:lnTo>
+                  <a:pt x="5092358" y="3597336"/>
+                </a:lnTo>
+                <a:lnTo>
+                  <a:pt x="5084254" y="3606007"/>
+                </a:lnTo>
+                <a:cubicBezTo>
+                  <a:pt x="5084262" y="3617747"/>
+                  <a:pt x="5084273" y="3629488"/>
+                  <a:pt x="5084281" y="3641228"/>
+                </a:cubicBezTo>
+                <a:lnTo>
+                  <a:pt x="5091848" y="3653088"/>
+                </a:lnTo>
+                <a:lnTo>
+                  <a:pt x="5097436" y="3664114"/>
+                </a:lnTo>
+                <a:cubicBezTo>
+                  <a:pt x="5097463" y="3664599"/>
+                  <a:pt x="5097491" y="3665084"/>
+                  <a:pt x="5097518" y="3665569"/>
+                </a:cubicBezTo>
+                <a:cubicBezTo>
+                  <a:pt x="5097915" y="3672776"/>
+                  <a:pt x="5096966" y="3688591"/>
+                  <a:pt x="5099829" y="3707357"/>
+                </a:cubicBezTo>
+                <a:cubicBezTo>
+                  <a:pt x="5100505" y="3724716"/>
+                  <a:pt x="5118078" y="3760234"/>
+                  <a:pt x="5114696" y="3778166"/>
+                </a:cubicBezTo>
+                <a:cubicBezTo>
+                  <a:pt x="5141627" y="3845122"/>
+                  <a:pt x="5125427" y="3821305"/>
+                  <a:pt x="5135379" y="3878222"/>
+                </a:cubicBezTo>
+                <a:cubicBezTo>
+                  <a:pt x="5161519" y="3905047"/>
+                  <a:pt x="5125417" y="4015047"/>
+                  <a:pt x="5130138" y="4048117"/>
+                </a:cubicBezTo>
+                <a:cubicBezTo>
+                  <a:pt x="5081804" y="4192084"/>
+                  <a:pt x="5096262" y="4158987"/>
+                  <a:pt x="5090040" y="4219510"/>
+                </a:cubicBezTo>
+                <a:cubicBezTo>
+                  <a:pt x="5104553" y="4280033"/>
+                  <a:pt x="5065380" y="4345686"/>
+                  <a:pt x="5092812" y="4411258"/>
+                </a:cubicBezTo>
+                <a:cubicBezTo>
+                  <a:pt x="5090630" y="4437329"/>
+                  <a:pt x="5083878" y="4473140"/>
+                  <a:pt x="5084599" y="4488531"/>
+                </a:cubicBezTo>
+                <a:cubicBezTo>
+                  <a:pt x="5084423" y="4505410"/>
+                  <a:pt x="5084248" y="4522289"/>
+                  <a:pt x="5084072" y="4539168"/>
+                </a:cubicBezTo>
+                <a:cubicBezTo>
+                  <a:pt x="5072114" y="4567830"/>
+                  <a:pt x="5064305" y="4588197"/>
+                  <a:pt x="5068936" y="4625153"/>
+                </a:cubicBezTo>
+                <a:cubicBezTo>
+                  <a:pt x="5077433" y="4662889"/>
+                  <a:pt x="5065899" y="4679357"/>
+                  <a:pt x="5059114" y="4733115"/>
+                </a:cubicBezTo>
+                <a:cubicBezTo>
+                  <a:pt x="5068687" y="4752352"/>
+                  <a:pt x="5055370" y="4832308"/>
+                  <a:pt x="5037209" y="4844323"/>
+                </a:cubicBezTo>
+                <a:cubicBezTo>
+                  <a:pt x="5033444" y="4857054"/>
+                  <a:pt x="5040194" y="4871554"/>
+                  <a:pt x="5020638" y="4877992"/>
+                </a:cubicBezTo>
+                <a:cubicBezTo>
+                  <a:pt x="4997151" y="4888353"/>
+                  <a:pt x="5034418" y="4931200"/>
+                  <a:pt x="5006413" y="4925805"/>
+                </a:cubicBezTo>
+                <a:cubicBezTo>
+                  <a:pt x="5031964" y="4956261"/>
+                  <a:pt x="4982840" y="4982633"/>
+                  <a:pt x="4971037" y="5009272"/>
+                </a:cubicBezTo>
+                <a:cubicBezTo>
+                  <a:pt x="4973259" y="5034036"/>
+                  <a:pt x="4968375" y="5053859"/>
+                  <a:pt x="4963105" y="5111369"/>
+                </a:cubicBezTo>
+                <a:cubicBezTo>
+                  <a:pt x="4973224" y="5141336"/>
+                  <a:pt x="4937413" y="5161742"/>
+                  <a:pt x="4976341" y="5210876"/>
+                </a:cubicBezTo>
+                <a:cubicBezTo>
+                  <a:pt x="4972455" y="5212581"/>
+                  <a:pt x="4977054" y="5227501"/>
+                  <a:pt x="4980617" y="5269726"/>
+                </a:cubicBezTo>
+                <a:cubicBezTo>
+                  <a:pt x="4984182" y="5311951"/>
+                  <a:pt x="4990390" y="5400671"/>
+                  <a:pt x="4997733" y="5464225"/>
+                </a:cubicBezTo>
+                <a:cubicBezTo>
+                  <a:pt x="5001765" y="5536542"/>
+                  <a:pt x="4990225" y="5517959"/>
+                  <a:pt x="5001400" y="5594585"/>
+                </a:cubicBezTo>
+                <a:cubicBezTo>
+                  <a:pt x="4999908" y="5619318"/>
+                  <a:pt x="4974042" y="5647975"/>
+                  <a:pt x="4983700" y="5667896"/>
+                </a:cubicBezTo>
+                <a:cubicBezTo>
+                  <a:pt x="4976834" y="5696311"/>
+                  <a:pt x="4975579" y="5738356"/>
+                  <a:pt x="4968506" y="5769225"/>
+                </a:cubicBezTo>
+                <a:cubicBezTo>
+                  <a:pt x="4968926" y="5787258"/>
+                  <a:pt x="4969344" y="5805291"/>
+                  <a:pt x="4969765" y="5823324"/>
+                </a:cubicBezTo>
+                <a:cubicBezTo>
+                  <a:pt x="4966122" y="5853058"/>
+                  <a:pt x="4965608" y="5838948"/>
+                  <a:pt x="4966129" y="5862699"/>
+                </a:cubicBezTo>
+                <a:lnTo>
+                  <a:pt x="4970695" y="5906467"/>
+                </a:lnTo>
+                <a:lnTo>
+                  <a:pt x="4991568" y="5939847"/>
+                </a:lnTo>
+                <a:cubicBezTo>
+                  <a:pt x="4998848" y="5955713"/>
+                  <a:pt x="4974731" y="5940131"/>
+                  <a:pt x="4986815" y="5973994"/>
+                </a:cubicBezTo>
+                <a:cubicBezTo>
+                  <a:pt x="4961187" y="5997051"/>
+                  <a:pt x="4983444" y="6032039"/>
+                  <a:pt x="4987776" y="6089693"/>
+                </a:cubicBezTo>
+                <a:lnTo>
+                  <a:pt x="4991621" y="6224938"/>
+                </a:lnTo>
+                <a:cubicBezTo>
+                  <a:pt x="4988442" y="6270972"/>
+                  <a:pt x="5008962" y="6317522"/>
+                  <a:pt x="5017157" y="6370251"/>
+                </a:cubicBezTo>
+                <a:cubicBezTo>
+                  <a:pt x="5025353" y="6422980"/>
+                  <a:pt x="5039938" y="6490855"/>
+                  <a:pt x="5040797" y="6541313"/>
+                </a:cubicBezTo>
+                <a:cubicBezTo>
+                  <a:pt x="5039898" y="6576319"/>
+                  <a:pt x="5031912" y="6591883"/>
+                  <a:pt x="5045375" y="6640957"/>
+                </a:cubicBezTo>
+                <a:cubicBezTo>
+                  <a:pt x="5057505" y="6669536"/>
+                  <a:pt x="5052276" y="6675394"/>
+                  <a:pt x="5058442" y="6705297"/>
+                </a:cubicBezTo>
+                <a:cubicBezTo>
+                  <a:pt x="5057367" y="6727133"/>
+                  <a:pt x="5067901" y="6732087"/>
+                  <a:pt x="5071125" y="6759582"/>
+                </a:cubicBezTo>
+                <a:cubicBezTo>
+                  <a:pt x="5055614" y="6796071"/>
+                  <a:pt x="5051656" y="6769544"/>
+                  <a:pt x="5069172" y="6817746"/>
+                </a:cubicBezTo>
+                <a:cubicBezTo>
+                  <a:pt x="5060956" y="6828354"/>
+                  <a:pt x="5064525" y="6836369"/>
+                  <a:pt x="5072322" y="6843646"/>
+                </a:cubicBezTo>
+                <a:lnTo>
+                  <a:pt x="5091388" y="6857998"/>
+                </a:lnTo>
+                <a:lnTo>
+                  <a:pt x="6096000" y="6857998"/>
+                </a:lnTo>
+                <a:lnTo>
+                  <a:pt x="6096000" y="6858000"/>
+                </a:lnTo>
+                <a:lnTo>
+                  <a:pt x="0" y="6858000"/>
+                </a:lnTo>
+                <a:close/>
+              </a:path>
+            </a:pathLst>
+          </a:custGeom>
+          <a:solidFill>
+            <a:srgbClr val="82766A">
+              <a:alpha val="15000"/>
+            </a:srgbClr>
+          </a:solidFill>
+          <a:ln>
+            <a:noFill/>
+          </a:ln>
+        </p:spPr>
+        <p:style>
+          <a:lnRef idx="2">
+            <a:schemeClr val="accent1">
+              <a:shade val="50000"/>
+            </a:schemeClr>
+          </a:lnRef>
+          <a:fillRef idx="1">
+            <a:schemeClr val="accent1"/>
+          </a:fillRef>
+          <a:effectRef idx="0">
+            <a:schemeClr val="accent1"/>
+          </a:effectRef>
+          <a:fontRef idx="minor">
+            <a:schemeClr val="lt1"/>
+          </a:fontRef>
+        </p:style>
+        <p:txBody>
+          <a:bodyPr wrap="square" rtlCol="0" anchor="ctr">
+            <a:noAutofit/>
+          </a:bodyPr>
+          <a:lstStyle/>
+          <a:p>
+            <a:pPr algn="ctr"/>
+            <a:endParaRPr lang="en-US"/>
+          </a:p>
+        </p:txBody>
+      </p:sp>
+      <p:sp>
+        <p:nvSpPr>
+          <p:cNvPr id="2" name="Titel 1">
+            <a:extLst>
+              <a:ext uri="{FF2B5EF4-FFF2-40B4-BE49-F238E27FC236}">
+                <a16:creationId xmlns:a16="http://schemas.microsoft.com/office/drawing/2014/main" id="{BE8BA8C4-46F2-4BB2-B53C-807F9B8ACD66}"/>
+              </a:ext>
+            </a:extLst>
+          </p:cNvPr>
+          <p:cNvSpPr>
+            <a:spLocks noGrp="1"/>
+          </p:cNvSpPr>
+          <p:nvPr>
+            <p:ph type="title"/>
+          </p:nvPr>
+        </p:nvSpPr>
+        <p:spPr>
+          <a:xfrm>
+            <a:off x="838200" y="609600"/>
+            <a:ext cx="3739341" cy="1330839"/>
+          </a:xfrm>
+        </p:spPr>
+        <p:txBody>
+          <a:bodyPr>
+            <a:normAutofit/>
+          </a:bodyPr>
+          <a:lstStyle/>
+          <a:p>
+            <a:r>
+              <a:rPr lang="de-DE"/>
+              <a:t>cars.txt</a:t>
+            </a:r>
+            <a:endParaRPr lang="de-IT" dirty="0"/>
+          </a:p>
+        </p:txBody>
+      </p:sp>
+      <p:sp>
+        <p:nvSpPr>
+          <p:cNvPr id="3" name="Inhaltsplatzhalter 2">
+            <a:extLst>
+              <a:ext uri="{FF2B5EF4-FFF2-40B4-BE49-F238E27FC236}">
+                <a16:creationId xmlns:a16="http://schemas.microsoft.com/office/drawing/2014/main" id="{57C952F1-5B30-4B58-937F-295797916E15}"/>
+              </a:ext>
+            </a:extLst>
+          </p:cNvPr>
+          <p:cNvSpPr>
+            <a:spLocks noGrp="1"/>
+          </p:cNvSpPr>
+          <p:nvPr>
+            <p:ph idx="1"/>
+          </p:nvPr>
+        </p:nvSpPr>
+        <p:spPr>
+          <a:xfrm>
+            <a:off x="862366" y="2194102"/>
+            <a:ext cx="3427001" cy="3908586"/>
+          </a:xfrm>
+        </p:spPr>
+        <p:txBody>
+          <a:bodyPr>
+            <a:normAutofit/>
+          </a:bodyPr>
+          <a:lstStyle/>
+          <a:p>
+            <a:r>
+              <a:rPr lang="de-DE" sz="2000"/>
+              <a:t>Ein Auto besteht, wie erwähnt aus verschiedenen Komponenten</a:t>
+            </a:r>
+          </a:p>
+          <a:p>
+            <a:r>
+              <a:rPr lang="de-DE" sz="2000"/>
+              <a:t>Getrennt durch ein Tab</a:t>
+            </a:r>
+          </a:p>
+          <a:p>
+            <a:endParaRPr lang="de-IT" sz="2000"/>
+          </a:p>
+        </p:txBody>
+      </p:sp>
+      <p:graphicFrame>
+        <p:nvGraphicFramePr>
+          <p:cNvPr id="4" name="Tabelle 4">
+            <a:extLst>
+              <a:ext uri="{FF2B5EF4-FFF2-40B4-BE49-F238E27FC236}">
+                <a16:creationId xmlns:a16="http://schemas.microsoft.com/office/drawing/2014/main" id="{23879C65-56E3-493F-AED5-0C6337B027BB}"/>
+              </a:ext>
+            </a:extLst>
+          </p:cNvPr>
+          <p:cNvGraphicFramePr>
+            <a:graphicFrameLocks noGrp="1"/>
+          </p:cNvGraphicFramePr>
+          <p:nvPr>
+            <p:extLst>
+              <p:ext uri="{D42A27DB-BD31-4B8C-83A1-F6EECF244321}">
+                <p14:modId xmlns:p14="http://schemas.microsoft.com/office/powerpoint/2010/main" val="1427765426"/>
+              </p:ext>
+            </p:extLst>
+          </p:nvPr>
+        </p:nvGraphicFramePr>
+        <p:xfrm>
+          <a:off x="5445457" y="2144202"/>
+          <a:ext cx="6155142" cy="2593339"/>
+        </p:xfrm>
+        <a:graphic>
+          <a:graphicData uri="http://schemas.openxmlformats.org/drawingml/2006/table">
+            <a:tbl>
+              <a:tblPr firstRow="1" bandRow="1">
+                <a:tableStyleId>{F5AB1C69-6EDB-4FF4-983F-18BD219EF322}</a:tableStyleId>
+              </a:tblPr>
+              <a:tblGrid>
+                <a:gridCol w="930584">
+                  <a:extLst>
+                    <a:ext uri="{9D8B030D-6E8A-4147-A177-3AD203B41FA5}">
+                      <a16:colId xmlns:a16="http://schemas.microsoft.com/office/drawing/2014/main" val="3947154205"/>
+                    </a:ext>
+                  </a:extLst>
+                </a:gridCol>
+                <a:gridCol w="1418077">
+                  <a:extLst>
+                    <a:ext uri="{9D8B030D-6E8A-4147-A177-3AD203B41FA5}">
+                      <a16:colId xmlns:a16="http://schemas.microsoft.com/office/drawing/2014/main" val="3402840984"/>
+                    </a:ext>
+                  </a:extLst>
+                </a:gridCol>
+                <a:gridCol w="1355976">
+                  <a:extLst>
+                    <a:ext uri="{9D8B030D-6E8A-4147-A177-3AD203B41FA5}">
+                      <a16:colId xmlns:a16="http://schemas.microsoft.com/office/drawing/2014/main" val="1410997782"/>
+                    </a:ext>
+                  </a:extLst>
+                </a:gridCol>
+                <a:gridCol w="2450505">
+                  <a:extLst>
+                    <a:ext uri="{9D8B030D-6E8A-4147-A177-3AD203B41FA5}">
+                      <a16:colId xmlns:a16="http://schemas.microsoft.com/office/drawing/2014/main" val="948437047"/>
+                    </a:ext>
+                  </a:extLst>
+                </a:gridCol>
+              </a:tblGrid>
+              <a:tr h="453089">
+                <a:tc>
+                  <a:txBody>
+                    <a:bodyPr/>
+                    <a:lstStyle/>
+                    <a:p>
+                      <a:r>
+                        <a:rPr lang="de-DE" sz="2200"/>
+                        <a:t>carId</a:t>
+                      </a:r>
+                      <a:endParaRPr lang="de-IT" sz="2200" dirty="0"/>
+                    </a:p>
+                  </a:txBody>
+                  <a:tcPr marL="89425" marR="89425" marT="44713" marB="44713"/>
+                </a:tc>
+                <a:tc>
+                  <a:txBody>
+                    <a:bodyPr/>
+                    <a:lstStyle/>
+                    <a:p>
+                      <a:r>
+                        <a:rPr lang="de-DE" sz="2200"/>
+                        <a:t>roadMap</a:t>
+                      </a:r>
+                      <a:endParaRPr lang="de-IT" sz="2200" dirty="0"/>
+                    </a:p>
+                  </a:txBody>
+                  <a:tcPr marL="89425" marR="89425" marT="44713" marB="44713"/>
+                </a:tc>
+                <a:tc>
+                  <a:txBody>
+                    <a:bodyPr/>
+                    <a:lstStyle/>
+                    <a:p>
+                      <a:r>
+                        <a:rPr lang="de-DE" sz="2200"/>
+                        <a:t>indicator</a:t>
+                      </a:r>
+                      <a:endParaRPr lang="de-IT" sz="2200" dirty="0"/>
+                    </a:p>
+                  </a:txBody>
+                  <a:tcPr marL="89425" marR="89425" marT="44713" marB="44713"/>
+                </a:tc>
+                <a:tc>
+                  <a:txBody>
+                    <a:bodyPr/>
+                    <a:lstStyle/>
+                    <a:p>
+                      <a:r>
+                        <a:rPr lang="de-DE" sz="2200"/>
+                        <a:t>intersectionCount</a:t>
+                      </a:r>
+                      <a:endParaRPr lang="de-IT" sz="2200" dirty="0"/>
+                    </a:p>
+                  </a:txBody>
+                  <a:tcPr marL="89425" marR="89425" marT="44713" marB="44713"/>
+                </a:tc>
+                <a:extLst>
+                  <a:ext uri="{0D108BD9-81ED-4DB2-BD59-A6C34878D82A}">
+                    <a16:rowId xmlns:a16="http://schemas.microsoft.com/office/drawing/2014/main" val="2563282972"/>
+                  </a:ext>
+                </a:extLst>
+              </a:tr>
+              <a:tr h="453089">
+                <a:tc>
+                  <a:txBody>
+                    <a:bodyPr/>
+                    <a:lstStyle/>
+                    <a:p>
+                      <a:r>
+                        <a:rPr lang="de-DE" sz="2200"/>
+                        <a:t>0</a:t>
+                      </a:r>
+                      <a:endParaRPr lang="de-IT" sz="2200" dirty="0"/>
+                    </a:p>
+                  </a:txBody>
+                  <a:tcPr marL="89425" marR="89425" marT="44713" marB="44713"/>
+                </a:tc>
+                <a:tc>
+                  <a:txBody>
+                    <a:bodyPr/>
+                    <a:lstStyle/>
+                    <a:p>
+                      <a:r>
+                        <a:rPr lang="de-DE" sz="2200"/>
+                        <a:t>{2, 4}</a:t>
+                      </a:r>
+                      <a:endParaRPr lang="de-DE" sz="2200" dirty="0"/>
+                    </a:p>
+                  </a:txBody>
+                  <a:tcPr marL="89425" marR="89425" marT="44713" marB="44713"/>
+                </a:tc>
+                <a:tc>
+                  <a:txBody>
+                    <a:bodyPr/>
+                    <a:lstStyle/>
+                    <a:p>
+                      <a:r>
+                        <a:rPr lang="de-DE" sz="2200"/>
+                        <a:t>0</a:t>
+                      </a:r>
+                      <a:endParaRPr lang="de-IT" sz="2200" dirty="0"/>
+                    </a:p>
+                  </a:txBody>
+                  <a:tcPr marL="89425" marR="89425" marT="44713" marB="44713"/>
+                </a:tc>
+                <a:tc>
+                  <a:txBody>
+                    <a:bodyPr/>
+                    <a:lstStyle/>
+                    <a:p>
+                      <a:r>
+                        <a:rPr lang="de-DE" sz="2200"/>
+                        <a:t>0</a:t>
+                      </a:r>
+                      <a:endParaRPr lang="de-IT" sz="2200" dirty="0"/>
+                    </a:p>
+                  </a:txBody>
+                  <a:tcPr marL="89425" marR="89425" marT="44713" marB="44713"/>
+                </a:tc>
+                <a:extLst>
+                  <a:ext uri="{0D108BD9-81ED-4DB2-BD59-A6C34878D82A}">
+                    <a16:rowId xmlns:a16="http://schemas.microsoft.com/office/drawing/2014/main" val="14817319"/>
+                  </a:ext>
+                </a:extLst>
+              </a:tr>
+              <a:tr h="453089">
+                <a:tc>
+                  <a:txBody>
+                    <a:bodyPr/>
+                    <a:lstStyle/>
+                    <a:p>
+                      <a:r>
+                        <a:rPr lang="de-DE" sz="2200"/>
+                        <a:t>1</a:t>
+                      </a:r>
+                      <a:endParaRPr lang="de-IT" sz="2200" dirty="0"/>
+                    </a:p>
+                  </a:txBody>
+                  <a:tcPr marL="89425" marR="89425" marT="44713" marB="44713"/>
+                </a:tc>
+                <a:tc>
+                  <a:txBody>
+                    <a:bodyPr/>
+                    <a:lstStyle/>
+                    <a:p>
+                      <a:r>
+                        <a:rPr lang="de-DE" sz="2200"/>
+                        <a:t>{4, 5, 10}</a:t>
+                      </a:r>
+                      <a:endParaRPr lang="de-IT" sz="2200" dirty="0"/>
+                    </a:p>
+                  </a:txBody>
+                  <a:tcPr marL="89425" marR="89425" marT="44713" marB="44713"/>
+                </a:tc>
+                <a:tc>
+                  <a:txBody>
+                    <a:bodyPr/>
+                    <a:lstStyle/>
+                    <a:p>
+                      <a:r>
+                        <a:rPr lang="de-DE" sz="2200"/>
+                        <a:t>0</a:t>
+                      </a:r>
+                      <a:endParaRPr lang="de-IT" sz="2200" dirty="0"/>
+                    </a:p>
+                  </a:txBody>
+                  <a:tcPr marL="89425" marR="89425" marT="44713" marB="44713"/>
+                </a:tc>
+                <a:tc>
+                  <a:txBody>
+                    <a:bodyPr/>
+                    <a:lstStyle/>
+                    <a:p>
+                      <a:r>
+                        <a:rPr lang="de-DE" sz="2200"/>
+                        <a:t>0</a:t>
+                      </a:r>
+                      <a:endParaRPr lang="de-IT" sz="2200" dirty="0"/>
+                    </a:p>
+                  </a:txBody>
+                  <a:tcPr marL="89425" marR="89425" marT="44713" marB="44713"/>
+                </a:tc>
+                <a:extLst>
+                  <a:ext uri="{0D108BD9-81ED-4DB2-BD59-A6C34878D82A}">
+                    <a16:rowId xmlns:a16="http://schemas.microsoft.com/office/drawing/2014/main" val="188450345"/>
+                  </a:ext>
+                </a:extLst>
+              </a:tr>
+              <a:tr h="453089">
+                <a:tc>
+                  <a:txBody>
+                    <a:bodyPr/>
+                    <a:lstStyle/>
+                    <a:p>
+                      <a:r>
+                        <a:rPr lang="de-DE" sz="2200"/>
+                        <a:t>2</a:t>
+                      </a:r>
+                      <a:endParaRPr lang="de-IT" sz="2200" dirty="0"/>
+                    </a:p>
+                  </a:txBody>
+                  <a:tcPr marL="89425" marR="89425" marT="44713" marB="44713"/>
+                </a:tc>
+                <a:tc>
+                  <a:txBody>
+                    <a:bodyPr/>
+                    <a:lstStyle/>
+                    <a:p>
+                      <a:r>
+                        <a:rPr lang="de-DE" sz="2200"/>
+                        <a:t>{2, 6, 12}</a:t>
+                      </a:r>
+                      <a:endParaRPr lang="de-IT" sz="2200" dirty="0"/>
+                    </a:p>
+                  </a:txBody>
+                  <a:tcPr marL="89425" marR="89425" marT="44713" marB="44713"/>
+                </a:tc>
+                <a:tc>
+                  <a:txBody>
+                    <a:bodyPr/>
+                    <a:lstStyle/>
+                    <a:p>
+                      <a:r>
+                        <a:rPr lang="de-DE" sz="2200"/>
+                        <a:t>0</a:t>
+                      </a:r>
+                      <a:endParaRPr lang="de-IT" sz="2200" dirty="0"/>
+                    </a:p>
+                  </a:txBody>
+                  <a:tcPr marL="89425" marR="89425" marT="44713" marB="44713"/>
+                </a:tc>
+                <a:tc>
+                  <a:txBody>
+                    <a:bodyPr/>
+                    <a:lstStyle/>
+                    <a:p>
+                      <a:r>
+                        <a:rPr lang="de-DE" sz="2200"/>
+                        <a:t>0</a:t>
+                      </a:r>
+                      <a:endParaRPr lang="de-IT" sz="2200" dirty="0"/>
+                    </a:p>
+                  </a:txBody>
+                  <a:tcPr marL="89425" marR="89425" marT="44713" marB="44713"/>
+                </a:tc>
+                <a:extLst>
+                  <a:ext uri="{0D108BD9-81ED-4DB2-BD59-A6C34878D82A}">
+                    <a16:rowId xmlns:a16="http://schemas.microsoft.com/office/drawing/2014/main" val="1412846757"/>
+                  </a:ext>
+                </a:extLst>
+              </a:tr>
+              <a:tr h="780983">
+                <a:tc>
+                  <a:txBody>
+                    <a:bodyPr/>
+                    <a:lstStyle/>
+                    <a:p>
+                      <a:r>
+                        <a:rPr lang="de-DE" sz="2200"/>
+                        <a:t>3</a:t>
+                      </a:r>
+                      <a:endParaRPr lang="de-IT" sz="2200" dirty="0"/>
+                    </a:p>
+                  </a:txBody>
+                  <a:tcPr marL="89425" marR="89425" marT="44713" marB="44713"/>
+                </a:tc>
+                <a:tc>
+                  <a:txBody>
+                    <a:bodyPr/>
+                    <a:lstStyle/>
+                    <a:p>
+                      <a:r>
+                        <a:rPr lang="de-DE" sz="2200"/>
+                        <a:t>{2, 4, 5, 8}</a:t>
+                      </a:r>
+                      <a:endParaRPr lang="de-IT" sz="2200" dirty="0"/>
+                    </a:p>
+                  </a:txBody>
+                  <a:tcPr marL="89425" marR="89425" marT="44713" marB="44713"/>
+                </a:tc>
+                <a:tc>
+                  <a:txBody>
+                    <a:bodyPr/>
+                    <a:lstStyle/>
+                    <a:p>
+                      <a:r>
+                        <a:rPr lang="de-DE" sz="2200"/>
+                        <a:t>0</a:t>
+                      </a:r>
+                      <a:endParaRPr lang="de-IT" sz="2200" dirty="0"/>
+                    </a:p>
+                  </a:txBody>
+                  <a:tcPr marL="89425" marR="89425" marT="44713" marB="44713"/>
+                </a:tc>
+                <a:tc>
+                  <a:txBody>
+                    <a:bodyPr/>
+                    <a:lstStyle/>
+                    <a:p>
+                      <a:r>
+                        <a:rPr lang="de-DE" sz="2200"/>
+                        <a:t>0</a:t>
+                      </a:r>
+                      <a:endParaRPr lang="de-IT" sz="2200" dirty="0"/>
+                    </a:p>
+                  </a:txBody>
+                  <a:tcPr marL="89425" marR="89425" marT="44713" marB="44713"/>
+                </a:tc>
+                <a:extLst>
+                  <a:ext uri="{0D108BD9-81ED-4DB2-BD59-A6C34878D82A}">
+                    <a16:rowId xmlns:a16="http://schemas.microsoft.com/office/drawing/2014/main" val="314188130"/>
+                  </a:ext>
+                </a:extLst>
+              </a:tr>
+            </a:tbl>
+          </a:graphicData>
+        </a:graphic>
+      </p:graphicFrame>
+    </p:spTree>
+    <p:extLst>
+      <p:ext uri="{BB962C8B-B14F-4D97-AF65-F5344CB8AC3E}">
+        <p14:creationId xmlns:p14="http://schemas.microsoft.com/office/powerpoint/2010/main" val="807464444"/>
+      </p:ext>
+    </p:extLst>
+  </p:cSld>
+  <p:clrMapOvr>
+    <a:masterClrMapping/>
+  </p:clrMapOvr>
+</p:sld>
+</file>
+
+<file path=ppt/slides/slide8.xml><?xml version="1.0" encoding="utf-8"?>
+<p:sld xmlns:a="http://schemas.openxmlformats.org/drawingml/2006/main" xmlns:r="http://schemas.openxmlformats.org/officeDocument/2006/relationships" xmlns:p="http://schemas.openxmlformats.org/presentationml/2006/main">
+  <p:cSld>
+    <p:bg>
+      <p:bgPr>
+        <a:solidFill>
+          <a:schemeClr val="bg1"/>
+        </a:solidFill>
+        <a:effectLst/>
+      </p:bgPr>
+    </p:bg>
+    <p:spTree>
+      <p:nvGrpSpPr>
+        <p:cNvPr id="1" name=""/>
+        <p:cNvGrpSpPr/>
+        <p:nvPr/>
+      </p:nvGrpSpPr>
+      <p:grpSpPr>
+        <a:xfrm>
+          <a:off x="0" y="0"/>
+          <a:ext cx="0" cy="0"/>
+          <a:chOff x="0" y="0"/>
+          <a:chExt cx="0" cy="0"/>
+        </a:xfrm>
+      </p:grpSpPr>
+      <p:sp>
+        <p:nvSpPr>
+          <p:cNvPr id="2" name="Titel 1">
+            <a:extLst>
+              <a:ext uri="{FF2B5EF4-FFF2-40B4-BE49-F238E27FC236}">
+                <a16:creationId xmlns:a16="http://schemas.microsoft.com/office/drawing/2014/main" id="{073F535C-AB58-4FA4-907F-873955C67F74}"/>
+              </a:ext>
+            </a:extLst>
+          </p:cNvPr>
+          <p:cNvSpPr>
+            <a:spLocks noGrp="1"/>
+          </p:cNvSpPr>
+          <p:nvPr>
+            <p:ph type="title"/>
+          </p:nvPr>
+        </p:nvSpPr>
+        <p:spPr>
+          <a:xfrm>
+            <a:off x="645859" y="640081"/>
+            <a:ext cx="3494341" cy="960119"/>
+          </a:xfrm>
+          <a:noFill/>
+        </p:spPr>
+        <p:txBody>
+          <a:bodyPr vert="horz" lIns="91440" tIns="45720" rIns="91440" bIns="45720" rtlCol="0" anchor="b">
+            <a:normAutofit/>
+          </a:bodyPr>
+          <a:lstStyle/>
+          <a:p>
+            <a:r>
+              <a:rPr lang="en-US" sz="4600" dirty="0"/>
+              <a:t>Street</a:t>
+            </a:r>
+          </a:p>
+        </p:txBody>
+      </p:sp>
+      <p:sp>
+        <p:nvSpPr>
           <p:cNvPr id="9" name="Rectangle 8">
             <a:extLst>
               <a:ext uri="{FF2B5EF4-FFF2-40B4-BE49-F238E27FC236}">
@@ -3752,7 +8568,7 @@
           <p:cNvPr id="4" name="Inhaltsplatzhalter 3">
             <a:extLst>
               <a:ext uri="{FF2B5EF4-FFF2-40B4-BE49-F238E27FC236}">
-                <a16:creationId xmlns:a16="http://schemas.microsoft.com/office/drawing/2014/main" id="{F3D7B3FC-9522-437C-91B0-607EA8EFE213}"/>
+                <a16:creationId xmlns:a16="http://schemas.microsoft.com/office/drawing/2014/main" id="{2089BA4F-1374-4D98-BE66-C68508EA0894}"/>
               </a:ext>
             </a:extLst>
           </p:cNvPr>
@@ -3765,7 +8581,7 @@
         </p:nvPicPr>
         <p:blipFill rotWithShape="1">
           <a:blip r:embed="rId2"/>
-          <a:srcRect r="34423" b="2"/>
+          <a:srcRect l="13367" r="8900"/>
           <a:stretch/>
         </p:blipFill>
         <p:spPr>
@@ -3784,7 +8600,7 @@
           <p:cNvPr id="7" name="Inhaltsplatzhalter 2">
             <a:extLst>
               <a:ext uri="{FF2B5EF4-FFF2-40B4-BE49-F238E27FC236}">
-                <a16:creationId xmlns:a16="http://schemas.microsoft.com/office/drawing/2014/main" id="{61A60322-5AB8-4FFA-A427-452CB30E013C}"/>
+                <a16:creationId xmlns:a16="http://schemas.microsoft.com/office/drawing/2014/main" id="{1889E7B1-15DA-497C-AB2C-61357DC70AA3}"/>
               </a:ext>
             </a:extLst>
           </p:cNvPr>
@@ -3795,8 +8611,8 @@
         </p:nvSpPr>
         <p:spPr>
           <a:xfrm>
-            <a:off x="417910" y="1143000"/>
-            <a:ext cx="3883027" cy="5074909"/>
+            <a:off x="417910" y="1785938"/>
+            <a:ext cx="3883027" cy="4431971"/>
           </a:xfrm>
           <a:prstGeom prst="rect">
             <a:avLst/>
@@ -3973,7 +8789,7 @@
           <a:p>
             <a:r>
               <a:rPr lang="en-US" sz="2000" dirty="0" err="1"/>
-              <a:t>Für</a:t>
+              <a:t>Straße</a:t>
             </a:r>
             <a:r>
               <a:rPr lang="en-US" sz="2000" dirty="0"/>
@@ -3981,7 +8797,37 @@
             </a:r>
             <a:r>
               <a:rPr lang="en-US" sz="2000" dirty="0" err="1"/>
-              <a:t>jede</a:t>
+              <a:t>beinhaltet</a:t>
+            </a:r>
+            <a:r>
+              <a:rPr lang="en-US" sz="2000" dirty="0"/>
+              <a:t>:</a:t>
+            </a:r>
+          </a:p>
+          <a:p>
+            <a:pPr lvl="1"/>
+            <a:r>
+              <a:rPr lang="en-US" sz="2000" dirty="0"/>
+              <a:t>Eine Queue</a:t>
+            </a:r>
+          </a:p>
+          <a:p>
+            <a:pPr lvl="1"/>
+            <a:r>
+              <a:rPr lang="en-US" sz="2000" dirty="0" err="1"/>
+              <a:t>Straßenlänge</a:t>
+            </a:r>
+            <a:endParaRPr lang="en-US" sz="2000" dirty="0"/>
+          </a:p>
+          <a:p>
+            <a:pPr lvl="1"/>
+            <a:r>
+              <a:rPr lang="en-US" sz="2000" dirty="0"/>
+              <a:t>Dauer, die </a:t>
+            </a:r>
+            <a:r>
+              <a:rPr lang="en-US" sz="2000" dirty="0" err="1"/>
+              <a:t>Straße</a:t>
             </a:r>
             <a:r>
               <a:rPr lang="en-US" sz="2000" dirty="0"/>
@@ -3989,7 +8835,7 @@
             </a:r>
             <a:r>
               <a:rPr lang="en-US" sz="2000" dirty="0" err="1"/>
-              <a:t>Richtung</a:t>
+              <a:t>zu</a:t>
             </a:r>
             <a:r>
               <a:rPr lang="en-US" sz="2000" dirty="0"/>
@@ -3997,15 +8843,19 @@
             </a:r>
             <a:r>
               <a:rPr lang="en-US" sz="2000" dirty="0" err="1"/>
-              <a:t>gibt</a:t>
-            </a:r>
+              <a:t>überqueren</a:t>
+            </a:r>
+            <a:endParaRPr lang="en-US" sz="2000" dirty="0"/>
+          </a:p>
+          <a:p>
+            <a:pPr lvl="1"/>
             <a:r>
               <a:rPr lang="en-US" sz="2000" dirty="0"/>
-              <a:t> es </a:t>
+              <a:t>Counter </a:t>
             </a:r>
             <a:r>
               <a:rPr lang="en-US" sz="2000" dirty="0" err="1"/>
-              <a:t>einen</a:t>
+              <a:t>zur</a:t>
             </a:r>
             <a:r>
               <a:rPr lang="en-US" sz="2000" dirty="0"/>
@@ -4013,17 +8863,22 @@
             </a:r>
             <a:r>
               <a:rPr lang="en-US" sz="2000" dirty="0" err="1"/>
-              <a:t>solchen</a:t>
+              <a:t>Analyse</a:t>
+            </a:r>
+            <a:endParaRPr lang="en-US" sz="2000" dirty="0"/>
+          </a:p>
+          <a:p>
+            <a:r>
+              <a:rPr lang="en-US" sz="2000" dirty="0" err="1"/>
+              <a:t>Alle</a:t>
             </a:r>
             <a:r>
               <a:rPr lang="en-US" sz="2000" dirty="0"/>
-              <a:t> Block</a:t>
-            </a:r>
-          </a:p>
-          <a:p>
+              <a:t> Parameter von </a:t>
+            </a:r>
             <a:r>
               <a:rPr lang="en-US" sz="2000" dirty="0" err="1"/>
-              <a:t>Hier</a:t>
+              <a:t>außen</a:t>
             </a:r>
             <a:r>
               <a:rPr lang="en-US" sz="2000" dirty="0"/>
@@ -4031,221 +8886,7 @@
             </a:r>
             <a:r>
               <a:rPr lang="en-US" sz="2000" dirty="0" err="1"/>
-              <a:t>wird</a:t>
-            </a:r>
-            <a:r>
-              <a:rPr lang="en-US" sz="2000" dirty="0"/>
-              <a:t> der Indicator </a:t>
-            </a:r>
-            <a:r>
-              <a:rPr lang="en-US" sz="2000" dirty="0" err="1"/>
-              <a:t>betrachtet</a:t>
-            </a:r>
-            <a:r>
-              <a:rPr lang="en-US" sz="2000" dirty="0"/>
-              <a:t> und </a:t>
-            </a:r>
-            <a:r>
-              <a:rPr lang="en-US" sz="2000" dirty="0" err="1"/>
-              <a:t>ob</a:t>
-            </a:r>
-            <a:r>
-              <a:rPr lang="en-US" sz="2000" dirty="0"/>
-              <a:t> von </a:t>
-            </a:r>
-            <a:r>
-              <a:rPr lang="en-US" sz="2000" dirty="0" err="1"/>
-              <a:t>anderen</a:t>
-            </a:r>
-            <a:r>
-              <a:rPr lang="en-US" sz="2000" dirty="0"/>
-              <a:t> </a:t>
-            </a:r>
-            <a:r>
-              <a:rPr lang="en-US" sz="2000" dirty="0" err="1"/>
-              <a:t>Richtungen</a:t>
-            </a:r>
-            <a:r>
-              <a:rPr lang="en-US" sz="2000" dirty="0"/>
-              <a:t> Autos </a:t>
-            </a:r>
-            <a:r>
-              <a:rPr lang="en-US" sz="2000" dirty="0" err="1"/>
-              <a:t>kommen</a:t>
-            </a:r>
-            <a:r>
-              <a:rPr lang="en-US" sz="2000" dirty="0"/>
-              <a:t>, die </a:t>
-            </a:r>
-            <a:r>
-              <a:rPr lang="en-US" sz="2000" dirty="0" err="1"/>
-              <a:t>eventuell</a:t>
-            </a:r>
-            <a:r>
-              <a:rPr lang="en-US" sz="2000" dirty="0"/>
-              <a:t> die </a:t>
-            </a:r>
-            <a:r>
-              <a:rPr lang="en-US" sz="2000" dirty="0" err="1"/>
-              <a:t>Vorfahrt</a:t>
-            </a:r>
-            <a:r>
-              <a:rPr lang="en-US" sz="2000" dirty="0"/>
-              <a:t> </a:t>
-            </a:r>
-            <a:r>
-              <a:rPr lang="en-US" sz="2000" dirty="0" err="1"/>
-              <a:t>beeinflussen</a:t>
-            </a:r>
-            <a:endParaRPr lang="en-US" sz="2000" dirty="0"/>
-          </a:p>
-          <a:p>
-            <a:r>
-              <a:rPr lang="en-US" sz="2000" dirty="0" err="1"/>
-              <a:t>Wenn</a:t>
-            </a:r>
-            <a:r>
-              <a:rPr lang="en-US" sz="2000" dirty="0"/>
-              <a:t> man </a:t>
-            </a:r>
-            <a:r>
-              <a:rPr lang="en-US" sz="2000" dirty="0" err="1"/>
-              <a:t>fahren</a:t>
-            </a:r>
-            <a:r>
-              <a:rPr lang="en-US" sz="2000" dirty="0"/>
-              <a:t> </a:t>
-            </a:r>
-            <a:r>
-              <a:rPr lang="en-US" sz="2000" dirty="0" err="1"/>
-              <a:t>darf</a:t>
-            </a:r>
-            <a:r>
-              <a:rPr lang="en-US" sz="2000" dirty="0"/>
-              <a:t>, </a:t>
-            </a:r>
-            <a:r>
-              <a:rPr lang="en-US" sz="2000" dirty="0" err="1"/>
-              <a:t>wird</a:t>
-            </a:r>
-            <a:r>
-              <a:rPr lang="en-US" sz="2000" dirty="0"/>
-              <a:t> das </a:t>
-            </a:r>
-            <a:r>
-              <a:rPr lang="en-US" sz="2000" dirty="0" err="1"/>
-              <a:t>entsprechende</a:t>
-            </a:r>
-            <a:r>
-              <a:rPr lang="en-US" sz="2000" dirty="0"/>
-              <a:t> Auto an den Output </a:t>
-            </a:r>
-            <a:r>
-              <a:rPr lang="en-US" sz="2000" dirty="0" err="1"/>
-              <a:t>gesendet</a:t>
-            </a:r>
-            <a:r>
-              <a:rPr lang="en-US" sz="2000" dirty="0"/>
-              <a:t> und von der Queue </a:t>
-            </a:r>
-            <a:r>
-              <a:rPr lang="en-US" sz="2000" dirty="0" err="1"/>
-              <a:t>ge-popt</a:t>
-            </a:r>
-            <a:endParaRPr lang="en-US" sz="2000" dirty="0"/>
-          </a:p>
-          <a:p>
-            <a:r>
-              <a:rPr lang="en-US" sz="2000" dirty="0" err="1"/>
-              <a:t>Gleiches</a:t>
-            </a:r>
-            <a:r>
-              <a:rPr lang="en-US" sz="2000" dirty="0"/>
-              <a:t> </a:t>
-            </a:r>
-            <a:r>
-              <a:rPr lang="en-US" sz="2000" dirty="0" err="1"/>
-              <a:t>Prinzip</a:t>
-            </a:r>
-            <a:r>
-              <a:rPr lang="en-US" sz="2000" dirty="0"/>
-              <a:t> </a:t>
-            </a:r>
-            <a:r>
-              <a:rPr lang="en-US" sz="2000" dirty="0" err="1"/>
-              <a:t>für</a:t>
-            </a:r>
-            <a:r>
-              <a:rPr lang="en-US" sz="2000" dirty="0"/>
-              <a:t> </a:t>
-            </a:r>
-            <a:r>
-              <a:rPr lang="en-US" sz="2000" dirty="0" err="1"/>
-              <a:t>eine</a:t>
-            </a:r>
-            <a:r>
-              <a:rPr lang="en-US" sz="2000" dirty="0"/>
-              <a:t> Cross-intersection </a:t>
-            </a:r>
-            <a:r>
-              <a:rPr lang="en-US" sz="2000" dirty="0" err="1"/>
-              <a:t>nur</a:t>
-            </a:r>
-            <a:r>
-              <a:rPr lang="en-US" sz="2000" dirty="0"/>
-              <a:t> </a:t>
-            </a:r>
-            <a:r>
-              <a:rPr lang="en-US" sz="2000" dirty="0" err="1"/>
-              <a:t>mit</a:t>
-            </a:r>
-            <a:r>
-              <a:rPr lang="en-US" sz="2000" dirty="0"/>
-              <a:t> </a:t>
-            </a:r>
-            <a:r>
-              <a:rPr lang="en-US" sz="2000" dirty="0" err="1"/>
-              <a:t>komplexerer</a:t>
-            </a:r>
-            <a:r>
-              <a:rPr lang="en-US" sz="2000" dirty="0"/>
-              <a:t> </a:t>
-            </a:r>
-            <a:r>
-              <a:rPr lang="en-US" sz="2000" dirty="0" err="1"/>
-              <a:t>Rechtsregel</a:t>
-            </a:r>
-            <a:r>
-              <a:rPr lang="en-US" sz="2000" dirty="0"/>
-              <a:t>, da </a:t>
-            </a:r>
-            <a:r>
-              <a:rPr lang="en-US" sz="2000" dirty="0" err="1"/>
-              <a:t>eine</a:t>
-            </a:r>
-            <a:r>
-              <a:rPr lang="en-US" sz="2000" dirty="0"/>
-              <a:t> </a:t>
-            </a:r>
-            <a:r>
-              <a:rPr lang="en-US" sz="2000" dirty="0" err="1"/>
-              <a:t>Richtung</a:t>
-            </a:r>
-            <a:r>
-              <a:rPr lang="en-US" sz="2000" dirty="0"/>
-              <a:t> </a:t>
-            </a:r>
-            <a:r>
-              <a:rPr lang="en-US" sz="2000" dirty="0" err="1"/>
-              <a:t>dazu</a:t>
-            </a:r>
-            <a:r>
-              <a:rPr lang="en-US" sz="2000" dirty="0"/>
-              <a:t> </a:t>
-            </a:r>
-            <a:r>
-              <a:rPr lang="en-US" sz="2000" dirty="0" err="1"/>
-              <a:t>kommt</a:t>
+              <a:t>setzbar</a:t>
             </a:r>
             <a:endParaRPr lang="en-US" sz="2000" dirty="0"/>
           </a:p>
@@ -4254,7 +8895,7 @@
     </p:spTree>
     <p:extLst>
       <p:ext uri="{BB962C8B-B14F-4D97-AF65-F5344CB8AC3E}">
-        <p14:creationId xmlns:p14="http://schemas.microsoft.com/office/powerpoint/2010/main" val="3967175924"/>
+        <p14:creationId xmlns:p14="http://schemas.microsoft.com/office/powerpoint/2010/main" val="1049452539"/>
       </p:ext>
     </p:extLst>
   </p:cSld>
@@ -4264,7 +8905,7 @@
 </p:sld>
 </file>
 
-<file path=ppt/slides/slide11.xml><?xml version="1.0" encoding="utf-8"?>
+<file path=ppt/slides/slide9.xml><?xml version="1.0" encoding="utf-8"?>
 <p:sld xmlns:a="http://schemas.openxmlformats.org/drawingml/2006/main" xmlns:r="http://schemas.openxmlformats.org/officeDocument/2006/relationships" xmlns:p="http://schemas.openxmlformats.org/presentationml/2006/main">
   <p:cSld>
     <p:bg>
@@ -4294,7 +8935,7 @@
           <p:cNvPr id="2" name="Titel 1">
             <a:extLst>
               <a:ext uri="{FF2B5EF4-FFF2-40B4-BE49-F238E27FC236}">
-                <a16:creationId xmlns:a16="http://schemas.microsoft.com/office/drawing/2014/main" id="{073F535C-AB58-4FA4-907F-873955C67F74}"/>
+                <a16:creationId xmlns:a16="http://schemas.microsoft.com/office/drawing/2014/main" id="{CC14FF9A-577A-4E6C-8CBD-2703C9EDD042}"/>
               </a:ext>
             </a:extLst>
           </p:cNvPr>
@@ -4308,7 +8949,7 @@
         <p:spPr>
           <a:xfrm>
             <a:off x="645859" y="640081"/>
-            <a:ext cx="3494341" cy="960119"/>
+            <a:ext cx="3494341" cy="3793488"/>
           </a:xfrm>
           <a:noFill/>
         </p:spPr>
@@ -4319,8 +8960,8 @@
           <a:lstStyle/>
           <a:p>
             <a:r>
-              <a:rPr lang="en-US" sz="4600" dirty="0"/>
-              <a:t>Street</a:t>
+              <a:rPr lang="en-US" sz="4600"/>
+              <a:t>T-Intersection besteht aus…</a:t>
             </a:r>
           </a:p>
         </p:txBody>
@@ -4467,2061 +9108,6 @@
           <p:cNvPr id="4" name="Inhaltsplatzhalter 3">
             <a:extLst>
               <a:ext uri="{FF2B5EF4-FFF2-40B4-BE49-F238E27FC236}">
-                <a16:creationId xmlns:a16="http://schemas.microsoft.com/office/drawing/2014/main" id="{2089BA4F-1374-4D98-BE66-C68508EA0894}"/>
-              </a:ext>
-            </a:extLst>
-          </p:cNvPr>
-          <p:cNvPicPr>
-            <a:picLocks noGrp="1" noChangeAspect="1"/>
-          </p:cNvPicPr>
-          <p:nvPr>
-            <p:ph idx="1"/>
-          </p:nvPr>
-        </p:nvPicPr>
-        <p:blipFill rotWithShape="1">
-          <a:blip r:embed="rId2"/>
-          <a:srcRect l="13367" r="8900"/>
-          <a:stretch/>
-        </p:blipFill>
-        <p:spPr>
-          <a:xfrm>
-            <a:off x="5441735" y="804672"/>
-            <a:ext cx="5934456" cy="5248656"/>
-          </a:xfrm>
-          <a:prstGeom prst="rect">
-            <a:avLst/>
-          </a:prstGeom>
-          <a:effectLst/>
-        </p:spPr>
-      </p:pic>
-      <p:sp>
-        <p:nvSpPr>
-          <p:cNvPr id="7" name="Inhaltsplatzhalter 2">
-            <a:extLst>
-              <a:ext uri="{FF2B5EF4-FFF2-40B4-BE49-F238E27FC236}">
-                <a16:creationId xmlns:a16="http://schemas.microsoft.com/office/drawing/2014/main" id="{1889E7B1-15DA-497C-AB2C-61357DC70AA3}"/>
-              </a:ext>
-            </a:extLst>
-          </p:cNvPr>
-          <p:cNvSpPr txBox="1">
-            <a:spLocks/>
-          </p:cNvSpPr>
-          <p:nvPr/>
-        </p:nvSpPr>
-        <p:spPr>
-          <a:xfrm>
-            <a:off x="417910" y="1785938"/>
-            <a:ext cx="3883027" cy="4431971"/>
-          </a:xfrm>
-          <a:prstGeom prst="rect">
-            <a:avLst/>
-          </a:prstGeom>
-        </p:spPr>
-        <p:txBody>
-          <a:bodyPr vert="horz" lIns="91440" tIns="45720" rIns="91440" bIns="45720" rtlCol="0">
-            <a:normAutofit/>
-          </a:bodyPr>
-          <a:lstStyle>
-            <a:lvl1pPr marL="228600" indent="-228600" algn="l" defTabSz="914400" rtl="0" eaLnBrk="1" latinLnBrk="0" hangingPunct="1">
-              <a:lnSpc>
-                <a:spcPct val="90000"/>
-              </a:lnSpc>
-              <a:spcBef>
-                <a:spcPts val="1000"/>
-              </a:spcBef>
-              <a:buFont typeface="Arial" panose="020B0604020202020204" pitchFamily="34" charset="0"/>
-              <a:buChar char="•"/>
-              <a:defRPr sz="2800" kern="1200">
-                <a:solidFill>
-                  <a:schemeClr val="tx1"/>
-                </a:solidFill>
-                <a:latin typeface="+mn-lt"/>
-                <a:ea typeface="+mn-ea"/>
-                <a:cs typeface="+mn-cs"/>
-              </a:defRPr>
-            </a:lvl1pPr>
-            <a:lvl2pPr marL="685800" indent="-228600" algn="l" defTabSz="914400" rtl="0" eaLnBrk="1" latinLnBrk="0" hangingPunct="1">
-              <a:lnSpc>
-                <a:spcPct val="90000"/>
-              </a:lnSpc>
-              <a:spcBef>
-                <a:spcPts val="500"/>
-              </a:spcBef>
-              <a:buFont typeface="Arial" panose="020B0604020202020204" pitchFamily="34" charset="0"/>
-              <a:buChar char="•"/>
-              <a:defRPr sz="2400" kern="1200">
-                <a:solidFill>
-                  <a:schemeClr val="tx1"/>
-                </a:solidFill>
-                <a:latin typeface="+mn-lt"/>
-                <a:ea typeface="+mn-ea"/>
-                <a:cs typeface="+mn-cs"/>
-              </a:defRPr>
-            </a:lvl2pPr>
-            <a:lvl3pPr marL="1143000" indent="-228600" algn="l" defTabSz="914400" rtl="0" eaLnBrk="1" latinLnBrk="0" hangingPunct="1">
-              <a:lnSpc>
-                <a:spcPct val="90000"/>
-              </a:lnSpc>
-              <a:spcBef>
-                <a:spcPts val="500"/>
-              </a:spcBef>
-              <a:buFont typeface="Arial" panose="020B0604020202020204" pitchFamily="34" charset="0"/>
-              <a:buChar char="•"/>
-              <a:defRPr sz="2000" kern="1200">
-                <a:solidFill>
-                  <a:schemeClr val="tx1"/>
-                </a:solidFill>
-                <a:latin typeface="+mn-lt"/>
-                <a:ea typeface="+mn-ea"/>
-                <a:cs typeface="+mn-cs"/>
-              </a:defRPr>
-            </a:lvl3pPr>
-            <a:lvl4pPr marL="1600200" indent="-228600" algn="l" defTabSz="914400" rtl="0" eaLnBrk="1" latinLnBrk="0" hangingPunct="1">
-              <a:lnSpc>
-                <a:spcPct val="90000"/>
-              </a:lnSpc>
-              <a:spcBef>
-                <a:spcPts val="500"/>
-              </a:spcBef>
-              <a:buFont typeface="Arial" panose="020B0604020202020204" pitchFamily="34" charset="0"/>
-              <a:buChar char="•"/>
-              <a:defRPr sz="1800" kern="1200">
-                <a:solidFill>
-                  <a:schemeClr val="tx1"/>
-                </a:solidFill>
-                <a:latin typeface="+mn-lt"/>
-                <a:ea typeface="+mn-ea"/>
-                <a:cs typeface="+mn-cs"/>
-              </a:defRPr>
-            </a:lvl4pPr>
-            <a:lvl5pPr marL="2057400" indent="-228600" algn="l" defTabSz="914400" rtl="0" eaLnBrk="1" latinLnBrk="0" hangingPunct="1">
-              <a:lnSpc>
-                <a:spcPct val="90000"/>
-              </a:lnSpc>
-              <a:spcBef>
-                <a:spcPts val="500"/>
-              </a:spcBef>
-              <a:buFont typeface="Arial" panose="020B0604020202020204" pitchFamily="34" charset="0"/>
-              <a:buChar char="•"/>
-              <a:defRPr sz="1800" kern="1200">
-                <a:solidFill>
-                  <a:schemeClr val="tx1"/>
-                </a:solidFill>
-                <a:latin typeface="+mn-lt"/>
-                <a:ea typeface="+mn-ea"/>
-                <a:cs typeface="+mn-cs"/>
-              </a:defRPr>
-            </a:lvl5pPr>
-            <a:lvl6pPr marL="2514600" indent="-228600" algn="l" defTabSz="914400" rtl="0" eaLnBrk="1" latinLnBrk="0" hangingPunct="1">
-              <a:lnSpc>
-                <a:spcPct val="90000"/>
-              </a:lnSpc>
-              <a:spcBef>
-                <a:spcPts val="500"/>
-              </a:spcBef>
-              <a:buFont typeface="Arial" panose="020B0604020202020204" pitchFamily="34" charset="0"/>
-              <a:buChar char="•"/>
-              <a:defRPr sz="1800" kern="1200">
-                <a:solidFill>
-                  <a:schemeClr val="tx1"/>
-                </a:solidFill>
-                <a:latin typeface="+mn-lt"/>
-                <a:ea typeface="+mn-ea"/>
-                <a:cs typeface="+mn-cs"/>
-              </a:defRPr>
-            </a:lvl6pPr>
-            <a:lvl7pPr marL="2971800" indent="-228600" algn="l" defTabSz="914400" rtl="0" eaLnBrk="1" latinLnBrk="0" hangingPunct="1">
-              <a:lnSpc>
-                <a:spcPct val="90000"/>
-              </a:lnSpc>
-              <a:spcBef>
-                <a:spcPts val="500"/>
-              </a:spcBef>
-              <a:buFont typeface="Arial" panose="020B0604020202020204" pitchFamily="34" charset="0"/>
-              <a:buChar char="•"/>
-              <a:defRPr sz="1800" kern="1200">
-                <a:solidFill>
-                  <a:schemeClr val="tx1"/>
-                </a:solidFill>
-                <a:latin typeface="+mn-lt"/>
-                <a:ea typeface="+mn-ea"/>
-                <a:cs typeface="+mn-cs"/>
-              </a:defRPr>
-            </a:lvl7pPr>
-            <a:lvl8pPr marL="3429000" indent="-228600" algn="l" defTabSz="914400" rtl="0" eaLnBrk="1" latinLnBrk="0" hangingPunct="1">
-              <a:lnSpc>
-                <a:spcPct val="90000"/>
-              </a:lnSpc>
-              <a:spcBef>
-                <a:spcPts val="500"/>
-              </a:spcBef>
-              <a:buFont typeface="Arial" panose="020B0604020202020204" pitchFamily="34" charset="0"/>
-              <a:buChar char="•"/>
-              <a:defRPr sz="1800" kern="1200">
-                <a:solidFill>
-                  <a:schemeClr val="tx1"/>
-                </a:solidFill>
-                <a:latin typeface="+mn-lt"/>
-                <a:ea typeface="+mn-ea"/>
-                <a:cs typeface="+mn-cs"/>
-              </a:defRPr>
-            </a:lvl8pPr>
-            <a:lvl9pPr marL="3886200" indent="-228600" algn="l" defTabSz="914400" rtl="0" eaLnBrk="1" latinLnBrk="0" hangingPunct="1">
-              <a:lnSpc>
-                <a:spcPct val="90000"/>
-              </a:lnSpc>
-              <a:spcBef>
-                <a:spcPts val="500"/>
-              </a:spcBef>
-              <a:buFont typeface="Arial" panose="020B0604020202020204" pitchFamily="34" charset="0"/>
-              <a:buChar char="•"/>
-              <a:defRPr sz="1800" kern="1200">
-                <a:solidFill>
-                  <a:schemeClr val="tx1"/>
-                </a:solidFill>
-                <a:latin typeface="+mn-lt"/>
-                <a:ea typeface="+mn-ea"/>
-                <a:cs typeface="+mn-cs"/>
-              </a:defRPr>
-            </a:lvl9pPr>
-          </a:lstStyle>
-          <a:p>
-            <a:r>
-              <a:rPr lang="en-US" sz="2000" dirty="0" err="1"/>
-              <a:t>Straße</a:t>
-            </a:r>
-            <a:r>
-              <a:rPr lang="en-US" sz="2000" dirty="0"/>
-              <a:t> </a:t>
-            </a:r>
-            <a:r>
-              <a:rPr lang="en-US" sz="2000" dirty="0" err="1"/>
-              <a:t>beinhaltet</a:t>
-            </a:r>
-            <a:r>
-              <a:rPr lang="en-US" sz="2000" dirty="0"/>
-              <a:t>:</a:t>
-            </a:r>
-          </a:p>
-          <a:p>
-            <a:pPr lvl="1"/>
-            <a:r>
-              <a:rPr lang="en-US" sz="2000" dirty="0"/>
-              <a:t>Eine Queue</a:t>
-            </a:r>
-          </a:p>
-          <a:p>
-            <a:pPr lvl="1"/>
-            <a:r>
-              <a:rPr lang="en-US" sz="2000" dirty="0" err="1"/>
-              <a:t>Straßenlänge</a:t>
-            </a:r>
-            <a:endParaRPr lang="en-US" sz="2000" dirty="0"/>
-          </a:p>
-          <a:p>
-            <a:pPr lvl="1"/>
-            <a:r>
-              <a:rPr lang="en-US" sz="2000" dirty="0"/>
-              <a:t>Dauer, die </a:t>
-            </a:r>
-            <a:r>
-              <a:rPr lang="en-US" sz="2000" dirty="0" err="1"/>
-              <a:t>Straße</a:t>
-            </a:r>
-            <a:r>
-              <a:rPr lang="en-US" sz="2000" dirty="0"/>
-              <a:t> </a:t>
-            </a:r>
-            <a:r>
-              <a:rPr lang="en-US" sz="2000" dirty="0" err="1"/>
-              <a:t>zu</a:t>
-            </a:r>
-            <a:r>
-              <a:rPr lang="en-US" sz="2000" dirty="0"/>
-              <a:t> </a:t>
-            </a:r>
-            <a:r>
-              <a:rPr lang="en-US" sz="2000" dirty="0" err="1"/>
-              <a:t>überqueren</a:t>
-            </a:r>
-            <a:endParaRPr lang="en-US" sz="2000" dirty="0"/>
-          </a:p>
-          <a:p>
-            <a:pPr lvl="1"/>
-            <a:r>
-              <a:rPr lang="en-US" sz="2000" dirty="0"/>
-              <a:t>Counter </a:t>
-            </a:r>
-            <a:r>
-              <a:rPr lang="en-US" sz="2000" dirty="0" err="1"/>
-              <a:t>zur</a:t>
-            </a:r>
-            <a:r>
-              <a:rPr lang="en-US" sz="2000" dirty="0"/>
-              <a:t> </a:t>
-            </a:r>
-            <a:r>
-              <a:rPr lang="en-US" sz="2000" dirty="0" err="1"/>
-              <a:t>Analyse</a:t>
-            </a:r>
-            <a:endParaRPr lang="en-US" sz="2000" dirty="0"/>
-          </a:p>
-          <a:p>
-            <a:r>
-              <a:rPr lang="en-US" sz="2000" dirty="0" err="1"/>
-              <a:t>Alle</a:t>
-            </a:r>
-            <a:r>
-              <a:rPr lang="en-US" sz="2000" dirty="0"/>
-              <a:t> Parameter von </a:t>
-            </a:r>
-            <a:r>
-              <a:rPr lang="en-US" sz="2000" dirty="0" err="1"/>
-              <a:t>außen</a:t>
-            </a:r>
-            <a:r>
-              <a:rPr lang="en-US" sz="2000" dirty="0"/>
-              <a:t> </a:t>
-            </a:r>
-            <a:r>
-              <a:rPr lang="en-US" sz="2000" dirty="0" err="1"/>
-              <a:t>setzbar</a:t>
-            </a:r>
-            <a:endParaRPr lang="en-US" sz="2000" dirty="0"/>
-          </a:p>
-        </p:txBody>
-      </p:sp>
-    </p:spTree>
-    <p:extLst>
-      <p:ext uri="{BB962C8B-B14F-4D97-AF65-F5344CB8AC3E}">
-        <p14:creationId xmlns:p14="http://schemas.microsoft.com/office/powerpoint/2010/main" val="1049452539"/>
-      </p:ext>
-    </p:extLst>
-  </p:cSld>
-  <p:clrMapOvr>
-    <a:masterClrMapping/>
-  </p:clrMapOvr>
-</p:sld>
-</file>
-
-<file path=ppt/slides/slide2.xml><?xml version="1.0" encoding="utf-8"?>
-<p:sld xmlns:a="http://schemas.openxmlformats.org/drawingml/2006/main" xmlns:r="http://schemas.openxmlformats.org/officeDocument/2006/relationships" xmlns:p="http://schemas.openxmlformats.org/presentationml/2006/main">
-  <p:cSld>
-    <p:bg>
-      <p:bgPr>
-        <a:solidFill>
-          <a:schemeClr val="bg1"/>
-        </a:solidFill>
-        <a:effectLst/>
-      </p:bgPr>
-    </p:bg>
-    <p:spTree>
-      <p:nvGrpSpPr>
-        <p:cNvPr id="1" name=""/>
-        <p:cNvGrpSpPr/>
-        <p:nvPr/>
-      </p:nvGrpSpPr>
-      <p:grpSpPr>
-        <a:xfrm>
-          <a:off x="0" y="0"/>
-          <a:ext cx="0" cy="0"/>
-          <a:chOff x="0" y="0"/>
-          <a:chExt cx="0" cy="0"/>
-        </a:xfrm>
-      </p:grpSpPr>
-      <p:sp>
-        <p:nvSpPr>
-          <p:cNvPr id="2065" name="Rectangle 147">
-            <a:extLst>
-              <a:ext uri="{FF2B5EF4-FFF2-40B4-BE49-F238E27FC236}">
-                <a16:creationId xmlns:a16="http://schemas.microsoft.com/office/drawing/2014/main" id="{49CD2D09-B1BB-4DF5-9E1C-3D21B21EDEFD}"/>
-              </a:ext>
-              <a:ext uri="{C183D7F6-B498-43B3-948B-1728B52AA6E4}">
-                <adec:decorative xmlns:adec="http://schemas.microsoft.com/office/drawing/2017/decorative" val="1"/>
-              </a:ext>
-            </a:extLst>
-          </p:cNvPr>
-          <p:cNvSpPr>
-            <a:spLocks noGrp="1" noRot="1" noChangeAspect="1" noMove="1" noResize="1" noEditPoints="1" noAdjustHandles="1" noChangeArrowheads="1" noChangeShapeType="1" noTextEdit="1"/>
-          </p:cNvSpPr>
-          <p:nvPr>
-            <p:extLst>
-              <p:ext uri="{386F3935-93C4-4BCD-93E2-E3B085C9AB24}">
-                <p16:designElem xmlns:p16="http://schemas.microsoft.com/office/powerpoint/2015/main" val="1"/>
-              </p:ext>
-            </p:extLst>
-          </p:nvPr>
-        </p:nvSpPr>
-        <p:spPr>
-          <a:xfrm>
-            <a:off x="5920431" y="0"/>
-            <a:ext cx="6271569" cy="6858000"/>
-          </a:xfrm>
-          <a:prstGeom prst="rect">
-            <a:avLst/>
-          </a:prstGeom>
-          <a:gradFill>
-            <a:gsLst>
-              <a:gs pos="0">
-                <a:schemeClr val="accent1">
-                  <a:lumMod val="100000"/>
-                  <a:alpha val="82000"/>
-                </a:schemeClr>
-              </a:gs>
-              <a:gs pos="25000">
-                <a:schemeClr val="accent1">
-                  <a:alpha val="60000"/>
-                </a:schemeClr>
-              </a:gs>
-              <a:gs pos="94000">
-                <a:schemeClr val="bg2">
-                  <a:lumMod val="75000"/>
-                </a:schemeClr>
-              </a:gs>
-              <a:gs pos="100000">
-                <a:schemeClr val="bg2">
-                  <a:lumMod val="75000"/>
-                </a:schemeClr>
-              </a:gs>
-            </a:gsLst>
-            <a:lin ang="4200000" scaled="0"/>
-          </a:gradFill>
-          <a:ln>
-            <a:noFill/>
-          </a:ln>
-        </p:spPr>
-        <p:style>
-          <a:lnRef idx="2">
-            <a:schemeClr val="accent1">
-              <a:shade val="50000"/>
-            </a:schemeClr>
-          </a:lnRef>
-          <a:fillRef idx="1">
-            <a:schemeClr val="accent1"/>
-          </a:fillRef>
-          <a:effectRef idx="0">
-            <a:schemeClr val="accent1"/>
-          </a:effectRef>
-          <a:fontRef idx="minor">
-            <a:schemeClr val="lt1"/>
-          </a:fontRef>
-        </p:style>
-        <p:txBody>
-          <a:bodyPr rtlCol="0" anchor="ctr"/>
-          <a:lstStyle/>
-          <a:p>
-            <a:pPr algn="ctr"/>
-            <a:endParaRPr lang="en-US"/>
-          </a:p>
-        </p:txBody>
-      </p:sp>
-      <p:pic>
-        <p:nvPicPr>
-          <p:cNvPr id="150" name="Picture 149">
-            <a:extLst>
-              <a:ext uri="{FF2B5EF4-FFF2-40B4-BE49-F238E27FC236}">
-                <a16:creationId xmlns:a16="http://schemas.microsoft.com/office/drawing/2014/main" id="{83355637-BA71-4F63-94C9-E77BF81BDFC0}"/>
-              </a:ext>
-              <a:ext uri="{C183D7F6-B498-43B3-948B-1728B52AA6E4}">
-                <adec:decorative xmlns:adec="http://schemas.microsoft.com/office/drawing/2017/decorative" val="1"/>
-              </a:ext>
-            </a:extLst>
-          </p:cNvPr>
-          <p:cNvPicPr>
-            <a:picLocks noGrp="1" noRot="1" noChangeAspect="1" noMove="1" noResize="1" noEditPoints="1" noAdjustHandles="1" noChangeArrowheads="1" noChangeShapeType="1" noCrop="1"/>
-          </p:cNvPicPr>
-          <p:nvPr>
-            <p:extLst>
-              <p:ext uri="{386F3935-93C4-4BCD-93E2-E3B085C9AB24}">
-                <p16:designElem xmlns:p16="http://schemas.microsoft.com/office/powerpoint/2015/main" val="1"/>
-              </p:ext>
-            </p:extLst>
-          </p:nvPr>
-        </p:nvPicPr>
-        <p:blipFill>
-          <a:blip r:embed="rId2">
-            <a:extLst>
-              <a:ext uri="{28A0092B-C50C-407E-A947-70E740481C1C}">
-                <a14:useLocalDpi xmlns:a14="http://schemas.microsoft.com/office/drawing/2010/main" val="0"/>
-              </a:ext>
-            </a:extLst>
-          </a:blip>
-          <a:stretch>
-            <a:fillRect/>
-          </a:stretch>
-        </p:blipFill>
-        <p:spPr>
-          <a:xfrm flipH="1">
-            <a:off x="0" y="0"/>
-            <a:ext cx="12192000" cy="6858000"/>
-          </a:xfrm>
-          <a:prstGeom prst="rect">
-            <a:avLst/>
-          </a:prstGeom>
-        </p:spPr>
-      </p:pic>
-      <p:sp>
-        <p:nvSpPr>
-          <p:cNvPr id="2" name="Titel 1">
-            <a:extLst>
-              <a:ext uri="{FF2B5EF4-FFF2-40B4-BE49-F238E27FC236}">
-                <a16:creationId xmlns:a16="http://schemas.microsoft.com/office/drawing/2014/main" id="{2E854039-1828-406B-8855-42D44FDA54EE}"/>
-              </a:ext>
-            </a:extLst>
-          </p:cNvPr>
-          <p:cNvSpPr>
-            <a:spLocks noGrp="1"/>
-          </p:cNvSpPr>
-          <p:nvPr>
-            <p:ph type="title"/>
-          </p:nvPr>
-        </p:nvSpPr>
-        <p:spPr>
-          <a:xfrm>
-            <a:off x="804998" y="798445"/>
-            <a:ext cx="4803636" cy="1311664"/>
-          </a:xfrm>
-        </p:spPr>
-        <p:txBody>
-          <a:bodyPr>
-            <a:normAutofit/>
-          </a:bodyPr>
-          <a:lstStyle/>
-          <a:p>
-            <a:r>
-              <a:rPr lang="de-DE" dirty="0">
-                <a:solidFill>
-                  <a:srgbClr val="000000"/>
-                </a:solidFill>
-              </a:rPr>
-              <a:t>Ziel</a:t>
-            </a:r>
-          </a:p>
-        </p:txBody>
-      </p:sp>
-      <p:sp>
-        <p:nvSpPr>
-          <p:cNvPr id="3" name="Inhaltsplatzhalter 2">
-            <a:extLst>
-              <a:ext uri="{FF2B5EF4-FFF2-40B4-BE49-F238E27FC236}">
-                <a16:creationId xmlns:a16="http://schemas.microsoft.com/office/drawing/2014/main" id="{407BCB5B-5F87-4256-8C2D-5D928EE17A05}"/>
-              </a:ext>
-            </a:extLst>
-          </p:cNvPr>
-          <p:cNvSpPr>
-            <a:spLocks noGrp="1"/>
-          </p:cNvSpPr>
-          <p:nvPr>
-            <p:ph idx="1"/>
-          </p:nvPr>
-        </p:nvSpPr>
-        <p:spPr>
-          <a:xfrm>
-            <a:off x="804997" y="2272143"/>
-            <a:ext cx="4706803" cy="3788830"/>
-          </a:xfrm>
-        </p:spPr>
-        <p:txBody>
-          <a:bodyPr anchor="ctr">
-            <a:normAutofit/>
-          </a:bodyPr>
-          <a:lstStyle/>
-          <a:p>
-            <a:r>
-              <a:rPr lang="de-DE" sz="2000" dirty="0">
-                <a:solidFill>
-                  <a:srgbClr val="000000"/>
-                </a:solidFill>
-              </a:rPr>
-              <a:t>Ptolemy Traffic Model mit verschiedenen Kreuzungen (T- und Cross-</a:t>
-            </a:r>
-            <a:r>
-              <a:rPr lang="de-DE" sz="2000" dirty="0" err="1">
-                <a:solidFill>
-                  <a:srgbClr val="000000"/>
-                </a:solidFill>
-              </a:rPr>
-              <a:t>Intersection</a:t>
-            </a:r>
-            <a:r>
-              <a:rPr lang="de-DE" sz="2000" dirty="0">
-                <a:solidFill>
-                  <a:srgbClr val="000000"/>
-                </a:solidFill>
-              </a:rPr>
-              <a:t>)</a:t>
-            </a:r>
-          </a:p>
-          <a:p>
-            <a:r>
-              <a:rPr lang="de-DE" sz="2000" dirty="0">
-                <a:solidFill>
-                  <a:srgbClr val="000000"/>
-                </a:solidFill>
-              </a:rPr>
-              <a:t>Rechtsregel implementieren</a:t>
-            </a:r>
-          </a:p>
-          <a:p>
-            <a:r>
-              <a:rPr lang="de-DE" sz="2000" dirty="0">
-                <a:solidFill>
-                  <a:srgbClr val="000000"/>
-                </a:solidFill>
-              </a:rPr>
-              <a:t>Straßen mit Handhabung der Autos</a:t>
-            </a:r>
-          </a:p>
-          <a:p>
-            <a:r>
-              <a:rPr lang="de-DE" sz="2000" dirty="0">
-                <a:solidFill>
-                  <a:srgbClr val="000000"/>
-                </a:solidFill>
-              </a:rPr>
-              <a:t>Autos aus mehreren Komponenten</a:t>
-            </a:r>
-          </a:p>
-          <a:p>
-            <a:r>
-              <a:rPr lang="de-DE" sz="2000" dirty="0">
-                <a:solidFill>
-                  <a:srgbClr val="000000"/>
-                </a:solidFill>
-              </a:rPr>
-              <a:t>Analyse um starken Verkehr zu erkennen</a:t>
-            </a:r>
-          </a:p>
-          <a:p>
-            <a:r>
-              <a:rPr lang="de-DE" sz="2000" dirty="0">
-                <a:solidFill>
-                  <a:srgbClr val="000000"/>
-                </a:solidFill>
-              </a:rPr>
-              <a:t>Design, das es ermöglicht, einfach Verkehrsmodelle auszutauschen</a:t>
-            </a:r>
-          </a:p>
-          <a:p>
-            <a:pPr lvl="1"/>
-            <a:endParaRPr lang="de-DE" sz="2000" dirty="0">
-              <a:solidFill>
-                <a:srgbClr val="000000"/>
-              </a:solidFill>
-            </a:endParaRPr>
-          </a:p>
-          <a:p>
-            <a:pPr lvl="1"/>
-            <a:endParaRPr lang="de-DE" sz="2000" dirty="0">
-              <a:solidFill>
-                <a:srgbClr val="000000"/>
-              </a:solidFill>
-            </a:endParaRPr>
-          </a:p>
-        </p:txBody>
-      </p:sp>
-      <p:sp>
-        <p:nvSpPr>
-          <p:cNvPr id="152" name="Freeform 49">
-            <a:extLst>
-              <a:ext uri="{FF2B5EF4-FFF2-40B4-BE49-F238E27FC236}">
-                <a16:creationId xmlns:a16="http://schemas.microsoft.com/office/drawing/2014/main" id="{967C29FE-FD32-4AFB-AD20-DBDF5864B2D8}"/>
-              </a:ext>
-              <a:ext uri="{C183D7F6-B498-43B3-948B-1728B52AA6E4}">
-                <adec:decorative xmlns:adec="http://schemas.microsoft.com/office/drawing/2017/decorative" val="1"/>
-              </a:ext>
-            </a:extLst>
-          </p:cNvPr>
-          <p:cNvSpPr>
-            <a:spLocks noGrp="1" noRot="1" noChangeAspect="1" noMove="1" noResize="1" noEditPoints="1" noAdjustHandles="1" noChangeArrowheads="1" noChangeShapeType="1" noTextEdit="1"/>
-          </p:cNvSpPr>
-          <p:nvPr>
-            <p:extLst>
-              <p:ext uri="{386F3935-93C4-4BCD-93E2-E3B085C9AB24}">
-                <p16:designElem xmlns:p16="http://schemas.microsoft.com/office/powerpoint/2015/main" val="1"/>
-              </p:ext>
-            </p:extLst>
-          </p:nvPr>
-        </p:nvSpPr>
-        <p:spPr>
-          <a:xfrm flipH="1">
-            <a:off x="6713915" y="590635"/>
-            <a:ext cx="5478085" cy="6276841"/>
-          </a:xfrm>
-          <a:custGeom>
-            <a:avLst/>
-            <a:gdLst>
-              <a:gd name="connsiteX0" fmla="*/ 2178155 w 5478085"/>
-              <a:gd name="connsiteY0" fmla="*/ 0 h 6276841"/>
-              <a:gd name="connsiteX1" fmla="*/ 5478085 w 5478085"/>
-              <a:gd name="connsiteY1" fmla="*/ 3299930 h 6276841"/>
-              <a:gd name="connsiteX2" fmla="*/ 3751098 w 5478085"/>
-              <a:gd name="connsiteY2" fmla="*/ 6201577 h 6276841"/>
-              <a:gd name="connsiteX3" fmla="*/ 3594858 w 5478085"/>
-              <a:gd name="connsiteY3" fmla="*/ 6276841 h 6276841"/>
-              <a:gd name="connsiteX4" fmla="*/ 761453 w 5478085"/>
-              <a:gd name="connsiteY4" fmla="*/ 6276841 h 6276841"/>
-              <a:gd name="connsiteX5" fmla="*/ 605213 w 5478085"/>
-              <a:gd name="connsiteY5" fmla="*/ 6201577 h 6276841"/>
-              <a:gd name="connsiteX6" fmla="*/ 79093 w 5478085"/>
-              <a:gd name="connsiteY6" fmla="*/ 5846317 h 6276841"/>
-              <a:gd name="connsiteX7" fmla="*/ 0 w 5478085"/>
-              <a:gd name="connsiteY7" fmla="*/ 5774432 h 6276841"/>
-              <a:gd name="connsiteX8" fmla="*/ 0 w 5478085"/>
-              <a:gd name="connsiteY8" fmla="*/ 825429 h 6276841"/>
-              <a:gd name="connsiteX9" fmla="*/ 79093 w 5478085"/>
-              <a:gd name="connsiteY9" fmla="*/ 753544 h 6276841"/>
-              <a:gd name="connsiteX10" fmla="*/ 2178155 w 5478085"/>
-              <a:gd name="connsiteY10" fmla="*/ 0 h 6276841"/>
-            </a:gdLst>
-            <a:ahLst/>
-            <a:cxnLst>
-              <a:cxn ang="0">
-                <a:pos x="connsiteX0" y="connsiteY0"/>
-              </a:cxn>
-              <a:cxn ang="0">
-                <a:pos x="connsiteX1" y="connsiteY1"/>
-              </a:cxn>
-              <a:cxn ang="0">
-                <a:pos x="connsiteX2" y="connsiteY2"/>
-              </a:cxn>
-              <a:cxn ang="0">
-                <a:pos x="connsiteX3" y="connsiteY3"/>
-              </a:cxn>
-              <a:cxn ang="0">
-                <a:pos x="connsiteX4" y="connsiteY4"/>
-              </a:cxn>
-              <a:cxn ang="0">
-                <a:pos x="connsiteX5" y="connsiteY5"/>
-              </a:cxn>
-              <a:cxn ang="0">
-                <a:pos x="connsiteX6" y="connsiteY6"/>
-              </a:cxn>
-              <a:cxn ang="0">
-                <a:pos x="connsiteX7" y="connsiteY7"/>
-              </a:cxn>
-              <a:cxn ang="0">
-                <a:pos x="connsiteX8" y="connsiteY8"/>
-              </a:cxn>
-              <a:cxn ang="0">
-                <a:pos x="connsiteX9" y="connsiteY9"/>
-              </a:cxn>
-              <a:cxn ang="0">
-                <a:pos x="connsiteX10" y="connsiteY10"/>
-              </a:cxn>
-            </a:cxnLst>
-            <a:rect l="l" t="t" r="r" b="b"/>
-            <a:pathLst>
-              <a:path w="5478085" h="6276841">
-                <a:moveTo>
-                  <a:pt x="2178155" y="0"/>
-                </a:moveTo>
-                <a:cubicBezTo>
-                  <a:pt x="4000656" y="0"/>
-                  <a:pt x="5478085" y="1477429"/>
-                  <a:pt x="5478085" y="3299930"/>
-                </a:cubicBezTo>
-                <a:cubicBezTo>
-                  <a:pt x="5478085" y="4552900"/>
-                  <a:pt x="4779769" y="5642769"/>
-                  <a:pt x="3751098" y="6201577"/>
-                </a:cubicBezTo>
-                <a:lnTo>
-                  <a:pt x="3594858" y="6276841"/>
-                </a:lnTo>
-                <a:lnTo>
-                  <a:pt x="761453" y="6276841"/>
-                </a:lnTo>
-                <a:lnTo>
-                  <a:pt x="605213" y="6201577"/>
-                </a:lnTo>
-                <a:cubicBezTo>
-                  <a:pt x="418182" y="6099975"/>
-                  <a:pt x="242071" y="5980818"/>
-                  <a:pt x="79093" y="5846317"/>
-                </a:cubicBezTo>
-                <a:lnTo>
-                  <a:pt x="0" y="5774432"/>
-                </a:lnTo>
-                <a:lnTo>
-                  <a:pt x="0" y="825429"/>
-                </a:lnTo>
-                <a:lnTo>
-                  <a:pt x="79093" y="753544"/>
-                </a:lnTo>
-                <a:cubicBezTo>
-                  <a:pt x="649516" y="282789"/>
-                  <a:pt x="1380811" y="0"/>
-                  <a:pt x="2178155" y="0"/>
-                </a:cubicBezTo>
-                <a:close/>
-              </a:path>
-            </a:pathLst>
-          </a:custGeom>
-          <a:solidFill>
-            <a:srgbClr val="FFFFFF"/>
-          </a:solidFill>
-          <a:ln>
-            <a:gradFill>
-              <a:gsLst>
-                <a:gs pos="0">
-                  <a:schemeClr val="accent1">
-                    <a:lumMod val="40000"/>
-                    <a:lumOff val="60000"/>
-                  </a:schemeClr>
-                </a:gs>
-                <a:gs pos="23000">
-                  <a:schemeClr val="accent1">
-                    <a:lumMod val="45000"/>
-                    <a:lumOff val="55000"/>
-                  </a:schemeClr>
-                </a:gs>
-                <a:gs pos="83000">
-                  <a:schemeClr val="accent3"/>
-                </a:gs>
-                <a:gs pos="100000">
-                  <a:schemeClr val="accent3"/>
-                </a:gs>
-              </a:gsLst>
-              <a:lin ang="5400000" scaled="1"/>
-            </a:gradFill>
-          </a:ln>
-        </p:spPr>
-        <p:style>
-          <a:lnRef idx="2">
-            <a:schemeClr val="accent1">
-              <a:shade val="50000"/>
-            </a:schemeClr>
-          </a:lnRef>
-          <a:fillRef idx="1">
-            <a:schemeClr val="accent1"/>
-          </a:fillRef>
-          <a:effectRef idx="0">
-            <a:schemeClr val="accent1"/>
-          </a:effectRef>
-          <a:fontRef idx="minor">
-            <a:schemeClr val="lt1"/>
-          </a:fontRef>
-        </p:style>
-        <p:txBody>
-          <a:bodyPr wrap="square" rtlCol="0" anchor="ctr">
-            <a:noAutofit/>
-          </a:bodyPr>
-          <a:lstStyle/>
-          <a:p>
-            <a:pPr algn="ctr"/>
-            <a:endParaRPr lang="en-US"/>
-          </a:p>
-        </p:txBody>
-      </p:sp>
-      <p:pic>
-        <p:nvPicPr>
-          <p:cNvPr id="2056" name="Picture 8">
-            <a:extLst>
-              <a:ext uri="{FF2B5EF4-FFF2-40B4-BE49-F238E27FC236}">
-                <a16:creationId xmlns:a16="http://schemas.microsoft.com/office/drawing/2014/main" id="{15CF59A5-93C5-4AA1-A7A1-5F2F0261B501}"/>
-              </a:ext>
-            </a:extLst>
-          </p:cNvPr>
-          <p:cNvPicPr>
-            <a:picLocks noChangeAspect="1" noChangeArrowheads="1"/>
-          </p:cNvPicPr>
-          <p:nvPr/>
-        </p:nvPicPr>
-        <p:blipFill rotWithShape="1">
-          <a:blip r:embed="rId3">
-            <a:extLst>
-              <a:ext uri="{28A0092B-C50C-407E-A947-70E740481C1C}">
-                <a14:useLocalDpi xmlns:a14="http://schemas.microsoft.com/office/drawing/2010/main" val="0"/>
-              </a:ext>
-            </a:extLst>
-          </a:blip>
-          <a:srcRect l="27657" r="15206" b="-1"/>
-          <a:stretch/>
-        </p:blipFill>
-        <p:spPr bwMode="auto">
-          <a:xfrm>
-            <a:off x="6893318" y="796541"/>
-            <a:ext cx="5298683" cy="6097438"/>
-          </a:xfrm>
-          <a:custGeom>
-            <a:avLst/>
-            <a:gdLst/>
-            <a:ahLst/>
-            <a:cxnLst/>
-            <a:rect l="l" t="t" r="r" b="b"/>
-            <a:pathLst>
-              <a:path w="5298683" h="6097438">
-                <a:moveTo>
-                  <a:pt x="3120528" y="0"/>
-                </a:moveTo>
-                <a:cubicBezTo>
-                  <a:pt x="3874524" y="0"/>
-                  <a:pt x="4566062" y="267415"/>
-                  <a:pt x="5105473" y="712577"/>
-                </a:cubicBezTo>
-                <a:lnTo>
-                  <a:pt x="5298683" y="888178"/>
-                </a:lnTo>
-                <a:lnTo>
-                  <a:pt x="5298683" y="5352876"/>
-                </a:lnTo>
-                <a:lnTo>
-                  <a:pt x="5105473" y="5528477"/>
-                </a:lnTo>
-                <a:cubicBezTo>
-                  <a:pt x="4874296" y="5719261"/>
-                  <a:pt x="4615179" y="5877397"/>
-                  <a:pt x="4335177" y="5995828"/>
-                </a:cubicBezTo>
-                <a:lnTo>
-                  <a:pt x="4057556" y="6097438"/>
-                </a:lnTo>
-                <a:lnTo>
-                  <a:pt x="2183499" y="6097438"/>
-                </a:lnTo>
-                <a:lnTo>
-                  <a:pt x="1905878" y="5995828"/>
-                </a:lnTo>
-                <a:cubicBezTo>
-                  <a:pt x="785873" y="5522106"/>
-                  <a:pt x="0" y="4413092"/>
-                  <a:pt x="0" y="3120527"/>
-                </a:cubicBezTo>
-                <a:cubicBezTo>
-                  <a:pt x="0" y="1397108"/>
-                  <a:pt x="1397108" y="0"/>
-                  <a:pt x="3120528" y="0"/>
-                </a:cubicBezTo>
-                <a:close/>
-              </a:path>
-            </a:pathLst>
-          </a:custGeom>
-          <a:noFill/>
-          <a:extLst>
-            <a:ext uri="{909E8E84-426E-40DD-AFC4-6F175D3DCCD1}">
-              <a14:hiddenFill xmlns:a14="http://schemas.microsoft.com/office/drawing/2010/main">
-                <a:solidFill>
-                  <a:srgbClr val="FFFFFF"/>
-                </a:solidFill>
-              </a14:hiddenFill>
-            </a:ext>
-          </a:extLst>
-        </p:spPr>
-      </p:pic>
-    </p:spTree>
-    <p:extLst>
-      <p:ext uri="{BB962C8B-B14F-4D97-AF65-F5344CB8AC3E}">
-        <p14:creationId xmlns:p14="http://schemas.microsoft.com/office/powerpoint/2010/main" val="3150188416"/>
-      </p:ext>
-    </p:extLst>
-  </p:cSld>
-  <p:clrMapOvr>
-    <a:masterClrMapping/>
-  </p:clrMapOvr>
-</p:sld>
-</file>
-
-<file path=ppt/slides/slide3.xml><?xml version="1.0" encoding="utf-8"?>
-<p:sld xmlns:a="http://schemas.openxmlformats.org/drawingml/2006/main" xmlns:r="http://schemas.openxmlformats.org/officeDocument/2006/relationships" xmlns:p="http://schemas.openxmlformats.org/presentationml/2006/main">
-  <p:cSld>
-    <p:spTree>
-      <p:nvGrpSpPr>
-        <p:cNvPr id="1" name=""/>
-        <p:cNvGrpSpPr/>
-        <p:nvPr/>
-      </p:nvGrpSpPr>
-      <p:grpSpPr>
-        <a:xfrm>
-          <a:off x="0" y="0"/>
-          <a:ext cx="0" cy="0"/>
-          <a:chOff x="0" y="0"/>
-          <a:chExt cx="0" cy="0"/>
-        </a:xfrm>
-      </p:grpSpPr>
-      <p:sp>
-        <p:nvSpPr>
-          <p:cNvPr id="2" name="Titel 1">
-            <a:extLst>
-              <a:ext uri="{FF2B5EF4-FFF2-40B4-BE49-F238E27FC236}">
-                <a16:creationId xmlns:a16="http://schemas.microsoft.com/office/drawing/2014/main" id="{97BDD08A-8877-4F6B-9325-732127015AEC}"/>
-              </a:ext>
-            </a:extLst>
-          </p:cNvPr>
-          <p:cNvSpPr>
-            <a:spLocks noGrp="1"/>
-          </p:cNvSpPr>
-          <p:nvPr>
-            <p:ph type="title"/>
-          </p:nvPr>
-        </p:nvSpPr>
-        <p:spPr/>
-        <p:txBody>
-          <a:bodyPr/>
-          <a:lstStyle/>
-          <a:p>
-            <a:r>
-              <a:rPr lang="de-DE" dirty="0"/>
-              <a:t>Start-Up Phase</a:t>
-            </a:r>
-            <a:endParaRPr lang="de-IT" dirty="0"/>
-          </a:p>
-        </p:txBody>
-      </p:sp>
-      <p:sp>
-        <p:nvSpPr>
-          <p:cNvPr id="3" name="Inhaltsplatzhalter 2">
-            <a:extLst>
-              <a:ext uri="{FF2B5EF4-FFF2-40B4-BE49-F238E27FC236}">
-                <a16:creationId xmlns:a16="http://schemas.microsoft.com/office/drawing/2014/main" id="{B238CCC0-A949-424D-AB27-1EE5356FF163}"/>
-              </a:ext>
-            </a:extLst>
-          </p:cNvPr>
-          <p:cNvSpPr>
-            <a:spLocks noGrp="1"/>
-          </p:cNvSpPr>
-          <p:nvPr>
-            <p:ph idx="1"/>
-          </p:nvPr>
-        </p:nvSpPr>
-        <p:spPr/>
-        <p:txBody>
-          <a:bodyPr>
-            <a:normAutofit/>
-          </a:bodyPr>
-          <a:lstStyle/>
-          <a:p>
-            <a:r>
-              <a:rPr lang="de-DE" sz="2000" dirty="0"/>
-              <a:t>Ptolemy Demos dursuchen </a:t>
-            </a:r>
-            <a:r>
-              <a:rPr lang="de-DE" sz="2000" dirty="0">
-                <a:sym typeface="Wingdings" panose="05000000000000000000" pitchFamily="2" charset="2"/>
-              </a:rPr>
-              <a:t> „Air Traffic Model“ scheint Ähnlichkeiten aufzuweisen</a:t>
-            </a:r>
-          </a:p>
-          <a:p>
-            <a:r>
-              <a:rPr lang="de-DE" sz="2000" dirty="0">
-                <a:sym typeface="Wingdings" panose="05000000000000000000" pitchFamily="2" charset="2"/>
-              </a:rPr>
-              <a:t>Eigenen </a:t>
-            </a:r>
-            <a:r>
-              <a:rPr lang="de-DE" sz="2000" dirty="0" err="1">
-                <a:sym typeface="Wingdings" panose="05000000000000000000" pitchFamily="2" charset="2"/>
-              </a:rPr>
-              <a:t>Director</a:t>
-            </a:r>
-            <a:r>
-              <a:rPr lang="de-DE" sz="2000" dirty="0">
-                <a:sym typeface="Wingdings" panose="05000000000000000000" pitchFamily="2" charset="2"/>
-              </a:rPr>
-              <a:t> geschrieben</a:t>
-            </a:r>
-          </a:p>
-          <a:p>
-            <a:r>
-              <a:rPr lang="de-DE" sz="2000" dirty="0">
-                <a:sym typeface="Wingdings" panose="05000000000000000000" pitchFamily="2" charset="2"/>
-              </a:rPr>
-              <a:t>Eigene Models und Components geschrieben</a:t>
-            </a:r>
-          </a:p>
-          <a:p>
-            <a:r>
-              <a:rPr lang="de-DE" sz="2000" dirty="0">
-                <a:sym typeface="Wingdings" panose="05000000000000000000" pitchFamily="2" charset="2"/>
-              </a:rPr>
-              <a:t>Zu viele Fehler bei Einbindung….</a:t>
-            </a:r>
-            <a:endParaRPr lang="de-IT" sz="2000" dirty="0"/>
-          </a:p>
-        </p:txBody>
-      </p:sp>
-    </p:spTree>
-    <p:extLst>
-      <p:ext uri="{BB962C8B-B14F-4D97-AF65-F5344CB8AC3E}">
-        <p14:creationId xmlns:p14="http://schemas.microsoft.com/office/powerpoint/2010/main" val="3614932241"/>
-      </p:ext>
-    </p:extLst>
-  </p:cSld>
-  <p:clrMapOvr>
-    <a:masterClrMapping/>
-  </p:clrMapOvr>
-</p:sld>
-</file>
-
-<file path=ppt/slides/slide4.xml><?xml version="1.0" encoding="utf-8"?>
-<p:sld xmlns:a="http://schemas.openxmlformats.org/drawingml/2006/main" xmlns:r="http://schemas.openxmlformats.org/officeDocument/2006/relationships" xmlns:p="http://schemas.openxmlformats.org/presentationml/2006/main">
-  <p:cSld>
-    <p:spTree>
-      <p:nvGrpSpPr>
-        <p:cNvPr id="1" name=""/>
-        <p:cNvGrpSpPr/>
-        <p:nvPr/>
-      </p:nvGrpSpPr>
-      <p:grpSpPr>
-        <a:xfrm>
-          <a:off x="0" y="0"/>
-          <a:ext cx="0" cy="0"/>
-          <a:chOff x="0" y="0"/>
-          <a:chExt cx="0" cy="0"/>
-        </a:xfrm>
-      </p:grpSpPr>
-      <p:sp>
-        <p:nvSpPr>
-          <p:cNvPr id="2" name="Titel 1">
-            <a:extLst>
-              <a:ext uri="{FF2B5EF4-FFF2-40B4-BE49-F238E27FC236}">
-                <a16:creationId xmlns:a16="http://schemas.microsoft.com/office/drawing/2014/main" id="{BE8BA8C4-46F2-4BB2-B53C-807F9B8ACD66}"/>
-              </a:ext>
-            </a:extLst>
-          </p:cNvPr>
-          <p:cNvSpPr>
-            <a:spLocks noGrp="1"/>
-          </p:cNvSpPr>
-          <p:nvPr>
-            <p:ph type="title"/>
-          </p:nvPr>
-        </p:nvSpPr>
-        <p:spPr/>
-        <p:txBody>
-          <a:bodyPr/>
-          <a:lstStyle/>
-          <a:p>
-            <a:r>
-              <a:rPr lang="de-DE" dirty="0"/>
-              <a:t>cars.txt</a:t>
-            </a:r>
-            <a:endParaRPr lang="de-IT" dirty="0"/>
-          </a:p>
-        </p:txBody>
-      </p:sp>
-      <p:sp>
-        <p:nvSpPr>
-          <p:cNvPr id="3" name="Inhaltsplatzhalter 2">
-            <a:extLst>
-              <a:ext uri="{FF2B5EF4-FFF2-40B4-BE49-F238E27FC236}">
-                <a16:creationId xmlns:a16="http://schemas.microsoft.com/office/drawing/2014/main" id="{57C952F1-5B30-4B58-937F-295797916E15}"/>
-              </a:ext>
-            </a:extLst>
-          </p:cNvPr>
-          <p:cNvSpPr>
-            <a:spLocks noGrp="1"/>
-          </p:cNvSpPr>
-          <p:nvPr>
-            <p:ph idx="1"/>
-          </p:nvPr>
-        </p:nvSpPr>
-        <p:spPr/>
-        <p:txBody>
-          <a:bodyPr/>
-          <a:lstStyle/>
-          <a:p>
-            <a:r>
-              <a:rPr lang="de-DE" sz="2000" dirty="0"/>
-              <a:t>Ein Auto besteht, wie erwähnt aus verschiedenen Komponenten</a:t>
-            </a:r>
-          </a:p>
-          <a:p>
-            <a:r>
-              <a:rPr lang="de-DE" sz="2000" dirty="0"/>
-              <a:t>Getrennt durch ein Tab</a:t>
-            </a:r>
-          </a:p>
-          <a:p>
-            <a:endParaRPr lang="de-IT" dirty="0"/>
-          </a:p>
-        </p:txBody>
-      </p:sp>
-      <p:graphicFrame>
-        <p:nvGraphicFramePr>
-          <p:cNvPr id="4" name="Tabelle 4">
-            <a:extLst>
-              <a:ext uri="{FF2B5EF4-FFF2-40B4-BE49-F238E27FC236}">
-                <a16:creationId xmlns:a16="http://schemas.microsoft.com/office/drawing/2014/main" id="{23879C65-56E3-493F-AED5-0C6337B027BB}"/>
-              </a:ext>
-            </a:extLst>
-          </p:cNvPr>
-          <p:cNvGraphicFramePr>
-            <a:graphicFrameLocks noGrp="1"/>
-          </p:cNvGraphicFramePr>
-          <p:nvPr>
-            <p:extLst>
-              <p:ext uri="{D42A27DB-BD31-4B8C-83A1-F6EECF244321}">
-                <p14:modId xmlns:p14="http://schemas.microsoft.com/office/powerpoint/2010/main" val="1745639374"/>
-              </p:ext>
-            </p:extLst>
-          </p:nvPr>
-        </p:nvGraphicFramePr>
-        <p:xfrm>
-          <a:off x="998329" y="2793447"/>
-          <a:ext cx="9629916" cy="3050760"/>
-        </p:xfrm>
-        <a:graphic>
-          <a:graphicData uri="http://schemas.openxmlformats.org/drawingml/2006/table">
-            <a:tbl>
-              <a:tblPr firstRow="1" bandRow="1">
-                <a:tableStyleId>{F5AB1C69-6EDB-4FF4-983F-18BD219EF322}</a:tableStyleId>
-              </a:tblPr>
-              <a:tblGrid>
-                <a:gridCol w="2407479">
-                  <a:extLst>
-                    <a:ext uri="{9D8B030D-6E8A-4147-A177-3AD203B41FA5}">
-                      <a16:colId xmlns:a16="http://schemas.microsoft.com/office/drawing/2014/main" val="3947154205"/>
-                    </a:ext>
-                  </a:extLst>
-                </a:gridCol>
-                <a:gridCol w="2407479">
-                  <a:extLst>
-                    <a:ext uri="{9D8B030D-6E8A-4147-A177-3AD203B41FA5}">
-                      <a16:colId xmlns:a16="http://schemas.microsoft.com/office/drawing/2014/main" val="3402840984"/>
-                    </a:ext>
-                  </a:extLst>
-                </a:gridCol>
-                <a:gridCol w="2407479">
-                  <a:extLst>
-                    <a:ext uri="{9D8B030D-6E8A-4147-A177-3AD203B41FA5}">
-                      <a16:colId xmlns:a16="http://schemas.microsoft.com/office/drawing/2014/main" val="1410997782"/>
-                    </a:ext>
-                  </a:extLst>
-                </a:gridCol>
-                <a:gridCol w="2407479">
-                  <a:extLst>
-                    <a:ext uri="{9D8B030D-6E8A-4147-A177-3AD203B41FA5}">
-                      <a16:colId xmlns:a16="http://schemas.microsoft.com/office/drawing/2014/main" val="948437047"/>
-                    </a:ext>
-                  </a:extLst>
-                </a:gridCol>
-              </a:tblGrid>
-              <a:tr h="610152">
-                <a:tc>
-                  <a:txBody>
-                    <a:bodyPr/>
-                    <a:lstStyle/>
-                    <a:p>
-                      <a:r>
-                        <a:rPr lang="de-DE" sz="2200" dirty="0" err="1"/>
-                        <a:t>carId</a:t>
-                      </a:r>
-                      <a:endParaRPr lang="de-IT" sz="2200" dirty="0"/>
-                    </a:p>
-                  </a:txBody>
-                  <a:tcPr/>
-                </a:tc>
-                <a:tc>
-                  <a:txBody>
-                    <a:bodyPr/>
-                    <a:lstStyle/>
-                    <a:p>
-                      <a:r>
-                        <a:rPr lang="de-DE" sz="2200" dirty="0" err="1"/>
-                        <a:t>roadMap</a:t>
-                      </a:r>
-                      <a:endParaRPr lang="de-IT" sz="2200" dirty="0"/>
-                    </a:p>
-                  </a:txBody>
-                  <a:tcPr/>
-                </a:tc>
-                <a:tc>
-                  <a:txBody>
-                    <a:bodyPr/>
-                    <a:lstStyle/>
-                    <a:p>
-                      <a:r>
-                        <a:rPr lang="de-DE" sz="2200" dirty="0" err="1"/>
-                        <a:t>indicator</a:t>
-                      </a:r>
-                      <a:endParaRPr lang="de-IT" sz="2200" dirty="0"/>
-                    </a:p>
-                  </a:txBody>
-                  <a:tcPr/>
-                </a:tc>
-                <a:tc>
-                  <a:txBody>
-                    <a:bodyPr/>
-                    <a:lstStyle/>
-                    <a:p>
-                      <a:r>
-                        <a:rPr lang="de-DE" sz="2200" dirty="0" err="1"/>
-                        <a:t>intersectionCount</a:t>
-                      </a:r>
-                      <a:endParaRPr lang="de-IT" sz="2200" dirty="0"/>
-                    </a:p>
-                  </a:txBody>
-                  <a:tcPr/>
-                </a:tc>
-                <a:extLst>
-                  <a:ext uri="{0D108BD9-81ED-4DB2-BD59-A6C34878D82A}">
-                    <a16:rowId xmlns:a16="http://schemas.microsoft.com/office/drawing/2014/main" val="2563282972"/>
-                  </a:ext>
-                </a:extLst>
-              </a:tr>
-              <a:tr h="610152">
-                <a:tc>
-                  <a:txBody>
-                    <a:bodyPr/>
-                    <a:lstStyle/>
-                    <a:p>
-                      <a:r>
-                        <a:rPr lang="de-DE" sz="2200" dirty="0"/>
-                        <a:t>0</a:t>
-                      </a:r>
-                      <a:endParaRPr lang="de-IT" sz="2200" dirty="0"/>
-                    </a:p>
-                  </a:txBody>
-                  <a:tcPr/>
-                </a:tc>
-                <a:tc>
-                  <a:txBody>
-                    <a:bodyPr/>
-                    <a:lstStyle/>
-                    <a:p>
-                      <a:r>
-                        <a:rPr lang="de-DE" sz="2200" dirty="0"/>
-                        <a:t>{2, 4}</a:t>
-                      </a:r>
-                    </a:p>
-                  </a:txBody>
-                  <a:tcPr/>
-                </a:tc>
-                <a:tc>
-                  <a:txBody>
-                    <a:bodyPr/>
-                    <a:lstStyle/>
-                    <a:p>
-                      <a:r>
-                        <a:rPr lang="de-DE" sz="2200" dirty="0"/>
-                        <a:t>0</a:t>
-                      </a:r>
-                      <a:endParaRPr lang="de-IT" sz="2200" dirty="0"/>
-                    </a:p>
-                  </a:txBody>
-                  <a:tcPr/>
-                </a:tc>
-                <a:tc>
-                  <a:txBody>
-                    <a:bodyPr/>
-                    <a:lstStyle/>
-                    <a:p>
-                      <a:r>
-                        <a:rPr lang="de-DE" sz="2200" dirty="0"/>
-                        <a:t>0</a:t>
-                      </a:r>
-                      <a:endParaRPr lang="de-IT" sz="2200" dirty="0"/>
-                    </a:p>
-                  </a:txBody>
-                  <a:tcPr/>
-                </a:tc>
-                <a:extLst>
-                  <a:ext uri="{0D108BD9-81ED-4DB2-BD59-A6C34878D82A}">
-                    <a16:rowId xmlns:a16="http://schemas.microsoft.com/office/drawing/2014/main" val="14817319"/>
-                  </a:ext>
-                </a:extLst>
-              </a:tr>
-              <a:tr h="610152">
-                <a:tc>
-                  <a:txBody>
-                    <a:bodyPr/>
-                    <a:lstStyle/>
-                    <a:p>
-                      <a:r>
-                        <a:rPr lang="de-DE" sz="2200" dirty="0"/>
-                        <a:t>1</a:t>
-                      </a:r>
-                      <a:endParaRPr lang="de-IT" sz="2200" dirty="0"/>
-                    </a:p>
-                  </a:txBody>
-                  <a:tcPr/>
-                </a:tc>
-                <a:tc>
-                  <a:txBody>
-                    <a:bodyPr/>
-                    <a:lstStyle/>
-                    <a:p>
-                      <a:r>
-                        <a:rPr lang="de-DE" sz="2200" dirty="0"/>
-                        <a:t>{4, 5, 10}</a:t>
-                      </a:r>
-                      <a:endParaRPr lang="de-IT" sz="2200" dirty="0"/>
-                    </a:p>
-                  </a:txBody>
-                  <a:tcPr/>
-                </a:tc>
-                <a:tc>
-                  <a:txBody>
-                    <a:bodyPr/>
-                    <a:lstStyle/>
-                    <a:p>
-                      <a:r>
-                        <a:rPr lang="de-DE" sz="2200" dirty="0"/>
-                        <a:t>0</a:t>
-                      </a:r>
-                      <a:endParaRPr lang="de-IT" sz="2200" dirty="0"/>
-                    </a:p>
-                  </a:txBody>
-                  <a:tcPr/>
-                </a:tc>
-                <a:tc>
-                  <a:txBody>
-                    <a:bodyPr/>
-                    <a:lstStyle/>
-                    <a:p>
-                      <a:r>
-                        <a:rPr lang="de-DE" sz="2200" dirty="0"/>
-                        <a:t>0</a:t>
-                      </a:r>
-                      <a:endParaRPr lang="de-IT" sz="2200" dirty="0"/>
-                    </a:p>
-                  </a:txBody>
-                  <a:tcPr/>
-                </a:tc>
-                <a:extLst>
-                  <a:ext uri="{0D108BD9-81ED-4DB2-BD59-A6C34878D82A}">
-                    <a16:rowId xmlns:a16="http://schemas.microsoft.com/office/drawing/2014/main" val="188450345"/>
-                  </a:ext>
-                </a:extLst>
-              </a:tr>
-              <a:tr h="610152">
-                <a:tc>
-                  <a:txBody>
-                    <a:bodyPr/>
-                    <a:lstStyle/>
-                    <a:p>
-                      <a:r>
-                        <a:rPr lang="de-DE" sz="2200" dirty="0"/>
-                        <a:t>2</a:t>
-                      </a:r>
-                      <a:endParaRPr lang="de-IT" sz="2200" dirty="0"/>
-                    </a:p>
-                  </a:txBody>
-                  <a:tcPr/>
-                </a:tc>
-                <a:tc>
-                  <a:txBody>
-                    <a:bodyPr/>
-                    <a:lstStyle/>
-                    <a:p>
-                      <a:r>
-                        <a:rPr lang="de-DE" sz="2200" dirty="0"/>
-                        <a:t>{2, 6, 12}</a:t>
-                      </a:r>
-                      <a:endParaRPr lang="de-IT" sz="2200" dirty="0"/>
-                    </a:p>
-                  </a:txBody>
-                  <a:tcPr/>
-                </a:tc>
-                <a:tc>
-                  <a:txBody>
-                    <a:bodyPr/>
-                    <a:lstStyle/>
-                    <a:p>
-                      <a:r>
-                        <a:rPr lang="de-DE" sz="2200" dirty="0"/>
-                        <a:t>0</a:t>
-                      </a:r>
-                      <a:endParaRPr lang="de-IT" sz="2200" dirty="0"/>
-                    </a:p>
-                  </a:txBody>
-                  <a:tcPr/>
-                </a:tc>
-                <a:tc>
-                  <a:txBody>
-                    <a:bodyPr/>
-                    <a:lstStyle/>
-                    <a:p>
-                      <a:r>
-                        <a:rPr lang="de-DE" sz="2200" dirty="0"/>
-                        <a:t>0</a:t>
-                      </a:r>
-                      <a:endParaRPr lang="de-IT" sz="2200" dirty="0"/>
-                    </a:p>
-                  </a:txBody>
-                  <a:tcPr/>
-                </a:tc>
-                <a:extLst>
-                  <a:ext uri="{0D108BD9-81ED-4DB2-BD59-A6C34878D82A}">
-                    <a16:rowId xmlns:a16="http://schemas.microsoft.com/office/drawing/2014/main" val="1412846757"/>
-                  </a:ext>
-                </a:extLst>
-              </a:tr>
-              <a:tr h="610152">
-                <a:tc>
-                  <a:txBody>
-                    <a:bodyPr/>
-                    <a:lstStyle/>
-                    <a:p>
-                      <a:r>
-                        <a:rPr lang="de-DE" sz="2200" dirty="0"/>
-                        <a:t>3</a:t>
-                      </a:r>
-                      <a:endParaRPr lang="de-IT" sz="2200" dirty="0"/>
-                    </a:p>
-                  </a:txBody>
-                  <a:tcPr/>
-                </a:tc>
-                <a:tc>
-                  <a:txBody>
-                    <a:bodyPr/>
-                    <a:lstStyle/>
-                    <a:p>
-                      <a:r>
-                        <a:rPr lang="de-DE" sz="2200" dirty="0"/>
-                        <a:t>{2, 4, 5, 8}</a:t>
-                      </a:r>
-                      <a:endParaRPr lang="de-IT" sz="2200" dirty="0"/>
-                    </a:p>
-                  </a:txBody>
-                  <a:tcPr/>
-                </a:tc>
-                <a:tc>
-                  <a:txBody>
-                    <a:bodyPr/>
-                    <a:lstStyle/>
-                    <a:p>
-                      <a:r>
-                        <a:rPr lang="de-DE" sz="2200" dirty="0"/>
-                        <a:t>0</a:t>
-                      </a:r>
-                      <a:endParaRPr lang="de-IT" sz="2200" dirty="0"/>
-                    </a:p>
-                  </a:txBody>
-                  <a:tcPr/>
-                </a:tc>
-                <a:tc>
-                  <a:txBody>
-                    <a:bodyPr/>
-                    <a:lstStyle/>
-                    <a:p>
-                      <a:r>
-                        <a:rPr lang="de-DE" sz="2200" dirty="0"/>
-                        <a:t>0</a:t>
-                      </a:r>
-                      <a:endParaRPr lang="de-IT" sz="2200" dirty="0"/>
-                    </a:p>
-                  </a:txBody>
-                  <a:tcPr/>
-                </a:tc>
-                <a:extLst>
-                  <a:ext uri="{0D108BD9-81ED-4DB2-BD59-A6C34878D82A}">
-                    <a16:rowId xmlns:a16="http://schemas.microsoft.com/office/drawing/2014/main" val="314188130"/>
-                  </a:ext>
-                </a:extLst>
-              </a:tr>
-            </a:tbl>
-          </a:graphicData>
-        </a:graphic>
-      </p:graphicFrame>
-    </p:spTree>
-    <p:extLst>
-      <p:ext uri="{BB962C8B-B14F-4D97-AF65-F5344CB8AC3E}">
-        <p14:creationId xmlns:p14="http://schemas.microsoft.com/office/powerpoint/2010/main" val="807464444"/>
-      </p:ext>
-    </p:extLst>
-  </p:cSld>
-  <p:clrMapOvr>
-    <a:masterClrMapping/>
-  </p:clrMapOvr>
-</p:sld>
-</file>
-
-<file path=ppt/slides/slide5.xml><?xml version="1.0" encoding="utf-8"?>
-<p:sld xmlns:a="http://schemas.openxmlformats.org/drawingml/2006/main" xmlns:r="http://schemas.openxmlformats.org/officeDocument/2006/relationships" xmlns:p="http://schemas.openxmlformats.org/presentationml/2006/main">
-  <p:cSld>
-    <p:bg>
-      <p:bgPr>
-        <a:solidFill>
-          <a:schemeClr val="bg1"/>
-        </a:solidFill>
-        <a:effectLst/>
-      </p:bgPr>
-    </p:bg>
-    <p:spTree>
-      <p:nvGrpSpPr>
-        <p:cNvPr id="1" name=""/>
-        <p:cNvGrpSpPr/>
-        <p:nvPr/>
-      </p:nvGrpSpPr>
-      <p:grpSpPr>
-        <a:xfrm>
-          <a:off x="0" y="0"/>
-          <a:ext cx="0" cy="0"/>
-          <a:chOff x="0" y="0"/>
-          <a:chExt cx="0" cy="0"/>
-        </a:xfrm>
-      </p:grpSpPr>
-      <p:sp>
-        <p:nvSpPr>
-          <p:cNvPr id="2" name="Titel 1">
-            <a:extLst>
-              <a:ext uri="{FF2B5EF4-FFF2-40B4-BE49-F238E27FC236}">
-                <a16:creationId xmlns:a16="http://schemas.microsoft.com/office/drawing/2014/main" id="{C9D55DE5-F402-4DA2-BD05-E2212D5730F3}"/>
-              </a:ext>
-            </a:extLst>
-          </p:cNvPr>
-          <p:cNvSpPr>
-            <a:spLocks noGrp="1"/>
-          </p:cNvSpPr>
-          <p:nvPr>
-            <p:ph type="title"/>
-          </p:nvPr>
-        </p:nvSpPr>
-        <p:spPr>
-          <a:xfrm>
-            <a:off x="648930" y="629266"/>
-            <a:ext cx="3605572" cy="1676603"/>
-          </a:xfrm>
-        </p:spPr>
-        <p:txBody>
-          <a:bodyPr>
-            <a:normAutofit/>
-          </a:bodyPr>
-          <a:lstStyle/>
-          <a:p>
-            <a:r>
-              <a:rPr lang="de-DE" sz="3700"/>
-              <a:t>Entdeckung des JavaScript-Actors</a:t>
-            </a:r>
-            <a:endParaRPr lang="de-IT" sz="3700"/>
-          </a:p>
-        </p:txBody>
-      </p:sp>
-      <p:sp>
-        <p:nvSpPr>
-          <p:cNvPr id="3" name="Inhaltsplatzhalter 2">
-            <a:extLst>
-              <a:ext uri="{FF2B5EF4-FFF2-40B4-BE49-F238E27FC236}">
-                <a16:creationId xmlns:a16="http://schemas.microsoft.com/office/drawing/2014/main" id="{5121B6C1-53AC-42D1-B133-677D7D4EDB5A}"/>
-              </a:ext>
-            </a:extLst>
-          </p:cNvPr>
-          <p:cNvSpPr>
-            <a:spLocks noGrp="1"/>
-          </p:cNvSpPr>
-          <p:nvPr>
-            <p:ph idx="1"/>
-          </p:nvPr>
-        </p:nvSpPr>
-        <p:spPr>
-          <a:xfrm>
-            <a:off x="648931" y="2438401"/>
-            <a:ext cx="3605571" cy="3779520"/>
-          </a:xfrm>
-        </p:spPr>
-        <p:txBody>
-          <a:bodyPr>
-            <a:normAutofit/>
-          </a:bodyPr>
-          <a:lstStyle/>
-          <a:p>
-            <a:r>
-              <a:rPr lang="de-DE" sz="2000" dirty="0"/>
-              <a:t>Wir begannen mit JavaScript eigenen Code in unser Modell einzuschleusen</a:t>
-            </a:r>
-          </a:p>
-          <a:p>
-            <a:r>
-              <a:rPr lang="de-DE" sz="2000" dirty="0"/>
-              <a:t>Damit konnten wir simple </a:t>
-            </a:r>
-            <a:r>
-              <a:rPr lang="de-DE" sz="2000" dirty="0" err="1"/>
-              <a:t>if</a:t>
-            </a:r>
-            <a:r>
-              <a:rPr lang="de-DE" sz="2000" dirty="0"/>
-              <a:t>-Bedingungen erzeugen und die Input-Ports besser kontrollieren</a:t>
-            </a:r>
-            <a:endParaRPr lang="de-IT" sz="2000" dirty="0"/>
-          </a:p>
-        </p:txBody>
-      </p:sp>
-      <p:sp>
-        <p:nvSpPr>
-          <p:cNvPr id="9" name="Rectangle 8">
-            <a:extLst>
-              <a:ext uri="{FF2B5EF4-FFF2-40B4-BE49-F238E27FC236}">
-                <a16:creationId xmlns:a16="http://schemas.microsoft.com/office/drawing/2014/main" id="{577D1452-F0B7-431E-9A24-D3F7103D8510}"/>
-              </a:ext>
-              <a:ext uri="{C183D7F6-B498-43B3-948B-1728B52AA6E4}">
-                <adec:decorative xmlns:adec="http://schemas.microsoft.com/office/drawing/2017/decorative" val="1"/>
-              </a:ext>
-            </a:extLst>
-          </p:cNvPr>
-          <p:cNvSpPr>
-            <a:spLocks noGrp="1" noRot="1" noChangeAspect="1" noMove="1" noResize="1" noEditPoints="1" noAdjustHandles="1" noChangeArrowheads="1" noChangeShapeType="1" noTextEdit="1"/>
-          </p:cNvSpPr>
-          <p:nvPr>
-            <p:extLst>
-              <p:ext uri="{386F3935-93C4-4BCD-93E2-E3B085C9AB24}">
-                <p16:designElem xmlns:p16="http://schemas.microsoft.com/office/powerpoint/2015/main" val="1"/>
-              </p:ext>
-            </p:extLst>
-          </p:nvPr>
-        </p:nvSpPr>
-        <p:spPr>
-          <a:xfrm>
-            <a:off x="4639056" y="0"/>
-            <a:ext cx="7552944" cy="6858000"/>
-          </a:xfrm>
-          <a:prstGeom prst="rect">
-            <a:avLst/>
-          </a:prstGeom>
-          <a:solidFill>
-            <a:srgbClr val="C8CACA"/>
-          </a:solidFill>
-          <a:ln>
-            <a:noFill/>
-          </a:ln>
-        </p:spPr>
-        <p:style>
-          <a:lnRef idx="2">
-            <a:schemeClr val="accent1">
-              <a:shade val="50000"/>
-            </a:schemeClr>
-          </a:lnRef>
-          <a:fillRef idx="1">
-            <a:schemeClr val="accent1"/>
-          </a:fillRef>
-          <a:effectRef idx="0">
-            <a:schemeClr val="accent1"/>
-          </a:effectRef>
-          <a:fontRef idx="minor">
-            <a:schemeClr val="lt1"/>
-          </a:fontRef>
-        </p:style>
-        <p:txBody>
-          <a:bodyPr rtlCol="0" anchor="ctr"/>
-          <a:lstStyle/>
-          <a:p>
-            <a:pPr algn="ctr"/>
-            <a:endParaRPr lang="en-US"/>
-          </a:p>
-        </p:txBody>
-      </p:sp>
-      <p:sp>
-        <p:nvSpPr>
-          <p:cNvPr id="11" name="Rounded Rectangle 20">
-            <a:extLst>
-              <a:ext uri="{FF2B5EF4-FFF2-40B4-BE49-F238E27FC236}">
-                <a16:creationId xmlns:a16="http://schemas.microsoft.com/office/drawing/2014/main" id="{A660F4F9-5DF5-4F15-BE6A-CD8648BB1148}"/>
-              </a:ext>
-              <a:ext uri="{C183D7F6-B498-43B3-948B-1728B52AA6E4}">
-                <adec:decorative xmlns:adec="http://schemas.microsoft.com/office/drawing/2017/decorative" val="1"/>
-              </a:ext>
-            </a:extLst>
-          </p:cNvPr>
-          <p:cNvSpPr>
-            <a:spLocks noGrp="1" noRot="1" noChangeAspect="1" noMove="1" noResize="1" noEditPoints="1" noAdjustHandles="1" noChangeArrowheads="1" noChangeShapeType="1" noTextEdit="1"/>
-          </p:cNvSpPr>
-          <p:nvPr>
-            <p:extLst>
-              <p:ext uri="{386F3935-93C4-4BCD-93E2-E3B085C9AB24}">
-                <p16:designElem xmlns:p16="http://schemas.microsoft.com/office/powerpoint/2015/main" val="1"/>
-              </p:ext>
-            </p:extLst>
-          </p:nvPr>
-        </p:nvSpPr>
-        <p:spPr>
-          <a:xfrm>
-            <a:off x="5118267" y="559407"/>
-            <a:ext cx="6594522" cy="5739187"/>
-          </a:xfrm>
-          <a:prstGeom prst="roundRect">
-            <a:avLst>
-              <a:gd name="adj" fmla="val 0"/>
-            </a:avLst>
-          </a:prstGeom>
-          <a:solidFill>
-            <a:srgbClr val="FFFFFF"/>
-          </a:solidFill>
-          <a:ln w="9525">
-            <a:solidFill>
-              <a:srgbClr val="C8CACA"/>
-            </a:solidFill>
-          </a:ln>
-          <a:effectLst>
-            <a:outerShdw blurRad="57150" dist="19050" dir="5400000" algn="t" rotWithShape="0">
-              <a:prstClr val="black">
-                <a:alpha val="63000"/>
-              </a:prstClr>
-            </a:outerShdw>
-          </a:effectLst>
-        </p:spPr>
-        <p:style>
-          <a:lnRef idx="2">
-            <a:schemeClr val="accent1">
-              <a:shade val="50000"/>
-            </a:schemeClr>
-          </a:lnRef>
-          <a:fillRef idx="1">
-            <a:schemeClr val="accent1"/>
-          </a:fillRef>
-          <a:effectRef idx="0">
-            <a:schemeClr val="accent1"/>
-          </a:effectRef>
-          <a:fontRef idx="minor">
-            <a:schemeClr val="lt1"/>
-          </a:fontRef>
-        </p:style>
-        <p:txBody>
-          <a:bodyPr rtlCol="0" anchor="ctr"/>
-          <a:lstStyle/>
-          <a:p>
-            <a:pPr algn="ctr"/>
-            <a:endParaRPr lang="en-US"/>
-          </a:p>
-        </p:txBody>
-      </p:sp>
-      <p:pic>
-        <p:nvPicPr>
-          <p:cNvPr id="4" name="Grafik 3">
-            <a:extLst>
-              <a:ext uri="{FF2B5EF4-FFF2-40B4-BE49-F238E27FC236}">
-                <a16:creationId xmlns:a16="http://schemas.microsoft.com/office/drawing/2014/main" id="{790E115A-A6C6-4630-9C5F-68782076014D}"/>
-              </a:ext>
-            </a:extLst>
-          </p:cNvPr>
-          <p:cNvPicPr>
-            <a:picLocks noChangeAspect="1"/>
-          </p:cNvPicPr>
-          <p:nvPr/>
-        </p:nvPicPr>
-        <p:blipFill rotWithShape="1">
-          <a:blip r:embed="rId2"/>
-          <a:srcRect t="1512" r="-1" b="-1"/>
-          <a:stretch/>
-        </p:blipFill>
-        <p:spPr>
-          <a:xfrm>
-            <a:off x="5283708" y="722376"/>
-            <a:ext cx="6263640" cy="5413248"/>
-          </a:xfrm>
-          <a:prstGeom prst="rect">
-            <a:avLst/>
-          </a:prstGeom>
-          <a:effectLst/>
-        </p:spPr>
-      </p:pic>
-    </p:spTree>
-    <p:extLst>
-      <p:ext uri="{BB962C8B-B14F-4D97-AF65-F5344CB8AC3E}">
-        <p14:creationId xmlns:p14="http://schemas.microsoft.com/office/powerpoint/2010/main" val="2044130324"/>
-      </p:ext>
-    </p:extLst>
-  </p:cSld>
-  <p:clrMapOvr>
-    <a:masterClrMapping/>
-  </p:clrMapOvr>
-</p:sld>
-</file>
-
-<file path=ppt/slides/slide6.xml><?xml version="1.0" encoding="utf-8"?>
-<p:sld xmlns:a="http://schemas.openxmlformats.org/drawingml/2006/main" xmlns:r="http://schemas.openxmlformats.org/officeDocument/2006/relationships" xmlns:p="http://schemas.openxmlformats.org/presentationml/2006/main">
-  <p:cSld>
-    <p:bg>
-      <p:bgPr>
-        <a:solidFill>
-          <a:schemeClr val="bg1"/>
-        </a:solidFill>
-        <a:effectLst/>
-      </p:bgPr>
-    </p:bg>
-    <p:spTree>
-      <p:nvGrpSpPr>
-        <p:cNvPr id="1" name=""/>
-        <p:cNvGrpSpPr/>
-        <p:nvPr/>
-      </p:nvGrpSpPr>
-      <p:grpSpPr>
-        <a:xfrm>
-          <a:off x="0" y="0"/>
-          <a:ext cx="0" cy="0"/>
-          <a:chOff x="0" y="0"/>
-          <a:chExt cx="0" cy="0"/>
-        </a:xfrm>
-      </p:grpSpPr>
-      <p:sp>
-        <p:nvSpPr>
-          <p:cNvPr id="2" name="Titel 1">
-            <a:extLst>
-              <a:ext uri="{FF2B5EF4-FFF2-40B4-BE49-F238E27FC236}">
-                <a16:creationId xmlns:a16="http://schemas.microsoft.com/office/drawing/2014/main" id="{CC14FF9A-577A-4E6C-8CBD-2703C9EDD042}"/>
-              </a:ext>
-            </a:extLst>
-          </p:cNvPr>
-          <p:cNvSpPr>
-            <a:spLocks noGrp="1"/>
-          </p:cNvSpPr>
-          <p:nvPr>
-            <p:ph type="title"/>
-          </p:nvPr>
-        </p:nvSpPr>
-        <p:spPr>
-          <a:xfrm>
-            <a:off x="645859" y="640081"/>
-            <a:ext cx="3494341" cy="3793488"/>
-          </a:xfrm>
-          <a:noFill/>
-        </p:spPr>
-        <p:txBody>
-          <a:bodyPr vert="horz" lIns="91440" tIns="45720" rIns="91440" bIns="45720" rtlCol="0" anchor="b">
-            <a:normAutofit/>
-          </a:bodyPr>
-          <a:lstStyle/>
-          <a:p>
-            <a:r>
-              <a:rPr lang="en-US" sz="4600"/>
-              <a:t>T-Intersection besteht aus…</a:t>
-            </a:r>
-          </a:p>
-        </p:txBody>
-      </p:sp>
-      <p:sp>
-        <p:nvSpPr>
-          <p:cNvPr id="9" name="Rectangle 8">
-            <a:extLst>
-              <a:ext uri="{FF2B5EF4-FFF2-40B4-BE49-F238E27FC236}">
-                <a16:creationId xmlns:a16="http://schemas.microsoft.com/office/drawing/2014/main" id="{71FC7D98-7B8B-402A-90FC-F027482F2142}"/>
-              </a:ext>
-              <a:ext uri="{C183D7F6-B498-43B3-948B-1728B52AA6E4}">
-                <adec:decorative xmlns:adec="http://schemas.microsoft.com/office/drawing/2017/decorative" val="1"/>
-              </a:ext>
-            </a:extLst>
-          </p:cNvPr>
-          <p:cNvSpPr>
-            <a:spLocks noGrp="1" noRot="1" noChangeAspect="1" noMove="1" noResize="1" noEditPoints="1" noAdjustHandles="1" noChangeArrowheads="1" noChangeShapeType="1" noTextEdit="1"/>
-          </p:cNvSpPr>
-          <p:nvPr>
-            <p:extLst>
-              <p:ext uri="{386F3935-93C4-4BCD-93E2-E3B085C9AB24}">
-                <p16:designElem xmlns:p16="http://schemas.microsoft.com/office/powerpoint/2015/main" val="1"/>
-              </p:ext>
-            </p:extLst>
-          </p:nvPr>
-        </p:nvSpPr>
-        <p:spPr>
-          <a:xfrm>
-            <a:off x="4625926" y="0"/>
-            <a:ext cx="7566074" cy="6858000"/>
-          </a:xfrm>
-          <a:prstGeom prst="rect">
-            <a:avLst/>
-          </a:prstGeom>
-          <a:solidFill>
-            <a:srgbClr val="C8CACA"/>
-          </a:solidFill>
-          <a:ln>
-            <a:noFill/>
-          </a:ln>
-        </p:spPr>
-        <p:style>
-          <a:lnRef idx="2">
-            <a:schemeClr val="accent1">
-              <a:shade val="50000"/>
-            </a:schemeClr>
-          </a:lnRef>
-          <a:fillRef idx="1">
-            <a:schemeClr val="accent1"/>
-          </a:fillRef>
-          <a:effectRef idx="0">
-            <a:schemeClr val="accent1"/>
-          </a:effectRef>
-          <a:fontRef idx="minor">
-            <a:schemeClr val="lt1"/>
-          </a:fontRef>
-        </p:style>
-        <p:txBody>
-          <a:bodyPr rtlCol="0" anchor="ctr"/>
-          <a:lstStyle/>
-          <a:p>
-            <a:pPr algn="ctr"/>
-            <a:endParaRPr lang="en-US"/>
-          </a:p>
-        </p:txBody>
-      </p:sp>
-      <p:sp>
-        <p:nvSpPr>
-          <p:cNvPr id="11" name="Rounded Rectangle 28">
-            <a:extLst>
-              <a:ext uri="{FF2B5EF4-FFF2-40B4-BE49-F238E27FC236}">
-                <a16:creationId xmlns:a16="http://schemas.microsoft.com/office/drawing/2014/main" id="{AD7356EA-285B-4E5D-8FEC-104659A4FD2C}"/>
-              </a:ext>
-              <a:ext uri="{C183D7F6-B498-43B3-948B-1728B52AA6E4}">
-                <adec:decorative xmlns:adec="http://schemas.microsoft.com/office/drawing/2017/decorative" val="1"/>
-              </a:ext>
-            </a:extLst>
-          </p:cNvPr>
-          <p:cNvSpPr>
-            <a:spLocks noGrp="1" noRot="1" noChangeAspect="1" noMove="1" noResize="1" noEditPoints="1" noAdjustHandles="1" noChangeArrowheads="1" noChangeShapeType="1" noTextEdit="1"/>
-          </p:cNvSpPr>
-          <p:nvPr>
-            <p:extLst>
-              <p:ext uri="{386F3935-93C4-4BCD-93E2-E3B085C9AB24}">
-                <p16:designElem xmlns:p16="http://schemas.microsoft.com/office/powerpoint/2015/main" val="1"/>
-              </p:ext>
-            </p:extLst>
-          </p:nvPr>
-        </p:nvSpPr>
-        <p:spPr>
-          <a:xfrm>
-            <a:off x="5275903" y="640091"/>
-            <a:ext cx="6266120" cy="5577818"/>
-          </a:xfrm>
-          <a:prstGeom prst="roundRect">
-            <a:avLst>
-              <a:gd name="adj" fmla="val 0"/>
-            </a:avLst>
-          </a:prstGeom>
-          <a:solidFill>
-            <a:srgbClr val="FFFFFF"/>
-          </a:solidFill>
-          <a:ln w="9525">
-            <a:solidFill>
-              <a:srgbClr val="C8CACA"/>
-            </a:solidFill>
-          </a:ln>
-          <a:effectLst>
-            <a:outerShdw blurRad="57150" dist="19050" dir="5400000" algn="t" rotWithShape="0">
-              <a:prstClr val="black">
-                <a:alpha val="63000"/>
-              </a:prstClr>
-            </a:outerShdw>
-          </a:effectLst>
-        </p:spPr>
-        <p:style>
-          <a:lnRef idx="2">
-            <a:schemeClr val="accent1">
-              <a:shade val="50000"/>
-            </a:schemeClr>
-          </a:lnRef>
-          <a:fillRef idx="1">
-            <a:schemeClr val="accent1"/>
-          </a:fillRef>
-          <a:effectRef idx="0">
-            <a:schemeClr val="accent1"/>
-          </a:effectRef>
-          <a:fontRef idx="minor">
-            <a:schemeClr val="lt1"/>
-          </a:fontRef>
-        </p:style>
-        <p:txBody>
-          <a:bodyPr rtlCol="0" anchor="ctr"/>
-          <a:lstStyle/>
-          <a:p>
-            <a:pPr algn="ctr"/>
-            <a:endParaRPr lang="en-US"/>
-          </a:p>
-        </p:txBody>
-      </p:sp>
-      <p:pic>
-        <p:nvPicPr>
-          <p:cNvPr id="4" name="Inhaltsplatzhalter 3">
-            <a:extLst>
-              <a:ext uri="{FF2B5EF4-FFF2-40B4-BE49-F238E27FC236}">
                 <a16:creationId xmlns:a16="http://schemas.microsoft.com/office/drawing/2014/main" id="{A3529F53-A7D9-43EA-90DE-D50848DB4F6F}"/>
               </a:ext>
             </a:extLst>
@@ -6553,933 +9139,6 @@
     <p:extLst>
       <p:ext uri="{BB962C8B-B14F-4D97-AF65-F5344CB8AC3E}">
         <p14:creationId xmlns:p14="http://schemas.microsoft.com/office/powerpoint/2010/main" val="762413222"/>
-      </p:ext>
-    </p:extLst>
-  </p:cSld>
-  <p:clrMapOvr>
-    <a:masterClrMapping/>
-  </p:clrMapOvr>
-</p:sld>
-</file>
-
-<file path=ppt/slides/slide7.xml><?xml version="1.0" encoding="utf-8"?>
-<p:sld xmlns:a="http://schemas.openxmlformats.org/drawingml/2006/main" xmlns:r="http://schemas.openxmlformats.org/officeDocument/2006/relationships" xmlns:p="http://schemas.openxmlformats.org/presentationml/2006/main">
-  <p:cSld>
-    <p:bg>
-      <p:bgPr>
-        <a:solidFill>
-          <a:schemeClr val="bg1"/>
-        </a:solidFill>
-        <a:effectLst/>
-      </p:bgPr>
-    </p:bg>
-    <p:spTree>
-      <p:nvGrpSpPr>
-        <p:cNvPr id="1" name=""/>
-        <p:cNvGrpSpPr/>
-        <p:nvPr/>
-      </p:nvGrpSpPr>
-      <p:grpSpPr>
-        <a:xfrm>
-          <a:off x="0" y="0"/>
-          <a:ext cx="0" cy="0"/>
-          <a:chOff x="0" y="0"/>
-          <a:chExt cx="0" cy="0"/>
-        </a:xfrm>
-      </p:grpSpPr>
-      <p:sp>
-        <p:nvSpPr>
-          <p:cNvPr id="2" name="Titel 1">
-            <a:extLst>
-              <a:ext uri="{FF2B5EF4-FFF2-40B4-BE49-F238E27FC236}">
-                <a16:creationId xmlns:a16="http://schemas.microsoft.com/office/drawing/2014/main" id="{CC24F3DF-47D1-4D72-845E-B280ECB0C4E0}"/>
-              </a:ext>
-            </a:extLst>
-          </p:cNvPr>
-          <p:cNvSpPr>
-            <a:spLocks noGrp="1"/>
-          </p:cNvSpPr>
-          <p:nvPr>
-            <p:ph type="title"/>
-          </p:nvPr>
-        </p:nvSpPr>
-        <p:spPr>
-          <a:xfrm>
-            <a:off x="648928" y="4675886"/>
-            <a:ext cx="3685032" cy="1608328"/>
-          </a:xfrm>
-        </p:spPr>
-        <p:txBody>
-          <a:bodyPr>
-            <a:normAutofit/>
-          </a:bodyPr>
-          <a:lstStyle/>
-          <a:p>
-            <a:r>
-              <a:rPr lang="de-DE" sz="3600" dirty="0" err="1"/>
-              <a:t>Indicator</a:t>
-            </a:r>
-            <a:endParaRPr lang="de-IT" sz="3600" dirty="0"/>
-          </a:p>
-        </p:txBody>
-      </p:sp>
-      <p:sp>
-        <p:nvSpPr>
-          <p:cNvPr id="10" name="Rectangle 9">
-            <a:extLst>
-              <a:ext uri="{FF2B5EF4-FFF2-40B4-BE49-F238E27FC236}">
-                <a16:creationId xmlns:a16="http://schemas.microsoft.com/office/drawing/2014/main" id="{5AAE9118-0436-4488-AC4A-C14DF6A7B6B1}"/>
-              </a:ext>
-              <a:ext uri="{C183D7F6-B498-43B3-948B-1728B52AA6E4}">
-                <adec:decorative xmlns:adec="http://schemas.microsoft.com/office/drawing/2017/decorative" val="1"/>
-              </a:ext>
-            </a:extLst>
-          </p:cNvPr>
-          <p:cNvSpPr>
-            <a:spLocks noGrp="1" noRot="1" noChangeAspect="1" noMove="1" noResize="1" noEditPoints="1" noAdjustHandles="1" noChangeArrowheads="1" noChangeShapeType="1" noTextEdit="1"/>
-          </p:cNvSpPr>
-          <p:nvPr>
-            <p:extLst>
-              <p:ext uri="{386F3935-93C4-4BCD-93E2-E3B085C9AB24}">
-                <p16:designElem xmlns:p16="http://schemas.microsoft.com/office/powerpoint/2015/main" val="1"/>
-              </p:ext>
-            </p:extLst>
-          </p:nvPr>
-        </p:nvSpPr>
-        <p:spPr>
-          <a:xfrm>
-            <a:off x="-2" y="1"/>
-            <a:ext cx="12192002" cy="4489449"/>
-          </a:xfrm>
-          <a:prstGeom prst="rect">
-            <a:avLst/>
-          </a:prstGeom>
-          <a:solidFill>
-            <a:srgbClr val="C8CACA"/>
-          </a:solidFill>
-          <a:ln>
-            <a:noFill/>
-          </a:ln>
-        </p:spPr>
-        <p:style>
-          <a:lnRef idx="2">
-            <a:schemeClr val="accent1">
-              <a:shade val="50000"/>
-            </a:schemeClr>
-          </a:lnRef>
-          <a:fillRef idx="1">
-            <a:schemeClr val="accent1"/>
-          </a:fillRef>
-          <a:effectRef idx="0">
-            <a:schemeClr val="accent1"/>
-          </a:effectRef>
-          <a:fontRef idx="minor">
-            <a:schemeClr val="lt1"/>
-          </a:fontRef>
-        </p:style>
-        <p:txBody>
-          <a:bodyPr rtlCol="0" anchor="ctr"/>
-          <a:lstStyle/>
-          <a:p>
-            <a:pPr algn="ctr"/>
-            <a:endParaRPr lang="en-US"/>
-          </a:p>
-        </p:txBody>
-      </p:sp>
-      <p:sp>
-        <p:nvSpPr>
-          <p:cNvPr id="12" name="Rounded Rectangle 28">
-            <a:extLst>
-              <a:ext uri="{FF2B5EF4-FFF2-40B4-BE49-F238E27FC236}">
-                <a16:creationId xmlns:a16="http://schemas.microsoft.com/office/drawing/2014/main" id="{07A0C51E-5464-4470-855E-CA530A59BF98}"/>
-              </a:ext>
-              <a:ext uri="{C183D7F6-B498-43B3-948B-1728B52AA6E4}">
-                <adec:decorative xmlns:adec="http://schemas.microsoft.com/office/drawing/2017/decorative" val="1"/>
-              </a:ext>
-            </a:extLst>
-          </p:cNvPr>
-          <p:cNvSpPr>
-            <a:spLocks noGrp="1" noRot="1" noChangeAspect="1" noMove="1" noResize="1" noEditPoints="1" noAdjustHandles="1" noChangeArrowheads="1" noChangeShapeType="1" noTextEdit="1"/>
-          </p:cNvSpPr>
-          <p:nvPr>
-            <p:extLst>
-              <p:ext uri="{386F3935-93C4-4BCD-93E2-E3B085C9AB24}">
-                <p16:designElem xmlns:p16="http://schemas.microsoft.com/office/powerpoint/2015/main" val="1"/>
-              </p:ext>
-            </p:extLst>
-          </p:nvPr>
-        </p:nvSpPr>
-        <p:spPr>
-          <a:xfrm>
-            <a:off x="2059557" y="640091"/>
-            <a:ext cx="8072887" cy="3550909"/>
-          </a:xfrm>
-          <a:prstGeom prst="roundRect">
-            <a:avLst>
-              <a:gd name="adj" fmla="val 0"/>
-            </a:avLst>
-          </a:prstGeom>
-          <a:solidFill>
-            <a:srgbClr val="FFFFFF"/>
-          </a:solidFill>
-          <a:ln w="9525">
-            <a:solidFill>
-              <a:srgbClr val="C8CACA"/>
-            </a:solidFill>
-          </a:ln>
-          <a:effectLst>
-            <a:outerShdw blurRad="57150" dist="19050" dir="5400000" algn="t" rotWithShape="0">
-              <a:prstClr val="black">
-                <a:alpha val="63000"/>
-              </a:prstClr>
-            </a:outerShdw>
-          </a:effectLst>
-        </p:spPr>
-        <p:style>
-          <a:lnRef idx="2">
-            <a:schemeClr val="accent1">
-              <a:shade val="50000"/>
-            </a:schemeClr>
-          </a:lnRef>
-          <a:fillRef idx="1">
-            <a:schemeClr val="accent1"/>
-          </a:fillRef>
-          <a:effectRef idx="0">
-            <a:schemeClr val="accent1"/>
-          </a:effectRef>
-          <a:fontRef idx="minor">
-            <a:schemeClr val="lt1"/>
-          </a:fontRef>
-        </p:style>
-        <p:txBody>
-          <a:bodyPr rtlCol="0" anchor="ctr"/>
-          <a:lstStyle/>
-          <a:p>
-            <a:pPr algn="ctr"/>
-            <a:endParaRPr lang="en-US" dirty="0"/>
-          </a:p>
-        </p:txBody>
-      </p:sp>
-      <p:pic>
-        <p:nvPicPr>
-          <p:cNvPr id="5" name="Grafik 4">
-            <a:extLst>
-              <a:ext uri="{FF2B5EF4-FFF2-40B4-BE49-F238E27FC236}">
-                <a16:creationId xmlns:a16="http://schemas.microsoft.com/office/drawing/2014/main" id="{765E5461-F50B-486E-8E10-8D2CD5EF2D37}"/>
-              </a:ext>
-            </a:extLst>
-          </p:cNvPr>
-          <p:cNvPicPr>
-            <a:picLocks noChangeAspect="1"/>
-          </p:cNvPicPr>
-          <p:nvPr/>
-        </p:nvPicPr>
-        <p:blipFill rotWithShape="1">
-          <a:blip r:embed="rId2"/>
-          <a:srcRect b="11435"/>
-          <a:stretch/>
-        </p:blipFill>
-        <p:spPr>
-          <a:xfrm>
-            <a:off x="2184401" y="749300"/>
-            <a:ext cx="7823199" cy="3343043"/>
-          </a:xfrm>
-          <a:prstGeom prst="rect">
-            <a:avLst/>
-          </a:prstGeom>
-        </p:spPr>
-      </p:pic>
-      <p:sp>
-        <p:nvSpPr>
-          <p:cNvPr id="3" name="Inhaltsplatzhalter 2">
-            <a:extLst>
-              <a:ext uri="{FF2B5EF4-FFF2-40B4-BE49-F238E27FC236}">
-                <a16:creationId xmlns:a16="http://schemas.microsoft.com/office/drawing/2014/main" id="{20C7C485-16EA-40B2-8D80-267207DFF259}"/>
-              </a:ext>
-            </a:extLst>
-          </p:cNvPr>
-          <p:cNvSpPr>
-            <a:spLocks noGrp="1"/>
-          </p:cNvSpPr>
-          <p:nvPr>
-            <p:ph idx="1"/>
-          </p:nvPr>
-        </p:nvSpPr>
-        <p:spPr>
-          <a:xfrm>
-            <a:off x="4864100" y="4675886"/>
-            <a:ext cx="6675627" cy="1605083"/>
-          </a:xfrm>
-        </p:spPr>
-        <p:txBody>
-          <a:bodyPr anchor="ctr">
-            <a:normAutofit/>
-          </a:bodyPr>
-          <a:lstStyle/>
-          <a:p>
-            <a:r>
-              <a:rPr lang="de-DE" sz="2000" dirty="0"/>
-              <a:t>Der </a:t>
-            </a:r>
-            <a:r>
-              <a:rPr lang="de-DE" sz="2000" dirty="0" err="1"/>
-              <a:t>Indicator</a:t>
-            </a:r>
-            <a:r>
-              <a:rPr lang="de-DE" sz="2000" dirty="0"/>
-              <a:t> ist nichts weiter als der Blinker</a:t>
-            </a:r>
-          </a:p>
-          <a:p>
-            <a:r>
-              <a:rPr lang="de-DE" sz="2000" dirty="0"/>
-              <a:t>Er wird für jedes Auto an der </a:t>
-            </a:r>
-            <a:r>
-              <a:rPr lang="de-DE" sz="2000" dirty="0" err="1"/>
-              <a:t>Intersection</a:t>
-            </a:r>
-            <a:r>
-              <a:rPr lang="de-DE" sz="2000" dirty="0"/>
-              <a:t> gesetzt, um zu zeigen, in welche Richtung es möchte</a:t>
-            </a:r>
-            <a:endParaRPr lang="de-IT" sz="2000" dirty="0"/>
-          </a:p>
-        </p:txBody>
-      </p:sp>
-    </p:spTree>
-    <p:extLst>
-      <p:ext uri="{BB962C8B-B14F-4D97-AF65-F5344CB8AC3E}">
-        <p14:creationId xmlns:p14="http://schemas.microsoft.com/office/powerpoint/2010/main" val="1093812395"/>
-      </p:ext>
-    </p:extLst>
-  </p:cSld>
-  <p:clrMapOvr>
-    <a:masterClrMapping/>
-  </p:clrMapOvr>
-</p:sld>
-</file>
-
-<file path=ppt/slides/slide8.xml><?xml version="1.0" encoding="utf-8"?>
-<p:sld xmlns:a="http://schemas.openxmlformats.org/drawingml/2006/main" xmlns:r="http://schemas.openxmlformats.org/officeDocument/2006/relationships" xmlns:p="http://schemas.openxmlformats.org/presentationml/2006/main">
-  <p:cSld>
-    <p:spTree>
-      <p:nvGrpSpPr>
-        <p:cNvPr id="1" name=""/>
-        <p:cNvGrpSpPr/>
-        <p:nvPr/>
-      </p:nvGrpSpPr>
-      <p:grpSpPr>
-        <a:xfrm>
-          <a:off x="0" y="0"/>
-          <a:ext cx="0" cy="0"/>
-          <a:chOff x="0" y="0"/>
-          <a:chExt cx="0" cy="0"/>
-        </a:xfrm>
-      </p:grpSpPr>
-      <p:pic>
-        <p:nvPicPr>
-          <p:cNvPr id="4" name="Inhaltsplatzhalter 3">
-            <a:extLst>
-              <a:ext uri="{FF2B5EF4-FFF2-40B4-BE49-F238E27FC236}">
-                <a16:creationId xmlns:a16="http://schemas.microsoft.com/office/drawing/2014/main" id="{7907AB29-830C-4D85-8677-DEFF57B8C903}"/>
-              </a:ext>
-            </a:extLst>
-          </p:cNvPr>
-          <p:cNvPicPr>
-            <a:picLocks noGrp="1" noChangeAspect="1"/>
-          </p:cNvPicPr>
-          <p:nvPr>
-            <p:ph sz="half" idx="1"/>
-          </p:nvPr>
-        </p:nvPicPr>
-        <p:blipFill rotWithShape="1">
-          <a:blip r:embed="rId2"/>
-          <a:srcRect t="6483"/>
-          <a:stretch/>
-        </p:blipFill>
-        <p:spPr>
-          <a:xfrm>
-            <a:off x="5495925" y="1253331"/>
-            <a:ext cx="6405399" cy="4351338"/>
-          </a:xfrm>
-          <a:prstGeom prst="rect">
-            <a:avLst/>
-          </a:prstGeom>
-        </p:spPr>
-      </p:pic>
-      <p:sp>
-        <p:nvSpPr>
-          <p:cNvPr id="6" name="Inhaltsplatzhalter 5">
-            <a:extLst>
-              <a:ext uri="{FF2B5EF4-FFF2-40B4-BE49-F238E27FC236}">
-                <a16:creationId xmlns:a16="http://schemas.microsoft.com/office/drawing/2014/main" id="{91E1AFB9-12BE-4593-A855-D47739A1D92C}"/>
-              </a:ext>
-            </a:extLst>
-          </p:cNvPr>
-          <p:cNvSpPr>
-            <a:spLocks noGrp="1"/>
-          </p:cNvSpPr>
-          <p:nvPr>
-            <p:ph sz="half" idx="2"/>
-          </p:nvPr>
-        </p:nvSpPr>
-        <p:spPr>
-          <a:xfrm>
-            <a:off x="314325" y="1253331"/>
-            <a:ext cx="5181600" cy="4675982"/>
-          </a:xfrm>
-        </p:spPr>
-        <p:txBody>
-          <a:bodyPr>
-            <a:normAutofit/>
-          </a:bodyPr>
-          <a:lstStyle/>
-          <a:p>
-            <a:r>
-              <a:rPr lang="de-DE" sz="2000" dirty="0"/>
-              <a:t>Bei jedem Auto wird in seiner „</a:t>
-            </a:r>
-            <a:r>
-              <a:rPr lang="de-DE" sz="2000" dirty="0" err="1"/>
-              <a:t>RoadMap</a:t>
-            </a:r>
-            <a:r>
-              <a:rPr lang="de-DE" sz="2000" dirty="0"/>
-              <a:t>“ gelesen, wohin es fahren möchte, und dementsprechend wird der Blinker auf eine Richtung gesetzt</a:t>
-            </a:r>
-          </a:p>
-          <a:p>
-            <a:r>
-              <a:rPr lang="de-DE" sz="2000" dirty="0"/>
-              <a:t>Richtungen:</a:t>
-            </a:r>
-          </a:p>
-          <a:p>
-            <a:pPr lvl="1">
-              <a:buFont typeface="Wingdings" panose="05000000000000000000" pitchFamily="2" charset="2"/>
-              <a:buChar char="Ø"/>
-            </a:pPr>
-            <a:r>
-              <a:rPr lang="de-DE" sz="2000" dirty="0"/>
-              <a:t>Links (-1)</a:t>
-            </a:r>
-          </a:p>
-          <a:p>
-            <a:pPr lvl="1">
-              <a:buFont typeface="Wingdings" panose="05000000000000000000" pitchFamily="2" charset="2"/>
-              <a:buChar char="Ø"/>
-            </a:pPr>
-            <a:r>
-              <a:rPr lang="de-DE" sz="2000" dirty="0"/>
-              <a:t>Rechts (1)</a:t>
-            </a:r>
-          </a:p>
-          <a:p>
-            <a:pPr lvl="1">
-              <a:buFont typeface="Wingdings" panose="05000000000000000000" pitchFamily="2" charset="2"/>
-              <a:buChar char="Ø"/>
-            </a:pPr>
-            <a:r>
-              <a:rPr lang="de-DE" sz="2000" dirty="0"/>
-              <a:t>Gerade aus (0)</a:t>
-            </a:r>
-          </a:p>
-          <a:p>
-            <a:r>
-              <a:rPr lang="de-DE" sz="2000" dirty="0"/>
-              <a:t>So weiß die Kreuzung wohin Autos wollen </a:t>
-            </a:r>
-            <a:endParaRPr lang="de-IT" sz="2000" dirty="0"/>
-          </a:p>
-        </p:txBody>
-      </p:sp>
-    </p:spTree>
-    <p:extLst>
-      <p:ext uri="{BB962C8B-B14F-4D97-AF65-F5344CB8AC3E}">
-        <p14:creationId xmlns:p14="http://schemas.microsoft.com/office/powerpoint/2010/main" val="1460228131"/>
-      </p:ext>
-    </p:extLst>
-  </p:cSld>
-  <p:clrMapOvr>
-    <a:masterClrMapping/>
-  </p:clrMapOvr>
-</p:sld>
-</file>
-
-<file path=ppt/slides/slide9.xml><?xml version="1.0" encoding="utf-8"?>
-<p:sld xmlns:a="http://schemas.openxmlformats.org/drawingml/2006/main" xmlns:r="http://schemas.openxmlformats.org/officeDocument/2006/relationships" xmlns:p="http://schemas.openxmlformats.org/presentationml/2006/main">
-  <p:cSld>
-    <p:bg>
-      <p:bgPr>
-        <a:solidFill>
-          <a:schemeClr val="bg1"/>
-        </a:solidFill>
-        <a:effectLst/>
-      </p:bgPr>
-    </p:bg>
-    <p:spTree>
-      <p:nvGrpSpPr>
-        <p:cNvPr id="1" name=""/>
-        <p:cNvGrpSpPr/>
-        <p:nvPr/>
-      </p:nvGrpSpPr>
-      <p:grpSpPr>
-        <a:xfrm>
-          <a:off x="0" y="0"/>
-          <a:ext cx="0" cy="0"/>
-          <a:chOff x="0" y="0"/>
-          <a:chExt cx="0" cy="0"/>
-        </a:xfrm>
-      </p:grpSpPr>
-      <p:sp>
-        <p:nvSpPr>
-          <p:cNvPr id="2" name="Titel 1">
-            <a:extLst>
-              <a:ext uri="{FF2B5EF4-FFF2-40B4-BE49-F238E27FC236}">
-                <a16:creationId xmlns:a16="http://schemas.microsoft.com/office/drawing/2014/main" id="{3C99C246-1ED5-429C-ADA5-1DC34C6C1EFB}"/>
-              </a:ext>
-            </a:extLst>
-          </p:cNvPr>
-          <p:cNvSpPr>
-            <a:spLocks noGrp="1"/>
-          </p:cNvSpPr>
-          <p:nvPr>
-            <p:ph type="title"/>
-          </p:nvPr>
-        </p:nvSpPr>
-        <p:spPr>
-          <a:xfrm>
-            <a:off x="648930" y="629266"/>
-            <a:ext cx="3605572" cy="1676603"/>
-          </a:xfrm>
-        </p:spPr>
-        <p:txBody>
-          <a:bodyPr vert="horz" lIns="91440" tIns="45720" rIns="91440" bIns="45720" rtlCol="0" anchor="ctr">
-            <a:normAutofit/>
-          </a:bodyPr>
-          <a:lstStyle/>
-          <a:p>
-            <a:r>
-              <a:rPr lang="en-US" sz="4000"/>
-              <a:t>T-intersection-itself</a:t>
-            </a:r>
-          </a:p>
-        </p:txBody>
-      </p:sp>
-      <p:sp>
-        <p:nvSpPr>
-          <p:cNvPr id="3" name="Inhaltsplatzhalter 2">
-            <a:extLst>
-              <a:ext uri="{FF2B5EF4-FFF2-40B4-BE49-F238E27FC236}">
-                <a16:creationId xmlns:a16="http://schemas.microsoft.com/office/drawing/2014/main" id="{E98567BC-D705-4864-8CE4-3D87C1940404}"/>
-              </a:ext>
-            </a:extLst>
-          </p:cNvPr>
-          <p:cNvSpPr>
-            <a:spLocks noGrp="1"/>
-          </p:cNvSpPr>
-          <p:nvPr>
-            <p:ph sz="half" idx="1"/>
-          </p:nvPr>
-        </p:nvSpPr>
-        <p:spPr>
-          <a:xfrm>
-            <a:off x="648931" y="2143125"/>
-            <a:ext cx="3605571" cy="4074796"/>
-          </a:xfrm>
-        </p:spPr>
-        <p:txBody>
-          <a:bodyPr vert="horz" lIns="91440" tIns="45720" rIns="91440" bIns="45720" rtlCol="0">
-            <a:normAutofit/>
-          </a:bodyPr>
-          <a:lstStyle/>
-          <a:p>
-            <a:r>
-              <a:rPr lang="en-US" sz="2000" dirty="0"/>
-              <a:t>In der </a:t>
-            </a:r>
-            <a:r>
-              <a:rPr lang="en-US" sz="2000" dirty="0" err="1"/>
-              <a:t>Kreuzung</a:t>
-            </a:r>
-            <a:r>
-              <a:rPr lang="en-US" sz="2000" dirty="0"/>
-              <a:t> </a:t>
-            </a:r>
-            <a:r>
-              <a:rPr lang="en-US" sz="2000" dirty="0" err="1"/>
-              <a:t>selbst</a:t>
-            </a:r>
-            <a:r>
-              <a:rPr lang="en-US" sz="2000" dirty="0"/>
-              <a:t> </a:t>
-            </a:r>
-            <a:r>
-              <a:rPr lang="en-US" sz="2000" dirty="0" err="1"/>
-              <a:t>befinden</a:t>
-            </a:r>
-            <a:r>
-              <a:rPr lang="en-US" sz="2000" dirty="0"/>
-              <a:t> </a:t>
-            </a:r>
-            <a:r>
-              <a:rPr lang="en-US" sz="2000" dirty="0" err="1"/>
-              <a:t>sich</a:t>
-            </a:r>
-            <a:r>
-              <a:rPr lang="en-US" sz="2000" dirty="0"/>
-              <a:t> Queues an </a:t>
-            </a:r>
-            <a:r>
-              <a:rPr lang="en-US" sz="2000" dirty="0" err="1"/>
-              <a:t>allen</a:t>
-            </a:r>
-            <a:r>
-              <a:rPr lang="en-US" sz="2000" dirty="0"/>
-              <a:t> </a:t>
-            </a:r>
-            <a:r>
-              <a:rPr lang="en-US" sz="2000" dirty="0" err="1"/>
-              <a:t>Eingängen</a:t>
-            </a:r>
-            <a:r>
-              <a:rPr lang="en-US" sz="2000" dirty="0"/>
-              <a:t>, in die </a:t>
-            </a:r>
-            <a:r>
-              <a:rPr lang="en-US" sz="2000" dirty="0" err="1"/>
-              <a:t>die</a:t>
-            </a:r>
-            <a:r>
-              <a:rPr lang="en-US" sz="2000" dirty="0"/>
-              <a:t> Autos rein </a:t>
-            </a:r>
-            <a:r>
-              <a:rPr lang="en-US" sz="2000" dirty="0" err="1"/>
-              <a:t>kommen</a:t>
-            </a:r>
-            <a:r>
-              <a:rPr lang="en-US" sz="2000" dirty="0"/>
-              <a:t>, </a:t>
-            </a:r>
-            <a:r>
-              <a:rPr lang="en-US" sz="2000" dirty="0" err="1"/>
-              <a:t>sobald</a:t>
-            </a:r>
-            <a:r>
-              <a:rPr lang="en-US" sz="2000" dirty="0"/>
-              <a:t> </a:t>
-            </a:r>
-            <a:r>
-              <a:rPr lang="en-US" sz="2000" dirty="0" err="1"/>
-              <a:t>sie</a:t>
-            </a:r>
-            <a:r>
-              <a:rPr lang="en-US" sz="2000" dirty="0"/>
-              <a:t> </a:t>
-            </a:r>
-            <a:r>
-              <a:rPr lang="en-US" sz="2000" dirty="0" err="1"/>
-              <a:t>ankommen</a:t>
-            </a:r>
-            <a:endParaRPr lang="en-US" sz="2000" dirty="0"/>
-          </a:p>
-          <a:p>
-            <a:r>
-              <a:rPr lang="en-US" sz="2000" dirty="0" err="1"/>
-              <a:t>Viele</a:t>
-            </a:r>
-            <a:r>
-              <a:rPr lang="en-US" sz="2000" dirty="0"/>
-              <a:t> </a:t>
-            </a:r>
-            <a:r>
-              <a:rPr lang="en-US" sz="2000" dirty="0" err="1"/>
-              <a:t>verschiedene</a:t>
-            </a:r>
-            <a:r>
-              <a:rPr lang="en-US" sz="2000" dirty="0"/>
-              <a:t> Inputs/Outputs</a:t>
-            </a:r>
-          </a:p>
-          <a:p>
-            <a:r>
-              <a:rPr lang="en-US" sz="2000" dirty="0" err="1"/>
-              <a:t>Für</a:t>
-            </a:r>
-            <a:r>
-              <a:rPr lang="en-US" sz="2000" dirty="0"/>
-              <a:t> die </a:t>
-            </a:r>
-            <a:r>
-              <a:rPr lang="en-US" sz="2000" dirty="0" err="1"/>
-              <a:t>Analyse</a:t>
-            </a:r>
-            <a:r>
-              <a:rPr lang="en-US" sz="2000" dirty="0"/>
-              <a:t> </a:t>
-            </a:r>
-            <a:r>
-              <a:rPr lang="en-US" sz="2000" dirty="0" err="1"/>
-              <a:t>wird</a:t>
-            </a:r>
-            <a:r>
-              <a:rPr lang="en-US" sz="2000" dirty="0"/>
-              <a:t> </a:t>
-            </a:r>
-            <a:r>
-              <a:rPr lang="en-US" sz="2000" dirty="0" err="1"/>
-              <a:t>ein</a:t>
-            </a:r>
-            <a:r>
-              <a:rPr lang="en-US" sz="2000" dirty="0"/>
-              <a:t> Counter </a:t>
-            </a:r>
-            <a:r>
-              <a:rPr lang="en-US" sz="2000" dirty="0" err="1"/>
-              <a:t>mitgetragen</a:t>
-            </a:r>
-            <a:endParaRPr lang="en-US" sz="2000" dirty="0"/>
-          </a:p>
-          <a:p>
-            <a:r>
-              <a:rPr lang="en-US" sz="2000" dirty="0"/>
-              <a:t>„</a:t>
-            </a:r>
-            <a:r>
-              <a:rPr lang="en-US" sz="2000" dirty="0" err="1"/>
-              <a:t>right_hand_rule</a:t>
-            </a:r>
-            <a:r>
-              <a:rPr lang="en-US" sz="2000" dirty="0"/>
-              <a:t>()“ </a:t>
-            </a:r>
-            <a:r>
-              <a:rPr lang="en-US" sz="2000" dirty="0">
-                <a:sym typeface="Wingdings" panose="05000000000000000000" pitchFamily="2" charset="2"/>
-              </a:rPr>
-              <a:t> </a:t>
-            </a:r>
-            <a:r>
-              <a:rPr lang="en-US" sz="2000" dirty="0" err="1">
-                <a:sym typeface="Wingdings" panose="05000000000000000000" pitchFamily="2" charset="2"/>
-              </a:rPr>
-              <a:t>Methode</a:t>
-            </a:r>
-            <a:r>
-              <a:rPr lang="en-US" sz="2000" dirty="0">
-                <a:sym typeface="Wingdings" panose="05000000000000000000" pitchFamily="2" charset="2"/>
-              </a:rPr>
-              <a:t>, die </a:t>
-            </a:r>
-            <a:r>
-              <a:rPr lang="en-US" sz="2000" dirty="0" err="1">
-                <a:sym typeface="Wingdings" panose="05000000000000000000" pitchFamily="2" charset="2"/>
-              </a:rPr>
-              <a:t>die</a:t>
-            </a:r>
-            <a:r>
-              <a:rPr lang="en-US" sz="2000" dirty="0">
-                <a:sym typeface="Wingdings" panose="05000000000000000000" pitchFamily="2" charset="2"/>
-              </a:rPr>
-              <a:t> </a:t>
-            </a:r>
-            <a:r>
-              <a:rPr lang="en-US" sz="2000" dirty="0" err="1">
-                <a:sym typeface="Wingdings" panose="05000000000000000000" pitchFamily="2" charset="2"/>
-              </a:rPr>
-              <a:t>Rechts</a:t>
-            </a:r>
-            <a:r>
-              <a:rPr lang="en-US" sz="2000" dirty="0">
-                <a:sym typeface="Wingdings" panose="05000000000000000000" pitchFamily="2" charset="2"/>
-              </a:rPr>
-              <a:t>-Regel </a:t>
-            </a:r>
-            <a:r>
-              <a:rPr lang="en-US" sz="2000" dirty="0" err="1">
-                <a:sym typeface="Wingdings" panose="05000000000000000000" pitchFamily="2" charset="2"/>
-              </a:rPr>
-              <a:t>implementiert</a:t>
-            </a:r>
-            <a:endParaRPr lang="en-US" sz="2000" dirty="0"/>
-          </a:p>
-        </p:txBody>
-      </p:sp>
-      <p:sp>
-        <p:nvSpPr>
-          <p:cNvPr id="11" name="Rectangle 10">
-            <a:extLst>
-              <a:ext uri="{FF2B5EF4-FFF2-40B4-BE49-F238E27FC236}">
-                <a16:creationId xmlns:a16="http://schemas.microsoft.com/office/drawing/2014/main" id="{577D1452-F0B7-431E-9A24-D3F7103D8510}"/>
-              </a:ext>
-              <a:ext uri="{C183D7F6-B498-43B3-948B-1728B52AA6E4}">
-                <adec:decorative xmlns:adec="http://schemas.microsoft.com/office/drawing/2017/decorative" val="1"/>
-              </a:ext>
-            </a:extLst>
-          </p:cNvPr>
-          <p:cNvSpPr>
-            <a:spLocks noGrp="1" noRot="1" noChangeAspect="1" noMove="1" noResize="1" noEditPoints="1" noAdjustHandles="1" noChangeArrowheads="1" noChangeShapeType="1" noTextEdit="1"/>
-          </p:cNvSpPr>
-          <p:nvPr>
-            <p:extLst>
-              <p:ext uri="{386F3935-93C4-4BCD-93E2-E3B085C9AB24}">
-                <p16:designElem xmlns:p16="http://schemas.microsoft.com/office/powerpoint/2015/main" val="1"/>
-              </p:ext>
-            </p:extLst>
-          </p:nvPr>
-        </p:nvSpPr>
-        <p:spPr>
-          <a:xfrm>
-            <a:off x="4639056" y="0"/>
-            <a:ext cx="7552944" cy="6858000"/>
-          </a:xfrm>
-          <a:prstGeom prst="rect">
-            <a:avLst/>
-          </a:prstGeom>
-          <a:solidFill>
-            <a:srgbClr val="C8CACA"/>
-          </a:solidFill>
-          <a:ln>
-            <a:noFill/>
-          </a:ln>
-        </p:spPr>
-        <p:style>
-          <a:lnRef idx="2">
-            <a:schemeClr val="accent1">
-              <a:shade val="50000"/>
-            </a:schemeClr>
-          </a:lnRef>
-          <a:fillRef idx="1">
-            <a:schemeClr val="accent1"/>
-          </a:fillRef>
-          <a:effectRef idx="0">
-            <a:schemeClr val="accent1"/>
-          </a:effectRef>
-          <a:fontRef idx="minor">
-            <a:schemeClr val="lt1"/>
-          </a:fontRef>
-        </p:style>
-        <p:txBody>
-          <a:bodyPr rtlCol="0" anchor="ctr"/>
-          <a:lstStyle/>
-          <a:p>
-            <a:pPr algn="ctr"/>
-            <a:endParaRPr lang="en-US"/>
-          </a:p>
-        </p:txBody>
-      </p:sp>
-      <p:sp>
-        <p:nvSpPr>
-          <p:cNvPr id="13" name="Rounded Rectangle 20">
-            <a:extLst>
-              <a:ext uri="{FF2B5EF4-FFF2-40B4-BE49-F238E27FC236}">
-                <a16:creationId xmlns:a16="http://schemas.microsoft.com/office/drawing/2014/main" id="{A660F4F9-5DF5-4F15-BE6A-CD8648BB1148}"/>
-              </a:ext>
-              <a:ext uri="{C183D7F6-B498-43B3-948B-1728B52AA6E4}">
-                <adec:decorative xmlns:adec="http://schemas.microsoft.com/office/drawing/2017/decorative" val="1"/>
-              </a:ext>
-            </a:extLst>
-          </p:cNvPr>
-          <p:cNvSpPr>
-            <a:spLocks noGrp="1" noRot="1" noChangeAspect="1" noMove="1" noResize="1" noEditPoints="1" noAdjustHandles="1" noChangeArrowheads="1" noChangeShapeType="1" noTextEdit="1"/>
-          </p:cNvSpPr>
-          <p:nvPr>
-            <p:extLst>
-              <p:ext uri="{386F3935-93C4-4BCD-93E2-E3B085C9AB24}">
-                <p16:designElem xmlns:p16="http://schemas.microsoft.com/office/powerpoint/2015/main" val="1"/>
-              </p:ext>
-            </p:extLst>
-          </p:nvPr>
-        </p:nvSpPr>
-        <p:spPr>
-          <a:xfrm>
-            <a:off x="5118267" y="559407"/>
-            <a:ext cx="6594522" cy="5739187"/>
-          </a:xfrm>
-          <a:prstGeom prst="roundRect">
-            <a:avLst>
-              <a:gd name="adj" fmla="val 0"/>
-            </a:avLst>
-          </a:prstGeom>
-          <a:solidFill>
-            <a:srgbClr val="FFFFFF"/>
-          </a:solidFill>
-          <a:ln w="9525">
-            <a:solidFill>
-              <a:srgbClr val="C8CACA"/>
-            </a:solidFill>
-          </a:ln>
-          <a:effectLst>
-            <a:outerShdw blurRad="57150" dist="19050" dir="5400000" algn="t" rotWithShape="0">
-              <a:prstClr val="black">
-                <a:alpha val="63000"/>
-              </a:prstClr>
-            </a:outerShdw>
-          </a:effectLst>
-        </p:spPr>
-        <p:style>
-          <a:lnRef idx="2">
-            <a:schemeClr val="accent1">
-              <a:shade val="50000"/>
-            </a:schemeClr>
-          </a:lnRef>
-          <a:fillRef idx="1">
-            <a:schemeClr val="accent1"/>
-          </a:fillRef>
-          <a:effectRef idx="0">
-            <a:schemeClr val="accent1"/>
-          </a:effectRef>
-          <a:fontRef idx="minor">
-            <a:schemeClr val="lt1"/>
-          </a:fontRef>
-        </p:style>
-        <p:txBody>
-          <a:bodyPr rtlCol="0" anchor="ctr"/>
-          <a:lstStyle/>
-          <a:p>
-            <a:pPr algn="ctr"/>
-            <a:endParaRPr lang="en-US"/>
-          </a:p>
-        </p:txBody>
-      </p:sp>
-      <p:pic>
-        <p:nvPicPr>
-          <p:cNvPr id="6" name="Inhaltsplatzhalter 5">
-            <a:extLst>
-              <a:ext uri="{FF2B5EF4-FFF2-40B4-BE49-F238E27FC236}">
-                <a16:creationId xmlns:a16="http://schemas.microsoft.com/office/drawing/2014/main" id="{0B518E93-2540-43E6-BD4B-6A38FF9F3B73}"/>
-              </a:ext>
-            </a:extLst>
-          </p:cNvPr>
-          <p:cNvPicPr>
-            <a:picLocks noGrp="1" noChangeAspect="1"/>
-          </p:cNvPicPr>
-          <p:nvPr>
-            <p:ph sz="half" idx="2"/>
-          </p:nvPr>
-        </p:nvPicPr>
-        <p:blipFill rotWithShape="1">
-          <a:blip r:embed="rId2"/>
-          <a:srcRect t="7223" r="-1" b="17760"/>
-          <a:stretch/>
-        </p:blipFill>
-        <p:spPr>
-          <a:xfrm>
-            <a:off x="5283708" y="722376"/>
-            <a:ext cx="6263640" cy="5413248"/>
-          </a:xfrm>
-          <a:prstGeom prst="rect">
-            <a:avLst/>
-          </a:prstGeom>
-          <a:effectLst/>
-        </p:spPr>
-      </p:pic>
-    </p:spTree>
-    <p:extLst>
-      <p:ext uri="{BB962C8B-B14F-4D97-AF65-F5344CB8AC3E}">
-        <p14:creationId xmlns:p14="http://schemas.microsoft.com/office/powerpoint/2010/main" val="47323300"/>
       </p:ext>
     </p:extLst>
   </p:cSld>

--- a/Presentation/Traffic-flow-modeling-and-analysis.pptx
+++ b/Presentation/Traffic-flow-modeling-and-analysis.pptx
@@ -12,13 +12,16 @@
     <p:sldId id="261" r:id="rId6"/>
     <p:sldId id="269" r:id="rId7"/>
     <p:sldId id="267" r:id="rId8"/>
-    <p:sldId id="266" r:id="rId9"/>
-    <p:sldId id="262" r:id="rId10"/>
-    <p:sldId id="259" r:id="rId11"/>
-    <p:sldId id="263" r:id="rId12"/>
-    <p:sldId id="264" r:id="rId13"/>
-    <p:sldId id="270" r:id="rId14"/>
-    <p:sldId id="271" r:id="rId15"/>
+    <p:sldId id="274" r:id="rId9"/>
+    <p:sldId id="273" r:id="rId10"/>
+    <p:sldId id="266" r:id="rId11"/>
+    <p:sldId id="262" r:id="rId12"/>
+    <p:sldId id="259" r:id="rId13"/>
+    <p:sldId id="263" r:id="rId14"/>
+    <p:sldId id="264" r:id="rId15"/>
+    <p:sldId id="272" r:id="rId16"/>
+    <p:sldId id="270" r:id="rId17"/>
+    <p:sldId id="271" r:id="rId18"/>
   </p:sldIdLst>
   <p:sldSz cx="12192000" cy="6858000"/>
   <p:notesSz cx="6858000" cy="9144000"/>
@@ -272,7 +275,7 @@
           <a:p>
             <a:fld id="{2CE709E5-6494-42E6-9F3E-1EC649FF95E6}" type="datetimeFigureOut">
               <a:rPr lang="de-DE" smtClean="0"/>
-              <a:t>20.01.2021</a:t>
+              <a:t>23.01.2021</a:t>
             </a:fld>
             <a:endParaRPr lang="de-DE"/>
           </a:p>
@@ -470,7 +473,7 @@
           <a:p>
             <a:fld id="{2CE709E5-6494-42E6-9F3E-1EC649FF95E6}" type="datetimeFigureOut">
               <a:rPr lang="de-DE" smtClean="0"/>
-              <a:t>20.01.2021</a:t>
+              <a:t>23.01.2021</a:t>
             </a:fld>
             <a:endParaRPr lang="de-DE"/>
           </a:p>
@@ -678,7 +681,7 @@
           <a:p>
             <a:fld id="{2CE709E5-6494-42E6-9F3E-1EC649FF95E6}" type="datetimeFigureOut">
               <a:rPr lang="de-DE" smtClean="0"/>
-              <a:t>20.01.2021</a:t>
+              <a:t>23.01.2021</a:t>
             </a:fld>
             <a:endParaRPr lang="de-DE"/>
           </a:p>
@@ -876,7 +879,7 @@
           <a:p>
             <a:fld id="{2CE709E5-6494-42E6-9F3E-1EC649FF95E6}" type="datetimeFigureOut">
               <a:rPr lang="de-DE" smtClean="0"/>
-              <a:t>20.01.2021</a:t>
+              <a:t>23.01.2021</a:t>
             </a:fld>
             <a:endParaRPr lang="de-DE"/>
           </a:p>
@@ -1151,7 +1154,7 @@
           <a:p>
             <a:fld id="{2CE709E5-6494-42E6-9F3E-1EC649FF95E6}" type="datetimeFigureOut">
               <a:rPr lang="de-DE" smtClean="0"/>
-              <a:t>20.01.2021</a:t>
+              <a:t>23.01.2021</a:t>
             </a:fld>
             <a:endParaRPr lang="de-DE"/>
           </a:p>
@@ -1416,7 +1419,7 @@
           <a:p>
             <a:fld id="{2CE709E5-6494-42E6-9F3E-1EC649FF95E6}" type="datetimeFigureOut">
               <a:rPr lang="de-DE" smtClean="0"/>
-              <a:t>20.01.2021</a:t>
+              <a:t>23.01.2021</a:t>
             </a:fld>
             <a:endParaRPr lang="de-DE"/>
           </a:p>
@@ -1828,7 +1831,7 @@
           <a:p>
             <a:fld id="{2CE709E5-6494-42E6-9F3E-1EC649FF95E6}" type="datetimeFigureOut">
               <a:rPr lang="de-DE" smtClean="0"/>
-              <a:t>20.01.2021</a:t>
+              <a:t>23.01.2021</a:t>
             </a:fld>
             <a:endParaRPr lang="de-DE"/>
           </a:p>
@@ -1969,7 +1972,7 @@
           <a:p>
             <a:fld id="{2CE709E5-6494-42E6-9F3E-1EC649FF95E6}" type="datetimeFigureOut">
               <a:rPr lang="de-DE" smtClean="0"/>
-              <a:t>20.01.2021</a:t>
+              <a:t>23.01.2021</a:t>
             </a:fld>
             <a:endParaRPr lang="de-DE"/>
           </a:p>
@@ -2082,7 +2085,7 @@
           <a:p>
             <a:fld id="{2CE709E5-6494-42E6-9F3E-1EC649FF95E6}" type="datetimeFigureOut">
               <a:rPr lang="de-DE" smtClean="0"/>
-              <a:t>20.01.2021</a:t>
+              <a:t>23.01.2021</a:t>
             </a:fld>
             <a:endParaRPr lang="de-DE"/>
           </a:p>
@@ -2393,7 +2396,7 @@
           <a:p>
             <a:fld id="{2CE709E5-6494-42E6-9F3E-1EC649FF95E6}" type="datetimeFigureOut">
               <a:rPr lang="de-DE" smtClean="0"/>
-              <a:t>20.01.2021</a:t>
+              <a:t>23.01.2021</a:t>
             </a:fld>
             <a:endParaRPr lang="de-DE"/>
           </a:p>
@@ -2681,7 +2684,7 @@
           <a:p>
             <a:fld id="{2CE709E5-6494-42E6-9F3E-1EC649FF95E6}" type="datetimeFigureOut">
               <a:rPr lang="de-DE" smtClean="0"/>
-              <a:t>20.01.2021</a:t>
+              <a:t>23.01.2021</a:t>
             </a:fld>
             <a:endParaRPr lang="de-DE"/>
           </a:p>
@@ -2922,7 +2925,7 @@
           <a:p>
             <a:fld id="{2CE709E5-6494-42E6-9F3E-1EC649FF95E6}" type="datetimeFigureOut">
               <a:rPr lang="de-DE" smtClean="0"/>
-              <a:t>20.01.2021</a:t>
+              <a:t>23.01.2021</a:t>
             </a:fld>
             <a:endParaRPr lang="de-DE"/>
           </a:p>
@@ -3618,6 +3621,695 @@
           <p:cNvPr id="2" name="Titel 1">
             <a:extLst>
               <a:ext uri="{FF2B5EF4-FFF2-40B4-BE49-F238E27FC236}">
+                <a16:creationId xmlns:a16="http://schemas.microsoft.com/office/drawing/2014/main" id="{073F535C-AB58-4FA4-907F-873955C67F74}"/>
+              </a:ext>
+            </a:extLst>
+          </p:cNvPr>
+          <p:cNvSpPr>
+            <a:spLocks noGrp="1"/>
+          </p:cNvSpPr>
+          <p:nvPr>
+            <p:ph type="title"/>
+          </p:nvPr>
+        </p:nvSpPr>
+        <p:spPr>
+          <a:xfrm>
+            <a:off x="648929" y="629266"/>
+            <a:ext cx="3505495" cy="1622321"/>
+          </a:xfrm>
+        </p:spPr>
+        <p:txBody>
+          <a:bodyPr vert="horz" lIns="91440" tIns="45720" rIns="91440" bIns="45720" rtlCol="0" anchor="ctr">
+            <a:normAutofit/>
+          </a:bodyPr>
+          <a:lstStyle/>
+          <a:p>
+            <a:r>
+              <a:rPr lang="en-US" kern="1200" dirty="0">
+                <a:solidFill>
+                  <a:schemeClr val="tx1"/>
+                </a:solidFill>
+                <a:latin typeface="+mj-lt"/>
+                <a:ea typeface="+mj-ea"/>
+                <a:cs typeface="+mj-cs"/>
+              </a:rPr>
+              <a:t>Street-Actor</a:t>
+            </a:r>
+          </a:p>
+        </p:txBody>
+      </p:sp>
+      <p:sp>
+        <p:nvSpPr>
+          <p:cNvPr id="5" name="Inhaltsplatzhalter 4">
+            <a:extLst>
+              <a:ext uri="{FF2B5EF4-FFF2-40B4-BE49-F238E27FC236}">
+                <a16:creationId xmlns:a16="http://schemas.microsoft.com/office/drawing/2014/main" id="{636667ED-908B-4A43-8D25-054F1E947E25}"/>
+              </a:ext>
+            </a:extLst>
+          </p:cNvPr>
+          <p:cNvSpPr>
+            <a:spLocks noGrp="1"/>
+          </p:cNvSpPr>
+          <p:nvPr>
+            <p:ph idx="1"/>
+          </p:nvPr>
+        </p:nvSpPr>
+        <p:spPr>
+          <a:xfrm>
+            <a:off x="648931" y="2251588"/>
+            <a:ext cx="3505494" cy="3972232"/>
+          </a:xfrm>
+        </p:spPr>
+        <p:txBody>
+          <a:bodyPr vert="horz" lIns="91440" tIns="45720" rIns="91440" bIns="45720" rtlCol="0">
+            <a:normAutofit/>
+          </a:bodyPr>
+          <a:lstStyle/>
+          <a:p>
+            <a:r>
+              <a:rPr lang="en-US" sz="2000" dirty="0" err="1"/>
+              <a:t>Straße</a:t>
+            </a:r>
+            <a:r>
+              <a:rPr lang="en-US" sz="2000" dirty="0"/>
+              <a:t> </a:t>
+            </a:r>
+            <a:r>
+              <a:rPr lang="en-US" sz="2000" dirty="0" err="1"/>
+              <a:t>beinhaltet</a:t>
+            </a:r>
+            <a:r>
+              <a:rPr lang="en-US" sz="2000" dirty="0"/>
+              <a:t>:</a:t>
+            </a:r>
+          </a:p>
+          <a:p>
+            <a:pPr lvl="1"/>
+            <a:r>
+              <a:rPr lang="en-US" sz="2000" dirty="0"/>
+              <a:t>Eine Queue</a:t>
+            </a:r>
+          </a:p>
+          <a:p>
+            <a:pPr lvl="1"/>
+            <a:r>
+              <a:rPr lang="en-US" sz="2000" dirty="0"/>
+              <a:t>Feste </a:t>
+            </a:r>
+            <a:r>
+              <a:rPr lang="en-US" sz="2000" dirty="0" err="1"/>
+              <a:t>Straßenlänge</a:t>
+            </a:r>
+            <a:endParaRPr lang="en-US" sz="2000" dirty="0"/>
+          </a:p>
+          <a:p>
+            <a:pPr lvl="1"/>
+            <a:r>
+              <a:rPr lang="en-US" sz="2000" dirty="0"/>
+              <a:t>Dauer, die </a:t>
+            </a:r>
+            <a:r>
+              <a:rPr lang="en-US" sz="2000" dirty="0" err="1"/>
+              <a:t>Straße</a:t>
+            </a:r>
+            <a:r>
+              <a:rPr lang="en-US" sz="2000" dirty="0"/>
+              <a:t> </a:t>
+            </a:r>
+            <a:r>
+              <a:rPr lang="en-US" sz="2000" dirty="0" err="1"/>
+              <a:t>zu</a:t>
+            </a:r>
+            <a:r>
+              <a:rPr lang="en-US" sz="2000" dirty="0"/>
+              <a:t> </a:t>
+            </a:r>
+            <a:r>
+              <a:rPr lang="en-US" sz="2000" dirty="0" err="1"/>
+              <a:t>überqueren</a:t>
+            </a:r>
+            <a:endParaRPr lang="en-US" sz="2000" dirty="0"/>
+          </a:p>
+          <a:p>
+            <a:pPr lvl="1"/>
+            <a:r>
+              <a:rPr lang="en-US" sz="2000" dirty="0"/>
+              <a:t>Counter </a:t>
+            </a:r>
+            <a:r>
+              <a:rPr lang="en-US" sz="2000" dirty="0" err="1"/>
+              <a:t>zur</a:t>
+            </a:r>
+            <a:r>
+              <a:rPr lang="en-US" sz="2000" dirty="0"/>
+              <a:t> </a:t>
+            </a:r>
+            <a:r>
+              <a:rPr lang="en-US" sz="2000" dirty="0" err="1"/>
+              <a:t>Analyse</a:t>
+            </a:r>
+            <a:endParaRPr lang="en-US" sz="2000" dirty="0"/>
+          </a:p>
+          <a:p>
+            <a:r>
+              <a:rPr lang="en-US" sz="2000" dirty="0"/>
+              <a:t>Alle Parameter von </a:t>
+            </a:r>
+            <a:r>
+              <a:rPr lang="en-US" sz="2000" dirty="0" err="1"/>
+              <a:t>Außen</a:t>
+            </a:r>
+            <a:r>
+              <a:rPr lang="en-US" sz="2000" dirty="0"/>
+              <a:t> </a:t>
+            </a:r>
+            <a:r>
+              <a:rPr lang="en-US" sz="2000" dirty="0" err="1"/>
+              <a:t>setzbar</a:t>
+            </a:r>
+            <a:r>
+              <a:rPr lang="en-US" sz="2000" dirty="0"/>
+              <a:t> ( = configurable)</a:t>
+            </a:r>
+          </a:p>
+          <a:p>
+            <a:r>
+              <a:rPr lang="en-US" sz="2000" dirty="0"/>
+              <a:t>Delays </a:t>
+            </a:r>
+            <a:r>
+              <a:rPr lang="en-US" sz="2000" dirty="0" err="1"/>
+              <a:t>müssen</a:t>
+            </a:r>
+            <a:r>
+              <a:rPr lang="en-US" sz="2000" dirty="0"/>
+              <a:t> </a:t>
+            </a:r>
+            <a:r>
+              <a:rPr lang="en-US" sz="2000" dirty="0" err="1"/>
+              <a:t>zwischengeschaltet</a:t>
+            </a:r>
+            <a:r>
+              <a:rPr lang="en-US" sz="2000" dirty="0"/>
+              <a:t> </a:t>
+            </a:r>
+            <a:r>
+              <a:rPr lang="en-US" sz="2000" dirty="0" err="1"/>
+              <a:t>werden</a:t>
+            </a:r>
+            <a:endParaRPr lang="en-US" sz="2000" dirty="0"/>
+          </a:p>
+        </p:txBody>
+      </p:sp>
+      <p:sp>
+        <p:nvSpPr>
+          <p:cNvPr id="16" name="Rectangle 15">
+            <a:extLst>
+              <a:ext uri="{FF2B5EF4-FFF2-40B4-BE49-F238E27FC236}">
+                <a16:creationId xmlns:a16="http://schemas.microsoft.com/office/drawing/2014/main" id="{5E39A796-BE83-48B1-B33F-35C4A32AAB57}"/>
+              </a:ext>
+              <a:ext uri="{C183D7F6-B498-43B3-948B-1728B52AA6E4}">
+                <adec:decorative xmlns:adec="http://schemas.microsoft.com/office/drawing/2017/decorative" val="1"/>
+              </a:ext>
+            </a:extLst>
+          </p:cNvPr>
+          <p:cNvSpPr>
+            <a:spLocks noGrp="1" noRot="1" noChangeAspect="1" noMove="1" noResize="1" noEditPoints="1" noAdjustHandles="1" noChangeArrowheads="1" noChangeShapeType="1" noTextEdit="1"/>
+          </p:cNvSpPr>
+          <p:nvPr>
+            <p:extLst>
+              <p:ext uri="{386F3935-93C4-4BCD-93E2-E3B085C9AB24}">
+                <p16:designElem xmlns:p16="http://schemas.microsoft.com/office/powerpoint/2015/main" val="1"/>
+              </p:ext>
+            </p:extLst>
+          </p:nvPr>
+        </p:nvSpPr>
+        <p:spPr>
+          <a:xfrm>
+            <a:off x="4639056" y="0"/>
+            <a:ext cx="7552944" cy="6858000"/>
+          </a:xfrm>
+          <a:prstGeom prst="rect">
+            <a:avLst/>
+          </a:prstGeom>
+          <a:solidFill>
+            <a:srgbClr val="C8CACA"/>
+          </a:solidFill>
+          <a:ln>
+            <a:noFill/>
+          </a:ln>
+        </p:spPr>
+        <p:style>
+          <a:lnRef idx="2">
+            <a:schemeClr val="accent1">
+              <a:shade val="50000"/>
+            </a:schemeClr>
+          </a:lnRef>
+          <a:fillRef idx="1">
+            <a:schemeClr val="accent1"/>
+          </a:fillRef>
+          <a:effectRef idx="0">
+            <a:schemeClr val="accent1"/>
+          </a:effectRef>
+          <a:fontRef idx="minor">
+            <a:schemeClr val="lt1"/>
+          </a:fontRef>
+        </p:style>
+        <p:txBody>
+          <a:bodyPr rtlCol="0" anchor="ctr"/>
+          <a:lstStyle/>
+          <a:p>
+            <a:pPr algn="ctr"/>
+            <a:endParaRPr lang="en-US"/>
+          </a:p>
+        </p:txBody>
+      </p:sp>
+      <p:sp>
+        <p:nvSpPr>
+          <p:cNvPr id="18" name="Rounded Rectangle 9">
+            <a:extLst>
+              <a:ext uri="{FF2B5EF4-FFF2-40B4-BE49-F238E27FC236}">
+                <a16:creationId xmlns:a16="http://schemas.microsoft.com/office/drawing/2014/main" id="{72F84B47-E267-4194-8194-831DB7B5547F}"/>
+              </a:ext>
+              <a:ext uri="{C183D7F6-B498-43B3-948B-1728B52AA6E4}">
+                <adec:decorative xmlns:adec="http://schemas.microsoft.com/office/drawing/2017/decorative" val="1"/>
+              </a:ext>
+            </a:extLst>
+          </p:cNvPr>
+          <p:cNvSpPr>
+            <a:spLocks noGrp="1" noRot="1" noChangeAspect="1" noMove="1" noResize="1" noEditPoints="1" noAdjustHandles="1" noChangeArrowheads="1" noChangeShapeType="1" noTextEdit="1"/>
+          </p:cNvSpPr>
+          <p:nvPr>
+            <p:extLst>
+              <p:ext uri="{386F3935-93C4-4BCD-93E2-E3B085C9AB24}">
+                <p16:designElem xmlns:p16="http://schemas.microsoft.com/office/powerpoint/2015/main" val="1"/>
+              </p:ext>
+            </p:extLst>
+          </p:nvPr>
+        </p:nvSpPr>
+        <p:spPr>
+          <a:xfrm>
+            <a:off x="5123688" y="557784"/>
+            <a:ext cx="6584098" cy="5739187"/>
+          </a:xfrm>
+          <a:prstGeom prst="roundRect">
+            <a:avLst>
+              <a:gd name="adj" fmla="val 0"/>
+            </a:avLst>
+          </a:prstGeom>
+          <a:solidFill>
+            <a:srgbClr val="FFFFFF"/>
+          </a:solidFill>
+          <a:ln w="9525">
+            <a:solidFill>
+              <a:srgbClr val="C8CACA"/>
+            </a:solidFill>
+          </a:ln>
+          <a:effectLst>
+            <a:outerShdw blurRad="57150" dist="19050" dir="5400000" algn="t" rotWithShape="0">
+              <a:prstClr val="black">
+                <a:alpha val="63000"/>
+              </a:prstClr>
+            </a:outerShdw>
+          </a:effectLst>
+        </p:spPr>
+        <p:style>
+          <a:lnRef idx="2">
+            <a:schemeClr val="accent1">
+              <a:shade val="50000"/>
+            </a:schemeClr>
+          </a:lnRef>
+          <a:fillRef idx="1">
+            <a:schemeClr val="accent1"/>
+          </a:fillRef>
+          <a:effectRef idx="0">
+            <a:schemeClr val="accent1"/>
+          </a:effectRef>
+          <a:fontRef idx="minor">
+            <a:schemeClr val="lt1"/>
+          </a:fontRef>
+        </p:style>
+        <p:txBody>
+          <a:bodyPr rtlCol="0" anchor="ctr"/>
+          <a:lstStyle/>
+          <a:p>
+            <a:pPr algn="ctr"/>
+            <a:endParaRPr lang="en-US"/>
+          </a:p>
+        </p:txBody>
+      </p:sp>
+      <p:pic>
+        <p:nvPicPr>
+          <p:cNvPr id="6" name="Grafik 5">
+            <a:extLst>
+              <a:ext uri="{FF2B5EF4-FFF2-40B4-BE49-F238E27FC236}">
+                <a16:creationId xmlns:a16="http://schemas.microsoft.com/office/drawing/2014/main" id="{D0887369-F7CE-40F7-B25D-47968E1E52AB}"/>
+              </a:ext>
+            </a:extLst>
+          </p:cNvPr>
+          <p:cNvPicPr>
+            <a:picLocks noChangeAspect="1"/>
+          </p:cNvPicPr>
+          <p:nvPr/>
+        </p:nvPicPr>
+        <p:blipFill>
+          <a:blip r:embed="rId2"/>
+          <a:stretch>
+            <a:fillRect/>
+          </a:stretch>
+        </p:blipFill>
+        <p:spPr>
+          <a:xfrm>
+            <a:off x="5405862" y="1568909"/>
+            <a:ext cx="6019331" cy="3716936"/>
+          </a:xfrm>
+          <a:prstGeom prst="rect">
+            <a:avLst/>
+          </a:prstGeom>
+          <a:effectLst/>
+        </p:spPr>
+      </p:pic>
+    </p:spTree>
+    <p:extLst>
+      <p:ext uri="{BB962C8B-B14F-4D97-AF65-F5344CB8AC3E}">
+        <p14:creationId xmlns:p14="http://schemas.microsoft.com/office/powerpoint/2010/main" val="1049452539"/>
+      </p:ext>
+    </p:extLst>
+  </p:cSld>
+  <p:clrMapOvr>
+    <a:masterClrMapping/>
+  </p:clrMapOvr>
+</p:sld>
+</file>
+
+<file path=ppt/slides/slide11.xml><?xml version="1.0" encoding="utf-8"?>
+<p:sld xmlns:a="http://schemas.openxmlformats.org/drawingml/2006/main" xmlns:r="http://schemas.openxmlformats.org/officeDocument/2006/relationships" xmlns:p="http://schemas.openxmlformats.org/presentationml/2006/main">
+  <p:cSld>
+    <p:bg>
+      <p:bgPr>
+        <a:solidFill>
+          <a:schemeClr val="bg2"/>
+        </a:solidFill>
+        <a:effectLst/>
+      </p:bgPr>
+    </p:bg>
+    <p:spTree>
+      <p:nvGrpSpPr>
+        <p:cNvPr id="1" name=""/>
+        <p:cNvGrpSpPr/>
+        <p:nvPr/>
+      </p:nvGrpSpPr>
+      <p:grpSpPr>
+        <a:xfrm>
+          <a:off x="0" y="0"/>
+          <a:ext cx="0" cy="0"/>
+          <a:chOff x="0" y="0"/>
+          <a:chExt cx="0" cy="0"/>
+        </a:xfrm>
+      </p:grpSpPr>
+      <p:sp>
+        <p:nvSpPr>
+          <p:cNvPr id="20" name="Rectangle 15">
+            <a:extLst>
+              <a:ext uri="{FF2B5EF4-FFF2-40B4-BE49-F238E27FC236}">
+                <a16:creationId xmlns:a16="http://schemas.microsoft.com/office/drawing/2014/main" id="{16C5FA50-8D52-4617-AF91-5C7B1C8352F1}"/>
+              </a:ext>
+              <a:ext uri="{C183D7F6-B498-43B3-948B-1728B52AA6E4}">
+                <adec:decorative xmlns:adec="http://schemas.microsoft.com/office/drawing/2017/decorative" val="1"/>
+              </a:ext>
+            </a:extLst>
+          </p:cNvPr>
+          <p:cNvSpPr>
+            <a:spLocks noGrp="1" noRot="1" noChangeAspect="1" noMove="1" noResize="1" noEditPoints="1" noAdjustHandles="1" noChangeArrowheads="1" noChangeShapeType="1" noTextEdit="1"/>
+          </p:cNvSpPr>
+          <p:nvPr>
+            <p:extLst>
+              <p:ext uri="{386F3935-93C4-4BCD-93E2-E3B085C9AB24}">
+                <p16:designElem xmlns:p16="http://schemas.microsoft.com/office/powerpoint/2015/main" val="1"/>
+              </p:ext>
+            </p:extLst>
+          </p:nvPr>
+        </p:nvSpPr>
+        <p:spPr>
+          <a:xfrm>
+            <a:off x="0" y="0"/>
+            <a:ext cx="12192000" cy="6858000"/>
+          </a:xfrm>
+          <a:prstGeom prst="rect">
+            <a:avLst/>
+          </a:prstGeom>
+          <a:solidFill>
+            <a:srgbClr val="767171"/>
+          </a:solidFill>
+          <a:ln>
+            <a:noFill/>
+          </a:ln>
+        </p:spPr>
+        <p:style>
+          <a:lnRef idx="2">
+            <a:schemeClr val="accent1">
+              <a:shade val="50000"/>
+            </a:schemeClr>
+          </a:lnRef>
+          <a:fillRef idx="1">
+            <a:schemeClr val="accent1"/>
+          </a:fillRef>
+          <a:effectRef idx="0">
+            <a:schemeClr val="accent1"/>
+          </a:effectRef>
+          <a:fontRef idx="minor">
+            <a:schemeClr val="lt1"/>
+          </a:fontRef>
+        </p:style>
+        <p:txBody>
+          <a:bodyPr rtlCol="0" anchor="ctr"/>
+          <a:lstStyle/>
+          <a:p>
+            <a:pPr algn="ctr"/>
+            <a:endParaRPr lang="en-US"/>
+          </a:p>
+        </p:txBody>
+      </p:sp>
+      <p:sp>
+        <p:nvSpPr>
+          <p:cNvPr id="2" name="Titel 1">
+            <a:extLst>
+              <a:ext uri="{FF2B5EF4-FFF2-40B4-BE49-F238E27FC236}">
+                <a16:creationId xmlns:a16="http://schemas.microsoft.com/office/drawing/2014/main" id="{CC14FF9A-577A-4E6C-8CBD-2703C9EDD042}"/>
+              </a:ext>
+            </a:extLst>
+          </p:cNvPr>
+          <p:cNvSpPr>
+            <a:spLocks noGrp="1"/>
+          </p:cNvSpPr>
+          <p:nvPr>
+            <p:ph type="title"/>
+          </p:nvPr>
+        </p:nvSpPr>
+        <p:spPr>
+          <a:xfrm>
+            <a:off x="8917646" y="942538"/>
+            <a:ext cx="2979077" cy="4794567"/>
+          </a:xfrm>
+        </p:spPr>
+        <p:txBody>
+          <a:bodyPr vert="horz" lIns="91440" tIns="45720" rIns="91440" bIns="45720" rtlCol="0" anchor="ctr">
+            <a:normAutofit/>
+          </a:bodyPr>
+          <a:lstStyle/>
+          <a:p>
+            <a:r>
+              <a:rPr lang="en-US" sz="3600" dirty="0">
+                <a:solidFill>
+                  <a:srgbClr val="FFFFFF"/>
+                </a:solidFill>
+              </a:rPr>
+              <a:t>T-Intersection </a:t>
+            </a:r>
+            <a:r>
+              <a:rPr lang="en-US" sz="3600" dirty="0" err="1">
+                <a:solidFill>
+                  <a:srgbClr val="FFFFFF"/>
+                </a:solidFill>
+              </a:rPr>
+              <a:t>besteht</a:t>
+            </a:r>
+            <a:r>
+              <a:rPr lang="en-US" sz="3600" dirty="0">
+                <a:solidFill>
+                  <a:srgbClr val="FFFFFF"/>
+                </a:solidFill>
+              </a:rPr>
+              <a:t> </a:t>
+            </a:r>
+            <a:r>
+              <a:rPr lang="en-US" sz="3600" dirty="0" err="1">
+                <a:solidFill>
+                  <a:srgbClr val="FFFFFF"/>
+                </a:solidFill>
+              </a:rPr>
+              <a:t>aus</a:t>
+            </a:r>
+            <a:r>
+              <a:rPr lang="en-US" sz="3600" dirty="0">
+                <a:solidFill>
+                  <a:srgbClr val="FFFFFF"/>
+                </a:solidFill>
+              </a:rPr>
+              <a:t>…</a:t>
+            </a:r>
+          </a:p>
+        </p:txBody>
+      </p:sp>
+      <p:sp>
+        <p:nvSpPr>
+          <p:cNvPr id="21" name="Rounded Rectangle 9">
+            <a:extLst>
+              <a:ext uri="{FF2B5EF4-FFF2-40B4-BE49-F238E27FC236}">
+                <a16:creationId xmlns:a16="http://schemas.microsoft.com/office/drawing/2014/main" id="{E223798C-12AD-4B0C-A50C-D676347D67CF}"/>
+              </a:ext>
+              <a:ext uri="{C183D7F6-B498-43B3-948B-1728B52AA6E4}">
+                <adec:decorative xmlns:adec="http://schemas.microsoft.com/office/drawing/2017/decorative" val="1"/>
+              </a:ext>
+            </a:extLst>
+          </p:cNvPr>
+          <p:cNvSpPr>
+            <a:spLocks noGrp="1" noRot="1" noChangeAspect="1" noMove="1" noResize="1" noEditPoints="1" noAdjustHandles="1" noChangeArrowheads="1" noChangeShapeType="1" noTextEdit="1"/>
+          </p:cNvSpPr>
+          <p:nvPr>
+            <p:extLst>
+              <p:ext uri="{386F3935-93C4-4BCD-93E2-E3B085C9AB24}">
+                <p16:designElem xmlns:p16="http://schemas.microsoft.com/office/powerpoint/2015/main" val="1"/>
+              </p:ext>
+            </p:extLst>
+          </p:nvPr>
+        </p:nvSpPr>
+        <p:spPr>
+          <a:xfrm>
+            <a:off x="493354" y="484632"/>
+            <a:ext cx="8129016" cy="5724144"/>
+          </a:xfrm>
+          <a:prstGeom prst="roundRect">
+            <a:avLst>
+              <a:gd name="adj" fmla="val 0"/>
+            </a:avLst>
+          </a:prstGeom>
+          <a:solidFill>
+            <a:srgbClr val="FFFFFF"/>
+          </a:solidFill>
+          <a:ln w="9525">
+            <a:solidFill>
+              <a:srgbClr val="C8CACA"/>
+            </a:solidFill>
+          </a:ln>
+          <a:effectLst>
+            <a:outerShdw blurRad="57150" dist="19050" dir="5400000" algn="t" rotWithShape="0">
+              <a:prstClr val="black">
+                <a:alpha val="63000"/>
+              </a:prstClr>
+            </a:outerShdw>
+          </a:effectLst>
+        </p:spPr>
+        <p:style>
+          <a:lnRef idx="2">
+            <a:schemeClr val="accent1">
+              <a:shade val="50000"/>
+            </a:schemeClr>
+          </a:lnRef>
+          <a:fillRef idx="1">
+            <a:schemeClr val="accent1"/>
+          </a:fillRef>
+          <a:effectRef idx="0">
+            <a:schemeClr val="accent1"/>
+          </a:effectRef>
+          <a:fontRef idx="minor">
+            <a:schemeClr val="lt1"/>
+          </a:fontRef>
+        </p:style>
+        <p:txBody>
+          <a:bodyPr rtlCol="0" anchor="ctr"/>
+          <a:lstStyle/>
+          <a:p>
+            <a:pPr algn="ctr"/>
+            <a:endParaRPr lang="en-US"/>
+          </a:p>
+        </p:txBody>
+      </p:sp>
+      <p:pic>
+        <p:nvPicPr>
+          <p:cNvPr id="6" name="Inhaltsplatzhalter 5">
+            <a:extLst>
+              <a:ext uri="{FF2B5EF4-FFF2-40B4-BE49-F238E27FC236}">
+                <a16:creationId xmlns:a16="http://schemas.microsoft.com/office/drawing/2014/main" id="{E03801FD-0C08-4D9C-9686-B0FA5C536257}"/>
+              </a:ext>
+            </a:extLst>
+          </p:cNvPr>
+          <p:cNvPicPr>
+            <a:picLocks noGrp="1" noChangeAspect="1"/>
+          </p:cNvPicPr>
+          <p:nvPr>
+            <p:ph idx="1"/>
+          </p:nvPr>
+        </p:nvPicPr>
+        <p:blipFill rotWithShape="1">
+          <a:blip r:embed="rId2"/>
+          <a:srcRect l="-517" r="2720"/>
+          <a:stretch/>
+        </p:blipFill>
+        <p:spPr>
+          <a:xfrm>
+            <a:off x="736245" y="942538"/>
+            <a:ext cx="7646119" cy="4808332"/>
+          </a:xfrm>
+          <a:prstGeom prst="rect">
+            <a:avLst/>
+          </a:prstGeom>
+          <a:effectLst/>
+        </p:spPr>
+      </p:pic>
+    </p:spTree>
+    <p:extLst>
+      <p:ext uri="{BB962C8B-B14F-4D97-AF65-F5344CB8AC3E}">
+        <p14:creationId xmlns:p14="http://schemas.microsoft.com/office/powerpoint/2010/main" val="762413222"/>
+      </p:ext>
+    </p:extLst>
+  </p:cSld>
+  <p:clrMapOvr>
+    <a:masterClrMapping/>
+  </p:clrMapOvr>
+</p:sld>
+</file>
+
+<file path=ppt/slides/slide12.xml><?xml version="1.0" encoding="utf-8"?>
+<p:sld xmlns:a="http://schemas.openxmlformats.org/drawingml/2006/main" xmlns:r="http://schemas.openxmlformats.org/officeDocument/2006/relationships" xmlns:p="http://schemas.openxmlformats.org/presentationml/2006/main">
+  <p:cSld>
+    <p:bg>
+      <p:bgPr>
+        <a:solidFill>
+          <a:schemeClr val="bg1"/>
+        </a:solidFill>
+        <a:effectLst/>
+      </p:bgPr>
+    </p:bg>
+    <p:spTree>
+      <p:nvGrpSpPr>
+        <p:cNvPr id="1" name=""/>
+        <p:cNvGrpSpPr/>
+        <p:nvPr/>
+      </p:nvGrpSpPr>
+      <p:grpSpPr>
+        <a:xfrm>
+          <a:off x="0" y="0"/>
+          <a:ext cx="0" cy="0"/>
+          <a:chOff x="0" y="0"/>
+          <a:chExt cx="0" cy="0"/>
+        </a:xfrm>
+      </p:grpSpPr>
+      <p:sp>
+        <p:nvSpPr>
+          <p:cNvPr id="2" name="Titel 1">
+            <a:extLst>
+              <a:ext uri="{FF2B5EF4-FFF2-40B4-BE49-F238E27FC236}">
                 <a16:creationId xmlns:a16="http://schemas.microsoft.com/office/drawing/2014/main" id="{CC24F3DF-47D1-4D72-845E-B280ECB0C4E0}"/>
               </a:ext>
             </a:extLst>
@@ -3833,8 +4525,8 @@
         </p:nvSpPr>
         <p:spPr>
           <a:xfrm>
-            <a:off x="4864100" y="4675886"/>
-            <a:ext cx="6675627" cy="1605083"/>
+            <a:off x="3763618" y="4675886"/>
+            <a:ext cx="7776110" cy="1605083"/>
           </a:xfrm>
         </p:spPr>
         <p:txBody>
@@ -3845,7 +4537,7 @@
           <a:p>
             <a:r>
               <a:rPr lang="de-DE" sz="2000" dirty="0"/>
-              <a:t>Der </a:t>
+              <a:t>Der ‚</a:t>
             </a:r>
             <a:r>
               <a:rPr lang="de-DE" sz="2000" dirty="0" err="1"/>
@@ -3853,13 +4545,13 @@
             </a:r>
             <a:r>
               <a:rPr lang="de-DE" sz="2000" dirty="0"/>
-              <a:t> ist nichts weiter als der Blinker</a:t>
+              <a:t>‘ ist nichts weiter, als der Blinker eines jeden Autos</a:t>
             </a:r>
           </a:p>
           <a:p>
             <a:r>
               <a:rPr lang="de-DE" sz="2000" dirty="0"/>
-              <a:t>Er wird für jedes Auto an der </a:t>
+              <a:t>Er wird für jedes Auto vor der </a:t>
             </a:r>
             <a:r>
               <a:rPr lang="de-DE" sz="2000" dirty="0" err="1"/>
@@ -3886,7 +4578,7 @@
 </p:sld>
 </file>
 
-<file path=ppt/slides/slide11.xml><?xml version="1.0" encoding="utf-8"?>
+<file path=ppt/slides/slide13.xml><?xml version="1.0" encoding="utf-8"?>
 <p:sld xmlns:a="http://schemas.openxmlformats.org/drawingml/2006/main" xmlns:r="http://schemas.openxmlformats.org/officeDocument/2006/relationships" xmlns:p="http://schemas.openxmlformats.org/presentationml/2006/main">
   <p:cSld>
     <p:spTree>
@@ -3903,12 +4595,130 @@
           <a:chExt cx="0" cy="0"/>
         </a:xfrm>
       </p:grpSpPr>
+      <p:sp>
+        <p:nvSpPr>
+          <p:cNvPr id="6" name="Inhaltsplatzhalter 5">
+            <a:extLst>
+              <a:ext uri="{FF2B5EF4-FFF2-40B4-BE49-F238E27FC236}">
+                <a16:creationId xmlns:a16="http://schemas.microsoft.com/office/drawing/2014/main" id="{91E1AFB9-12BE-4593-A855-D47739A1D92C}"/>
+              </a:ext>
+            </a:extLst>
+          </p:cNvPr>
+          <p:cNvSpPr>
+            <a:spLocks noGrp="1"/>
+          </p:cNvSpPr>
+          <p:nvPr>
+            <p:ph sz="half" idx="2"/>
+          </p:nvPr>
+        </p:nvSpPr>
+        <p:spPr>
+          <a:xfrm>
+            <a:off x="314325" y="1696251"/>
+            <a:ext cx="5181600" cy="4675982"/>
+          </a:xfrm>
+        </p:spPr>
+        <p:txBody>
+          <a:bodyPr>
+            <a:normAutofit/>
+          </a:bodyPr>
+          <a:lstStyle/>
+          <a:p>
+            <a:r>
+              <a:rPr lang="de-DE" sz="2000" dirty="0"/>
+              <a:t>Bei jedem Auto wird in seiner „</a:t>
+            </a:r>
+            <a:r>
+              <a:rPr lang="de-DE" sz="2000" dirty="0" err="1"/>
+              <a:t>RoadMap</a:t>
+            </a:r>
+            <a:r>
+              <a:rPr lang="de-DE" sz="2000" dirty="0"/>
+              <a:t>“ gelesen, wohin es fahren möchte, und dementsprechend wird der Blinker auf eine Richtung gesetzt</a:t>
+            </a:r>
+          </a:p>
+          <a:p>
+            <a:r>
+              <a:rPr lang="de-DE" sz="2000" dirty="0"/>
+              <a:t>Richtungen:</a:t>
+            </a:r>
+          </a:p>
+          <a:p>
+            <a:pPr lvl="1">
+              <a:buFont typeface="Courier New" panose="02070309020205020404" pitchFamily="49" charset="0"/>
+              <a:buChar char="o"/>
+            </a:pPr>
+            <a:r>
+              <a:rPr lang="de-DE" sz="2000" dirty="0"/>
+              <a:t>Links (-1)</a:t>
+            </a:r>
+          </a:p>
+          <a:p>
+            <a:pPr lvl="1">
+              <a:buFont typeface="Courier New" panose="02070309020205020404" pitchFamily="49" charset="0"/>
+              <a:buChar char="o"/>
+            </a:pPr>
+            <a:r>
+              <a:rPr lang="de-DE" sz="2000" dirty="0"/>
+              <a:t>Rechts (1)</a:t>
+            </a:r>
+          </a:p>
+          <a:p>
+            <a:pPr lvl="1">
+              <a:buFont typeface="Courier New" panose="02070309020205020404" pitchFamily="49" charset="0"/>
+              <a:buChar char="o"/>
+            </a:pPr>
+            <a:r>
+              <a:rPr lang="de-DE" sz="2000" dirty="0"/>
+              <a:t>Gerade aus (0)</a:t>
+            </a:r>
+          </a:p>
+          <a:p>
+            <a:r>
+              <a:rPr lang="de-DE" sz="2000" dirty="0"/>
+              <a:t>So weiß die Kreuzung wohin Autos wollen</a:t>
+            </a:r>
+          </a:p>
+          <a:p>
+            <a:r>
+              <a:rPr lang="de-DE" sz="2000" dirty="0"/>
+              <a:t>Durch den „</a:t>
+            </a:r>
+            <a:r>
+              <a:rPr lang="de-DE" sz="2000" dirty="0" err="1"/>
+              <a:t>intersectionCounter</a:t>
+            </a:r>
+            <a:r>
+              <a:rPr lang="de-DE" sz="2000" dirty="0"/>
+              <a:t>“ weiß man, wo man in der „</a:t>
+            </a:r>
+            <a:r>
+              <a:rPr lang="de-DE" sz="2000" dirty="0" err="1"/>
+              <a:t>RoadMap</a:t>
+            </a:r>
+            <a:r>
+              <a:rPr lang="de-DE" sz="2000" dirty="0"/>
+              <a:t>“ lesen muss (bzw. wie viele </a:t>
+            </a:r>
+            <a:r>
+              <a:rPr lang="de-DE" sz="2000" dirty="0" err="1"/>
+              <a:t>Intersections</a:t>
+            </a:r>
+            <a:r>
+              <a:rPr lang="de-DE" sz="2000" dirty="0"/>
+              <a:t> schon passiert wurden</a:t>
+            </a:r>
+          </a:p>
+          <a:p>
+            <a:endParaRPr lang="de-DE" sz="2000" dirty="0"/>
+          </a:p>
+        </p:txBody>
+      </p:sp>
       <p:pic>
         <p:nvPicPr>
-          <p:cNvPr id="4" name="Inhaltsplatzhalter 3">
-            <a:extLst>
-              <a:ext uri="{FF2B5EF4-FFF2-40B4-BE49-F238E27FC236}">
-                <a16:creationId xmlns:a16="http://schemas.microsoft.com/office/drawing/2014/main" id="{7907AB29-830C-4D85-8677-DEFF57B8C903}"/>
+          <p:cNvPr id="9" name="Inhaltsplatzhalter 3">
+            <a:extLst>
+              <a:ext uri="{FF2B5EF4-FFF2-40B4-BE49-F238E27FC236}">
+                <a16:creationId xmlns:a16="http://schemas.microsoft.com/office/drawing/2014/main" id="{EFF058FA-41F8-466E-A321-01C97A5A2957}"/>
               </a:ext>
             </a:extLst>
           </p:cNvPr>
@@ -3921,13 +4731,13 @@
         </p:nvPicPr>
         <p:blipFill rotWithShape="1">
           <a:blip r:embed="rId2"/>
-          <a:srcRect t="6483"/>
+          <a:srcRect l="744" t="7458"/>
           <a:stretch/>
         </p:blipFill>
         <p:spPr>
           <a:xfrm>
-            <a:off x="5495925" y="1253331"/>
-            <a:ext cx="6405399" cy="4351338"/>
+            <a:off x="5495925" y="1596225"/>
+            <a:ext cx="6696075" cy="4535104"/>
           </a:xfrm>
           <a:prstGeom prst="rect">
             <a:avLst/>
@@ -3936,10 +4746,10 @@
       </p:pic>
       <p:sp>
         <p:nvSpPr>
-          <p:cNvPr id="6" name="Inhaltsplatzhalter 5">
-            <a:extLst>
-              <a:ext uri="{FF2B5EF4-FFF2-40B4-BE49-F238E27FC236}">
-                <a16:creationId xmlns:a16="http://schemas.microsoft.com/office/drawing/2014/main" id="{91E1AFB9-12BE-4593-A855-D47739A1D92C}"/>
+          <p:cNvPr id="10" name="Titel 1">
+            <a:extLst>
+              <a:ext uri="{FF2B5EF4-FFF2-40B4-BE49-F238E27FC236}">
+                <a16:creationId xmlns:a16="http://schemas.microsoft.com/office/drawing/2014/main" id="{C596FE01-8A11-4055-A67F-9669C5BCD992}"/>
               </a:ext>
             </a:extLst>
           </p:cNvPr>
@@ -3947,13 +4757,13 @@
             <a:spLocks noGrp="1"/>
           </p:cNvSpPr>
           <p:nvPr>
-            <p:ph sz="half" idx="2"/>
+            <p:ph type="title"/>
           </p:nvPr>
         </p:nvSpPr>
         <p:spPr>
           <a:xfrm>
-            <a:off x="314325" y="1253331"/>
-            <a:ext cx="5181600" cy="4675982"/>
+            <a:off x="534629" y="485767"/>
+            <a:ext cx="3685032" cy="812101"/>
           </a:xfrm>
         </p:spPr>
         <p:txBody>
@@ -3963,60 +4773,10 @@
           <a:lstStyle/>
           <a:p>
             <a:r>
-              <a:rPr lang="de-DE" sz="2000" dirty="0"/>
-              <a:t>Bei jedem Auto wird in seiner „</a:t>
-            </a:r>
-            <a:r>
-              <a:rPr lang="de-DE" sz="2000" dirty="0" err="1"/>
-              <a:t>RoadMap</a:t>
-            </a:r>
-            <a:r>
-              <a:rPr lang="de-DE" sz="2000" dirty="0"/>
-              <a:t>“ gelesen, wohin es fahren möchte, und dementsprechend wird der Blinker auf eine Richtung gesetzt</a:t>
-            </a:r>
-          </a:p>
-          <a:p>
-            <a:r>
-              <a:rPr lang="de-DE" sz="2000" dirty="0"/>
-              <a:t>Richtungen:</a:t>
-            </a:r>
-          </a:p>
-          <a:p>
-            <a:pPr lvl="1">
-              <a:buFont typeface="Wingdings" panose="05000000000000000000" pitchFamily="2" charset="2"/>
-              <a:buChar char="Ø"/>
-            </a:pPr>
-            <a:r>
-              <a:rPr lang="de-DE" sz="2000" dirty="0"/>
-              <a:t>Links (-1)</a:t>
-            </a:r>
-          </a:p>
-          <a:p>
-            <a:pPr lvl="1">
-              <a:buFont typeface="Wingdings" panose="05000000000000000000" pitchFamily="2" charset="2"/>
-              <a:buChar char="Ø"/>
-            </a:pPr>
-            <a:r>
-              <a:rPr lang="de-DE" sz="2000" dirty="0"/>
-              <a:t>Rechts (1)</a:t>
-            </a:r>
-          </a:p>
-          <a:p>
-            <a:pPr lvl="1">
-              <a:buFont typeface="Wingdings" panose="05000000000000000000" pitchFamily="2" charset="2"/>
-              <a:buChar char="Ø"/>
-            </a:pPr>
-            <a:r>
-              <a:rPr lang="de-DE" sz="2000" dirty="0"/>
-              <a:t>Gerade aus (0)</a:t>
-            </a:r>
-          </a:p>
-          <a:p>
-            <a:r>
-              <a:rPr lang="de-DE" sz="2000" dirty="0"/>
-              <a:t>So weiß die Kreuzung wohin Autos wollen </a:t>
-            </a:r>
-            <a:endParaRPr lang="de-IT" sz="2000" dirty="0"/>
+              <a:rPr lang="de-DE" sz="3600" dirty="0" err="1"/>
+              <a:t>Indicator</a:t>
+            </a:r>
+            <a:endParaRPr lang="de-IT" sz="3600" dirty="0"/>
           </a:p>
         </p:txBody>
       </p:sp>
@@ -4033,7 +4793,7 @@
 </p:sld>
 </file>
 
-<file path=ppt/slides/slide12.xml><?xml version="1.0" encoding="utf-8"?>
+<file path=ppt/slides/slide14.xml><?xml version="1.0" encoding="utf-8"?>
 <p:sld xmlns:a="http://schemas.openxmlformats.org/drawingml/2006/main" xmlns:r="http://schemas.openxmlformats.org/officeDocument/2006/relationships" xmlns:p="http://schemas.openxmlformats.org/presentationml/2006/main">
   <p:cSld>
     <p:bg>
@@ -4076,8 +4836,8 @@
         </p:nvSpPr>
         <p:spPr>
           <a:xfrm>
-            <a:off x="648930" y="629266"/>
-            <a:ext cx="3605572" cy="1676603"/>
+            <a:off x="648929" y="629266"/>
+            <a:ext cx="3505495" cy="1622321"/>
           </a:xfrm>
         </p:spPr>
         <p:txBody>
@@ -4087,7 +4847,14 @@
           <a:lstStyle/>
           <a:p>
             <a:r>
-              <a:rPr lang="en-US" sz="4000"/>
+              <a:rPr lang="en-US" kern="1200" dirty="0">
+                <a:solidFill>
+                  <a:schemeClr val="tx1"/>
+                </a:solidFill>
+                <a:latin typeface="+mj-lt"/>
+                <a:ea typeface="+mj-ea"/>
+                <a:cs typeface="+mj-cs"/>
+              </a:rPr>
               <a:t>T-intersection-itself</a:t>
             </a:r>
           </a:p>
@@ -4111,8 +4878,8 @@
         </p:nvSpPr>
         <p:spPr>
           <a:xfrm>
-            <a:off x="648931" y="2143125"/>
-            <a:ext cx="3605571" cy="4074796"/>
+            <a:off x="648931" y="2438400"/>
+            <a:ext cx="3505494" cy="3785419"/>
           </a:xfrm>
         </p:spPr>
         <p:txBody>
@@ -4122,212 +4889,32 @@
           <a:lstStyle/>
           <a:p>
             <a:r>
-              <a:rPr lang="en-US" sz="2000" dirty="0"/>
-              <a:t>In der </a:t>
-            </a:r>
-            <a:r>
-              <a:rPr lang="en-US" sz="2000" dirty="0" err="1"/>
-              <a:t>Kreuzung</a:t>
-            </a:r>
-            <a:r>
-              <a:rPr lang="en-US" sz="2000" dirty="0"/>
-              <a:t> </a:t>
-            </a:r>
-            <a:r>
-              <a:rPr lang="en-US" sz="2000" dirty="0" err="1"/>
-              <a:t>selbst</a:t>
-            </a:r>
-            <a:r>
-              <a:rPr lang="en-US" sz="2000" dirty="0"/>
-              <a:t> </a:t>
-            </a:r>
-            <a:r>
-              <a:rPr lang="en-US" sz="2000" dirty="0" err="1"/>
-              <a:t>befinden</a:t>
-            </a:r>
-            <a:r>
-              <a:rPr lang="en-US" sz="2000" dirty="0"/>
-              <a:t> </a:t>
-            </a:r>
-            <a:r>
-              <a:rPr lang="en-US" sz="2000" dirty="0" err="1"/>
-              <a:t>sich</a:t>
-            </a:r>
-            <a:r>
-              <a:rPr lang="en-US" sz="2000" dirty="0"/>
-              <a:t> Queues an </a:t>
-            </a:r>
-            <a:r>
-              <a:rPr lang="en-US" sz="2000" dirty="0" err="1"/>
-              <a:t>allen</a:t>
-            </a:r>
-            <a:r>
-              <a:rPr lang="en-US" sz="2000" dirty="0"/>
-              <a:t> </a:t>
-            </a:r>
-            <a:r>
-              <a:rPr lang="en-US" sz="2000" dirty="0" err="1"/>
-              <a:t>Eingängen</a:t>
-            </a:r>
-            <a:r>
-              <a:rPr lang="en-US" sz="2000" dirty="0"/>
-              <a:t>, in die </a:t>
-            </a:r>
-            <a:r>
-              <a:rPr lang="en-US" sz="2000" dirty="0" err="1"/>
-              <a:t>die</a:t>
-            </a:r>
-            <a:r>
-              <a:rPr lang="en-US" sz="2000" dirty="0"/>
-              <a:t> Autos rein </a:t>
-            </a:r>
-            <a:r>
-              <a:rPr lang="en-US" sz="2000" dirty="0" err="1"/>
-              <a:t>kommen</a:t>
-            </a:r>
-            <a:r>
-              <a:rPr lang="en-US" sz="2000" dirty="0"/>
-              <a:t>, </a:t>
-            </a:r>
-            <a:r>
-              <a:rPr lang="en-US" sz="2000" dirty="0" err="1"/>
-              <a:t>sobald</a:t>
-            </a:r>
-            <a:r>
-              <a:rPr lang="en-US" sz="2000" dirty="0"/>
-              <a:t> </a:t>
-            </a:r>
-            <a:r>
-              <a:rPr lang="en-US" sz="2000" dirty="0" err="1"/>
-              <a:t>sie</a:t>
-            </a:r>
-            <a:r>
-              <a:rPr lang="en-US" sz="2000" dirty="0"/>
-              <a:t> </a:t>
-            </a:r>
-            <a:r>
-              <a:rPr lang="en-US" sz="2000" dirty="0" err="1"/>
-              <a:t>ankommen</a:t>
-            </a:r>
-            <a:endParaRPr lang="en-US" sz="2000" dirty="0"/>
-          </a:p>
-          <a:p>
-            <a:r>
-              <a:rPr lang="en-US" sz="2000" dirty="0" err="1"/>
-              <a:t>Viele</a:t>
-            </a:r>
-            <a:r>
-              <a:rPr lang="en-US" sz="2000" dirty="0"/>
-              <a:t> </a:t>
-            </a:r>
-            <a:r>
-              <a:rPr lang="en-US" sz="2000" dirty="0" err="1"/>
-              <a:t>verschiedene</a:t>
-            </a:r>
-            <a:r>
-              <a:rPr lang="en-US" sz="2000" dirty="0"/>
-              <a:t> Inputs/Outputs</a:t>
-            </a:r>
-          </a:p>
-          <a:p>
-            <a:r>
-              <a:rPr lang="en-US" sz="2000" dirty="0" err="1"/>
-              <a:t>Für</a:t>
-            </a:r>
-            <a:r>
-              <a:rPr lang="en-US" sz="2000" dirty="0"/>
-              <a:t> die </a:t>
-            </a:r>
-            <a:r>
-              <a:rPr lang="en-US" sz="2000" dirty="0" err="1"/>
-              <a:t>Analyse</a:t>
-            </a:r>
-            <a:r>
-              <a:rPr lang="en-US" sz="2000" dirty="0"/>
-              <a:t> </a:t>
-            </a:r>
-            <a:r>
-              <a:rPr lang="en-US" sz="2000" dirty="0" err="1"/>
-              <a:t>wird</a:t>
-            </a:r>
-            <a:r>
-              <a:rPr lang="en-US" sz="2000" dirty="0"/>
-              <a:t> </a:t>
-            </a:r>
-            <a:r>
-              <a:rPr lang="en-US" sz="2000" dirty="0" err="1"/>
-              <a:t>ein</a:t>
-            </a:r>
-            <a:r>
-              <a:rPr lang="en-US" sz="2000" dirty="0"/>
-              <a:t> Counter </a:t>
-            </a:r>
-            <a:r>
-              <a:rPr lang="en-US" sz="2000" dirty="0" err="1"/>
-              <a:t>mitgetragen</a:t>
-            </a:r>
-            <a:endParaRPr lang="en-US" sz="2000" dirty="0"/>
-          </a:p>
-          <a:p>
-            <a:r>
-              <a:rPr lang="en-US" sz="2000" dirty="0"/>
-              <a:t>„</a:t>
-            </a:r>
-            <a:r>
-              <a:rPr lang="en-US" sz="2000" dirty="0" err="1"/>
-              <a:t>right_hand_rule</a:t>
-            </a:r>
-            <a:r>
-              <a:rPr lang="en-US" sz="2000" dirty="0"/>
-              <a:t>()“ </a:t>
-            </a:r>
-            <a:r>
-              <a:rPr lang="en-US" sz="2000" dirty="0">
+              <a:rPr lang="en-US" sz="2000"/>
+              <a:t>In der Kreuzung selbst befinden sich Queues an allen Eingängen, in die die Autos rein kommen, sobald sie ankommen</a:t>
+            </a:r>
+          </a:p>
+          <a:p>
+            <a:r>
+              <a:rPr lang="en-US" sz="2000"/>
+              <a:t>Viele verschiedene Inputs/Outputs</a:t>
+            </a:r>
+          </a:p>
+          <a:p>
+            <a:r>
+              <a:rPr lang="en-US" sz="2000"/>
+              <a:t>Für die Analyse wird ein Counter mitgetragen</a:t>
+            </a:r>
+          </a:p>
+          <a:p>
+            <a:r>
+              <a:rPr lang="en-US" sz="2000"/>
+              <a:t>„right_hand_rule()“ </a:t>
+            </a:r>
+            <a:r>
+              <a:rPr lang="en-US" sz="2000">
                 <a:sym typeface="Wingdings" panose="05000000000000000000" pitchFamily="2" charset="2"/>
               </a:rPr>
-              <a:t> </a:t>
-            </a:r>
-            <a:r>
-              <a:rPr lang="en-US" sz="2000" dirty="0" err="1">
-                <a:sym typeface="Wingdings" panose="05000000000000000000" pitchFamily="2" charset="2"/>
-              </a:rPr>
-              <a:t>Methode</a:t>
-            </a:r>
-            <a:r>
-              <a:rPr lang="en-US" sz="2000" dirty="0">
-                <a:sym typeface="Wingdings" panose="05000000000000000000" pitchFamily="2" charset="2"/>
-              </a:rPr>
-              <a:t>, die </a:t>
-            </a:r>
-            <a:r>
-              <a:rPr lang="en-US" sz="2000" dirty="0" err="1">
-                <a:sym typeface="Wingdings" panose="05000000000000000000" pitchFamily="2" charset="2"/>
-              </a:rPr>
-              <a:t>die</a:t>
-            </a:r>
-            <a:r>
-              <a:rPr lang="en-US" sz="2000" dirty="0">
-                <a:sym typeface="Wingdings" panose="05000000000000000000" pitchFamily="2" charset="2"/>
-              </a:rPr>
-              <a:t> </a:t>
-            </a:r>
-            <a:r>
-              <a:rPr lang="en-US" sz="2000" dirty="0" err="1">
-                <a:sym typeface="Wingdings" panose="05000000000000000000" pitchFamily="2" charset="2"/>
-              </a:rPr>
-              <a:t>Rechts</a:t>
-            </a:r>
-            <a:r>
-              <a:rPr lang="en-US" sz="2000" dirty="0">
-                <a:sym typeface="Wingdings" panose="05000000000000000000" pitchFamily="2" charset="2"/>
-              </a:rPr>
-              <a:t>-Regel </a:t>
-            </a:r>
-            <a:r>
-              <a:rPr lang="en-US" sz="2000" dirty="0" err="1">
-                <a:sym typeface="Wingdings" panose="05000000000000000000" pitchFamily="2" charset="2"/>
-              </a:rPr>
-              <a:t>implementiert</a:t>
+              <a:t> Methode, die die Rechts-Regel implementiert</a:t>
             </a:r>
             <a:endParaRPr lang="en-US" sz="2000" dirty="0"/>
           </a:p>
@@ -4335,10 +4922,10 @@
       </p:sp>
       <p:sp>
         <p:nvSpPr>
-          <p:cNvPr id="11" name="Rectangle 10">
-            <a:extLst>
-              <a:ext uri="{FF2B5EF4-FFF2-40B4-BE49-F238E27FC236}">
-                <a16:creationId xmlns:a16="http://schemas.microsoft.com/office/drawing/2014/main" id="{577D1452-F0B7-431E-9A24-D3F7103D8510}"/>
+          <p:cNvPr id="25" name="Rectangle 24">
+            <a:extLst>
+              <a:ext uri="{FF2B5EF4-FFF2-40B4-BE49-F238E27FC236}">
+                <a16:creationId xmlns:a16="http://schemas.microsoft.com/office/drawing/2014/main" id="{5E39A796-BE83-48B1-B33F-35C4A32AAB57}"/>
               </a:ext>
               <a:ext uri="{C183D7F6-B498-43B3-948B-1728B52AA6E4}">
                 <adec:decorative xmlns:adec="http://schemas.microsoft.com/office/drawing/2017/decorative" val="1"/>
@@ -4398,10 +4985,10 @@
       </p:sp>
       <p:sp>
         <p:nvSpPr>
-          <p:cNvPr id="13" name="Rounded Rectangle 20">
-            <a:extLst>
-              <a:ext uri="{FF2B5EF4-FFF2-40B4-BE49-F238E27FC236}">
-                <a16:creationId xmlns:a16="http://schemas.microsoft.com/office/drawing/2014/main" id="{A660F4F9-5DF5-4F15-BE6A-CD8648BB1148}"/>
+          <p:cNvPr id="27" name="Rounded Rectangle 9">
+            <a:extLst>
+              <a:ext uri="{FF2B5EF4-FFF2-40B4-BE49-F238E27FC236}">
+                <a16:creationId xmlns:a16="http://schemas.microsoft.com/office/drawing/2014/main" id="{72F84B47-E267-4194-8194-831DB7B5547F}"/>
               </a:ext>
               <a:ext uri="{C183D7F6-B498-43B3-948B-1728B52AA6E4}">
                 <adec:decorative xmlns:adec="http://schemas.microsoft.com/office/drawing/2017/decorative" val="1"/>
@@ -4421,7 +5008,462 @@
         </p:nvSpPr>
         <p:spPr>
           <a:xfrm>
-            <a:off x="5118267" y="559407"/>
+            <a:off x="5123688" y="557784"/>
+            <a:ext cx="6584098" cy="5739187"/>
+          </a:xfrm>
+          <a:prstGeom prst="roundRect">
+            <a:avLst>
+              <a:gd name="adj" fmla="val 0"/>
+            </a:avLst>
+          </a:prstGeom>
+          <a:solidFill>
+            <a:srgbClr val="FFFFFF"/>
+          </a:solidFill>
+          <a:ln w="9525">
+            <a:solidFill>
+              <a:srgbClr val="C8CACA"/>
+            </a:solidFill>
+          </a:ln>
+          <a:effectLst>
+            <a:outerShdw blurRad="57150" dist="19050" dir="5400000" algn="t" rotWithShape="0">
+              <a:prstClr val="black">
+                <a:alpha val="63000"/>
+              </a:prstClr>
+            </a:outerShdw>
+          </a:effectLst>
+        </p:spPr>
+        <p:style>
+          <a:lnRef idx="2">
+            <a:schemeClr val="accent1">
+              <a:shade val="50000"/>
+            </a:schemeClr>
+          </a:lnRef>
+          <a:fillRef idx="1">
+            <a:schemeClr val="accent1"/>
+          </a:fillRef>
+          <a:effectRef idx="0">
+            <a:schemeClr val="accent1"/>
+          </a:effectRef>
+          <a:fontRef idx="minor">
+            <a:schemeClr val="lt1"/>
+          </a:fontRef>
+        </p:style>
+        <p:txBody>
+          <a:bodyPr rtlCol="0" anchor="ctr"/>
+          <a:lstStyle/>
+          <a:p>
+            <a:pPr algn="ctr"/>
+            <a:endParaRPr lang="en-US"/>
+          </a:p>
+        </p:txBody>
+      </p:sp>
+      <p:pic>
+        <p:nvPicPr>
+          <p:cNvPr id="15" name="Inhaltsplatzhalter 9">
+            <a:extLst>
+              <a:ext uri="{FF2B5EF4-FFF2-40B4-BE49-F238E27FC236}">
+                <a16:creationId xmlns:a16="http://schemas.microsoft.com/office/drawing/2014/main" id="{4A7B28FF-A763-4211-90D8-AB69E35008CD}"/>
+              </a:ext>
+            </a:extLst>
+          </p:cNvPr>
+          <p:cNvPicPr>
+            <a:picLocks noGrp="1" noChangeAspect="1"/>
+          </p:cNvPicPr>
+          <p:nvPr>
+            <p:ph sz="half" idx="2"/>
+          </p:nvPr>
+        </p:nvPicPr>
+        <p:blipFill rotWithShape="1">
+          <a:blip r:embed="rId2"/>
+          <a:srcRect r="30420"/>
+          <a:stretch/>
+        </p:blipFill>
+        <p:spPr>
+          <a:xfrm>
+            <a:off x="5500688" y="600689"/>
+            <a:ext cx="5700712" cy="5694159"/>
+          </a:xfrm>
+          <a:prstGeom prst="rect">
+            <a:avLst/>
+          </a:prstGeom>
+          <a:effectLst/>
+        </p:spPr>
+      </p:pic>
+    </p:spTree>
+    <p:extLst>
+      <p:ext uri="{BB962C8B-B14F-4D97-AF65-F5344CB8AC3E}">
+        <p14:creationId xmlns:p14="http://schemas.microsoft.com/office/powerpoint/2010/main" val="47323300"/>
+      </p:ext>
+    </p:extLst>
+  </p:cSld>
+  <p:clrMapOvr>
+    <a:masterClrMapping/>
+  </p:clrMapOvr>
+</p:sld>
+</file>
+
+<file path=ppt/slides/slide15.xml><?xml version="1.0" encoding="utf-8"?>
+<p:sld xmlns:a="http://schemas.openxmlformats.org/drawingml/2006/main" xmlns:r="http://schemas.openxmlformats.org/officeDocument/2006/relationships" xmlns:p="http://schemas.openxmlformats.org/presentationml/2006/main">
+  <p:cSld>
+    <p:bg>
+      <p:bgPr>
+        <a:solidFill>
+          <a:schemeClr val="bg1"/>
+        </a:solidFill>
+        <a:effectLst/>
+      </p:bgPr>
+    </p:bg>
+    <p:spTree>
+      <p:nvGrpSpPr>
+        <p:cNvPr id="1" name=""/>
+        <p:cNvGrpSpPr/>
+        <p:nvPr/>
+      </p:nvGrpSpPr>
+      <p:grpSpPr>
+        <a:xfrm>
+          <a:off x="0" y="0"/>
+          <a:ext cx="0" cy="0"/>
+          <a:chOff x="0" y="0"/>
+          <a:chExt cx="0" cy="0"/>
+        </a:xfrm>
+      </p:grpSpPr>
+      <p:sp>
+        <p:nvSpPr>
+          <p:cNvPr id="71" name="Rectangle 70">
+            <a:extLst>
+              <a:ext uri="{FF2B5EF4-FFF2-40B4-BE49-F238E27FC236}">
+                <a16:creationId xmlns:a16="http://schemas.microsoft.com/office/drawing/2014/main" id="{32BC26D8-82FB-445E-AA49-62A77D7C1EE0}"/>
+              </a:ext>
+              <a:ext uri="{C183D7F6-B498-43B3-948B-1728B52AA6E4}">
+                <adec:decorative xmlns:adec="http://schemas.microsoft.com/office/drawing/2017/decorative" val="1"/>
+              </a:ext>
+            </a:extLst>
+          </p:cNvPr>
+          <p:cNvSpPr>
+            <a:spLocks noGrp="1" noRot="1" noChangeAspect="1" noMove="1" noResize="1" noEditPoints="1" noAdjustHandles="1" noChangeArrowheads="1" noChangeShapeType="1" noTextEdit="1"/>
+          </p:cNvSpPr>
+          <p:nvPr>
+            <p:extLst>
+              <p:ext uri="{386F3935-93C4-4BCD-93E2-E3B085C9AB24}">
+                <p16:designElem xmlns:p16="http://schemas.microsoft.com/office/powerpoint/2015/main" val="1"/>
+              </p:ext>
+            </p:extLst>
+          </p:nvPr>
+        </p:nvSpPr>
+        <p:spPr>
+          <a:xfrm>
+            <a:off x="0" y="0"/>
+            <a:ext cx="12192000" cy="6858000"/>
+          </a:xfrm>
+          <a:prstGeom prst="rect">
+            <a:avLst/>
+          </a:prstGeom>
+          <a:solidFill>
+            <a:schemeClr val="tx1">
+              <a:lumMod val="65000"/>
+              <a:lumOff val="35000"/>
+            </a:schemeClr>
+          </a:solidFill>
+          <a:ln>
+            <a:noFill/>
+          </a:ln>
+        </p:spPr>
+        <p:style>
+          <a:lnRef idx="2">
+            <a:schemeClr val="accent1">
+              <a:shade val="50000"/>
+            </a:schemeClr>
+          </a:lnRef>
+          <a:fillRef idx="1">
+            <a:schemeClr val="accent1"/>
+          </a:fillRef>
+          <a:effectRef idx="0">
+            <a:schemeClr val="accent1"/>
+          </a:effectRef>
+          <a:fontRef idx="minor">
+            <a:schemeClr val="lt1"/>
+          </a:fontRef>
+        </p:style>
+        <p:txBody>
+          <a:bodyPr rtlCol="0" anchor="ctr"/>
+          <a:lstStyle/>
+          <a:p>
+            <a:pPr algn="ctr"/>
+            <a:endParaRPr lang="en-US"/>
+          </a:p>
+        </p:txBody>
+      </p:sp>
+      <p:sp>
+        <p:nvSpPr>
+          <p:cNvPr id="73" name="Rectangle 72">
+            <a:extLst>
+              <a:ext uri="{FF2B5EF4-FFF2-40B4-BE49-F238E27FC236}">
+                <a16:creationId xmlns:a16="http://schemas.microsoft.com/office/drawing/2014/main" id="{CB44330D-EA18-4254-AA95-EB49948539B8}"/>
+              </a:ext>
+              <a:ext uri="{C183D7F6-B498-43B3-948B-1728B52AA6E4}">
+                <adec:decorative xmlns:adec="http://schemas.microsoft.com/office/drawing/2017/decorative" val="1"/>
+              </a:ext>
+            </a:extLst>
+          </p:cNvPr>
+          <p:cNvSpPr>
+            <a:spLocks noGrp="1" noRot="1" noChangeAspect="1" noMove="1" noResize="1" noEditPoints="1" noAdjustHandles="1" noChangeArrowheads="1" noChangeShapeType="1" noTextEdit="1"/>
+          </p:cNvSpPr>
+          <p:nvPr>
+            <p:extLst>
+              <p:ext uri="{386F3935-93C4-4BCD-93E2-E3B085C9AB24}">
+                <p16:designElem xmlns:p16="http://schemas.microsoft.com/office/powerpoint/2015/main" val="1"/>
+              </p:ext>
+            </p:extLst>
+          </p:nvPr>
+        </p:nvSpPr>
+        <p:spPr>
+          <a:xfrm>
+            <a:off x="477012" y="480060"/>
+            <a:ext cx="11237976" cy="5897880"/>
+          </a:xfrm>
+          <a:prstGeom prst="rect">
+            <a:avLst/>
+          </a:prstGeom>
+          <a:solidFill>
+            <a:srgbClr val="FFFFFF"/>
+          </a:solidFill>
+          <a:ln>
+            <a:noFill/>
+          </a:ln>
+        </p:spPr>
+        <p:style>
+          <a:lnRef idx="2">
+            <a:schemeClr val="accent1">
+              <a:shade val="50000"/>
+            </a:schemeClr>
+          </a:lnRef>
+          <a:fillRef idx="1">
+            <a:schemeClr val="accent1"/>
+          </a:fillRef>
+          <a:effectRef idx="0">
+            <a:schemeClr val="accent1"/>
+          </a:effectRef>
+          <a:fontRef idx="minor">
+            <a:schemeClr val="lt1"/>
+          </a:fontRef>
+        </p:style>
+        <p:txBody>
+          <a:bodyPr rtlCol="0" anchor="ctr"/>
+          <a:lstStyle/>
+          <a:p>
+            <a:pPr algn="ctr"/>
+            <a:endParaRPr lang="en-US"/>
+          </a:p>
+        </p:txBody>
+      </p:sp>
+      <p:pic>
+        <p:nvPicPr>
+          <p:cNvPr id="1026" name="Picture 2">
+            <a:extLst>
+              <a:ext uri="{FF2B5EF4-FFF2-40B4-BE49-F238E27FC236}">
+                <a16:creationId xmlns:a16="http://schemas.microsoft.com/office/drawing/2014/main" id="{0F5AC860-ECA1-4B0C-BFAB-ADCB8F04DE64}"/>
+              </a:ext>
+            </a:extLst>
+          </p:cNvPr>
+          <p:cNvPicPr>
+            <a:picLocks noChangeAspect="1" noChangeArrowheads="1"/>
+          </p:cNvPicPr>
+          <p:nvPr/>
+        </p:nvPicPr>
+        <p:blipFill>
+          <a:blip r:embed="rId2">
+            <a:extLst>
+              <a:ext uri="{28A0092B-C50C-407E-A947-70E740481C1C}">
+                <a14:useLocalDpi xmlns:a14="http://schemas.microsoft.com/office/drawing/2010/main" val="0"/>
+              </a:ext>
+            </a:extLst>
+          </a:blip>
+          <a:stretch>
+            <a:fillRect/>
+          </a:stretch>
+        </p:blipFill>
+        <p:spPr bwMode="auto">
+          <a:xfrm>
+            <a:off x="1794018" y="643467"/>
+            <a:ext cx="8603964" cy="5571066"/>
+          </a:xfrm>
+          <a:prstGeom prst="rect">
+            <a:avLst/>
+          </a:prstGeom>
+          <a:noFill/>
+          <a:extLst>
+            <a:ext uri="{909E8E84-426E-40DD-AFC4-6F175D3DCCD1}">
+              <a14:hiddenFill xmlns:a14="http://schemas.microsoft.com/office/drawing/2010/main">
+                <a:solidFill>
+                  <a:srgbClr val="FFFFFF"/>
+                </a:solidFill>
+              </a14:hiddenFill>
+            </a:ext>
+          </a:extLst>
+        </p:spPr>
+      </p:pic>
+    </p:spTree>
+    <p:extLst>
+      <p:ext uri="{BB962C8B-B14F-4D97-AF65-F5344CB8AC3E}">
+        <p14:creationId xmlns:p14="http://schemas.microsoft.com/office/powerpoint/2010/main" val="3161645113"/>
+      </p:ext>
+    </p:extLst>
+  </p:cSld>
+  <p:clrMapOvr>
+    <a:masterClrMapping/>
+  </p:clrMapOvr>
+</p:sld>
+</file>
+
+<file path=ppt/slides/slide16.xml><?xml version="1.0" encoding="utf-8"?>
+<p:sld xmlns:a="http://schemas.openxmlformats.org/drawingml/2006/main" xmlns:r="http://schemas.openxmlformats.org/officeDocument/2006/relationships" xmlns:p="http://schemas.openxmlformats.org/presentationml/2006/main">
+  <p:cSld>
+    <p:bg>
+      <p:bgPr>
+        <a:solidFill>
+          <a:schemeClr val="bg1"/>
+        </a:solidFill>
+        <a:effectLst/>
+      </p:bgPr>
+    </p:bg>
+    <p:spTree>
+      <p:nvGrpSpPr>
+        <p:cNvPr id="1" name=""/>
+        <p:cNvGrpSpPr/>
+        <p:nvPr/>
+      </p:nvGrpSpPr>
+      <p:grpSpPr>
+        <a:xfrm>
+          <a:off x="0" y="0"/>
+          <a:ext cx="0" cy="0"/>
+          <a:chOff x="0" y="0"/>
+          <a:chExt cx="0" cy="0"/>
+        </a:xfrm>
+      </p:grpSpPr>
+      <p:sp>
+        <p:nvSpPr>
+          <p:cNvPr id="2" name="Titel 1">
+            <a:extLst>
+              <a:ext uri="{FF2B5EF4-FFF2-40B4-BE49-F238E27FC236}">
+                <a16:creationId xmlns:a16="http://schemas.microsoft.com/office/drawing/2014/main" id="{3CD888A4-0111-4216-846A-512E51F5FA41}"/>
+              </a:ext>
+            </a:extLst>
+          </p:cNvPr>
+          <p:cNvSpPr>
+            <a:spLocks noGrp="1"/>
+          </p:cNvSpPr>
+          <p:nvPr>
+            <p:ph type="title"/>
+          </p:nvPr>
+        </p:nvSpPr>
+        <p:spPr>
+          <a:xfrm>
+            <a:off x="8045751" y="629266"/>
+            <a:ext cx="3667039" cy="1676603"/>
+          </a:xfrm>
+        </p:spPr>
+        <p:txBody>
+          <a:bodyPr vert="horz" lIns="91440" tIns="45720" rIns="91440" bIns="45720" rtlCol="0" anchor="ctr">
+            <a:normAutofit/>
+          </a:bodyPr>
+          <a:lstStyle/>
+          <a:p>
+            <a:r>
+              <a:rPr lang="en-US" sz="4000"/>
+              <a:t>Right Hand Rule</a:t>
+            </a:r>
+          </a:p>
+        </p:txBody>
+      </p:sp>
+      <p:sp>
+        <p:nvSpPr>
+          <p:cNvPr id="17" name="Rectangle 16">
+            <a:extLst>
+              <a:ext uri="{FF2B5EF4-FFF2-40B4-BE49-F238E27FC236}">
+                <a16:creationId xmlns:a16="http://schemas.microsoft.com/office/drawing/2014/main" id="{577D1452-F0B7-431E-9A24-D3F7103D8510}"/>
+              </a:ext>
+              <a:ext uri="{C183D7F6-B498-43B3-948B-1728B52AA6E4}">
+                <adec:decorative xmlns:adec="http://schemas.microsoft.com/office/drawing/2017/decorative" val="1"/>
+              </a:ext>
+            </a:extLst>
+          </p:cNvPr>
+          <p:cNvSpPr>
+            <a:spLocks noGrp="1" noRot="1" noChangeAspect="1" noMove="1" noResize="1" noEditPoints="1" noAdjustHandles="1" noChangeArrowheads="1" noChangeShapeType="1" noTextEdit="1"/>
+          </p:cNvSpPr>
+          <p:nvPr>
+            <p:extLst>
+              <p:ext uri="{386F3935-93C4-4BCD-93E2-E3B085C9AB24}">
+                <p16:designElem xmlns:p16="http://schemas.microsoft.com/office/powerpoint/2015/main" val="1"/>
+              </p:ext>
+            </p:extLst>
+          </p:nvPr>
+        </p:nvSpPr>
+        <p:spPr>
+          <a:xfrm>
+            <a:off x="0" y="0"/>
+            <a:ext cx="7552944" cy="6858000"/>
+          </a:xfrm>
+          <a:prstGeom prst="rect">
+            <a:avLst/>
+          </a:prstGeom>
+          <a:solidFill>
+            <a:srgbClr val="C8CACA"/>
+          </a:solidFill>
+          <a:ln>
+            <a:noFill/>
+          </a:ln>
+        </p:spPr>
+        <p:style>
+          <a:lnRef idx="2">
+            <a:schemeClr val="accent1">
+              <a:shade val="50000"/>
+            </a:schemeClr>
+          </a:lnRef>
+          <a:fillRef idx="1">
+            <a:schemeClr val="accent1"/>
+          </a:fillRef>
+          <a:effectRef idx="0">
+            <a:schemeClr val="accent1"/>
+          </a:effectRef>
+          <a:fontRef idx="minor">
+            <a:schemeClr val="lt1"/>
+          </a:fontRef>
+        </p:style>
+        <p:txBody>
+          <a:bodyPr rtlCol="0" anchor="ctr"/>
+          <a:lstStyle/>
+          <a:p>
+            <a:pPr algn="ctr"/>
+            <a:endParaRPr lang="en-US"/>
+          </a:p>
+        </p:txBody>
+      </p:sp>
+      <p:sp>
+        <p:nvSpPr>
+          <p:cNvPr id="19" name="Rounded Rectangle 20">
+            <a:extLst>
+              <a:ext uri="{FF2B5EF4-FFF2-40B4-BE49-F238E27FC236}">
+                <a16:creationId xmlns:a16="http://schemas.microsoft.com/office/drawing/2014/main" id="{A660F4F9-5DF5-4F15-BE6A-CD8648BB1148}"/>
+              </a:ext>
+              <a:ext uri="{C183D7F6-B498-43B3-948B-1728B52AA6E4}">
+                <adec:decorative xmlns:adec="http://schemas.microsoft.com/office/drawing/2017/decorative" val="1"/>
+              </a:ext>
+            </a:extLst>
+          </p:cNvPr>
+          <p:cNvSpPr>
+            <a:spLocks noGrp="1" noRot="1" noChangeAspect="1" noMove="1" noResize="1" noEditPoints="1" noAdjustHandles="1" noChangeArrowheads="1" noChangeShapeType="1" noTextEdit="1"/>
+          </p:cNvSpPr>
+          <p:nvPr>
+            <p:extLst>
+              <p:ext uri="{386F3935-93C4-4BCD-93E2-E3B085C9AB24}">
+                <p16:designElem xmlns:p16="http://schemas.microsoft.com/office/powerpoint/2015/main" val="1"/>
+              </p:ext>
+            </p:extLst>
+          </p:nvPr>
+        </p:nvSpPr>
+        <p:spPr>
+          <a:xfrm>
+            <a:off x="479211" y="559407"/>
             <a:ext cx="6594522" cy="5739187"/>
           </a:xfrm>
           <a:prstGeom prst="roundRect">
@@ -4472,10 +5514,10 @@
       </p:sp>
       <p:pic>
         <p:nvPicPr>
-          <p:cNvPr id="6" name="Inhaltsplatzhalter 5">
-            <a:extLst>
-              <a:ext uri="{FF2B5EF4-FFF2-40B4-BE49-F238E27FC236}">
-                <a16:creationId xmlns:a16="http://schemas.microsoft.com/office/drawing/2014/main" id="{0B518E93-2540-43E6-BD4B-6A38FF9F3B73}"/>
+          <p:cNvPr id="7" name="Inhaltsplatzhalter 3">
+            <a:extLst>
+              <a:ext uri="{FF2B5EF4-FFF2-40B4-BE49-F238E27FC236}">
+                <a16:creationId xmlns:a16="http://schemas.microsoft.com/office/drawing/2014/main" id="{57720964-F33C-4711-AAAC-0D91EC37185C}"/>
               </a:ext>
             </a:extLst>
           </p:cNvPr>
@@ -4483,17 +5525,17 @@
             <a:picLocks noGrp="1" noChangeAspect="1"/>
           </p:cNvPicPr>
           <p:nvPr>
-            <p:ph sz="half" idx="2"/>
+            <p:ph sz="quarter" idx="4"/>
           </p:nvPr>
         </p:nvPicPr>
         <p:blipFill rotWithShape="1">
           <a:blip r:embed="rId2"/>
-          <a:srcRect t="7223" r="-1" b="17760"/>
+          <a:srcRect r="32889"/>
           <a:stretch/>
         </p:blipFill>
         <p:spPr>
           <a:xfrm>
-            <a:off x="5283708" y="722376"/>
+            <a:off x="644652" y="722376"/>
             <a:ext cx="6263640" cy="5413248"/>
           </a:xfrm>
           <a:prstGeom prst="rect">
@@ -4502,169 +5544,26 @@
           <a:effectLst/>
         </p:spPr>
       </p:pic>
-    </p:spTree>
-    <p:extLst>
-      <p:ext uri="{BB962C8B-B14F-4D97-AF65-F5344CB8AC3E}">
-        <p14:creationId xmlns:p14="http://schemas.microsoft.com/office/powerpoint/2010/main" val="47323300"/>
-      </p:ext>
-    </p:extLst>
-  </p:cSld>
-  <p:clrMapOvr>
-    <a:masterClrMapping/>
-  </p:clrMapOvr>
-</p:sld>
-</file>
-
-<file path=ppt/slides/slide13.xml><?xml version="1.0" encoding="utf-8"?>
-<p:sld xmlns:a="http://schemas.openxmlformats.org/drawingml/2006/main" xmlns:r="http://schemas.openxmlformats.org/officeDocument/2006/relationships" xmlns:p="http://schemas.openxmlformats.org/presentationml/2006/main">
-  <p:cSld>
-    <p:bg>
-      <p:bgPr>
-        <a:solidFill>
-          <a:schemeClr val="bg1"/>
-        </a:solidFill>
-        <a:effectLst/>
-      </p:bgPr>
-    </p:bg>
-    <p:spTree>
-      <p:nvGrpSpPr>
-        <p:cNvPr id="1" name=""/>
-        <p:cNvGrpSpPr/>
-        <p:nvPr/>
-      </p:nvGrpSpPr>
-      <p:grpSpPr>
-        <a:xfrm>
-          <a:off x="0" y="0"/>
-          <a:ext cx="0" cy="0"/>
-          <a:chOff x="0" y="0"/>
-          <a:chExt cx="0" cy="0"/>
-        </a:xfrm>
-      </p:grpSpPr>
-      <p:sp>
-        <p:nvSpPr>
-          <p:cNvPr id="12" name="Rectangle 11">
-            <a:extLst>
-              <a:ext uri="{FF2B5EF4-FFF2-40B4-BE49-F238E27FC236}">
-                <a16:creationId xmlns:a16="http://schemas.microsoft.com/office/drawing/2014/main" id="{EBF87945-A001-489F-9D9B-7D9435F0B9CA}"/>
-              </a:ext>
-              <a:ext uri="{C183D7F6-B498-43B3-948B-1728B52AA6E4}">
-                <adec:decorative xmlns:adec="http://schemas.microsoft.com/office/drawing/2017/decorative" val="1"/>
-              </a:ext>
-            </a:extLst>
-          </p:cNvPr>
-          <p:cNvSpPr>
-            <a:spLocks noGrp="1" noRot="1" noChangeAspect="1" noMove="1" noResize="1" noEditPoints="1" noAdjustHandles="1" noChangeArrowheads="1" noChangeShapeType="1" noTextEdit="1"/>
-          </p:cNvSpPr>
-          <p:nvPr>
-            <p:extLst>
-              <p:ext uri="{386F3935-93C4-4BCD-93E2-E3B085C9AB24}">
-                <p16:designElem xmlns:p16="http://schemas.microsoft.com/office/powerpoint/2015/main" val="1"/>
-              </p:ext>
-            </p:extLst>
+      <p:sp>
+        <p:nvSpPr>
+          <p:cNvPr id="4" name="Inhaltsplatzhalter 3">
+            <a:extLst>
+              <a:ext uri="{FF2B5EF4-FFF2-40B4-BE49-F238E27FC236}">
+                <a16:creationId xmlns:a16="http://schemas.microsoft.com/office/drawing/2014/main" id="{337CAEEC-AC03-4F0C-AF13-3A5B23FFA10B}"/>
+              </a:ext>
+            </a:extLst>
+          </p:cNvPr>
+          <p:cNvSpPr>
+            <a:spLocks noGrp="1"/>
+          </p:cNvSpPr>
+          <p:nvPr>
+            <p:ph sz="half" idx="2"/>
           </p:nvPr>
         </p:nvSpPr>
         <p:spPr>
           <a:xfrm>
-            <a:off x="548639" y="347471"/>
-            <a:ext cx="11100816" cy="1801368"/>
-          </a:xfrm>
-          <a:prstGeom prst="rect">
-            <a:avLst/>
-          </a:prstGeom>
-          <a:solidFill>
-            <a:schemeClr val="tx1">
-              <a:lumMod val="75000"/>
-              <a:lumOff val="25000"/>
-            </a:schemeClr>
-          </a:solidFill>
-          <a:ln>
-            <a:noFill/>
-          </a:ln>
-        </p:spPr>
-        <p:style>
-          <a:lnRef idx="2">
-            <a:schemeClr val="accent1">
-              <a:shade val="50000"/>
-            </a:schemeClr>
-          </a:lnRef>
-          <a:fillRef idx="1">
-            <a:schemeClr val="accent1"/>
-          </a:fillRef>
-          <a:effectRef idx="0">
-            <a:schemeClr val="accent1"/>
-          </a:effectRef>
-          <a:fontRef idx="minor">
-            <a:schemeClr val="lt1"/>
-          </a:fontRef>
-        </p:style>
-        <p:txBody>
-          <a:bodyPr rtlCol="0" anchor="ctr"/>
-          <a:lstStyle/>
-          <a:p>
-            <a:pPr algn="ctr"/>
-            <a:endParaRPr lang="en-US"/>
-          </a:p>
-        </p:txBody>
-      </p:sp>
-      <p:sp>
-        <p:nvSpPr>
-          <p:cNvPr id="2" name="Titel 1">
-            <a:extLst>
-              <a:ext uri="{FF2B5EF4-FFF2-40B4-BE49-F238E27FC236}">
-                <a16:creationId xmlns:a16="http://schemas.microsoft.com/office/drawing/2014/main" id="{3CD888A4-0111-4216-846A-512E51F5FA41}"/>
-              </a:ext>
-            </a:extLst>
-          </p:cNvPr>
-          <p:cNvSpPr>
-            <a:spLocks noGrp="1"/>
-          </p:cNvSpPr>
-          <p:nvPr>
-            <p:ph type="title"/>
-          </p:nvPr>
-        </p:nvSpPr>
-        <p:spPr>
-          <a:xfrm>
-            <a:off x="838200" y="585216"/>
-            <a:ext cx="10515600" cy="1325563"/>
-          </a:xfrm>
-        </p:spPr>
-        <p:txBody>
-          <a:bodyPr vert="horz" lIns="91440" tIns="45720" rIns="91440" bIns="45720" rtlCol="0" anchor="ctr">
-            <a:normAutofit/>
-          </a:bodyPr>
-          <a:lstStyle/>
-          <a:p>
-            <a:r>
-              <a:rPr lang="en-US">
-                <a:solidFill>
-                  <a:schemeClr val="bg1"/>
-                </a:solidFill>
-              </a:rPr>
-              <a:t>Right Hand Rule</a:t>
-            </a:r>
-          </a:p>
-        </p:txBody>
-      </p:sp>
-      <p:sp>
-        <p:nvSpPr>
-          <p:cNvPr id="4" name="Inhaltsplatzhalter 3">
-            <a:extLst>
-              <a:ext uri="{FF2B5EF4-FFF2-40B4-BE49-F238E27FC236}">
-                <a16:creationId xmlns:a16="http://schemas.microsoft.com/office/drawing/2014/main" id="{337CAEEC-AC03-4F0C-AF13-3A5B23FFA10B}"/>
-              </a:ext>
-            </a:extLst>
-          </p:cNvPr>
-          <p:cNvSpPr>
-            <a:spLocks noGrp="1"/>
-          </p:cNvSpPr>
-          <p:nvPr>
-            <p:ph sz="half" idx="2"/>
-          </p:nvPr>
-        </p:nvSpPr>
-        <p:spPr>
-          <a:xfrm>
-            <a:off x="838200" y="2516777"/>
-            <a:ext cx="5015484" cy="3660185"/>
+            <a:off x="8045753" y="2438401"/>
+            <a:ext cx="3667036" cy="3779520"/>
           </a:xfrm>
         </p:spPr>
         <p:txBody>
@@ -4674,64 +5573,33 @@
           <a:lstStyle/>
           <a:p>
             <a:r>
-              <a:rPr lang="en-US" sz="2000"/>
+              <a:rPr lang="en-US" sz="1700"/>
               <a:t>Für jede Richtung gibt es einen solchen Block</a:t>
             </a:r>
           </a:p>
           <a:p>
             <a:r>
-              <a:rPr lang="en-US" sz="2000"/>
+              <a:rPr lang="en-US" sz="1700"/>
               <a:t>Hier wird der Indicator betrachtet und ob von anderen Richtungen Autos kommen, die eventuell die Vorfahrt beeinflussen</a:t>
             </a:r>
           </a:p>
           <a:p>
             <a:r>
-              <a:rPr lang="en-US" sz="2000"/>
+              <a:rPr lang="en-US" sz="1700"/>
               <a:t>Wenn man fahren darf, wird das entsprechende Auto an den Output gesendet und von der Queue ge-popt</a:t>
             </a:r>
           </a:p>
           <a:p>
             <a:r>
-              <a:rPr lang="en-US" sz="2000"/>
+              <a:rPr lang="en-US" sz="1700"/>
               <a:t>Gleiches Prinzip für eine Cross-intersection nur mit komplexerer Rechtsregel, da eine Richtung dazu kommt</a:t>
             </a:r>
           </a:p>
           <a:p>
-            <a:endParaRPr lang="en-US" sz="2000"/>
-          </a:p>
-        </p:txBody>
-      </p:sp>
-      <p:pic>
-        <p:nvPicPr>
-          <p:cNvPr id="7" name="Inhaltsplatzhalter 3">
-            <a:extLst>
-              <a:ext uri="{FF2B5EF4-FFF2-40B4-BE49-F238E27FC236}">
-                <a16:creationId xmlns:a16="http://schemas.microsoft.com/office/drawing/2014/main" id="{57720964-F33C-4711-AAAC-0D91EC37185C}"/>
-              </a:ext>
-            </a:extLst>
-          </p:cNvPr>
-          <p:cNvPicPr>
-            <a:picLocks noGrp="1" noChangeAspect="1"/>
-          </p:cNvPicPr>
-          <p:nvPr>
-            <p:ph sz="quarter" idx="4"/>
-          </p:nvPr>
-        </p:nvPicPr>
-        <p:blipFill rotWithShape="1">
-          <a:blip r:embed="rId2"/>
-          <a:srcRect r="20525" b="2"/>
-          <a:stretch/>
-        </p:blipFill>
-        <p:spPr>
-          <a:xfrm>
-            <a:off x="6338316" y="2516777"/>
-            <a:ext cx="5015484" cy="3660185"/>
-          </a:xfrm>
-          <a:prstGeom prst="rect">
-            <a:avLst/>
-          </a:prstGeom>
-        </p:spPr>
-      </p:pic>
+            <a:endParaRPr lang="en-US" sz="1700"/>
+          </a:p>
+        </p:txBody>
+      </p:sp>
     </p:spTree>
     <p:extLst>
       <p:ext uri="{BB962C8B-B14F-4D97-AF65-F5344CB8AC3E}">
@@ -4745,7 +5613,7 @@
 </p:sld>
 </file>
 
-<file path=ppt/slides/slide14.xml><?xml version="1.0" encoding="utf-8"?>
+<file path=ppt/slides/slide17.xml><?xml version="1.0" encoding="utf-8"?>
 <p:sld xmlns:a="http://schemas.openxmlformats.org/drawingml/2006/main" xmlns:r="http://schemas.openxmlformats.org/officeDocument/2006/relationships" xmlns:p="http://schemas.openxmlformats.org/presentationml/2006/main">
   <p:cSld>
     <p:spTree>
@@ -8395,7 +9263,7 @@
           <p:cNvPr id="2" name="Titel 1">
             <a:extLst>
               <a:ext uri="{FF2B5EF4-FFF2-40B4-BE49-F238E27FC236}">
-                <a16:creationId xmlns:a16="http://schemas.microsoft.com/office/drawing/2014/main" id="{073F535C-AB58-4FA4-907F-873955C67F74}"/>
+                <a16:creationId xmlns:a16="http://schemas.microsoft.com/office/drawing/2014/main" id="{651F6B1A-B835-43EC-B923-E3D85E2C36A3}"/>
               </a:ext>
             </a:extLst>
           </p:cNvPr>
@@ -8403,32 +9271,70 @@
             <a:spLocks noGrp="1"/>
           </p:cNvSpPr>
           <p:nvPr>
-            <p:ph type="title"/>
+            <p:ph type="ctrTitle"/>
           </p:nvPr>
         </p:nvSpPr>
         <p:spPr>
           <a:xfrm>
-            <a:off x="645859" y="640081"/>
-            <a:ext cx="3494341" cy="960119"/>
+            <a:off x="645858" y="5110423"/>
+            <a:ext cx="10906061" cy="671540"/>
           </a:xfrm>
           <a:noFill/>
         </p:spPr>
         <p:txBody>
-          <a:bodyPr vert="horz" lIns="91440" tIns="45720" rIns="91440" bIns="45720" rtlCol="0" anchor="b">
+          <a:bodyPr anchor="ctr">
             <a:normAutofit/>
           </a:bodyPr>
           <a:lstStyle/>
           <a:p>
             <a:r>
-              <a:rPr lang="en-US" sz="4600" dirty="0"/>
-              <a:t>Street</a:t>
-            </a:r>
-          </a:p>
-        </p:txBody>
-      </p:sp>
-      <p:sp>
-        <p:nvSpPr>
-          <p:cNvPr id="9" name="Rectangle 8">
+              <a:rPr lang="de-DE" sz="4100" dirty="0"/>
+              <a:t>Street Extension</a:t>
+            </a:r>
+            <a:endParaRPr lang="de-IT" sz="4100" dirty="0"/>
+          </a:p>
+        </p:txBody>
+      </p:sp>
+      <p:sp>
+        <p:nvSpPr>
+          <p:cNvPr id="3" name="Untertitel 2">
+            <a:extLst>
+              <a:ext uri="{FF2B5EF4-FFF2-40B4-BE49-F238E27FC236}">
+                <a16:creationId xmlns:a16="http://schemas.microsoft.com/office/drawing/2014/main" id="{14778DFF-0819-404E-A5D9-CDC61BCDF4B6}"/>
+              </a:ext>
+            </a:extLst>
+          </p:cNvPr>
+          <p:cNvSpPr>
+            <a:spLocks noGrp="1"/>
+          </p:cNvSpPr>
+          <p:nvPr>
+            <p:ph type="subTitle" idx="1"/>
+          </p:nvPr>
+        </p:nvSpPr>
+        <p:spPr>
+          <a:xfrm>
+            <a:off x="645858" y="5855843"/>
+            <a:ext cx="10906061" cy="458470"/>
+          </a:xfrm>
+          <a:noFill/>
+        </p:spPr>
+        <p:txBody>
+          <a:bodyPr>
+            <a:normAutofit/>
+          </a:bodyPr>
+          <a:lstStyle/>
+          <a:p>
+            <a:r>
+              <a:rPr lang="de-DE" dirty="0"/>
+              <a:t>Bestehend aus zwei Schichten</a:t>
+            </a:r>
+            <a:endParaRPr lang="de-IT" dirty="0"/>
+          </a:p>
+        </p:txBody>
+      </p:sp>
+      <p:sp>
+        <p:nvSpPr>
+          <p:cNvPr id="37" name="Rectangle 8">
             <a:extLst>
               <a:ext uri="{FF2B5EF4-FFF2-40B4-BE49-F238E27FC236}">
                 <a16:creationId xmlns:a16="http://schemas.microsoft.com/office/drawing/2014/main" id="{71FC7D98-7B8B-402A-90FC-F027482F2142}"/>
@@ -8451,8 +9357,8 @@
         </p:nvSpPr>
         <p:spPr>
           <a:xfrm>
-            <a:off x="4625926" y="0"/>
-            <a:ext cx="7566074" cy="6858000"/>
+            <a:off x="-2" y="0"/>
+            <a:ext cx="12192002" cy="4822479"/>
           </a:xfrm>
           <a:prstGeom prst="rect">
             <a:avLst/>
@@ -8491,7 +9397,7 @@
       </p:sp>
       <p:sp>
         <p:nvSpPr>
-          <p:cNvPr id="11" name="Rounded Rectangle 28">
+          <p:cNvPr id="38" name="Rounded Rectangle 28">
             <a:extLst>
               <a:ext uri="{FF2B5EF4-FFF2-40B4-BE49-F238E27FC236}">
                 <a16:creationId xmlns:a16="http://schemas.microsoft.com/office/drawing/2014/main" id="{AD7356EA-285B-4E5D-8FEC-104659A4FD2C}"/>
@@ -8514,8 +9420,8 @@
         </p:nvSpPr>
         <p:spPr>
           <a:xfrm>
-            <a:off x="5275903" y="640091"/>
-            <a:ext cx="6266120" cy="5577818"/>
+            <a:off x="2004562" y="640091"/>
+            <a:ext cx="8182876" cy="3881110"/>
           </a:xfrm>
           <a:prstGeom prst="roundRect">
             <a:avLst>
@@ -8559,35 +9465,33 @@
           <a:lstStyle/>
           <a:p>
             <a:pPr algn="ctr"/>
-            <a:endParaRPr lang="en-US"/>
+            <a:endParaRPr lang="en-US" dirty="0"/>
           </a:p>
         </p:txBody>
       </p:sp>
       <p:pic>
         <p:nvPicPr>
-          <p:cNvPr id="4" name="Inhaltsplatzhalter 3">
-            <a:extLst>
-              <a:ext uri="{FF2B5EF4-FFF2-40B4-BE49-F238E27FC236}">
-                <a16:creationId xmlns:a16="http://schemas.microsoft.com/office/drawing/2014/main" id="{2089BA4F-1374-4D98-BE66-C68508EA0894}"/>
+          <p:cNvPr id="4" name="Grafik 3">
+            <a:extLst>
+              <a:ext uri="{FF2B5EF4-FFF2-40B4-BE49-F238E27FC236}">
+                <a16:creationId xmlns:a16="http://schemas.microsoft.com/office/drawing/2014/main" id="{77281221-4BA4-420F-A7CF-6E57C9181AC9}"/>
               </a:ext>
             </a:extLst>
           </p:cNvPr>
           <p:cNvPicPr>
-            <a:picLocks noGrp="1" noChangeAspect="1"/>
+            <a:picLocks noChangeAspect="1"/>
           </p:cNvPicPr>
-          <p:nvPr>
-            <p:ph idx="1"/>
-          </p:nvPr>
+          <p:nvPr/>
         </p:nvPicPr>
         <p:blipFill rotWithShape="1">
           <a:blip r:embed="rId2"/>
-          <a:srcRect l="13367" r="8900"/>
+          <a:srcRect t="10041" r="1" b="16348"/>
           <a:stretch/>
         </p:blipFill>
         <p:spPr>
           <a:xfrm>
-            <a:off x="5441735" y="804672"/>
-            <a:ext cx="5934456" cy="5248656"/>
+            <a:off x="2170029" y="804672"/>
+            <a:ext cx="7851943" cy="3554676"/>
           </a:xfrm>
           <a:prstGeom prst="rect">
             <a:avLst/>
@@ -8595,307 +9499,10 @@
           <a:effectLst/>
         </p:spPr>
       </p:pic>
-      <p:sp>
-        <p:nvSpPr>
-          <p:cNvPr id="7" name="Inhaltsplatzhalter 2">
-            <a:extLst>
-              <a:ext uri="{FF2B5EF4-FFF2-40B4-BE49-F238E27FC236}">
-                <a16:creationId xmlns:a16="http://schemas.microsoft.com/office/drawing/2014/main" id="{1889E7B1-15DA-497C-AB2C-61357DC70AA3}"/>
-              </a:ext>
-            </a:extLst>
-          </p:cNvPr>
-          <p:cNvSpPr txBox="1">
-            <a:spLocks/>
-          </p:cNvSpPr>
-          <p:nvPr/>
-        </p:nvSpPr>
-        <p:spPr>
-          <a:xfrm>
-            <a:off x="417910" y="1785938"/>
-            <a:ext cx="3883027" cy="4431971"/>
-          </a:xfrm>
-          <a:prstGeom prst="rect">
-            <a:avLst/>
-          </a:prstGeom>
-        </p:spPr>
-        <p:txBody>
-          <a:bodyPr vert="horz" lIns="91440" tIns="45720" rIns="91440" bIns="45720" rtlCol="0">
-            <a:normAutofit/>
-          </a:bodyPr>
-          <a:lstStyle>
-            <a:lvl1pPr marL="228600" indent="-228600" algn="l" defTabSz="914400" rtl="0" eaLnBrk="1" latinLnBrk="0" hangingPunct="1">
-              <a:lnSpc>
-                <a:spcPct val="90000"/>
-              </a:lnSpc>
-              <a:spcBef>
-                <a:spcPts val="1000"/>
-              </a:spcBef>
-              <a:buFont typeface="Arial" panose="020B0604020202020204" pitchFamily="34" charset="0"/>
-              <a:buChar char="•"/>
-              <a:defRPr sz="2800" kern="1200">
-                <a:solidFill>
-                  <a:schemeClr val="tx1"/>
-                </a:solidFill>
-                <a:latin typeface="+mn-lt"/>
-                <a:ea typeface="+mn-ea"/>
-                <a:cs typeface="+mn-cs"/>
-              </a:defRPr>
-            </a:lvl1pPr>
-            <a:lvl2pPr marL="685800" indent="-228600" algn="l" defTabSz="914400" rtl="0" eaLnBrk="1" latinLnBrk="0" hangingPunct="1">
-              <a:lnSpc>
-                <a:spcPct val="90000"/>
-              </a:lnSpc>
-              <a:spcBef>
-                <a:spcPts val="500"/>
-              </a:spcBef>
-              <a:buFont typeface="Arial" panose="020B0604020202020204" pitchFamily="34" charset="0"/>
-              <a:buChar char="•"/>
-              <a:defRPr sz="2400" kern="1200">
-                <a:solidFill>
-                  <a:schemeClr val="tx1"/>
-                </a:solidFill>
-                <a:latin typeface="+mn-lt"/>
-                <a:ea typeface="+mn-ea"/>
-                <a:cs typeface="+mn-cs"/>
-              </a:defRPr>
-            </a:lvl2pPr>
-            <a:lvl3pPr marL="1143000" indent="-228600" algn="l" defTabSz="914400" rtl="0" eaLnBrk="1" latinLnBrk="0" hangingPunct="1">
-              <a:lnSpc>
-                <a:spcPct val="90000"/>
-              </a:lnSpc>
-              <a:spcBef>
-                <a:spcPts val="500"/>
-              </a:spcBef>
-              <a:buFont typeface="Arial" panose="020B0604020202020204" pitchFamily="34" charset="0"/>
-              <a:buChar char="•"/>
-              <a:defRPr sz="2000" kern="1200">
-                <a:solidFill>
-                  <a:schemeClr val="tx1"/>
-                </a:solidFill>
-                <a:latin typeface="+mn-lt"/>
-                <a:ea typeface="+mn-ea"/>
-                <a:cs typeface="+mn-cs"/>
-              </a:defRPr>
-            </a:lvl3pPr>
-            <a:lvl4pPr marL="1600200" indent="-228600" algn="l" defTabSz="914400" rtl="0" eaLnBrk="1" latinLnBrk="0" hangingPunct="1">
-              <a:lnSpc>
-                <a:spcPct val="90000"/>
-              </a:lnSpc>
-              <a:spcBef>
-                <a:spcPts val="500"/>
-              </a:spcBef>
-              <a:buFont typeface="Arial" panose="020B0604020202020204" pitchFamily="34" charset="0"/>
-              <a:buChar char="•"/>
-              <a:defRPr sz="1800" kern="1200">
-                <a:solidFill>
-                  <a:schemeClr val="tx1"/>
-                </a:solidFill>
-                <a:latin typeface="+mn-lt"/>
-                <a:ea typeface="+mn-ea"/>
-                <a:cs typeface="+mn-cs"/>
-              </a:defRPr>
-            </a:lvl4pPr>
-            <a:lvl5pPr marL="2057400" indent="-228600" algn="l" defTabSz="914400" rtl="0" eaLnBrk="1" latinLnBrk="0" hangingPunct="1">
-              <a:lnSpc>
-                <a:spcPct val="90000"/>
-              </a:lnSpc>
-              <a:spcBef>
-                <a:spcPts val="500"/>
-              </a:spcBef>
-              <a:buFont typeface="Arial" panose="020B0604020202020204" pitchFamily="34" charset="0"/>
-              <a:buChar char="•"/>
-              <a:defRPr sz="1800" kern="1200">
-                <a:solidFill>
-                  <a:schemeClr val="tx1"/>
-                </a:solidFill>
-                <a:latin typeface="+mn-lt"/>
-                <a:ea typeface="+mn-ea"/>
-                <a:cs typeface="+mn-cs"/>
-              </a:defRPr>
-            </a:lvl5pPr>
-            <a:lvl6pPr marL="2514600" indent="-228600" algn="l" defTabSz="914400" rtl="0" eaLnBrk="1" latinLnBrk="0" hangingPunct="1">
-              <a:lnSpc>
-                <a:spcPct val="90000"/>
-              </a:lnSpc>
-              <a:spcBef>
-                <a:spcPts val="500"/>
-              </a:spcBef>
-              <a:buFont typeface="Arial" panose="020B0604020202020204" pitchFamily="34" charset="0"/>
-              <a:buChar char="•"/>
-              <a:defRPr sz="1800" kern="1200">
-                <a:solidFill>
-                  <a:schemeClr val="tx1"/>
-                </a:solidFill>
-                <a:latin typeface="+mn-lt"/>
-                <a:ea typeface="+mn-ea"/>
-                <a:cs typeface="+mn-cs"/>
-              </a:defRPr>
-            </a:lvl6pPr>
-            <a:lvl7pPr marL="2971800" indent="-228600" algn="l" defTabSz="914400" rtl="0" eaLnBrk="1" latinLnBrk="0" hangingPunct="1">
-              <a:lnSpc>
-                <a:spcPct val="90000"/>
-              </a:lnSpc>
-              <a:spcBef>
-                <a:spcPts val="500"/>
-              </a:spcBef>
-              <a:buFont typeface="Arial" panose="020B0604020202020204" pitchFamily="34" charset="0"/>
-              <a:buChar char="•"/>
-              <a:defRPr sz="1800" kern="1200">
-                <a:solidFill>
-                  <a:schemeClr val="tx1"/>
-                </a:solidFill>
-                <a:latin typeface="+mn-lt"/>
-                <a:ea typeface="+mn-ea"/>
-                <a:cs typeface="+mn-cs"/>
-              </a:defRPr>
-            </a:lvl7pPr>
-            <a:lvl8pPr marL="3429000" indent="-228600" algn="l" defTabSz="914400" rtl="0" eaLnBrk="1" latinLnBrk="0" hangingPunct="1">
-              <a:lnSpc>
-                <a:spcPct val="90000"/>
-              </a:lnSpc>
-              <a:spcBef>
-                <a:spcPts val="500"/>
-              </a:spcBef>
-              <a:buFont typeface="Arial" panose="020B0604020202020204" pitchFamily="34" charset="0"/>
-              <a:buChar char="•"/>
-              <a:defRPr sz="1800" kern="1200">
-                <a:solidFill>
-                  <a:schemeClr val="tx1"/>
-                </a:solidFill>
-                <a:latin typeface="+mn-lt"/>
-                <a:ea typeface="+mn-ea"/>
-                <a:cs typeface="+mn-cs"/>
-              </a:defRPr>
-            </a:lvl8pPr>
-            <a:lvl9pPr marL="3886200" indent="-228600" algn="l" defTabSz="914400" rtl="0" eaLnBrk="1" latinLnBrk="0" hangingPunct="1">
-              <a:lnSpc>
-                <a:spcPct val="90000"/>
-              </a:lnSpc>
-              <a:spcBef>
-                <a:spcPts val="500"/>
-              </a:spcBef>
-              <a:buFont typeface="Arial" panose="020B0604020202020204" pitchFamily="34" charset="0"/>
-              <a:buChar char="•"/>
-              <a:defRPr sz="1800" kern="1200">
-                <a:solidFill>
-                  <a:schemeClr val="tx1"/>
-                </a:solidFill>
-                <a:latin typeface="+mn-lt"/>
-                <a:ea typeface="+mn-ea"/>
-                <a:cs typeface="+mn-cs"/>
-              </a:defRPr>
-            </a:lvl9pPr>
-          </a:lstStyle>
-          <a:p>
-            <a:r>
-              <a:rPr lang="en-US" sz="2000" dirty="0" err="1"/>
-              <a:t>Straße</a:t>
-            </a:r>
-            <a:r>
-              <a:rPr lang="en-US" sz="2000" dirty="0"/>
-              <a:t> </a:t>
-            </a:r>
-            <a:r>
-              <a:rPr lang="en-US" sz="2000" dirty="0" err="1"/>
-              <a:t>beinhaltet</a:t>
-            </a:r>
-            <a:r>
-              <a:rPr lang="en-US" sz="2000" dirty="0"/>
-              <a:t>:</a:t>
-            </a:r>
-          </a:p>
-          <a:p>
-            <a:pPr lvl="1"/>
-            <a:r>
-              <a:rPr lang="en-US" sz="2000" dirty="0"/>
-              <a:t>Eine Queue</a:t>
-            </a:r>
-          </a:p>
-          <a:p>
-            <a:pPr lvl="1"/>
-            <a:r>
-              <a:rPr lang="en-US" sz="2000" dirty="0" err="1"/>
-              <a:t>Straßenlänge</a:t>
-            </a:r>
-            <a:endParaRPr lang="en-US" sz="2000" dirty="0"/>
-          </a:p>
-          <a:p>
-            <a:pPr lvl="1"/>
-            <a:r>
-              <a:rPr lang="en-US" sz="2000" dirty="0"/>
-              <a:t>Dauer, die </a:t>
-            </a:r>
-            <a:r>
-              <a:rPr lang="en-US" sz="2000" dirty="0" err="1"/>
-              <a:t>Straße</a:t>
-            </a:r>
-            <a:r>
-              <a:rPr lang="en-US" sz="2000" dirty="0"/>
-              <a:t> </a:t>
-            </a:r>
-            <a:r>
-              <a:rPr lang="en-US" sz="2000" dirty="0" err="1"/>
-              <a:t>zu</a:t>
-            </a:r>
-            <a:r>
-              <a:rPr lang="en-US" sz="2000" dirty="0"/>
-              <a:t> </a:t>
-            </a:r>
-            <a:r>
-              <a:rPr lang="en-US" sz="2000" dirty="0" err="1"/>
-              <a:t>überqueren</a:t>
-            </a:r>
-            <a:endParaRPr lang="en-US" sz="2000" dirty="0"/>
-          </a:p>
-          <a:p>
-            <a:pPr lvl="1"/>
-            <a:r>
-              <a:rPr lang="en-US" sz="2000" dirty="0"/>
-              <a:t>Counter </a:t>
-            </a:r>
-            <a:r>
-              <a:rPr lang="en-US" sz="2000" dirty="0" err="1"/>
-              <a:t>zur</a:t>
-            </a:r>
-            <a:r>
-              <a:rPr lang="en-US" sz="2000" dirty="0"/>
-              <a:t> </a:t>
-            </a:r>
-            <a:r>
-              <a:rPr lang="en-US" sz="2000" dirty="0" err="1"/>
-              <a:t>Analyse</a:t>
-            </a:r>
-            <a:endParaRPr lang="en-US" sz="2000" dirty="0"/>
-          </a:p>
-          <a:p>
-            <a:r>
-              <a:rPr lang="en-US" sz="2000" dirty="0" err="1"/>
-              <a:t>Alle</a:t>
-            </a:r>
-            <a:r>
-              <a:rPr lang="en-US" sz="2000" dirty="0"/>
-              <a:t> Parameter von </a:t>
-            </a:r>
-            <a:r>
-              <a:rPr lang="en-US" sz="2000" dirty="0" err="1"/>
-              <a:t>außen</a:t>
-            </a:r>
-            <a:r>
-              <a:rPr lang="en-US" sz="2000" dirty="0"/>
-              <a:t> </a:t>
-            </a:r>
-            <a:r>
-              <a:rPr lang="en-US" sz="2000" dirty="0" err="1"/>
-              <a:t>setzbar</a:t>
-            </a:r>
-            <a:endParaRPr lang="en-US" sz="2000" dirty="0"/>
-          </a:p>
-        </p:txBody>
-      </p:sp>
     </p:spTree>
     <p:extLst>
       <p:ext uri="{BB962C8B-B14F-4D97-AF65-F5344CB8AC3E}">
-        <p14:creationId xmlns:p14="http://schemas.microsoft.com/office/powerpoint/2010/main" val="1049452539"/>
+        <p14:creationId xmlns:p14="http://schemas.microsoft.com/office/powerpoint/2010/main" val="3853259089"/>
       </p:ext>
     </p:extLst>
   </p:cSld>
@@ -8930,48 +9537,12 @@
           <a:chExt cx="0" cy="0"/>
         </a:xfrm>
       </p:grpSpPr>
-      <p:sp>
-        <p:nvSpPr>
-          <p:cNvPr id="2" name="Titel 1">
-            <a:extLst>
-              <a:ext uri="{FF2B5EF4-FFF2-40B4-BE49-F238E27FC236}">
-                <a16:creationId xmlns:a16="http://schemas.microsoft.com/office/drawing/2014/main" id="{CC14FF9A-577A-4E6C-8CBD-2703C9EDD042}"/>
-              </a:ext>
-            </a:extLst>
-          </p:cNvPr>
-          <p:cNvSpPr>
-            <a:spLocks noGrp="1"/>
-          </p:cNvSpPr>
-          <p:nvPr>
-            <p:ph type="title"/>
-          </p:nvPr>
-        </p:nvSpPr>
-        <p:spPr>
-          <a:xfrm>
-            <a:off x="645859" y="640081"/>
-            <a:ext cx="3494341" cy="3793488"/>
-          </a:xfrm>
-          <a:noFill/>
-        </p:spPr>
-        <p:txBody>
-          <a:bodyPr vert="horz" lIns="91440" tIns="45720" rIns="91440" bIns="45720" rtlCol="0" anchor="b">
-            <a:normAutofit/>
-          </a:bodyPr>
-          <a:lstStyle/>
-          <a:p>
-            <a:r>
-              <a:rPr lang="en-US" sz="4600"/>
-              <a:t>T-Intersection besteht aus…</a:t>
-            </a:r>
-          </a:p>
-        </p:txBody>
-      </p:sp>
-      <p:sp>
-        <p:nvSpPr>
-          <p:cNvPr id="9" name="Rectangle 8">
-            <a:extLst>
-              <a:ext uri="{FF2B5EF4-FFF2-40B4-BE49-F238E27FC236}">
-                <a16:creationId xmlns:a16="http://schemas.microsoft.com/office/drawing/2014/main" id="{71FC7D98-7B8B-402A-90FC-F027482F2142}"/>
+      <p:sp useBgFill="1">
+        <p:nvSpPr>
+          <p:cNvPr id="20" name="Rectangle 17">
+            <a:extLst>
+              <a:ext uri="{FF2B5EF4-FFF2-40B4-BE49-F238E27FC236}">
+                <a16:creationId xmlns:a16="http://schemas.microsoft.com/office/drawing/2014/main" id="{3EEB8ED6-9142-4A11-B029-18DDE98C4952}"/>
               </a:ext>
               <a:ext uri="{C183D7F6-B498-43B3-948B-1728B52AA6E4}">
                 <adec:decorative xmlns:adec="http://schemas.microsoft.com/office/drawing/2017/decorative" val="1"/>
@@ -8991,15 +9562,12 @@
         </p:nvSpPr>
         <p:spPr>
           <a:xfrm>
-            <a:off x="4625926" y="0"/>
-            <a:ext cx="7566074" cy="6858000"/>
+            <a:off x="-1" y="0"/>
+            <a:ext cx="12188952" cy="6858000"/>
           </a:xfrm>
           <a:prstGeom prst="rect">
             <a:avLst/>
           </a:prstGeom>
-          <a:solidFill>
-            <a:srgbClr val="C8CACA"/>
-          </a:solidFill>
           <a:ln>
             <a:noFill/>
           </a:ln>
@@ -9031,75 +9599,57 @@
       </p:sp>
       <p:sp>
         <p:nvSpPr>
-          <p:cNvPr id="11" name="Rounded Rectangle 28">
-            <a:extLst>
-              <a:ext uri="{FF2B5EF4-FFF2-40B4-BE49-F238E27FC236}">
-                <a16:creationId xmlns:a16="http://schemas.microsoft.com/office/drawing/2014/main" id="{AD7356EA-285B-4E5D-8FEC-104659A4FD2C}"/>
-              </a:ext>
-              <a:ext uri="{C183D7F6-B498-43B3-948B-1728B52AA6E4}">
-                <adec:decorative xmlns:adec="http://schemas.microsoft.com/office/drawing/2017/decorative" val="1"/>
-              </a:ext>
-            </a:extLst>
-          </p:cNvPr>
-          <p:cNvSpPr>
-            <a:spLocks noGrp="1" noRot="1" noChangeAspect="1" noMove="1" noResize="1" noEditPoints="1" noAdjustHandles="1" noChangeArrowheads="1" noChangeShapeType="1" noTextEdit="1"/>
-          </p:cNvSpPr>
-          <p:nvPr>
-            <p:extLst>
-              <p:ext uri="{386F3935-93C4-4BCD-93E2-E3B085C9AB24}">
-                <p16:designElem xmlns:p16="http://schemas.microsoft.com/office/powerpoint/2015/main" val="1"/>
-              </p:ext>
-            </p:extLst>
+          <p:cNvPr id="2" name="Titel 1">
+            <a:extLst>
+              <a:ext uri="{FF2B5EF4-FFF2-40B4-BE49-F238E27FC236}">
+                <a16:creationId xmlns:a16="http://schemas.microsoft.com/office/drawing/2014/main" id="{2E6664B6-DC26-4B55-9C7C-AB91C4D0FD36}"/>
+              </a:ext>
+            </a:extLst>
+          </p:cNvPr>
+          <p:cNvSpPr>
+            <a:spLocks noGrp="1"/>
+          </p:cNvSpPr>
+          <p:nvPr>
+            <p:ph type="title"/>
           </p:nvPr>
         </p:nvSpPr>
         <p:spPr>
           <a:xfrm>
-            <a:off x="5275903" y="640091"/>
-            <a:ext cx="6266120" cy="5577818"/>
+            <a:off x="838200" y="365126"/>
+            <a:ext cx="10515600" cy="1288784"/>
           </a:xfrm>
-          <a:prstGeom prst="roundRect">
-            <a:avLst>
-              <a:gd name="adj" fmla="val 0"/>
-            </a:avLst>
-          </a:prstGeom>
-          <a:solidFill>
-            <a:srgbClr val="FFFFFF"/>
-          </a:solidFill>
-          <a:ln w="9525">
-            <a:solidFill>
-              <a:srgbClr val="C8CACA"/>
-            </a:solidFill>
-          </a:ln>
-          <a:effectLst>
-            <a:outerShdw blurRad="57150" dist="19050" dir="5400000" algn="t" rotWithShape="0">
-              <a:prstClr val="black">
-                <a:alpha val="63000"/>
-              </a:prstClr>
-            </a:outerShdw>
-          </a:effectLst>
         </p:spPr>
-        <p:style>
-          <a:lnRef idx="2">
-            <a:schemeClr val="accent1">
-              <a:shade val="50000"/>
-            </a:schemeClr>
-          </a:lnRef>
-          <a:fillRef idx="1">
-            <a:schemeClr val="accent1"/>
-          </a:fillRef>
-          <a:effectRef idx="0">
-            <a:schemeClr val="accent1"/>
-          </a:effectRef>
-          <a:fontRef idx="minor">
-            <a:schemeClr val="lt1"/>
-          </a:fontRef>
-        </p:style>
-        <p:txBody>
-          <a:bodyPr rtlCol="0" anchor="ctr"/>
-          <a:lstStyle/>
-          <a:p>
-            <a:pPr algn="ctr"/>
-            <a:endParaRPr lang="en-US"/>
+        <p:txBody>
+          <a:bodyPr>
+            <a:normAutofit/>
+          </a:bodyPr>
+          <a:lstStyle/>
+          <a:p>
+            <a:r>
+              <a:rPr lang="de-DE" sz="4000" dirty="0"/>
+              <a:t>Street-Analysis </a:t>
+            </a:r>
+            <a:r>
+              <a:rPr lang="de-DE" sz="2000" dirty="0"/>
+              <a:t>(</a:t>
+            </a:r>
+            <a:r>
+              <a:rPr lang="de-DE" sz="2000" dirty="0" err="1"/>
+              <a:t>later</a:t>
+            </a:r>
+            <a:r>
+              <a:rPr lang="de-DE" sz="2000" dirty="0"/>
+              <a:t> </a:t>
+            </a:r>
+            <a:r>
+              <a:rPr lang="de-DE" sz="2000" dirty="0" err="1"/>
+              <a:t>more</a:t>
+            </a:r>
+            <a:r>
+              <a:rPr lang="de-DE" sz="2000" dirty="0"/>
+              <a:t>… )</a:t>
+            </a:r>
+            <a:endParaRPr lang="de-IT" sz="2000" dirty="0"/>
           </a:p>
         </p:txBody>
       </p:sp>
@@ -9108,37 +9658,113 @@
           <p:cNvPr id="4" name="Inhaltsplatzhalter 3">
             <a:extLst>
               <a:ext uri="{FF2B5EF4-FFF2-40B4-BE49-F238E27FC236}">
-                <a16:creationId xmlns:a16="http://schemas.microsoft.com/office/drawing/2014/main" id="{A3529F53-A7D9-43EA-90DE-D50848DB4F6F}"/>
+                <a16:creationId xmlns:a16="http://schemas.microsoft.com/office/drawing/2014/main" id="{09FDF657-556C-4023-9427-7D76EB290E93}"/>
               </a:ext>
             </a:extLst>
           </p:cNvPr>
           <p:cNvPicPr>
-            <a:picLocks noGrp="1" noChangeAspect="1"/>
+            <a:picLocks noChangeAspect="1"/>
           </p:cNvPicPr>
-          <p:nvPr>
-            <p:ph idx="1"/>
-          </p:nvPr>
+          <p:nvPr/>
         </p:nvPicPr>
         <p:blipFill rotWithShape="1">
           <a:blip r:embed="rId2"/>
-          <a:srcRect l="12656"/>
+          <a:srcRect l="620" r="554"/>
           <a:stretch/>
         </p:blipFill>
         <p:spPr>
           <a:xfrm>
-            <a:off x="5441735" y="804672"/>
-            <a:ext cx="5934456" cy="5248656"/>
+            <a:off x="481016" y="1825624"/>
+            <a:ext cx="7986712" cy="4303465"/>
           </a:xfrm>
           <a:prstGeom prst="rect">
             <a:avLst/>
           </a:prstGeom>
-          <a:effectLst/>
         </p:spPr>
       </p:pic>
+      <p:sp>
+        <p:nvSpPr>
+          <p:cNvPr id="8" name="Content Placeholder 7">
+            <a:extLst>
+              <a:ext uri="{FF2B5EF4-FFF2-40B4-BE49-F238E27FC236}">
+                <a16:creationId xmlns:a16="http://schemas.microsoft.com/office/drawing/2014/main" id="{350866DE-9117-4D36-A29F-56AAD5FA64FB}"/>
+              </a:ext>
+            </a:extLst>
+          </p:cNvPr>
+          <p:cNvSpPr>
+            <a:spLocks noGrp="1"/>
+          </p:cNvSpPr>
+          <p:nvPr>
+            <p:ph idx="1"/>
+          </p:nvPr>
+        </p:nvSpPr>
+        <p:spPr>
+          <a:xfrm>
+            <a:off x="8743951" y="2770179"/>
+            <a:ext cx="2967033" cy="2971551"/>
+          </a:xfrm>
+        </p:spPr>
+        <p:txBody>
+          <a:bodyPr>
+            <a:normAutofit/>
+          </a:bodyPr>
+          <a:lstStyle/>
+          <a:p>
+            <a:r>
+              <a:rPr lang="en-US" sz="2000" dirty="0" err="1"/>
+              <a:t>Außerhalb</a:t>
+            </a:r>
+            <a:r>
+              <a:rPr lang="en-US" sz="2000" dirty="0"/>
+              <a:t> des </a:t>
+            </a:r>
+            <a:r>
+              <a:rPr lang="en-US" sz="2000" dirty="0" err="1"/>
+              <a:t>wirklichen</a:t>
+            </a:r>
+            <a:r>
+              <a:rPr lang="en-US" sz="2000" dirty="0"/>
+              <a:t> Street-Actors, </a:t>
+            </a:r>
+            <a:r>
+              <a:rPr lang="en-US" sz="2000" dirty="0" err="1"/>
+              <a:t>befindet</a:t>
+            </a:r>
+            <a:r>
+              <a:rPr lang="en-US" sz="2000" dirty="0"/>
+              <a:t> </a:t>
+            </a:r>
+            <a:r>
+              <a:rPr lang="en-US" sz="2000" dirty="0" err="1"/>
+              <a:t>sich</a:t>
+            </a:r>
+            <a:r>
+              <a:rPr lang="en-US" sz="2000" dirty="0"/>
+              <a:t> </a:t>
+            </a:r>
+            <a:r>
+              <a:rPr lang="en-US" sz="2000" dirty="0" err="1"/>
+              <a:t>zunächst</a:t>
+            </a:r>
+            <a:r>
+              <a:rPr lang="en-US" sz="2000" dirty="0"/>
+              <a:t> die </a:t>
+            </a:r>
+            <a:r>
+              <a:rPr lang="en-US" sz="2000" dirty="0" err="1"/>
+              <a:t>Analyse</a:t>
+            </a:r>
+            <a:r>
+              <a:rPr lang="en-US" sz="2000" dirty="0"/>
+              <a:t> der Dauer und Zeit</a:t>
+            </a:r>
+          </a:p>
+        </p:txBody>
+      </p:sp>
     </p:spTree>
     <p:extLst>
       <p:ext uri="{BB962C8B-B14F-4D97-AF65-F5344CB8AC3E}">
-        <p14:creationId xmlns:p14="http://schemas.microsoft.com/office/powerpoint/2010/main" val="762413222"/>
+        <p14:creationId xmlns:p14="http://schemas.microsoft.com/office/powerpoint/2010/main" val="1784919928"/>
       </p:ext>
     </p:extLst>
   </p:cSld>

--- a/Presentation/Traffic-flow-modeling-and-analysis.pptx
+++ b/Presentation/Traffic-flow-modeling-and-analysis.pptx
@@ -21,7 +21,13 @@
     <p:sldId id="264" r:id="rId15"/>
     <p:sldId id="272" r:id="rId16"/>
     <p:sldId id="270" r:id="rId17"/>
-    <p:sldId id="271" r:id="rId18"/>
+    <p:sldId id="275" r:id="rId18"/>
+    <p:sldId id="276" r:id="rId19"/>
+    <p:sldId id="271" r:id="rId20"/>
+    <p:sldId id="277" r:id="rId21"/>
+    <p:sldId id="279" r:id="rId22"/>
+    <p:sldId id="278" r:id="rId23"/>
+    <p:sldId id="280" r:id="rId24"/>
   </p:sldIdLst>
   <p:sldSz cx="12192000" cy="6858000"/>
   <p:notesSz cx="6858000" cy="9144000"/>
@@ -275,7 +281,7 @@
           <a:p>
             <a:fld id="{2CE709E5-6494-42E6-9F3E-1EC649FF95E6}" type="datetimeFigureOut">
               <a:rPr lang="de-DE" smtClean="0"/>
-              <a:t>23.01.2021</a:t>
+              <a:t>24.01.2021</a:t>
             </a:fld>
             <a:endParaRPr lang="de-DE"/>
           </a:p>
@@ -473,7 +479,7 @@
           <a:p>
             <a:fld id="{2CE709E5-6494-42E6-9F3E-1EC649FF95E6}" type="datetimeFigureOut">
               <a:rPr lang="de-DE" smtClean="0"/>
-              <a:t>23.01.2021</a:t>
+              <a:t>24.01.2021</a:t>
             </a:fld>
             <a:endParaRPr lang="de-DE"/>
           </a:p>
@@ -681,7 +687,7 @@
           <a:p>
             <a:fld id="{2CE709E5-6494-42E6-9F3E-1EC649FF95E6}" type="datetimeFigureOut">
               <a:rPr lang="de-DE" smtClean="0"/>
-              <a:t>23.01.2021</a:t>
+              <a:t>24.01.2021</a:t>
             </a:fld>
             <a:endParaRPr lang="de-DE"/>
           </a:p>
@@ -879,7 +885,7 @@
           <a:p>
             <a:fld id="{2CE709E5-6494-42E6-9F3E-1EC649FF95E6}" type="datetimeFigureOut">
               <a:rPr lang="de-DE" smtClean="0"/>
-              <a:t>23.01.2021</a:t>
+              <a:t>24.01.2021</a:t>
             </a:fld>
             <a:endParaRPr lang="de-DE"/>
           </a:p>
@@ -1154,7 +1160,7 @@
           <a:p>
             <a:fld id="{2CE709E5-6494-42E6-9F3E-1EC649FF95E6}" type="datetimeFigureOut">
               <a:rPr lang="de-DE" smtClean="0"/>
-              <a:t>23.01.2021</a:t>
+              <a:t>24.01.2021</a:t>
             </a:fld>
             <a:endParaRPr lang="de-DE"/>
           </a:p>
@@ -1419,7 +1425,7 @@
           <a:p>
             <a:fld id="{2CE709E5-6494-42E6-9F3E-1EC649FF95E6}" type="datetimeFigureOut">
               <a:rPr lang="de-DE" smtClean="0"/>
-              <a:t>23.01.2021</a:t>
+              <a:t>24.01.2021</a:t>
             </a:fld>
             <a:endParaRPr lang="de-DE"/>
           </a:p>
@@ -1831,7 +1837,7 @@
           <a:p>
             <a:fld id="{2CE709E5-6494-42E6-9F3E-1EC649FF95E6}" type="datetimeFigureOut">
               <a:rPr lang="de-DE" smtClean="0"/>
-              <a:t>23.01.2021</a:t>
+              <a:t>24.01.2021</a:t>
             </a:fld>
             <a:endParaRPr lang="de-DE"/>
           </a:p>
@@ -1972,7 +1978,7 @@
           <a:p>
             <a:fld id="{2CE709E5-6494-42E6-9F3E-1EC649FF95E6}" type="datetimeFigureOut">
               <a:rPr lang="de-DE" smtClean="0"/>
-              <a:t>23.01.2021</a:t>
+              <a:t>24.01.2021</a:t>
             </a:fld>
             <a:endParaRPr lang="de-DE"/>
           </a:p>
@@ -2085,7 +2091,7 @@
           <a:p>
             <a:fld id="{2CE709E5-6494-42E6-9F3E-1EC649FF95E6}" type="datetimeFigureOut">
               <a:rPr lang="de-DE" smtClean="0"/>
-              <a:t>23.01.2021</a:t>
+              <a:t>24.01.2021</a:t>
             </a:fld>
             <a:endParaRPr lang="de-DE"/>
           </a:p>
@@ -2396,7 +2402,7 @@
           <a:p>
             <a:fld id="{2CE709E5-6494-42E6-9F3E-1EC649FF95E6}" type="datetimeFigureOut">
               <a:rPr lang="de-DE" smtClean="0"/>
-              <a:t>23.01.2021</a:t>
+              <a:t>24.01.2021</a:t>
             </a:fld>
             <a:endParaRPr lang="de-DE"/>
           </a:p>
@@ -2684,7 +2690,7 @@
           <a:p>
             <a:fld id="{2CE709E5-6494-42E6-9F3E-1EC649FF95E6}" type="datetimeFigureOut">
               <a:rPr lang="de-DE" smtClean="0"/>
-              <a:t>23.01.2021</a:t>
+              <a:t>24.01.2021</a:t>
             </a:fld>
             <a:endParaRPr lang="de-DE"/>
           </a:p>
@@ -2925,7 +2931,7 @@
           <a:p>
             <a:fld id="{2CE709E5-6494-42E6-9F3E-1EC649FF95E6}" type="datetimeFigureOut">
               <a:rPr lang="de-DE" smtClean="0"/>
-              <a:t>23.01.2021</a:t>
+              <a:t>24.01.2021</a:t>
             </a:fld>
             <a:endParaRPr lang="de-DE"/>
           </a:p>
@@ -5616,6 +5622,14 @@
 <file path=ppt/slides/slide17.xml><?xml version="1.0" encoding="utf-8"?>
 <p:sld xmlns:a="http://schemas.openxmlformats.org/drawingml/2006/main" xmlns:r="http://schemas.openxmlformats.org/officeDocument/2006/relationships" xmlns:p="http://schemas.openxmlformats.org/presentationml/2006/main">
   <p:cSld>
+    <p:bg>
+      <p:bgPr>
+        <a:solidFill>
+          <a:schemeClr val="bg1"/>
+        </a:solidFill>
+        <a:effectLst/>
+      </p:bgPr>
+    </p:bg>
     <p:spTree>
       <p:nvGrpSpPr>
         <p:cNvPr id="1" name=""/>
@@ -5635,6 +5649,458 @@
           <p:cNvPr id="2" name="Titel 1">
             <a:extLst>
               <a:ext uri="{FF2B5EF4-FFF2-40B4-BE49-F238E27FC236}">
+                <a16:creationId xmlns:a16="http://schemas.microsoft.com/office/drawing/2014/main" id="{F6407367-4886-4ED2-84AE-789E49791A36}"/>
+              </a:ext>
+            </a:extLst>
+          </p:cNvPr>
+          <p:cNvSpPr>
+            <a:spLocks noGrp="1"/>
+          </p:cNvSpPr>
+          <p:nvPr>
+            <p:ph type="title"/>
+          </p:nvPr>
+        </p:nvSpPr>
+        <p:spPr>
+          <a:xfrm>
+            <a:off x="648929" y="629266"/>
+            <a:ext cx="3505495" cy="1622321"/>
+          </a:xfrm>
+        </p:spPr>
+        <p:txBody>
+          <a:bodyPr>
+            <a:normAutofit/>
+          </a:bodyPr>
+          <a:lstStyle/>
+          <a:p>
+            <a:r>
+              <a:rPr lang="de-DE" dirty="0"/>
+              <a:t>Cross-</a:t>
+            </a:r>
+            <a:r>
+              <a:rPr lang="de-DE" dirty="0" err="1"/>
+              <a:t>Intersection</a:t>
+            </a:r>
+            <a:endParaRPr lang="de-AT" dirty="0"/>
+          </a:p>
+        </p:txBody>
+      </p:sp>
+      <p:sp>
+        <p:nvSpPr>
+          <p:cNvPr id="3" name="Inhaltsplatzhalter 2">
+            <a:extLst>
+              <a:ext uri="{FF2B5EF4-FFF2-40B4-BE49-F238E27FC236}">
+                <a16:creationId xmlns:a16="http://schemas.microsoft.com/office/drawing/2014/main" id="{4CB62F78-8FEF-4719-8CEC-0DB589628703}"/>
+              </a:ext>
+            </a:extLst>
+          </p:cNvPr>
+          <p:cNvSpPr>
+            <a:spLocks noGrp="1"/>
+          </p:cNvSpPr>
+          <p:nvPr>
+            <p:ph idx="1"/>
+          </p:nvPr>
+        </p:nvSpPr>
+        <p:spPr>
+          <a:xfrm>
+            <a:off x="648931" y="2438400"/>
+            <a:ext cx="3505494" cy="3785419"/>
+          </a:xfrm>
+        </p:spPr>
+        <p:txBody>
+          <a:bodyPr>
+            <a:normAutofit/>
+          </a:bodyPr>
+          <a:lstStyle/>
+          <a:p>
+            <a:r>
+              <a:rPr lang="de-DE" sz="2000"/>
+              <a:t>Komplexere Rechtsregel Implementation</a:t>
+            </a:r>
+          </a:p>
+          <a:p>
+            <a:r>
+              <a:rPr lang="de-DE" sz="2000"/>
+              <a:t>Spezialfall: Kein Auto hat Vorrang, Lösung durch randomisiertes Vorfahrt bestimmen</a:t>
+            </a:r>
+          </a:p>
+          <a:p>
+            <a:endParaRPr lang="de-AT" sz="2000"/>
+          </a:p>
+        </p:txBody>
+      </p:sp>
+      <p:sp>
+        <p:nvSpPr>
+          <p:cNvPr id="10" name="Rectangle 9">
+            <a:extLst>
+              <a:ext uri="{FF2B5EF4-FFF2-40B4-BE49-F238E27FC236}">
+                <a16:creationId xmlns:a16="http://schemas.microsoft.com/office/drawing/2014/main" id="{5E39A796-BE83-48B1-B33F-35C4A32AAB57}"/>
+              </a:ext>
+              <a:ext uri="{C183D7F6-B498-43B3-948B-1728B52AA6E4}">
+                <adec:decorative xmlns:adec="http://schemas.microsoft.com/office/drawing/2017/decorative" val="1"/>
+              </a:ext>
+            </a:extLst>
+          </p:cNvPr>
+          <p:cNvSpPr>
+            <a:spLocks noGrp="1" noRot="1" noChangeAspect="1" noMove="1" noResize="1" noEditPoints="1" noAdjustHandles="1" noChangeArrowheads="1" noChangeShapeType="1" noTextEdit="1"/>
+          </p:cNvSpPr>
+          <p:nvPr>
+            <p:extLst>
+              <p:ext uri="{386F3935-93C4-4BCD-93E2-E3B085C9AB24}">
+                <p16:designElem xmlns:p16="http://schemas.microsoft.com/office/powerpoint/2015/main" val="1"/>
+              </p:ext>
+            </p:extLst>
+          </p:nvPr>
+        </p:nvSpPr>
+        <p:spPr>
+          <a:xfrm>
+            <a:off x="4639056" y="0"/>
+            <a:ext cx="7552944" cy="6858000"/>
+          </a:xfrm>
+          <a:prstGeom prst="rect">
+            <a:avLst/>
+          </a:prstGeom>
+          <a:solidFill>
+            <a:srgbClr val="C8CACA"/>
+          </a:solidFill>
+          <a:ln>
+            <a:noFill/>
+          </a:ln>
+        </p:spPr>
+        <p:style>
+          <a:lnRef idx="2">
+            <a:schemeClr val="accent1">
+              <a:shade val="50000"/>
+            </a:schemeClr>
+          </a:lnRef>
+          <a:fillRef idx="1">
+            <a:schemeClr val="accent1"/>
+          </a:fillRef>
+          <a:effectRef idx="0">
+            <a:schemeClr val="accent1"/>
+          </a:effectRef>
+          <a:fontRef idx="minor">
+            <a:schemeClr val="lt1"/>
+          </a:fontRef>
+        </p:style>
+        <p:txBody>
+          <a:bodyPr rtlCol="0" anchor="ctr"/>
+          <a:lstStyle/>
+          <a:p>
+            <a:pPr algn="ctr"/>
+            <a:endParaRPr lang="en-US"/>
+          </a:p>
+        </p:txBody>
+      </p:sp>
+      <p:sp>
+        <p:nvSpPr>
+          <p:cNvPr id="12" name="Rounded Rectangle 9">
+            <a:extLst>
+              <a:ext uri="{FF2B5EF4-FFF2-40B4-BE49-F238E27FC236}">
+                <a16:creationId xmlns:a16="http://schemas.microsoft.com/office/drawing/2014/main" id="{72F84B47-E267-4194-8194-831DB7B5547F}"/>
+              </a:ext>
+              <a:ext uri="{C183D7F6-B498-43B3-948B-1728B52AA6E4}">
+                <adec:decorative xmlns:adec="http://schemas.microsoft.com/office/drawing/2017/decorative" val="1"/>
+              </a:ext>
+            </a:extLst>
+          </p:cNvPr>
+          <p:cNvSpPr>
+            <a:spLocks noGrp="1" noRot="1" noChangeAspect="1" noMove="1" noResize="1" noEditPoints="1" noAdjustHandles="1" noChangeArrowheads="1" noChangeShapeType="1" noTextEdit="1"/>
+          </p:cNvSpPr>
+          <p:nvPr>
+            <p:extLst>
+              <p:ext uri="{386F3935-93C4-4BCD-93E2-E3B085C9AB24}">
+                <p16:designElem xmlns:p16="http://schemas.microsoft.com/office/powerpoint/2015/main" val="1"/>
+              </p:ext>
+            </p:extLst>
+          </p:nvPr>
+        </p:nvSpPr>
+        <p:spPr>
+          <a:xfrm>
+            <a:off x="5123688" y="557784"/>
+            <a:ext cx="6584098" cy="5739187"/>
+          </a:xfrm>
+          <a:prstGeom prst="roundRect">
+            <a:avLst>
+              <a:gd name="adj" fmla="val 0"/>
+            </a:avLst>
+          </a:prstGeom>
+          <a:solidFill>
+            <a:srgbClr val="FFFFFF"/>
+          </a:solidFill>
+          <a:ln w="9525">
+            <a:solidFill>
+              <a:srgbClr val="C8CACA"/>
+            </a:solidFill>
+          </a:ln>
+          <a:effectLst>
+            <a:outerShdw blurRad="57150" dist="19050" dir="5400000" algn="t" rotWithShape="0">
+              <a:prstClr val="black">
+                <a:alpha val="63000"/>
+              </a:prstClr>
+            </a:outerShdw>
+          </a:effectLst>
+        </p:spPr>
+        <p:style>
+          <a:lnRef idx="2">
+            <a:schemeClr val="accent1">
+              <a:shade val="50000"/>
+            </a:schemeClr>
+          </a:lnRef>
+          <a:fillRef idx="1">
+            <a:schemeClr val="accent1"/>
+          </a:fillRef>
+          <a:effectRef idx="0">
+            <a:schemeClr val="accent1"/>
+          </a:effectRef>
+          <a:fontRef idx="minor">
+            <a:schemeClr val="lt1"/>
+          </a:fontRef>
+        </p:style>
+        <p:txBody>
+          <a:bodyPr rtlCol="0" anchor="ctr"/>
+          <a:lstStyle/>
+          <a:p>
+            <a:pPr algn="ctr"/>
+            <a:endParaRPr lang="en-US"/>
+          </a:p>
+        </p:txBody>
+      </p:sp>
+      <p:pic>
+        <p:nvPicPr>
+          <p:cNvPr id="5" name="Grafik 4">
+            <a:extLst>
+              <a:ext uri="{FF2B5EF4-FFF2-40B4-BE49-F238E27FC236}">
+                <a16:creationId xmlns:a16="http://schemas.microsoft.com/office/drawing/2014/main" id="{80070C37-FC14-4898-A0B2-CD09A06A4445}"/>
+              </a:ext>
+            </a:extLst>
+          </p:cNvPr>
+          <p:cNvPicPr>
+            <a:picLocks noChangeAspect="1"/>
+          </p:cNvPicPr>
+          <p:nvPr/>
+        </p:nvPicPr>
+        <p:blipFill>
+          <a:blip r:embed="rId2"/>
+          <a:stretch>
+            <a:fillRect/>
+          </a:stretch>
+        </p:blipFill>
+        <p:spPr>
+          <a:xfrm>
+            <a:off x="5405862" y="1401733"/>
+            <a:ext cx="6019331" cy="4051288"/>
+          </a:xfrm>
+          <a:prstGeom prst="rect">
+            <a:avLst/>
+          </a:prstGeom>
+          <a:effectLst/>
+        </p:spPr>
+      </p:pic>
+    </p:spTree>
+    <p:extLst>
+      <p:ext uri="{BB962C8B-B14F-4D97-AF65-F5344CB8AC3E}">
+        <p14:creationId xmlns:p14="http://schemas.microsoft.com/office/powerpoint/2010/main" val="3215729751"/>
+      </p:ext>
+    </p:extLst>
+  </p:cSld>
+  <p:clrMapOvr>
+    <a:masterClrMapping/>
+  </p:clrMapOvr>
+</p:sld>
+</file>
+
+<file path=ppt/slides/slide18.xml><?xml version="1.0" encoding="utf-8"?>
+<p:sld xmlns:a="http://schemas.openxmlformats.org/drawingml/2006/main" xmlns:r="http://schemas.openxmlformats.org/officeDocument/2006/relationships" xmlns:p="http://schemas.openxmlformats.org/presentationml/2006/main">
+  <p:cSld>
+    <p:bg>
+      <p:bgPr>
+        <a:solidFill>
+          <a:schemeClr val="bg1"/>
+        </a:solidFill>
+        <a:effectLst/>
+      </p:bgPr>
+    </p:bg>
+    <p:spTree>
+      <p:nvGrpSpPr>
+        <p:cNvPr id="1" name=""/>
+        <p:cNvGrpSpPr/>
+        <p:nvPr/>
+      </p:nvGrpSpPr>
+      <p:grpSpPr>
+        <a:xfrm>
+          <a:off x="0" y="0"/>
+          <a:ext cx="0" cy="0"/>
+          <a:chOff x="0" y="0"/>
+          <a:chExt cx="0" cy="0"/>
+        </a:xfrm>
+      </p:grpSpPr>
+      <p:sp useBgFill="1">
+        <p:nvSpPr>
+          <p:cNvPr id="10" name="Rectangle 9">
+            <a:extLst>
+              <a:ext uri="{FF2B5EF4-FFF2-40B4-BE49-F238E27FC236}">
+                <a16:creationId xmlns:a16="http://schemas.microsoft.com/office/drawing/2014/main" id="{53F29798-D584-4792-9B62-3F5F5C36D619}"/>
+              </a:ext>
+              <a:ext uri="{C183D7F6-B498-43B3-948B-1728B52AA6E4}">
+                <adec:decorative xmlns:adec="http://schemas.microsoft.com/office/drawing/2017/decorative" val="1"/>
+              </a:ext>
+            </a:extLst>
+          </p:cNvPr>
+          <p:cNvSpPr>
+            <a:spLocks noGrp="1" noRot="1" noChangeAspect="1" noMove="1" noResize="1" noEditPoints="1" noAdjustHandles="1" noChangeArrowheads="1" noChangeShapeType="1" noTextEdit="1"/>
+          </p:cNvSpPr>
+          <p:nvPr>
+            <p:extLst>
+              <p:ext uri="{386F3935-93C4-4BCD-93E2-E3B085C9AB24}">
+                <p16:designElem xmlns:p16="http://schemas.microsoft.com/office/powerpoint/2015/main" val="1"/>
+              </p:ext>
+            </p:extLst>
+          </p:nvPr>
+        </p:nvSpPr>
+        <p:spPr>
+          <a:xfrm>
+            <a:off x="0" y="0"/>
+            <a:ext cx="12188952" cy="6858000"/>
+          </a:xfrm>
+          <a:prstGeom prst="rect">
+            <a:avLst/>
+          </a:prstGeom>
+          <a:ln>
+            <a:noFill/>
+          </a:ln>
+        </p:spPr>
+        <p:style>
+          <a:lnRef idx="2">
+            <a:schemeClr val="accent1">
+              <a:shade val="50000"/>
+            </a:schemeClr>
+          </a:lnRef>
+          <a:fillRef idx="1">
+            <a:schemeClr val="accent1"/>
+          </a:fillRef>
+          <a:effectRef idx="0">
+            <a:schemeClr val="accent1"/>
+          </a:effectRef>
+          <a:fontRef idx="minor">
+            <a:schemeClr val="lt1"/>
+          </a:fontRef>
+        </p:style>
+        <p:txBody>
+          <a:bodyPr rtlCol="0" anchor="ctr"/>
+          <a:lstStyle/>
+          <a:p>
+            <a:pPr algn="ctr"/>
+            <a:endParaRPr lang="en-US"/>
+          </a:p>
+        </p:txBody>
+      </p:sp>
+      <p:sp>
+        <p:nvSpPr>
+          <p:cNvPr id="2" name="Titel 1">
+            <a:extLst>
+              <a:ext uri="{FF2B5EF4-FFF2-40B4-BE49-F238E27FC236}">
+                <a16:creationId xmlns:a16="http://schemas.microsoft.com/office/drawing/2014/main" id="{6AA7E4AD-F587-418D-952A-A37AEAB193A1}"/>
+              </a:ext>
+            </a:extLst>
+          </p:cNvPr>
+          <p:cNvSpPr>
+            <a:spLocks noGrp="1"/>
+          </p:cNvSpPr>
+          <p:nvPr>
+            <p:ph type="title"/>
+          </p:nvPr>
+        </p:nvSpPr>
+        <p:spPr>
+          <a:xfrm>
+            <a:off x="838200" y="184805"/>
+            <a:ext cx="10515600" cy="1505883"/>
+          </a:xfrm>
+        </p:spPr>
+        <p:txBody>
+          <a:bodyPr vert="horz" lIns="91440" tIns="45720" rIns="91440" bIns="45720" rtlCol="0" anchor="ctr">
+            <a:normAutofit/>
+          </a:bodyPr>
+          <a:lstStyle/>
+          <a:p>
+            <a:r>
+              <a:rPr lang="en-US" sz="5200" kern="1200">
+                <a:solidFill>
+                  <a:schemeClr val="tx1"/>
+                </a:solidFill>
+                <a:latin typeface="+mj-lt"/>
+                <a:ea typeface="+mj-ea"/>
+                <a:cs typeface="+mj-cs"/>
+              </a:rPr>
+              <a:t>Streetnetwork</a:t>
+            </a:r>
+          </a:p>
+        </p:txBody>
+      </p:sp>
+      <p:pic>
+        <p:nvPicPr>
+          <p:cNvPr id="5" name="Grafik 4">
+            <a:extLst>
+              <a:ext uri="{FF2B5EF4-FFF2-40B4-BE49-F238E27FC236}">
+                <a16:creationId xmlns:a16="http://schemas.microsoft.com/office/drawing/2014/main" id="{FC25D412-51C7-4B08-8D9F-C43D57D6C45B}"/>
+              </a:ext>
+            </a:extLst>
+          </p:cNvPr>
+          <p:cNvPicPr>
+            <a:picLocks noChangeAspect="1"/>
+          </p:cNvPicPr>
+          <p:nvPr/>
+        </p:nvPicPr>
+        <p:blipFill>
+          <a:blip r:embed="rId2"/>
+          <a:stretch>
+            <a:fillRect/>
+          </a:stretch>
+        </p:blipFill>
+        <p:spPr>
+          <a:xfrm>
+            <a:off x="838200" y="2138898"/>
+            <a:ext cx="10512547" cy="3863359"/>
+          </a:xfrm>
+          <a:prstGeom prst="rect">
+            <a:avLst/>
+          </a:prstGeom>
+        </p:spPr>
+      </p:pic>
+    </p:spTree>
+    <p:extLst>
+      <p:ext uri="{BB962C8B-B14F-4D97-AF65-F5344CB8AC3E}">
+        <p14:creationId xmlns:p14="http://schemas.microsoft.com/office/powerpoint/2010/main" val="2132020101"/>
+      </p:ext>
+    </p:extLst>
+  </p:cSld>
+  <p:clrMapOvr>
+    <a:masterClrMapping/>
+  </p:clrMapOvr>
+</p:sld>
+</file>
+
+<file path=ppt/slides/slide19.xml><?xml version="1.0" encoding="utf-8"?>
+<p:sld xmlns:a="http://schemas.openxmlformats.org/drawingml/2006/main" xmlns:r="http://schemas.openxmlformats.org/officeDocument/2006/relationships" xmlns:p="http://schemas.openxmlformats.org/presentationml/2006/main">
+  <p:cSld>
+    <p:spTree>
+      <p:nvGrpSpPr>
+        <p:cNvPr id="1" name=""/>
+        <p:cNvGrpSpPr/>
+        <p:nvPr/>
+      </p:nvGrpSpPr>
+      <p:grpSpPr>
+        <a:xfrm>
+          <a:off x="0" y="0"/>
+          <a:ext cx="0" cy="0"/>
+          <a:chOff x="0" y="0"/>
+          <a:chExt cx="0" cy="0"/>
+        </a:xfrm>
+      </p:grpSpPr>
+      <p:sp>
+        <p:nvSpPr>
+          <p:cNvPr id="2" name="Titel 1">
+            <a:extLst>
+              <a:ext uri="{FF2B5EF4-FFF2-40B4-BE49-F238E27FC236}">
                 <a16:creationId xmlns:a16="http://schemas.microsoft.com/office/drawing/2014/main" id="{F3F701B0-1B87-45F8-A88F-D12D208481FF}"/>
               </a:ext>
             </a:extLst>
@@ -5679,7 +6145,41 @@
           <a:bodyPr/>
           <a:lstStyle/>
           <a:p>
-            <a:endParaRPr lang="de-DE"/>
+            <a:r>
+              <a:rPr lang="de-DE" dirty="0"/>
+              <a:t>Wie viele Autos sich in einer </a:t>
+            </a:r>
+            <a:r>
+              <a:rPr lang="de-DE" dirty="0" err="1"/>
+              <a:t>Intersection</a:t>
+            </a:r>
+            <a:r>
+              <a:rPr lang="de-DE" dirty="0"/>
+              <a:t> oder Street befinden um Staubildung zu erkennen</a:t>
+            </a:r>
+          </a:p>
+          <a:p>
+            <a:r>
+              <a:rPr lang="de-DE" dirty="0"/>
+              <a:t>Die durchschnittliche Wartezeit in Streets</a:t>
+            </a:r>
+          </a:p>
+          <a:p>
+            <a:r>
+              <a:rPr lang="de-DE" dirty="0"/>
+              <a:t>Die durchschnittliche Wartezeit in </a:t>
+            </a:r>
+            <a:r>
+              <a:rPr lang="de-DE" dirty="0" err="1"/>
+              <a:t>Intersections</a:t>
+            </a:r>
+            <a:endParaRPr lang="de-DE" dirty="0"/>
+          </a:p>
+          <a:p>
+            <a:r>
+              <a:rPr lang="de-DE" dirty="0"/>
+              <a:t>Tests werden vorgenommen mit insgesamt 125 Autos und insgesamt 200 Autos</a:t>
+            </a:r>
           </a:p>
         </p:txBody>
       </p:sp>
@@ -6305,6 +6805,1949 @@
     <p:extLst>
       <p:ext uri="{BB962C8B-B14F-4D97-AF65-F5344CB8AC3E}">
         <p14:creationId xmlns:p14="http://schemas.microsoft.com/office/powerpoint/2010/main" val="3150188416"/>
+      </p:ext>
+    </p:extLst>
+  </p:cSld>
+  <p:clrMapOvr>
+    <a:masterClrMapping/>
+  </p:clrMapOvr>
+</p:sld>
+</file>
+
+<file path=ppt/slides/slide20.xml><?xml version="1.0" encoding="utf-8"?>
+<p:sld xmlns:a="http://schemas.openxmlformats.org/drawingml/2006/main" xmlns:r="http://schemas.openxmlformats.org/officeDocument/2006/relationships" xmlns:p="http://schemas.openxmlformats.org/presentationml/2006/main">
+  <p:cSld>
+    <p:spTree>
+      <p:nvGrpSpPr>
+        <p:cNvPr id="1" name=""/>
+        <p:cNvGrpSpPr/>
+        <p:nvPr/>
+      </p:nvGrpSpPr>
+      <p:grpSpPr>
+        <a:xfrm>
+          <a:off x="0" y="0"/>
+          <a:ext cx="0" cy="0"/>
+          <a:chOff x="0" y="0"/>
+          <a:chExt cx="0" cy="0"/>
+        </a:xfrm>
+      </p:grpSpPr>
+      <p:sp>
+        <p:nvSpPr>
+          <p:cNvPr id="2" name="Titel 1">
+            <a:extLst>
+              <a:ext uri="{FF2B5EF4-FFF2-40B4-BE49-F238E27FC236}">
+                <a16:creationId xmlns:a16="http://schemas.microsoft.com/office/drawing/2014/main" id="{6F9E622C-2CBF-48D4-8671-E9AAE8BC36F1}"/>
+              </a:ext>
+            </a:extLst>
+          </p:cNvPr>
+          <p:cNvSpPr>
+            <a:spLocks noGrp="1"/>
+          </p:cNvSpPr>
+          <p:nvPr>
+            <p:ph type="title"/>
+          </p:nvPr>
+        </p:nvSpPr>
+        <p:spPr/>
+        <p:txBody>
+          <a:bodyPr/>
+          <a:lstStyle/>
+          <a:p>
+            <a:r>
+              <a:rPr lang="de-DE" dirty="0" err="1"/>
+              <a:t>Intersection</a:t>
+            </a:r>
+            <a:r>
+              <a:rPr lang="de-DE" dirty="0"/>
+              <a:t> Wartezeit in Sekunden            (125 Autos)</a:t>
+            </a:r>
+            <a:endParaRPr lang="de-AT" dirty="0"/>
+          </a:p>
+        </p:txBody>
+      </p:sp>
+      <p:graphicFrame>
+        <p:nvGraphicFramePr>
+          <p:cNvPr id="6" name="Tabelle 6">
+            <a:extLst>
+              <a:ext uri="{FF2B5EF4-FFF2-40B4-BE49-F238E27FC236}">
+                <a16:creationId xmlns:a16="http://schemas.microsoft.com/office/drawing/2014/main" id="{E0A1DDEA-CE99-485E-886E-E8D4F52225E5}"/>
+              </a:ext>
+            </a:extLst>
+          </p:cNvPr>
+          <p:cNvGraphicFramePr>
+            <a:graphicFrameLocks noGrp="1"/>
+          </p:cNvGraphicFramePr>
+          <p:nvPr>
+            <p:ph idx="1"/>
+            <p:extLst>
+              <p:ext uri="{D42A27DB-BD31-4B8C-83A1-F6EECF244321}">
+                <p14:modId xmlns:p14="http://schemas.microsoft.com/office/powerpoint/2010/main" val="1745271521"/>
+              </p:ext>
+            </p:extLst>
+          </p:nvPr>
+        </p:nvGraphicFramePr>
+        <p:xfrm>
+          <a:off x="838200" y="1825624"/>
+          <a:ext cx="10515600" cy="2939322"/>
+        </p:xfrm>
+        <a:graphic>
+          <a:graphicData uri="http://schemas.openxmlformats.org/drawingml/2006/table">
+            <a:tbl>
+              <a:tblPr firstRow="1" bandRow="1">
+                <a:tableStyleId>{5C22544A-7EE6-4342-B048-85BDC9FD1C3A}</a:tableStyleId>
+              </a:tblPr>
+              <a:tblGrid>
+                <a:gridCol w="5257800">
+                  <a:extLst>
+                    <a:ext uri="{9D8B030D-6E8A-4147-A177-3AD203B41FA5}">
+                      <a16:colId xmlns:a16="http://schemas.microsoft.com/office/drawing/2014/main" val="2231064576"/>
+                    </a:ext>
+                  </a:extLst>
+                </a:gridCol>
+                <a:gridCol w="5257800">
+                  <a:extLst>
+                    <a:ext uri="{9D8B030D-6E8A-4147-A177-3AD203B41FA5}">
+                      <a16:colId xmlns:a16="http://schemas.microsoft.com/office/drawing/2014/main" val="4078804510"/>
+                    </a:ext>
+                  </a:extLst>
+                </a:gridCol>
+              </a:tblGrid>
+              <a:tr h="489887">
+                <a:tc>
+                  <a:txBody>
+                    <a:bodyPr/>
+                    <a:lstStyle/>
+                    <a:p>
+                      <a:r>
+                        <a:rPr lang="de-DE" dirty="0" err="1"/>
+                        <a:t>Intersection</a:t>
+                      </a:r>
+                      <a:endParaRPr lang="de-AT" dirty="0"/>
+                    </a:p>
+                  </a:txBody>
+                  <a:tcPr/>
+                </a:tc>
+                <a:tc>
+                  <a:txBody>
+                    <a:bodyPr/>
+                    <a:lstStyle/>
+                    <a:p>
+                      <a:r>
+                        <a:rPr lang="de-DE" dirty="0"/>
+                        <a:t>Durchschnittliche Wartezeit</a:t>
+                      </a:r>
+                      <a:endParaRPr lang="de-AT" dirty="0"/>
+                    </a:p>
+                  </a:txBody>
+                  <a:tcPr/>
+                </a:tc>
+                <a:extLst>
+                  <a:ext uri="{0D108BD9-81ED-4DB2-BD59-A6C34878D82A}">
+                    <a16:rowId xmlns:a16="http://schemas.microsoft.com/office/drawing/2014/main" val="2017319852"/>
+                  </a:ext>
+                </a:extLst>
+              </a:tr>
+              <a:tr h="489887">
+                <a:tc>
+                  <a:txBody>
+                    <a:bodyPr/>
+                    <a:lstStyle/>
+                    <a:p>
+                      <a:r>
+                        <a:rPr lang="de-DE" dirty="0"/>
+                        <a:t>T-</a:t>
+                      </a:r>
+                      <a:r>
+                        <a:rPr lang="de-DE" dirty="0" err="1"/>
+                        <a:t>Intersection</a:t>
+                      </a:r>
+                      <a:r>
+                        <a:rPr lang="de-DE" dirty="0"/>
+                        <a:t>(1)</a:t>
+                      </a:r>
+                      <a:endParaRPr lang="de-AT" dirty="0"/>
+                    </a:p>
+                  </a:txBody>
+                  <a:tcPr/>
+                </a:tc>
+                <a:tc>
+                  <a:txBody>
+                    <a:bodyPr/>
+                    <a:lstStyle/>
+                    <a:p>
+                      <a:r>
+                        <a:rPr lang="de-AT" dirty="0"/>
+                        <a:t>1.89</a:t>
+                      </a:r>
+                    </a:p>
+                  </a:txBody>
+                  <a:tcPr/>
+                </a:tc>
+                <a:extLst>
+                  <a:ext uri="{0D108BD9-81ED-4DB2-BD59-A6C34878D82A}">
+                    <a16:rowId xmlns:a16="http://schemas.microsoft.com/office/drawing/2014/main" val="4203153584"/>
+                  </a:ext>
+                </a:extLst>
+              </a:tr>
+              <a:tr h="489887">
+                <a:tc>
+                  <a:txBody>
+                    <a:bodyPr/>
+                    <a:lstStyle/>
+                    <a:p>
+                      <a:r>
+                        <a:rPr lang="de-DE" dirty="0"/>
+                        <a:t>T-</a:t>
+                      </a:r>
+                      <a:r>
+                        <a:rPr lang="de-DE" dirty="0" err="1"/>
+                        <a:t>Intersection</a:t>
+                      </a:r>
+                      <a:r>
+                        <a:rPr lang="de-DE" dirty="0"/>
+                        <a:t>(2)</a:t>
+                      </a:r>
+                      <a:endParaRPr lang="de-AT" dirty="0"/>
+                    </a:p>
+                  </a:txBody>
+                  <a:tcPr/>
+                </a:tc>
+                <a:tc>
+                  <a:txBody>
+                    <a:bodyPr/>
+                    <a:lstStyle/>
+                    <a:p>
+                      <a:r>
+                        <a:rPr lang="de-AT" dirty="0"/>
+                        <a:t>2.5</a:t>
+                      </a:r>
+                    </a:p>
+                  </a:txBody>
+                  <a:tcPr/>
+                </a:tc>
+                <a:extLst>
+                  <a:ext uri="{0D108BD9-81ED-4DB2-BD59-A6C34878D82A}">
+                    <a16:rowId xmlns:a16="http://schemas.microsoft.com/office/drawing/2014/main" val="315764124"/>
+                  </a:ext>
+                </a:extLst>
+              </a:tr>
+              <a:tr h="489887">
+                <a:tc>
+                  <a:txBody>
+                    <a:bodyPr/>
+                    <a:lstStyle/>
+                    <a:p>
+                      <a:r>
+                        <a:rPr lang="de-DE" dirty="0"/>
+                        <a:t>Cross-</a:t>
+                      </a:r>
+                      <a:r>
+                        <a:rPr lang="de-DE" dirty="0" err="1"/>
+                        <a:t>Intersection</a:t>
+                      </a:r>
+                      <a:r>
+                        <a:rPr lang="de-DE" dirty="0"/>
+                        <a:t>(3)</a:t>
+                      </a:r>
+                      <a:endParaRPr lang="de-AT" dirty="0"/>
+                    </a:p>
+                  </a:txBody>
+                  <a:tcPr/>
+                </a:tc>
+                <a:tc>
+                  <a:txBody>
+                    <a:bodyPr/>
+                    <a:lstStyle/>
+                    <a:p>
+                      <a:r>
+                        <a:rPr lang="de-AT" dirty="0"/>
+                        <a:t>8.51</a:t>
+                      </a:r>
+                    </a:p>
+                  </a:txBody>
+                  <a:tcPr/>
+                </a:tc>
+                <a:extLst>
+                  <a:ext uri="{0D108BD9-81ED-4DB2-BD59-A6C34878D82A}">
+                    <a16:rowId xmlns:a16="http://schemas.microsoft.com/office/drawing/2014/main" val="1042035543"/>
+                  </a:ext>
+                </a:extLst>
+              </a:tr>
+              <a:tr h="489887">
+                <a:tc>
+                  <a:txBody>
+                    <a:bodyPr/>
+                    <a:lstStyle/>
+                    <a:p>
+                      <a:r>
+                        <a:rPr lang="de-DE" dirty="0"/>
+                        <a:t>Cross-</a:t>
+                      </a:r>
+                      <a:r>
+                        <a:rPr lang="de-DE" dirty="0" err="1"/>
+                        <a:t>Intersection</a:t>
+                      </a:r>
+                      <a:r>
+                        <a:rPr lang="de-DE" dirty="0"/>
+                        <a:t>(4)</a:t>
+                      </a:r>
+                      <a:endParaRPr lang="de-AT" dirty="0"/>
+                    </a:p>
+                  </a:txBody>
+                  <a:tcPr/>
+                </a:tc>
+                <a:tc>
+                  <a:txBody>
+                    <a:bodyPr/>
+                    <a:lstStyle/>
+                    <a:p>
+                      <a:r>
+                        <a:rPr lang="de-AT" dirty="0"/>
+                        <a:t>3.39</a:t>
+                      </a:r>
+                    </a:p>
+                  </a:txBody>
+                  <a:tcPr/>
+                </a:tc>
+                <a:extLst>
+                  <a:ext uri="{0D108BD9-81ED-4DB2-BD59-A6C34878D82A}">
+                    <a16:rowId xmlns:a16="http://schemas.microsoft.com/office/drawing/2014/main" val="1125936895"/>
+                  </a:ext>
+                </a:extLst>
+              </a:tr>
+              <a:tr h="489887">
+                <a:tc>
+                  <a:txBody>
+                    <a:bodyPr/>
+                    <a:lstStyle/>
+                    <a:p>
+                      <a:r>
+                        <a:rPr lang="de-DE" dirty="0"/>
+                        <a:t>T-</a:t>
+                      </a:r>
+                      <a:r>
+                        <a:rPr lang="de-DE" dirty="0" err="1"/>
+                        <a:t>Intersection</a:t>
+                      </a:r>
+                      <a:r>
+                        <a:rPr lang="de-DE" dirty="0"/>
+                        <a:t>(5)</a:t>
+                      </a:r>
+                      <a:endParaRPr lang="de-AT" dirty="0"/>
+                    </a:p>
+                  </a:txBody>
+                  <a:tcPr/>
+                </a:tc>
+                <a:tc>
+                  <a:txBody>
+                    <a:bodyPr/>
+                    <a:lstStyle/>
+                    <a:p>
+                      <a:r>
+                        <a:rPr lang="de-AT" dirty="0"/>
+                        <a:t>1.74</a:t>
+                      </a:r>
+                    </a:p>
+                  </a:txBody>
+                  <a:tcPr/>
+                </a:tc>
+                <a:extLst>
+                  <a:ext uri="{0D108BD9-81ED-4DB2-BD59-A6C34878D82A}">
+                    <a16:rowId xmlns:a16="http://schemas.microsoft.com/office/drawing/2014/main" val="3931141592"/>
+                  </a:ext>
+                </a:extLst>
+              </a:tr>
+            </a:tbl>
+          </a:graphicData>
+        </a:graphic>
+      </p:graphicFrame>
+    </p:spTree>
+    <p:extLst>
+      <p:ext uri="{BB962C8B-B14F-4D97-AF65-F5344CB8AC3E}">
+        <p14:creationId xmlns:p14="http://schemas.microsoft.com/office/powerpoint/2010/main" val="2941806810"/>
+      </p:ext>
+    </p:extLst>
+  </p:cSld>
+  <p:clrMapOvr>
+    <a:masterClrMapping/>
+  </p:clrMapOvr>
+</p:sld>
+</file>
+
+<file path=ppt/slides/slide21.xml><?xml version="1.0" encoding="utf-8"?>
+<p:sld xmlns:a="http://schemas.openxmlformats.org/drawingml/2006/main" xmlns:r="http://schemas.openxmlformats.org/officeDocument/2006/relationships" xmlns:p="http://schemas.openxmlformats.org/presentationml/2006/main">
+  <p:cSld>
+    <p:spTree>
+      <p:nvGrpSpPr>
+        <p:cNvPr id="1" name=""/>
+        <p:cNvGrpSpPr/>
+        <p:nvPr/>
+      </p:nvGrpSpPr>
+      <p:grpSpPr>
+        <a:xfrm>
+          <a:off x="0" y="0"/>
+          <a:ext cx="0" cy="0"/>
+          <a:chOff x="0" y="0"/>
+          <a:chExt cx="0" cy="0"/>
+        </a:xfrm>
+      </p:grpSpPr>
+      <p:sp>
+        <p:nvSpPr>
+          <p:cNvPr id="2" name="Titel 1">
+            <a:extLst>
+              <a:ext uri="{FF2B5EF4-FFF2-40B4-BE49-F238E27FC236}">
+                <a16:creationId xmlns:a16="http://schemas.microsoft.com/office/drawing/2014/main" id="{74697FBE-74F1-4DCD-92FD-024711D4EEBB}"/>
+              </a:ext>
+            </a:extLst>
+          </p:cNvPr>
+          <p:cNvSpPr>
+            <a:spLocks noGrp="1"/>
+          </p:cNvSpPr>
+          <p:nvPr>
+            <p:ph type="title"/>
+          </p:nvPr>
+        </p:nvSpPr>
+        <p:spPr/>
+        <p:txBody>
+          <a:bodyPr/>
+          <a:lstStyle/>
+          <a:p>
+            <a:r>
+              <a:rPr lang="de-DE" dirty="0"/>
+              <a:t>Street Wartezeit in Sekunden (125 Autos)</a:t>
+            </a:r>
+            <a:endParaRPr lang="de-AT" dirty="0"/>
+          </a:p>
+        </p:txBody>
+      </p:sp>
+      <p:graphicFrame>
+        <p:nvGraphicFramePr>
+          <p:cNvPr id="4" name="Tabelle 4">
+            <a:extLst>
+              <a:ext uri="{FF2B5EF4-FFF2-40B4-BE49-F238E27FC236}">
+                <a16:creationId xmlns:a16="http://schemas.microsoft.com/office/drawing/2014/main" id="{5DC76284-CE4F-4FF2-81AA-D6EFF54CEA92}"/>
+              </a:ext>
+            </a:extLst>
+          </p:cNvPr>
+          <p:cNvGraphicFramePr>
+            <a:graphicFrameLocks noGrp="1"/>
+          </p:cNvGraphicFramePr>
+          <p:nvPr>
+            <p:ph idx="1"/>
+            <p:extLst>
+              <p:ext uri="{D42A27DB-BD31-4B8C-83A1-F6EECF244321}">
+                <p14:modId xmlns:p14="http://schemas.microsoft.com/office/powerpoint/2010/main" val="2886079402"/>
+              </p:ext>
+            </p:extLst>
+          </p:nvPr>
+        </p:nvGraphicFramePr>
+        <p:xfrm>
+          <a:off x="838200" y="1825625"/>
+          <a:ext cx="10515600" cy="4719320"/>
+        </p:xfrm>
+        <a:graphic>
+          <a:graphicData uri="http://schemas.openxmlformats.org/drawingml/2006/table">
+            <a:tbl>
+              <a:tblPr firstRow="1" bandRow="1">
+                <a:tableStyleId>{5C22544A-7EE6-4342-B048-85BDC9FD1C3A}</a:tableStyleId>
+              </a:tblPr>
+              <a:tblGrid>
+                <a:gridCol w="3505200">
+                  <a:extLst>
+                    <a:ext uri="{9D8B030D-6E8A-4147-A177-3AD203B41FA5}">
+                      <a16:colId xmlns:a16="http://schemas.microsoft.com/office/drawing/2014/main" val="2084373264"/>
+                    </a:ext>
+                  </a:extLst>
+                </a:gridCol>
+                <a:gridCol w="3505200">
+                  <a:extLst>
+                    <a:ext uri="{9D8B030D-6E8A-4147-A177-3AD203B41FA5}">
+                      <a16:colId xmlns:a16="http://schemas.microsoft.com/office/drawing/2014/main" val="4037198695"/>
+                    </a:ext>
+                  </a:extLst>
+                </a:gridCol>
+                <a:gridCol w="3505200">
+                  <a:extLst>
+                    <a:ext uri="{9D8B030D-6E8A-4147-A177-3AD203B41FA5}">
+                      <a16:colId xmlns:a16="http://schemas.microsoft.com/office/drawing/2014/main" val="2227812810"/>
+                    </a:ext>
+                  </a:extLst>
+                </a:gridCol>
+              </a:tblGrid>
+              <a:tr h="370840">
+                <a:tc>
+                  <a:txBody>
+                    <a:bodyPr/>
+                    <a:lstStyle/>
+                    <a:p>
+                      <a:r>
+                        <a:rPr lang="de-DE" dirty="0"/>
+                        <a:t>Street (verbundene </a:t>
+                      </a:r>
+                      <a:r>
+                        <a:rPr lang="de-DE" dirty="0" err="1"/>
+                        <a:t>Intersections</a:t>
+                      </a:r>
+                      <a:r>
+                        <a:rPr lang="de-DE" dirty="0"/>
+                        <a:t>)</a:t>
+                      </a:r>
+                      <a:endParaRPr lang="de-AT" dirty="0"/>
+                    </a:p>
+                  </a:txBody>
+                  <a:tcPr/>
+                </a:tc>
+                <a:tc>
+                  <a:txBody>
+                    <a:bodyPr/>
+                    <a:lstStyle/>
+                    <a:p>
+                      <a:r>
+                        <a:rPr lang="de-DE" dirty="0"/>
+                        <a:t>Durchschnittliche               Wartezeit (L -&gt; R)</a:t>
+                      </a:r>
+                      <a:endParaRPr lang="de-AT" dirty="0"/>
+                    </a:p>
+                  </a:txBody>
+                  <a:tcPr/>
+                </a:tc>
+                <a:tc>
+                  <a:txBody>
+                    <a:bodyPr/>
+                    <a:lstStyle/>
+                    <a:p>
+                      <a:r>
+                        <a:rPr lang="de-DE" dirty="0"/>
+                        <a:t>Durchschnittliche               Wartezeit (R -&gt; L)</a:t>
+                      </a:r>
+                      <a:endParaRPr lang="de-AT" dirty="0"/>
+                    </a:p>
+                  </a:txBody>
+                  <a:tcPr/>
+                </a:tc>
+                <a:extLst>
+                  <a:ext uri="{0D108BD9-81ED-4DB2-BD59-A6C34878D82A}">
+                    <a16:rowId xmlns:a16="http://schemas.microsoft.com/office/drawing/2014/main" val="3040122210"/>
+                  </a:ext>
+                </a:extLst>
+              </a:tr>
+              <a:tr h="370840">
+                <a:tc>
+                  <a:txBody>
+                    <a:bodyPr/>
+                    <a:lstStyle/>
+                    <a:p>
+                      <a:r>
+                        <a:rPr lang="de-DE" dirty="0"/>
+                        <a:t>1 (IO-1)</a:t>
+                      </a:r>
+                      <a:endParaRPr lang="de-AT" dirty="0"/>
+                    </a:p>
+                  </a:txBody>
+                  <a:tcPr/>
+                </a:tc>
+                <a:tc>
+                  <a:txBody>
+                    <a:bodyPr/>
+                    <a:lstStyle/>
+                    <a:p>
+                      <a:endParaRPr lang="de-AT" dirty="0"/>
+                    </a:p>
+                  </a:txBody>
+                  <a:tcPr/>
+                </a:tc>
+                <a:tc>
+                  <a:txBody>
+                    <a:bodyPr/>
+                    <a:lstStyle/>
+                    <a:p>
+                      <a:endParaRPr lang="de-AT" dirty="0"/>
+                    </a:p>
+                  </a:txBody>
+                  <a:tcPr/>
+                </a:tc>
+                <a:extLst>
+                  <a:ext uri="{0D108BD9-81ED-4DB2-BD59-A6C34878D82A}">
+                    <a16:rowId xmlns:a16="http://schemas.microsoft.com/office/drawing/2014/main" val="1117131601"/>
+                  </a:ext>
+                </a:extLst>
+              </a:tr>
+              <a:tr h="370840">
+                <a:tc>
+                  <a:txBody>
+                    <a:bodyPr/>
+                    <a:lstStyle/>
+                    <a:p>
+                      <a:r>
+                        <a:rPr lang="de-DE" dirty="0"/>
+                        <a:t>2 (IO-2)</a:t>
+                      </a:r>
+                      <a:endParaRPr lang="de-AT" dirty="0"/>
+                    </a:p>
+                  </a:txBody>
+                  <a:tcPr/>
+                </a:tc>
+                <a:tc>
+                  <a:txBody>
+                    <a:bodyPr/>
+                    <a:lstStyle/>
+                    <a:p>
+                      <a:endParaRPr lang="de-AT"/>
+                    </a:p>
+                  </a:txBody>
+                  <a:tcPr/>
+                </a:tc>
+                <a:tc>
+                  <a:txBody>
+                    <a:bodyPr/>
+                    <a:lstStyle/>
+                    <a:p>
+                      <a:endParaRPr lang="de-AT" dirty="0"/>
+                    </a:p>
+                  </a:txBody>
+                  <a:tcPr/>
+                </a:tc>
+                <a:extLst>
+                  <a:ext uri="{0D108BD9-81ED-4DB2-BD59-A6C34878D82A}">
+                    <a16:rowId xmlns:a16="http://schemas.microsoft.com/office/drawing/2014/main" val="973463575"/>
+                  </a:ext>
+                </a:extLst>
+              </a:tr>
+              <a:tr h="370840">
+                <a:tc>
+                  <a:txBody>
+                    <a:bodyPr/>
+                    <a:lstStyle/>
+                    <a:p>
+                      <a:r>
+                        <a:rPr lang="de-DE" dirty="0"/>
+                        <a:t>3 (2-1)</a:t>
+                      </a:r>
+                      <a:endParaRPr lang="de-AT" dirty="0"/>
+                    </a:p>
+                  </a:txBody>
+                  <a:tcPr/>
+                </a:tc>
+                <a:tc>
+                  <a:txBody>
+                    <a:bodyPr/>
+                    <a:lstStyle/>
+                    <a:p>
+                      <a:endParaRPr lang="de-AT"/>
+                    </a:p>
+                  </a:txBody>
+                  <a:tcPr/>
+                </a:tc>
+                <a:tc>
+                  <a:txBody>
+                    <a:bodyPr/>
+                    <a:lstStyle/>
+                    <a:p>
+                      <a:endParaRPr lang="de-AT"/>
+                    </a:p>
+                  </a:txBody>
+                  <a:tcPr/>
+                </a:tc>
+                <a:extLst>
+                  <a:ext uri="{0D108BD9-81ED-4DB2-BD59-A6C34878D82A}">
+                    <a16:rowId xmlns:a16="http://schemas.microsoft.com/office/drawing/2014/main" val="3643848738"/>
+                  </a:ext>
+                </a:extLst>
+              </a:tr>
+              <a:tr h="370840">
+                <a:tc>
+                  <a:txBody>
+                    <a:bodyPr/>
+                    <a:lstStyle/>
+                    <a:p>
+                      <a:r>
+                        <a:rPr lang="de-DE" dirty="0"/>
+                        <a:t>4 (1-4)</a:t>
+                      </a:r>
+                      <a:endParaRPr lang="de-AT" dirty="0"/>
+                    </a:p>
+                  </a:txBody>
+                  <a:tcPr/>
+                </a:tc>
+                <a:tc>
+                  <a:txBody>
+                    <a:bodyPr/>
+                    <a:lstStyle/>
+                    <a:p>
+                      <a:endParaRPr lang="de-AT"/>
+                    </a:p>
+                  </a:txBody>
+                  <a:tcPr/>
+                </a:tc>
+                <a:tc>
+                  <a:txBody>
+                    <a:bodyPr/>
+                    <a:lstStyle/>
+                    <a:p>
+                      <a:endParaRPr lang="de-AT"/>
+                    </a:p>
+                  </a:txBody>
+                  <a:tcPr/>
+                </a:tc>
+                <a:extLst>
+                  <a:ext uri="{0D108BD9-81ED-4DB2-BD59-A6C34878D82A}">
+                    <a16:rowId xmlns:a16="http://schemas.microsoft.com/office/drawing/2014/main" val="2948672900"/>
+                  </a:ext>
+                </a:extLst>
+              </a:tr>
+              <a:tr h="370840">
+                <a:tc>
+                  <a:txBody>
+                    <a:bodyPr/>
+                    <a:lstStyle/>
+                    <a:p>
+                      <a:r>
+                        <a:rPr lang="de-DE" dirty="0"/>
+                        <a:t>5 (2-3)</a:t>
+                      </a:r>
+                      <a:endParaRPr lang="de-AT" dirty="0"/>
+                    </a:p>
+                  </a:txBody>
+                  <a:tcPr/>
+                </a:tc>
+                <a:tc>
+                  <a:txBody>
+                    <a:bodyPr/>
+                    <a:lstStyle/>
+                    <a:p>
+                      <a:endParaRPr lang="de-AT"/>
+                    </a:p>
+                  </a:txBody>
+                  <a:tcPr/>
+                </a:tc>
+                <a:tc>
+                  <a:txBody>
+                    <a:bodyPr/>
+                    <a:lstStyle/>
+                    <a:p>
+                      <a:endParaRPr lang="de-AT"/>
+                    </a:p>
+                  </a:txBody>
+                  <a:tcPr/>
+                </a:tc>
+                <a:extLst>
+                  <a:ext uri="{0D108BD9-81ED-4DB2-BD59-A6C34878D82A}">
+                    <a16:rowId xmlns:a16="http://schemas.microsoft.com/office/drawing/2014/main" val="945020752"/>
+                  </a:ext>
+                </a:extLst>
+              </a:tr>
+              <a:tr h="370840">
+                <a:tc>
+                  <a:txBody>
+                    <a:bodyPr/>
+                    <a:lstStyle/>
+                    <a:p>
+                      <a:r>
+                        <a:rPr lang="de-DE" dirty="0"/>
+                        <a:t>6 (IO-3)</a:t>
+                      </a:r>
+                      <a:endParaRPr lang="de-AT" dirty="0"/>
+                    </a:p>
+                  </a:txBody>
+                  <a:tcPr/>
+                </a:tc>
+                <a:tc>
+                  <a:txBody>
+                    <a:bodyPr/>
+                    <a:lstStyle/>
+                    <a:p>
+                      <a:endParaRPr lang="de-AT"/>
+                    </a:p>
+                  </a:txBody>
+                  <a:tcPr/>
+                </a:tc>
+                <a:tc>
+                  <a:txBody>
+                    <a:bodyPr/>
+                    <a:lstStyle/>
+                    <a:p>
+                      <a:endParaRPr lang="de-AT"/>
+                    </a:p>
+                  </a:txBody>
+                  <a:tcPr/>
+                </a:tc>
+                <a:extLst>
+                  <a:ext uri="{0D108BD9-81ED-4DB2-BD59-A6C34878D82A}">
+                    <a16:rowId xmlns:a16="http://schemas.microsoft.com/office/drawing/2014/main" val="56453635"/>
+                  </a:ext>
+                </a:extLst>
+              </a:tr>
+              <a:tr h="370840">
+                <a:tc>
+                  <a:txBody>
+                    <a:bodyPr/>
+                    <a:lstStyle/>
+                    <a:p>
+                      <a:r>
+                        <a:rPr lang="de-DE" dirty="0"/>
+                        <a:t>7 (3-4)</a:t>
+                      </a:r>
+                      <a:endParaRPr lang="de-AT" dirty="0"/>
+                    </a:p>
+                  </a:txBody>
+                  <a:tcPr/>
+                </a:tc>
+                <a:tc>
+                  <a:txBody>
+                    <a:bodyPr/>
+                    <a:lstStyle/>
+                    <a:p>
+                      <a:endParaRPr lang="de-AT"/>
+                    </a:p>
+                  </a:txBody>
+                  <a:tcPr/>
+                </a:tc>
+                <a:tc>
+                  <a:txBody>
+                    <a:bodyPr/>
+                    <a:lstStyle/>
+                    <a:p>
+                      <a:endParaRPr lang="de-AT"/>
+                    </a:p>
+                  </a:txBody>
+                  <a:tcPr/>
+                </a:tc>
+                <a:extLst>
+                  <a:ext uri="{0D108BD9-81ED-4DB2-BD59-A6C34878D82A}">
+                    <a16:rowId xmlns:a16="http://schemas.microsoft.com/office/drawing/2014/main" val="316702934"/>
+                  </a:ext>
+                </a:extLst>
+              </a:tr>
+              <a:tr h="370840">
+                <a:tc>
+                  <a:txBody>
+                    <a:bodyPr/>
+                    <a:lstStyle/>
+                    <a:p>
+                      <a:r>
+                        <a:rPr lang="de-DE" dirty="0"/>
+                        <a:t>8 (4-IO)</a:t>
+                      </a:r>
+                      <a:endParaRPr lang="de-AT" dirty="0"/>
+                    </a:p>
+                  </a:txBody>
+                  <a:tcPr/>
+                </a:tc>
+                <a:tc>
+                  <a:txBody>
+                    <a:bodyPr/>
+                    <a:lstStyle/>
+                    <a:p>
+                      <a:endParaRPr lang="de-AT"/>
+                    </a:p>
+                  </a:txBody>
+                  <a:tcPr/>
+                </a:tc>
+                <a:tc>
+                  <a:txBody>
+                    <a:bodyPr/>
+                    <a:lstStyle/>
+                    <a:p>
+                      <a:endParaRPr lang="de-AT"/>
+                    </a:p>
+                  </a:txBody>
+                  <a:tcPr/>
+                </a:tc>
+                <a:extLst>
+                  <a:ext uri="{0D108BD9-81ED-4DB2-BD59-A6C34878D82A}">
+                    <a16:rowId xmlns:a16="http://schemas.microsoft.com/office/drawing/2014/main" val="2204864745"/>
+                  </a:ext>
+                </a:extLst>
+              </a:tr>
+              <a:tr h="370840">
+                <a:tc>
+                  <a:txBody>
+                    <a:bodyPr/>
+                    <a:lstStyle/>
+                    <a:p>
+                      <a:r>
+                        <a:rPr lang="de-DE" dirty="0"/>
+                        <a:t>9 (5-4)</a:t>
+                      </a:r>
+                      <a:endParaRPr lang="de-AT" dirty="0"/>
+                    </a:p>
+                  </a:txBody>
+                  <a:tcPr/>
+                </a:tc>
+                <a:tc>
+                  <a:txBody>
+                    <a:bodyPr/>
+                    <a:lstStyle/>
+                    <a:p>
+                      <a:endParaRPr lang="de-AT"/>
+                    </a:p>
+                  </a:txBody>
+                  <a:tcPr/>
+                </a:tc>
+                <a:tc>
+                  <a:txBody>
+                    <a:bodyPr/>
+                    <a:lstStyle/>
+                    <a:p>
+                      <a:endParaRPr lang="de-AT"/>
+                    </a:p>
+                  </a:txBody>
+                  <a:tcPr/>
+                </a:tc>
+                <a:extLst>
+                  <a:ext uri="{0D108BD9-81ED-4DB2-BD59-A6C34878D82A}">
+                    <a16:rowId xmlns:a16="http://schemas.microsoft.com/office/drawing/2014/main" val="1519967531"/>
+                  </a:ext>
+                </a:extLst>
+              </a:tr>
+              <a:tr h="370840">
+                <a:tc>
+                  <a:txBody>
+                    <a:bodyPr/>
+                    <a:lstStyle/>
+                    <a:p>
+                      <a:r>
+                        <a:rPr lang="de-DE" dirty="0"/>
+                        <a:t>10 (5-3)</a:t>
+                      </a:r>
+                      <a:endParaRPr lang="de-AT" dirty="0"/>
+                    </a:p>
+                  </a:txBody>
+                  <a:tcPr/>
+                </a:tc>
+                <a:tc>
+                  <a:txBody>
+                    <a:bodyPr/>
+                    <a:lstStyle/>
+                    <a:p>
+                      <a:endParaRPr lang="de-AT"/>
+                    </a:p>
+                  </a:txBody>
+                  <a:tcPr/>
+                </a:tc>
+                <a:tc>
+                  <a:txBody>
+                    <a:bodyPr/>
+                    <a:lstStyle/>
+                    <a:p>
+                      <a:endParaRPr lang="de-AT"/>
+                    </a:p>
+                  </a:txBody>
+                  <a:tcPr/>
+                </a:tc>
+                <a:extLst>
+                  <a:ext uri="{0D108BD9-81ED-4DB2-BD59-A6C34878D82A}">
+                    <a16:rowId xmlns:a16="http://schemas.microsoft.com/office/drawing/2014/main" val="1104552095"/>
+                  </a:ext>
+                </a:extLst>
+              </a:tr>
+              <a:tr h="370840">
+                <a:tc>
+                  <a:txBody>
+                    <a:bodyPr/>
+                    <a:lstStyle/>
+                    <a:p>
+                      <a:r>
+                        <a:rPr lang="de-DE" dirty="0"/>
+                        <a:t>11 (IO-5)</a:t>
+                      </a:r>
+                      <a:endParaRPr lang="de-AT" dirty="0"/>
+                    </a:p>
+                  </a:txBody>
+                  <a:tcPr/>
+                </a:tc>
+                <a:tc>
+                  <a:txBody>
+                    <a:bodyPr/>
+                    <a:lstStyle/>
+                    <a:p>
+                      <a:endParaRPr lang="de-AT" dirty="0"/>
+                    </a:p>
+                  </a:txBody>
+                  <a:tcPr/>
+                </a:tc>
+                <a:tc>
+                  <a:txBody>
+                    <a:bodyPr/>
+                    <a:lstStyle/>
+                    <a:p>
+                      <a:endParaRPr lang="de-AT" dirty="0"/>
+                    </a:p>
+                  </a:txBody>
+                  <a:tcPr/>
+                </a:tc>
+                <a:extLst>
+                  <a:ext uri="{0D108BD9-81ED-4DB2-BD59-A6C34878D82A}">
+                    <a16:rowId xmlns:a16="http://schemas.microsoft.com/office/drawing/2014/main" val="3406076412"/>
+                  </a:ext>
+                </a:extLst>
+              </a:tr>
+            </a:tbl>
+          </a:graphicData>
+        </a:graphic>
+      </p:graphicFrame>
+    </p:spTree>
+    <p:extLst>
+      <p:ext uri="{BB962C8B-B14F-4D97-AF65-F5344CB8AC3E}">
+        <p14:creationId xmlns:p14="http://schemas.microsoft.com/office/powerpoint/2010/main" val="4156809613"/>
+      </p:ext>
+    </p:extLst>
+  </p:cSld>
+  <p:clrMapOvr>
+    <a:masterClrMapping/>
+  </p:clrMapOvr>
+</p:sld>
+</file>
+
+<file path=ppt/slides/slide22.xml><?xml version="1.0" encoding="utf-8"?>
+<p:sld xmlns:a="http://schemas.openxmlformats.org/drawingml/2006/main" xmlns:r="http://schemas.openxmlformats.org/officeDocument/2006/relationships" xmlns:p="http://schemas.openxmlformats.org/presentationml/2006/main">
+  <p:cSld>
+    <p:spTree>
+      <p:nvGrpSpPr>
+        <p:cNvPr id="1" name=""/>
+        <p:cNvGrpSpPr/>
+        <p:nvPr/>
+      </p:nvGrpSpPr>
+      <p:grpSpPr>
+        <a:xfrm>
+          <a:off x="0" y="0"/>
+          <a:ext cx="0" cy="0"/>
+          <a:chOff x="0" y="0"/>
+          <a:chExt cx="0" cy="0"/>
+        </a:xfrm>
+      </p:grpSpPr>
+      <p:sp>
+        <p:nvSpPr>
+          <p:cNvPr id="2" name="Titel 1">
+            <a:extLst>
+              <a:ext uri="{FF2B5EF4-FFF2-40B4-BE49-F238E27FC236}">
+                <a16:creationId xmlns:a16="http://schemas.microsoft.com/office/drawing/2014/main" id="{6F9E622C-2CBF-48D4-8671-E9AAE8BC36F1}"/>
+              </a:ext>
+            </a:extLst>
+          </p:cNvPr>
+          <p:cNvSpPr>
+            <a:spLocks noGrp="1"/>
+          </p:cNvSpPr>
+          <p:nvPr>
+            <p:ph type="title"/>
+          </p:nvPr>
+        </p:nvSpPr>
+        <p:spPr/>
+        <p:txBody>
+          <a:bodyPr/>
+          <a:lstStyle/>
+          <a:p>
+            <a:r>
+              <a:rPr lang="de-DE" dirty="0" err="1"/>
+              <a:t>Intersection</a:t>
+            </a:r>
+            <a:r>
+              <a:rPr lang="de-DE" dirty="0"/>
+              <a:t> Wartezeit in Sekunden            (200 Autos)</a:t>
+            </a:r>
+            <a:endParaRPr lang="de-AT" dirty="0"/>
+          </a:p>
+        </p:txBody>
+      </p:sp>
+      <p:graphicFrame>
+        <p:nvGraphicFramePr>
+          <p:cNvPr id="6" name="Tabelle 6">
+            <a:extLst>
+              <a:ext uri="{FF2B5EF4-FFF2-40B4-BE49-F238E27FC236}">
+                <a16:creationId xmlns:a16="http://schemas.microsoft.com/office/drawing/2014/main" id="{E0A1DDEA-CE99-485E-886E-E8D4F52225E5}"/>
+              </a:ext>
+            </a:extLst>
+          </p:cNvPr>
+          <p:cNvGraphicFramePr>
+            <a:graphicFrameLocks noGrp="1"/>
+          </p:cNvGraphicFramePr>
+          <p:nvPr>
+            <p:ph idx="1"/>
+          </p:nvPr>
+        </p:nvGraphicFramePr>
+        <p:xfrm>
+          <a:off x="838200" y="1825625"/>
+          <a:ext cx="10515600" cy="2225040"/>
+        </p:xfrm>
+        <a:graphic>
+          <a:graphicData uri="http://schemas.openxmlformats.org/drawingml/2006/table">
+            <a:tbl>
+              <a:tblPr firstRow="1" bandRow="1">
+                <a:tableStyleId>{5C22544A-7EE6-4342-B048-85BDC9FD1C3A}</a:tableStyleId>
+              </a:tblPr>
+              <a:tblGrid>
+                <a:gridCol w="5257800">
+                  <a:extLst>
+                    <a:ext uri="{9D8B030D-6E8A-4147-A177-3AD203B41FA5}">
+                      <a16:colId xmlns:a16="http://schemas.microsoft.com/office/drawing/2014/main" val="2231064576"/>
+                    </a:ext>
+                  </a:extLst>
+                </a:gridCol>
+                <a:gridCol w="5257800">
+                  <a:extLst>
+                    <a:ext uri="{9D8B030D-6E8A-4147-A177-3AD203B41FA5}">
+                      <a16:colId xmlns:a16="http://schemas.microsoft.com/office/drawing/2014/main" val="4078804510"/>
+                    </a:ext>
+                  </a:extLst>
+                </a:gridCol>
+              </a:tblGrid>
+              <a:tr h="370840">
+                <a:tc>
+                  <a:txBody>
+                    <a:bodyPr/>
+                    <a:lstStyle/>
+                    <a:p>
+                      <a:r>
+                        <a:rPr lang="de-DE" dirty="0" err="1"/>
+                        <a:t>Intersection</a:t>
+                      </a:r>
+                      <a:endParaRPr lang="de-AT" dirty="0"/>
+                    </a:p>
+                  </a:txBody>
+                  <a:tcPr/>
+                </a:tc>
+                <a:tc>
+                  <a:txBody>
+                    <a:bodyPr/>
+                    <a:lstStyle/>
+                    <a:p>
+                      <a:r>
+                        <a:rPr lang="de-DE" dirty="0"/>
+                        <a:t>Durchschnittliche Wartezeit</a:t>
+                      </a:r>
+                      <a:endParaRPr lang="de-AT" dirty="0"/>
+                    </a:p>
+                  </a:txBody>
+                  <a:tcPr/>
+                </a:tc>
+                <a:extLst>
+                  <a:ext uri="{0D108BD9-81ED-4DB2-BD59-A6C34878D82A}">
+                    <a16:rowId xmlns:a16="http://schemas.microsoft.com/office/drawing/2014/main" val="2017319852"/>
+                  </a:ext>
+                </a:extLst>
+              </a:tr>
+              <a:tr h="370840">
+                <a:tc>
+                  <a:txBody>
+                    <a:bodyPr/>
+                    <a:lstStyle/>
+                    <a:p>
+                      <a:r>
+                        <a:rPr lang="de-DE" dirty="0"/>
+                        <a:t>T-</a:t>
+                      </a:r>
+                      <a:r>
+                        <a:rPr lang="de-DE" dirty="0" err="1"/>
+                        <a:t>Intersection</a:t>
+                      </a:r>
+                      <a:r>
+                        <a:rPr lang="de-DE" dirty="0"/>
+                        <a:t>(1)</a:t>
+                      </a:r>
+                      <a:endParaRPr lang="de-AT" dirty="0"/>
+                    </a:p>
+                  </a:txBody>
+                  <a:tcPr/>
+                </a:tc>
+                <a:tc>
+                  <a:txBody>
+                    <a:bodyPr/>
+                    <a:lstStyle/>
+                    <a:p>
+                      <a:endParaRPr lang="de-AT"/>
+                    </a:p>
+                  </a:txBody>
+                  <a:tcPr/>
+                </a:tc>
+                <a:extLst>
+                  <a:ext uri="{0D108BD9-81ED-4DB2-BD59-A6C34878D82A}">
+                    <a16:rowId xmlns:a16="http://schemas.microsoft.com/office/drawing/2014/main" val="4203153584"/>
+                  </a:ext>
+                </a:extLst>
+              </a:tr>
+              <a:tr h="370840">
+                <a:tc>
+                  <a:txBody>
+                    <a:bodyPr/>
+                    <a:lstStyle/>
+                    <a:p>
+                      <a:r>
+                        <a:rPr lang="de-DE" dirty="0"/>
+                        <a:t>T-</a:t>
+                      </a:r>
+                      <a:r>
+                        <a:rPr lang="de-DE" dirty="0" err="1"/>
+                        <a:t>Intersection</a:t>
+                      </a:r>
+                      <a:r>
+                        <a:rPr lang="de-DE" dirty="0"/>
+                        <a:t>(2)</a:t>
+                      </a:r>
+                      <a:endParaRPr lang="de-AT" dirty="0"/>
+                    </a:p>
+                  </a:txBody>
+                  <a:tcPr/>
+                </a:tc>
+                <a:tc>
+                  <a:txBody>
+                    <a:bodyPr/>
+                    <a:lstStyle/>
+                    <a:p>
+                      <a:endParaRPr lang="de-AT"/>
+                    </a:p>
+                  </a:txBody>
+                  <a:tcPr/>
+                </a:tc>
+                <a:extLst>
+                  <a:ext uri="{0D108BD9-81ED-4DB2-BD59-A6C34878D82A}">
+                    <a16:rowId xmlns:a16="http://schemas.microsoft.com/office/drawing/2014/main" val="315764124"/>
+                  </a:ext>
+                </a:extLst>
+              </a:tr>
+              <a:tr h="370840">
+                <a:tc>
+                  <a:txBody>
+                    <a:bodyPr/>
+                    <a:lstStyle/>
+                    <a:p>
+                      <a:r>
+                        <a:rPr lang="de-DE" dirty="0"/>
+                        <a:t>Cross-</a:t>
+                      </a:r>
+                      <a:r>
+                        <a:rPr lang="de-DE" dirty="0" err="1"/>
+                        <a:t>Intersection</a:t>
+                      </a:r>
+                      <a:r>
+                        <a:rPr lang="de-DE" dirty="0"/>
+                        <a:t>(3)</a:t>
+                      </a:r>
+                      <a:endParaRPr lang="de-AT" dirty="0"/>
+                    </a:p>
+                  </a:txBody>
+                  <a:tcPr/>
+                </a:tc>
+                <a:tc>
+                  <a:txBody>
+                    <a:bodyPr/>
+                    <a:lstStyle/>
+                    <a:p>
+                      <a:endParaRPr lang="de-AT"/>
+                    </a:p>
+                  </a:txBody>
+                  <a:tcPr/>
+                </a:tc>
+                <a:extLst>
+                  <a:ext uri="{0D108BD9-81ED-4DB2-BD59-A6C34878D82A}">
+                    <a16:rowId xmlns:a16="http://schemas.microsoft.com/office/drawing/2014/main" val="1042035543"/>
+                  </a:ext>
+                </a:extLst>
+              </a:tr>
+              <a:tr h="370840">
+                <a:tc>
+                  <a:txBody>
+                    <a:bodyPr/>
+                    <a:lstStyle/>
+                    <a:p>
+                      <a:r>
+                        <a:rPr lang="de-DE" dirty="0"/>
+                        <a:t>Cross-</a:t>
+                      </a:r>
+                      <a:r>
+                        <a:rPr lang="de-DE" dirty="0" err="1"/>
+                        <a:t>Intersection</a:t>
+                      </a:r>
+                      <a:r>
+                        <a:rPr lang="de-DE" dirty="0"/>
+                        <a:t>(4)</a:t>
+                      </a:r>
+                      <a:endParaRPr lang="de-AT" dirty="0"/>
+                    </a:p>
+                  </a:txBody>
+                  <a:tcPr/>
+                </a:tc>
+                <a:tc>
+                  <a:txBody>
+                    <a:bodyPr/>
+                    <a:lstStyle/>
+                    <a:p>
+                      <a:endParaRPr lang="de-AT"/>
+                    </a:p>
+                  </a:txBody>
+                  <a:tcPr/>
+                </a:tc>
+                <a:extLst>
+                  <a:ext uri="{0D108BD9-81ED-4DB2-BD59-A6C34878D82A}">
+                    <a16:rowId xmlns:a16="http://schemas.microsoft.com/office/drawing/2014/main" val="1125936895"/>
+                  </a:ext>
+                </a:extLst>
+              </a:tr>
+              <a:tr h="370840">
+                <a:tc>
+                  <a:txBody>
+                    <a:bodyPr/>
+                    <a:lstStyle/>
+                    <a:p>
+                      <a:r>
+                        <a:rPr lang="de-DE" dirty="0"/>
+                        <a:t>T-</a:t>
+                      </a:r>
+                      <a:r>
+                        <a:rPr lang="de-DE" dirty="0" err="1"/>
+                        <a:t>Intersection</a:t>
+                      </a:r>
+                      <a:r>
+                        <a:rPr lang="de-DE" dirty="0"/>
+                        <a:t>(5)</a:t>
+                      </a:r>
+                      <a:endParaRPr lang="de-AT" dirty="0"/>
+                    </a:p>
+                  </a:txBody>
+                  <a:tcPr/>
+                </a:tc>
+                <a:tc>
+                  <a:txBody>
+                    <a:bodyPr/>
+                    <a:lstStyle/>
+                    <a:p>
+                      <a:endParaRPr lang="de-AT" dirty="0"/>
+                    </a:p>
+                  </a:txBody>
+                  <a:tcPr/>
+                </a:tc>
+                <a:extLst>
+                  <a:ext uri="{0D108BD9-81ED-4DB2-BD59-A6C34878D82A}">
+                    <a16:rowId xmlns:a16="http://schemas.microsoft.com/office/drawing/2014/main" val="3931141592"/>
+                  </a:ext>
+                </a:extLst>
+              </a:tr>
+            </a:tbl>
+          </a:graphicData>
+        </a:graphic>
+      </p:graphicFrame>
+    </p:spTree>
+    <p:extLst>
+      <p:ext uri="{BB962C8B-B14F-4D97-AF65-F5344CB8AC3E}">
+        <p14:creationId xmlns:p14="http://schemas.microsoft.com/office/powerpoint/2010/main" val="4282467290"/>
+      </p:ext>
+    </p:extLst>
+  </p:cSld>
+  <p:clrMapOvr>
+    <a:masterClrMapping/>
+  </p:clrMapOvr>
+</p:sld>
+</file>
+
+<file path=ppt/slides/slide23.xml><?xml version="1.0" encoding="utf-8"?>
+<p:sld xmlns:a="http://schemas.openxmlformats.org/drawingml/2006/main" xmlns:r="http://schemas.openxmlformats.org/officeDocument/2006/relationships" xmlns:p="http://schemas.openxmlformats.org/presentationml/2006/main">
+  <p:cSld>
+    <p:spTree>
+      <p:nvGrpSpPr>
+        <p:cNvPr id="1" name=""/>
+        <p:cNvGrpSpPr/>
+        <p:nvPr/>
+      </p:nvGrpSpPr>
+      <p:grpSpPr>
+        <a:xfrm>
+          <a:off x="0" y="0"/>
+          <a:ext cx="0" cy="0"/>
+          <a:chOff x="0" y="0"/>
+          <a:chExt cx="0" cy="0"/>
+        </a:xfrm>
+      </p:grpSpPr>
+      <p:sp>
+        <p:nvSpPr>
+          <p:cNvPr id="2" name="Titel 1">
+            <a:extLst>
+              <a:ext uri="{FF2B5EF4-FFF2-40B4-BE49-F238E27FC236}">
+                <a16:creationId xmlns:a16="http://schemas.microsoft.com/office/drawing/2014/main" id="{74697FBE-74F1-4DCD-92FD-024711D4EEBB}"/>
+              </a:ext>
+            </a:extLst>
+          </p:cNvPr>
+          <p:cNvSpPr>
+            <a:spLocks noGrp="1"/>
+          </p:cNvSpPr>
+          <p:nvPr>
+            <p:ph type="title"/>
+          </p:nvPr>
+        </p:nvSpPr>
+        <p:spPr/>
+        <p:txBody>
+          <a:bodyPr/>
+          <a:lstStyle/>
+          <a:p>
+            <a:r>
+              <a:rPr lang="de-DE" dirty="0"/>
+              <a:t>Street Wartezeit in Sekunden (200 Autos)</a:t>
+            </a:r>
+            <a:endParaRPr lang="de-AT" dirty="0"/>
+          </a:p>
+        </p:txBody>
+      </p:sp>
+      <p:graphicFrame>
+        <p:nvGraphicFramePr>
+          <p:cNvPr id="4" name="Tabelle 4">
+            <a:extLst>
+              <a:ext uri="{FF2B5EF4-FFF2-40B4-BE49-F238E27FC236}">
+                <a16:creationId xmlns:a16="http://schemas.microsoft.com/office/drawing/2014/main" id="{5DC76284-CE4F-4FF2-81AA-D6EFF54CEA92}"/>
+              </a:ext>
+            </a:extLst>
+          </p:cNvPr>
+          <p:cNvGraphicFramePr>
+            <a:graphicFrameLocks noGrp="1"/>
+          </p:cNvGraphicFramePr>
+          <p:nvPr>
+            <p:ph idx="1"/>
+          </p:nvPr>
+        </p:nvGraphicFramePr>
+        <p:xfrm>
+          <a:off x="838200" y="1825625"/>
+          <a:ext cx="10515600" cy="4719320"/>
+        </p:xfrm>
+        <a:graphic>
+          <a:graphicData uri="http://schemas.openxmlformats.org/drawingml/2006/table">
+            <a:tbl>
+              <a:tblPr firstRow="1" bandRow="1">
+                <a:tableStyleId>{5C22544A-7EE6-4342-B048-85BDC9FD1C3A}</a:tableStyleId>
+              </a:tblPr>
+              <a:tblGrid>
+                <a:gridCol w="3505200">
+                  <a:extLst>
+                    <a:ext uri="{9D8B030D-6E8A-4147-A177-3AD203B41FA5}">
+                      <a16:colId xmlns:a16="http://schemas.microsoft.com/office/drawing/2014/main" val="2084373264"/>
+                    </a:ext>
+                  </a:extLst>
+                </a:gridCol>
+                <a:gridCol w="3505200">
+                  <a:extLst>
+                    <a:ext uri="{9D8B030D-6E8A-4147-A177-3AD203B41FA5}">
+                      <a16:colId xmlns:a16="http://schemas.microsoft.com/office/drawing/2014/main" val="4037198695"/>
+                    </a:ext>
+                  </a:extLst>
+                </a:gridCol>
+                <a:gridCol w="3505200">
+                  <a:extLst>
+                    <a:ext uri="{9D8B030D-6E8A-4147-A177-3AD203B41FA5}">
+                      <a16:colId xmlns:a16="http://schemas.microsoft.com/office/drawing/2014/main" val="2227812810"/>
+                    </a:ext>
+                  </a:extLst>
+                </a:gridCol>
+              </a:tblGrid>
+              <a:tr h="370840">
+                <a:tc>
+                  <a:txBody>
+                    <a:bodyPr/>
+                    <a:lstStyle/>
+                    <a:p>
+                      <a:r>
+                        <a:rPr lang="de-DE" dirty="0"/>
+                        <a:t>Street (verbundene </a:t>
+                      </a:r>
+                      <a:r>
+                        <a:rPr lang="de-DE" dirty="0" err="1"/>
+                        <a:t>Intersections</a:t>
+                      </a:r>
+                      <a:r>
+                        <a:rPr lang="de-DE" dirty="0"/>
+                        <a:t>)</a:t>
+                      </a:r>
+                      <a:endParaRPr lang="de-AT" dirty="0"/>
+                    </a:p>
+                  </a:txBody>
+                  <a:tcPr/>
+                </a:tc>
+                <a:tc>
+                  <a:txBody>
+                    <a:bodyPr/>
+                    <a:lstStyle/>
+                    <a:p>
+                      <a:r>
+                        <a:rPr lang="de-DE" dirty="0"/>
+                        <a:t>Durchschnittliche               Wartezeit (L -&gt; R)</a:t>
+                      </a:r>
+                      <a:endParaRPr lang="de-AT" dirty="0"/>
+                    </a:p>
+                  </a:txBody>
+                  <a:tcPr/>
+                </a:tc>
+                <a:tc>
+                  <a:txBody>
+                    <a:bodyPr/>
+                    <a:lstStyle/>
+                    <a:p>
+                      <a:r>
+                        <a:rPr lang="de-DE" dirty="0"/>
+                        <a:t>Durchschnittliche               Wartezeit (R -&gt; L)</a:t>
+                      </a:r>
+                      <a:endParaRPr lang="de-AT" dirty="0"/>
+                    </a:p>
+                  </a:txBody>
+                  <a:tcPr/>
+                </a:tc>
+                <a:extLst>
+                  <a:ext uri="{0D108BD9-81ED-4DB2-BD59-A6C34878D82A}">
+                    <a16:rowId xmlns:a16="http://schemas.microsoft.com/office/drawing/2014/main" val="3040122210"/>
+                  </a:ext>
+                </a:extLst>
+              </a:tr>
+              <a:tr h="370840">
+                <a:tc>
+                  <a:txBody>
+                    <a:bodyPr/>
+                    <a:lstStyle/>
+                    <a:p>
+                      <a:r>
+                        <a:rPr lang="de-DE" dirty="0"/>
+                        <a:t>1 (IO-1)</a:t>
+                      </a:r>
+                      <a:endParaRPr lang="de-AT" dirty="0"/>
+                    </a:p>
+                  </a:txBody>
+                  <a:tcPr/>
+                </a:tc>
+                <a:tc>
+                  <a:txBody>
+                    <a:bodyPr/>
+                    <a:lstStyle/>
+                    <a:p>
+                      <a:endParaRPr lang="de-AT" dirty="0"/>
+                    </a:p>
+                  </a:txBody>
+                  <a:tcPr/>
+                </a:tc>
+                <a:tc>
+                  <a:txBody>
+                    <a:bodyPr/>
+                    <a:lstStyle/>
+                    <a:p>
+                      <a:endParaRPr lang="de-AT" dirty="0"/>
+                    </a:p>
+                  </a:txBody>
+                  <a:tcPr/>
+                </a:tc>
+                <a:extLst>
+                  <a:ext uri="{0D108BD9-81ED-4DB2-BD59-A6C34878D82A}">
+                    <a16:rowId xmlns:a16="http://schemas.microsoft.com/office/drawing/2014/main" val="1117131601"/>
+                  </a:ext>
+                </a:extLst>
+              </a:tr>
+              <a:tr h="370840">
+                <a:tc>
+                  <a:txBody>
+                    <a:bodyPr/>
+                    <a:lstStyle/>
+                    <a:p>
+                      <a:r>
+                        <a:rPr lang="de-DE" dirty="0"/>
+                        <a:t>2 (IO-2)</a:t>
+                      </a:r>
+                      <a:endParaRPr lang="de-AT" dirty="0"/>
+                    </a:p>
+                  </a:txBody>
+                  <a:tcPr/>
+                </a:tc>
+                <a:tc>
+                  <a:txBody>
+                    <a:bodyPr/>
+                    <a:lstStyle/>
+                    <a:p>
+                      <a:endParaRPr lang="de-AT"/>
+                    </a:p>
+                  </a:txBody>
+                  <a:tcPr/>
+                </a:tc>
+                <a:tc>
+                  <a:txBody>
+                    <a:bodyPr/>
+                    <a:lstStyle/>
+                    <a:p>
+                      <a:endParaRPr lang="de-AT" dirty="0"/>
+                    </a:p>
+                  </a:txBody>
+                  <a:tcPr/>
+                </a:tc>
+                <a:extLst>
+                  <a:ext uri="{0D108BD9-81ED-4DB2-BD59-A6C34878D82A}">
+                    <a16:rowId xmlns:a16="http://schemas.microsoft.com/office/drawing/2014/main" val="973463575"/>
+                  </a:ext>
+                </a:extLst>
+              </a:tr>
+              <a:tr h="370840">
+                <a:tc>
+                  <a:txBody>
+                    <a:bodyPr/>
+                    <a:lstStyle/>
+                    <a:p>
+                      <a:r>
+                        <a:rPr lang="de-DE" dirty="0"/>
+                        <a:t>3 (2-1)</a:t>
+                      </a:r>
+                      <a:endParaRPr lang="de-AT" dirty="0"/>
+                    </a:p>
+                  </a:txBody>
+                  <a:tcPr/>
+                </a:tc>
+                <a:tc>
+                  <a:txBody>
+                    <a:bodyPr/>
+                    <a:lstStyle/>
+                    <a:p>
+                      <a:endParaRPr lang="de-AT"/>
+                    </a:p>
+                  </a:txBody>
+                  <a:tcPr/>
+                </a:tc>
+                <a:tc>
+                  <a:txBody>
+                    <a:bodyPr/>
+                    <a:lstStyle/>
+                    <a:p>
+                      <a:endParaRPr lang="de-AT"/>
+                    </a:p>
+                  </a:txBody>
+                  <a:tcPr/>
+                </a:tc>
+                <a:extLst>
+                  <a:ext uri="{0D108BD9-81ED-4DB2-BD59-A6C34878D82A}">
+                    <a16:rowId xmlns:a16="http://schemas.microsoft.com/office/drawing/2014/main" val="3643848738"/>
+                  </a:ext>
+                </a:extLst>
+              </a:tr>
+              <a:tr h="370840">
+                <a:tc>
+                  <a:txBody>
+                    <a:bodyPr/>
+                    <a:lstStyle/>
+                    <a:p>
+                      <a:r>
+                        <a:rPr lang="de-DE" dirty="0"/>
+                        <a:t>4 (1-4)</a:t>
+                      </a:r>
+                      <a:endParaRPr lang="de-AT" dirty="0"/>
+                    </a:p>
+                  </a:txBody>
+                  <a:tcPr/>
+                </a:tc>
+                <a:tc>
+                  <a:txBody>
+                    <a:bodyPr/>
+                    <a:lstStyle/>
+                    <a:p>
+                      <a:endParaRPr lang="de-AT"/>
+                    </a:p>
+                  </a:txBody>
+                  <a:tcPr/>
+                </a:tc>
+                <a:tc>
+                  <a:txBody>
+                    <a:bodyPr/>
+                    <a:lstStyle/>
+                    <a:p>
+                      <a:endParaRPr lang="de-AT"/>
+                    </a:p>
+                  </a:txBody>
+                  <a:tcPr/>
+                </a:tc>
+                <a:extLst>
+                  <a:ext uri="{0D108BD9-81ED-4DB2-BD59-A6C34878D82A}">
+                    <a16:rowId xmlns:a16="http://schemas.microsoft.com/office/drawing/2014/main" val="2948672900"/>
+                  </a:ext>
+                </a:extLst>
+              </a:tr>
+              <a:tr h="370840">
+                <a:tc>
+                  <a:txBody>
+                    <a:bodyPr/>
+                    <a:lstStyle/>
+                    <a:p>
+                      <a:r>
+                        <a:rPr lang="de-DE" dirty="0"/>
+                        <a:t>5 (2-3)</a:t>
+                      </a:r>
+                      <a:endParaRPr lang="de-AT" dirty="0"/>
+                    </a:p>
+                  </a:txBody>
+                  <a:tcPr/>
+                </a:tc>
+                <a:tc>
+                  <a:txBody>
+                    <a:bodyPr/>
+                    <a:lstStyle/>
+                    <a:p>
+                      <a:endParaRPr lang="de-AT"/>
+                    </a:p>
+                  </a:txBody>
+                  <a:tcPr/>
+                </a:tc>
+                <a:tc>
+                  <a:txBody>
+                    <a:bodyPr/>
+                    <a:lstStyle/>
+                    <a:p>
+                      <a:endParaRPr lang="de-AT"/>
+                    </a:p>
+                  </a:txBody>
+                  <a:tcPr/>
+                </a:tc>
+                <a:extLst>
+                  <a:ext uri="{0D108BD9-81ED-4DB2-BD59-A6C34878D82A}">
+                    <a16:rowId xmlns:a16="http://schemas.microsoft.com/office/drawing/2014/main" val="945020752"/>
+                  </a:ext>
+                </a:extLst>
+              </a:tr>
+              <a:tr h="370840">
+                <a:tc>
+                  <a:txBody>
+                    <a:bodyPr/>
+                    <a:lstStyle/>
+                    <a:p>
+                      <a:r>
+                        <a:rPr lang="de-DE" dirty="0"/>
+                        <a:t>6 (IO-3)</a:t>
+                      </a:r>
+                      <a:endParaRPr lang="de-AT" dirty="0"/>
+                    </a:p>
+                  </a:txBody>
+                  <a:tcPr/>
+                </a:tc>
+                <a:tc>
+                  <a:txBody>
+                    <a:bodyPr/>
+                    <a:lstStyle/>
+                    <a:p>
+                      <a:endParaRPr lang="de-AT"/>
+                    </a:p>
+                  </a:txBody>
+                  <a:tcPr/>
+                </a:tc>
+                <a:tc>
+                  <a:txBody>
+                    <a:bodyPr/>
+                    <a:lstStyle/>
+                    <a:p>
+                      <a:endParaRPr lang="de-AT"/>
+                    </a:p>
+                  </a:txBody>
+                  <a:tcPr/>
+                </a:tc>
+                <a:extLst>
+                  <a:ext uri="{0D108BD9-81ED-4DB2-BD59-A6C34878D82A}">
+                    <a16:rowId xmlns:a16="http://schemas.microsoft.com/office/drawing/2014/main" val="56453635"/>
+                  </a:ext>
+                </a:extLst>
+              </a:tr>
+              <a:tr h="370840">
+                <a:tc>
+                  <a:txBody>
+                    <a:bodyPr/>
+                    <a:lstStyle/>
+                    <a:p>
+                      <a:r>
+                        <a:rPr lang="de-DE" dirty="0"/>
+                        <a:t>7 (3-4)</a:t>
+                      </a:r>
+                      <a:endParaRPr lang="de-AT" dirty="0"/>
+                    </a:p>
+                  </a:txBody>
+                  <a:tcPr/>
+                </a:tc>
+                <a:tc>
+                  <a:txBody>
+                    <a:bodyPr/>
+                    <a:lstStyle/>
+                    <a:p>
+                      <a:endParaRPr lang="de-AT"/>
+                    </a:p>
+                  </a:txBody>
+                  <a:tcPr/>
+                </a:tc>
+                <a:tc>
+                  <a:txBody>
+                    <a:bodyPr/>
+                    <a:lstStyle/>
+                    <a:p>
+                      <a:endParaRPr lang="de-AT"/>
+                    </a:p>
+                  </a:txBody>
+                  <a:tcPr/>
+                </a:tc>
+                <a:extLst>
+                  <a:ext uri="{0D108BD9-81ED-4DB2-BD59-A6C34878D82A}">
+                    <a16:rowId xmlns:a16="http://schemas.microsoft.com/office/drawing/2014/main" val="316702934"/>
+                  </a:ext>
+                </a:extLst>
+              </a:tr>
+              <a:tr h="370840">
+                <a:tc>
+                  <a:txBody>
+                    <a:bodyPr/>
+                    <a:lstStyle/>
+                    <a:p>
+                      <a:r>
+                        <a:rPr lang="de-DE" dirty="0"/>
+                        <a:t>8 (4-IO)</a:t>
+                      </a:r>
+                      <a:endParaRPr lang="de-AT" dirty="0"/>
+                    </a:p>
+                  </a:txBody>
+                  <a:tcPr/>
+                </a:tc>
+                <a:tc>
+                  <a:txBody>
+                    <a:bodyPr/>
+                    <a:lstStyle/>
+                    <a:p>
+                      <a:endParaRPr lang="de-AT"/>
+                    </a:p>
+                  </a:txBody>
+                  <a:tcPr/>
+                </a:tc>
+                <a:tc>
+                  <a:txBody>
+                    <a:bodyPr/>
+                    <a:lstStyle/>
+                    <a:p>
+                      <a:endParaRPr lang="de-AT"/>
+                    </a:p>
+                  </a:txBody>
+                  <a:tcPr/>
+                </a:tc>
+                <a:extLst>
+                  <a:ext uri="{0D108BD9-81ED-4DB2-BD59-A6C34878D82A}">
+                    <a16:rowId xmlns:a16="http://schemas.microsoft.com/office/drawing/2014/main" val="2204864745"/>
+                  </a:ext>
+                </a:extLst>
+              </a:tr>
+              <a:tr h="370840">
+                <a:tc>
+                  <a:txBody>
+                    <a:bodyPr/>
+                    <a:lstStyle/>
+                    <a:p>
+                      <a:r>
+                        <a:rPr lang="de-DE" dirty="0"/>
+                        <a:t>9 (5-4)</a:t>
+                      </a:r>
+                      <a:endParaRPr lang="de-AT" dirty="0"/>
+                    </a:p>
+                  </a:txBody>
+                  <a:tcPr/>
+                </a:tc>
+                <a:tc>
+                  <a:txBody>
+                    <a:bodyPr/>
+                    <a:lstStyle/>
+                    <a:p>
+                      <a:endParaRPr lang="de-AT"/>
+                    </a:p>
+                  </a:txBody>
+                  <a:tcPr/>
+                </a:tc>
+                <a:tc>
+                  <a:txBody>
+                    <a:bodyPr/>
+                    <a:lstStyle/>
+                    <a:p>
+                      <a:endParaRPr lang="de-AT"/>
+                    </a:p>
+                  </a:txBody>
+                  <a:tcPr/>
+                </a:tc>
+                <a:extLst>
+                  <a:ext uri="{0D108BD9-81ED-4DB2-BD59-A6C34878D82A}">
+                    <a16:rowId xmlns:a16="http://schemas.microsoft.com/office/drawing/2014/main" val="1519967531"/>
+                  </a:ext>
+                </a:extLst>
+              </a:tr>
+              <a:tr h="370840">
+                <a:tc>
+                  <a:txBody>
+                    <a:bodyPr/>
+                    <a:lstStyle/>
+                    <a:p>
+                      <a:r>
+                        <a:rPr lang="de-DE" dirty="0"/>
+                        <a:t>10 (5-3)</a:t>
+                      </a:r>
+                      <a:endParaRPr lang="de-AT" dirty="0"/>
+                    </a:p>
+                  </a:txBody>
+                  <a:tcPr/>
+                </a:tc>
+                <a:tc>
+                  <a:txBody>
+                    <a:bodyPr/>
+                    <a:lstStyle/>
+                    <a:p>
+                      <a:endParaRPr lang="de-AT"/>
+                    </a:p>
+                  </a:txBody>
+                  <a:tcPr/>
+                </a:tc>
+                <a:tc>
+                  <a:txBody>
+                    <a:bodyPr/>
+                    <a:lstStyle/>
+                    <a:p>
+                      <a:endParaRPr lang="de-AT"/>
+                    </a:p>
+                  </a:txBody>
+                  <a:tcPr/>
+                </a:tc>
+                <a:extLst>
+                  <a:ext uri="{0D108BD9-81ED-4DB2-BD59-A6C34878D82A}">
+                    <a16:rowId xmlns:a16="http://schemas.microsoft.com/office/drawing/2014/main" val="1104552095"/>
+                  </a:ext>
+                </a:extLst>
+              </a:tr>
+              <a:tr h="370840">
+                <a:tc>
+                  <a:txBody>
+                    <a:bodyPr/>
+                    <a:lstStyle/>
+                    <a:p>
+                      <a:r>
+                        <a:rPr lang="de-DE" dirty="0"/>
+                        <a:t>11 (IO-5)</a:t>
+                      </a:r>
+                      <a:endParaRPr lang="de-AT" dirty="0"/>
+                    </a:p>
+                  </a:txBody>
+                  <a:tcPr/>
+                </a:tc>
+                <a:tc>
+                  <a:txBody>
+                    <a:bodyPr/>
+                    <a:lstStyle/>
+                    <a:p>
+                      <a:endParaRPr lang="de-AT" dirty="0"/>
+                    </a:p>
+                  </a:txBody>
+                  <a:tcPr/>
+                </a:tc>
+                <a:tc>
+                  <a:txBody>
+                    <a:bodyPr/>
+                    <a:lstStyle/>
+                    <a:p>
+                      <a:endParaRPr lang="de-AT" dirty="0"/>
+                    </a:p>
+                  </a:txBody>
+                  <a:tcPr/>
+                </a:tc>
+                <a:extLst>
+                  <a:ext uri="{0D108BD9-81ED-4DB2-BD59-A6C34878D82A}">
+                    <a16:rowId xmlns:a16="http://schemas.microsoft.com/office/drawing/2014/main" val="3406076412"/>
+                  </a:ext>
+                </a:extLst>
+              </a:tr>
+            </a:tbl>
+          </a:graphicData>
+        </a:graphic>
+      </p:graphicFrame>
+    </p:spTree>
+    <p:extLst>
+      <p:ext uri="{BB962C8B-B14F-4D97-AF65-F5344CB8AC3E}">
+        <p14:creationId xmlns:p14="http://schemas.microsoft.com/office/powerpoint/2010/main" val="3387807704"/>
       </p:ext>
     </p:extLst>
   </p:cSld>

--- a/Presentation/Traffic-flow-modeling-and-analysis.pptx
+++ b/Presentation/Traffic-flow-modeling-and-analysis.pptx
@@ -9975,7 +9975,7 @@
             <p:ph idx="1"/>
             <p:extLst>
               <p:ext uri="{D42A27DB-BD31-4B8C-83A1-F6EECF244321}">
-                <p14:modId xmlns:p14="http://schemas.microsoft.com/office/powerpoint/2010/main" val="95638709"/>
+                <p14:modId xmlns:p14="http://schemas.microsoft.com/office/powerpoint/2010/main" val="1918870558"/>
               </p:ext>
             </p:extLst>
           </p:nvPr>
@@ -10173,7 +10173,7 @@
                     <a:lstStyle/>
                     <a:p>
                       <a:r>
-                        <a:rPr lang="de-AT" sz="1700" cap="none" spc="0">
+                        <a:rPr lang="de-DE" sz="1700" cap="none" spc="0" dirty="0">
                           <a:solidFill>
                             <a:schemeClr val="tx1">
                               <a:lumMod val="85000"/>
@@ -10181,7 +10181,18 @@
                             </a:schemeClr>
                           </a:solidFill>
                         </a:rPr>
-                        <a:t>1.89</a:t>
+                        <a:t>2</a:t>
+                      </a:r>
+                      <a:r>
+                        <a:rPr lang="de-AT" sz="1700" cap="none" spc="0" dirty="0">
+                          <a:solidFill>
+                            <a:schemeClr val="tx1">
+                              <a:lumMod val="85000"/>
+                              <a:lumOff val="15000"/>
+                            </a:schemeClr>
+                          </a:solidFill>
+                        </a:rPr>
+                        <a:t>,63</a:t>
                       </a:r>
                     </a:p>
                   </a:txBody>
@@ -10284,7 +10295,7 @@
                     <a:lstStyle/>
                     <a:p>
                       <a:r>
-                        <a:rPr lang="de-AT" sz="1700" cap="none" spc="0">
+                        <a:rPr lang="de-AT" sz="1700" cap="none" spc="0" dirty="0">
                           <a:solidFill>
                             <a:schemeClr val="tx1">
                               <a:lumMod val="85000"/>
@@ -10292,7 +10303,7 @@
                             </a:schemeClr>
                           </a:solidFill>
                         </a:rPr>
-                        <a:t>2.5</a:t>
+                        <a:t>2,34</a:t>
                       </a:r>
                     </a:p>
                   </a:txBody>
@@ -10395,7 +10406,7 @@
                     <a:lstStyle/>
                     <a:p>
                       <a:r>
-                        <a:rPr lang="de-AT" sz="1700" cap="none" spc="0">
+                        <a:rPr lang="de-DE" sz="1700" cap="none" spc="0" dirty="0">
                           <a:solidFill>
                             <a:schemeClr val="tx1">
                               <a:lumMod val="85000"/>
@@ -10403,7 +10414,18 @@
                             </a:schemeClr>
                           </a:solidFill>
                         </a:rPr>
-                        <a:t>8.51</a:t>
+                        <a:t>1</a:t>
+                      </a:r>
+                      <a:r>
+                        <a:rPr lang="de-AT" sz="1700" cap="none" spc="0" dirty="0">
+                          <a:solidFill>
+                            <a:schemeClr val="tx1">
+                              <a:lumMod val="85000"/>
+                              <a:lumOff val="15000"/>
+                            </a:schemeClr>
+                          </a:solidFill>
+                        </a:rPr>
+                        <a:t>8,39</a:t>
                       </a:r>
                     </a:p>
                   </a:txBody>
@@ -10506,7 +10528,7 @@
                     <a:lstStyle/>
                     <a:p>
                       <a:r>
-                        <a:rPr lang="de-AT" sz="1700" cap="none" spc="0">
+                        <a:rPr lang="de-AT" sz="1700" cap="none" spc="0" dirty="0">
                           <a:solidFill>
                             <a:schemeClr val="tx1">
                               <a:lumMod val="85000"/>
@@ -10514,7 +10536,7 @@
                             </a:schemeClr>
                           </a:solidFill>
                         </a:rPr>
-                        <a:t>3.39</a:t>
+                        <a:t>3,75</a:t>
                       </a:r>
                     </a:p>
                   </a:txBody>
@@ -10615,7 +10637,7 @@
                     <a:lstStyle/>
                     <a:p>
                       <a:r>
-                        <a:rPr lang="de-AT" sz="1700" cap="none" spc="0">
+                        <a:rPr lang="de-AT" sz="1700" cap="none" spc="0" dirty="0">
                           <a:solidFill>
                             <a:schemeClr val="tx1">
                               <a:lumMod val="85000"/>
@@ -10623,7 +10645,7 @@
                             </a:schemeClr>
                           </a:solidFill>
                         </a:rPr>
-                        <a:t>1.74</a:t>
+                        <a:t>1,93</a:t>
                       </a:r>
                     </a:p>
                   </a:txBody>
@@ -10865,7 +10887,7 @@
             <p:ph idx="1"/>
             <p:extLst>
               <p:ext uri="{D42A27DB-BD31-4B8C-83A1-F6EECF244321}">
-                <p14:modId xmlns:p14="http://schemas.microsoft.com/office/powerpoint/2010/main" val="4200371070"/>
+                <p14:modId xmlns:p14="http://schemas.microsoft.com/office/powerpoint/2010/main" val="1440607819"/>
               </p:ext>
             </p:extLst>
           </p:nvPr>
@@ -11193,7 +11215,15 @@
                     <a:bodyPr/>
                     <a:lstStyle/>
                     <a:p>
-                      <a:endParaRPr lang="de-AT" sz="1400" cap="none" spc="0">
+                      <a:r>
+                        <a:rPr lang="de-DE" sz="1400" cap="none" spc="0" dirty="0">
+                          <a:solidFill>
+                            <a:schemeClr val="tx1"/>
+                          </a:solidFill>
+                        </a:rPr>
+                        <a:t>1,04</a:t>
+                      </a:r>
+                      <a:endParaRPr lang="de-AT" sz="1400" cap="none" spc="0" dirty="0">
                         <a:solidFill>
                           <a:schemeClr val="tx1"/>
                         </a:solidFill>
@@ -11229,7 +11259,15 @@
                     <a:bodyPr/>
                     <a:lstStyle/>
                     <a:p>
-                      <a:endParaRPr lang="de-AT" sz="1400" cap="none" spc="0">
+                      <a:r>
+                        <a:rPr lang="de-DE" sz="1400" cap="none" spc="0" dirty="0">
+                          <a:solidFill>
+                            <a:schemeClr val="tx1"/>
+                          </a:solidFill>
+                        </a:rPr>
+                        <a:t>1,37</a:t>
+                      </a:r>
+                      <a:endParaRPr lang="de-AT" sz="1400" cap="none" spc="0" dirty="0">
                         <a:solidFill>
                           <a:schemeClr val="tx1"/>
                         </a:solidFill>
@@ -11312,7 +11350,15 @@
                     <a:bodyPr/>
                     <a:lstStyle/>
                     <a:p>
-                      <a:endParaRPr lang="de-AT" sz="1400" cap="none" spc="0">
+                      <a:r>
+                        <a:rPr lang="de-DE" sz="1400" cap="none" spc="0" dirty="0">
+                          <a:solidFill>
+                            <a:schemeClr val="tx1"/>
+                          </a:solidFill>
+                        </a:rPr>
+                        <a:t>2,76</a:t>
+                      </a:r>
+                      <a:endParaRPr lang="de-AT" sz="1400" cap="none" spc="0" dirty="0">
                         <a:solidFill>
                           <a:schemeClr val="tx1"/>
                         </a:solidFill>
@@ -11344,7 +11390,15 @@
                     <a:bodyPr/>
                     <a:lstStyle/>
                     <a:p>
-                      <a:endParaRPr lang="de-AT" sz="1400" cap="none" spc="0">
+                      <a:r>
+                        <a:rPr lang="de-DE" sz="1400" cap="none" spc="0" dirty="0">
+                          <a:solidFill>
+                            <a:schemeClr val="tx1"/>
+                          </a:solidFill>
+                        </a:rPr>
+                        <a:t>1</a:t>
+                      </a:r>
+                      <a:endParaRPr lang="de-AT" sz="1400" cap="none" spc="0" dirty="0">
                         <a:solidFill>
                           <a:schemeClr val="tx1"/>
                         </a:solidFill>
@@ -11427,7 +11481,15 @@
                     <a:bodyPr/>
                     <a:lstStyle/>
                     <a:p>
-                      <a:endParaRPr lang="de-AT" sz="1400" cap="none" spc="0">
+                      <a:r>
+                        <a:rPr lang="de-DE" sz="1400" cap="none" spc="0" dirty="0">
+                          <a:solidFill>
+                            <a:schemeClr val="tx1"/>
+                          </a:solidFill>
+                        </a:rPr>
+                        <a:t>1</a:t>
+                      </a:r>
+                      <a:endParaRPr lang="de-AT" sz="1400" cap="none" spc="0" dirty="0">
                         <a:solidFill>
                           <a:schemeClr val="tx1"/>
                         </a:solidFill>
@@ -11463,7 +11525,15 @@
                     <a:bodyPr/>
                     <a:lstStyle/>
                     <a:p>
-                      <a:endParaRPr lang="de-AT" sz="1400" cap="none" spc="0">
+                      <a:r>
+                        <a:rPr lang="de-DE" sz="1400" cap="none" spc="0" dirty="0">
+                          <a:solidFill>
+                            <a:schemeClr val="tx1"/>
+                          </a:solidFill>
+                        </a:rPr>
+                        <a:t>1</a:t>
+                      </a:r>
+                      <a:endParaRPr lang="de-AT" sz="1400" cap="none" spc="0" dirty="0">
                         <a:solidFill>
                           <a:schemeClr val="tx1"/>
                         </a:solidFill>
@@ -11546,7 +11616,15 @@
                     <a:bodyPr/>
                     <a:lstStyle/>
                     <a:p>
-                      <a:endParaRPr lang="de-AT" sz="1400" cap="none" spc="0">
+                      <a:r>
+                        <a:rPr lang="de-DE" sz="1400" cap="none" spc="0" dirty="0">
+                          <a:solidFill>
+                            <a:schemeClr val="tx1"/>
+                          </a:solidFill>
+                        </a:rPr>
+                        <a:t>1</a:t>
+                      </a:r>
+                      <a:endParaRPr lang="de-AT" sz="1400" cap="none" spc="0" dirty="0">
                         <a:solidFill>
                           <a:schemeClr val="tx1"/>
                         </a:solidFill>
@@ -11578,7 +11656,15 @@
                     <a:bodyPr/>
                     <a:lstStyle/>
                     <a:p>
-                      <a:endParaRPr lang="de-AT" sz="1400" cap="none" spc="0">
+                      <a:r>
+                        <a:rPr lang="de-DE" sz="1400" cap="none" spc="0" dirty="0">
+                          <a:solidFill>
+                            <a:schemeClr val="tx1"/>
+                          </a:solidFill>
+                        </a:rPr>
+                        <a:t>1</a:t>
+                      </a:r>
+                      <a:endParaRPr lang="de-AT" sz="1400" cap="none" spc="0" dirty="0">
                         <a:solidFill>
                           <a:schemeClr val="tx1"/>
                         </a:solidFill>
@@ -11618,14 +11704,14 @@
                     <a:lstStyle/>
                     <a:p>
                       <a:r>
-                        <a:rPr lang="de-DE" sz="1400" cap="none" spc="0">
+                        <a:rPr lang="de-DE" sz="1400" cap="none" spc="0" dirty="0">
                           <a:solidFill>
                             <a:schemeClr val="tx1"/>
                           </a:solidFill>
                         </a:rPr>
                         <a:t>6 (IO-3)</a:t>
                       </a:r>
-                      <a:endParaRPr lang="de-AT" sz="1400" cap="none" spc="0">
+                      <a:endParaRPr lang="de-AT" sz="1400" cap="none" spc="0" dirty="0">
                         <a:solidFill>
                           <a:schemeClr val="tx1"/>
                         </a:solidFill>
@@ -11661,7 +11747,15 @@
                     <a:bodyPr/>
                     <a:lstStyle/>
                     <a:p>
-                      <a:endParaRPr lang="de-AT" sz="1400" cap="none" spc="0">
+                      <a:r>
+                        <a:rPr lang="de-DE" sz="1400" cap="none" spc="0" dirty="0">
+                          <a:solidFill>
+                            <a:schemeClr val="tx1"/>
+                          </a:solidFill>
+                        </a:rPr>
+                        <a:t>2,12</a:t>
+                      </a:r>
+                      <a:endParaRPr lang="de-AT" sz="1400" cap="none" spc="0" dirty="0">
                         <a:solidFill>
                           <a:schemeClr val="tx1"/>
                         </a:solidFill>
@@ -11697,7 +11791,15 @@
                     <a:bodyPr/>
                     <a:lstStyle/>
                     <a:p>
-                      <a:endParaRPr lang="de-AT" sz="1400" cap="none" spc="0">
+                      <a:r>
+                        <a:rPr lang="de-DE" sz="1400" cap="none" spc="0" dirty="0">
+                          <a:solidFill>
+                            <a:schemeClr val="tx1"/>
+                          </a:solidFill>
+                        </a:rPr>
+                        <a:t>1</a:t>
+                      </a:r>
+                      <a:endParaRPr lang="de-AT" sz="1400" cap="none" spc="0" dirty="0">
                         <a:solidFill>
                           <a:schemeClr val="tx1"/>
                         </a:solidFill>
@@ -11780,7 +11882,15 @@
                     <a:bodyPr/>
                     <a:lstStyle/>
                     <a:p>
-                      <a:endParaRPr lang="de-AT" sz="1400" cap="none" spc="0">
+                      <a:r>
+                        <a:rPr lang="de-DE" sz="1400" cap="none" spc="0" dirty="0">
+                          <a:solidFill>
+                            <a:schemeClr val="tx1"/>
+                          </a:solidFill>
+                        </a:rPr>
+                        <a:t>1</a:t>
+                      </a:r>
+                      <a:endParaRPr lang="de-AT" sz="1400" cap="none" spc="0" dirty="0">
                         <a:solidFill>
                           <a:schemeClr val="tx1"/>
                         </a:solidFill>
@@ -11812,7 +11922,15 @@
                     <a:bodyPr/>
                     <a:lstStyle/>
                     <a:p>
-                      <a:endParaRPr lang="de-AT" sz="1400" cap="none" spc="0">
+                      <a:r>
+                        <a:rPr lang="de-DE" sz="1400" cap="none" spc="0" dirty="0">
+                          <a:solidFill>
+                            <a:schemeClr val="tx1"/>
+                          </a:solidFill>
+                        </a:rPr>
+                        <a:t>0,96</a:t>
+                      </a:r>
+                      <a:endParaRPr lang="de-AT" sz="1400" cap="none" spc="0" dirty="0">
                         <a:solidFill>
                           <a:schemeClr val="tx1"/>
                         </a:solidFill>
@@ -11895,7 +12013,15 @@
                     <a:bodyPr/>
                     <a:lstStyle/>
                     <a:p>
-                      <a:endParaRPr lang="de-AT" sz="1400" cap="none" spc="0">
+                      <a:r>
+                        <a:rPr lang="de-DE" sz="1400" cap="none" spc="0" dirty="0">
+                          <a:solidFill>
+                            <a:schemeClr val="tx1"/>
+                          </a:solidFill>
+                        </a:rPr>
+                        <a:t>1</a:t>
+                      </a:r>
+                      <a:endParaRPr lang="de-AT" sz="1400" cap="none" spc="0" dirty="0">
                         <a:solidFill>
                           <a:schemeClr val="tx1"/>
                         </a:solidFill>
@@ -11931,7 +12057,15 @@
                     <a:bodyPr/>
                     <a:lstStyle/>
                     <a:p>
-                      <a:endParaRPr lang="de-AT" sz="1400" cap="none" spc="0">
+                      <a:r>
+                        <a:rPr lang="de-DE" sz="1400" cap="none" spc="0" dirty="0">
+                          <a:solidFill>
+                            <a:schemeClr val="tx1"/>
+                          </a:solidFill>
+                        </a:rPr>
+                        <a:t>0,96</a:t>
+                      </a:r>
+                      <a:endParaRPr lang="de-AT" sz="1400" cap="none" spc="0" dirty="0">
                         <a:solidFill>
                           <a:schemeClr val="tx1"/>
                         </a:solidFill>
@@ -12014,7 +12148,15 @@
                     <a:bodyPr/>
                     <a:lstStyle/>
                     <a:p>
-                      <a:endParaRPr lang="de-AT" sz="1400" cap="none" spc="0">
+                      <a:r>
+                        <a:rPr lang="de-DE" sz="1400" cap="none" spc="0" dirty="0">
+                          <a:solidFill>
+                            <a:schemeClr val="tx1"/>
+                          </a:solidFill>
+                        </a:rPr>
+                        <a:t>1</a:t>
+                      </a:r>
+                      <a:endParaRPr lang="de-AT" sz="1400" cap="none" spc="0" dirty="0">
                         <a:solidFill>
                           <a:schemeClr val="tx1"/>
                         </a:solidFill>
@@ -12046,7 +12188,15 @@
                     <a:bodyPr/>
                     <a:lstStyle/>
                     <a:p>
-                      <a:endParaRPr lang="de-AT" sz="1400" cap="none" spc="0">
+                      <a:r>
+                        <a:rPr lang="de-DE" sz="1400" cap="none" spc="0" dirty="0">
+                          <a:solidFill>
+                            <a:schemeClr val="tx1"/>
+                          </a:solidFill>
+                        </a:rPr>
+                        <a:t>1</a:t>
+                      </a:r>
+                      <a:endParaRPr lang="de-AT" sz="1400" cap="none" spc="0" dirty="0">
                         <a:solidFill>
                           <a:schemeClr val="tx1"/>
                         </a:solidFill>
@@ -12129,7 +12279,15 @@
                     <a:bodyPr/>
                     <a:lstStyle/>
                     <a:p>
-                      <a:endParaRPr lang="de-AT" sz="1400" cap="none" spc="0">
+                      <a:r>
+                        <a:rPr lang="de-DE" sz="1400" cap="none" spc="0" dirty="0">
+                          <a:solidFill>
+                            <a:schemeClr val="tx1"/>
+                          </a:solidFill>
+                        </a:rPr>
+                        <a:t>0,95</a:t>
+                      </a:r>
+                      <a:endParaRPr lang="de-AT" sz="1400" cap="none" spc="0" dirty="0">
                         <a:solidFill>
                           <a:schemeClr val="tx1"/>
                         </a:solidFill>
@@ -12165,7 +12323,15 @@
                     <a:bodyPr/>
                     <a:lstStyle/>
                     <a:p>
-                      <a:endParaRPr lang="de-AT" sz="1400" cap="none" spc="0">
+                      <a:r>
+                        <a:rPr lang="de-DE" sz="1400" cap="none" spc="0" dirty="0">
+                          <a:solidFill>
+                            <a:schemeClr val="tx1"/>
+                          </a:solidFill>
+                        </a:rPr>
+                        <a:t>1</a:t>
+                      </a:r>
+                      <a:endParaRPr lang="de-AT" sz="1400" cap="none" spc="0" dirty="0">
                         <a:solidFill>
                           <a:schemeClr val="tx1"/>
                         </a:solidFill>
@@ -12248,7 +12414,15 @@
                     <a:bodyPr/>
                     <a:lstStyle/>
                     <a:p>
-                      <a:endParaRPr lang="de-AT" sz="1400" cap="none" spc="0">
+                      <a:r>
+                        <a:rPr lang="de-DE" sz="1400" cap="none" spc="0" dirty="0">
+                          <a:solidFill>
+                            <a:schemeClr val="tx1"/>
+                          </a:solidFill>
+                        </a:rPr>
+                        <a:t>1,08</a:t>
+                      </a:r>
+                      <a:endParaRPr lang="de-AT" sz="1400" cap="none" spc="0" dirty="0">
                         <a:solidFill>
                           <a:schemeClr val="tx1"/>
                         </a:solidFill>
@@ -12280,7 +12454,15 @@
                     <a:bodyPr/>
                     <a:lstStyle/>
                     <a:p>
-                      <a:endParaRPr lang="de-AT" sz="1400" cap="none" spc="0">
+                      <a:r>
+                        <a:rPr lang="de-DE" sz="1400" cap="none" spc="0" dirty="0">
+                          <a:solidFill>
+                            <a:schemeClr val="tx1"/>
+                          </a:solidFill>
+                        </a:rPr>
+                        <a:t>1</a:t>
+                      </a:r>
+                      <a:endParaRPr lang="de-AT" sz="1400" cap="none" spc="0" dirty="0">
                         <a:solidFill>
                           <a:schemeClr val="tx1"/>
                         </a:solidFill>
@@ -12519,7 +12701,7 @@
             <p:ph idx="1"/>
             <p:extLst>
               <p:ext uri="{D42A27DB-BD31-4B8C-83A1-F6EECF244321}">
-                <p14:modId xmlns:p14="http://schemas.microsoft.com/office/powerpoint/2010/main" val="3442741647"/>
+                <p14:modId xmlns:p14="http://schemas.microsoft.com/office/powerpoint/2010/main" val="3504416378"/>
               </p:ext>
             </p:extLst>
           </p:nvPr>
@@ -12716,7 +12898,18 @@
                     <a:bodyPr/>
                     <a:lstStyle/>
                     <a:p>
-                      <a:endParaRPr lang="de-AT" sz="1900">
+                      <a:r>
+                        <a:rPr lang="de-DE" sz="1900" dirty="0">
+                          <a:solidFill>
+                            <a:schemeClr val="tx1">
+                              <a:lumMod val="75000"/>
+                              <a:lumOff val="25000"/>
+                            </a:schemeClr>
+                          </a:solidFill>
+                        </a:rPr>
+                        <a:t>3,18</a:t>
+                      </a:r>
+                      <a:endParaRPr lang="de-AT" sz="1900" dirty="0">
                         <a:solidFill>
                           <a:schemeClr val="tx1">
                             <a:lumMod val="75000"/>
@@ -12818,7 +13011,18 @@
                     <a:bodyPr/>
                     <a:lstStyle/>
                     <a:p>
-                      <a:endParaRPr lang="de-AT" sz="1900">
+                      <a:r>
+                        <a:rPr lang="de-DE" sz="1900" dirty="0">
+                          <a:solidFill>
+                            <a:schemeClr val="tx1">
+                              <a:lumMod val="75000"/>
+                              <a:lumOff val="25000"/>
+                            </a:schemeClr>
+                          </a:solidFill>
+                        </a:rPr>
+                        <a:t>2,57</a:t>
+                      </a:r>
+                      <a:endParaRPr lang="de-AT" sz="1900" dirty="0">
                         <a:solidFill>
                           <a:schemeClr val="tx1">
                             <a:lumMod val="75000"/>
@@ -12922,7 +13126,18 @@
                     <a:bodyPr/>
                     <a:lstStyle/>
                     <a:p>
-                      <a:endParaRPr lang="de-AT" sz="1900">
+                      <a:r>
+                        <a:rPr lang="de-DE" sz="1900" dirty="0">
+                          <a:solidFill>
+                            <a:schemeClr val="tx1">
+                              <a:lumMod val="75000"/>
+                              <a:lumOff val="25000"/>
+                            </a:schemeClr>
+                          </a:solidFill>
+                        </a:rPr>
+                        <a:t>22,22</a:t>
+                      </a:r>
+                      <a:endParaRPr lang="de-AT" sz="1900" dirty="0">
                         <a:solidFill>
                           <a:schemeClr val="tx1">
                             <a:lumMod val="75000"/>
@@ -13026,7 +13241,18 @@
                     <a:bodyPr/>
                     <a:lstStyle/>
                     <a:p>
-                      <a:endParaRPr lang="de-AT" sz="1900">
+                      <a:r>
+                        <a:rPr lang="de-DE" sz="1900" dirty="0">
+                          <a:solidFill>
+                            <a:schemeClr val="tx1">
+                              <a:lumMod val="75000"/>
+                              <a:lumOff val="25000"/>
+                            </a:schemeClr>
+                          </a:solidFill>
+                        </a:rPr>
+                        <a:t>9,9</a:t>
+                      </a:r>
+                      <a:endParaRPr lang="de-AT" sz="1900" dirty="0">
                         <a:solidFill>
                           <a:schemeClr val="tx1">
                             <a:lumMod val="75000"/>
@@ -13128,7 +13354,18 @@
                     <a:bodyPr/>
                     <a:lstStyle/>
                     <a:p>
-                      <a:endParaRPr lang="de-AT" sz="1900">
+                      <a:r>
+                        <a:rPr lang="de-DE" sz="1900" dirty="0">
+                          <a:solidFill>
+                            <a:schemeClr val="tx1">
+                              <a:lumMod val="75000"/>
+                              <a:lumOff val="25000"/>
+                            </a:schemeClr>
+                          </a:solidFill>
+                        </a:rPr>
+                        <a:t>1,82</a:t>
+                      </a:r>
+                      <a:endParaRPr lang="de-AT" sz="1900" dirty="0">
                         <a:solidFill>
                           <a:schemeClr val="tx1">
                             <a:lumMod val="75000"/>
@@ -13376,7 +13613,7 @@
             <p:ph idx="1"/>
             <p:extLst>
               <p:ext uri="{D42A27DB-BD31-4B8C-83A1-F6EECF244321}">
-                <p14:modId xmlns:p14="http://schemas.microsoft.com/office/powerpoint/2010/main" val="2935007504"/>
+                <p14:modId xmlns:p14="http://schemas.microsoft.com/office/powerpoint/2010/main" val="1483965171"/>
               </p:ext>
             </p:extLst>
           </p:nvPr>
@@ -13596,7 +13833,15 @@
                     <a:bodyPr/>
                     <a:lstStyle/>
                     <a:p>
-                      <a:endParaRPr lang="de-AT" sz="1100" cap="none" spc="0">
+                      <a:r>
+                        <a:rPr lang="de-DE" sz="1100" cap="none" spc="0" dirty="0">
+                          <a:solidFill>
+                            <a:schemeClr val="tx1"/>
+                          </a:solidFill>
+                        </a:rPr>
+                        <a:t>1,45</a:t>
+                      </a:r>
+                      <a:endParaRPr lang="de-AT" sz="1100" cap="none" spc="0" dirty="0">
                         <a:solidFill>
                           <a:schemeClr val="tx1"/>
                         </a:solidFill>
@@ -13627,7 +13872,15 @@
                     <a:bodyPr/>
                     <a:lstStyle/>
                     <a:p>
-                      <a:endParaRPr lang="de-AT" sz="1100" cap="none" spc="0">
+                      <a:r>
+                        <a:rPr lang="de-DE" sz="1100" cap="none" spc="0" dirty="0">
+                          <a:solidFill>
+                            <a:schemeClr val="tx1"/>
+                          </a:solidFill>
+                        </a:rPr>
+                        <a:t>1,07</a:t>
+                      </a:r>
+                      <a:endParaRPr lang="de-AT" sz="1100" cap="none" spc="0" dirty="0">
                         <a:solidFill>
                           <a:schemeClr val="tx1"/>
                         </a:solidFill>
@@ -13711,7 +13964,15 @@
                     <a:bodyPr/>
                     <a:lstStyle/>
                     <a:p>
-                      <a:endParaRPr lang="de-AT" sz="1100" cap="none" spc="0">
+                      <a:r>
+                        <a:rPr lang="de-DE" sz="1100" cap="none" spc="0" dirty="0">
+                          <a:solidFill>
+                            <a:schemeClr val="tx1"/>
+                          </a:solidFill>
+                        </a:rPr>
+                        <a:t>2,3</a:t>
+                      </a:r>
+                      <a:endParaRPr lang="de-AT" sz="1100" cap="none" spc="0" dirty="0">
                         <a:solidFill>
                           <a:schemeClr val="tx1"/>
                         </a:solidFill>
@@ -13747,7 +14008,15 @@
                     <a:bodyPr/>
                     <a:lstStyle/>
                     <a:p>
-                      <a:endParaRPr lang="de-AT" sz="1100" cap="none" spc="0">
+                      <a:r>
+                        <a:rPr lang="de-DE" sz="1100" cap="none" spc="0" dirty="0">
+                          <a:solidFill>
+                            <a:schemeClr val="tx1"/>
+                          </a:solidFill>
+                        </a:rPr>
+                        <a:t>1</a:t>
+                      </a:r>
+                      <a:endParaRPr lang="de-AT" sz="1100" cap="none" spc="0" dirty="0">
                         <a:solidFill>
                           <a:schemeClr val="tx1"/>
                         </a:solidFill>
@@ -13832,7 +14101,15 @@
                     <a:bodyPr/>
                     <a:lstStyle/>
                     <a:p>
-                      <a:endParaRPr lang="de-AT" sz="1100" cap="none" spc="0">
+                      <a:r>
+                        <a:rPr lang="de-DE" sz="1100" cap="none" spc="0" dirty="0">
+                          <a:solidFill>
+                            <a:schemeClr val="tx1"/>
+                          </a:solidFill>
+                        </a:rPr>
+                        <a:t>1</a:t>
+                      </a:r>
+                      <a:endParaRPr lang="de-AT" sz="1100" cap="none" spc="0" dirty="0">
                         <a:solidFill>
                           <a:schemeClr val="tx1"/>
                         </a:solidFill>
@@ -13864,7 +14141,15 @@
                     <a:bodyPr/>
                     <a:lstStyle/>
                     <a:p>
-                      <a:endParaRPr lang="de-AT" sz="1100" cap="none" spc="0">
+                      <a:r>
+                        <a:rPr lang="de-DE" sz="1100" cap="none" spc="0" dirty="0">
+                          <a:solidFill>
+                            <a:schemeClr val="tx1"/>
+                          </a:solidFill>
+                        </a:rPr>
+                        <a:t>1</a:t>
+                      </a:r>
+                      <a:endParaRPr lang="de-AT" sz="1100" cap="none" spc="0" dirty="0">
                         <a:solidFill>
                           <a:schemeClr val="tx1"/>
                         </a:solidFill>
@@ -13949,7 +14234,15 @@
                     <a:bodyPr/>
                     <a:lstStyle/>
                     <a:p>
-                      <a:endParaRPr lang="de-AT" sz="1100" cap="none" spc="0">
+                      <a:r>
+                        <a:rPr lang="de-DE" sz="1100" cap="none" spc="0" dirty="0">
+                          <a:solidFill>
+                            <a:schemeClr val="tx1"/>
+                          </a:solidFill>
+                        </a:rPr>
+                        <a:t>1</a:t>
+                      </a:r>
+                      <a:endParaRPr lang="de-AT" sz="1100" cap="none" spc="0" dirty="0">
                         <a:solidFill>
                           <a:schemeClr val="tx1"/>
                         </a:solidFill>
@@ -13985,7 +14278,15 @@
                     <a:bodyPr/>
                     <a:lstStyle/>
                     <a:p>
-                      <a:endParaRPr lang="de-AT" sz="1100" cap="none" spc="0">
+                      <a:r>
+                        <a:rPr lang="de-DE" sz="1100" cap="none" spc="0" dirty="0">
+                          <a:solidFill>
+                            <a:schemeClr val="tx1"/>
+                          </a:solidFill>
+                        </a:rPr>
+                        <a:t>1</a:t>
+                      </a:r>
+                      <a:endParaRPr lang="de-AT" sz="1100" cap="none" spc="0" dirty="0">
                         <a:solidFill>
                           <a:schemeClr val="tx1"/>
                         </a:solidFill>
@@ -14070,7 +14371,15 @@
                     <a:bodyPr/>
                     <a:lstStyle/>
                     <a:p>
-                      <a:endParaRPr lang="de-AT" sz="1100" cap="none" spc="0">
+                      <a:r>
+                        <a:rPr lang="de-DE" sz="1100" cap="none" spc="0" dirty="0">
+                          <a:solidFill>
+                            <a:schemeClr val="tx1"/>
+                          </a:solidFill>
+                        </a:rPr>
+                        <a:t>1</a:t>
+                      </a:r>
+                      <a:endParaRPr lang="de-AT" sz="1100" cap="none" spc="0" dirty="0">
                         <a:solidFill>
                           <a:schemeClr val="tx1"/>
                         </a:solidFill>
@@ -14102,7 +14411,15 @@
                     <a:bodyPr/>
                     <a:lstStyle/>
                     <a:p>
-                      <a:endParaRPr lang="de-AT" sz="1100" cap="none" spc="0">
+                      <a:r>
+                        <a:rPr lang="de-DE" sz="1100" cap="none" spc="0" dirty="0">
+                          <a:solidFill>
+                            <a:schemeClr val="tx1"/>
+                          </a:solidFill>
+                        </a:rPr>
+                        <a:t>1</a:t>
+                      </a:r>
+                      <a:endParaRPr lang="de-AT" sz="1100" cap="none" spc="0" dirty="0">
                         <a:solidFill>
                           <a:schemeClr val="tx1"/>
                         </a:solidFill>
@@ -14187,7 +14504,15 @@
                     <a:bodyPr/>
                     <a:lstStyle/>
                     <a:p>
-                      <a:endParaRPr lang="de-AT" sz="1100" cap="none" spc="0">
+                      <a:r>
+                        <a:rPr lang="de-DE" sz="1100" cap="none" spc="0" dirty="0">
+                          <a:solidFill>
+                            <a:schemeClr val="tx1"/>
+                          </a:solidFill>
+                        </a:rPr>
+                        <a:t>1,32</a:t>
+                      </a:r>
+                      <a:endParaRPr lang="de-AT" sz="1100" cap="none" spc="0" dirty="0">
                         <a:solidFill>
                           <a:schemeClr val="tx1"/>
                         </a:solidFill>
@@ -14223,7 +14548,15 @@
                     <a:bodyPr/>
                     <a:lstStyle/>
                     <a:p>
-                      <a:endParaRPr lang="de-AT" sz="1100" cap="none" spc="0">
+                      <a:r>
+                        <a:rPr lang="de-DE" sz="1100" cap="none" spc="0" dirty="0">
+                          <a:solidFill>
+                            <a:schemeClr val="tx1"/>
+                          </a:solidFill>
+                        </a:rPr>
+                        <a:t>1</a:t>
+                      </a:r>
+                      <a:endParaRPr lang="de-AT" sz="1100" cap="none" spc="0" dirty="0">
                         <a:solidFill>
                           <a:schemeClr val="tx1"/>
                         </a:solidFill>
@@ -14308,7 +14641,15 @@
                     <a:bodyPr/>
                     <a:lstStyle/>
                     <a:p>
-                      <a:endParaRPr lang="de-AT" sz="1100" cap="none" spc="0">
+                      <a:r>
+                        <a:rPr lang="de-DE" sz="1100" cap="none" spc="0" dirty="0">
+                          <a:solidFill>
+                            <a:schemeClr val="tx1"/>
+                          </a:solidFill>
+                        </a:rPr>
+                        <a:t>1,04</a:t>
+                      </a:r>
+                      <a:endParaRPr lang="de-AT" sz="1100" cap="none" spc="0" dirty="0">
                         <a:solidFill>
                           <a:schemeClr val="tx1"/>
                         </a:solidFill>
@@ -14340,7 +14681,15 @@
                     <a:bodyPr/>
                     <a:lstStyle/>
                     <a:p>
-                      <a:endParaRPr lang="de-AT" sz="1100" cap="none" spc="0">
+                      <a:r>
+                        <a:rPr lang="de-DE" sz="1100" cap="none" spc="0" dirty="0">
+                          <a:solidFill>
+                            <a:schemeClr val="tx1"/>
+                          </a:solidFill>
+                        </a:rPr>
+                        <a:t>1</a:t>
+                      </a:r>
+                      <a:endParaRPr lang="de-AT" sz="1100" cap="none" spc="0" dirty="0">
                         <a:solidFill>
                           <a:schemeClr val="tx1"/>
                         </a:solidFill>
@@ -14425,7 +14774,15 @@
                     <a:bodyPr/>
                     <a:lstStyle/>
                     <a:p>
-                      <a:endParaRPr lang="de-AT" sz="1100" cap="none" spc="0">
+                      <a:r>
+                        <a:rPr lang="de-DE" sz="1100" cap="none" spc="0" dirty="0">
+                          <a:solidFill>
+                            <a:schemeClr val="tx1"/>
+                          </a:solidFill>
+                        </a:rPr>
+                        <a:t>1</a:t>
+                      </a:r>
+                      <a:endParaRPr lang="de-AT" sz="1100" cap="none" spc="0" dirty="0">
                         <a:solidFill>
                           <a:schemeClr val="tx1"/>
                         </a:solidFill>
@@ -14461,7 +14818,15 @@
                     <a:bodyPr/>
                     <a:lstStyle/>
                     <a:p>
-                      <a:endParaRPr lang="de-AT" sz="1100" cap="none" spc="0">
+                      <a:r>
+                        <a:rPr lang="de-DE" sz="1100" cap="none" spc="0" dirty="0">
+                          <a:solidFill>
+                            <a:schemeClr val="tx1"/>
+                          </a:solidFill>
+                        </a:rPr>
+                        <a:t>1,05</a:t>
+                      </a:r>
+                      <a:endParaRPr lang="de-AT" sz="1100" cap="none" spc="0" dirty="0">
                         <a:solidFill>
                           <a:schemeClr val="tx1"/>
                         </a:solidFill>
@@ -14546,7 +14911,15 @@
                     <a:bodyPr/>
                     <a:lstStyle/>
                     <a:p>
-                      <a:endParaRPr lang="de-AT" sz="1100" cap="none" spc="0">
+                      <a:r>
+                        <a:rPr lang="de-DE" sz="1100" cap="none" spc="0" dirty="0">
+                          <a:solidFill>
+                            <a:schemeClr val="tx1"/>
+                          </a:solidFill>
+                        </a:rPr>
+                        <a:t>1</a:t>
+                      </a:r>
+                      <a:endParaRPr lang="de-AT" sz="1100" cap="none" spc="0" dirty="0">
                         <a:solidFill>
                           <a:schemeClr val="tx1"/>
                         </a:solidFill>
@@ -14578,7 +14951,15 @@
                     <a:bodyPr/>
                     <a:lstStyle/>
                     <a:p>
-                      <a:endParaRPr lang="de-AT" sz="1100" cap="none" spc="0">
+                      <a:r>
+                        <a:rPr lang="de-DE" sz="1100" cap="none" spc="0" dirty="0">
+                          <a:solidFill>
+                            <a:schemeClr val="tx1"/>
+                          </a:solidFill>
+                        </a:rPr>
+                        <a:t>1</a:t>
+                      </a:r>
+                      <a:endParaRPr lang="de-AT" sz="1100" cap="none" spc="0" dirty="0">
                         <a:solidFill>
                           <a:schemeClr val="tx1"/>
                         </a:solidFill>
@@ -14663,7 +15044,15 @@
                     <a:bodyPr/>
                     <a:lstStyle/>
                     <a:p>
-                      <a:endParaRPr lang="de-AT" sz="1100" cap="none" spc="0">
+                      <a:r>
+                        <a:rPr lang="de-DE" sz="1100" cap="none" spc="0" dirty="0">
+                          <a:solidFill>
+                            <a:schemeClr val="tx1"/>
+                          </a:solidFill>
+                        </a:rPr>
+                        <a:t>1</a:t>
+                      </a:r>
+                      <a:endParaRPr lang="de-AT" sz="1100" cap="none" spc="0" dirty="0">
                         <a:solidFill>
                           <a:schemeClr val="tx1"/>
                         </a:solidFill>
@@ -14699,7 +15088,15 @@
                     <a:bodyPr/>
                     <a:lstStyle/>
                     <a:p>
-                      <a:endParaRPr lang="de-AT" sz="1100" cap="none" spc="0">
+                      <a:r>
+                        <a:rPr lang="de-DE" sz="1100" cap="none" spc="0" dirty="0">
+                          <a:solidFill>
+                            <a:schemeClr val="tx1"/>
+                          </a:solidFill>
+                        </a:rPr>
+                        <a:t>1</a:t>
+                      </a:r>
+                      <a:endParaRPr lang="de-AT" sz="1100" cap="none" spc="0" dirty="0">
                         <a:solidFill>
                           <a:schemeClr val="tx1"/>
                         </a:solidFill>
@@ -14784,7 +15181,15 @@
                     <a:bodyPr/>
                     <a:lstStyle/>
                     <a:p>
-                      <a:endParaRPr lang="de-AT" sz="1100" cap="none" spc="0">
+                      <a:r>
+                        <a:rPr lang="de-DE" sz="1100" cap="none" spc="0" dirty="0">
+                          <a:solidFill>
+                            <a:schemeClr val="tx1"/>
+                          </a:solidFill>
+                        </a:rPr>
+                        <a:t>1,3</a:t>
+                      </a:r>
+                      <a:endParaRPr lang="de-AT" sz="1100" cap="none" spc="0" dirty="0">
                         <a:solidFill>
                           <a:schemeClr val="tx1"/>
                         </a:solidFill>
@@ -14816,7 +15221,15 @@
                     <a:bodyPr/>
                     <a:lstStyle/>
                     <a:p>
-                      <a:endParaRPr lang="de-AT" sz="1100" cap="none" spc="0">
+                      <a:r>
+                        <a:rPr lang="de-DE" sz="1100" cap="none" spc="0" dirty="0">
+                          <a:solidFill>
+                            <a:schemeClr val="tx1"/>
+                          </a:solidFill>
+                        </a:rPr>
+                        <a:t>0,98</a:t>
+                      </a:r>
+                      <a:endParaRPr lang="de-AT" sz="1100" cap="none" spc="0" dirty="0">
                         <a:solidFill>
                           <a:schemeClr val="tx1"/>
                         </a:solidFill>
@@ -15797,7 +16210,7 @@
             </a:r>
             <a:r>
               <a:rPr lang="de-DE" sz="1900" dirty="0" err="1"/>
-              <a:t>DiscreteClock</a:t>
+              <a:t>PoissonClock</a:t>
             </a:r>
             <a:r>
               <a:rPr lang="de-DE" sz="1900" dirty="0"/>
@@ -15808,7 +16221,15 @@
             <a:pPr lvl="1"/>
             <a:r>
               <a:rPr lang="de-DE" sz="1900" dirty="0"/>
-              <a:t>Sendet zu bestimmten Zeiten ein Signal</a:t>
+              <a:t>Sendet zu </a:t>
+            </a:r>
+            <a:r>
+              <a:rPr lang="de-DE" sz="1900" dirty="0" err="1"/>
+              <a:t>random</a:t>
+            </a:r>
+            <a:r>
+              <a:rPr lang="de-DE" sz="1900" dirty="0"/>
+              <a:t> Zeiten ein Signal</a:t>
             </a:r>
           </a:p>
           <a:p>

--- a/Presentation/Traffic-flow-modeling-and-analysis.pptx
+++ b/Presentation/Traffic-flow-modeling-and-analysis.pptx
@@ -908,20 +908,20 @@
             </a:lnSpc>
           </a:pPr>
           <a:r>
-            <a:rPr lang="de-DE"/>
+            <a:rPr lang="de-DE" dirty="0"/>
             <a:t>Ptolemy Demos dursuchen </a:t>
           </a:r>
           <a:r>
-            <a:rPr lang="de-DE">
+            <a:rPr lang="de-DE" dirty="0">
               <a:sym typeface="Wingdings" panose="05000000000000000000" pitchFamily="2" charset="2"/>
             </a:rPr>
             <a:t></a:t>
           </a:r>
           <a:r>
-            <a:rPr lang="de-DE"/>
+            <a:rPr lang="de-DE" dirty="0"/>
             <a:t> „Air Traffic Model“ scheint Ähnlichkeiten aufzuweisen</a:t>
           </a:r>
-          <a:endParaRPr lang="en-US"/>
+          <a:endParaRPr lang="en-US" dirty="0"/>
         </a:p>
       </dgm:t>
     </dgm:pt>
@@ -1433,20 +1433,20 @@
             <a:buNone/>
           </a:pPr>
           <a:r>
-            <a:rPr lang="de-DE" sz="1300" kern="1200"/>
+            <a:rPr lang="de-DE" sz="1300" kern="1200" dirty="0"/>
             <a:t>Ptolemy Demos dursuchen </a:t>
           </a:r>
           <a:r>
-            <a:rPr lang="de-DE" sz="1300" kern="1200">
+            <a:rPr lang="de-DE" sz="1300" kern="1200" dirty="0">
               <a:sym typeface="Wingdings" panose="05000000000000000000" pitchFamily="2" charset="2"/>
             </a:rPr>
             <a:t></a:t>
           </a:r>
           <a:r>
-            <a:rPr lang="de-DE" sz="1300" kern="1200"/>
+            <a:rPr lang="de-DE" sz="1300" kern="1200" dirty="0"/>
             <a:t> „Air Traffic Model“ scheint Ähnlichkeiten aufzuweisen</a:t>
           </a:r>
-          <a:endParaRPr lang="en-US" sz="1300" kern="1200"/>
+          <a:endParaRPr lang="en-US" sz="1300" kern="1200" dirty="0"/>
         </a:p>
       </dsp:txBody>
       <dsp:txXfrm>
@@ -3183,7 +3183,7 @@
           <a:p>
             <a:fld id="{2CE709E5-6494-42E6-9F3E-1EC649FF95E6}" type="datetimeFigureOut">
               <a:rPr lang="de-DE" smtClean="0"/>
-              <a:t>25.01.2021</a:t>
+              <a:t>27.01.2021</a:t>
             </a:fld>
             <a:endParaRPr lang="de-DE"/>
           </a:p>
@@ -3381,7 +3381,7 @@
           <a:p>
             <a:fld id="{2CE709E5-6494-42E6-9F3E-1EC649FF95E6}" type="datetimeFigureOut">
               <a:rPr lang="de-DE" smtClean="0"/>
-              <a:t>25.01.2021</a:t>
+              <a:t>27.01.2021</a:t>
             </a:fld>
             <a:endParaRPr lang="de-DE"/>
           </a:p>
@@ -3589,7 +3589,7 @@
           <a:p>
             <a:fld id="{2CE709E5-6494-42E6-9F3E-1EC649FF95E6}" type="datetimeFigureOut">
               <a:rPr lang="de-DE" smtClean="0"/>
-              <a:t>25.01.2021</a:t>
+              <a:t>27.01.2021</a:t>
             </a:fld>
             <a:endParaRPr lang="de-DE"/>
           </a:p>
@@ -3787,7 +3787,7 @@
           <a:p>
             <a:fld id="{2CE709E5-6494-42E6-9F3E-1EC649FF95E6}" type="datetimeFigureOut">
               <a:rPr lang="de-DE" smtClean="0"/>
-              <a:t>25.01.2021</a:t>
+              <a:t>27.01.2021</a:t>
             </a:fld>
             <a:endParaRPr lang="de-DE"/>
           </a:p>
@@ -4062,7 +4062,7 @@
           <a:p>
             <a:fld id="{2CE709E5-6494-42E6-9F3E-1EC649FF95E6}" type="datetimeFigureOut">
               <a:rPr lang="de-DE" smtClean="0"/>
-              <a:t>25.01.2021</a:t>
+              <a:t>27.01.2021</a:t>
             </a:fld>
             <a:endParaRPr lang="de-DE"/>
           </a:p>
@@ -4327,7 +4327,7 @@
           <a:p>
             <a:fld id="{2CE709E5-6494-42E6-9F3E-1EC649FF95E6}" type="datetimeFigureOut">
               <a:rPr lang="de-DE" smtClean="0"/>
-              <a:t>25.01.2021</a:t>
+              <a:t>27.01.2021</a:t>
             </a:fld>
             <a:endParaRPr lang="de-DE"/>
           </a:p>
@@ -4739,7 +4739,7 @@
           <a:p>
             <a:fld id="{2CE709E5-6494-42E6-9F3E-1EC649FF95E6}" type="datetimeFigureOut">
               <a:rPr lang="de-DE" smtClean="0"/>
-              <a:t>25.01.2021</a:t>
+              <a:t>27.01.2021</a:t>
             </a:fld>
             <a:endParaRPr lang="de-DE"/>
           </a:p>
@@ -4880,7 +4880,7 @@
           <a:p>
             <a:fld id="{2CE709E5-6494-42E6-9F3E-1EC649FF95E6}" type="datetimeFigureOut">
               <a:rPr lang="de-DE" smtClean="0"/>
-              <a:t>25.01.2021</a:t>
+              <a:t>27.01.2021</a:t>
             </a:fld>
             <a:endParaRPr lang="de-DE"/>
           </a:p>
@@ -4993,7 +4993,7 @@
           <a:p>
             <a:fld id="{2CE709E5-6494-42E6-9F3E-1EC649FF95E6}" type="datetimeFigureOut">
               <a:rPr lang="de-DE" smtClean="0"/>
-              <a:t>25.01.2021</a:t>
+              <a:t>27.01.2021</a:t>
             </a:fld>
             <a:endParaRPr lang="de-DE"/>
           </a:p>
@@ -5304,7 +5304,7 @@
           <a:p>
             <a:fld id="{2CE709E5-6494-42E6-9F3E-1EC649FF95E6}" type="datetimeFigureOut">
               <a:rPr lang="de-DE" smtClean="0"/>
-              <a:t>25.01.2021</a:t>
+              <a:t>27.01.2021</a:t>
             </a:fld>
             <a:endParaRPr lang="de-DE"/>
           </a:p>
@@ -5592,7 +5592,7 @@
           <a:p>
             <a:fld id="{2CE709E5-6494-42E6-9F3E-1EC649FF95E6}" type="datetimeFigureOut">
               <a:rPr lang="de-DE" smtClean="0"/>
-              <a:t>25.01.2021</a:t>
+              <a:t>27.01.2021</a:t>
             </a:fld>
             <a:endParaRPr lang="de-DE"/>
           </a:p>
@@ -5833,7 +5833,7 @@
           <a:p>
             <a:fld id="{2CE709E5-6494-42E6-9F3E-1EC649FF95E6}" type="datetimeFigureOut">
               <a:rPr lang="de-DE" smtClean="0"/>
-              <a:t>25.01.2021</a:t>
+              <a:t>27.01.2021</a:t>
             </a:fld>
             <a:endParaRPr lang="de-DE"/>
           </a:p>
@@ -9709,37 +9709,45 @@
           <a:lstStyle/>
           <a:p>
             <a:r>
-              <a:rPr lang="de-DE" sz="1200"/>
-              <a:t>Ptolemy Traffic Model mit verschiedenen Kreuzungen (T- und Cross-Intersection)</a:t>
-            </a:r>
-          </a:p>
-          <a:p>
-            <a:r>
-              <a:rPr lang="de-DE" sz="1200"/>
+              <a:rPr lang="de-DE" sz="1200" dirty="0"/>
+              <a:t>Ptolemy Traffic Model mit verschiedenen Kreuzungen (T- und Cross-</a:t>
+            </a:r>
+            <a:r>
+              <a:rPr lang="de-DE" sz="1200" dirty="0" err="1"/>
+              <a:t>Intersection</a:t>
+            </a:r>
+            <a:r>
+              <a:rPr lang="de-DE" sz="1200" dirty="0"/>
+              <a:t>)</a:t>
+            </a:r>
+          </a:p>
+          <a:p>
+            <a:r>
+              <a:rPr lang="de-DE" sz="1200" dirty="0"/>
               <a:t>Rechtsregel implementieren</a:t>
             </a:r>
           </a:p>
           <a:p>
             <a:r>
-              <a:rPr lang="de-DE" sz="1200"/>
+              <a:rPr lang="de-DE" sz="1200" dirty="0"/>
               <a:t>Straßen mit Handhabung der Autos</a:t>
             </a:r>
           </a:p>
           <a:p>
             <a:r>
-              <a:rPr lang="de-DE" sz="1200"/>
+              <a:rPr lang="de-DE" sz="1200" dirty="0"/>
               <a:t>Autos aus mehreren Komponenten</a:t>
             </a:r>
           </a:p>
           <a:p>
             <a:r>
-              <a:rPr lang="de-DE" sz="1200"/>
+              <a:rPr lang="de-DE" sz="1200" dirty="0"/>
               <a:t>Analyse um starken Verkehr zu erkennen</a:t>
             </a:r>
           </a:p>
           <a:p>
             <a:r>
-              <a:rPr lang="de-DE" sz="1200"/>
+              <a:rPr lang="de-DE" sz="1200" dirty="0"/>
               <a:t>Design, das es ermöglicht, einfach Verkehrsmodelle auszutauschen</a:t>
             </a:r>
           </a:p>
@@ -15656,28 +15664,40 @@
           <a:lstStyle/>
           <a:p>
             <a:r>
-              <a:rPr lang="de-DE" sz="2400"/>
-              <a:t>Ptolemy II ist ein open-source Software Framework, dass das experimentieren mit actor-oriented design supportet</a:t>
-            </a:r>
-          </a:p>
-          <a:p>
-            <a:endParaRPr lang="de-DE" sz="2400"/>
-          </a:p>
-          <a:p>
-            <a:r>
-              <a:rPr lang="de-DE" sz="2400"/>
-              <a:t>Director -&gt; definiert die Semantik von einem Model</a:t>
-            </a:r>
-          </a:p>
-          <a:p>
-            <a:r>
-              <a:rPr lang="de-DE" sz="2400"/>
+              <a:rPr lang="de-DE" sz="2000" dirty="0"/>
+              <a:t>Ptolemy II ist ein open-source Software Framework, dass das experimentieren mit </a:t>
+            </a:r>
+            <a:r>
+              <a:rPr lang="de-DE" sz="2000" dirty="0" err="1"/>
+              <a:t>actor-oriented</a:t>
+            </a:r>
+            <a:r>
+              <a:rPr lang="de-DE" sz="2000" dirty="0"/>
+              <a:t> design supportet</a:t>
+            </a:r>
+          </a:p>
+          <a:p>
+            <a:endParaRPr lang="de-DE" sz="2000" dirty="0"/>
+          </a:p>
+          <a:p>
+            <a:r>
+              <a:rPr lang="de-DE" sz="2000" dirty="0" err="1"/>
+              <a:t>Director</a:t>
+            </a:r>
+            <a:r>
+              <a:rPr lang="de-DE" sz="2000" dirty="0"/>
+              <a:t> -&gt; definiert die Semantik von einem Model</a:t>
+            </a:r>
+          </a:p>
+          <a:p>
+            <a:r>
+              <a:rPr lang="de-DE" sz="2000" dirty="0"/>
               <a:t>Actor -&gt; gleichzeitig ausgeführt und teilen Daten miteinander</a:t>
             </a:r>
           </a:p>
           <a:p>
             <a:r>
-              <a:rPr lang="de-DE" sz="2400"/>
+              <a:rPr lang="de-DE" sz="2000" dirty="0"/>
               <a:t>Composite Actor -&gt; Kombination aus Actors</a:t>
             </a:r>
           </a:p>
@@ -16175,75 +16195,75 @@
           <a:lstStyle/>
           <a:p>
             <a:r>
-              <a:rPr lang="de-DE" sz="1900" dirty="0"/>
+              <a:rPr lang="de-DE" sz="2000" dirty="0"/>
               <a:t>Actor „</a:t>
             </a:r>
             <a:r>
-              <a:rPr lang="de-DE" sz="1900" dirty="0" err="1"/>
+              <a:rPr lang="de-DE" sz="2000" dirty="0" err="1"/>
               <a:t>CSVReader</a:t>
             </a:r>
             <a:r>
-              <a:rPr lang="de-DE" sz="1900" dirty="0"/>
+              <a:rPr lang="de-DE" sz="2000" dirty="0"/>
               <a:t>“</a:t>
             </a:r>
           </a:p>
           <a:p>
             <a:pPr lvl="1"/>
             <a:r>
-              <a:rPr lang="de-DE" sz="1900" dirty="0"/>
+              <a:rPr lang="de-DE" sz="2000" dirty="0"/>
               <a:t>Kann CSV Dateien handhaben</a:t>
             </a:r>
           </a:p>
           <a:p>
             <a:r>
-              <a:rPr lang="de-DE" sz="1900" dirty="0"/>
+              <a:rPr lang="de-DE" sz="2000" dirty="0"/>
               <a:t>Actor wurde verwendet um die von uns erstellen „car.txt“ Dateien einzulesen und richtig zu konvertieren</a:t>
             </a:r>
           </a:p>
           <a:p>
-            <a:endParaRPr lang="de-DE" sz="1900" dirty="0"/>
-          </a:p>
-          <a:p>
-            <a:r>
-              <a:rPr lang="de-DE" sz="1900" dirty="0"/>
+            <a:endParaRPr lang="de-DE" sz="2000" dirty="0"/>
+          </a:p>
+          <a:p>
+            <a:r>
+              <a:rPr lang="de-DE" sz="2000" dirty="0"/>
               <a:t>Actor „</a:t>
             </a:r>
             <a:r>
-              <a:rPr lang="de-DE" sz="1900" dirty="0" err="1"/>
+              <a:rPr lang="de-DE" sz="2000" dirty="0" err="1"/>
               <a:t>PoissonClock</a:t>
             </a:r>
             <a:r>
-              <a:rPr lang="de-DE" sz="1900" dirty="0"/>
+              <a:rPr lang="de-DE" sz="2000" dirty="0"/>
               <a:t>“</a:t>
             </a:r>
           </a:p>
           <a:p>
             <a:pPr lvl="1"/>
             <a:r>
-              <a:rPr lang="de-DE" sz="1900" dirty="0"/>
+              <a:rPr lang="de-DE" sz="2000" dirty="0"/>
               <a:t>Sendet zu </a:t>
             </a:r>
             <a:r>
-              <a:rPr lang="de-DE" sz="1900" dirty="0" err="1"/>
+              <a:rPr lang="de-DE" sz="2000" dirty="0" err="1"/>
               <a:t>random</a:t>
             </a:r>
             <a:r>
-              <a:rPr lang="de-DE" sz="1900" dirty="0"/>
+              <a:rPr lang="de-DE" sz="2000" dirty="0"/>
               <a:t> Zeiten ein Signal</a:t>
             </a:r>
           </a:p>
           <a:p>
             <a:pPr lvl="1"/>
             <a:r>
-              <a:rPr lang="de-DE" sz="1900" dirty="0"/>
+              <a:rPr lang="de-DE" sz="2000" dirty="0"/>
               <a:t>Sendet ein Signal zu „</a:t>
             </a:r>
             <a:r>
-              <a:rPr lang="de-DE" sz="1900" dirty="0" err="1"/>
+              <a:rPr lang="de-DE" sz="2000" dirty="0" err="1"/>
               <a:t>CSVReader</a:t>
             </a:r>
             <a:r>
-              <a:rPr lang="de-DE" sz="1900" dirty="0"/>
+              <a:rPr lang="de-DE" sz="2000" dirty="0"/>
               <a:t>“ um ein Auto zu unserer „Street“ zu senden</a:t>
             </a:r>
           </a:p>

--- a/Presentation/Traffic-flow-modeling-and-analysis.pptx
+++ b/Presentation/Traffic-flow-modeling-and-analysis.pptx
@@ -7,8 +7,8 @@
   <p:sldIdLst>
     <p:sldId id="256" r:id="rId2"/>
     <p:sldId id="257" r:id="rId3"/>
-    <p:sldId id="258" r:id="rId4"/>
-    <p:sldId id="268" r:id="rId5"/>
+    <p:sldId id="268" r:id="rId4"/>
+    <p:sldId id="258" r:id="rId5"/>
     <p:sldId id="261" r:id="rId6"/>
     <p:sldId id="269" r:id="rId7"/>
     <p:sldId id="267" r:id="rId8"/>
@@ -3183,7 +3183,7 @@
           <a:p>
             <a:fld id="{2CE709E5-6494-42E6-9F3E-1EC649FF95E6}" type="datetimeFigureOut">
               <a:rPr lang="de-DE" smtClean="0"/>
-              <a:t>27.01.2021</a:t>
+              <a:t>28.01.2021</a:t>
             </a:fld>
             <a:endParaRPr lang="de-DE"/>
           </a:p>
@@ -3381,7 +3381,7 @@
           <a:p>
             <a:fld id="{2CE709E5-6494-42E6-9F3E-1EC649FF95E6}" type="datetimeFigureOut">
               <a:rPr lang="de-DE" smtClean="0"/>
-              <a:t>27.01.2021</a:t>
+              <a:t>28.01.2021</a:t>
             </a:fld>
             <a:endParaRPr lang="de-DE"/>
           </a:p>
@@ -3589,7 +3589,7 @@
           <a:p>
             <a:fld id="{2CE709E5-6494-42E6-9F3E-1EC649FF95E6}" type="datetimeFigureOut">
               <a:rPr lang="de-DE" smtClean="0"/>
-              <a:t>27.01.2021</a:t>
+              <a:t>28.01.2021</a:t>
             </a:fld>
             <a:endParaRPr lang="de-DE"/>
           </a:p>
@@ -3787,7 +3787,7 @@
           <a:p>
             <a:fld id="{2CE709E5-6494-42E6-9F3E-1EC649FF95E6}" type="datetimeFigureOut">
               <a:rPr lang="de-DE" smtClean="0"/>
-              <a:t>27.01.2021</a:t>
+              <a:t>28.01.2021</a:t>
             </a:fld>
             <a:endParaRPr lang="de-DE"/>
           </a:p>
@@ -4062,7 +4062,7 @@
           <a:p>
             <a:fld id="{2CE709E5-6494-42E6-9F3E-1EC649FF95E6}" type="datetimeFigureOut">
               <a:rPr lang="de-DE" smtClean="0"/>
-              <a:t>27.01.2021</a:t>
+              <a:t>28.01.2021</a:t>
             </a:fld>
             <a:endParaRPr lang="de-DE"/>
           </a:p>
@@ -4327,7 +4327,7 @@
           <a:p>
             <a:fld id="{2CE709E5-6494-42E6-9F3E-1EC649FF95E6}" type="datetimeFigureOut">
               <a:rPr lang="de-DE" smtClean="0"/>
-              <a:t>27.01.2021</a:t>
+              <a:t>28.01.2021</a:t>
             </a:fld>
             <a:endParaRPr lang="de-DE"/>
           </a:p>
@@ -4739,7 +4739,7 @@
           <a:p>
             <a:fld id="{2CE709E5-6494-42E6-9F3E-1EC649FF95E6}" type="datetimeFigureOut">
               <a:rPr lang="de-DE" smtClean="0"/>
-              <a:t>27.01.2021</a:t>
+              <a:t>28.01.2021</a:t>
             </a:fld>
             <a:endParaRPr lang="de-DE"/>
           </a:p>
@@ -4880,7 +4880,7 @@
           <a:p>
             <a:fld id="{2CE709E5-6494-42E6-9F3E-1EC649FF95E6}" type="datetimeFigureOut">
               <a:rPr lang="de-DE" smtClean="0"/>
-              <a:t>27.01.2021</a:t>
+              <a:t>28.01.2021</a:t>
             </a:fld>
             <a:endParaRPr lang="de-DE"/>
           </a:p>
@@ -4993,7 +4993,7 @@
           <a:p>
             <a:fld id="{2CE709E5-6494-42E6-9F3E-1EC649FF95E6}" type="datetimeFigureOut">
               <a:rPr lang="de-DE" smtClean="0"/>
-              <a:t>27.01.2021</a:t>
+              <a:t>28.01.2021</a:t>
             </a:fld>
             <a:endParaRPr lang="de-DE"/>
           </a:p>
@@ -5304,7 +5304,7 @@
           <a:p>
             <a:fld id="{2CE709E5-6494-42E6-9F3E-1EC649FF95E6}" type="datetimeFigureOut">
               <a:rPr lang="de-DE" smtClean="0"/>
-              <a:t>27.01.2021</a:t>
+              <a:t>28.01.2021</a:t>
             </a:fld>
             <a:endParaRPr lang="de-DE"/>
           </a:p>
@@ -5592,7 +5592,7 @@
           <a:p>
             <a:fld id="{2CE709E5-6494-42E6-9F3E-1EC649FF95E6}" type="datetimeFigureOut">
               <a:rPr lang="de-DE" smtClean="0"/>
-              <a:t>27.01.2021</a:t>
+              <a:t>28.01.2021</a:t>
             </a:fld>
             <a:endParaRPr lang="de-DE"/>
           </a:p>
@@ -5833,7 +5833,7 @@
           <a:p>
             <a:fld id="{2CE709E5-6494-42E6-9F3E-1EC649FF95E6}" type="datetimeFigureOut">
               <a:rPr lang="de-DE" smtClean="0"/>
-              <a:t>27.01.2021</a:t>
+              <a:t>28.01.2021</a:t>
             </a:fld>
             <a:endParaRPr lang="de-DE"/>
           </a:p>
@@ -15290,96 +15290,6 @@
 <file path=ppt/slides/slide3.xml><?xml version="1.0" encoding="utf-8"?>
 <p:sld xmlns:a="http://schemas.openxmlformats.org/drawingml/2006/main" xmlns:r="http://schemas.openxmlformats.org/officeDocument/2006/relationships" xmlns:p="http://schemas.openxmlformats.org/presentationml/2006/main">
   <p:cSld>
-    <p:spTree>
-      <p:nvGrpSpPr>
-        <p:cNvPr id="1" name=""/>
-        <p:cNvGrpSpPr/>
-        <p:nvPr/>
-      </p:nvGrpSpPr>
-      <p:grpSpPr>
-        <a:xfrm>
-          <a:off x="0" y="0"/>
-          <a:ext cx="0" cy="0"/>
-          <a:chOff x="0" y="0"/>
-          <a:chExt cx="0" cy="0"/>
-        </a:xfrm>
-      </p:grpSpPr>
-      <p:sp>
-        <p:nvSpPr>
-          <p:cNvPr id="2" name="Titel 1">
-            <a:extLst>
-              <a:ext uri="{FF2B5EF4-FFF2-40B4-BE49-F238E27FC236}">
-                <a16:creationId xmlns:a16="http://schemas.microsoft.com/office/drawing/2014/main" id="{97BDD08A-8877-4F6B-9325-732127015AEC}"/>
-              </a:ext>
-            </a:extLst>
-          </p:cNvPr>
-          <p:cNvSpPr>
-            <a:spLocks noGrp="1"/>
-          </p:cNvSpPr>
-          <p:nvPr>
-            <p:ph type="title"/>
-          </p:nvPr>
-        </p:nvSpPr>
-        <p:spPr/>
-        <p:txBody>
-          <a:bodyPr/>
-          <a:lstStyle/>
-          <a:p>
-            <a:r>
-              <a:rPr lang="de-DE"/>
-              <a:t>Start-Up Phase</a:t>
-            </a:r>
-            <a:endParaRPr lang="de-IT" dirty="0"/>
-          </a:p>
-        </p:txBody>
-      </p:sp>
-      <p:graphicFrame>
-        <p:nvGraphicFramePr>
-          <p:cNvPr id="5" name="Inhaltsplatzhalter 2">
-            <a:extLst>
-              <a:ext uri="{FF2B5EF4-FFF2-40B4-BE49-F238E27FC236}">
-                <a16:creationId xmlns:a16="http://schemas.microsoft.com/office/drawing/2014/main" id="{B0452B7A-63CD-46E2-BE16-ABB418C402E1}"/>
-              </a:ext>
-            </a:extLst>
-          </p:cNvPr>
-          <p:cNvGraphicFramePr>
-            <a:graphicFrameLocks noGrp="1"/>
-          </p:cNvGraphicFramePr>
-          <p:nvPr>
-            <p:ph idx="1"/>
-            <p:extLst>
-              <p:ext uri="{D42A27DB-BD31-4B8C-83A1-F6EECF244321}">
-                <p14:modId xmlns:p14="http://schemas.microsoft.com/office/powerpoint/2010/main" val="3286853637"/>
-              </p:ext>
-            </p:extLst>
-          </p:nvPr>
-        </p:nvGraphicFramePr>
-        <p:xfrm>
-          <a:off x="838200" y="1825625"/>
-          <a:ext cx="10515600" cy="4351338"/>
-        </p:xfrm>
-        <a:graphic>
-          <a:graphicData uri="http://schemas.openxmlformats.org/drawingml/2006/diagram">
-            <dgm:relIds xmlns:dgm="http://schemas.openxmlformats.org/drawingml/2006/diagram" xmlns:r="http://schemas.openxmlformats.org/officeDocument/2006/relationships" r:dm="rId2" r:lo="rId3" r:qs="rId4" r:cs="rId5"/>
-          </a:graphicData>
-        </a:graphic>
-      </p:graphicFrame>
-    </p:spTree>
-    <p:extLst>
-      <p:ext uri="{BB962C8B-B14F-4D97-AF65-F5344CB8AC3E}">
-        <p14:creationId xmlns:p14="http://schemas.microsoft.com/office/powerpoint/2010/main" val="3614932241"/>
-      </p:ext>
-    </p:extLst>
-  </p:cSld>
-  <p:clrMapOvr>
-    <a:masterClrMapping/>
-  </p:clrMapOvr>
-</p:sld>
-</file>
-
-<file path=ppt/slides/slide4.xml><?xml version="1.0" encoding="utf-8"?>
-<p:sld xmlns:a="http://schemas.openxmlformats.org/drawingml/2006/main" xmlns:r="http://schemas.openxmlformats.org/officeDocument/2006/relationships" xmlns:p="http://schemas.openxmlformats.org/presentationml/2006/main">
-  <p:cSld>
     <p:bg>
       <p:bgPr>
         <a:solidFill>
@@ -15707,6 +15617,96 @@
     <p:extLst>
       <p:ext uri="{BB962C8B-B14F-4D97-AF65-F5344CB8AC3E}">
         <p14:creationId xmlns:p14="http://schemas.microsoft.com/office/powerpoint/2010/main" val="4262334294"/>
+      </p:ext>
+    </p:extLst>
+  </p:cSld>
+  <p:clrMapOvr>
+    <a:masterClrMapping/>
+  </p:clrMapOvr>
+</p:sld>
+</file>
+
+<file path=ppt/slides/slide4.xml><?xml version="1.0" encoding="utf-8"?>
+<p:sld xmlns:a="http://schemas.openxmlformats.org/drawingml/2006/main" xmlns:r="http://schemas.openxmlformats.org/officeDocument/2006/relationships" xmlns:p="http://schemas.openxmlformats.org/presentationml/2006/main">
+  <p:cSld>
+    <p:spTree>
+      <p:nvGrpSpPr>
+        <p:cNvPr id="1" name=""/>
+        <p:cNvGrpSpPr/>
+        <p:nvPr/>
+      </p:nvGrpSpPr>
+      <p:grpSpPr>
+        <a:xfrm>
+          <a:off x="0" y="0"/>
+          <a:ext cx="0" cy="0"/>
+          <a:chOff x="0" y="0"/>
+          <a:chExt cx="0" cy="0"/>
+        </a:xfrm>
+      </p:grpSpPr>
+      <p:sp>
+        <p:nvSpPr>
+          <p:cNvPr id="2" name="Titel 1">
+            <a:extLst>
+              <a:ext uri="{FF2B5EF4-FFF2-40B4-BE49-F238E27FC236}">
+                <a16:creationId xmlns:a16="http://schemas.microsoft.com/office/drawing/2014/main" id="{97BDD08A-8877-4F6B-9325-732127015AEC}"/>
+              </a:ext>
+            </a:extLst>
+          </p:cNvPr>
+          <p:cNvSpPr>
+            <a:spLocks noGrp="1"/>
+          </p:cNvSpPr>
+          <p:nvPr>
+            <p:ph type="title"/>
+          </p:nvPr>
+        </p:nvSpPr>
+        <p:spPr/>
+        <p:txBody>
+          <a:bodyPr/>
+          <a:lstStyle/>
+          <a:p>
+            <a:r>
+              <a:rPr lang="de-DE"/>
+              <a:t>Start-Up Phase</a:t>
+            </a:r>
+            <a:endParaRPr lang="de-IT" dirty="0"/>
+          </a:p>
+        </p:txBody>
+      </p:sp>
+      <p:graphicFrame>
+        <p:nvGraphicFramePr>
+          <p:cNvPr id="5" name="Inhaltsplatzhalter 2">
+            <a:extLst>
+              <a:ext uri="{FF2B5EF4-FFF2-40B4-BE49-F238E27FC236}">
+                <a16:creationId xmlns:a16="http://schemas.microsoft.com/office/drawing/2014/main" id="{B0452B7A-63CD-46E2-BE16-ABB418C402E1}"/>
+              </a:ext>
+            </a:extLst>
+          </p:cNvPr>
+          <p:cNvGraphicFramePr>
+            <a:graphicFrameLocks noGrp="1"/>
+          </p:cNvGraphicFramePr>
+          <p:nvPr>
+            <p:ph idx="1"/>
+            <p:extLst>
+              <p:ext uri="{D42A27DB-BD31-4B8C-83A1-F6EECF244321}">
+                <p14:modId xmlns:p14="http://schemas.microsoft.com/office/powerpoint/2010/main" val="3286853637"/>
+              </p:ext>
+            </p:extLst>
+          </p:nvPr>
+        </p:nvGraphicFramePr>
+        <p:xfrm>
+          <a:off x="838200" y="1825625"/>
+          <a:ext cx="10515600" cy="4351338"/>
+        </p:xfrm>
+        <a:graphic>
+          <a:graphicData uri="http://schemas.openxmlformats.org/drawingml/2006/diagram">
+            <dgm:relIds xmlns:dgm="http://schemas.openxmlformats.org/drawingml/2006/diagram" xmlns:r="http://schemas.openxmlformats.org/officeDocument/2006/relationships" r:dm="rId2" r:lo="rId3" r:qs="rId4" r:cs="rId5"/>
+          </a:graphicData>
+        </a:graphic>
+      </p:graphicFrame>
+    </p:spTree>
+    <p:extLst>
+      <p:ext uri="{BB962C8B-B14F-4D97-AF65-F5344CB8AC3E}">
+        <p14:creationId xmlns:p14="http://schemas.microsoft.com/office/powerpoint/2010/main" val="3614932241"/>
       </p:ext>
     </p:extLst>
   </p:cSld>

--- a/Presentation/Traffic-flow-modeling-and-analysis.pptx
+++ b/Presentation/Traffic-flow-modeling-and-analysis.pptx
@@ -28,6 +28,9 @@
     <p:sldId id="279" r:id="rId22"/>
     <p:sldId id="278" r:id="rId23"/>
     <p:sldId id="280" r:id="rId24"/>
+    <p:sldId id="282" r:id="rId25"/>
+    <p:sldId id="281" r:id="rId26"/>
+    <p:sldId id="283" r:id="rId27"/>
   </p:sldIdLst>
   <p:sldSz cx="12192000" cy="6858000"/>
   <p:notesSz cx="6858000" cy="9144000"/>
@@ -15278,6 +15281,536 @@
     <p:extLst>
       <p:ext uri="{BB962C8B-B14F-4D97-AF65-F5344CB8AC3E}">
         <p14:creationId xmlns:p14="http://schemas.microsoft.com/office/powerpoint/2010/main" val="3387807704"/>
+      </p:ext>
+    </p:extLst>
+  </p:cSld>
+  <p:clrMapOvr>
+    <a:masterClrMapping/>
+  </p:clrMapOvr>
+</p:sld>
+</file>
+
+<file path=ppt/slides/slide24.xml><?xml version="1.0" encoding="utf-8"?>
+<p:sld xmlns:a="http://schemas.openxmlformats.org/drawingml/2006/main" xmlns:r="http://schemas.openxmlformats.org/officeDocument/2006/relationships" xmlns:p="http://schemas.openxmlformats.org/presentationml/2006/main">
+  <p:cSld>
+    <p:bg>
+      <p:bgPr>
+        <a:solidFill>
+          <a:schemeClr val="bg1"/>
+        </a:solidFill>
+        <a:effectLst/>
+      </p:bgPr>
+    </p:bg>
+    <p:spTree>
+      <p:nvGrpSpPr>
+        <p:cNvPr id="1" name=""/>
+        <p:cNvGrpSpPr/>
+        <p:nvPr/>
+      </p:nvGrpSpPr>
+      <p:grpSpPr>
+        <a:xfrm>
+          <a:off x="0" y="0"/>
+          <a:ext cx="0" cy="0"/>
+          <a:chOff x="0" y="0"/>
+          <a:chExt cx="0" cy="0"/>
+        </a:xfrm>
+      </p:grpSpPr>
+      <p:sp>
+        <p:nvSpPr>
+          <p:cNvPr id="10" name="Rectangle 9">
+            <a:extLst>
+              <a:ext uri="{FF2B5EF4-FFF2-40B4-BE49-F238E27FC236}">
+                <a16:creationId xmlns:a16="http://schemas.microsoft.com/office/drawing/2014/main" id="{A4AC5506-6312-4701-8D3C-40187889A947}"/>
+              </a:ext>
+              <a:ext uri="{C183D7F6-B498-43B3-948B-1728B52AA6E4}">
+                <adec:decorative xmlns:adec="http://schemas.microsoft.com/office/drawing/2017/decorative" val="1"/>
+              </a:ext>
+            </a:extLst>
+          </p:cNvPr>
+          <p:cNvSpPr>
+            <a:spLocks noGrp="1" noRot="1" noChangeAspect="1" noMove="1" noResize="1" noEditPoints="1" noAdjustHandles="1" noChangeArrowheads="1" noChangeShapeType="1" noTextEdit="1"/>
+          </p:cNvSpPr>
+          <p:nvPr>
+            <p:extLst>
+              <p:ext uri="{386F3935-93C4-4BCD-93E2-E3B085C9AB24}">
+                <p16:designElem xmlns:p16="http://schemas.microsoft.com/office/powerpoint/2015/main" val="1"/>
+              </p:ext>
+            </p:extLst>
+          </p:nvPr>
+        </p:nvSpPr>
+        <p:spPr>
+          <a:xfrm>
+            <a:off x="0" y="651752"/>
+            <a:ext cx="12192000" cy="736551"/>
+          </a:xfrm>
+          <a:prstGeom prst="rect">
+            <a:avLst/>
+          </a:prstGeom>
+          <a:solidFill>
+            <a:schemeClr val="tx1"/>
+          </a:solidFill>
+          <a:ln>
+            <a:noFill/>
+          </a:ln>
+        </p:spPr>
+        <p:style>
+          <a:lnRef idx="2">
+            <a:schemeClr val="accent1">
+              <a:shade val="50000"/>
+            </a:schemeClr>
+          </a:lnRef>
+          <a:fillRef idx="1">
+            <a:schemeClr val="accent1"/>
+          </a:fillRef>
+          <a:effectRef idx="0">
+            <a:schemeClr val="accent1"/>
+          </a:effectRef>
+          <a:fontRef idx="minor">
+            <a:schemeClr val="lt1"/>
+          </a:fontRef>
+        </p:style>
+        <p:txBody>
+          <a:bodyPr rtlCol="0" anchor="ctr"/>
+          <a:lstStyle/>
+          <a:p>
+            <a:pPr algn="ctr"/>
+            <a:endParaRPr lang="en-US"/>
+          </a:p>
+        </p:txBody>
+      </p:sp>
+      <p:sp>
+        <p:nvSpPr>
+          <p:cNvPr id="2" name="Titel 1">
+            <a:extLst>
+              <a:ext uri="{FF2B5EF4-FFF2-40B4-BE49-F238E27FC236}">
+                <a16:creationId xmlns:a16="http://schemas.microsoft.com/office/drawing/2014/main" id="{731ED930-850A-4C11-AAEF-4B1E966E9231}"/>
+              </a:ext>
+            </a:extLst>
+          </p:cNvPr>
+          <p:cNvSpPr>
+            <a:spLocks noGrp="1"/>
+          </p:cNvSpPr>
+          <p:nvPr>
+            <p:ph type="title"/>
+          </p:nvPr>
+        </p:nvSpPr>
+        <p:spPr>
+          <a:xfrm>
+            <a:off x="556532" y="643467"/>
+            <a:ext cx="11210925" cy="744836"/>
+          </a:xfrm>
+        </p:spPr>
+        <p:txBody>
+          <a:bodyPr vert="horz" lIns="91440" tIns="45720" rIns="91440" bIns="45720" rtlCol="0" anchor="ctr">
+            <a:normAutofit/>
+          </a:bodyPr>
+          <a:lstStyle/>
+          <a:p>
+            <a:pPr algn="ctr"/>
+            <a:r>
+              <a:rPr lang="en-US" sz="3200" kern="1200" dirty="0">
+                <a:solidFill>
+                  <a:schemeClr val="bg1"/>
+                </a:solidFill>
+                <a:latin typeface="+mj-lt"/>
+                <a:ea typeface="+mj-ea"/>
+                <a:cs typeface="+mj-cs"/>
+              </a:rPr>
+              <a:t>Total Intersection Count (3)</a:t>
+            </a:r>
+          </a:p>
+        </p:txBody>
+      </p:sp>
+      <p:pic>
+        <p:nvPicPr>
+          <p:cNvPr id="5" name="Grafik 4">
+            <a:extLst>
+              <a:ext uri="{FF2B5EF4-FFF2-40B4-BE49-F238E27FC236}">
+                <a16:creationId xmlns:a16="http://schemas.microsoft.com/office/drawing/2014/main" id="{5B5A1F31-1DF7-48AC-A17C-F12D27616270}"/>
+              </a:ext>
+            </a:extLst>
+          </p:cNvPr>
+          <p:cNvPicPr>
+            <a:picLocks noChangeAspect="1"/>
+          </p:cNvPicPr>
+          <p:nvPr/>
+        </p:nvPicPr>
+        <p:blipFill rotWithShape="1">
+          <a:blip r:embed="rId2"/>
+          <a:srcRect r="348" b="1307"/>
+          <a:stretch/>
+        </p:blipFill>
+        <p:spPr>
+          <a:xfrm>
+            <a:off x="1714687" y="1675227"/>
+            <a:ext cx="8762625" cy="4394199"/>
+          </a:xfrm>
+          <a:prstGeom prst="rect">
+            <a:avLst/>
+          </a:prstGeom>
+        </p:spPr>
+      </p:pic>
+    </p:spTree>
+    <p:extLst>
+      <p:ext uri="{BB962C8B-B14F-4D97-AF65-F5344CB8AC3E}">
+        <p14:creationId xmlns:p14="http://schemas.microsoft.com/office/powerpoint/2010/main" val="1337569770"/>
+      </p:ext>
+    </p:extLst>
+  </p:cSld>
+  <p:clrMapOvr>
+    <a:masterClrMapping/>
+  </p:clrMapOvr>
+</p:sld>
+</file>
+
+<file path=ppt/slides/slide25.xml><?xml version="1.0" encoding="utf-8"?>
+<p:sld xmlns:a="http://schemas.openxmlformats.org/drawingml/2006/main" xmlns:r="http://schemas.openxmlformats.org/officeDocument/2006/relationships" xmlns:p="http://schemas.openxmlformats.org/presentationml/2006/main">
+  <p:cSld>
+    <p:bg>
+      <p:bgPr>
+        <a:solidFill>
+          <a:schemeClr val="bg1"/>
+        </a:solidFill>
+        <a:effectLst/>
+      </p:bgPr>
+    </p:bg>
+    <p:spTree>
+      <p:nvGrpSpPr>
+        <p:cNvPr id="1" name=""/>
+        <p:cNvGrpSpPr/>
+        <p:nvPr/>
+      </p:nvGrpSpPr>
+      <p:grpSpPr>
+        <a:xfrm>
+          <a:off x="0" y="0"/>
+          <a:ext cx="0" cy="0"/>
+          <a:chOff x="0" y="0"/>
+          <a:chExt cx="0" cy="0"/>
+        </a:xfrm>
+      </p:grpSpPr>
+      <p:sp>
+        <p:nvSpPr>
+          <p:cNvPr id="12" name="Rectangle 9">
+            <a:extLst>
+              <a:ext uri="{FF2B5EF4-FFF2-40B4-BE49-F238E27FC236}">
+                <a16:creationId xmlns:a16="http://schemas.microsoft.com/office/drawing/2014/main" id="{A4AC5506-6312-4701-8D3C-40187889A947}"/>
+              </a:ext>
+              <a:ext uri="{C183D7F6-B498-43B3-948B-1728B52AA6E4}">
+                <adec:decorative xmlns:adec="http://schemas.microsoft.com/office/drawing/2017/decorative" val="1"/>
+              </a:ext>
+            </a:extLst>
+          </p:cNvPr>
+          <p:cNvSpPr>
+            <a:spLocks noGrp="1" noRot="1" noChangeAspect="1" noMove="1" noResize="1" noEditPoints="1" noAdjustHandles="1" noChangeArrowheads="1" noChangeShapeType="1" noTextEdit="1"/>
+          </p:cNvSpPr>
+          <p:nvPr>
+            <p:extLst>
+              <p:ext uri="{386F3935-93C4-4BCD-93E2-E3B085C9AB24}">
+                <p16:designElem xmlns:p16="http://schemas.microsoft.com/office/powerpoint/2015/main" val="1"/>
+              </p:ext>
+            </p:extLst>
+          </p:nvPr>
+        </p:nvSpPr>
+        <p:spPr>
+          <a:xfrm>
+            <a:off x="0" y="651752"/>
+            <a:ext cx="12192000" cy="736551"/>
+          </a:xfrm>
+          <a:prstGeom prst="rect">
+            <a:avLst/>
+          </a:prstGeom>
+          <a:solidFill>
+            <a:schemeClr val="tx1"/>
+          </a:solidFill>
+          <a:ln>
+            <a:noFill/>
+          </a:ln>
+        </p:spPr>
+        <p:style>
+          <a:lnRef idx="2">
+            <a:schemeClr val="accent1">
+              <a:shade val="50000"/>
+            </a:schemeClr>
+          </a:lnRef>
+          <a:fillRef idx="1">
+            <a:schemeClr val="accent1"/>
+          </a:fillRef>
+          <a:effectRef idx="0">
+            <a:schemeClr val="accent1"/>
+          </a:effectRef>
+          <a:fontRef idx="minor">
+            <a:schemeClr val="lt1"/>
+          </a:fontRef>
+        </p:style>
+        <p:txBody>
+          <a:bodyPr rtlCol="0" anchor="ctr"/>
+          <a:lstStyle/>
+          <a:p>
+            <a:pPr algn="ctr"/>
+            <a:endParaRPr lang="en-US"/>
+          </a:p>
+        </p:txBody>
+      </p:sp>
+      <p:sp>
+        <p:nvSpPr>
+          <p:cNvPr id="2" name="Titel 1">
+            <a:extLst>
+              <a:ext uri="{FF2B5EF4-FFF2-40B4-BE49-F238E27FC236}">
+                <a16:creationId xmlns:a16="http://schemas.microsoft.com/office/drawing/2014/main" id="{ADD6C918-CE82-4828-A5DF-CC6D979097A3}"/>
+              </a:ext>
+            </a:extLst>
+          </p:cNvPr>
+          <p:cNvSpPr>
+            <a:spLocks noGrp="1"/>
+          </p:cNvSpPr>
+          <p:nvPr>
+            <p:ph type="title"/>
+          </p:nvPr>
+        </p:nvSpPr>
+        <p:spPr>
+          <a:xfrm>
+            <a:off x="556532" y="643467"/>
+            <a:ext cx="11210925" cy="744836"/>
+          </a:xfrm>
+        </p:spPr>
+        <p:txBody>
+          <a:bodyPr vert="horz" lIns="91440" tIns="45720" rIns="91440" bIns="45720" rtlCol="0" anchor="ctr">
+            <a:normAutofit/>
+          </a:bodyPr>
+          <a:lstStyle/>
+          <a:p>
+            <a:pPr algn="ctr"/>
+            <a:r>
+              <a:rPr lang="en-US" sz="3200" kern="1200" dirty="0" err="1">
+                <a:solidFill>
+                  <a:schemeClr val="bg1"/>
+                </a:solidFill>
+                <a:latin typeface="+mj-lt"/>
+                <a:ea typeface="+mj-ea"/>
+                <a:cs typeface="+mj-cs"/>
+              </a:rPr>
+              <a:t>Individidual</a:t>
+            </a:r>
+            <a:r>
+              <a:rPr lang="en-US" sz="3200" kern="1200" dirty="0">
+                <a:solidFill>
+                  <a:schemeClr val="bg1"/>
+                </a:solidFill>
+                <a:latin typeface="+mj-lt"/>
+                <a:ea typeface="+mj-ea"/>
+                <a:cs typeface="+mj-cs"/>
+              </a:rPr>
+              <a:t> Direction Count (3)</a:t>
+            </a:r>
+          </a:p>
+        </p:txBody>
+      </p:sp>
+      <p:pic>
+        <p:nvPicPr>
+          <p:cNvPr id="5" name="Grafik 4">
+            <a:extLst>
+              <a:ext uri="{FF2B5EF4-FFF2-40B4-BE49-F238E27FC236}">
+                <a16:creationId xmlns:a16="http://schemas.microsoft.com/office/drawing/2014/main" id="{1DF1F943-DB73-4B3F-A0AF-1072906DECD8}"/>
+              </a:ext>
+            </a:extLst>
+          </p:cNvPr>
+          <p:cNvPicPr>
+            <a:picLocks noChangeAspect="1"/>
+          </p:cNvPicPr>
+          <p:nvPr/>
+        </p:nvPicPr>
+        <p:blipFill rotWithShape="1">
+          <a:blip r:embed="rId2"/>
+          <a:srcRect l="-1" t="-1" r="457" b="1322"/>
+          <a:stretch/>
+        </p:blipFill>
+        <p:spPr>
+          <a:xfrm>
+            <a:off x="1933823" y="1675227"/>
+            <a:ext cx="8324353" cy="4394199"/>
+          </a:xfrm>
+          <a:prstGeom prst="rect">
+            <a:avLst/>
+          </a:prstGeom>
+        </p:spPr>
+      </p:pic>
+    </p:spTree>
+    <p:extLst>
+      <p:ext uri="{BB962C8B-B14F-4D97-AF65-F5344CB8AC3E}">
+        <p14:creationId xmlns:p14="http://schemas.microsoft.com/office/powerpoint/2010/main" val="3172556420"/>
+      </p:ext>
+    </p:extLst>
+  </p:cSld>
+  <p:clrMapOvr>
+    <a:masterClrMapping/>
+  </p:clrMapOvr>
+</p:sld>
+</file>
+
+<file path=ppt/slides/slide26.xml><?xml version="1.0" encoding="utf-8"?>
+<p:sld xmlns:a="http://schemas.openxmlformats.org/drawingml/2006/main" xmlns:r="http://schemas.openxmlformats.org/officeDocument/2006/relationships" xmlns:p="http://schemas.openxmlformats.org/presentationml/2006/main">
+  <p:cSld>
+    <p:bg>
+      <p:bgPr>
+        <a:solidFill>
+          <a:schemeClr val="bg1"/>
+        </a:solidFill>
+        <a:effectLst/>
+      </p:bgPr>
+    </p:bg>
+    <p:spTree>
+      <p:nvGrpSpPr>
+        <p:cNvPr id="1" name=""/>
+        <p:cNvGrpSpPr/>
+        <p:nvPr/>
+      </p:nvGrpSpPr>
+      <p:grpSpPr>
+        <a:xfrm>
+          <a:off x="0" y="0"/>
+          <a:ext cx="0" cy="0"/>
+          <a:chOff x="0" y="0"/>
+          <a:chExt cx="0" cy="0"/>
+        </a:xfrm>
+      </p:grpSpPr>
+      <p:sp>
+        <p:nvSpPr>
+          <p:cNvPr id="10" name="Rectangle 9">
+            <a:extLst>
+              <a:ext uri="{FF2B5EF4-FFF2-40B4-BE49-F238E27FC236}">
+                <a16:creationId xmlns:a16="http://schemas.microsoft.com/office/drawing/2014/main" id="{A4AC5506-6312-4701-8D3C-40187889A947}"/>
+              </a:ext>
+              <a:ext uri="{C183D7F6-B498-43B3-948B-1728B52AA6E4}">
+                <adec:decorative xmlns:adec="http://schemas.microsoft.com/office/drawing/2017/decorative" val="1"/>
+              </a:ext>
+            </a:extLst>
+          </p:cNvPr>
+          <p:cNvSpPr>
+            <a:spLocks noGrp="1" noRot="1" noChangeAspect="1" noMove="1" noResize="1" noEditPoints="1" noAdjustHandles="1" noChangeArrowheads="1" noChangeShapeType="1" noTextEdit="1"/>
+          </p:cNvSpPr>
+          <p:nvPr>
+            <p:extLst>
+              <p:ext uri="{386F3935-93C4-4BCD-93E2-E3B085C9AB24}">
+                <p16:designElem xmlns:p16="http://schemas.microsoft.com/office/powerpoint/2015/main" val="1"/>
+              </p:ext>
+            </p:extLst>
+          </p:nvPr>
+        </p:nvSpPr>
+        <p:spPr>
+          <a:xfrm>
+            <a:off x="0" y="651752"/>
+            <a:ext cx="12192000" cy="736551"/>
+          </a:xfrm>
+          <a:prstGeom prst="rect">
+            <a:avLst/>
+          </a:prstGeom>
+          <a:solidFill>
+            <a:schemeClr val="tx1"/>
+          </a:solidFill>
+          <a:ln>
+            <a:noFill/>
+          </a:ln>
+        </p:spPr>
+        <p:style>
+          <a:lnRef idx="2">
+            <a:schemeClr val="accent1">
+              <a:shade val="50000"/>
+            </a:schemeClr>
+          </a:lnRef>
+          <a:fillRef idx="1">
+            <a:schemeClr val="accent1"/>
+          </a:fillRef>
+          <a:effectRef idx="0">
+            <a:schemeClr val="accent1"/>
+          </a:effectRef>
+          <a:fontRef idx="minor">
+            <a:schemeClr val="lt1"/>
+          </a:fontRef>
+        </p:style>
+        <p:txBody>
+          <a:bodyPr rtlCol="0" anchor="ctr"/>
+          <a:lstStyle/>
+          <a:p>
+            <a:pPr algn="ctr"/>
+            <a:endParaRPr lang="en-US"/>
+          </a:p>
+        </p:txBody>
+      </p:sp>
+      <p:sp>
+        <p:nvSpPr>
+          <p:cNvPr id="2" name="Titel 1">
+            <a:extLst>
+              <a:ext uri="{FF2B5EF4-FFF2-40B4-BE49-F238E27FC236}">
+                <a16:creationId xmlns:a16="http://schemas.microsoft.com/office/drawing/2014/main" id="{408616E8-5A15-40CA-B11D-35A5492386DC}"/>
+              </a:ext>
+            </a:extLst>
+          </p:cNvPr>
+          <p:cNvSpPr>
+            <a:spLocks noGrp="1"/>
+          </p:cNvSpPr>
+          <p:nvPr>
+            <p:ph type="title"/>
+          </p:nvPr>
+        </p:nvSpPr>
+        <p:spPr>
+          <a:xfrm>
+            <a:off x="556532" y="643467"/>
+            <a:ext cx="11210925" cy="744836"/>
+          </a:xfrm>
+        </p:spPr>
+        <p:txBody>
+          <a:bodyPr vert="horz" lIns="91440" tIns="45720" rIns="91440" bIns="45720" rtlCol="0" anchor="ctr">
+            <a:normAutofit/>
+          </a:bodyPr>
+          <a:lstStyle/>
+          <a:p>
+            <a:pPr algn="ctr"/>
+            <a:r>
+              <a:rPr lang="en-US" sz="3200" kern="1200" dirty="0">
+                <a:solidFill>
+                  <a:schemeClr val="bg1"/>
+                </a:solidFill>
+                <a:latin typeface="+mj-lt"/>
+                <a:ea typeface="+mj-ea"/>
+                <a:cs typeface="+mj-cs"/>
+              </a:rPr>
+              <a:t>Street Input Output (6)</a:t>
+            </a:r>
+          </a:p>
+        </p:txBody>
+      </p:sp>
+      <p:pic>
+        <p:nvPicPr>
+          <p:cNvPr id="5" name="Grafik 4">
+            <a:extLst>
+              <a:ext uri="{FF2B5EF4-FFF2-40B4-BE49-F238E27FC236}">
+                <a16:creationId xmlns:a16="http://schemas.microsoft.com/office/drawing/2014/main" id="{9725931E-89D3-4DF1-911C-F0E8AA866D51}"/>
+              </a:ext>
+            </a:extLst>
+          </p:cNvPr>
+          <p:cNvPicPr>
+            <a:picLocks noChangeAspect="1"/>
+          </p:cNvPicPr>
+          <p:nvPr/>
+        </p:nvPicPr>
+        <p:blipFill rotWithShape="1">
+          <a:blip r:embed="rId2"/>
+          <a:srcRect t="-1" b="1244"/>
+          <a:stretch/>
+        </p:blipFill>
+        <p:spPr>
+          <a:xfrm>
+            <a:off x="2747801" y="1675227"/>
+            <a:ext cx="6696398" cy="4394199"/>
+          </a:xfrm>
+          <a:prstGeom prst="rect">
+            <a:avLst/>
+          </a:prstGeom>
+        </p:spPr>
+      </p:pic>
+    </p:spTree>
+    <p:extLst>
+      <p:ext uri="{BB962C8B-B14F-4D97-AF65-F5344CB8AC3E}">
+        <p14:creationId xmlns:p14="http://schemas.microsoft.com/office/powerpoint/2010/main" val="308403912"/>
       </p:ext>
     </p:extLst>
   </p:cSld>

--- a/Presentation/Traffic-flow-modeling-and-analysis.pptx
+++ b/Presentation/Traffic-flow-modeling-and-analysis.pptx
@@ -899,7 +899,7 @@
       </dgm:t>
     </dgm:pt>
     <dgm:pt modelId="{F2347A80-B246-477B-9355-ACFD2DA394F4}">
-      <dgm:prSet/>
+      <dgm:prSet custT="1"/>
       <dgm:spPr/>
       <dgm:t>
         <a:bodyPr/>
@@ -911,20 +911,20 @@
             </a:lnSpc>
           </a:pPr>
           <a:r>
-            <a:rPr lang="de-DE" dirty="0"/>
+            <a:rPr lang="de-DE" sz="1800" dirty="0"/>
             <a:t>Ptolemy Demos dursuchen </a:t>
           </a:r>
           <a:r>
-            <a:rPr lang="de-DE" dirty="0">
+            <a:rPr lang="de-DE" sz="1800" dirty="0">
               <a:sym typeface="Wingdings" panose="05000000000000000000" pitchFamily="2" charset="2"/>
             </a:rPr>
             <a:t></a:t>
           </a:r>
           <a:r>
-            <a:rPr lang="de-DE" dirty="0"/>
+            <a:rPr lang="de-DE" sz="1800" dirty="0"/>
             <a:t> „Air Traffic Model“ scheint Ähnlichkeiten aufzuweisen</a:t>
           </a:r>
-          <a:endParaRPr lang="en-US" dirty="0"/>
+          <a:endParaRPr lang="en-US" sz="1800" dirty="0"/>
         </a:p>
       </dgm:t>
     </dgm:pt>
@@ -968,10 +968,18 @@
             </a:lnSpc>
           </a:pPr>
           <a:r>
-            <a:rPr lang="de-DE"/>
-            <a:t>Eigenen Director geschrieben</a:t>
+            <a:rPr lang="de-DE" dirty="0"/>
+            <a:t>Eigenen </a:t>
           </a:r>
-          <a:endParaRPr lang="en-US"/>
+          <a:r>
+            <a:rPr lang="de-DE" dirty="0" err="1"/>
+            <a:t>Director</a:t>
+          </a:r>
+          <a:r>
+            <a:rPr lang="de-DE" dirty="0"/>
+            <a:t> geschrieben</a:t>
+          </a:r>
+          <a:endParaRPr lang="en-US" dirty="0"/>
         </a:p>
       </dgm:t>
     </dgm:pt>
@@ -1015,10 +1023,10 @@
             </a:lnSpc>
           </a:pPr>
           <a:r>
-            <a:rPr lang="de-DE"/>
+            <a:rPr lang="de-DE" dirty="0"/>
             <a:t>Eigene Models und Components geschrieben</a:t>
           </a:r>
-          <a:endParaRPr lang="en-US"/>
+          <a:endParaRPr lang="en-US" dirty="0"/>
         </a:p>
       </dgm:t>
     </dgm:pt>
@@ -1062,10 +1070,10 @@
             </a:lnSpc>
           </a:pPr>
           <a:r>
-            <a:rPr lang="de-DE"/>
+            <a:rPr lang="de-DE" dirty="0"/>
             <a:t>Zu viele Fehler bei Einbindung….</a:t>
           </a:r>
-          <a:endParaRPr lang="en-US"/>
+          <a:endParaRPr lang="en-US" dirty="0"/>
         </a:p>
       </dgm:t>
     </dgm:pt>
@@ -1134,7 +1142,7 @@
       <dgm:spPr/>
     </dgm:pt>
     <dgm:pt modelId="{61A82324-2D12-4E73-98A1-FBA9624DD2DF}" type="pres">
-      <dgm:prSet presAssocID="{F2347A80-B246-477B-9355-ACFD2DA394F4}" presName="textRect" presStyleLbl="revTx" presStyleIdx="0" presStyleCnt="4">
+      <dgm:prSet presAssocID="{F2347A80-B246-477B-9355-ACFD2DA394F4}" presName="textRect" presStyleLbl="revTx" presStyleIdx="0" presStyleCnt="4" custScaleX="139893">
         <dgm:presLayoutVars>
           <dgm:chMax val="1"/>
           <dgm:chPref val="1"/>
@@ -1336,7 +1344,7 @@
       </dsp:nvSpPr>
       <dsp:spPr>
         <a:xfrm>
-          <a:off x="1138979" y="1203549"/>
+          <a:off x="1138979" y="1124066"/>
           <a:ext cx="932563" cy="932563"/>
         </a:xfrm>
         <a:prstGeom prst="rect">
@@ -1393,8 +1401,8 @@
       </dsp:nvSpPr>
       <dsp:spPr>
         <a:xfrm>
-          <a:off x="569079" y="2427788"/>
-          <a:ext cx="2072362" cy="720000"/>
+          <a:off x="155716" y="2372271"/>
+          <a:ext cx="2899090" cy="855000"/>
         </a:xfrm>
         <a:prstGeom prst="rect">
           <a:avLst/>
@@ -1423,7 +1431,7 @@
         </a:bodyPr>
         <a:lstStyle/>
         <a:p>
-          <a:pPr marL="0" lvl="0" indent="0" algn="ctr" defTabSz="577850">
+          <a:pPr marL="0" lvl="0" indent="0" algn="ctr" defTabSz="800100">
             <a:lnSpc>
               <a:spcPct val="100000"/>
             </a:lnSpc>
@@ -1436,25 +1444,25 @@
             <a:buNone/>
           </a:pPr>
           <a:r>
-            <a:rPr lang="de-DE" sz="1300" kern="1200" dirty="0"/>
+            <a:rPr lang="de-DE" sz="1800" kern="1200" dirty="0"/>
             <a:t>Ptolemy Demos dursuchen </a:t>
           </a:r>
           <a:r>
-            <a:rPr lang="de-DE" sz="1300" kern="1200" dirty="0">
+            <a:rPr lang="de-DE" sz="1800" kern="1200" dirty="0">
               <a:sym typeface="Wingdings" panose="05000000000000000000" pitchFamily="2" charset="2"/>
             </a:rPr>
             <a:t></a:t>
           </a:r>
           <a:r>
-            <a:rPr lang="de-DE" sz="1300" kern="1200" dirty="0"/>
+            <a:rPr lang="de-DE" sz="1800" kern="1200" dirty="0"/>
             <a:t> „Air Traffic Model“ scheint Ähnlichkeiten aufzuweisen</a:t>
           </a:r>
-          <a:endParaRPr lang="en-US" sz="1300" kern="1200" dirty="0"/>
+          <a:endParaRPr lang="en-US" sz="1800" kern="1200" dirty="0"/>
         </a:p>
       </dsp:txBody>
       <dsp:txXfrm>
-        <a:off x="569079" y="2427788"/>
-        <a:ext cx="2072362" cy="720000"/>
+        <a:off x="155716" y="2372271"/>
+        <a:ext cx="2899090" cy="855000"/>
       </dsp:txXfrm>
     </dsp:sp>
     <dsp:sp modelId="{35BDAB88-EB1D-4DB7-9061-A8549B01DCCE}">
@@ -1464,7 +1472,7 @@
       </dsp:nvSpPr>
       <dsp:spPr>
         <a:xfrm>
-          <a:off x="3574005" y="1203549"/>
+          <a:off x="3987369" y="1124066"/>
           <a:ext cx="932563" cy="932563"/>
         </a:xfrm>
         <a:prstGeom prst="rect">
@@ -1521,8 +1529,8 @@
       </dsp:nvSpPr>
       <dsp:spPr>
         <a:xfrm>
-          <a:off x="3004105" y="2427788"/>
-          <a:ext cx="2072362" cy="720000"/>
+          <a:off x="3417469" y="2372271"/>
+          <a:ext cx="2072362" cy="855000"/>
         </a:xfrm>
         <a:prstGeom prst="rect">
           <a:avLst/>
@@ -1551,7 +1559,7 @@
         </a:bodyPr>
         <a:lstStyle/>
         <a:p>
-          <a:pPr marL="0" lvl="0" indent="0" algn="ctr" defTabSz="577850">
+          <a:pPr marL="0" lvl="0" indent="0" algn="ctr" defTabSz="800100">
             <a:lnSpc>
               <a:spcPct val="100000"/>
             </a:lnSpc>
@@ -1564,15 +1572,23 @@
             <a:buNone/>
           </a:pPr>
           <a:r>
-            <a:rPr lang="de-DE" sz="1300" kern="1200"/>
-            <a:t>Eigenen Director geschrieben</a:t>
+            <a:rPr lang="de-DE" sz="1800" kern="1200" dirty="0"/>
+            <a:t>Eigenen </a:t>
           </a:r>
-          <a:endParaRPr lang="en-US" sz="1300" kern="1200"/>
+          <a:r>
+            <a:rPr lang="de-DE" sz="1800" kern="1200" dirty="0" err="1"/>
+            <a:t>Director</a:t>
+          </a:r>
+          <a:r>
+            <a:rPr lang="de-DE" sz="1800" kern="1200" dirty="0"/>
+            <a:t> geschrieben</a:t>
+          </a:r>
+          <a:endParaRPr lang="en-US" sz="1800" kern="1200" dirty="0"/>
         </a:p>
       </dsp:txBody>
       <dsp:txXfrm>
-        <a:off x="3004105" y="2427788"/>
-        <a:ext cx="2072362" cy="720000"/>
+        <a:off x="3417469" y="2372271"/>
+        <a:ext cx="2072362" cy="855000"/>
       </dsp:txXfrm>
     </dsp:sp>
     <dsp:sp modelId="{4125C548-F8E1-493B-A5E9-DE856E2ED058}">
@@ -1582,7 +1598,7 @@
       </dsp:nvSpPr>
       <dsp:spPr>
         <a:xfrm>
-          <a:off x="6009031" y="1203549"/>
+          <a:off x="6422395" y="1124066"/>
           <a:ext cx="932563" cy="932563"/>
         </a:xfrm>
         <a:prstGeom prst="rect">
@@ -1639,8 +1655,8 @@
       </dsp:nvSpPr>
       <dsp:spPr>
         <a:xfrm>
-          <a:off x="5439131" y="2427788"/>
-          <a:ext cx="2072362" cy="720000"/>
+          <a:off x="5852495" y="2372271"/>
+          <a:ext cx="2072362" cy="855000"/>
         </a:xfrm>
         <a:prstGeom prst="rect">
           <a:avLst/>
@@ -1669,7 +1685,7 @@
         </a:bodyPr>
         <a:lstStyle/>
         <a:p>
-          <a:pPr marL="0" lvl="0" indent="0" algn="ctr" defTabSz="577850">
+          <a:pPr marL="0" lvl="0" indent="0" algn="ctr" defTabSz="800100">
             <a:lnSpc>
               <a:spcPct val="100000"/>
             </a:lnSpc>
@@ -1682,15 +1698,15 @@
             <a:buNone/>
           </a:pPr>
           <a:r>
-            <a:rPr lang="de-DE" sz="1300" kern="1200"/>
+            <a:rPr lang="de-DE" sz="1800" kern="1200" dirty="0"/>
             <a:t>Eigene Models und Components geschrieben</a:t>
           </a:r>
-          <a:endParaRPr lang="en-US" sz="1300" kern="1200"/>
+          <a:endParaRPr lang="en-US" sz="1800" kern="1200" dirty="0"/>
         </a:p>
       </dsp:txBody>
       <dsp:txXfrm>
-        <a:off x="5439131" y="2427788"/>
-        <a:ext cx="2072362" cy="720000"/>
+        <a:off x="5852495" y="2372271"/>
+        <a:ext cx="2072362" cy="855000"/>
       </dsp:txXfrm>
     </dsp:sp>
     <dsp:sp modelId="{007419E1-94F6-4A8C-B392-2F481E60391D}">
@@ -1700,7 +1716,7 @@
       </dsp:nvSpPr>
       <dsp:spPr>
         <a:xfrm>
-          <a:off x="8444057" y="1203549"/>
+          <a:off x="8857421" y="1124066"/>
           <a:ext cx="932563" cy="932563"/>
         </a:xfrm>
         <a:prstGeom prst="rect">
@@ -1757,8 +1773,8 @@
       </dsp:nvSpPr>
       <dsp:spPr>
         <a:xfrm>
-          <a:off x="7874157" y="2427788"/>
-          <a:ext cx="2072362" cy="720000"/>
+          <a:off x="8287521" y="2372271"/>
+          <a:ext cx="2072362" cy="855000"/>
         </a:xfrm>
         <a:prstGeom prst="rect">
           <a:avLst/>
@@ -1787,7 +1803,7 @@
         </a:bodyPr>
         <a:lstStyle/>
         <a:p>
-          <a:pPr marL="0" lvl="0" indent="0" algn="ctr" defTabSz="577850">
+          <a:pPr marL="0" lvl="0" indent="0" algn="ctr" defTabSz="800100">
             <a:lnSpc>
               <a:spcPct val="100000"/>
             </a:lnSpc>
@@ -1800,15 +1816,15 @@
             <a:buNone/>
           </a:pPr>
           <a:r>
-            <a:rPr lang="de-DE" sz="1300" kern="1200"/>
+            <a:rPr lang="de-DE" sz="1800" kern="1200" dirty="0"/>
             <a:t>Zu viele Fehler bei Einbindung….</a:t>
           </a:r>
-          <a:endParaRPr lang="en-US" sz="1300" kern="1200"/>
+          <a:endParaRPr lang="en-US" sz="1800" kern="1200" dirty="0"/>
         </a:p>
       </dsp:txBody>
       <dsp:txXfrm>
-        <a:off x="7874157" y="2427788"/>
-        <a:ext cx="2072362" cy="720000"/>
+        <a:off x="8287521" y="2372271"/>
+        <a:ext cx="2072362" cy="855000"/>
       </dsp:txXfrm>
     </dsp:sp>
   </dsp:spTree>
@@ -9701,56 +9717,56 @@
         </p:nvSpPr>
         <p:spPr>
           <a:xfrm>
-            <a:off x="1286931" y="2962451"/>
-            <a:ext cx="2779954" cy="2820012"/>
+            <a:off x="965199" y="2474790"/>
+            <a:ext cx="3948696" cy="2820012"/>
           </a:xfrm>
         </p:spPr>
         <p:txBody>
           <a:bodyPr>
-            <a:normAutofit/>
+            <a:noAutofit/>
           </a:bodyPr>
           <a:lstStyle/>
           <a:p>
             <a:r>
-              <a:rPr lang="de-DE" sz="1200" dirty="0"/>
+              <a:rPr lang="de-DE" sz="2000" dirty="0"/>
               <a:t>Ptolemy Traffic Model mit verschiedenen Kreuzungen (T- und Cross-</a:t>
             </a:r>
             <a:r>
-              <a:rPr lang="de-DE" sz="1200" dirty="0" err="1"/>
+              <a:rPr lang="de-DE" sz="2000" dirty="0" err="1"/>
               <a:t>Intersection</a:t>
             </a:r>
             <a:r>
-              <a:rPr lang="de-DE" sz="1200" dirty="0"/>
+              <a:rPr lang="de-DE" sz="2000" dirty="0"/>
               <a:t>)</a:t>
             </a:r>
           </a:p>
           <a:p>
             <a:r>
-              <a:rPr lang="de-DE" sz="1200" dirty="0"/>
+              <a:rPr lang="de-DE" sz="2000" dirty="0"/>
               <a:t>Rechtsregel implementieren</a:t>
             </a:r>
           </a:p>
           <a:p>
             <a:r>
-              <a:rPr lang="de-DE" sz="1200" dirty="0"/>
+              <a:rPr lang="de-DE" sz="2000" dirty="0"/>
               <a:t>Straßen mit Handhabung der Autos</a:t>
             </a:r>
           </a:p>
           <a:p>
             <a:r>
-              <a:rPr lang="de-DE" sz="1200" dirty="0"/>
+              <a:rPr lang="de-DE" sz="2000" dirty="0"/>
               <a:t>Autos aus mehreren Komponenten</a:t>
             </a:r>
           </a:p>
           <a:p>
             <a:r>
-              <a:rPr lang="de-DE" sz="1200" dirty="0"/>
+              <a:rPr lang="de-DE" sz="2000" dirty="0"/>
               <a:t>Analyse um starken Verkehr zu erkennen</a:t>
             </a:r>
           </a:p>
           <a:p>
             <a:r>
-              <a:rPr lang="de-DE" sz="1200" dirty="0"/>
+              <a:rPr lang="de-DE" sz="2000" dirty="0"/>
               <a:t>Design, das es ermöglicht, einfach Verkehrsmodelle auszutauschen</a:t>
             </a:r>
           </a:p>
@@ -9778,7 +9794,7 @@
         </p:blipFill>
         <p:spPr>
           <a:xfrm>
-            <a:off x="4662103" y="3142858"/>
+            <a:off x="4913895" y="3050093"/>
             <a:ext cx="6691698" cy="2459198"/>
           </a:xfrm>
           <a:prstGeom prst="rect">
@@ -16221,7 +16237,7 @@
             <p:ph idx="1"/>
             <p:extLst>
               <p:ext uri="{D42A27DB-BD31-4B8C-83A1-F6EECF244321}">
-                <p14:modId xmlns:p14="http://schemas.microsoft.com/office/powerpoint/2010/main" val="3286853637"/>
+                <p14:modId xmlns:p14="http://schemas.microsoft.com/office/powerpoint/2010/main" val="2684726975"/>
               </p:ext>
             </p:extLst>
           </p:nvPr>

--- a/Presentation/Traffic-flow-modeling-and-analysis.pptx
+++ b/Presentation/Traffic-flow-modeling-and-analysis.pptx
@@ -3202,7 +3202,7 @@
           <a:p>
             <a:fld id="{2CE709E5-6494-42E6-9F3E-1EC649FF95E6}" type="datetimeFigureOut">
               <a:rPr lang="de-DE" smtClean="0"/>
-              <a:t>28.01.2021</a:t>
+              <a:t>01.02.2021</a:t>
             </a:fld>
             <a:endParaRPr lang="de-DE"/>
           </a:p>
@@ -3400,7 +3400,7 @@
           <a:p>
             <a:fld id="{2CE709E5-6494-42E6-9F3E-1EC649FF95E6}" type="datetimeFigureOut">
               <a:rPr lang="de-DE" smtClean="0"/>
-              <a:t>28.01.2021</a:t>
+              <a:t>01.02.2021</a:t>
             </a:fld>
             <a:endParaRPr lang="de-DE"/>
           </a:p>
@@ -3608,7 +3608,7 @@
           <a:p>
             <a:fld id="{2CE709E5-6494-42E6-9F3E-1EC649FF95E6}" type="datetimeFigureOut">
               <a:rPr lang="de-DE" smtClean="0"/>
-              <a:t>28.01.2021</a:t>
+              <a:t>01.02.2021</a:t>
             </a:fld>
             <a:endParaRPr lang="de-DE"/>
           </a:p>
@@ -3806,7 +3806,7 @@
           <a:p>
             <a:fld id="{2CE709E5-6494-42E6-9F3E-1EC649FF95E6}" type="datetimeFigureOut">
               <a:rPr lang="de-DE" smtClean="0"/>
-              <a:t>28.01.2021</a:t>
+              <a:t>01.02.2021</a:t>
             </a:fld>
             <a:endParaRPr lang="de-DE"/>
           </a:p>
@@ -4081,7 +4081,7 @@
           <a:p>
             <a:fld id="{2CE709E5-6494-42E6-9F3E-1EC649FF95E6}" type="datetimeFigureOut">
               <a:rPr lang="de-DE" smtClean="0"/>
-              <a:t>28.01.2021</a:t>
+              <a:t>01.02.2021</a:t>
             </a:fld>
             <a:endParaRPr lang="de-DE"/>
           </a:p>
@@ -4346,7 +4346,7 @@
           <a:p>
             <a:fld id="{2CE709E5-6494-42E6-9F3E-1EC649FF95E6}" type="datetimeFigureOut">
               <a:rPr lang="de-DE" smtClean="0"/>
-              <a:t>28.01.2021</a:t>
+              <a:t>01.02.2021</a:t>
             </a:fld>
             <a:endParaRPr lang="de-DE"/>
           </a:p>
@@ -4758,7 +4758,7 @@
           <a:p>
             <a:fld id="{2CE709E5-6494-42E6-9F3E-1EC649FF95E6}" type="datetimeFigureOut">
               <a:rPr lang="de-DE" smtClean="0"/>
-              <a:t>28.01.2021</a:t>
+              <a:t>01.02.2021</a:t>
             </a:fld>
             <a:endParaRPr lang="de-DE"/>
           </a:p>
@@ -4899,7 +4899,7 @@
           <a:p>
             <a:fld id="{2CE709E5-6494-42E6-9F3E-1EC649FF95E6}" type="datetimeFigureOut">
               <a:rPr lang="de-DE" smtClean="0"/>
-              <a:t>28.01.2021</a:t>
+              <a:t>01.02.2021</a:t>
             </a:fld>
             <a:endParaRPr lang="de-DE"/>
           </a:p>
@@ -5012,7 +5012,7 @@
           <a:p>
             <a:fld id="{2CE709E5-6494-42E6-9F3E-1EC649FF95E6}" type="datetimeFigureOut">
               <a:rPr lang="de-DE" smtClean="0"/>
-              <a:t>28.01.2021</a:t>
+              <a:t>01.02.2021</a:t>
             </a:fld>
             <a:endParaRPr lang="de-DE"/>
           </a:p>
@@ -5323,7 +5323,7 @@
           <a:p>
             <a:fld id="{2CE709E5-6494-42E6-9F3E-1EC649FF95E6}" type="datetimeFigureOut">
               <a:rPr lang="de-DE" smtClean="0"/>
-              <a:t>28.01.2021</a:t>
+              <a:t>01.02.2021</a:t>
             </a:fld>
             <a:endParaRPr lang="de-DE"/>
           </a:p>
@@ -5611,7 +5611,7 @@
           <a:p>
             <a:fld id="{2CE709E5-6494-42E6-9F3E-1EC649FF95E6}" type="datetimeFigureOut">
               <a:rPr lang="de-DE" smtClean="0"/>
-              <a:t>28.01.2021</a:t>
+              <a:t>01.02.2021</a:t>
             </a:fld>
             <a:endParaRPr lang="de-DE"/>
           </a:p>
@@ -5852,7 +5852,7 @@
           <a:p>
             <a:fld id="{2CE709E5-6494-42E6-9F3E-1EC649FF95E6}" type="datetimeFigureOut">
               <a:rPr lang="de-DE" smtClean="0"/>
-              <a:t>28.01.2021</a:t>
+              <a:t>01.02.2021</a:t>
             </a:fld>
             <a:endParaRPr lang="de-DE"/>
           </a:p>
@@ -16739,7 +16739,7 @@
         </p:spPr>
         <p:txBody>
           <a:bodyPr anchor="ctr">
-            <a:normAutofit/>
+            <a:normAutofit lnSpcReduction="10000"/>
           </a:bodyPr>
           <a:lstStyle/>
           <a:p>
@@ -16779,7 +16779,7 @@
             </a:r>
             <a:r>
               <a:rPr lang="de-DE" sz="2000" dirty="0" err="1"/>
-              <a:t>PoissonClock</a:t>
+              <a:t>DiscreteClock</a:t>
             </a:r>
             <a:r>
               <a:rPr lang="de-DE" sz="2000" dirty="0"/>
@@ -16793,12 +16793,12 @@
               <a:t>Sendet zu </a:t>
             </a:r>
             <a:r>
-              <a:rPr lang="de-DE" sz="2000" dirty="0" err="1"/>
-              <a:t>random</a:t>
+              <a:rPr lang="de-DE" sz="2000"/>
+              <a:t>einer bestimmten Zeiten </a:t>
             </a:r>
             <a:r>
               <a:rPr lang="de-DE" sz="2000" dirty="0"/>
-              <a:t> Zeiten ein Signal</a:t>
+              <a:t>ein Signal</a:t>
             </a:r>
           </a:p>
           <a:p>

--- a/Presentation/Traffic-flow-modeling-and-analysis.pptx
+++ b/Presentation/Traffic-flow-modeling-and-analysis.pptx
@@ -16583,72 +16583,6 @@
       </p:grpSpPr>
       <p:sp>
         <p:nvSpPr>
-          <p:cNvPr id="35" name="Rectangle 32">
-            <a:extLst>
-              <a:ext uri="{FF2B5EF4-FFF2-40B4-BE49-F238E27FC236}">
-                <a16:creationId xmlns:a16="http://schemas.microsoft.com/office/drawing/2014/main" id="{EBF87945-A001-489F-9D9B-7D9435F0B9CA}"/>
-              </a:ext>
-              <a:ext uri="{C183D7F6-B498-43B3-948B-1728B52AA6E4}">
-                <adec:decorative xmlns:adec="http://schemas.microsoft.com/office/drawing/2017/decorative" val="1"/>
-              </a:ext>
-            </a:extLst>
-          </p:cNvPr>
-          <p:cNvSpPr>
-            <a:spLocks noGrp="1" noRot="1" noChangeAspect="1" noMove="1" noResize="1" noEditPoints="1" noAdjustHandles="1" noChangeArrowheads="1" noChangeShapeType="1" noTextEdit="1"/>
-          </p:cNvSpPr>
-          <p:nvPr>
-            <p:extLst>
-              <p:ext uri="{386F3935-93C4-4BCD-93E2-E3B085C9AB24}">
-                <p16:designElem xmlns:p16="http://schemas.microsoft.com/office/powerpoint/2015/main" val="1"/>
-              </p:ext>
-            </p:extLst>
-          </p:nvPr>
-        </p:nvSpPr>
-        <p:spPr>
-          <a:xfrm>
-            <a:off x="545592" y="347471"/>
-            <a:ext cx="11100816" cy="1801368"/>
-          </a:xfrm>
-          <a:prstGeom prst="rect">
-            <a:avLst/>
-          </a:prstGeom>
-          <a:solidFill>
-            <a:schemeClr val="tx1">
-              <a:lumMod val="75000"/>
-              <a:lumOff val="25000"/>
-            </a:schemeClr>
-          </a:solidFill>
-          <a:ln>
-            <a:noFill/>
-          </a:ln>
-        </p:spPr>
-        <p:style>
-          <a:lnRef idx="2">
-            <a:schemeClr val="accent1">
-              <a:shade val="50000"/>
-            </a:schemeClr>
-          </a:lnRef>
-          <a:fillRef idx="1">
-            <a:schemeClr val="accent1"/>
-          </a:fillRef>
-          <a:effectRef idx="0">
-            <a:schemeClr val="accent1"/>
-          </a:effectRef>
-          <a:fontRef idx="minor">
-            <a:schemeClr val="lt1"/>
-          </a:fontRef>
-        </p:style>
-        <p:txBody>
-          <a:bodyPr rtlCol="0" anchor="ctr"/>
-          <a:lstStyle/>
-          <a:p>
-            <a:pPr algn="ctr"/>
-            <a:endParaRPr lang="en-US"/>
-          </a:p>
-        </p:txBody>
-      </p:sp>
-      <p:sp>
-        <p:nvSpPr>
           <p:cNvPr id="2" name="Titel 1">
             <a:extLst>
               <a:ext uri="{FF2B5EF4-FFF2-40B4-BE49-F238E27FC236}">
@@ -16665,33 +16599,84 @@
         </p:nvSpPr>
         <p:spPr>
           <a:xfrm>
-            <a:off x="838200" y="585216"/>
-            <a:ext cx="10515600" cy="1325563"/>
+            <a:off x="960100" y="978102"/>
+            <a:ext cx="10588434" cy="1062644"/>
           </a:xfrm>
         </p:spPr>
         <p:txBody>
-          <a:bodyPr>
+          <a:bodyPr anchor="b">
             <a:normAutofit/>
           </a:bodyPr>
           <a:lstStyle/>
           <a:p>
             <a:r>
-              <a:rPr lang="de-DE">
-                <a:solidFill>
-                  <a:schemeClr val="bg1"/>
-                </a:solidFill>
-              </a:rPr>
+              <a:rPr lang="de-DE"/>
               <a:t>Wie bekommen wir Daten zu unseren Autos?</a:t>
             </a:r>
           </a:p>
         </p:txBody>
       </p:sp>
+      <p:cxnSp>
+        <p:nvCxnSpPr>
+          <p:cNvPr id="76" name="Straight Connector 69">
+            <a:extLst>
+              <a:ext uri="{FF2B5EF4-FFF2-40B4-BE49-F238E27FC236}">
+                <a16:creationId xmlns:a16="http://schemas.microsoft.com/office/drawing/2014/main" id="{39B7FDC9-F0CE-43A7-9F2A-83DD09DC3453}"/>
+              </a:ext>
+              <a:ext uri="{C183D7F6-B498-43B3-948B-1728B52AA6E4}">
+                <adec:decorative xmlns:adec="http://schemas.microsoft.com/office/drawing/2017/decorative" val="1"/>
+              </a:ext>
+            </a:extLst>
+          </p:cNvPr>
+          <p:cNvCxnSpPr>
+            <a:cxnSpLocks noGrp="1" noRot="1" noChangeAspect="1" noMove="1" noResize="1" noEditPoints="1" noAdjustHandles="1" noChangeArrowheads="1" noChangeShapeType="1"/>
+          </p:cNvCxnSpPr>
+          <p:nvPr>
+            <p:extLst>
+              <p:ext uri="{386F3935-93C4-4BCD-93E2-E3B085C9AB24}">
+                <p16:designElem xmlns:p16="http://schemas.microsoft.com/office/powerpoint/2015/main" val="1"/>
+              </p:ext>
+            </p:extLst>
+          </p:nvPr>
+        </p:nvCxnSpPr>
+        <p:spPr>
+          <a:xfrm>
+            <a:off x="1047624" y="2265037"/>
+            <a:ext cx="10125012" cy="0"/>
+          </a:xfrm>
+          <a:prstGeom prst="line">
+            <a:avLst/>
+          </a:prstGeom>
+          <a:ln w="15875">
+            <a:solidFill>
+              <a:schemeClr val="tx1">
+                <a:lumMod val="65000"/>
+                <a:lumOff val="35000"/>
+              </a:schemeClr>
+            </a:solidFill>
+          </a:ln>
+        </p:spPr>
+        <p:style>
+          <a:lnRef idx="1">
+            <a:schemeClr val="accent1"/>
+          </a:lnRef>
+          <a:fillRef idx="0">
+            <a:schemeClr val="accent1"/>
+          </a:fillRef>
+          <a:effectRef idx="0">
+            <a:schemeClr val="accent1"/>
+          </a:effectRef>
+          <a:fontRef idx="minor">
+            <a:schemeClr val="tx1"/>
+          </a:fontRef>
+        </p:style>
+      </p:cxnSp>
       <p:pic>
         <p:nvPicPr>
-          <p:cNvPr id="7" name="Grafik 6">
+          <p:cNvPr id="5" name="Grafik 4">
             <a:extLst>
               <a:ext uri="{FF2B5EF4-FFF2-40B4-BE49-F238E27FC236}">
-                <a16:creationId xmlns:a16="http://schemas.microsoft.com/office/drawing/2014/main" id="{637CE468-2611-4984-8AFD-A48B97A97705}"/>
+                <a16:creationId xmlns:a16="http://schemas.microsoft.com/office/drawing/2014/main" id="{8C96F8D1-FB29-4230-847C-F4E47D9ED5F1}"/>
               </a:ext>
             </a:extLst>
           </p:cNvPr>
@@ -16700,15 +16685,16 @@
           </p:cNvPicPr>
           <p:nvPr/>
         </p:nvPicPr>
-        <p:blipFill rotWithShape="1">
+        <p:blipFill>
           <a:blip r:embed="rId2"/>
-          <a:srcRect l="3823" r="5736" b="-2"/>
-          <a:stretch/>
+          <a:stretch>
+            <a:fillRect/>
+          </a:stretch>
         </p:blipFill>
         <p:spPr>
           <a:xfrm>
-            <a:off x="841248" y="2516777"/>
-            <a:ext cx="5015484" cy="3660185"/>
+            <a:off x="1114023" y="2811104"/>
+            <a:ext cx="3366480" cy="1016779"/>
           </a:xfrm>
           <a:prstGeom prst="rect">
             <a:avLst/>
@@ -16733,16 +16719,21 @@
         </p:nvSpPr>
         <p:spPr>
           <a:xfrm>
-            <a:off x="6338316" y="2516777"/>
-            <a:ext cx="5015484" cy="3660185"/>
+            <a:off x="4955354" y="2682433"/>
+            <a:ext cx="6282169" cy="3215749"/>
           </a:xfrm>
         </p:spPr>
         <p:txBody>
-          <a:bodyPr anchor="ctr">
-            <a:normAutofit lnSpcReduction="10000"/>
+          <a:bodyPr>
+            <a:normAutofit/>
           </a:bodyPr>
           <a:lstStyle/>
           <a:p>
+            <a:pPr>
+              <a:buClr>
+                <a:srgbClr val="FD0D0D"/>
+              </a:buClr>
+            </a:pPr>
             <a:r>
               <a:rPr lang="de-DE" sz="2000" dirty="0"/>
               <a:t>Actor „</a:t>
@@ -16757,29 +16748,48 @@
             </a:r>
           </a:p>
           <a:p>
-            <a:pPr lvl="1"/>
+            <a:pPr lvl="1">
+              <a:buClr>
+                <a:srgbClr val="FD0D0D"/>
+              </a:buClr>
+            </a:pPr>
             <a:r>
               <a:rPr lang="de-DE" sz="2000" dirty="0"/>
               <a:t>Kann CSV Dateien handhaben</a:t>
             </a:r>
           </a:p>
           <a:p>
+            <a:pPr>
+              <a:buClr>
+                <a:srgbClr val="FD0D0D"/>
+              </a:buClr>
+            </a:pPr>
             <a:r>
               <a:rPr lang="de-DE" sz="2000" dirty="0"/>
               <a:t>Actor wurde verwendet um die von uns erstellen „car.txt“ Dateien einzulesen und richtig zu konvertieren</a:t>
             </a:r>
           </a:p>
           <a:p>
+            <a:pPr>
+              <a:buClr>
+                <a:srgbClr val="FD0D0D"/>
+              </a:buClr>
+            </a:pPr>
             <a:endParaRPr lang="de-DE" sz="2000" dirty="0"/>
           </a:p>
           <a:p>
+            <a:pPr>
+              <a:buClr>
+                <a:srgbClr val="FD0D0D"/>
+              </a:buClr>
+            </a:pPr>
             <a:r>
               <a:rPr lang="de-DE" sz="2000" dirty="0"/>
               <a:t>Actor „</a:t>
             </a:r>
             <a:r>
               <a:rPr lang="de-DE" sz="2000" dirty="0" err="1"/>
-              <a:t>DiscreteClock</a:t>
+              <a:t>PoissonClock</a:t>
             </a:r>
             <a:r>
               <a:rPr lang="de-DE" sz="2000" dirty="0"/>
@@ -16787,22 +16797,22 @@
             </a:r>
           </a:p>
           <a:p>
-            <a:pPr lvl="1"/>
+            <a:pPr lvl="1">
+              <a:buClr>
+                <a:srgbClr val="FD0D0D"/>
+              </a:buClr>
+            </a:pPr>
             <a:r>
               <a:rPr lang="de-DE" sz="2000" dirty="0"/>
-              <a:t>Sendet zu </a:t>
-            </a:r>
-            <a:r>
-              <a:rPr lang="de-DE" sz="2000"/>
-              <a:t>einer bestimmten Zeiten </a:t>
-            </a:r>
-            <a:r>
-              <a:rPr lang="de-DE" sz="2000" dirty="0"/>
-              <a:t>ein Signal</a:t>
-            </a:r>
-          </a:p>
-          <a:p>
-            <a:pPr lvl="1"/>
+              <a:t>Sendet zu einer zufälligen Zeiten ein Signal</a:t>
+            </a:r>
+          </a:p>
+          <a:p>
+            <a:pPr lvl="1">
+              <a:buClr>
+                <a:srgbClr val="FD0D0D"/>
+              </a:buClr>
+            </a:pPr>
             <a:r>
               <a:rPr lang="de-DE" sz="2000" dirty="0"/>
               <a:t>Sendet ein Signal zu „</a:t>
